--- a/documents/プレゼン/Knowledge Holder_清書版.pptx
+++ b/documents/プレゼン/Knowledge Holder_清書版.pptx
@@ -134,6 +134,14 @@
       </a:defRPr>
     </a:lvl9pPr>
   </p:defaultTextStyle>
+  <p:extLst>
+    <p:ext uri="{EFAFB233-063F-42B5-8137-9DF3F51BA10A}">
+      <p15:sldGuideLst xmlns:p15="http://schemas.microsoft.com/office/powerpoint/2012/main"/>
+    </p:ext>
+    <p:ext uri="{2D200454-40CA-4A62-9FC3-DE9A4176ACB9}">
+      <p15:notesGuideLst xmlns:p15="http://schemas.microsoft.com/office/powerpoint/2012/main"/>
+    </p:ext>
+  </p:extLst>
 </p:presentation>
 </file>
 
@@ -6116,7 +6124,7 @@
           <a:p>
             <a:fld id="{F5EBD4BC-32F8-4E4C-8AF0-85E488C760B5}" type="datetimeFigureOut">
               <a:rPr kumimoji="1" lang="ja-JP" altLang="en-US" smtClean="0"/>
-              <a:t>2021/6/23</a:t>
+              <a:t>2021/6/24</a:t>
             </a:fld>
             <a:endParaRPr kumimoji="1" lang="ja-JP" altLang="en-US"/>
           </a:p>
@@ -6621,7 +6629,7 @@
           <a:p>
             <a:fld id="{8EA87251-A497-4BB6-A971-85DB68E48D99}" type="datetime1">
               <a:rPr kumimoji="1" lang="ja-JP" altLang="en-US" smtClean="0"/>
-              <a:t>2021/6/23</a:t>
+              <a:t>2021/6/24</a:t>
             </a:fld>
             <a:endParaRPr kumimoji="1" lang="ja-JP" altLang="en-US"/>
           </a:p>
@@ -6843,7 +6851,7 @@
           <a:p>
             <a:fld id="{D246D668-5478-4CAE-B41F-A8748F01BD50}" type="datetime1">
               <a:rPr kumimoji="1" lang="ja-JP" altLang="en-US" smtClean="0"/>
-              <a:t>2021/6/23</a:t>
+              <a:t>2021/6/24</a:t>
             </a:fld>
             <a:endParaRPr kumimoji="1" lang="ja-JP" altLang="en-US"/>
           </a:p>
@@ -7055,7 +7063,7 @@
           <a:p>
             <a:fld id="{341BD1EF-C56F-4322-801D-E70E7684262D}" type="datetime1">
               <a:rPr kumimoji="1" lang="ja-JP" altLang="en-US" smtClean="0"/>
-              <a:t>2021/6/23</a:t>
+              <a:t>2021/6/24</a:t>
             </a:fld>
             <a:endParaRPr kumimoji="1" lang="ja-JP" altLang="en-US"/>
           </a:p>
@@ -7257,7 +7265,7 @@
           <a:p>
             <a:fld id="{019508DE-2C23-4FB4-999E-5A20B67EF6D9}" type="datetime1">
               <a:rPr kumimoji="1" lang="ja-JP" altLang="en-US" smtClean="0"/>
-              <a:t>2021/6/23</a:t>
+              <a:t>2021/6/24</a:t>
             </a:fld>
             <a:endParaRPr kumimoji="1" lang="ja-JP" altLang="en-US"/>
           </a:p>
@@ -7513,7 +7521,7 @@
           <a:p>
             <a:fld id="{A61300FF-2BB5-42E1-9CD9-D1339B2435DD}" type="datetime1">
               <a:rPr kumimoji="1" lang="ja-JP" altLang="en-US" smtClean="0"/>
-              <a:t>2021/6/23</a:t>
+              <a:t>2021/6/24</a:t>
             </a:fld>
             <a:endParaRPr kumimoji="1" lang="ja-JP" altLang="en-US"/>
           </a:p>
@@ -7865,7 +7873,7 @@
           <a:p>
             <a:fld id="{9A2C3CFD-0245-4AED-9D0A-2692B8B9613F}" type="datetime1">
               <a:rPr kumimoji="1" lang="ja-JP" altLang="en-US" smtClean="0"/>
-              <a:t>2021/6/23</a:t>
+              <a:t>2021/6/24</a:t>
             </a:fld>
             <a:endParaRPr kumimoji="1" lang="ja-JP" altLang="en-US"/>
           </a:p>
@@ -8367,7 +8375,7 @@
           <a:p>
             <a:fld id="{2BA6B22C-94C4-4438-82C0-9F36A36021D5}" type="datetime1">
               <a:rPr kumimoji="1" lang="ja-JP" altLang="en-US" smtClean="0"/>
-              <a:t>2021/6/23</a:t>
+              <a:t>2021/6/24</a:t>
             </a:fld>
             <a:endParaRPr kumimoji="1" lang="ja-JP" altLang="en-US"/>
           </a:p>
@@ -8485,7 +8493,7 @@
           <a:p>
             <a:fld id="{EA37B330-6409-479C-9BC0-A125885B3442}" type="datetime1">
               <a:rPr kumimoji="1" lang="ja-JP" altLang="en-US" smtClean="0"/>
-              <a:t>2021/6/23</a:t>
+              <a:t>2021/6/24</a:t>
             </a:fld>
             <a:endParaRPr kumimoji="1" lang="ja-JP" altLang="en-US"/>
           </a:p>
@@ -8580,7 +8588,7 @@
           <a:p>
             <a:fld id="{EC67A1D3-A1A3-4D67-846D-6EDEE62CB0F8}" type="datetime1">
               <a:rPr kumimoji="1" lang="ja-JP" altLang="en-US" smtClean="0"/>
-              <a:t>2021/6/23</a:t>
+              <a:t>2021/6/24</a:t>
             </a:fld>
             <a:endParaRPr kumimoji="1" lang="ja-JP" altLang="en-US"/>
           </a:p>
@@ -8968,7 +8976,7 @@
           <a:p>
             <a:fld id="{429B8350-32D0-4119-B64A-6F6E1C82CDA0}" type="datetime1">
               <a:rPr kumimoji="1" lang="ja-JP" altLang="en-US" smtClean="0"/>
-              <a:t>2021/6/23</a:t>
+              <a:t>2021/6/24</a:t>
             </a:fld>
             <a:endParaRPr kumimoji="1" lang="ja-JP" altLang="en-US"/>
           </a:p>
@@ -9284,7 +9292,7 @@
           <a:p>
             <a:fld id="{27BB5ADC-8996-4F81-AFFE-FF476398D26E}" type="datetime1">
               <a:rPr kumimoji="1" lang="ja-JP" altLang="en-US" smtClean="0"/>
-              <a:t>2021/6/23</a:t>
+              <a:t>2021/6/24</a:t>
             </a:fld>
             <a:endParaRPr kumimoji="1" lang="ja-JP" altLang="en-US"/>
           </a:p>
@@ -9549,7 +9557,7 @@
           <a:p>
             <a:fld id="{47732710-2DD7-4A7F-98EC-B43D37353011}" type="datetime1">
               <a:rPr kumimoji="1" lang="ja-JP" altLang="en-US" smtClean="0"/>
-              <a:t>2021/6/23</a:t>
+              <a:t>2021/6/24</a:t>
             </a:fld>
             <a:endParaRPr kumimoji="1" lang="ja-JP" altLang="en-US"/>
           </a:p>
@@ -12921,17 +12929,14 @@
           <a:lstStyle/>
           <a:p>
             <a:pPr algn="ctr"/>
-            <a:r>
-              <a:rPr kumimoji="1" lang="ja-JP" altLang="en-US" sz="2800" dirty="0">
-                <a:solidFill>
-                  <a:schemeClr val="tx1">
-                    <a:lumMod val="75000"/>
-                    <a:lumOff val="25000"/>
-                  </a:schemeClr>
-                </a:solidFill>
-              </a:rPr>
-              <a:t>特に力を入れたこと</a:t>
-            </a:r>
+            <a:endParaRPr kumimoji="1" lang="ja-JP" altLang="en-US" sz="2800" dirty="0">
+              <a:solidFill>
+                <a:schemeClr val="tx1">
+                  <a:lumMod val="75000"/>
+                  <a:lumOff val="25000"/>
+                </a:schemeClr>
+              </a:solidFill>
+            </a:endParaRPr>
           </a:p>
         </p:txBody>
       </p:sp>
@@ -13256,17 +13261,14 @@
           <a:lstStyle/>
           <a:p>
             <a:pPr algn="ctr"/>
-            <a:r>
-              <a:rPr kumimoji="1" lang="ja-JP" altLang="en-US" sz="2800" dirty="0">
-                <a:solidFill>
-                  <a:schemeClr val="tx1">
-                    <a:lumMod val="75000"/>
-                    <a:lumOff val="25000"/>
-                  </a:schemeClr>
-                </a:solidFill>
-              </a:rPr>
-              <a:t>特に力を入れたこと</a:t>
-            </a:r>
+            <a:endParaRPr kumimoji="1" lang="ja-JP" altLang="en-US" sz="2800" dirty="0">
+              <a:solidFill>
+                <a:schemeClr val="tx1">
+                  <a:lumMod val="75000"/>
+                  <a:lumOff val="25000"/>
+                </a:schemeClr>
+              </a:solidFill>
+            </a:endParaRPr>
           </a:p>
         </p:txBody>
       </p:sp>
@@ -13649,17 +13651,14 @@
           <a:lstStyle/>
           <a:p>
             <a:pPr algn="ctr"/>
-            <a:r>
-              <a:rPr kumimoji="1" lang="ja-JP" altLang="en-US" sz="2800" dirty="0">
-                <a:solidFill>
-                  <a:schemeClr val="tx1">
-                    <a:lumMod val="75000"/>
-                    <a:lumOff val="25000"/>
-                  </a:schemeClr>
-                </a:solidFill>
-              </a:rPr>
-              <a:t>特に力を入れたこと</a:t>
-            </a:r>
+            <a:endParaRPr kumimoji="1" lang="ja-JP" altLang="en-US" sz="2800" dirty="0">
+              <a:solidFill>
+                <a:schemeClr val="tx1">
+                  <a:lumMod val="75000"/>
+                  <a:lumOff val="25000"/>
+                </a:schemeClr>
+              </a:solidFill>
+            </a:endParaRPr>
           </a:p>
         </p:txBody>
       </p:sp>
@@ -13711,17 +13710,14 @@
           <a:lstStyle/>
           <a:p>
             <a:pPr algn="ctr"/>
-            <a:r>
-              <a:rPr kumimoji="1" lang="ja-JP" altLang="en-US" sz="2800" dirty="0">
-                <a:solidFill>
-                  <a:schemeClr val="tx1">
-                    <a:lumMod val="75000"/>
-                    <a:lumOff val="25000"/>
-                  </a:schemeClr>
-                </a:solidFill>
-              </a:rPr>
-              <a:t>特に力を入れたこと</a:t>
-            </a:r>
+            <a:endParaRPr kumimoji="1" lang="ja-JP" altLang="en-US" sz="2800" dirty="0">
+              <a:solidFill>
+                <a:schemeClr val="tx1">
+                  <a:lumMod val="75000"/>
+                  <a:lumOff val="25000"/>
+                </a:schemeClr>
+              </a:solidFill>
+            </a:endParaRPr>
           </a:p>
         </p:txBody>
       </p:sp>
@@ -14032,7 +14028,7 @@
         </p:blipFill>
         <p:spPr>
           <a:xfrm>
-            <a:off x="238539" y="2431774"/>
+            <a:off x="332813" y="892238"/>
             <a:ext cx="1994452" cy="1994452"/>
           </a:xfrm>
           <a:prstGeom prst="rect">
@@ -14062,8 +14058,8 @@
           </a:prstGeom>
           <a:solidFill>
             <a:schemeClr val="accent1">
-              <a:lumMod val="20000"/>
-              <a:lumOff val="80000"/>
+              <a:lumMod val="40000"/>
+              <a:lumOff val="60000"/>
             </a:schemeClr>
           </a:solidFill>
           <a:ln>
@@ -14126,8 +14122,8 @@
           </a:prstGeom>
           <a:solidFill>
             <a:schemeClr val="accent1">
-              <a:lumMod val="20000"/>
-              <a:lumOff val="80000"/>
+              <a:lumMod val="40000"/>
+              <a:lumOff val="60000"/>
             </a:schemeClr>
           </a:solidFill>
           <a:ln>
@@ -14215,7 +14211,6 @@
           <a:bodyPr rtlCol="0" anchor="ctr"/>
           <a:lstStyle/>
           <a:p>
-            <a:pPr algn="ctr"/>
             <a:r>
               <a:rPr kumimoji="1" lang="ja-JP" altLang="en-US" sz="2800" dirty="0">
                 <a:solidFill>
@@ -14225,7 +14220,7 @@
                   </a:schemeClr>
                 </a:solidFill>
               </a:rPr>
-              <a:t>特に力を入れたこと</a:t>
+              <a:t>アプリの品質を高めるための土台作り</a:t>
             </a:r>
           </a:p>
         </p:txBody>
@@ -14244,8 +14239,8 @@
         </p:nvSpPr>
         <p:spPr>
           <a:xfrm>
-            <a:off x="2378168" y="3691316"/>
-            <a:ext cx="6342357" cy="2382113"/>
+            <a:off x="534572" y="3691316"/>
+            <a:ext cx="8185953" cy="2382113"/>
           </a:xfrm>
           <a:prstGeom prst="roundRect">
             <a:avLst/>
@@ -14307,7 +14302,76 @@
         </p:nvSpPr>
         <p:spPr>
           <a:xfrm>
-            <a:off x="2695523" y="4439511"/>
+            <a:off x="756812" y="4355389"/>
+            <a:ext cx="3877422" cy="1206179"/>
+          </a:xfrm>
+          <a:prstGeom prst="wedgeEllipseCallout">
+            <a:avLst/>
+          </a:prstGeom>
+          <a:ln>
+            <a:noFill/>
+          </a:ln>
+        </p:spPr>
+        <p:style>
+          <a:lnRef idx="2">
+            <a:schemeClr val="accent1">
+              <a:shade val="50000"/>
+            </a:schemeClr>
+          </a:lnRef>
+          <a:fillRef idx="1">
+            <a:schemeClr val="accent1"/>
+          </a:fillRef>
+          <a:effectRef idx="0">
+            <a:schemeClr val="accent1"/>
+          </a:effectRef>
+          <a:fontRef idx="minor">
+            <a:schemeClr val="lt1"/>
+          </a:fontRef>
+        </p:style>
+        <p:txBody>
+          <a:bodyPr rtlCol="0" anchor="ctr"/>
+          <a:lstStyle/>
+          <a:p>
+            <a:pPr algn="ctr"/>
+            <a:r>
+              <a:rPr kumimoji="1" lang="ja-JP" altLang="en-US" sz="2400" dirty="0">
+                <a:latin typeface="メイリオ" panose="020B0604030504040204" pitchFamily="50" charset="-128"/>
+                <a:ea typeface="メイリオ" panose="020B0604030504040204" pitchFamily="50" charset="-128"/>
+              </a:rPr>
+              <a:t>田島さんの</a:t>
+            </a:r>
+            <a:endParaRPr kumimoji="1" lang="en-US" altLang="ja-JP" sz="2400" dirty="0">
+              <a:latin typeface="メイリオ" panose="020B0604030504040204" pitchFamily="50" charset="-128"/>
+              <a:ea typeface="メイリオ" panose="020B0604030504040204" pitchFamily="50" charset="-128"/>
+            </a:endParaRPr>
+          </a:p>
+          <a:p>
+            <a:pPr algn="ctr"/>
+            <a:r>
+              <a:rPr kumimoji="1" lang="ja-JP" altLang="en-US" sz="2400" dirty="0">
+                <a:latin typeface="メイリオ" panose="020B0604030504040204" pitchFamily="50" charset="-128"/>
+                <a:ea typeface="メイリオ" panose="020B0604030504040204" pitchFamily="50" charset="-128"/>
+              </a:rPr>
+              <a:t>一言でエラー解決</a:t>
+            </a:r>
+          </a:p>
+        </p:txBody>
+      </p:sp>
+      <p:sp>
+        <p:nvSpPr>
+          <p:cNvPr id="19" name="吹き出し: 円形 18">
+            <a:extLst>
+              <a:ext uri="{FF2B5EF4-FFF2-40B4-BE49-F238E27FC236}">
+                <a16:creationId xmlns:a16="http://schemas.microsoft.com/office/drawing/2014/main" id="{C40FE76F-BAD9-4A63-9698-21BC126A8952}"/>
+              </a:ext>
+            </a:extLst>
+          </p:cNvPr>
+          <p:cNvSpPr/>
+          <p:nvPr/>
+        </p:nvSpPr>
+        <p:spPr>
+          <a:xfrm>
+            <a:off x="5378927" y="4510192"/>
             <a:ext cx="2366682" cy="1206179"/>
           </a:xfrm>
           <a:prstGeom prst="wedgeEllipseCallout">
@@ -14338,56 +14402,10 @@
           <a:lstStyle/>
           <a:p>
             <a:pPr algn="ctr"/>
-            <a:endParaRPr kumimoji="1" lang="ja-JP" altLang="en-US"/>
-          </a:p>
-        </p:txBody>
-      </p:sp>
-      <p:sp>
-        <p:nvSpPr>
-          <p:cNvPr id="19" name="吹き出し: 円形 18">
-            <a:extLst>
-              <a:ext uri="{FF2B5EF4-FFF2-40B4-BE49-F238E27FC236}">
-                <a16:creationId xmlns:a16="http://schemas.microsoft.com/office/drawing/2014/main" id="{C40FE76F-BAD9-4A63-9698-21BC126A8952}"/>
-              </a:ext>
-            </a:extLst>
-          </p:cNvPr>
-          <p:cNvSpPr/>
-          <p:nvPr/>
-        </p:nvSpPr>
-        <p:spPr>
-          <a:xfrm>
-            <a:off x="6018493" y="4423052"/>
-            <a:ext cx="2366682" cy="1206179"/>
-          </a:xfrm>
-          <a:prstGeom prst="wedgeEllipseCallout">
-            <a:avLst/>
-          </a:prstGeom>
-          <a:ln>
-            <a:noFill/>
-          </a:ln>
-        </p:spPr>
-        <p:style>
-          <a:lnRef idx="2">
-            <a:schemeClr val="accent1">
-              <a:shade val="50000"/>
-            </a:schemeClr>
-          </a:lnRef>
-          <a:fillRef idx="1">
-            <a:schemeClr val="accent1"/>
-          </a:fillRef>
-          <a:effectRef idx="0">
-            <a:schemeClr val="accent1"/>
-          </a:effectRef>
-          <a:fontRef idx="minor">
-            <a:schemeClr val="lt1"/>
-          </a:fontRef>
-        </p:style>
-        <p:txBody>
-          <a:bodyPr rtlCol="0" anchor="ctr"/>
-          <a:lstStyle/>
-          <a:p>
-            <a:pPr algn="ctr"/>
-            <a:endParaRPr kumimoji="1" lang="ja-JP" altLang="en-US"/>
+            <a:r>
+              <a:rPr kumimoji="1" lang="ja-JP" altLang="en-US" dirty="0"/>
+              <a:t>アプリの技術面を底上げしてくれた</a:t>
+            </a:r>
           </a:p>
         </p:txBody>
       </p:sp>
@@ -14405,7 +14423,7 @@
         </p:nvSpPr>
         <p:spPr>
           <a:xfrm>
-            <a:off x="165997" y="4423052"/>
+            <a:off x="304888" y="2773799"/>
             <a:ext cx="2139535" cy="830997"/>
           </a:xfrm>
           <a:prstGeom prst="rect">
@@ -14550,7 +14568,6 @@
           <a:bodyPr rtlCol="0" anchor="ctr"/>
           <a:lstStyle/>
           <a:p>
-            <a:pPr algn="ctr"/>
             <a:r>
               <a:rPr kumimoji="1" lang="ja-JP" altLang="en-US" sz="2800" dirty="0">
                 <a:solidFill>
@@ -14560,7 +14577,7 @@
                   </a:schemeClr>
                 </a:solidFill>
               </a:rPr>
-              <a:t>特に力を入れたこと</a:t>
+              <a:t>質問してもらいやすい振る舞い</a:t>
             </a:r>
           </a:p>
         </p:txBody>
@@ -15753,7 +15770,7 @@
         </p:blipFill>
         <p:spPr>
           <a:xfrm>
-            <a:off x="238539" y="2459632"/>
+            <a:off x="310901" y="908505"/>
             <a:ext cx="1994452" cy="1994452"/>
           </a:xfrm>
           <a:prstGeom prst="rect">
@@ -16031,18 +16048,14 @@
           <a:bodyPr rtlCol="0" anchor="ctr"/>
           <a:lstStyle/>
           <a:p>
-            <a:pPr algn="ctr"/>
-            <a:r>
-              <a:rPr kumimoji="1" lang="ja-JP" altLang="en-US" sz="2800" dirty="0">
-                <a:solidFill>
-                  <a:schemeClr val="tx1">
-                    <a:lumMod val="75000"/>
-                    <a:lumOff val="25000"/>
-                  </a:schemeClr>
-                </a:solidFill>
-              </a:rPr>
-              <a:t>特に力を入れたこと</a:t>
-            </a:r>
+            <a:endParaRPr kumimoji="1" lang="ja-JP" altLang="en-US" sz="2800" dirty="0">
+              <a:solidFill>
+                <a:schemeClr val="tx1">
+                  <a:lumMod val="75000"/>
+                  <a:lumOff val="25000"/>
+                </a:schemeClr>
+              </a:solidFill>
+            </a:endParaRPr>
           </a:p>
         </p:txBody>
       </p:sp>
@@ -16060,8 +16073,8 @@
         </p:nvSpPr>
         <p:spPr>
           <a:xfrm>
-            <a:off x="2378168" y="3691316"/>
-            <a:ext cx="6342357" cy="2382113"/>
+            <a:off x="376496" y="3691316"/>
+            <a:ext cx="8344030" cy="2382113"/>
           </a:xfrm>
           <a:prstGeom prst="roundRect">
             <a:avLst/>
@@ -16123,7 +16136,7 @@
         </p:nvSpPr>
         <p:spPr>
           <a:xfrm>
-            <a:off x="2695523" y="4439511"/>
+            <a:off x="1021468" y="4589368"/>
             <a:ext cx="2366682" cy="1206179"/>
           </a:xfrm>
           <a:prstGeom prst="wedgeEllipseCallout">
@@ -16154,7 +16167,18 @@
           <a:lstStyle/>
           <a:p>
             <a:pPr algn="ctr"/>
-            <a:endParaRPr kumimoji="1" lang="ja-JP" altLang="en-US"/>
+            <a:r>
+              <a:rPr kumimoji="1" lang="ja-JP" altLang="en-US" dirty="0"/>
+              <a:t>認識の共有を</a:t>
+            </a:r>
+            <a:endParaRPr kumimoji="1" lang="en-US" altLang="ja-JP" dirty="0"/>
+          </a:p>
+          <a:p>
+            <a:pPr algn="ctr"/>
+            <a:r>
+              <a:rPr kumimoji="1" lang="ja-JP" altLang="en-US" dirty="0"/>
+              <a:t>積極的に行っていた</a:t>
+            </a:r>
           </a:p>
         </p:txBody>
       </p:sp>
@@ -16172,7 +16196,7 @@
         </p:nvSpPr>
         <p:spPr>
           <a:xfrm>
-            <a:off x="6018493" y="4423052"/>
+            <a:off x="4870997" y="4344458"/>
             <a:ext cx="2366682" cy="1206179"/>
           </a:xfrm>
           <a:prstGeom prst="wedgeEllipseCallout">
@@ -16203,7 +16227,10 @@
           <a:lstStyle/>
           <a:p>
             <a:pPr algn="ctr"/>
-            <a:endParaRPr kumimoji="1" lang="ja-JP" altLang="en-US"/>
+            <a:r>
+              <a:rPr kumimoji="1" lang="ja-JP" altLang="en-US" dirty="0"/>
+              <a:t>プログラミング</a:t>
+            </a:r>
           </a:p>
         </p:txBody>
       </p:sp>
@@ -16293,7 +16320,6 @@
           <a:bodyPr rtlCol="0" anchor="ctr"/>
           <a:lstStyle/>
           <a:p>
-            <a:pPr algn="ctr"/>
             <a:r>
               <a:rPr kumimoji="1" lang="ja-JP" altLang="en-US" sz="2800" dirty="0">
                 <a:solidFill>
@@ -16303,7 +16329,7 @@
                   </a:schemeClr>
                 </a:solidFill>
               </a:rPr>
-              <a:t>特に力を入れたこと</a:t>
+              <a:t>プロジェクトを円滑に進める環境整備</a:t>
             </a:r>
           </a:p>
         </p:txBody>
@@ -16361,7 +16387,7 @@
         </p:nvSpPr>
         <p:spPr>
           <a:xfrm>
-            <a:off x="165997" y="4423052"/>
+            <a:off x="238359" y="2763220"/>
             <a:ext cx="2139535" cy="830997"/>
           </a:xfrm>
           <a:prstGeom prst="rect">
@@ -17287,7 +17313,7 @@
           <a:p>
             <a:pPr algn="ctr"/>
             <a:r>
-              <a:rPr kumimoji="1" lang="ja-JP" altLang="en-US" sz="2800" dirty="0">
+              <a:rPr kumimoji="1" lang="en-US" altLang="ja-JP" sz="2800">
                 <a:solidFill>
                   <a:schemeClr val="tx1">
                     <a:lumMod val="75000"/>
@@ -17295,8 +17321,16 @@
                   </a:schemeClr>
                 </a:solidFill>
               </a:rPr>
-              <a:t>特に力を入れたこと</a:t>
-            </a:r>
+              <a:t>JavaScript</a:t>
+            </a:r>
+            <a:endParaRPr kumimoji="1" lang="en-US" altLang="ja-JP" sz="2800" dirty="0">
+              <a:solidFill>
+                <a:schemeClr val="tx1">
+                  <a:lumMod val="75000"/>
+                  <a:lumOff val="25000"/>
+                </a:schemeClr>
+              </a:solidFill>
+            </a:endParaRPr>
           </a:p>
         </p:txBody>
       </p:sp>
@@ -17408,7 +17442,7 @@
           <a:lstStyle/>
           <a:p>
             <a:pPr algn="ctr"/>
-            <a:endParaRPr kumimoji="1" lang="ja-JP" altLang="en-US"/>
+            <a:endParaRPr kumimoji="1" lang="ja-JP" altLang="en-US" dirty="0"/>
           </a:p>
         </p:txBody>
       </p:sp>

--- a/documents/プレゼン/Knowledge Holder_清書版.pptx
+++ b/documents/プレゼン/Knowledge Holder_清書版.pptx
@@ -12929,7 +12929,18 @@
           <a:lstStyle/>
           <a:p>
             <a:pPr algn="ctr"/>
-            <a:endParaRPr kumimoji="1" lang="ja-JP" altLang="en-US" sz="2800" dirty="0">
+            <a:r>
+              <a:rPr kumimoji="1" lang="ja-JP" altLang="en-US" sz="2800" dirty="0">
+                <a:solidFill>
+                  <a:schemeClr val="tx1">
+                    <a:lumMod val="75000"/>
+                    <a:lumOff val="25000"/>
+                  </a:schemeClr>
+                </a:solidFill>
+              </a:rPr>
+              <a:t>認識の共有</a:t>
+            </a:r>
+            <a:endParaRPr kumimoji="1" lang="en-US" altLang="ja-JP" sz="2800" dirty="0">
               <a:solidFill>
                 <a:schemeClr val="tx1">
                   <a:lumMod val="75000"/>
@@ -13048,7 +13059,10 @@
           <a:lstStyle/>
           <a:p>
             <a:pPr algn="ctr"/>
-            <a:endParaRPr kumimoji="1" lang="ja-JP" altLang="en-US"/>
+            <a:r>
+              <a:rPr kumimoji="1" lang="ja-JP" altLang="en-US" dirty="0"/>
+              <a:t>話しやすい雰囲気にしてくれた</a:t>
+            </a:r>
           </a:p>
         </p:txBody>
       </p:sp>
@@ -13097,7 +13111,10 @@
           <a:lstStyle/>
           <a:p>
             <a:pPr algn="ctr"/>
-            <a:endParaRPr kumimoji="1" lang="ja-JP" altLang="en-US"/>
+            <a:r>
+              <a:rPr kumimoji="1" lang="ja-JP" altLang="en-US" dirty="0"/>
+              <a:t>スケジュール管理をしてくれた</a:t>
+            </a:r>
           </a:p>
         </p:txBody>
       </p:sp>
@@ -13261,14 +13278,17 @@
           <a:lstStyle/>
           <a:p>
             <a:pPr algn="ctr"/>
-            <a:endParaRPr kumimoji="1" lang="ja-JP" altLang="en-US" sz="2800" dirty="0">
-              <a:solidFill>
-                <a:schemeClr val="tx1">
-                  <a:lumMod val="75000"/>
-                  <a:lumOff val="25000"/>
-                </a:schemeClr>
-              </a:solidFill>
-            </a:endParaRPr>
+            <a:r>
+              <a:rPr kumimoji="1" lang="ja-JP" altLang="en-US" sz="2800" dirty="0">
+                <a:solidFill>
+                  <a:schemeClr val="tx1">
+                    <a:lumMod val="75000"/>
+                    <a:lumOff val="25000"/>
+                  </a:schemeClr>
+                </a:solidFill>
+              </a:rPr>
+              <a:t>意見を出しやすい雰囲気づくり</a:t>
+            </a:r>
           </a:p>
         </p:txBody>
       </p:sp>
@@ -13651,14 +13671,17 @@
           <a:lstStyle/>
           <a:p>
             <a:pPr algn="ctr"/>
-            <a:endParaRPr kumimoji="1" lang="ja-JP" altLang="en-US" sz="2800" dirty="0">
-              <a:solidFill>
-                <a:schemeClr val="tx1">
-                  <a:lumMod val="75000"/>
-                  <a:lumOff val="25000"/>
-                </a:schemeClr>
-              </a:solidFill>
-            </a:endParaRPr>
+            <a:r>
+              <a:rPr kumimoji="1" lang="ja-JP" altLang="en-US" sz="2800" dirty="0">
+                <a:solidFill>
+                  <a:schemeClr val="tx1">
+                    <a:lumMod val="75000"/>
+                    <a:lumOff val="25000"/>
+                  </a:schemeClr>
+                </a:solidFill>
+              </a:rPr>
+              <a:t>時間管理が甘い</a:t>
+            </a:r>
           </a:p>
         </p:txBody>
       </p:sp>
@@ -13710,14 +13733,17 @@
           <a:lstStyle/>
           <a:p>
             <a:pPr algn="ctr"/>
-            <a:endParaRPr kumimoji="1" lang="ja-JP" altLang="en-US" sz="2800" dirty="0">
-              <a:solidFill>
-                <a:schemeClr val="tx1">
-                  <a:lumMod val="75000"/>
-                  <a:lumOff val="25000"/>
-                </a:schemeClr>
-              </a:solidFill>
-            </a:endParaRPr>
+            <a:r>
+              <a:rPr kumimoji="1" lang="ja-JP" altLang="en-US" sz="2800" dirty="0">
+                <a:solidFill>
+                  <a:schemeClr val="tx1">
+                    <a:lumMod val="75000"/>
+                    <a:lumOff val="25000"/>
+                  </a:schemeClr>
+                </a:solidFill>
+              </a:rPr>
+              <a:t>一つのタスクに対する時間の見積もりの精度を向上させたい</a:t>
+            </a:r>
           </a:p>
         </p:txBody>
       </p:sp>
@@ -14962,7 +14988,7 @@
           <a:p>
             <a:pPr algn="ctr"/>
             <a:r>
-              <a:rPr kumimoji="1" lang="ja-JP" altLang="en-US" sz="2800" dirty="0">
+              <a:rPr kumimoji="1" lang="ja-JP" altLang="en-US" sz="2000" dirty="0">
                 <a:solidFill>
                   <a:schemeClr val="tx1">
                     <a:lumMod val="75000"/>
@@ -14970,7 +14996,7 @@
                   </a:schemeClr>
                 </a:solidFill>
               </a:rPr>
-              <a:t>特に力を入れたこと</a:t>
+              <a:t>品質管理の観点で行動できたことが少なかった</a:t>
             </a:r>
           </a:p>
         </p:txBody>
@@ -15023,17 +15049,14 @@
           <a:lstStyle/>
           <a:p>
             <a:pPr algn="ctr"/>
-            <a:r>
-              <a:rPr kumimoji="1" lang="ja-JP" altLang="en-US" sz="2800" dirty="0">
-                <a:solidFill>
-                  <a:schemeClr val="tx1">
-                    <a:lumMod val="75000"/>
-                    <a:lumOff val="25000"/>
-                  </a:schemeClr>
-                </a:solidFill>
-              </a:rPr>
-              <a:t>特に力を入れたこと</a:t>
-            </a:r>
+            <a:endParaRPr kumimoji="1" lang="ja-JP" altLang="en-US" sz="2800" dirty="0">
+              <a:solidFill>
+                <a:schemeClr val="tx1">
+                  <a:lumMod val="75000"/>
+                  <a:lumOff val="25000"/>
+                </a:schemeClr>
+              </a:solidFill>
+            </a:endParaRPr>
           </a:p>
         </p:txBody>
       </p:sp>
@@ -17313,7 +17336,7 @@
           <a:p>
             <a:pPr algn="ctr"/>
             <a:r>
-              <a:rPr kumimoji="1" lang="en-US" altLang="ja-JP" sz="2800">
+              <a:rPr kumimoji="1" lang="en-US" altLang="ja-JP" sz="2600" dirty="0">
                 <a:solidFill>
                   <a:schemeClr val="tx1">
                     <a:lumMod val="75000"/>
@@ -17323,7 +17346,18 @@
               </a:rPr>
               <a:t>JavaScript</a:t>
             </a:r>
-            <a:endParaRPr kumimoji="1" lang="en-US" altLang="ja-JP" sz="2800" dirty="0">
+            <a:r>
+              <a:rPr kumimoji="1" lang="ja-JP" altLang="en-US" sz="2600" dirty="0">
+                <a:solidFill>
+                  <a:schemeClr val="tx1">
+                    <a:lumMod val="75000"/>
+                    <a:lumOff val="25000"/>
+                  </a:schemeClr>
+                </a:solidFill>
+              </a:rPr>
+              <a:t>を活用したユーザビリティの向上</a:t>
+            </a:r>
+            <a:endParaRPr kumimoji="1" lang="en-US" altLang="ja-JP" sz="2600" dirty="0">
               <a:solidFill>
                 <a:schemeClr val="tx1">
                   <a:lumMod val="75000"/>
@@ -17348,8 +17382,8 @@
         </p:nvSpPr>
         <p:spPr>
           <a:xfrm>
-            <a:off x="2378168" y="3691316"/>
-            <a:ext cx="6342357" cy="2382113"/>
+            <a:off x="376496" y="3691316"/>
+            <a:ext cx="8344030" cy="2382113"/>
           </a:xfrm>
           <a:prstGeom prst="roundRect">
             <a:avLst/>
@@ -17411,8 +17445,8 @@
         </p:nvSpPr>
         <p:spPr>
           <a:xfrm>
-            <a:off x="2695523" y="4439511"/>
-            <a:ext cx="2366682" cy="1206179"/>
+            <a:off x="1289685" y="4450935"/>
+            <a:ext cx="2958757" cy="1425478"/>
           </a:xfrm>
           <a:prstGeom prst="wedgeEllipseCallout">
             <a:avLst/>
@@ -17442,7 +17476,22 @@
           <a:lstStyle/>
           <a:p>
             <a:pPr algn="ctr"/>
-            <a:endParaRPr kumimoji="1" lang="ja-JP" altLang="en-US" dirty="0"/>
+            <a:r>
+              <a:rPr kumimoji="1" lang="en-US" altLang="ja-JP" dirty="0"/>
+              <a:t>CSS、</a:t>
+            </a:r>
+            <a:r>
+              <a:rPr kumimoji="1" lang="ja-JP" altLang="en-US" dirty="0"/>
+              <a:t>ｊｓの巨匠</a:t>
+            </a:r>
+            <a:endParaRPr kumimoji="1" lang="en-US" altLang="ja-JP" dirty="0"/>
+          </a:p>
+          <a:p>
+            <a:pPr algn="ctr"/>
+            <a:r>
+              <a:rPr kumimoji="1" lang="ja-JP" altLang="en-US" dirty="0"/>
+              <a:t>アイディアの豊富さ</a:t>
+            </a:r>
           </a:p>
         </p:txBody>
       </p:sp>
@@ -17460,8 +17509,8 @@
         </p:nvSpPr>
         <p:spPr>
           <a:xfrm>
-            <a:off x="6018493" y="4423052"/>
-            <a:ext cx="2366682" cy="1206179"/>
+            <a:off x="4766467" y="4111977"/>
+            <a:ext cx="3505335" cy="1641709"/>
           </a:xfrm>
           <a:prstGeom prst="wedgeEllipseCallout">
             <a:avLst/>
@@ -17491,7 +17540,18 @@
           <a:lstStyle/>
           <a:p>
             <a:pPr algn="ctr"/>
-            <a:endParaRPr kumimoji="1" lang="ja-JP" altLang="en-US"/>
+            <a:r>
+              <a:rPr kumimoji="1" lang="ja-JP" altLang="en-US" dirty="0"/>
+              <a:t>放置しても安心</a:t>
+            </a:r>
+            <a:endParaRPr kumimoji="1" lang="en-US" altLang="ja-JP" dirty="0"/>
+          </a:p>
+          <a:p>
+            <a:pPr algn="ctr"/>
+            <a:r>
+              <a:rPr kumimoji="1" lang="ja-JP" altLang="en-US" dirty="0"/>
+              <a:t>何も言うことがない</a:t>
+            </a:r>
           </a:p>
         </p:txBody>
       </p:sp>
@@ -17581,7 +17641,6 @@
           <a:bodyPr rtlCol="0" anchor="ctr"/>
           <a:lstStyle/>
           <a:p>
-            <a:pPr algn="ctr"/>
             <a:r>
               <a:rPr kumimoji="1" lang="ja-JP" altLang="en-US" sz="2800" dirty="0">
                 <a:solidFill>
@@ -17591,7 +17650,29 @@
                   </a:schemeClr>
                 </a:solidFill>
               </a:rPr>
-              <a:t>特に力を入れたこと</a:t>
+              <a:t>与えられたタスクを</a:t>
+            </a:r>
+            <a:r>
+              <a:rPr kumimoji="1" lang="en-US" altLang="ja-JP" sz="2800" dirty="0">
+                <a:solidFill>
+                  <a:schemeClr val="tx1">
+                    <a:lumMod val="75000"/>
+                    <a:lumOff val="25000"/>
+                  </a:schemeClr>
+                </a:solidFill>
+              </a:rPr>
+              <a:t>120%</a:t>
+            </a:r>
+            <a:r>
+              <a:rPr kumimoji="1" lang="ja-JP" altLang="en-US" sz="2800" dirty="0">
+                <a:solidFill>
+                  <a:schemeClr val="tx1">
+                    <a:lumMod val="75000"/>
+                    <a:lumOff val="25000"/>
+                  </a:schemeClr>
+                </a:solidFill>
+              </a:rPr>
+              <a:t>でこなす</a:t>
             </a:r>
           </a:p>
         </p:txBody>
@@ -17666,7 +17747,7 @@
         </p:blipFill>
         <p:spPr>
           <a:xfrm>
-            <a:off x="238539" y="2431774"/>
+            <a:off x="292460" y="807212"/>
             <a:ext cx="1994452" cy="1994452"/>
           </a:xfrm>
           <a:prstGeom prst="rect">
@@ -17688,7 +17769,7 @@
         </p:nvSpPr>
         <p:spPr>
           <a:xfrm>
-            <a:off x="165997" y="4423052"/>
+            <a:off x="304888" y="2691653"/>
             <a:ext cx="2139535" cy="1200329"/>
           </a:xfrm>
           <a:prstGeom prst="rect">
@@ -18112,7 +18193,7 @@
                   </a:schemeClr>
                 </a:solidFill>
               </a:rPr>
-              <a:t>特に力を入れたこと</a:t>
+              <a:t>コミュニケーションにもっと積極的に参加する</a:t>
             </a:r>
           </a:p>
         </p:txBody>
@@ -18174,8 +18255,16 @@
                   </a:schemeClr>
                 </a:solidFill>
               </a:rPr>
-              <a:t>特に力を入れたこと</a:t>
-            </a:r>
+              <a:t>メンテナンス性の高いコードを作成する</a:t>
+            </a:r>
+            <a:endParaRPr kumimoji="1" lang="en-US" altLang="ja-JP" sz="2800" dirty="0">
+              <a:solidFill>
+                <a:schemeClr val="tx1">
+                  <a:lumMod val="75000"/>
+                  <a:lumOff val="25000"/>
+                </a:schemeClr>
+              </a:solidFill>
+            </a:endParaRPr>
           </a:p>
         </p:txBody>
       </p:sp>
@@ -18734,7 +18823,7 @@
                   </a:schemeClr>
                 </a:solidFill>
               </a:rPr>
-              <a:t>特に力を入れたこと</a:t>
+              <a:t>複合検索の実装</a:t>
             </a:r>
           </a:p>
         </p:txBody>
@@ -18996,7 +19085,7 @@
                   </a:schemeClr>
                 </a:solidFill>
               </a:rPr>
-              <a:t>特に力を入れたこと</a:t>
+              <a:t>発言する</a:t>
             </a:r>
           </a:p>
         </p:txBody>
@@ -20020,17 +20109,14 @@
           <a:lstStyle/>
           <a:p>
             <a:pPr algn="ctr"/>
-            <a:r>
-              <a:rPr kumimoji="1" lang="ja-JP" altLang="en-US" sz="2800" dirty="0">
-                <a:solidFill>
-                  <a:schemeClr val="tx1">
-                    <a:lumMod val="75000"/>
-                    <a:lumOff val="25000"/>
-                  </a:schemeClr>
-                </a:solidFill>
-              </a:rPr>
-              <a:t>特に力を入れたこと</a:t>
-            </a:r>
+            <a:endParaRPr kumimoji="1" lang="ja-JP" altLang="en-US" sz="2800" dirty="0">
+              <a:solidFill>
+                <a:schemeClr val="tx1">
+                  <a:lumMod val="75000"/>
+                  <a:lumOff val="25000"/>
+                </a:schemeClr>
+              </a:solidFill>
+            </a:endParaRPr>
           </a:p>
         </p:txBody>
       </p:sp>
@@ -20142,7 +20228,15 @@
           <a:lstStyle/>
           <a:p>
             <a:pPr algn="ctr"/>
-            <a:endParaRPr kumimoji="1" lang="ja-JP" altLang="en-US"/>
+            <a:r>
+              <a:rPr kumimoji="1" lang="ja-JP" altLang="en-US" dirty="0"/>
+              <a:t>ねこちゃんありがとう</a:t>
+            </a:r>
+            <a:r>
+              <a:rPr kumimoji="1" lang="en-US" altLang="ja-JP" dirty="0"/>
+              <a:t>…</a:t>
+            </a:r>
+            <a:endParaRPr kumimoji="1" lang="ja-JP" altLang="en-US" dirty="0"/>
           </a:p>
         </p:txBody>
       </p:sp>
@@ -20191,7 +20285,7 @@
           <a:lstStyle/>
           <a:p>
             <a:pPr algn="ctr"/>
-            <a:endParaRPr kumimoji="1" lang="ja-JP" altLang="en-US"/>
+            <a:endParaRPr kumimoji="1" lang="ja-JP" altLang="en-US" dirty="0"/>
           </a:p>
         </p:txBody>
       </p:sp>

--- a/documents/プレゼン/Knowledge Holder_清書版.pptx
+++ b/documents/プレゼン/Knowledge Holder_清書版.pptx
@@ -5,37 +5,39 @@
     <p:sldMasterId id="2147483720" r:id="rId1"/>
   </p:sldMasterIdLst>
   <p:notesMasterIdLst>
-    <p:notesMasterId r:id="rId30"/>
+    <p:notesMasterId r:id="rId32"/>
   </p:notesMasterIdLst>
   <p:sldIdLst>
     <p:sldId id="256" r:id="rId2"/>
-    <p:sldId id="259" r:id="rId3"/>
-    <p:sldId id="260" r:id="rId4"/>
-    <p:sldId id="263" r:id="rId5"/>
+    <p:sldId id="260" r:id="rId3"/>
+    <p:sldId id="263" r:id="rId4"/>
+    <p:sldId id="259" r:id="rId5"/>
     <p:sldId id="279" r:id="rId6"/>
     <p:sldId id="282" r:id="rId7"/>
     <p:sldId id="280" r:id="rId8"/>
-    <p:sldId id="281" r:id="rId9"/>
-    <p:sldId id="283" r:id="rId10"/>
-    <p:sldId id="277" r:id="rId11"/>
-    <p:sldId id="258" r:id="rId12"/>
-    <p:sldId id="264" r:id="rId13"/>
-    <p:sldId id="278" r:id="rId14"/>
-    <p:sldId id="284" r:id="rId15"/>
-    <p:sldId id="285" r:id="rId16"/>
-    <p:sldId id="261" r:id="rId17"/>
-    <p:sldId id="262" r:id="rId18"/>
-    <p:sldId id="267" r:id="rId19"/>
-    <p:sldId id="271" r:id="rId20"/>
-    <p:sldId id="268" r:id="rId21"/>
-    <p:sldId id="272" r:id="rId22"/>
-    <p:sldId id="269" r:id="rId23"/>
-    <p:sldId id="273" r:id="rId24"/>
-    <p:sldId id="270" r:id="rId25"/>
-    <p:sldId id="274" r:id="rId26"/>
-    <p:sldId id="275" r:id="rId27"/>
-    <p:sldId id="276" r:id="rId28"/>
-    <p:sldId id="265" r:id="rId29"/>
+    <p:sldId id="287" r:id="rId9"/>
+    <p:sldId id="288" r:id="rId10"/>
+    <p:sldId id="281" r:id="rId11"/>
+    <p:sldId id="283" r:id="rId12"/>
+    <p:sldId id="277" r:id="rId13"/>
+    <p:sldId id="258" r:id="rId14"/>
+    <p:sldId id="264" r:id="rId15"/>
+    <p:sldId id="278" r:id="rId16"/>
+    <p:sldId id="284" r:id="rId17"/>
+    <p:sldId id="285" r:id="rId18"/>
+    <p:sldId id="261" r:id="rId19"/>
+    <p:sldId id="262" r:id="rId20"/>
+    <p:sldId id="267" r:id="rId21"/>
+    <p:sldId id="271" r:id="rId22"/>
+    <p:sldId id="268" r:id="rId23"/>
+    <p:sldId id="272" r:id="rId24"/>
+    <p:sldId id="269" r:id="rId25"/>
+    <p:sldId id="273" r:id="rId26"/>
+    <p:sldId id="270" r:id="rId27"/>
+    <p:sldId id="274" r:id="rId28"/>
+    <p:sldId id="275" r:id="rId29"/>
+    <p:sldId id="286" r:id="rId30"/>
+    <p:sldId id="265" r:id="rId31"/>
   </p:sldIdLst>
   <p:sldSz cx="9144000" cy="6858000" type="screen4x3"/>
   <p:notesSz cx="6858000" cy="9144000"/>
@@ -2240,6 +2242,8 @@
                   <a:lumOff val="25000"/>
                 </a:schemeClr>
               </a:solidFill>
+              <a:latin typeface="メイリオ" panose="020B0604030504040204" pitchFamily="50" charset="-128"/>
+              <a:ea typeface="メイリオ" panose="020B0604030504040204" pitchFamily="50" charset="-128"/>
             </a:rPr>
             <a:t>回答登録</a:t>
           </a:r>
@@ -2289,29 +2293,10 @@
                   <a:lumOff val="25000"/>
                 </a:schemeClr>
               </a:solidFill>
+              <a:latin typeface="メイリオ" panose="020B0604030504040204" pitchFamily="50" charset="-128"/>
+              <a:ea typeface="メイリオ" panose="020B0604030504040204" pitchFamily="50" charset="-128"/>
             </a:rPr>
-            <a:t>回答の</a:t>
-          </a:r>
-          <a:endParaRPr kumimoji="1" lang="en-US" altLang="ja-JP" dirty="0">
-            <a:solidFill>
-              <a:schemeClr val="tx1">
-                <a:lumMod val="75000"/>
-                <a:lumOff val="25000"/>
-              </a:schemeClr>
-            </a:solidFill>
-          </a:endParaRPr>
-        </a:p>
-        <a:p>
-          <a:r>
-            <a:rPr kumimoji="1" lang="ja-JP" altLang="en-US" dirty="0">
-              <a:solidFill>
-                <a:schemeClr val="tx1">
-                  <a:lumMod val="75000"/>
-                  <a:lumOff val="25000"/>
-                </a:schemeClr>
-              </a:solidFill>
-            </a:rPr>
-            <a:t>更新</a:t>
+            <a:t>回答の更新</a:t>
           </a:r>
           <a:r>
             <a:rPr kumimoji="1" lang="en-US" altLang="ja-JP" dirty="0">
@@ -2321,6 +2306,8 @@
                   <a:lumOff val="25000"/>
                 </a:schemeClr>
               </a:solidFill>
+              <a:latin typeface="メイリオ" panose="020B0604030504040204" pitchFamily="50" charset="-128"/>
+              <a:ea typeface="メイリオ" panose="020B0604030504040204" pitchFamily="50" charset="-128"/>
             </a:rPr>
             <a:t>/</a:t>
           </a:r>
@@ -2332,6 +2319,8 @@
                   <a:lumOff val="25000"/>
                 </a:schemeClr>
               </a:solidFill>
+              <a:latin typeface="メイリオ" panose="020B0604030504040204" pitchFamily="50" charset="-128"/>
+              <a:ea typeface="メイリオ" panose="020B0604030504040204" pitchFamily="50" charset="-128"/>
             </a:rPr>
             <a:t>削除</a:t>
           </a:r>
@@ -2381,6 +2370,8 @@
                   <a:lumOff val="25000"/>
                 </a:schemeClr>
               </a:solidFill>
+              <a:latin typeface="メイリオ" panose="020B0604030504040204" pitchFamily="50" charset="-128"/>
+              <a:ea typeface="メイリオ" panose="020B0604030504040204" pitchFamily="50" charset="-128"/>
             </a:rPr>
             <a:t>回答履歴一覧</a:t>
           </a:r>
@@ -3151,12 +3142,12 @@
         </a:fontRef>
       </dsp:style>
       <dsp:txBody>
-        <a:bodyPr spcFirstLastPara="0" vert="horz" wrap="square" lIns="110490" tIns="110490" rIns="110490" bIns="110490" numCol="1" spcCol="1270" anchor="ctr" anchorCtr="0">
+        <a:bodyPr spcFirstLastPara="0" vert="horz" wrap="square" lIns="95250" tIns="95250" rIns="95250" bIns="95250" numCol="1" spcCol="1270" anchor="ctr" anchorCtr="0">
           <a:noAutofit/>
         </a:bodyPr>
         <a:lstStyle/>
         <a:p>
-          <a:pPr marL="0" lvl="0" indent="0" algn="l" defTabSz="1289050">
+          <a:pPr marL="0" lvl="0" indent="0" algn="l" defTabSz="1111250">
             <a:lnSpc>
               <a:spcPct val="90000"/>
             </a:lnSpc>
@@ -3169,13 +3160,15 @@
             <a:buNone/>
           </a:pPr>
           <a:r>
-            <a:rPr kumimoji="1" lang="ja-JP" altLang="en-US" sz="2900" kern="1200" dirty="0">
+            <a:rPr kumimoji="1" lang="ja-JP" altLang="en-US" sz="2500" kern="1200" dirty="0">
               <a:solidFill>
                 <a:schemeClr val="tx1">
                   <a:lumMod val="75000"/>
                   <a:lumOff val="25000"/>
                 </a:schemeClr>
               </a:solidFill>
+              <a:latin typeface="メイリオ" panose="020B0604030504040204" pitchFamily="50" charset="-128"/>
+              <a:ea typeface="メイリオ" panose="020B0604030504040204" pitchFamily="50" charset="-128"/>
             </a:rPr>
             <a:t>回答登録</a:t>
           </a:r>
@@ -3283,12 +3276,12 @@
         </a:fontRef>
       </dsp:style>
       <dsp:txBody>
-        <a:bodyPr spcFirstLastPara="0" vert="horz" wrap="square" lIns="110490" tIns="110490" rIns="110490" bIns="110490" numCol="1" spcCol="1270" anchor="ctr" anchorCtr="0">
+        <a:bodyPr spcFirstLastPara="0" vert="horz" wrap="square" lIns="95250" tIns="95250" rIns="95250" bIns="95250" numCol="1" spcCol="1270" anchor="ctr" anchorCtr="0">
           <a:noAutofit/>
         </a:bodyPr>
         <a:lstStyle/>
         <a:p>
-          <a:pPr marL="0" lvl="0" indent="0" algn="l" defTabSz="1289050">
+          <a:pPr marL="0" lvl="0" indent="0" algn="l" defTabSz="1111250">
             <a:lnSpc>
               <a:spcPct val="90000"/>
             </a:lnSpc>
@@ -3301,68 +3294,41 @@
             <a:buNone/>
           </a:pPr>
           <a:r>
-            <a:rPr kumimoji="1" lang="ja-JP" altLang="en-US" sz="2900" kern="1200" dirty="0">
+            <a:rPr kumimoji="1" lang="ja-JP" altLang="en-US" sz="2500" kern="1200" dirty="0">
               <a:solidFill>
                 <a:schemeClr val="tx1">
                   <a:lumMod val="75000"/>
                   <a:lumOff val="25000"/>
                 </a:schemeClr>
               </a:solidFill>
+              <a:latin typeface="メイリオ" panose="020B0604030504040204" pitchFamily="50" charset="-128"/>
+              <a:ea typeface="メイリオ" panose="020B0604030504040204" pitchFamily="50" charset="-128"/>
             </a:rPr>
-            <a:t>回答の</a:t>
+            <a:t>回答の更新</a:t>
           </a:r>
-          <a:endParaRPr kumimoji="1" lang="en-US" altLang="ja-JP" sz="2900" kern="1200" dirty="0">
-            <a:solidFill>
-              <a:schemeClr val="tx1">
-                <a:lumMod val="75000"/>
-                <a:lumOff val="25000"/>
-              </a:schemeClr>
-            </a:solidFill>
-          </a:endParaRPr>
-        </a:p>
-        <a:p>
-          <a:pPr marL="0" lvl="0" indent="0" algn="l" defTabSz="1289050">
-            <a:lnSpc>
-              <a:spcPct val="90000"/>
-            </a:lnSpc>
-            <a:spcBef>
-              <a:spcPct val="0"/>
-            </a:spcBef>
-            <a:spcAft>
-              <a:spcPct val="35000"/>
-            </a:spcAft>
-            <a:buNone/>
-          </a:pPr>
           <a:r>
-            <a:rPr kumimoji="1" lang="ja-JP" altLang="en-US" sz="2900" kern="1200" dirty="0">
+            <a:rPr kumimoji="1" lang="en-US" altLang="ja-JP" sz="2500" kern="1200" dirty="0">
               <a:solidFill>
                 <a:schemeClr val="tx1">
                   <a:lumMod val="75000"/>
                   <a:lumOff val="25000"/>
                 </a:schemeClr>
               </a:solidFill>
+              <a:latin typeface="メイリオ" panose="020B0604030504040204" pitchFamily="50" charset="-128"/>
+              <a:ea typeface="メイリオ" panose="020B0604030504040204" pitchFamily="50" charset="-128"/>
             </a:rPr>
-            <a:t>更新</a:t>
+            <a:t>/</a:t>
           </a:r>
           <a:r>
-            <a:rPr kumimoji="1" lang="en-US" altLang="ja-JP" sz="2900" kern="1200" dirty="0">
+            <a:rPr kumimoji="1" lang="ja-JP" altLang="en-US" sz="2500" kern="1200" dirty="0">
               <a:solidFill>
                 <a:schemeClr val="tx1">
                   <a:lumMod val="75000"/>
                   <a:lumOff val="25000"/>
                 </a:schemeClr>
               </a:solidFill>
-            </a:rPr>
-            <a:t>/</a:t>
-          </a:r>
-          <a:r>
-            <a:rPr kumimoji="1" lang="ja-JP" altLang="en-US" sz="2900" kern="1200" dirty="0">
-              <a:solidFill>
-                <a:schemeClr val="tx1">
-                  <a:lumMod val="75000"/>
-                  <a:lumOff val="25000"/>
-                </a:schemeClr>
-              </a:solidFill>
+              <a:latin typeface="メイリオ" panose="020B0604030504040204" pitchFamily="50" charset="-128"/>
+              <a:ea typeface="メイリオ" panose="020B0604030504040204" pitchFamily="50" charset="-128"/>
             </a:rPr>
             <a:t>削除</a:t>
           </a:r>
@@ -3470,12 +3436,12 @@
         </a:fontRef>
       </dsp:style>
       <dsp:txBody>
-        <a:bodyPr spcFirstLastPara="0" vert="horz" wrap="square" lIns="110490" tIns="110490" rIns="110490" bIns="110490" numCol="1" spcCol="1270" anchor="ctr" anchorCtr="0">
+        <a:bodyPr spcFirstLastPara="0" vert="horz" wrap="square" lIns="95250" tIns="95250" rIns="95250" bIns="95250" numCol="1" spcCol="1270" anchor="ctr" anchorCtr="0">
           <a:noAutofit/>
         </a:bodyPr>
         <a:lstStyle/>
         <a:p>
-          <a:pPr marL="0" lvl="0" indent="0" algn="l" defTabSz="1289050">
+          <a:pPr marL="0" lvl="0" indent="0" algn="l" defTabSz="1111250">
             <a:lnSpc>
               <a:spcPct val="90000"/>
             </a:lnSpc>
@@ -3488,13 +3454,15 @@
             <a:buNone/>
           </a:pPr>
           <a:r>
-            <a:rPr kumimoji="1" lang="ja-JP" altLang="en-US" sz="2900" kern="1200" dirty="0">
+            <a:rPr kumimoji="1" lang="ja-JP" altLang="en-US" sz="2500" kern="1200" dirty="0">
               <a:solidFill>
                 <a:schemeClr val="tx1">
                   <a:lumMod val="75000"/>
                   <a:lumOff val="25000"/>
                 </a:schemeClr>
               </a:solidFill>
+              <a:latin typeface="メイリオ" panose="020B0604030504040204" pitchFamily="50" charset="-128"/>
+              <a:ea typeface="メイリオ" panose="020B0604030504040204" pitchFamily="50" charset="-128"/>
             </a:rPr>
             <a:t>回答履歴一覧</a:t>
           </a:r>
@@ -10210,6 +10178,424 @@
       </p:grpSpPr>
       <p:sp>
         <p:nvSpPr>
+          <p:cNvPr id="2" name="スライド番号プレースホルダー 1">
+            <a:extLst>
+              <a:ext uri="{FF2B5EF4-FFF2-40B4-BE49-F238E27FC236}">
+                <a16:creationId xmlns:a16="http://schemas.microsoft.com/office/drawing/2014/main" id="{5EDAD6F2-BCE5-4B4E-8194-B1F519D71F2A}"/>
+              </a:ext>
+            </a:extLst>
+          </p:cNvPr>
+          <p:cNvSpPr>
+            <a:spLocks noGrp="1"/>
+          </p:cNvSpPr>
+          <p:nvPr>
+            <p:ph type="sldNum" sz="quarter" idx="12"/>
+          </p:nvPr>
+        </p:nvSpPr>
+        <p:spPr/>
+        <p:txBody>
+          <a:bodyPr/>
+          <a:lstStyle/>
+          <a:p>
+            <a:fld id="{28B3E1AD-D654-41ED-B122-F068B9548232}" type="slidenum">
+              <a:rPr kumimoji="1" lang="ja-JP" altLang="en-US" smtClean="0"/>
+              <a:t>10</a:t>
+            </a:fld>
+            <a:endParaRPr kumimoji="1" lang="ja-JP" altLang="en-US"/>
+          </a:p>
+        </p:txBody>
+      </p:sp>
+      <p:sp>
+        <p:nvSpPr>
+          <p:cNvPr id="3" name="テキスト ボックス 2">
+            <a:extLst>
+              <a:ext uri="{FF2B5EF4-FFF2-40B4-BE49-F238E27FC236}">
+                <a16:creationId xmlns:a16="http://schemas.microsoft.com/office/drawing/2014/main" id="{0E7CB219-2C12-4E39-B493-635B21830090}"/>
+              </a:ext>
+            </a:extLst>
+          </p:cNvPr>
+          <p:cNvSpPr txBox="1"/>
+          <p:nvPr/>
+        </p:nvSpPr>
+        <p:spPr>
+          <a:xfrm>
+            <a:off x="764498" y="659567"/>
+            <a:ext cx="3043004" cy="369332"/>
+          </a:xfrm>
+          <a:prstGeom prst="rect">
+            <a:avLst/>
+          </a:prstGeom>
+        </p:spPr>
+        <p:style>
+          <a:lnRef idx="2">
+            <a:schemeClr val="accent1"/>
+          </a:lnRef>
+          <a:fillRef idx="1">
+            <a:schemeClr val="lt1"/>
+          </a:fillRef>
+          <a:effectRef idx="0">
+            <a:schemeClr val="accent1"/>
+          </a:effectRef>
+          <a:fontRef idx="minor">
+            <a:schemeClr val="dk1"/>
+          </a:fontRef>
+        </p:style>
+        <p:txBody>
+          <a:bodyPr wrap="square" rtlCol="0">
+            <a:spAutoFit/>
+          </a:bodyPr>
+          <a:lstStyle/>
+          <a:p>
+            <a:r>
+              <a:rPr kumimoji="1" lang="ja-JP" altLang="en-US" dirty="0"/>
+              <a:t>講師</a:t>
+            </a:r>
+          </a:p>
+        </p:txBody>
+      </p:sp>
+      <p:sp>
+        <p:nvSpPr>
+          <p:cNvPr id="4" name="テキスト ボックス 3">
+            <a:extLst>
+              <a:ext uri="{FF2B5EF4-FFF2-40B4-BE49-F238E27FC236}">
+                <a16:creationId xmlns:a16="http://schemas.microsoft.com/office/drawing/2014/main" id="{66EA797D-CE86-4EBB-8661-32C62DA40848}"/>
+              </a:ext>
+            </a:extLst>
+          </p:cNvPr>
+          <p:cNvSpPr txBox="1"/>
+          <p:nvPr/>
+        </p:nvSpPr>
+        <p:spPr>
+          <a:xfrm>
+            <a:off x="764498" y="3496397"/>
+            <a:ext cx="3043004" cy="369332"/>
+          </a:xfrm>
+          <a:prstGeom prst="rect">
+            <a:avLst/>
+          </a:prstGeom>
+        </p:spPr>
+        <p:style>
+          <a:lnRef idx="2">
+            <a:schemeClr val="accent1"/>
+          </a:lnRef>
+          <a:fillRef idx="1">
+            <a:schemeClr val="lt1"/>
+          </a:fillRef>
+          <a:effectRef idx="0">
+            <a:schemeClr val="accent1"/>
+          </a:effectRef>
+          <a:fontRef idx="minor">
+            <a:schemeClr val="dk1"/>
+          </a:fontRef>
+        </p:style>
+        <p:txBody>
+          <a:bodyPr wrap="square" rtlCol="0">
+            <a:spAutoFit/>
+          </a:bodyPr>
+          <a:lstStyle/>
+          <a:p>
+            <a:r>
+              <a:rPr kumimoji="1" lang="en-US" altLang="ja-JP" dirty="0"/>
+              <a:t>SEPLUS</a:t>
+            </a:r>
+            <a:endParaRPr kumimoji="1" lang="ja-JP" altLang="en-US" dirty="0"/>
+          </a:p>
+        </p:txBody>
+      </p:sp>
+      <p:sp>
+        <p:nvSpPr>
+          <p:cNvPr id="5" name="テキスト ボックス 4">
+            <a:extLst>
+              <a:ext uri="{FF2B5EF4-FFF2-40B4-BE49-F238E27FC236}">
+                <a16:creationId xmlns:a16="http://schemas.microsoft.com/office/drawing/2014/main" id="{7B12F31F-7ACD-4BA4-A152-10F0E9403B29}"/>
+              </a:ext>
+            </a:extLst>
+          </p:cNvPr>
+          <p:cNvSpPr txBox="1"/>
+          <p:nvPr/>
+        </p:nvSpPr>
+        <p:spPr>
+          <a:xfrm>
+            <a:off x="858893" y="4052314"/>
+            <a:ext cx="5897218" cy="1036181"/>
+          </a:xfrm>
+          <a:prstGeom prst="rect">
+            <a:avLst/>
+          </a:prstGeom>
+          <a:noFill/>
+        </p:spPr>
+        <p:txBody>
+          <a:bodyPr wrap="square" rtlCol="0">
+            <a:spAutoFit/>
+          </a:bodyPr>
+          <a:lstStyle/>
+          <a:p>
+            <a:pPr marL="533400" indent="-533400" algn="just">
+              <a:lnSpc>
+                <a:spcPct val="150000"/>
+              </a:lnSpc>
+            </a:pPr>
+            <a:r>
+              <a:rPr lang="en-US" altLang="ja-JP" sz="3200" kern="100" baseline="-25000" dirty="0">
+                <a:effectLst/>
+                <a:latin typeface="メイリオ" panose="020B0604030504040204" pitchFamily="50" charset="-128"/>
+                <a:ea typeface="メイリオ" panose="020B0604030504040204" pitchFamily="50" charset="-128"/>
+                <a:cs typeface="Times New Roman" panose="02020603050405020304" pitchFamily="18" charset="0"/>
+              </a:rPr>
+              <a:t>Q</a:t>
+            </a:r>
+            <a:r>
+              <a:rPr lang="ja-JP" altLang="ja-JP" sz="3200" kern="100" baseline="-25000" dirty="0">
+                <a:effectLst/>
+                <a:latin typeface="メイリオ" panose="020B0604030504040204" pitchFamily="50" charset="-128"/>
+                <a:ea typeface="メイリオ" panose="020B0604030504040204" pitchFamily="50" charset="-128"/>
+                <a:cs typeface="Times New Roman" panose="02020603050405020304" pitchFamily="18" charset="0"/>
+              </a:rPr>
+              <a:t>：今まで</a:t>
+            </a:r>
+            <a:r>
+              <a:rPr lang="ja-JP" altLang="en-US" sz="3200" kern="100" baseline="-25000" dirty="0">
+                <a:effectLst/>
+                <a:latin typeface="メイリオ" panose="020B0604030504040204" pitchFamily="50" charset="-128"/>
+                <a:ea typeface="メイリオ" panose="020B0604030504040204" pitchFamily="50" charset="-128"/>
+                <a:cs typeface="Times New Roman" panose="02020603050405020304" pitchFamily="18" charset="0"/>
+              </a:rPr>
+              <a:t>の</a:t>
+            </a:r>
+            <a:r>
+              <a:rPr lang="ja-JP" altLang="ja-JP" sz="3200" kern="100" baseline="-25000" dirty="0">
+                <a:effectLst/>
+                <a:latin typeface="メイリオ" panose="020B0604030504040204" pitchFamily="50" charset="-128"/>
+                <a:ea typeface="メイリオ" panose="020B0604030504040204" pitchFamily="50" charset="-128"/>
+                <a:cs typeface="Times New Roman" panose="02020603050405020304" pitchFamily="18" charset="0"/>
+              </a:rPr>
+              <a:t>質問</a:t>
+            </a:r>
+            <a:r>
+              <a:rPr lang="ja-JP" altLang="en-US" sz="3200" kern="100" baseline="-25000" dirty="0">
+                <a:effectLst/>
+                <a:latin typeface="メイリオ" panose="020B0604030504040204" pitchFamily="50" charset="-128"/>
+                <a:ea typeface="メイリオ" panose="020B0604030504040204" pitchFamily="50" charset="-128"/>
+                <a:cs typeface="Times New Roman" panose="02020603050405020304" pitchFamily="18" charset="0"/>
+              </a:rPr>
+              <a:t>は</a:t>
+            </a:r>
+            <a:r>
+              <a:rPr lang="ja-JP" altLang="ja-JP" sz="3200" kern="100" baseline="-25000" dirty="0">
+                <a:effectLst/>
+                <a:latin typeface="メイリオ" panose="020B0604030504040204" pitchFamily="50" charset="-128"/>
+                <a:ea typeface="メイリオ" panose="020B0604030504040204" pitchFamily="50" charset="-128"/>
+                <a:cs typeface="Times New Roman" panose="02020603050405020304" pitchFamily="18" charset="0"/>
+              </a:rPr>
+              <a:t>蓄積</a:t>
+            </a:r>
+            <a:r>
+              <a:rPr lang="ja-JP" altLang="en-US" sz="3200" kern="100" baseline="-25000" dirty="0">
+                <a:effectLst/>
+                <a:latin typeface="メイリオ" panose="020B0604030504040204" pitchFamily="50" charset="-128"/>
+                <a:ea typeface="メイリオ" panose="020B0604030504040204" pitchFamily="50" charset="-128"/>
+                <a:cs typeface="Times New Roman" panose="02020603050405020304" pitchFamily="18" charset="0"/>
+              </a:rPr>
+              <a:t>できているか</a:t>
+            </a:r>
+            <a:endParaRPr lang="ja-JP" altLang="ja-JP" sz="3200" kern="100" baseline="-25000" dirty="0">
+              <a:effectLst/>
+              <a:latin typeface="メイリオ" panose="020B0604030504040204" pitchFamily="50" charset="-128"/>
+              <a:ea typeface="メイリオ" panose="020B0604030504040204" pitchFamily="50" charset="-128"/>
+              <a:cs typeface="Times New Roman" panose="02020603050405020304" pitchFamily="18" charset="0"/>
+            </a:endParaRPr>
+          </a:p>
+          <a:p>
+            <a:pPr marL="533400" indent="-533400" algn="just">
+              <a:lnSpc>
+                <a:spcPct val="150000"/>
+              </a:lnSpc>
+            </a:pPr>
+            <a:r>
+              <a:rPr lang="en-US" altLang="ja-JP" sz="3200" kern="100" baseline="-25000" dirty="0">
+                <a:effectLst/>
+                <a:latin typeface="メイリオ" panose="020B0604030504040204" pitchFamily="50" charset="-128"/>
+                <a:ea typeface="メイリオ" panose="020B0604030504040204" pitchFamily="50" charset="-128"/>
+                <a:cs typeface="Times New Roman" panose="02020603050405020304" pitchFamily="18" charset="0"/>
+              </a:rPr>
+              <a:t>A</a:t>
+            </a:r>
+            <a:r>
+              <a:rPr lang="ja-JP" altLang="ja-JP" sz="3200" kern="100" baseline="-25000" dirty="0">
+                <a:effectLst/>
+                <a:latin typeface="メイリオ" panose="020B0604030504040204" pitchFamily="50" charset="-128"/>
+                <a:ea typeface="メイリオ" panose="020B0604030504040204" pitchFamily="50" charset="-128"/>
+                <a:cs typeface="Times New Roman" panose="02020603050405020304" pitchFamily="18" charset="0"/>
+              </a:rPr>
+              <a:t>：去年までは蓄積できてい</a:t>
+            </a:r>
+            <a:r>
+              <a:rPr lang="ja-JP" altLang="en-US" sz="3200" kern="100" baseline="-25000" dirty="0">
+                <a:effectLst/>
+                <a:latin typeface="メイリオ" panose="020B0604030504040204" pitchFamily="50" charset="-128"/>
+                <a:ea typeface="メイリオ" panose="020B0604030504040204" pitchFamily="50" charset="-128"/>
+                <a:cs typeface="Times New Roman" panose="02020603050405020304" pitchFamily="18" charset="0"/>
+              </a:rPr>
+              <a:t>ない</a:t>
+            </a:r>
+            <a:r>
+              <a:rPr lang="en-US" altLang="ja-JP" sz="3200" kern="100" baseline="-25000" dirty="0">
+                <a:effectLst/>
+                <a:latin typeface="メイリオ" panose="020B0604030504040204" pitchFamily="50" charset="-128"/>
+                <a:ea typeface="メイリオ" panose="020B0604030504040204" pitchFamily="50" charset="-128"/>
+                <a:cs typeface="Times New Roman" panose="02020603050405020304" pitchFamily="18" charset="0"/>
+              </a:rPr>
+              <a:t>…</a:t>
+            </a:r>
+            <a:endParaRPr lang="ja-JP" altLang="ja-JP" sz="3200" kern="100" baseline="-25000" dirty="0">
+              <a:effectLst/>
+              <a:latin typeface="メイリオ" panose="020B0604030504040204" pitchFamily="50" charset="-128"/>
+              <a:ea typeface="メイリオ" panose="020B0604030504040204" pitchFamily="50" charset="-128"/>
+              <a:cs typeface="Times New Roman" panose="02020603050405020304" pitchFamily="18" charset="0"/>
+            </a:endParaRPr>
+          </a:p>
+        </p:txBody>
+      </p:sp>
+    </p:spTree>
+    <p:extLst>
+      <p:ext uri="{BB962C8B-B14F-4D97-AF65-F5344CB8AC3E}">
+        <p14:creationId xmlns:p14="http://schemas.microsoft.com/office/powerpoint/2010/main" val="1986843440"/>
+      </p:ext>
+    </p:extLst>
+  </p:cSld>
+  <p:clrMapOvr>
+    <a:masterClrMapping/>
+  </p:clrMapOvr>
+</p:sld>
+</file>
+
+<file path=ppt/slides/slide11.xml><?xml version="1.0" encoding="utf-8"?>
+<p:sld xmlns:a="http://schemas.openxmlformats.org/drawingml/2006/main" xmlns:r="http://schemas.openxmlformats.org/officeDocument/2006/relationships" xmlns:p="http://schemas.openxmlformats.org/presentationml/2006/main">
+  <p:cSld>
+    <p:spTree>
+      <p:nvGrpSpPr>
+        <p:cNvPr id="1" name=""/>
+        <p:cNvGrpSpPr/>
+        <p:nvPr/>
+      </p:nvGrpSpPr>
+      <p:grpSpPr>
+        <a:xfrm>
+          <a:off x="0" y="0"/>
+          <a:ext cx="0" cy="0"/>
+          <a:chOff x="0" y="0"/>
+          <a:chExt cx="0" cy="0"/>
+        </a:xfrm>
+      </p:grpSpPr>
+      <p:sp>
+        <p:nvSpPr>
+          <p:cNvPr id="2" name="スライド番号プレースホルダー 1">
+            <a:extLst>
+              <a:ext uri="{FF2B5EF4-FFF2-40B4-BE49-F238E27FC236}">
+                <a16:creationId xmlns:a16="http://schemas.microsoft.com/office/drawing/2014/main" id="{F8C97C3F-1642-42D3-B219-1364D5054C19}"/>
+              </a:ext>
+            </a:extLst>
+          </p:cNvPr>
+          <p:cNvSpPr>
+            <a:spLocks noGrp="1"/>
+          </p:cNvSpPr>
+          <p:nvPr>
+            <p:ph type="sldNum" sz="quarter" idx="12"/>
+          </p:nvPr>
+        </p:nvSpPr>
+        <p:spPr/>
+        <p:txBody>
+          <a:bodyPr/>
+          <a:lstStyle/>
+          <a:p>
+            <a:fld id="{28B3E1AD-D654-41ED-B122-F068B9548232}" type="slidenum">
+              <a:rPr kumimoji="1" lang="ja-JP" altLang="en-US" smtClean="0"/>
+              <a:t>11</a:t>
+            </a:fld>
+            <a:endParaRPr kumimoji="1" lang="ja-JP" altLang="en-US"/>
+          </a:p>
+        </p:txBody>
+      </p:sp>
+      <p:sp>
+        <p:nvSpPr>
+          <p:cNvPr id="3" name="正方形/長方形 2">
+            <a:extLst>
+              <a:ext uri="{FF2B5EF4-FFF2-40B4-BE49-F238E27FC236}">
+                <a16:creationId xmlns:a16="http://schemas.microsoft.com/office/drawing/2014/main" id="{DB9F5245-D592-4C98-90C8-CFB9E9AE292C}"/>
+              </a:ext>
+            </a:extLst>
+          </p:cNvPr>
+          <p:cNvSpPr/>
+          <p:nvPr/>
+        </p:nvSpPr>
+        <p:spPr>
+          <a:xfrm>
+            <a:off x="539646" y="494675"/>
+            <a:ext cx="8227859" cy="5636302"/>
+          </a:xfrm>
+          <a:prstGeom prst="rect">
+            <a:avLst/>
+          </a:prstGeom>
+        </p:spPr>
+        <p:style>
+          <a:lnRef idx="2">
+            <a:schemeClr val="accent1">
+              <a:shade val="50000"/>
+            </a:schemeClr>
+          </a:lnRef>
+          <a:fillRef idx="1">
+            <a:schemeClr val="accent1"/>
+          </a:fillRef>
+          <a:effectRef idx="0">
+            <a:schemeClr val="accent1"/>
+          </a:effectRef>
+          <a:fontRef idx="minor">
+            <a:schemeClr val="lt1"/>
+          </a:fontRef>
+        </p:style>
+        <p:txBody>
+          <a:bodyPr rtlCol="0" anchor="ctr"/>
+          <a:lstStyle/>
+          <a:p>
+            <a:pPr algn="ctr"/>
+            <a:r>
+              <a:rPr kumimoji="1" lang="ja-JP" altLang="en-US" dirty="0"/>
+              <a:t>概要</a:t>
+            </a:r>
+          </a:p>
+        </p:txBody>
+      </p:sp>
+    </p:spTree>
+    <p:extLst>
+      <p:ext uri="{BB962C8B-B14F-4D97-AF65-F5344CB8AC3E}">
+        <p14:creationId xmlns:p14="http://schemas.microsoft.com/office/powerpoint/2010/main" val="2610612885"/>
+      </p:ext>
+    </p:extLst>
+  </p:cSld>
+  <p:clrMapOvr>
+    <a:masterClrMapping/>
+  </p:clrMapOvr>
+</p:sld>
+</file>
+
+<file path=ppt/slides/slide12.xml><?xml version="1.0" encoding="utf-8"?>
+<p:sld xmlns:a="http://schemas.openxmlformats.org/drawingml/2006/main" xmlns:r="http://schemas.openxmlformats.org/officeDocument/2006/relationships" xmlns:p="http://schemas.openxmlformats.org/presentationml/2006/main">
+  <p:cSld>
+    <p:spTree>
+      <p:nvGrpSpPr>
+        <p:cNvPr id="1" name=""/>
+        <p:cNvGrpSpPr/>
+        <p:nvPr/>
+      </p:nvGrpSpPr>
+      <p:grpSpPr>
+        <a:xfrm>
+          <a:off x="0" y="0"/>
+          <a:ext cx="0" cy="0"/>
+          <a:chOff x="0" y="0"/>
+          <a:chExt cx="0" cy="0"/>
+        </a:xfrm>
+      </p:grpSpPr>
+      <p:sp>
+        <p:nvSpPr>
           <p:cNvPr id="7" name="正方形/長方形 6">
             <a:extLst>
               <a:ext uri="{FF2B5EF4-FFF2-40B4-BE49-F238E27FC236}">
@@ -10285,7 +10671,7 @@
                   </a:schemeClr>
                 </a:solidFill>
               </a:rPr>
-              <a:t>10</a:t>
+              <a:t>12</a:t>
             </a:fld>
             <a:endParaRPr kumimoji="1" lang="ja-JP" altLang="en-US">
               <a:solidFill>
@@ -10392,7 +10778,7 @@
           <p:nvPr>
             <p:extLst>
               <p:ext uri="{D42A27DB-BD31-4B8C-83A1-F6EECF244321}">
-                <p14:modId xmlns:p14="http://schemas.microsoft.com/office/powerpoint/2010/main" val="2186715"/>
+                <p14:modId xmlns:p14="http://schemas.microsoft.com/office/powerpoint/2010/main" val="522107628"/>
               </p:ext>
             </p:extLst>
           </p:nvPr>
@@ -10713,7 +11099,7 @@
 </p:sld>
 </file>
 
-<file path=ppt/slides/slide11.xml><?xml version="1.0" encoding="utf-8"?>
+<file path=ppt/slides/slide13.xml><?xml version="1.0" encoding="utf-8"?>
 <p:sld xmlns:a="http://schemas.openxmlformats.org/drawingml/2006/main" xmlns:r="http://schemas.openxmlformats.org/officeDocument/2006/relationships" xmlns:p="http://schemas.openxmlformats.org/presentationml/2006/main">
   <p:cSld>
     <p:spTree>
@@ -11046,7 +11432,7 @@
           <a:p>
             <a:fld id="{28B3E1AD-D654-41ED-B122-F068B9548232}" type="slidenum">
               <a:rPr kumimoji="1" lang="ja-JP" altLang="en-US" smtClean="0"/>
-              <a:t>11</a:t>
+              <a:t>13</a:t>
             </a:fld>
             <a:endParaRPr kumimoji="1" lang="ja-JP" altLang="en-US" dirty="0"/>
           </a:p>
@@ -11497,7 +11883,7 @@
 </p:sld>
 </file>
 
-<file path=ppt/slides/slide12.xml><?xml version="1.0" encoding="utf-8"?>
+<file path=ppt/slides/slide14.xml><?xml version="1.0" encoding="utf-8"?>
 <p:sld xmlns:a="http://schemas.openxmlformats.org/drawingml/2006/main" xmlns:r="http://schemas.openxmlformats.org/officeDocument/2006/relationships" xmlns:p="http://schemas.openxmlformats.org/presentationml/2006/main">
   <p:cSld>
     <p:spTree>
@@ -11830,7 +12216,7 @@
           <a:p>
             <a:fld id="{28B3E1AD-D654-41ED-B122-F068B9548232}" type="slidenum">
               <a:rPr kumimoji="1" lang="ja-JP" altLang="en-US" smtClean="0"/>
-              <a:t>12</a:t>
+              <a:t>14</a:t>
             </a:fld>
             <a:endParaRPr kumimoji="1" lang="ja-JP" altLang="en-US" dirty="0"/>
           </a:p>
@@ -12273,7 +12659,7 @@
 </p:sld>
 </file>
 
-<file path=ppt/slides/slide13.xml><?xml version="1.0" encoding="utf-8"?>
+<file path=ppt/slides/slide15.xml><?xml version="1.0" encoding="utf-8"?>
 <p:sld xmlns:a="http://schemas.openxmlformats.org/drawingml/2006/main" xmlns:r="http://schemas.openxmlformats.org/officeDocument/2006/relationships" xmlns:p="http://schemas.openxmlformats.org/presentationml/2006/main">
   <p:cSld>
     <p:spTree>
@@ -12313,7 +12699,7 @@
           <a:p>
             <a:fld id="{28B3E1AD-D654-41ED-B122-F068B9548232}" type="slidenum">
               <a:rPr kumimoji="1" lang="ja-JP" altLang="en-US" smtClean="0"/>
-              <a:t>13</a:t>
+              <a:t>15</a:t>
             </a:fld>
             <a:endParaRPr kumimoji="1" lang="ja-JP" altLang="en-US"/>
           </a:p>
@@ -12381,7 +12767,7 @@
 </p:sld>
 </file>
 
-<file path=ppt/slides/slide14.xml><?xml version="1.0" encoding="utf-8"?>
+<file path=ppt/slides/slide16.xml><?xml version="1.0" encoding="utf-8"?>
 <p:sld xmlns:a="http://schemas.openxmlformats.org/drawingml/2006/main" xmlns:r="http://schemas.openxmlformats.org/officeDocument/2006/relationships" xmlns:p="http://schemas.openxmlformats.org/presentationml/2006/main">
   <p:cSld>
     <p:spTree>
@@ -12421,7 +12807,7 @@
           <a:p>
             <a:fld id="{28B3E1AD-D654-41ED-B122-F068B9548232}" type="slidenum">
               <a:rPr kumimoji="1" lang="ja-JP" altLang="en-US" smtClean="0"/>
-              <a:t>14</a:t>
+              <a:t>16</a:t>
             </a:fld>
             <a:endParaRPr kumimoji="1" lang="ja-JP" altLang="en-US"/>
           </a:p>
@@ -12489,7 +12875,7 @@
 </p:sld>
 </file>
 
-<file path=ppt/slides/slide15.xml><?xml version="1.0" encoding="utf-8"?>
+<file path=ppt/slides/slide17.xml><?xml version="1.0" encoding="utf-8"?>
 <p:sld xmlns:a="http://schemas.openxmlformats.org/drawingml/2006/main" xmlns:r="http://schemas.openxmlformats.org/officeDocument/2006/relationships" xmlns:p="http://schemas.openxmlformats.org/presentationml/2006/main">
   <p:cSld>
     <p:spTree>
@@ -12529,7 +12915,7 @@
           <a:p>
             <a:fld id="{28B3E1AD-D654-41ED-B122-F068B9548232}" type="slidenum">
               <a:rPr kumimoji="1" lang="ja-JP" altLang="en-US" smtClean="0"/>
-              <a:t>15</a:t>
+              <a:t>17</a:t>
             </a:fld>
             <a:endParaRPr kumimoji="1" lang="ja-JP" altLang="en-US"/>
           </a:p>
@@ -12602,7 +12988,7 @@
 </p:sld>
 </file>
 
-<file path=ppt/slides/slide16.xml><?xml version="1.0" encoding="utf-8"?>
+<file path=ppt/slides/slide18.xml><?xml version="1.0" encoding="utf-8"?>
 <p:sld xmlns:a="http://schemas.openxmlformats.org/drawingml/2006/main" xmlns:r="http://schemas.openxmlformats.org/officeDocument/2006/relationships" xmlns:p="http://schemas.openxmlformats.org/presentationml/2006/main">
   <p:cSld>
     <p:spTree>
@@ -12701,7 +13087,7 @@
                   </a:schemeClr>
                 </a:solidFill>
               </a:rPr>
-              <a:t>16</a:t>
+              <a:t>18</a:t>
             </a:fld>
             <a:endParaRPr kumimoji="1" lang="ja-JP" altLang="en-US" sz="4000" dirty="0">
               <a:solidFill>
@@ -13344,7 +13730,7 @@
 </p:sld>
 </file>
 
-<file path=ppt/slides/slide17.xml><?xml version="1.0" encoding="utf-8"?>
+<file path=ppt/slides/slide19.xml><?xml version="1.0" encoding="utf-8"?>
 <p:sld xmlns:a="http://schemas.openxmlformats.org/drawingml/2006/main" xmlns:r="http://schemas.openxmlformats.org/officeDocument/2006/relationships" xmlns:p="http://schemas.openxmlformats.org/presentationml/2006/main">
   <p:cSld>
     <p:spTree>
@@ -13571,7 +13957,7 @@
                   </a:schemeClr>
                 </a:solidFill>
               </a:rPr>
-              <a:t>17</a:t>
+              <a:t>19</a:t>
             </a:fld>
             <a:endParaRPr kumimoji="1" lang="ja-JP" altLang="en-US" sz="4000" dirty="0">
               <a:solidFill>
@@ -13911,7 +14297,644 @@
 </p:sld>
 </file>
 
-<file path=ppt/slides/slide18.xml><?xml version="1.0" encoding="utf-8"?>
+<file path=ppt/slides/slide2.xml><?xml version="1.0" encoding="utf-8"?>
+<p:sld xmlns:a="http://schemas.openxmlformats.org/drawingml/2006/main" xmlns:r="http://schemas.openxmlformats.org/officeDocument/2006/relationships" xmlns:p="http://schemas.openxmlformats.org/presentationml/2006/main">
+  <p:cSld>
+    <p:spTree>
+      <p:nvGrpSpPr>
+        <p:cNvPr id="1" name=""/>
+        <p:cNvGrpSpPr/>
+        <p:nvPr/>
+      </p:nvGrpSpPr>
+      <p:grpSpPr>
+        <a:xfrm>
+          <a:off x="0" y="0"/>
+          <a:ext cx="0" cy="0"/>
+          <a:chOff x="0" y="0"/>
+          <a:chExt cx="0" cy="0"/>
+        </a:xfrm>
+      </p:grpSpPr>
+      <p:sp>
+        <p:nvSpPr>
+          <p:cNvPr id="2" name="タイトル 1">
+            <a:extLst>
+              <a:ext uri="{FF2B5EF4-FFF2-40B4-BE49-F238E27FC236}">
+                <a16:creationId xmlns:a16="http://schemas.microsoft.com/office/drawing/2014/main" id="{AF626A66-1FD7-4EE6-A6C8-9B7BA0C9036A}"/>
+              </a:ext>
+            </a:extLst>
+          </p:cNvPr>
+          <p:cNvSpPr>
+            <a:spLocks noGrp="1"/>
+          </p:cNvSpPr>
+          <p:nvPr>
+            <p:ph type="title"/>
+          </p:nvPr>
+        </p:nvSpPr>
+        <p:spPr>
+          <a:xfrm>
+            <a:off x="488707" y="235613"/>
+            <a:ext cx="8079581" cy="863885"/>
+          </a:xfrm>
+        </p:spPr>
+        <p:txBody>
+          <a:bodyPr/>
+          <a:lstStyle/>
+          <a:p>
+            <a:r>
+              <a:rPr kumimoji="1" lang="ja-JP" altLang="en-US" dirty="0">
+                <a:latin typeface="メイリオ" panose="020B0604030504040204" pitchFamily="50" charset="-128"/>
+                <a:ea typeface="メイリオ" panose="020B0604030504040204" pitchFamily="50" charset="-128"/>
+              </a:rPr>
+              <a:t>アジェンダ</a:t>
+            </a:r>
+          </a:p>
+        </p:txBody>
+      </p:sp>
+      <p:sp>
+        <p:nvSpPr>
+          <p:cNvPr id="9" name="四角形: 角を丸くする 8">
+            <a:extLst>
+              <a:ext uri="{FF2B5EF4-FFF2-40B4-BE49-F238E27FC236}">
+                <a16:creationId xmlns:a16="http://schemas.microsoft.com/office/drawing/2014/main" id="{95E61E18-E0FF-4789-B846-542D3BDD545C}"/>
+              </a:ext>
+            </a:extLst>
+          </p:cNvPr>
+          <p:cNvSpPr/>
+          <p:nvPr/>
+        </p:nvSpPr>
+        <p:spPr>
+          <a:xfrm>
+            <a:off x="615002" y="1327811"/>
+            <a:ext cx="7913995" cy="658000"/>
+          </a:xfrm>
+          <a:prstGeom prst="roundRect">
+            <a:avLst/>
+          </a:prstGeom>
+          <a:ln w="19050">
+            <a:solidFill>
+              <a:schemeClr val="accent1"/>
+            </a:solidFill>
+          </a:ln>
+        </p:spPr>
+        <p:style>
+          <a:lnRef idx="2">
+            <a:schemeClr val="accent6"/>
+          </a:lnRef>
+          <a:fillRef idx="1">
+            <a:schemeClr val="lt1"/>
+          </a:fillRef>
+          <a:effectRef idx="0">
+            <a:schemeClr val="accent6"/>
+          </a:effectRef>
+          <a:fontRef idx="minor">
+            <a:schemeClr val="dk1"/>
+          </a:fontRef>
+        </p:style>
+        <p:txBody>
+          <a:bodyPr rtlCol="0" anchor="ctr"/>
+          <a:lstStyle/>
+          <a:p>
+            <a:pPr marL="342900" indent="-342900" algn="just">
+              <a:lnSpc>
+                <a:spcPct val="150000"/>
+              </a:lnSpc>
+              <a:buFont typeface="+mj-lt"/>
+              <a:buAutoNum type="arabicPeriod"/>
+            </a:pPr>
+            <a:r>
+              <a:rPr lang="ja-JP" altLang="en-US" sz="3600" kern="100" dirty="0">
+                <a:solidFill>
+                  <a:schemeClr val="tx1">
+                    <a:lumMod val="85000"/>
+                    <a:lumOff val="15000"/>
+                  </a:schemeClr>
+                </a:solidFill>
+                <a:latin typeface="メイリオ" panose="020B0604030504040204" pitchFamily="50" charset="-128"/>
+                <a:ea typeface="メイリオ" panose="020B0604030504040204" pitchFamily="50" charset="-128"/>
+                <a:cs typeface="Times New Roman" panose="02020603050405020304" pitchFamily="18" charset="0"/>
+              </a:rPr>
+              <a:t>　</a:t>
+            </a:r>
+            <a:r>
+              <a:rPr lang="ja-JP" altLang="ja-JP" sz="3600" kern="100" dirty="0">
+                <a:solidFill>
+                  <a:schemeClr val="tx1">
+                    <a:lumMod val="85000"/>
+                    <a:lumOff val="15000"/>
+                  </a:schemeClr>
+                </a:solidFill>
+                <a:latin typeface="メイリオ" panose="020B0604030504040204" pitchFamily="50" charset="-128"/>
+                <a:ea typeface="メイリオ" panose="020B0604030504040204" pitchFamily="50" charset="-128"/>
+                <a:cs typeface="Times New Roman" panose="02020603050405020304" pitchFamily="18" charset="0"/>
+              </a:rPr>
+              <a:t>チームの概要</a:t>
+            </a:r>
+          </a:p>
+        </p:txBody>
+      </p:sp>
+      <p:sp>
+        <p:nvSpPr>
+          <p:cNvPr id="15" name="スライド番号プレースホルダー 14">
+            <a:extLst>
+              <a:ext uri="{FF2B5EF4-FFF2-40B4-BE49-F238E27FC236}">
+                <a16:creationId xmlns:a16="http://schemas.microsoft.com/office/drawing/2014/main" id="{AF80DF13-54D4-4295-8DBD-60C26A1BCC62}"/>
+              </a:ext>
+            </a:extLst>
+          </p:cNvPr>
+          <p:cNvSpPr>
+            <a:spLocks noGrp="1"/>
+          </p:cNvSpPr>
+          <p:nvPr>
+            <p:ph type="sldNum" sz="quarter" idx="12"/>
+          </p:nvPr>
+        </p:nvSpPr>
+        <p:spPr>
+          <a:xfrm>
+            <a:off x="6784980" y="5359578"/>
+            <a:ext cx="2194560" cy="1397039"/>
+          </a:xfrm>
+        </p:spPr>
+        <p:txBody>
+          <a:bodyPr anchor="ctr"/>
+          <a:lstStyle/>
+          <a:p>
+            <a:fld id="{28B3E1AD-D654-41ED-B122-F068B9548232}" type="slidenum">
+              <a:rPr kumimoji="1" lang="ja-JP" altLang="en-US" sz="6600" smtClean="0"/>
+              <a:t>2</a:t>
+            </a:fld>
+            <a:endParaRPr kumimoji="1" lang="ja-JP" altLang="en-US" sz="6600"/>
+          </a:p>
+        </p:txBody>
+      </p:sp>
+      <p:sp>
+        <p:nvSpPr>
+          <p:cNvPr id="17" name="四角形: 角を丸くする 16">
+            <a:extLst>
+              <a:ext uri="{FF2B5EF4-FFF2-40B4-BE49-F238E27FC236}">
+                <a16:creationId xmlns:a16="http://schemas.microsoft.com/office/drawing/2014/main" id="{5EF31FC2-2F52-4D5B-906E-753D3EF88EF6}"/>
+              </a:ext>
+            </a:extLst>
+          </p:cNvPr>
+          <p:cNvSpPr/>
+          <p:nvPr/>
+        </p:nvSpPr>
+        <p:spPr>
+          <a:xfrm>
+            <a:off x="615002" y="2225245"/>
+            <a:ext cx="7913995" cy="658000"/>
+          </a:xfrm>
+          <a:prstGeom prst="roundRect">
+            <a:avLst/>
+          </a:prstGeom>
+          <a:ln w="19050">
+            <a:solidFill>
+              <a:schemeClr val="accent1"/>
+            </a:solidFill>
+          </a:ln>
+        </p:spPr>
+        <p:style>
+          <a:lnRef idx="2">
+            <a:schemeClr val="accent6"/>
+          </a:lnRef>
+          <a:fillRef idx="1">
+            <a:schemeClr val="lt1"/>
+          </a:fillRef>
+          <a:effectRef idx="0">
+            <a:schemeClr val="accent6"/>
+          </a:effectRef>
+          <a:fontRef idx="minor">
+            <a:schemeClr val="dk1"/>
+          </a:fontRef>
+        </p:style>
+        <p:txBody>
+          <a:bodyPr rtlCol="0" anchor="ctr"/>
+          <a:lstStyle/>
+          <a:p>
+            <a:pPr algn="just">
+              <a:lnSpc>
+                <a:spcPct val="150000"/>
+              </a:lnSpc>
+            </a:pPr>
+            <a:r>
+              <a:rPr lang="en-US" altLang="ja-JP" sz="3600" kern="100" dirty="0">
+                <a:solidFill>
+                  <a:schemeClr val="tx1">
+                    <a:lumMod val="85000"/>
+                    <a:lumOff val="15000"/>
+                  </a:schemeClr>
+                </a:solidFill>
+                <a:latin typeface="メイリオ" panose="020B0604030504040204" pitchFamily="50" charset="-128"/>
+                <a:ea typeface="メイリオ" panose="020B0604030504040204" pitchFamily="50" charset="-128"/>
+                <a:cs typeface="Times New Roman" panose="02020603050405020304" pitchFamily="18" charset="0"/>
+              </a:rPr>
+              <a:t>2.</a:t>
+            </a:r>
+            <a:r>
+              <a:rPr lang="ja-JP" altLang="en-US" sz="3600" kern="100" dirty="0">
+                <a:solidFill>
+                  <a:schemeClr val="tx1">
+                    <a:lumMod val="85000"/>
+                    <a:lumOff val="15000"/>
+                  </a:schemeClr>
+                </a:solidFill>
+                <a:latin typeface="メイリオ" panose="020B0604030504040204" pitchFamily="50" charset="-128"/>
+                <a:ea typeface="メイリオ" panose="020B0604030504040204" pitchFamily="50" charset="-128"/>
+                <a:cs typeface="Times New Roman" panose="02020603050405020304" pitchFamily="18" charset="0"/>
+              </a:rPr>
+              <a:t>　製作物について</a:t>
+            </a:r>
+            <a:endParaRPr lang="ja-JP" altLang="ja-JP" sz="3600" kern="100" dirty="0">
+              <a:solidFill>
+                <a:schemeClr val="tx1">
+                  <a:lumMod val="85000"/>
+                  <a:lumOff val="15000"/>
+                </a:schemeClr>
+              </a:solidFill>
+              <a:latin typeface="メイリオ" panose="020B0604030504040204" pitchFamily="50" charset="-128"/>
+              <a:ea typeface="メイリオ" panose="020B0604030504040204" pitchFamily="50" charset="-128"/>
+              <a:cs typeface="Times New Roman" panose="02020603050405020304" pitchFamily="18" charset="0"/>
+            </a:endParaRPr>
+          </a:p>
+        </p:txBody>
+      </p:sp>
+      <p:sp>
+        <p:nvSpPr>
+          <p:cNvPr id="18" name="四角形: 角を丸くする 17">
+            <a:extLst>
+              <a:ext uri="{FF2B5EF4-FFF2-40B4-BE49-F238E27FC236}">
+                <a16:creationId xmlns:a16="http://schemas.microsoft.com/office/drawing/2014/main" id="{AEA83588-56D7-4940-B360-E91119207452}"/>
+              </a:ext>
+            </a:extLst>
+          </p:cNvPr>
+          <p:cNvSpPr/>
+          <p:nvPr/>
+        </p:nvSpPr>
+        <p:spPr>
+          <a:xfrm>
+            <a:off x="615001" y="3112647"/>
+            <a:ext cx="7913995" cy="658000"/>
+          </a:xfrm>
+          <a:prstGeom prst="roundRect">
+            <a:avLst/>
+          </a:prstGeom>
+          <a:ln w="19050">
+            <a:solidFill>
+              <a:schemeClr val="accent1"/>
+            </a:solidFill>
+          </a:ln>
+        </p:spPr>
+        <p:style>
+          <a:lnRef idx="2">
+            <a:schemeClr val="accent6"/>
+          </a:lnRef>
+          <a:fillRef idx="1">
+            <a:schemeClr val="lt1"/>
+          </a:fillRef>
+          <a:effectRef idx="0">
+            <a:schemeClr val="accent6"/>
+          </a:effectRef>
+          <a:fontRef idx="minor">
+            <a:schemeClr val="dk1"/>
+          </a:fontRef>
+        </p:style>
+        <p:txBody>
+          <a:bodyPr rtlCol="0" anchor="ctr"/>
+          <a:lstStyle/>
+          <a:p>
+            <a:pPr algn="just">
+              <a:lnSpc>
+                <a:spcPct val="150000"/>
+              </a:lnSpc>
+            </a:pPr>
+            <a:r>
+              <a:rPr lang="en-US" altLang="ja-JP" sz="3600" kern="100" dirty="0">
+                <a:solidFill>
+                  <a:schemeClr val="tx1">
+                    <a:lumMod val="85000"/>
+                    <a:lumOff val="15000"/>
+                  </a:schemeClr>
+                </a:solidFill>
+                <a:latin typeface="メイリオ" panose="020B0604030504040204" pitchFamily="50" charset="-128"/>
+                <a:ea typeface="メイリオ" panose="020B0604030504040204" pitchFamily="50" charset="-128"/>
+                <a:cs typeface="Times New Roman" panose="02020603050405020304" pitchFamily="18" charset="0"/>
+              </a:rPr>
+              <a:t>3.</a:t>
+            </a:r>
+            <a:r>
+              <a:rPr lang="ja-JP" altLang="en-US" sz="3600" kern="100" dirty="0">
+                <a:solidFill>
+                  <a:schemeClr val="tx1">
+                    <a:lumMod val="85000"/>
+                    <a:lumOff val="15000"/>
+                  </a:schemeClr>
+                </a:solidFill>
+                <a:latin typeface="メイリオ" panose="020B0604030504040204" pitchFamily="50" charset="-128"/>
+                <a:ea typeface="メイリオ" panose="020B0604030504040204" pitchFamily="50" charset="-128"/>
+                <a:cs typeface="Times New Roman" panose="02020603050405020304" pitchFamily="18" charset="0"/>
+              </a:rPr>
+              <a:t>　期待できる効果</a:t>
+            </a:r>
+            <a:endParaRPr lang="ja-JP" altLang="ja-JP" sz="3600" kern="100" dirty="0">
+              <a:solidFill>
+                <a:schemeClr val="tx1">
+                  <a:lumMod val="85000"/>
+                  <a:lumOff val="15000"/>
+                </a:schemeClr>
+              </a:solidFill>
+              <a:latin typeface="メイリオ" panose="020B0604030504040204" pitchFamily="50" charset="-128"/>
+              <a:ea typeface="メイリオ" panose="020B0604030504040204" pitchFamily="50" charset="-128"/>
+              <a:cs typeface="Times New Roman" panose="02020603050405020304" pitchFamily="18" charset="0"/>
+            </a:endParaRPr>
+          </a:p>
+        </p:txBody>
+      </p:sp>
+      <p:sp>
+        <p:nvSpPr>
+          <p:cNvPr id="19" name="四角形: 角を丸くする 18">
+            <a:extLst>
+              <a:ext uri="{FF2B5EF4-FFF2-40B4-BE49-F238E27FC236}">
+                <a16:creationId xmlns:a16="http://schemas.microsoft.com/office/drawing/2014/main" id="{5A939795-3DDA-40FC-B854-56CC9E54B4F8}"/>
+              </a:ext>
+            </a:extLst>
+          </p:cNvPr>
+          <p:cNvSpPr/>
+          <p:nvPr/>
+        </p:nvSpPr>
+        <p:spPr>
+          <a:xfrm>
+            <a:off x="615001" y="4010081"/>
+            <a:ext cx="7913995" cy="658000"/>
+          </a:xfrm>
+          <a:prstGeom prst="roundRect">
+            <a:avLst/>
+          </a:prstGeom>
+          <a:ln w="19050">
+            <a:solidFill>
+              <a:schemeClr val="accent1"/>
+            </a:solidFill>
+          </a:ln>
+        </p:spPr>
+        <p:style>
+          <a:lnRef idx="2">
+            <a:schemeClr val="accent6"/>
+          </a:lnRef>
+          <a:fillRef idx="1">
+            <a:schemeClr val="lt1"/>
+          </a:fillRef>
+          <a:effectRef idx="0">
+            <a:schemeClr val="accent6"/>
+          </a:effectRef>
+          <a:fontRef idx="minor">
+            <a:schemeClr val="dk1"/>
+          </a:fontRef>
+        </p:style>
+        <p:txBody>
+          <a:bodyPr rtlCol="0" anchor="ctr"/>
+          <a:lstStyle/>
+          <a:p>
+            <a:pPr algn="just">
+              <a:lnSpc>
+                <a:spcPct val="150000"/>
+              </a:lnSpc>
+            </a:pPr>
+            <a:r>
+              <a:rPr lang="en-US" altLang="ja-JP" sz="3600" kern="100" dirty="0">
+                <a:solidFill>
+                  <a:schemeClr val="tx1">
+                    <a:lumMod val="85000"/>
+                    <a:lumOff val="15000"/>
+                  </a:schemeClr>
+                </a:solidFill>
+                <a:latin typeface="メイリオ" panose="020B0604030504040204" pitchFamily="50" charset="-128"/>
+                <a:ea typeface="メイリオ" panose="020B0604030504040204" pitchFamily="50" charset="-128"/>
+                <a:cs typeface="Times New Roman" panose="02020603050405020304" pitchFamily="18" charset="0"/>
+              </a:rPr>
+              <a:t>4.</a:t>
+            </a:r>
+            <a:r>
+              <a:rPr lang="ja-JP" altLang="en-US" sz="3600" kern="100" dirty="0">
+                <a:solidFill>
+                  <a:schemeClr val="tx1">
+                    <a:lumMod val="85000"/>
+                    <a:lumOff val="15000"/>
+                  </a:schemeClr>
+                </a:solidFill>
+                <a:latin typeface="メイリオ" panose="020B0604030504040204" pitchFamily="50" charset="-128"/>
+                <a:ea typeface="メイリオ" panose="020B0604030504040204" pitchFamily="50" charset="-128"/>
+                <a:cs typeface="Times New Roman" panose="02020603050405020304" pitchFamily="18" charset="0"/>
+              </a:rPr>
+              <a:t>　プロジェクトの振り返り</a:t>
+            </a:r>
+            <a:endParaRPr lang="ja-JP" altLang="ja-JP" sz="3600" kern="100" dirty="0">
+              <a:solidFill>
+                <a:schemeClr val="tx1">
+                  <a:lumMod val="85000"/>
+                  <a:lumOff val="15000"/>
+                </a:schemeClr>
+              </a:solidFill>
+              <a:latin typeface="メイリオ" panose="020B0604030504040204" pitchFamily="50" charset="-128"/>
+              <a:ea typeface="メイリオ" panose="020B0604030504040204" pitchFamily="50" charset="-128"/>
+              <a:cs typeface="Times New Roman" panose="02020603050405020304" pitchFamily="18" charset="0"/>
+            </a:endParaRPr>
+          </a:p>
+        </p:txBody>
+      </p:sp>
+      <p:sp>
+        <p:nvSpPr>
+          <p:cNvPr id="20" name="四角形: 角を丸くする 19">
+            <a:extLst>
+              <a:ext uri="{FF2B5EF4-FFF2-40B4-BE49-F238E27FC236}">
+                <a16:creationId xmlns:a16="http://schemas.microsoft.com/office/drawing/2014/main" id="{8B1C7689-CB01-47A0-BF74-E914F8F0EC3D}"/>
+              </a:ext>
+            </a:extLst>
+          </p:cNvPr>
+          <p:cNvSpPr/>
+          <p:nvPr/>
+        </p:nvSpPr>
+        <p:spPr>
+          <a:xfrm>
+            <a:off x="615001" y="4865397"/>
+            <a:ext cx="7913995" cy="658000"/>
+          </a:xfrm>
+          <a:prstGeom prst="roundRect">
+            <a:avLst/>
+          </a:prstGeom>
+          <a:ln w="19050">
+            <a:solidFill>
+              <a:schemeClr val="accent1"/>
+            </a:solidFill>
+          </a:ln>
+        </p:spPr>
+        <p:style>
+          <a:lnRef idx="2">
+            <a:schemeClr val="accent6"/>
+          </a:lnRef>
+          <a:fillRef idx="1">
+            <a:schemeClr val="lt1"/>
+          </a:fillRef>
+          <a:effectRef idx="0">
+            <a:schemeClr val="accent6"/>
+          </a:effectRef>
+          <a:fontRef idx="minor">
+            <a:schemeClr val="dk1"/>
+          </a:fontRef>
+        </p:style>
+        <p:txBody>
+          <a:bodyPr rtlCol="0" anchor="ctr"/>
+          <a:lstStyle/>
+          <a:p>
+            <a:pPr algn="just">
+              <a:lnSpc>
+                <a:spcPct val="150000"/>
+              </a:lnSpc>
+            </a:pPr>
+            <a:r>
+              <a:rPr lang="en-US" altLang="ja-JP" sz="3600" kern="100" dirty="0">
+                <a:solidFill>
+                  <a:schemeClr val="tx1">
+                    <a:lumMod val="85000"/>
+                    <a:lumOff val="15000"/>
+                  </a:schemeClr>
+                </a:solidFill>
+                <a:latin typeface="メイリオ" panose="020B0604030504040204" pitchFamily="50" charset="-128"/>
+                <a:ea typeface="メイリオ" panose="020B0604030504040204" pitchFamily="50" charset="-128"/>
+                <a:cs typeface="Times New Roman" panose="02020603050405020304" pitchFamily="18" charset="0"/>
+              </a:rPr>
+              <a:t>5.</a:t>
+            </a:r>
+            <a:r>
+              <a:rPr lang="ja-JP" altLang="en-US" sz="3600" kern="100" dirty="0">
+                <a:solidFill>
+                  <a:schemeClr val="tx1">
+                    <a:lumMod val="85000"/>
+                    <a:lumOff val="15000"/>
+                  </a:schemeClr>
+                </a:solidFill>
+                <a:latin typeface="メイリオ" panose="020B0604030504040204" pitchFamily="50" charset="-128"/>
+                <a:ea typeface="メイリオ" panose="020B0604030504040204" pitchFamily="50" charset="-128"/>
+                <a:cs typeface="Times New Roman" panose="02020603050405020304" pitchFamily="18" charset="0"/>
+              </a:rPr>
+              <a:t>　個々の成長・感想</a:t>
+            </a:r>
+            <a:endParaRPr lang="ja-JP" altLang="ja-JP" sz="3600" kern="100" dirty="0">
+              <a:solidFill>
+                <a:schemeClr val="tx1">
+                  <a:lumMod val="85000"/>
+                  <a:lumOff val="15000"/>
+                </a:schemeClr>
+              </a:solidFill>
+              <a:latin typeface="メイリオ" panose="020B0604030504040204" pitchFamily="50" charset="-128"/>
+              <a:ea typeface="メイリオ" panose="020B0604030504040204" pitchFamily="50" charset="-128"/>
+              <a:cs typeface="Times New Roman" panose="02020603050405020304" pitchFamily="18" charset="0"/>
+            </a:endParaRPr>
+          </a:p>
+        </p:txBody>
+      </p:sp>
+      <p:sp>
+        <p:nvSpPr>
+          <p:cNvPr id="21" name="四角形: 角を丸くする 20">
+            <a:extLst>
+              <a:ext uri="{FF2B5EF4-FFF2-40B4-BE49-F238E27FC236}">
+                <a16:creationId xmlns:a16="http://schemas.microsoft.com/office/drawing/2014/main" id="{460F04A2-8F78-4E7D-971A-AA72042386EE}"/>
+              </a:ext>
+            </a:extLst>
+          </p:cNvPr>
+          <p:cNvSpPr/>
+          <p:nvPr/>
+        </p:nvSpPr>
+        <p:spPr>
+          <a:xfrm>
+            <a:off x="615001" y="5729097"/>
+            <a:ext cx="7913995" cy="658000"/>
+          </a:xfrm>
+          <a:prstGeom prst="roundRect">
+            <a:avLst/>
+          </a:prstGeom>
+          <a:ln w="19050">
+            <a:solidFill>
+              <a:schemeClr val="accent1"/>
+            </a:solidFill>
+          </a:ln>
+        </p:spPr>
+        <p:style>
+          <a:lnRef idx="2">
+            <a:schemeClr val="accent6"/>
+          </a:lnRef>
+          <a:fillRef idx="1">
+            <a:schemeClr val="lt1"/>
+          </a:fillRef>
+          <a:effectRef idx="0">
+            <a:schemeClr val="accent6"/>
+          </a:effectRef>
+          <a:fontRef idx="minor">
+            <a:schemeClr val="dk1"/>
+          </a:fontRef>
+        </p:style>
+        <p:txBody>
+          <a:bodyPr rtlCol="0" anchor="ctr"/>
+          <a:lstStyle/>
+          <a:p>
+            <a:pPr algn="just">
+              <a:lnSpc>
+                <a:spcPct val="150000"/>
+              </a:lnSpc>
+            </a:pPr>
+            <a:r>
+              <a:rPr lang="en-US" altLang="ja-JP" sz="3600" kern="100" dirty="0">
+                <a:solidFill>
+                  <a:schemeClr val="tx1">
+                    <a:lumMod val="85000"/>
+                    <a:lumOff val="15000"/>
+                  </a:schemeClr>
+                </a:solidFill>
+                <a:latin typeface="メイリオ" panose="020B0604030504040204" pitchFamily="50" charset="-128"/>
+                <a:ea typeface="メイリオ" panose="020B0604030504040204" pitchFamily="50" charset="-128"/>
+                <a:cs typeface="Times New Roman" panose="02020603050405020304" pitchFamily="18" charset="0"/>
+              </a:rPr>
+              <a:t>6.</a:t>
+            </a:r>
+            <a:r>
+              <a:rPr lang="ja-JP" altLang="en-US" sz="3600" kern="100" dirty="0">
+                <a:solidFill>
+                  <a:schemeClr val="tx1">
+                    <a:lumMod val="85000"/>
+                    <a:lumOff val="15000"/>
+                  </a:schemeClr>
+                </a:solidFill>
+                <a:latin typeface="メイリオ" panose="020B0604030504040204" pitchFamily="50" charset="-128"/>
+                <a:ea typeface="メイリオ" panose="020B0604030504040204" pitchFamily="50" charset="-128"/>
+                <a:cs typeface="Times New Roman" panose="02020603050405020304" pitchFamily="18" charset="0"/>
+              </a:rPr>
+              <a:t>　まとめ</a:t>
+            </a:r>
+            <a:endParaRPr lang="ja-JP" altLang="ja-JP" sz="3600" kern="100" dirty="0">
+              <a:solidFill>
+                <a:schemeClr val="tx1">
+                  <a:lumMod val="85000"/>
+                  <a:lumOff val="15000"/>
+                </a:schemeClr>
+              </a:solidFill>
+              <a:latin typeface="メイリオ" panose="020B0604030504040204" pitchFamily="50" charset="-128"/>
+              <a:ea typeface="メイリオ" panose="020B0604030504040204" pitchFamily="50" charset="-128"/>
+              <a:cs typeface="Times New Roman" panose="02020603050405020304" pitchFamily="18" charset="0"/>
+            </a:endParaRPr>
+          </a:p>
+        </p:txBody>
+      </p:sp>
+    </p:spTree>
+    <p:extLst>
+      <p:ext uri="{BB962C8B-B14F-4D97-AF65-F5344CB8AC3E}">
+        <p14:creationId xmlns:p14="http://schemas.microsoft.com/office/powerpoint/2010/main" val="3706949613"/>
+      </p:ext>
+    </p:extLst>
+  </p:cSld>
+  <p:clrMapOvr>
+    <a:masterClrMapping/>
+  </p:clrMapOvr>
+</p:sld>
+</file>
+
+<file path=ppt/slides/slide20.xml><?xml version="1.0" encoding="utf-8"?>
 <p:sld xmlns:a="http://schemas.openxmlformats.org/drawingml/2006/main" xmlns:r="http://schemas.openxmlformats.org/officeDocument/2006/relationships" xmlns:p="http://schemas.openxmlformats.org/presentationml/2006/main">
   <p:cSld>
     <p:spTree>
@@ -14010,7 +15033,7 @@
                   </a:schemeClr>
                 </a:solidFill>
               </a:rPr>
-              <a:t>18</a:t>
+              <a:t>20</a:t>
             </a:fld>
             <a:endParaRPr kumimoji="1" lang="ja-JP" altLang="en-US" sz="4000" dirty="0">
               <a:solidFill>
@@ -14660,7 +15683,7 @@
 </p:sld>
 </file>
 
-<file path=ppt/slides/slide19.xml><?xml version="1.0" encoding="utf-8"?>
+<file path=ppt/slides/slide21.xml><?xml version="1.0" encoding="utf-8"?>
 <p:sld xmlns:a="http://schemas.openxmlformats.org/drawingml/2006/main" xmlns:r="http://schemas.openxmlformats.org/officeDocument/2006/relationships" xmlns:p="http://schemas.openxmlformats.org/presentationml/2006/main">
   <p:cSld>
     <p:spTree>
@@ -14887,7 +15910,7 @@
                   </a:schemeClr>
                 </a:solidFill>
               </a:rPr>
-              <a:t>19</a:t>
+              <a:t>21</a:t>
             </a:fld>
             <a:endParaRPr kumimoji="1" lang="ja-JP" altLang="en-US" sz="4000" dirty="0">
               <a:solidFill>
@@ -15224,528 +16247,7 @@
 </p:sld>
 </file>
 
-<file path=ppt/slides/slide2.xml><?xml version="1.0" encoding="utf-8"?>
-<p:sld xmlns:a="http://schemas.openxmlformats.org/drawingml/2006/main" xmlns:r="http://schemas.openxmlformats.org/officeDocument/2006/relationships" xmlns:p="http://schemas.openxmlformats.org/presentationml/2006/main">
-  <p:cSld>
-    <p:spTree>
-      <p:nvGrpSpPr>
-        <p:cNvPr id="1" name=""/>
-        <p:cNvGrpSpPr/>
-        <p:nvPr/>
-      </p:nvGrpSpPr>
-      <p:grpSpPr>
-        <a:xfrm>
-          <a:off x="0" y="0"/>
-          <a:ext cx="0" cy="0"/>
-          <a:chOff x="0" y="0"/>
-          <a:chExt cx="0" cy="0"/>
-        </a:xfrm>
-      </p:grpSpPr>
-      <p:sp>
-        <p:nvSpPr>
-          <p:cNvPr id="2" name="タイトル 1">
-            <a:extLst>
-              <a:ext uri="{FF2B5EF4-FFF2-40B4-BE49-F238E27FC236}">
-                <a16:creationId xmlns:a16="http://schemas.microsoft.com/office/drawing/2014/main" id="{BE45A6A3-88DA-43A6-A3EF-A240C7C5EA09}"/>
-              </a:ext>
-            </a:extLst>
-          </p:cNvPr>
-          <p:cNvSpPr>
-            <a:spLocks noGrp="1"/>
-          </p:cNvSpPr>
-          <p:nvPr>
-            <p:ph type="title"/>
-          </p:nvPr>
-        </p:nvSpPr>
-        <p:spPr>
-          <a:xfrm>
-            <a:off x="221082" y="257624"/>
-            <a:ext cx="8079581" cy="960494"/>
-          </a:xfrm>
-        </p:spPr>
-        <p:txBody>
-          <a:bodyPr>
-            <a:normAutofit/>
-          </a:bodyPr>
-          <a:lstStyle/>
-          <a:p>
-            <a:r>
-              <a:rPr lang="en-US" altLang="ja-JP" sz="4800" kern="100" dirty="0">
-                <a:effectLst/>
-                <a:latin typeface="メイリオ" panose="020B0604030504040204" pitchFamily="50" charset="-128"/>
-                <a:ea typeface="メイリオ" panose="020B0604030504040204" pitchFamily="50" charset="-128"/>
-                <a:cs typeface="Times New Roman" panose="02020603050405020304" pitchFamily="18" charset="0"/>
-              </a:rPr>
-              <a:t>TEAM MEMBER</a:t>
-            </a:r>
-            <a:endParaRPr kumimoji="1" lang="ja-JP" altLang="en-US" sz="4800" dirty="0"/>
-          </a:p>
-        </p:txBody>
-      </p:sp>
-      <p:sp>
-        <p:nvSpPr>
-          <p:cNvPr id="3" name="コンテンツ プレースホルダー 2">
-            <a:extLst>
-              <a:ext uri="{FF2B5EF4-FFF2-40B4-BE49-F238E27FC236}">
-                <a16:creationId xmlns:a16="http://schemas.microsoft.com/office/drawing/2014/main" id="{6226E1D2-7C3C-4CBD-8DD9-5F71BA4692C1}"/>
-              </a:ext>
-            </a:extLst>
-          </p:cNvPr>
-          <p:cNvSpPr>
-            <a:spLocks noGrp="1"/>
-          </p:cNvSpPr>
-          <p:nvPr>
-            <p:ph idx="1"/>
-          </p:nvPr>
-        </p:nvSpPr>
-        <p:spPr>
-          <a:xfrm>
-            <a:off x="361088" y="1218118"/>
-            <a:ext cx="8421823" cy="5307801"/>
-          </a:xfrm>
-        </p:spPr>
-        <p:txBody>
-          <a:bodyPr>
-            <a:normAutofit/>
-          </a:bodyPr>
-          <a:lstStyle/>
-          <a:p>
-            <a:pPr algn="just">
-              <a:lnSpc>
-                <a:spcPct val="150000"/>
-              </a:lnSpc>
-              <a:buFont typeface="Wingdings" panose="05000000000000000000" pitchFamily="2" charset="2"/>
-              <a:buChar char="l"/>
-            </a:pPr>
-            <a:r>
-              <a:rPr lang="ja-JP" altLang="ja-JP" sz="2800" kern="100" dirty="0">
-                <a:effectLst/>
-                <a:latin typeface="メイリオ" panose="020B0604030504040204" pitchFamily="50" charset="-128"/>
-                <a:ea typeface="メイリオ" panose="020B0604030504040204" pitchFamily="50" charset="-128"/>
-                <a:cs typeface="Times New Roman" panose="02020603050405020304" pitchFamily="18" charset="0"/>
-              </a:rPr>
-              <a:t>乘川和輝</a:t>
-            </a:r>
-            <a:r>
-              <a:rPr lang="ja-JP" altLang="en-US" sz="2800" kern="100" dirty="0">
-                <a:latin typeface="メイリオ" panose="020B0604030504040204" pitchFamily="50" charset="-128"/>
-                <a:ea typeface="メイリオ" panose="020B0604030504040204" pitchFamily="50" charset="-128"/>
-                <a:cs typeface="Times New Roman" panose="02020603050405020304" pitchFamily="18" charset="0"/>
-              </a:rPr>
-              <a:t>（</a:t>
-            </a:r>
-            <a:r>
-              <a:rPr lang="ja-JP" altLang="ja-JP" sz="2800" kern="100" dirty="0">
-                <a:effectLst/>
-                <a:latin typeface="メイリオ" panose="020B0604030504040204" pitchFamily="50" charset="-128"/>
-                <a:ea typeface="メイリオ" panose="020B0604030504040204" pitchFamily="50" charset="-128"/>
-                <a:cs typeface="Times New Roman" panose="02020603050405020304" pitchFamily="18" charset="0"/>
-              </a:rPr>
-              <a:t>リーダー</a:t>
-            </a:r>
-            <a:r>
-              <a:rPr lang="ja-JP" altLang="en-US" sz="2800" kern="100" dirty="0">
-                <a:latin typeface="メイリオ" panose="020B0604030504040204" pitchFamily="50" charset="-128"/>
-                <a:ea typeface="メイリオ" panose="020B0604030504040204" pitchFamily="50" charset="-128"/>
-                <a:cs typeface="Times New Roman" panose="02020603050405020304" pitchFamily="18" charset="0"/>
-              </a:rPr>
-              <a:t>）</a:t>
-            </a:r>
-            <a:r>
-              <a:rPr lang="ja-JP" altLang="ja-JP" sz="2800" kern="100" dirty="0">
-                <a:effectLst/>
-                <a:latin typeface="メイリオ" panose="020B0604030504040204" pitchFamily="50" charset="-128"/>
-                <a:ea typeface="メイリオ" panose="020B0604030504040204" pitchFamily="50" charset="-128"/>
-                <a:cs typeface="Times New Roman" panose="02020603050405020304" pitchFamily="18" charset="0"/>
-              </a:rPr>
-              <a:t>　　　　</a:t>
-            </a:r>
-            <a:r>
-              <a:rPr lang="ja-JP" altLang="en-US" sz="2800" kern="100" dirty="0">
-                <a:effectLst/>
-                <a:latin typeface="メイリオ" panose="020B0604030504040204" pitchFamily="50" charset="-128"/>
-                <a:ea typeface="メイリオ" panose="020B0604030504040204" pitchFamily="50" charset="-128"/>
-                <a:cs typeface="Times New Roman" panose="02020603050405020304" pitchFamily="18" charset="0"/>
-              </a:rPr>
-              <a:t>　　</a:t>
-            </a:r>
-            <a:r>
-              <a:rPr lang="ja-JP" altLang="ja-JP" sz="2800" kern="100" dirty="0">
-                <a:effectLst/>
-                <a:latin typeface="メイリオ" panose="020B0604030504040204" pitchFamily="50" charset="-128"/>
-                <a:ea typeface="メイリオ" panose="020B0604030504040204" pitchFamily="50" charset="-128"/>
-                <a:cs typeface="Times New Roman" panose="02020603050405020304" pitchFamily="18" charset="0"/>
-              </a:rPr>
-              <a:t>サインポスト</a:t>
-            </a:r>
-            <a:endParaRPr lang="en-US" altLang="ja-JP" sz="2800" kern="100" dirty="0">
-              <a:effectLst/>
-              <a:latin typeface="メイリオ" panose="020B0604030504040204" pitchFamily="50" charset="-128"/>
-              <a:ea typeface="メイリオ" panose="020B0604030504040204" pitchFamily="50" charset="-128"/>
-              <a:cs typeface="Times New Roman" panose="02020603050405020304" pitchFamily="18" charset="0"/>
-            </a:endParaRPr>
-          </a:p>
-          <a:p>
-            <a:pPr algn="just">
-              <a:lnSpc>
-                <a:spcPct val="150000"/>
-              </a:lnSpc>
-              <a:buFont typeface="Wingdings" panose="05000000000000000000" pitchFamily="2" charset="2"/>
-              <a:buChar char="l"/>
-            </a:pPr>
-            <a:r>
-              <a:rPr lang="ja-JP" altLang="ja-JP" sz="2800" kern="100" dirty="0">
-                <a:effectLst/>
-                <a:latin typeface="メイリオ" panose="020B0604030504040204" pitchFamily="50" charset="-128"/>
-                <a:ea typeface="メイリオ" panose="020B0604030504040204" pitchFamily="50" charset="-128"/>
-                <a:cs typeface="Times New Roman" panose="02020603050405020304" pitchFamily="18" charset="0"/>
-              </a:rPr>
-              <a:t>田島駿亮</a:t>
-            </a:r>
-            <a:r>
-              <a:rPr lang="ja-JP" altLang="en-US" sz="2800" kern="100" dirty="0">
-                <a:latin typeface="メイリオ" panose="020B0604030504040204" pitchFamily="50" charset="-128"/>
-                <a:ea typeface="メイリオ" panose="020B0604030504040204" pitchFamily="50" charset="-128"/>
-                <a:cs typeface="Times New Roman" panose="02020603050405020304" pitchFamily="18" charset="0"/>
-              </a:rPr>
-              <a:t>（</a:t>
-            </a:r>
-            <a:r>
-              <a:rPr lang="ja-JP" altLang="ja-JP" sz="2800" kern="100" dirty="0">
-                <a:effectLst/>
-                <a:latin typeface="メイリオ" panose="020B0604030504040204" pitchFamily="50" charset="-128"/>
-                <a:ea typeface="メイリオ" panose="020B0604030504040204" pitchFamily="50" charset="-128"/>
-                <a:cs typeface="Times New Roman" panose="02020603050405020304" pitchFamily="18" charset="0"/>
-              </a:rPr>
-              <a:t>品質管理</a:t>
-            </a:r>
-            <a:r>
-              <a:rPr lang="ja-JP" altLang="en-US" sz="2800" kern="100" dirty="0">
-                <a:effectLst/>
-                <a:latin typeface="メイリオ" panose="020B0604030504040204" pitchFamily="50" charset="-128"/>
-                <a:ea typeface="メイリオ" panose="020B0604030504040204" pitchFamily="50" charset="-128"/>
-                <a:cs typeface="Times New Roman" panose="02020603050405020304" pitchFamily="18" charset="0"/>
-              </a:rPr>
-              <a:t>）</a:t>
-            </a:r>
-            <a:r>
-              <a:rPr lang="ja-JP" altLang="ja-JP" sz="2800" kern="100" dirty="0">
-                <a:effectLst/>
-                <a:latin typeface="メイリオ" panose="020B0604030504040204" pitchFamily="50" charset="-128"/>
-                <a:ea typeface="メイリオ" panose="020B0604030504040204" pitchFamily="50" charset="-128"/>
-                <a:cs typeface="Times New Roman" panose="02020603050405020304" pitchFamily="18" charset="0"/>
-              </a:rPr>
-              <a:t>　　　</a:t>
-            </a:r>
-            <a:r>
-              <a:rPr lang="ja-JP" altLang="en-US" sz="2800" kern="100" dirty="0">
-                <a:effectLst/>
-                <a:latin typeface="メイリオ" panose="020B0604030504040204" pitchFamily="50" charset="-128"/>
-                <a:ea typeface="メイリオ" panose="020B0604030504040204" pitchFamily="50" charset="-128"/>
-                <a:cs typeface="Times New Roman" panose="02020603050405020304" pitchFamily="18" charset="0"/>
-              </a:rPr>
-              <a:t>　　　知識工学</a:t>
-            </a:r>
-            <a:endParaRPr lang="ja-JP" altLang="ja-JP" sz="2800" kern="100" dirty="0">
-              <a:effectLst/>
-              <a:latin typeface="メイリオ" panose="020B0604030504040204" pitchFamily="50" charset="-128"/>
-              <a:ea typeface="メイリオ" panose="020B0604030504040204" pitchFamily="50" charset="-128"/>
-              <a:cs typeface="Times New Roman" panose="02020603050405020304" pitchFamily="18" charset="0"/>
-            </a:endParaRPr>
-          </a:p>
-          <a:p>
-            <a:pPr algn="just">
-              <a:lnSpc>
-                <a:spcPct val="150000"/>
-              </a:lnSpc>
-              <a:buFont typeface="Wingdings" panose="05000000000000000000" pitchFamily="2" charset="2"/>
-              <a:buChar char="l"/>
-            </a:pPr>
-            <a:r>
-              <a:rPr lang="ja-JP" altLang="ja-JP" sz="2800" kern="100" dirty="0">
-                <a:effectLst/>
-                <a:latin typeface="メイリオ" panose="020B0604030504040204" pitchFamily="50" charset="-128"/>
-                <a:ea typeface="メイリオ" panose="020B0604030504040204" pitchFamily="50" charset="-128"/>
-                <a:cs typeface="Times New Roman" panose="02020603050405020304" pitchFamily="18" charset="0"/>
-              </a:rPr>
-              <a:t>影山李穂</a:t>
-            </a:r>
-            <a:r>
-              <a:rPr lang="ja-JP" altLang="en-US" sz="2800" kern="100" dirty="0">
-                <a:effectLst/>
-                <a:latin typeface="メイリオ" panose="020B0604030504040204" pitchFamily="50" charset="-128"/>
-                <a:ea typeface="メイリオ" panose="020B0604030504040204" pitchFamily="50" charset="-128"/>
-                <a:cs typeface="Times New Roman" panose="02020603050405020304" pitchFamily="18" charset="0"/>
-              </a:rPr>
-              <a:t>（</a:t>
-            </a:r>
-            <a:r>
-              <a:rPr lang="ja-JP" altLang="ja-JP" sz="2800" kern="100" dirty="0">
-                <a:effectLst/>
-                <a:latin typeface="メイリオ" panose="020B0604030504040204" pitchFamily="50" charset="-128"/>
-                <a:ea typeface="メイリオ" panose="020B0604030504040204" pitchFamily="50" charset="-128"/>
-                <a:cs typeface="Times New Roman" panose="02020603050405020304" pitchFamily="18" charset="0"/>
-              </a:rPr>
-              <a:t>構成管理</a:t>
-            </a:r>
-            <a:r>
-              <a:rPr lang="ja-JP" altLang="en-US" sz="2800" kern="100" dirty="0">
-                <a:effectLst/>
-                <a:latin typeface="メイリオ" panose="020B0604030504040204" pitchFamily="50" charset="-128"/>
-                <a:ea typeface="メイリオ" panose="020B0604030504040204" pitchFamily="50" charset="-128"/>
-                <a:cs typeface="Times New Roman" panose="02020603050405020304" pitchFamily="18" charset="0"/>
-              </a:rPr>
-              <a:t>）</a:t>
-            </a:r>
-            <a:r>
-              <a:rPr lang="ja-JP" altLang="ja-JP" sz="2800" kern="100" dirty="0">
-                <a:effectLst/>
-                <a:latin typeface="メイリオ" panose="020B0604030504040204" pitchFamily="50" charset="-128"/>
-                <a:ea typeface="メイリオ" panose="020B0604030504040204" pitchFamily="50" charset="-128"/>
-                <a:cs typeface="Times New Roman" panose="02020603050405020304" pitchFamily="18" charset="0"/>
-              </a:rPr>
-              <a:t>　　　</a:t>
-            </a:r>
-            <a:r>
-              <a:rPr lang="ja-JP" altLang="en-US" sz="2800" kern="100" dirty="0">
-                <a:effectLst/>
-                <a:latin typeface="メイリオ" panose="020B0604030504040204" pitchFamily="50" charset="-128"/>
-                <a:ea typeface="メイリオ" panose="020B0604030504040204" pitchFamily="50" charset="-128"/>
-                <a:cs typeface="Times New Roman" panose="02020603050405020304" pitchFamily="18" charset="0"/>
-              </a:rPr>
-              <a:t>　　　</a:t>
-            </a:r>
-            <a:r>
-              <a:rPr lang="ja-JP" altLang="ja-JP" sz="2800" kern="100" dirty="0">
-                <a:effectLst/>
-                <a:latin typeface="メイリオ" panose="020B0604030504040204" pitchFamily="50" charset="-128"/>
-                <a:ea typeface="メイリオ" panose="020B0604030504040204" pitchFamily="50" charset="-128"/>
-                <a:cs typeface="Times New Roman" panose="02020603050405020304" pitchFamily="18" charset="0"/>
-              </a:rPr>
-              <a:t>サインポスト</a:t>
-            </a:r>
-          </a:p>
-          <a:p>
-            <a:pPr algn="just">
-              <a:lnSpc>
-                <a:spcPct val="150000"/>
-              </a:lnSpc>
-              <a:buFont typeface="Wingdings" panose="05000000000000000000" pitchFamily="2" charset="2"/>
-              <a:buChar char="l"/>
-            </a:pPr>
-            <a:r>
-              <a:rPr lang="ja-JP" altLang="ja-JP" sz="2800" kern="100" dirty="0">
-                <a:effectLst/>
-                <a:latin typeface="メイリオ" panose="020B0604030504040204" pitchFamily="50" charset="-128"/>
-                <a:ea typeface="メイリオ" panose="020B0604030504040204" pitchFamily="50" charset="-128"/>
-                <a:cs typeface="Times New Roman" panose="02020603050405020304" pitchFamily="18" charset="0"/>
-              </a:rPr>
-              <a:t>畔柳創一</a:t>
-            </a:r>
-            <a:r>
-              <a:rPr lang="ja-JP" altLang="en-US" sz="2800" kern="100" dirty="0">
-                <a:effectLst/>
-                <a:latin typeface="メイリオ" panose="020B0604030504040204" pitchFamily="50" charset="-128"/>
-                <a:ea typeface="メイリオ" panose="020B0604030504040204" pitchFamily="50" charset="-128"/>
-                <a:cs typeface="Times New Roman" panose="02020603050405020304" pitchFamily="18" charset="0"/>
-              </a:rPr>
-              <a:t>（</a:t>
-            </a:r>
-            <a:r>
-              <a:rPr lang="ja-JP" altLang="ja-JP" sz="2800" kern="100" dirty="0">
-                <a:effectLst/>
-                <a:latin typeface="メイリオ" panose="020B0604030504040204" pitchFamily="50" charset="-128"/>
-                <a:ea typeface="メイリオ" panose="020B0604030504040204" pitchFamily="50" charset="-128"/>
-                <a:cs typeface="Times New Roman" panose="02020603050405020304" pitchFamily="18" charset="0"/>
-              </a:rPr>
-              <a:t>データベース</a:t>
-            </a:r>
-            <a:r>
-              <a:rPr lang="ja-JP" altLang="en-US" sz="2800" kern="100" dirty="0">
-                <a:latin typeface="メイリオ" panose="020B0604030504040204" pitchFamily="50" charset="-128"/>
-                <a:ea typeface="メイリオ" panose="020B0604030504040204" pitchFamily="50" charset="-128"/>
-                <a:cs typeface="Times New Roman" panose="02020603050405020304" pitchFamily="18" charset="0"/>
-              </a:rPr>
-              <a:t>）　　　　オアシス</a:t>
-            </a:r>
-            <a:endParaRPr lang="ja-JP" altLang="ja-JP" sz="2800" kern="100" dirty="0">
-              <a:effectLst/>
-              <a:latin typeface="メイリオ" panose="020B0604030504040204" pitchFamily="50" charset="-128"/>
-              <a:ea typeface="メイリオ" panose="020B0604030504040204" pitchFamily="50" charset="-128"/>
-              <a:cs typeface="Times New Roman" panose="02020603050405020304" pitchFamily="18" charset="0"/>
-            </a:endParaRPr>
-          </a:p>
-          <a:p>
-            <a:pPr algn="just">
-              <a:lnSpc>
-                <a:spcPct val="150000"/>
-              </a:lnSpc>
-              <a:buFont typeface="Wingdings" panose="05000000000000000000" pitchFamily="2" charset="2"/>
-              <a:buChar char="l"/>
-            </a:pPr>
-            <a:r>
-              <a:rPr lang="ja-JP" altLang="ja-JP" sz="2800" kern="100" dirty="0">
-                <a:effectLst/>
-                <a:latin typeface="メイリオ" panose="020B0604030504040204" pitchFamily="50" charset="-128"/>
-                <a:ea typeface="メイリオ" panose="020B0604030504040204" pitchFamily="50" charset="-128"/>
-                <a:cs typeface="Times New Roman" panose="02020603050405020304" pitchFamily="18" charset="0"/>
-              </a:rPr>
-              <a:t>横田結衣</a:t>
-            </a:r>
-            <a:r>
-              <a:rPr lang="ja-JP" altLang="en-US" sz="2800" kern="100" dirty="0">
-                <a:effectLst/>
-                <a:latin typeface="メイリオ" panose="020B0604030504040204" pitchFamily="50" charset="-128"/>
-                <a:ea typeface="メイリオ" panose="020B0604030504040204" pitchFamily="50" charset="-128"/>
-                <a:cs typeface="Times New Roman" panose="02020603050405020304" pitchFamily="18" charset="0"/>
-              </a:rPr>
-              <a:t>（</a:t>
-            </a:r>
-            <a:r>
-              <a:rPr lang="ja-JP" altLang="ja-JP" sz="2800" kern="100" dirty="0">
-                <a:effectLst/>
-                <a:latin typeface="メイリオ" panose="020B0604030504040204" pitchFamily="50" charset="-128"/>
-                <a:ea typeface="メイリオ" panose="020B0604030504040204" pitchFamily="50" charset="-128"/>
-                <a:cs typeface="Times New Roman" panose="02020603050405020304" pitchFamily="18" charset="0"/>
-              </a:rPr>
-              <a:t>コミュニケーション</a:t>
-            </a:r>
-            <a:r>
-              <a:rPr lang="ja-JP" altLang="en-US" sz="2800" kern="100" dirty="0">
-                <a:effectLst/>
-                <a:latin typeface="メイリオ" panose="020B0604030504040204" pitchFamily="50" charset="-128"/>
-                <a:ea typeface="メイリオ" panose="020B0604030504040204" pitchFamily="50" charset="-128"/>
-                <a:cs typeface="Times New Roman" panose="02020603050405020304" pitchFamily="18" charset="0"/>
-              </a:rPr>
-              <a:t>）　デジサイン</a:t>
-            </a:r>
-            <a:endParaRPr lang="ja-JP" altLang="ja-JP" sz="2800" kern="100" dirty="0">
-              <a:effectLst/>
-              <a:latin typeface="メイリオ" panose="020B0604030504040204" pitchFamily="50" charset="-128"/>
-              <a:ea typeface="メイリオ" panose="020B0604030504040204" pitchFamily="50" charset="-128"/>
-              <a:cs typeface="Times New Roman" panose="02020603050405020304" pitchFamily="18" charset="0"/>
-            </a:endParaRPr>
-          </a:p>
-          <a:p>
-            <a:pPr algn="just">
-              <a:lnSpc>
-                <a:spcPct val="150000"/>
-              </a:lnSpc>
-              <a:buFont typeface="Wingdings" panose="05000000000000000000" pitchFamily="2" charset="2"/>
-              <a:buChar char="l"/>
-            </a:pPr>
-            <a:r>
-              <a:rPr lang="ja-JP" altLang="ja-JP" sz="2800" kern="100" dirty="0">
-                <a:effectLst/>
-                <a:latin typeface="メイリオ" panose="020B0604030504040204" pitchFamily="50" charset="-128"/>
-                <a:ea typeface="メイリオ" panose="020B0604030504040204" pitchFamily="50" charset="-128"/>
-                <a:cs typeface="Times New Roman" panose="02020603050405020304" pitchFamily="18" charset="0"/>
-              </a:rPr>
-              <a:t>須田卯月</a:t>
-            </a:r>
-            <a:r>
-              <a:rPr lang="ja-JP" altLang="en-US" sz="2800" kern="100" dirty="0">
-                <a:latin typeface="メイリオ" panose="020B0604030504040204" pitchFamily="50" charset="-128"/>
-                <a:ea typeface="メイリオ" panose="020B0604030504040204" pitchFamily="50" charset="-128"/>
-                <a:cs typeface="Times New Roman" panose="02020603050405020304" pitchFamily="18" charset="0"/>
-              </a:rPr>
-              <a:t>（</a:t>
-            </a:r>
-            <a:r>
-              <a:rPr lang="ja-JP" altLang="ja-JP" sz="2800" kern="100" dirty="0">
-                <a:effectLst/>
-                <a:latin typeface="メイリオ" panose="020B0604030504040204" pitchFamily="50" charset="-128"/>
-                <a:ea typeface="メイリオ" panose="020B0604030504040204" pitchFamily="50" charset="-128"/>
-                <a:cs typeface="Times New Roman" panose="02020603050405020304" pitchFamily="18" charset="0"/>
-              </a:rPr>
-              <a:t>発表担当</a:t>
-            </a:r>
-            <a:r>
-              <a:rPr lang="ja-JP" altLang="en-US" sz="2800" kern="100" dirty="0">
-                <a:latin typeface="メイリオ" panose="020B0604030504040204" pitchFamily="50" charset="-128"/>
-                <a:ea typeface="メイリオ" panose="020B0604030504040204" pitchFamily="50" charset="-128"/>
-                <a:cs typeface="Times New Roman" panose="02020603050405020304" pitchFamily="18" charset="0"/>
-              </a:rPr>
-              <a:t>）</a:t>
-            </a:r>
-            <a:r>
-              <a:rPr lang="ja-JP" altLang="ja-JP" sz="2800" kern="100" dirty="0">
-                <a:effectLst/>
-                <a:latin typeface="メイリオ" panose="020B0604030504040204" pitchFamily="50" charset="-128"/>
-                <a:ea typeface="メイリオ" panose="020B0604030504040204" pitchFamily="50" charset="-128"/>
-                <a:cs typeface="Times New Roman" panose="02020603050405020304" pitchFamily="18" charset="0"/>
-              </a:rPr>
-              <a:t>　　　　</a:t>
-            </a:r>
-            <a:r>
-              <a:rPr lang="ja-JP" altLang="en-US" sz="2800" kern="100" dirty="0">
-                <a:effectLst/>
-                <a:latin typeface="メイリオ" panose="020B0604030504040204" pitchFamily="50" charset="-128"/>
-                <a:ea typeface="メイリオ" panose="020B0604030504040204" pitchFamily="50" charset="-128"/>
-                <a:cs typeface="Times New Roman" panose="02020603050405020304" pitchFamily="18" charset="0"/>
-              </a:rPr>
-              <a:t>　　</a:t>
-            </a:r>
-            <a:r>
-              <a:rPr lang="ja-JP" altLang="ja-JP" sz="2800" kern="100" dirty="0">
-                <a:effectLst/>
-                <a:latin typeface="メイリオ" panose="020B0604030504040204" pitchFamily="50" charset="-128"/>
-                <a:ea typeface="メイリオ" panose="020B0604030504040204" pitchFamily="50" charset="-128"/>
-                <a:cs typeface="Times New Roman" panose="02020603050405020304" pitchFamily="18" charset="0"/>
-              </a:rPr>
-              <a:t>サインポスト</a:t>
-            </a:r>
-          </a:p>
-        </p:txBody>
-      </p:sp>
-      <p:sp>
-        <p:nvSpPr>
-          <p:cNvPr id="4" name="スライド番号プレースホルダー 3">
-            <a:extLst>
-              <a:ext uri="{FF2B5EF4-FFF2-40B4-BE49-F238E27FC236}">
-                <a16:creationId xmlns:a16="http://schemas.microsoft.com/office/drawing/2014/main" id="{22B9251E-336C-4E40-90EE-DC9AE06AA274}"/>
-              </a:ext>
-            </a:extLst>
-          </p:cNvPr>
-          <p:cNvSpPr>
-            <a:spLocks noGrp="1"/>
-          </p:cNvSpPr>
-          <p:nvPr>
-            <p:ph type="sldNum" sz="quarter" idx="12"/>
-          </p:nvPr>
-        </p:nvSpPr>
-        <p:spPr>
-          <a:xfrm>
-            <a:off x="6692215" y="5359578"/>
-            <a:ext cx="2194560" cy="1397039"/>
-          </a:xfrm>
-        </p:spPr>
-        <p:txBody>
-          <a:bodyPr/>
-          <a:lstStyle/>
-          <a:p>
-            <a:fld id="{28B3E1AD-D654-41ED-B122-F068B9548232}" type="slidenum">
-              <a:rPr kumimoji="1" lang="ja-JP" altLang="en-US" smtClean="0"/>
-              <a:t>2</a:t>
-            </a:fld>
-            <a:endParaRPr kumimoji="1" lang="ja-JP" altLang="en-US" dirty="0"/>
-          </a:p>
-        </p:txBody>
-      </p:sp>
-    </p:spTree>
-    <p:extLst>
-      <p:ext uri="{BB962C8B-B14F-4D97-AF65-F5344CB8AC3E}">
-        <p14:creationId xmlns:p14="http://schemas.microsoft.com/office/powerpoint/2010/main" val="3044171557"/>
-      </p:ext>
-    </p:extLst>
-  </p:cSld>
-  <p:clrMapOvr>
-    <a:masterClrMapping/>
-  </p:clrMapOvr>
-</p:sld>
-</file>
-
-<file path=ppt/slides/slide20.xml><?xml version="1.0" encoding="utf-8"?>
+<file path=ppt/slides/slide22.xml><?xml version="1.0" encoding="utf-8"?>
 <p:sld xmlns:a="http://schemas.openxmlformats.org/drawingml/2006/main" xmlns:r="http://schemas.openxmlformats.org/officeDocument/2006/relationships" xmlns:p="http://schemas.openxmlformats.org/presentationml/2006/main">
   <p:cSld>
     <p:spTree>
@@ -15883,7 +16385,7 @@
                   </a:schemeClr>
                 </a:solidFill>
               </a:rPr>
-              <a:t>20</a:t>
+              <a:t>22</a:t>
             </a:fld>
             <a:endParaRPr kumimoji="1" lang="ja-JP" altLang="en-US" sz="4000" dirty="0">
               <a:solidFill>
@@ -16481,7 +16983,7 @@
 </p:sld>
 </file>
 
-<file path=ppt/slides/slide21.xml><?xml version="1.0" encoding="utf-8"?>
+<file path=ppt/slides/slide23.xml><?xml version="1.0" encoding="utf-8"?>
 <p:sld xmlns:a="http://schemas.openxmlformats.org/drawingml/2006/main" xmlns:r="http://schemas.openxmlformats.org/officeDocument/2006/relationships" xmlns:p="http://schemas.openxmlformats.org/presentationml/2006/main">
   <p:cSld>
     <p:spTree>
@@ -16708,7 +17210,7 @@
                   </a:schemeClr>
                 </a:solidFill>
               </a:rPr>
-              <a:t>21</a:t>
+              <a:t>23</a:t>
             </a:fld>
             <a:endParaRPr kumimoji="1" lang="ja-JP" altLang="en-US" sz="4000" dirty="0">
               <a:solidFill>
@@ -17047,7 +17549,7 @@
 </p:sld>
 </file>
 
-<file path=ppt/slides/slide22.xml><?xml version="1.0" encoding="utf-8"?>
+<file path=ppt/slides/slide24.xml><?xml version="1.0" encoding="utf-8"?>
 <p:sld xmlns:a="http://schemas.openxmlformats.org/drawingml/2006/main" xmlns:r="http://schemas.openxmlformats.org/officeDocument/2006/relationships" xmlns:p="http://schemas.openxmlformats.org/presentationml/2006/main">
   <p:cSld>
     <p:spTree>
@@ -17146,7 +17648,7 @@
                   </a:schemeClr>
                 </a:solidFill>
               </a:rPr>
-              <a:t>22</a:t>
+              <a:t>24</a:t>
             </a:fld>
             <a:endParaRPr kumimoji="1" lang="ja-JP" altLang="en-US" sz="4000" dirty="0">
               <a:solidFill>
@@ -17896,7 +18398,7 @@
 </p:sld>
 </file>
 
-<file path=ppt/slides/slide23.xml><?xml version="1.0" encoding="utf-8"?>
+<file path=ppt/slides/slide25.xml><?xml version="1.0" encoding="utf-8"?>
 <p:sld xmlns:a="http://schemas.openxmlformats.org/drawingml/2006/main" xmlns:r="http://schemas.openxmlformats.org/officeDocument/2006/relationships" xmlns:p="http://schemas.openxmlformats.org/presentationml/2006/main">
   <p:cSld>
     <p:spTree>
@@ -18123,7 +18625,7 @@
                   </a:schemeClr>
                 </a:solidFill>
               </a:rPr>
-              <a:t>23</a:t>
+              <a:t>25</a:t>
             </a:fld>
             <a:endParaRPr kumimoji="1" lang="ja-JP" altLang="en-US" sz="4000" dirty="0">
               <a:solidFill>
@@ -18526,7 +19028,7 @@
 </p:sld>
 </file>
 
-<file path=ppt/slides/slide24.xml><?xml version="1.0" encoding="utf-8"?>
+<file path=ppt/slides/slide26.xml><?xml version="1.0" encoding="utf-8"?>
 <p:sld xmlns:a="http://schemas.openxmlformats.org/drawingml/2006/main" xmlns:r="http://schemas.openxmlformats.org/officeDocument/2006/relationships" xmlns:p="http://schemas.openxmlformats.org/presentationml/2006/main">
   <p:cSld>
     <p:spTree>
@@ -18625,7 +19127,7 @@
                   </a:schemeClr>
                 </a:solidFill>
               </a:rPr>
-              <a:t>24</a:t>
+              <a:t>26</a:t>
             </a:fld>
             <a:endParaRPr kumimoji="1" lang="ja-JP" altLang="en-US" sz="4000" dirty="0">
               <a:solidFill>
@@ -18936,7 +19438,7 @@
           <a:lstStyle/>
           <a:p>
             <a:pPr algn="ctr"/>
-            <a:endParaRPr kumimoji="1" lang="ja-JP" altLang="en-US"/>
+            <a:endParaRPr kumimoji="1" lang="ja-JP" altLang="en-US" dirty="0"/>
           </a:p>
         </p:txBody>
       </p:sp>
@@ -19077,7 +19579,7 @@
           <a:p>
             <a:pPr algn="ctr"/>
             <a:r>
-              <a:rPr kumimoji="1" lang="ja-JP" altLang="en-US" sz="2800" dirty="0">
+              <a:rPr kumimoji="1" lang="ja-JP" altLang="en-US" sz="2000" dirty="0">
                 <a:solidFill>
                   <a:schemeClr val="tx1">
                     <a:lumMod val="75000"/>
@@ -19085,7 +19587,7 @@
                   </a:schemeClr>
                 </a:solidFill>
               </a:rPr>
-              <a:t>発言する</a:t>
+              <a:t>設計段階で抜け漏れがないか確認しながら意見した。</a:t>
             </a:r>
           </a:p>
         </p:txBody>
@@ -19254,7 +19756,7 @@
 </p:sld>
 </file>
 
-<file path=ppt/slides/slide25.xml><?xml version="1.0" encoding="utf-8"?>
+<file path=ppt/slides/slide27.xml><?xml version="1.0" encoding="utf-8"?>
 <p:sld xmlns:a="http://schemas.openxmlformats.org/drawingml/2006/main" xmlns:r="http://schemas.openxmlformats.org/officeDocument/2006/relationships" xmlns:p="http://schemas.openxmlformats.org/presentationml/2006/main">
   <p:cSld>
     <p:spTree>
@@ -19481,7 +19983,7 @@
                   </a:schemeClr>
                 </a:solidFill>
               </a:rPr>
-              <a:t>25</a:t>
+              <a:t>27</a:t>
             </a:fld>
             <a:endParaRPr kumimoji="1" lang="ja-JP" altLang="en-US" sz="4000" dirty="0">
               <a:solidFill>
@@ -19508,8 +20010,8 @@
         </p:nvSpPr>
         <p:spPr>
           <a:xfrm>
-            <a:off x="2502607" y="1717350"/>
-            <a:ext cx="6093480" cy="659594"/>
+            <a:off x="2502607" y="1717349"/>
+            <a:ext cx="6093480" cy="1275897"/>
           </a:xfrm>
           <a:prstGeom prst="roundRect">
             <a:avLst/>
@@ -19551,7 +20053,7 @@
                   </a:schemeClr>
                 </a:solidFill>
               </a:rPr>
-              <a:t>特に力を入れたこと</a:t>
+              <a:t>一つの機能の実装に時間をかけてしまい、他のメンバーの作業量を増やしてしまった</a:t>
             </a:r>
           </a:p>
         </p:txBody>
@@ -19570,8 +20072,8 @@
         </p:nvSpPr>
         <p:spPr>
           <a:xfrm>
-            <a:off x="2502607" y="4529049"/>
-            <a:ext cx="6093480" cy="659594"/>
+            <a:off x="2502607" y="4454084"/>
+            <a:ext cx="6093480" cy="1305131"/>
           </a:xfrm>
           <a:prstGeom prst="roundRect">
             <a:avLst/>
@@ -19613,7 +20115,7 @@
                   </a:schemeClr>
                 </a:solidFill>
               </a:rPr>
-              <a:t>特に力を入れたこと</a:t>
+              <a:t>プログラミング言語の学習方法が掴めてきたので、配属後も同じ熱量で取り組んでいきたい。</a:t>
             </a:r>
           </a:p>
         </p:txBody>
@@ -19821,7 +20323,7 @@
 </p:sld>
 </file>
 
-<file path=ppt/slides/slide26.xml><?xml version="1.0" encoding="utf-8"?>
+<file path=ppt/slides/slide28.xml><?xml version="1.0" encoding="utf-8"?>
 <p:sld xmlns:a="http://schemas.openxmlformats.org/drawingml/2006/main" xmlns:r="http://schemas.openxmlformats.org/officeDocument/2006/relationships" xmlns:p="http://schemas.openxmlformats.org/presentationml/2006/main">
   <p:cSld>
     <p:spTree>
@@ -19920,7 +20422,7 @@
                   </a:schemeClr>
                 </a:solidFill>
               </a:rPr>
-              <a:t>26</a:t>
+              <a:t>28</a:t>
             </a:fld>
             <a:endParaRPr kumimoji="1" lang="ja-JP" altLang="en-US" sz="4000" dirty="0">
               <a:solidFill>
@@ -20556,7 +21058,7 @@
 </p:sld>
 </file>
 
-<file path=ppt/slides/slide27.xml><?xml version="1.0" encoding="utf-8"?>
+<file path=ppt/slides/slide29.xml><?xml version="1.0" encoding="utf-8"?>
 <p:sld xmlns:a="http://schemas.openxmlformats.org/drawingml/2006/main" xmlns:r="http://schemas.openxmlformats.org/officeDocument/2006/relationships" xmlns:p="http://schemas.openxmlformats.org/presentationml/2006/main">
   <p:cSld>
     <p:spTree>
@@ -20783,7 +21285,7 @@
                   </a:schemeClr>
                 </a:solidFill>
               </a:rPr>
-              <a:t>27</a:t>
+              <a:t>29</a:t>
             </a:fld>
             <a:endParaRPr kumimoji="1" lang="ja-JP" altLang="en-US" sz="4000" dirty="0">
               <a:solidFill>
@@ -20810,8 +21312,8 @@
         </p:nvSpPr>
         <p:spPr>
           <a:xfrm>
-            <a:off x="2502607" y="1717350"/>
-            <a:ext cx="6093480" cy="659594"/>
+            <a:off x="2502607" y="1717349"/>
+            <a:ext cx="6093480" cy="1275897"/>
           </a:xfrm>
           <a:prstGeom prst="roundRect">
             <a:avLst/>
@@ -20853,8 +21355,49 @@
                   </a:schemeClr>
                 </a:solidFill>
               </a:rPr>
-              <a:t>特に力を入れたこと</a:t>
-            </a:r>
+              <a:t>コミュニケーションにもっと参加すべきだった。</a:t>
+            </a:r>
+            <a:endParaRPr kumimoji="1" lang="en-US" altLang="ja-JP" sz="2800" dirty="0">
+              <a:solidFill>
+                <a:schemeClr val="tx1">
+                  <a:lumMod val="75000"/>
+                  <a:lumOff val="25000"/>
+                </a:schemeClr>
+              </a:solidFill>
+            </a:endParaRPr>
+          </a:p>
+          <a:p>
+            <a:pPr algn="ctr"/>
+            <a:r>
+              <a:rPr kumimoji="1" lang="ja-JP" altLang="en-US" sz="2800" dirty="0">
+                <a:solidFill>
+                  <a:schemeClr val="tx1">
+                    <a:lumMod val="75000"/>
+                    <a:lumOff val="25000"/>
+                  </a:schemeClr>
+                </a:solidFill>
+              </a:rPr>
+              <a:t>自分から役割を見つけること</a:t>
+            </a:r>
+            <a:endParaRPr kumimoji="1" lang="en-US" altLang="ja-JP" sz="2800" dirty="0">
+              <a:solidFill>
+                <a:schemeClr val="tx1">
+                  <a:lumMod val="75000"/>
+                  <a:lumOff val="25000"/>
+                </a:schemeClr>
+              </a:solidFill>
+            </a:endParaRPr>
+          </a:p>
+          <a:p>
+            <a:pPr algn="ctr"/>
+            <a:endParaRPr kumimoji="1" lang="ja-JP" altLang="en-US" sz="2800" dirty="0">
+              <a:solidFill>
+                <a:schemeClr val="tx1">
+                  <a:lumMod val="75000"/>
+                  <a:lumOff val="25000"/>
+                </a:schemeClr>
+              </a:solidFill>
+            </a:endParaRPr>
           </a:p>
         </p:txBody>
       </p:sp>
@@ -20915,7 +21458,7 @@
                   </a:schemeClr>
                 </a:solidFill>
               </a:rPr>
-              <a:t>特に力を入れたこと</a:t>
+              <a:t>反省を生かして主体的に動けるようになる</a:t>
             </a:r>
           </a:p>
         </p:txBody>
@@ -21115,66 +21658,7 @@
     </p:spTree>
     <p:extLst>
       <p:ext uri="{BB962C8B-B14F-4D97-AF65-F5344CB8AC3E}">
-        <p14:creationId xmlns:p14="http://schemas.microsoft.com/office/powerpoint/2010/main" val="1085429838"/>
-      </p:ext>
-    </p:extLst>
-  </p:cSld>
-  <p:clrMapOvr>
-    <a:masterClrMapping/>
-  </p:clrMapOvr>
-</p:sld>
-</file>
-
-<file path=ppt/slides/slide28.xml><?xml version="1.0" encoding="utf-8"?>
-<p:sld xmlns:a="http://schemas.openxmlformats.org/drawingml/2006/main" xmlns:r="http://schemas.openxmlformats.org/officeDocument/2006/relationships" xmlns:p="http://schemas.openxmlformats.org/presentationml/2006/main">
-  <p:cSld>
-    <p:spTree>
-      <p:nvGrpSpPr>
-        <p:cNvPr id="1" name=""/>
-        <p:cNvGrpSpPr/>
-        <p:nvPr/>
-      </p:nvGrpSpPr>
-      <p:grpSpPr>
-        <a:xfrm>
-          <a:off x="0" y="0"/>
-          <a:ext cx="0" cy="0"/>
-          <a:chOff x="0" y="0"/>
-          <a:chExt cx="0" cy="0"/>
-        </a:xfrm>
-      </p:grpSpPr>
-      <p:sp>
-        <p:nvSpPr>
-          <p:cNvPr id="2" name="スライド番号プレースホルダー 1">
-            <a:extLst>
-              <a:ext uri="{FF2B5EF4-FFF2-40B4-BE49-F238E27FC236}">
-                <a16:creationId xmlns:a16="http://schemas.microsoft.com/office/drawing/2014/main" id="{A778E0B4-7A17-4E3F-8D01-F1F9A48EE097}"/>
-              </a:ext>
-            </a:extLst>
-          </p:cNvPr>
-          <p:cNvSpPr>
-            <a:spLocks noGrp="1"/>
-          </p:cNvSpPr>
-          <p:nvPr>
-            <p:ph type="sldNum" sz="quarter" idx="12"/>
-          </p:nvPr>
-        </p:nvSpPr>
-        <p:spPr/>
-        <p:txBody>
-          <a:bodyPr/>
-          <a:lstStyle/>
-          <a:p>
-            <a:fld id="{28B3E1AD-D654-41ED-B122-F068B9548232}" type="slidenum">
-              <a:rPr kumimoji="1" lang="ja-JP" altLang="en-US" smtClean="0"/>
-              <a:t>28</a:t>
-            </a:fld>
-            <a:endParaRPr kumimoji="1" lang="ja-JP" altLang="en-US"/>
-          </a:p>
-        </p:txBody>
-      </p:sp>
-    </p:spTree>
-    <p:extLst>
-      <p:ext uri="{BB962C8B-B14F-4D97-AF65-F5344CB8AC3E}">
-        <p14:creationId xmlns:p14="http://schemas.microsoft.com/office/powerpoint/2010/main" val="3027845867"/>
+        <p14:creationId xmlns:p14="http://schemas.microsoft.com/office/powerpoint/2010/main" val="492472993"/>
       </p:ext>
     </p:extLst>
   </p:cSld>
@@ -21185,643 +21669,6 @@
 </file>
 
 <file path=ppt/slides/slide3.xml><?xml version="1.0" encoding="utf-8"?>
-<p:sld xmlns:a="http://schemas.openxmlformats.org/drawingml/2006/main" xmlns:r="http://schemas.openxmlformats.org/officeDocument/2006/relationships" xmlns:p="http://schemas.openxmlformats.org/presentationml/2006/main">
-  <p:cSld>
-    <p:spTree>
-      <p:nvGrpSpPr>
-        <p:cNvPr id="1" name=""/>
-        <p:cNvGrpSpPr/>
-        <p:nvPr/>
-      </p:nvGrpSpPr>
-      <p:grpSpPr>
-        <a:xfrm>
-          <a:off x="0" y="0"/>
-          <a:ext cx="0" cy="0"/>
-          <a:chOff x="0" y="0"/>
-          <a:chExt cx="0" cy="0"/>
-        </a:xfrm>
-      </p:grpSpPr>
-      <p:sp>
-        <p:nvSpPr>
-          <p:cNvPr id="2" name="タイトル 1">
-            <a:extLst>
-              <a:ext uri="{FF2B5EF4-FFF2-40B4-BE49-F238E27FC236}">
-                <a16:creationId xmlns:a16="http://schemas.microsoft.com/office/drawing/2014/main" id="{AF626A66-1FD7-4EE6-A6C8-9B7BA0C9036A}"/>
-              </a:ext>
-            </a:extLst>
-          </p:cNvPr>
-          <p:cNvSpPr>
-            <a:spLocks noGrp="1"/>
-          </p:cNvSpPr>
-          <p:nvPr>
-            <p:ph type="title"/>
-          </p:nvPr>
-        </p:nvSpPr>
-        <p:spPr>
-          <a:xfrm>
-            <a:off x="488707" y="235613"/>
-            <a:ext cx="8079581" cy="863885"/>
-          </a:xfrm>
-        </p:spPr>
-        <p:txBody>
-          <a:bodyPr/>
-          <a:lstStyle/>
-          <a:p>
-            <a:r>
-              <a:rPr kumimoji="1" lang="ja-JP" altLang="en-US" dirty="0">
-                <a:latin typeface="メイリオ" panose="020B0604030504040204" pitchFamily="50" charset="-128"/>
-                <a:ea typeface="メイリオ" panose="020B0604030504040204" pitchFamily="50" charset="-128"/>
-              </a:rPr>
-              <a:t>アジェンダ</a:t>
-            </a:r>
-          </a:p>
-        </p:txBody>
-      </p:sp>
-      <p:sp>
-        <p:nvSpPr>
-          <p:cNvPr id="9" name="四角形: 角を丸くする 8">
-            <a:extLst>
-              <a:ext uri="{FF2B5EF4-FFF2-40B4-BE49-F238E27FC236}">
-                <a16:creationId xmlns:a16="http://schemas.microsoft.com/office/drawing/2014/main" id="{95E61E18-E0FF-4789-B846-542D3BDD545C}"/>
-              </a:ext>
-            </a:extLst>
-          </p:cNvPr>
-          <p:cNvSpPr/>
-          <p:nvPr/>
-        </p:nvSpPr>
-        <p:spPr>
-          <a:xfrm>
-            <a:off x="615002" y="1327811"/>
-            <a:ext cx="7913995" cy="658000"/>
-          </a:xfrm>
-          <a:prstGeom prst="roundRect">
-            <a:avLst/>
-          </a:prstGeom>
-          <a:ln w="19050">
-            <a:solidFill>
-              <a:schemeClr val="accent1"/>
-            </a:solidFill>
-          </a:ln>
-        </p:spPr>
-        <p:style>
-          <a:lnRef idx="2">
-            <a:schemeClr val="accent6"/>
-          </a:lnRef>
-          <a:fillRef idx="1">
-            <a:schemeClr val="lt1"/>
-          </a:fillRef>
-          <a:effectRef idx="0">
-            <a:schemeClr val="accent6"/>
-          </a:effectRef>
-          <a:fontRef idx="minor">
-            <a:schemeClr val="dk1"/>
-          </a:fontRef>
-        </p:style>
-        <p:txBody>
-          <a:bodyPr rtlCol="0" anchor="ctr"/>
-          <a:lstStyle/>
-          <a:p>
-            <a:pPr marL="342900" indent="-342900" algn="just">
-              <a:lnSpc>
-                <a:spcPct val="150000"/>
-              </a:lnSpc>
-              <a:buFont typeface="+mj-lt"/>
-              <a:buAutoNum type="arabicPeriod"/>
-            </a:pPr>
-            <a:r>
-              <a:rPr lang="ja-JP" altLang="en-US" sz="3600" kern="100" dirty="0">
-                <a:solidFill>
-                  <a:schemeClr val="tx1">
-                    <a:lumMod val="85000"/>
-                    <a:lumOff val="15000"/>
-                  </a:schemeClr>
-                </a:solidFill>
-                <a:latin typeface="メイリオ" panose="020B0604030504040204" pitchFamily="50" charset="-128"/>
-                <a:ea typeface="メイリオ" panose="020B0604030504040204" pitchFamily="50" charset="-128"/>
-                <a:cs typeface="Times New Roman" panose="02020603050405020304" pitchFamily="18" charset="0"/>
-              </a:rPr>
-              <a:t>　</a:t>
-            </a:r>
-            <a:r>
-              <a:rPr lang="ja-JP" altLang="ja-JP" sz="3600" kern="100" dirty="0">
-                <a:solidFill>
-                  <a:schemeClr val="tx1">
-                    <a:lumMod val="85000"/>
-                    <a:lumOff val="15000"/>
-                  </a:schemeClr>
-                </a:solidFill>
-                <a:latin typeface="メイリオ" panose="020B0604030504040204" pitchFamily="50" charset="-128"/>
-                <a:ea typeface="メイリオ" panose="020B0604030504040204" pitchFamily="50" charset="-128"/>
-                <a:cs typeface="Times New Roman" panose="02020603050405020304" pitchFamily="18" charset="0"/>
-              </a:rPr>
-              <a:t>チームの概要</a:t>
-            </a:r>
-          </a:p>
-        </p:txBody>
-      </p:sp>
-      <p:sp>
-        <p:nvSpPr>
-          <p:cNvPr id="15" name="スライド番号プレースホルダー 14">
-            <a:extLst>
-              <a:ext uri="{FF2B5EF4-FFF2-40B4-BE49-F238E27FC236}">
-                <a16:creationId xmlns:a16="http://schemas.microsoft.com/office/drawing/2014/main" id="{AF80DF13-54D4-4295-8DBD-60C26A1BCC62}"/>
-              </a:ext>
-            </a:extLst>
-          </p:cNvPr>
-          <p:cNvSpPr>
-            <a:spLocks noGrp="1"/>
-          </p:cNvSpPr>
-          <p:nvPr>
-            <p:ph type="sldNum" sz="quarter" idx="12"/>
-          </p:nvPr>
-        </p:nvSpPr>
-        <p:spPr>
-          <a:xfrm>
-            <a:off x="6784980" y="5359578"/>
-            <a:ext cx="2194560" cy="1397039"/>
-          </a:xfrm>
-        </p:spPr>
-        <p:txBody>
-          <a:bodyPr anchor="ctr"/>
-          <a:lstStyle/>
-          <a:p>
-            <a:fld id="{28B3E1AD-D654-41ED-B122-F068B9548232}" type="slidenum">
-              <a:rPr kumimoji="1" lang="ja-JP" altLang="en-US" sz="6600" smtClean="0"/>
-              <a:t>3</a:t>
-            </a:fld>
-            <a:endParaRPr kumimoji="1" lang="ja-JP" altLang="en-US" sz="6600"/>
-          </a:p>
-        </p:txBody>
-      </p:sp>
-      <p:sp>
-        <p:nvSpPr>
-          <p:cNvPr id="17" name="四角形: 角を丸くする 16">
-            <a:extLst>
-              <a:ext uri="{FF2B5EF4-FFF2-40B4-BE49-F238E27FC236}">
-                <a16:creationId xmlns:a16="http://schemas.microsoft.com/office/drawing/2014/main" id="{5EF31FC2-2F52-4D5B-906E-753D3EF88EF6}"/>
-              </a:ext>
-            </a:extLst>
-          </p:cNvPr>
-          <p:cNvSpPr/>
-          <p:nvPr/>
-        </p:nvSpPr>
-        <p:spPr>
-          <a:xfrm>
-            <a:off x="615002" y="2225245"/>
-            <a:ext cx="7913995" cy="658000"/>
-          </a:xfrm>
-          <a:prstGeom prst="roundRect">
-            <a:avLst/>
-          </a:prstGeom>
-          <a:ln w="19050">
-            <a:solidFill>
-              <a:schemeClr val="accent1"/>
-            </a:solidFill>
-          </a:ln>
-        </p:spPr>
-        <p:style>
-          <a:lnRef idx="2">
-            <a:schemeClr val="accent6"/>
-          </a:lnRef>
-          <a:fillRef idx="1">
-            <a:schemeClr val="lt1"/>
-          </a:fillRef>
-          <a:effectRef idx="0">
-            <a:schemeClr val="accent6"/>
-          </a:effectRef>
-          <a:fontRef idx="minor">
-            <a:schemeClr val="dk1"/>
-          </a:fontRef>
-        </p:style>
-        <p:txBody>
-          <a:bodyPr rtlCol="0" anchor="ctr"/>
-          <a:lstStyle/>
-          <a:p>
-            <a:pPr algn="just">
-              <a:lnSpc>
-                <a:spcPct val="150000"/>
-              </a:lnSpc>
-            </a:pPr>
-            <a:r>
-              <a:rPr lang="en-US" altLang="ja-JP" sz="3600" kern="100" dirty="0">
-                <a:solidFill>
-                  <a:schemeClr val="tx1">
-                    <a:lumMod val="85000"/>
-                    <a:lumOff val="15000"/>
-                  </a:schemeClr>
-                </a:solidFill>
-                <a:latin typeface="メイリオ" panose="020B0604030504040204" pitchFamily="50" charset="-128"/>
-                <a:ea typeface="メイリオ" panose="020B0604030504040204" pitchFamily="50" charset="-128"/>
-                <a:cs typeface="Times New Roman" panose="02020603050405020304" pitchFamily="18" charset="0"/>
-              </a:rPr>
-              <a:t>2.</a:t>
-            </a:r>
-            <a:r>
-              <a:rPr lang="ja-JP" altLang="en-US" sz="3600" kern="100" dirty="0">
-                <a:solidFill>
-                  <a:schemeClr val="tx1">
-                    <a:lumMod val="85000"/>
-                    <a:lumOff val="15000"/>
-                  </a:schemeClr>
-                </a:solidFill>
-                <a:latin typeface="メイリオ" panose="020B0604030504040204" pitchFamily="50" charset="-128"/>
-                <a:ea typeface="メイリオ" panose="020B0604030504040204" pitchFamily="50" charset="-128"/>
-                <a:cs typeface="Times New Roman" panose="02020603050405020304" pitchFamily="18" charset="0"/>
-              </a:rPr>
-              <a:t>　製作物について</a:t>
-            </a:r>
-            <a:endParaRPr lang="ja-JP" altLang="ja-JP" sz="3600" kern="100" dirty="0">
-              <a:solidFill>
-                <a:schemeClr val="tx1">
-                  <a:lumMod val="85000"/>
-                  <a:lumOff val="15000"/>
-                </a:schemeClr>
-              </a:solidFill>
-              <a:latin typeface="メイリオ" panose="020B0604030504040204" pitchFamily="50" charset="-128"/>
-              <a:ea typeface="メイリオ" panose="020B0604030504040204" pitchFamily="50" charset="-128"/>
-              <a:cs typeface="Times New Roman" panose="02020603050405020304" pitchFamily="18" charset="0"/>
-            </a:endParaRPr>
-          </a:p>
-        </p:txBody>
-      </p:sp>
-      <p:sp>
-        <p:nvSpPr>
-          <p:cNvPr id="18" name="四角形: 角を丸くする 17">
-            <a:extLst>
-              <a:ext uri="{FF2B5EF4-FFF2-40B4-BE49-F238E27FC236}">
-                <a16:creationId xmlns:a16="http://schemas.microsoft.com/office/drawing/2014/main" id="{AEA83588-56D7-4940-B360-E91119207452}"/>
-              </a:ext>
-            </a:extLst>
-          </p:cNvPr>
-          <p:cNvSpPr/>
-          <p:nvPr/>
-        </p:nvSpPr>
-        <p:spPr>
-          <a:xfrm>
-            <a:off x="615001" y="3112647"/>
-            <a:ext cx="7913995" cy="658000"/>
-          </a:xfrm>
-          <a:prstGeom prst="roundRect">
-            <a:avLst/>
-          </a:prstGeom>
-          <a:ln w="19050">
-            <a:solidFill>
-              <a:schemeClr val="accent1"/>
-            </a:solidFill>
-          </a:ln>
-        </p:spPr>
-        <p:style>
-          <a:lnRef idx="2">
-            <a:schemeClr val="accent6"/>
-          </a:lnRef>
-          <a:fillRef idx="1">
-            <a:schemeClr val="lt1"/>
-          </a:fillRef>
-          <a:effectRef idx="0">
-            <a:schemeClr val="accent6"/>
-          </a:effectRef>
-          <a:fontRef idx="minor">
-            <a:schemeClr val="dk1"/>
-          </a:fontRef>
-        </p:style>
-        <p:txBody>
-          <a:bodyPr rtlCol="0" anchor="ctr"/>
-          <a:lstStyle/>
-          <a:p>
-            <a:pPr algn="just">
-              <a:lnSpc>
-                <a:spcPct val="150000"/>
-              </a:lnSpc>
-            </a:pPr>
-            <a:r>
-              <a:rPr lang="en-US" altLang="ja-JP" sz="3600" kern="100" dirty="0">
-                <a:solidFill>
-                  <a:schemeClr val="tx1">
-                    <a:lumMod val="85000"/>
-                    <a:lumOff val="15000"/>
-                  </a:schemeClr>
-                </a:solidFill>
-                <a:latin typeface="メイリオ" panose="020B0604030504040204" pitchFamily="50" charset="-128"/>
-                <a:ea typeface="メイリオ" panose="020B0604030504040204" pitchFamily="50" charset="-128"/>
-                <a:cs typeface="Times New Roman" panose="02020603050405020304" pitchFamily="18" charset="0"/>
-              </a:rPr>
-              <a:t>3.</a:t>
-            </a:r>
-            <a:r>
-              <a:rPr lang="ja-JP" altLang="en-US" sz="3600" kern="100" dirty="0">
-                <a:solidFill>
-                  <a:schemeClr val="tx1">
-                    <a:lumMod val="85000"/>
-                    <a:lumOff val="15000"/>
-                  </a:schemeClr>
-                </a:solidFill>
-                <a:latin typeface="メイリオ" panose="020B0604030504040204" pitchFamily="50" charset="-128"/>
-                <a:ea typeface="メイリオ" panose="020B0604030504040204" pitchFamily="50" charset="-128"/>
-                <a:cs typeface="Times New Roman" panose="02020603050405020304" pitchFamily="18" charset="0"/>
-              </a:rPr>
-              <a:t>　デモンストレーション</a:t>
-            </a:r>
-            <a:endParaRPr lang="ja-JP" altLang="ja-JP" sz="3600" kern="100" dirty="0">
-              <a:solidFill>
-                <a:schemeClr val="tx1">
-                  <a:lumMod val="85000"/>
-                  <a:lumOff val="15000"/>
-                </a:schemeClr>
-              </a:solidFill>
-              <a:latin typeface="メイリオ" panose="020B0604030504040204" pitchFamily="50" charset="-128"/>
-              <a:ea typeface="メイリオ" panose="020B0604030504040204" pitchFamily="50" charset="-128"/>
-              <a:cs typeface="Times New Roman" panose="02020603050405020304" pitchFamily="18" charset="0"/>
-            </a:endParaRPr>
-          </a:p>
-        </p:txBody>
-      </p:sp>
-      <p:sp>
-        <p:nvSpPr>
-          <p:cNvPr id="19" name="四角形: 角を丸くする 18">
-            <a:extLst>
-              <a:ext uri="{FF2B5EF4-FFF2-40B4-BE49-F238E27FC236}">
-                <a16:creationId xmlns:a16="http://schemas.microsoft.com/office/drawing/2014/main" id="{5A939795-3DDA-40FC-B854-56CC9E54B4F8}"/>
-              </a:ext>
-            </a:extLst>
-          </p:cNvPr>
-          <p:cNvSpPr/>
-          <p:nvPr/>
-        </p:nvSpPr>
-        <p:spPr>
-          <a:xfrm>
-            <a:off x="615001" y="4010081"/>
-            <a:ext cx="7913995" cy="658000"/>
-          </a:xfrm>
-          <a:prstGeom prst="roundRect">
-            <a:avLst/>
-          </a:prstGeom>
-          <a:ln w="19050">
-            <a:solidFill>
-              <a:schemeClr val="accent1"/>
-            </a:solidFill>
-          </a:ln>
-        </p:spPr>
-        <p:style>
-          <a:lnRef idx="2">
-            <a:schemeClr val="accent6"/>
-          </a:lnRef>
-          <a:fillRef idx="1">
-            <a:schemeClr val="lt1"/>
-          </a:fillRef>
-          <a:effectRef idx="0">
-            <a:schemeClr val="accent6"/>
-          </a:effectRef>
-          <a:fontRef idx="minor">
-            <a:schemeClr val="dk1"/>
-          </a:fontRef>
-        </p:style>
-        <p:txBody>
-          <a:bodyPr rtlCol="0" anchor="ctr"/>
-          <a:lstStyle/>
-          <a:p>
-            <a:pPr algn="just">
-              <a:lnSpc>
-                <a:spcPct val="150000"/>
-              </a:lnSpc>
-            </a:pPr>
-            <a:r>
-              <a:rPr lang="en-US" altLang="ja-JP" sz="3600" kern="100" dirty="0">
-                <a:solidFill>
-                  <a:schemeClr val="tx1">
-                    <a:lumMod val="85000"/>
-                    <a:lumOff val="15000"/>
-                  </a:schemeClr>
-                </a:solidFill>
-                <a:latin typeface="メイリオ" panose="020B0604030504040204" pitchFamily="50" charset="-128"/>
-                <a:ea typeface="メイリオ" panose="020B0604030504040204" pitchFamily="50" charset="-128"/>
-                <a:cs typeface="Times New Roman" panose="02020603050405020304" pitchFamily="18" charset="0"/>
-              </a:rPr>
-              <a:t>4.</a:t>
-            </a:r>
-            <a:r>
-              <a:rPr lang="ja-JP" altLang="en-US" sz="3600" kern="100" dirty="0">
-                <a:solidFill>
-                  <a:schemeClr val="tx1">
-                    <a:lumMod val="85000"/>
-                    <a:lumOff val="15000"/>
-                  </a:schemeClr>
-                </a:solidFill>
-                <a:latin typeface="メイリオ" panose="020B0604030504040204" pitchFamily="50" charset="-128"/>
-                <a:ea typeface="メイリオ" panose="020B0604030504040204" pitchFamily="50" charset="-128"/>
-                <a:cs typeface="Times New Roman" panose="02020603050405020304" pitchFamily="18" charset="0"/>
-              </a:rPr>
-              <a:t>　期待できる効果</a:t>
-            </a:r>
-            <a:endParaRPr lang="ja-JP" altLang="ja-JP" sz="3600" kern="100" dirty="0">
-              <a:solidFill>
-                <a:schemeClr val="tx1">
-                  <a:lumMod val="85000"/>
-                  <a:lumOff val="15000"/>
-                </a:schemeClr>
-              </a:solidFill>
-              <a:latin typeface="メイリオ" panose="020B0604030504040204" pitchFamily="50" charset="-128"/>
-              <a:ea typeface="メイリオ" panose="020B0604030504040204" pitchFamily="50" charset="-128"/>
-              <a:cs typeface="Times New Roman" panose="02020603050405020304" pitchFamily="18" charset="0"/>
-            </a:endParaRPr>
-          </a:p>
-        </p:txBody>
-      </p:sp>
-      <p:sp>
-        <p:nvSpPr>
-          <p:cNvPr id="20" name="四角形: 角を丸くする 19">
-            <a:extLst>
-              <a:ext uri="{FF2B5EF4-FFF2-40B4-BE49-F238E27FC236}">
-                <a16:creationId xmlns:a16="http://schemas.microsoft.com/office/drawing/2014/main" id="{8B1C7689-CB01-47A0-BF74-E914F8F0EC3D}"/>
-              </a:ext>
-            </a:extLst>
-          </p:cNvPr>
-          <p:cNvSpPr/>
-          <p:nvPr/>
-        </p:nvSpPr>
-        <p:spPr>
-          <a:xfrm>
-            <a:off x="615001" y="4865397"/>
-            <a:ext cx="7913995" cy="658000"/>
-          </a:xfrm>
-          <a:prstGeom prst="roundRect">
-            <a:avLst/>
-          </a:prstGeom>
-          <a:ln w="19050">
-            <a:solidFill>
-              <a:schemeClr val="accent1"/>
-            </a:solidFill>
-          </a:ln>
-        </p:spPr>
-        <p:style>
-          <a:lnRef idx="2">
-            <a:schemeClr val="accent6"/>
-          </a:lnRef>
-          <a:fillRef idx="1">
-            <a:schemeClr val="lt1"/>
-          </a:fillRef>
-          <a:effectRef idx="0">
-            <a:schemeClr val="accent6"/>
-          </a:effectRef>
-          <a:fontRef idx="minor">
-            <a:schemeClr val="dk1"/>
-          </a:fontRef>
-        </p:style>
-        <p:txBody>
-          <a:bodyPr rtlCol="0" anchor="ctr"/>
-          <a:lstStyle/>
-          <a:p>
-            <a:pPr algn="just">
-              <a:lnSpc>
-                <a:spcPct val="150000"/>
-              </a:lnSpc>
-            </a:pPr>
-            <a:r>
-              <a:rPr lang="en-US" altLang="ja-JP" sz="3600" kern="100" dirty="0">
-                <a:solidFill>
-                  <a:schemeClr val="tx1">
-                    <a:lumMod val="85000"/>
-                    <a:lumOff val="15000"/>
-                  </a:schemeClr>
-                </a:solidFill>
-                <a:latin typeface="メイリオ" panose="020B0604030504040204" pitchFamily="50" charset="-128"/>
-                <a:ea typeface="メイリオ" panose="020B0604030504040204" pitchFamily="50" charset="-128"/>
-                <a:cs typeface="Times New Roman" panose="02020603050405020304" pitchFamily="18" charset="0"/>
-              </a:rPr>
-              <a:t>5.</a:t>
-            </a:r>
-            <a:r>
-              <a:rPr lang="ja-JP" altLang="en-US" sz="3600" kern="100" dirty="0">
-                <a:solidFill>
-                  <a:schemeClr val="tx1">
-                    <a:lumMod val="85000"/>
-                    <a:lumOff val="15000"/>
-                  </a:schemeClr>
-                </a:solidFill>
-                <a:latin typeface="メイリオ" panose="020B0604030504040204" pitchFamily="50" charset="-128"/>
-                <a:ea typeface="メイリオ" panose="020B0604030504040204" pitchFamily="50" charset="-128"/>
-                <a:cs typeface="Times New Roman" panose="02020603050405020304" pitchFamily="18" charset="0"/>
-              </a:rPr>
-              <a:t>　個々の成長・感想</a:t>
-            </a:r>
-            <a:endParaRPr lang="ja-JP" altLang="ja-JP" sz="3600" kern="100" dirty="0">
-              <a:solidFill>
-                <a:schemeClr val="tx1">
-                  <a:lumMod val="85000"/>
-                  <a:lumOff val="15000"/>
-                </a:schemeClr>
-              </a:solidFill>
-              <a:latin typeface="メイリオ" panose="020B0604030504040204" pitchFamily="50" charset="-128"/>
-              <a:ea typeface="メイリオ" panose="020B0604030504040204" pitchFamily="50" charset="-128"/>
-              <a:cs typeface="Times New Roman" panose="02020603050405020304" pitchFamily="18" charset="0"/>
-            </a:endParaRPr>
-          </a:p>
-        </p:txBody>
-      </p:sp>
-      <p:sp>
-        <p:nvSpPr>
-          <p:cNvPr id="21" name="四角形: 角を丸くする 20">
-            <a:extLst>
-              <a:ext uri="{FF2B5EF4-FFF2-40B4-BE49-F238E27FC236}">
-                <a16:creationId xmlns:a16="http://schemas.microsoft.com/office/drawing/2014/main" id="{460F04A2-8F78-4E7D-971A-AA72042386EE}"/>
-              </a:ext>
-            </a:extLst>
-          </p:cNvPr>
-          <p:cNvSpPr/>
-          <p:nvPr/>
-        </p:nvSpPr>
-        <p:spPr>
-          <a:xfrm>
-            <a:off x="615001" y="5729097"/>
-            <a:ext cx="7913995" cy="658000"/>
-          </a:xfrm>
-          <a:prstGeom prst="roundRect">
-            <a:avLst/>
-          </a:prstGeom>
-          <a:ln w="19050">
-            <a:solidFill>
-              <a:schemeClr val="accent1"/>
-            </a:solidFill>
-          </a:ln>
-        </p:spPr>
-        <p:style>
-          <a:lnRef idx="2">
-            <a:schemeClr val="accent6"/>
-          </a:lnRef>
-          <a:fillRef idx="1">
-            <a:schemeClr val="lt1"/>
-          </a:fillRef>
-          <a:effectRef idx="0">
-            <a:schemeClr val="accent6"/>
-          </a:effectRef>
-          <a:fontRef idx="minor">
-            <a:schemeClr val="dk1"/>
-          </a:fontRef>
-        </p:style>
-        <p:txBody>
-          <a:bodyPr rtlCol="0" anchor="ctr"/>
-          <a:lstStyle/>
-          <a:p>
-            <a:pPr algn="just">
-              <a:lnSpc>
-                <a:spcPct val="150000"/>
-              </a:lnSpc>
-            </a:pPr>
-            <a:r>
-              <a:rPr lang="en-US" altLang="ja-JP" sz="3600" kern="100" dirty="0">
-                <a:solidFill>
-                  <a:schemeClr val="tx1">
-                    <a:lumMod val="85000"/>
-                    <a:lumOff val="15000"/>
-                  </a:schemeClr>
-                </a:solidFill>
-                <a:latin typeface="メイリオ" panose="020B0604030504040204" pitchFamily="50" charset="-128"/>
-                <a:ea typeface="メイリオ" panose="020B0604030504040204" pitchFamily="50" charset="-128"/>
-                <a:cs typeface="Times New Roman" panose="02020603050405020304" pitchFamily="18" charset="0"/>
-              </a:rPr>
-              <a:t>6.</a:t>
-            </a:r>
-            <a:r>
-              <a:rPr lang="ja-JP" altLang="en-US" sz="3600" kern="100" dirty="0">
-                <a:solidFill>
-                  <a:schemeClr val="tx1">
-                    <a:lumMod val="85000"/>
-                    <a:lumOff val="15000"/>
-                  </a:schemeClr>
-                </a:solidFill>
-                <a:latin typeface="メイリオ" panose="020B0604030504040204" pitchFamily="50" charset="-128"/>
-                <a:ea typeface="メイリオ" panose="020B0604030504040204" pitchFamily="50" charset="-128"/>
-                <a:cs typeface="Times New Roman" panose="02020603050405020304" pitchFamily="18" charset="0"/>
-              </a:rPr>
-              <a:t>　まとめ</a:t>
-            </a:r>
-            <a:endParaRPr lang="ja-JP" altLang="ja-JP" sz="3600" kern="100" dirty="0">
-              <a:solidFill>
-                <a:schemeClr val="tx1">
-                  <a:lumMod val="85000"/>
-                  <a:lumOff val="15000"/>
-                </a:schemeClr>
-              </a:solidFill>
-              <a:latin typeface="メイリオ" panose="020B0604030504040204" pitchFamily="50" charset="-128"/>
-              <a:ea typeface="メイリオ" panose="020B0604030504040204" pitchFamily="50" charset="-128"/>
-              <a:cs typeface="Times New Roman" panose="02020603050405020304" pitchFamily="18" charset="0"/>
-            </a:endParaRPr>
-          </a:p>
-        </p:txBody>
-      </p:sp>
-    </p:spTree>
-    <p:extLst>
-      <p:ext uri="{BB962C8B-B14F-4D97-AF65-F5344CB8AC3E}">
-        <p14:creationId xmlns:p14="http://schemas.microsoft.com/office/powerpoint/2010/main" val="3706949613"/>
-      </p:ext>
-    </p:extLst>
-  </p:cSld>
-  <p:clrMapOvr>
-    <a:masterClrMapping/>
-  </p:clrMapOvr>
-</p:sld>
-</file>
-
-<file path=ppt/slides/slide4.xml><?xml version="1.0" encoding="utf-8"?>
 <p:sld xmlns:a="http://schemas.openxmlformats.org/drawingml/2006/main" xmlns:r="http://schemas.openxmlformats.org/officeDocument/2006/relationships" xmlns:p="http://schemas.openxmlformats.org/presentationml/2006/main">
   <p:cSld>
     <p:spTree>
@@ -21981,7 +21828,7 @@
           <a:p>
             <a:fld id="{28B3E1AD-D654-41ED-B122-F068B9548232}" type="slidenum">
               <a:rPr kumimoji="1" lang="ja-JP" altLang="en-US" sz="5400" smtClean="0"/>
-              <a:t>4</a:t>
+              <a:t>3</a:t>
             </a:fld>
             <a:endParaRPr kumimoji="1" lang="ja-JP" altLang="en-US" sz="5400"/>
           </a:p>
@@ -22153,7 +22000,7 @@
                 <a:ea typeface="メイリオ" panose="020B0604030504040204" pitchFamily="50" charset="-128"/>
                 <a:cs typeface="Times New Roman" panose="02020603050405020304" pitchFamily="18" charset="0"/>
               </a:rPr>
-              <a:t>　デモンストレーション</a:t>
+              <a:t>　期待できる効果</a:t>
             </a:r>
             <a:endParaRPr lang="ja-JP" altLang="ja-JP" sz="3600" kern="100" dirty="0">
               <a:solidFill>
@@ -22244,7 +22091,7 @@
                 <a:ea typeface="メイリオ" panose="020B0604030504040204" pitchFamily="50" charset="-128"/>
                 <a:cs typeface="Times New Roman" panose="02020603050405020304" pitchFamily="18" charset="0"/>
               </a:rPr>
-              <a:t>　期待できる効果</a:t>
+              <a:t>　プロジェクトの振り返り</a:t>
             </a:r>
             <a:endParaRPr lang="ja-JP" altLang="ja-JP" sz="3600" kern="100" dirty="0">
               <a:solidFill>
@@ -22455,6 +22302,586 @@
 </p:sld>
 </file>
 
+<file path=ppt/slides/slide30.xml><?xml version="1.0" encoding="utf-8"?>
+<p:sld xmlns:a="http://schemas.openxmlformats.org/drawingml/2006/main" xmlns:r="http://schemas.openxmlformats.org/officeDocument/2006/relationships" xmlns:p="http://schemas.openxmlformats.org/presentationml/2006/main">
+  <p:cSld>
+    <p:spTree>
+      <p:nvGrpSpPr>
+        <p:cNvPr id="1" name=""/>
+        <p:cNvGrpSpPr/>
+        <p:nvPr/>
+      </p:nvGrpSpPr>
+      <p:grpSpPr>
+        <a:xfrm>
+          <a:off x="0" y="0"/>
+          <a:ext cx="0" cy="0"/>
+          <a:chOff x="0" y="0"/>
+          <a:chExt cx="0" cy="0"/>
+        </a:xfrm>
+      </p:grpSpPr>
+      <p:sp>
+        <p:nvSpPr>
+          <p:cNvPr id="2" name="スライド番号プレースホルダー 1">
+            <a:extLst>
+              <a:ext uri="{FF2B5EF4-FFF2-40B4-BE49-F238E27FC236}">
+                <a16:creationId xmlns:a16="http://schemas.microsoft.com/office/drawing/2014/main" id="{A778E0B4-7A17-4E3F-8D01-F1F9A48EE097}"/>
+              </a:ext>
+            </a:extLst>
+          </p:cNvPr>
+          <p:cNvSpPr>
+            <a:spLocks noGrp="1"/>
+          </p:cNvSpPr>
+          <p:nvPr>
+            <p:ph type="sldNum" sz="quarter" idx="12"/>
+          </p:nvPr>
+        </p:nvSpPr>
+        <p:spPr/>
+        <p:txBody>
+          <a:bodyPr/>
+          <a:lstStyle/>
+          <a:p>
+            <a:fld id="{28B3E1AD-D654-41ED-B122-F068B9548232}" type="slidenum">
+              <a:rPr kumimoji="1" lang="ja-JP" altLang="en-US" smtClean="0"/>
+              <a:t>30</a:t>
+            </a:fld>
+            <a:endParaRPr kumimoji="1" lang="ja-JP" altLang="en-US"/>
+          </a:p>
+        </p:txBody>
+      </p:sp>
+    </p:spTree>
+    <p:extLst>
+      <p:ext uri="{BB962C8B-B14F-4D97-AF65-F5344CB8AC3E}">
+        <p14:creationId xmlns:p14="http://schemas.microsoft.com/office/powerpoint/2010/main" val="3027845867"/>
+      </p:ext>
+    </p:extLst>
+  </p:cSld>
+  <p:clrMapOvr>
+    <a:masterClrMapping/>
+  </p:clrMapOvr>
+</p:sld>
+</file>
+
+<file path=ppt/slides/slide4.xml><?xml version="1.0" encoding="utf-8"?>
+<p:sld xmlns:a="http://schemas.openxmlformats.org/drawingml/2006/main" xmlns:r="http://schemas.openxmlformats.org/officeDocument/2006/relationships" xmlns:p="http://schemas.openxmlformats.org/presentationml/2006/main">
+  <p:cSld>
+    <p:spTree>
+      <p:nvGrpSpPr>
+        <p:cNvPr id="1" name=""/>
+        <p:cNvGrpSpPr/>
+        <p:nvPr/>
+      </p:nvGrpSpPr>
+      <p:grpSpPr>
+        <a:xfrm>
+          <a:off x="0" y="0"/>
+          <a:ext cx="0" cy="0"/>
+          <a:chOff x="0" y="0"/>
+          <a:chExt cx="0" cy="0"/>
+        </a:xfrm>
+      </p:grpSpPr>
+      <p:sp>
+        <p:nvSpPr>
+          <p:cNvPr id="2" name="タイトル 1">
+            <a:extLst>
+              <a:ext uri="{FF2B5EF4-FFF2-40B4-BE49-F238E27FC236}">
+                <a16:creationId xmlns:a16="http://schemas.microsoft.com/office/drawing/2014/main" id="{BE45A6A3-88DA-43A6-A3EF-A240C7C5EA09}"/>
+              </a:ext>
+            </a:extLst>
+          </p:cNvPr>
+          <p:cNvSpPr>
+            <a:spLocks noGrp="1"/>
+          </p:cNvSpPr>
+          <p:nvPr>
+            <p:ph type="title"/>
+          </p:nvPr>
+        </p:nvSpPr>
+        <p:spPr>
+          <a:xfrm>
+            <a:off x="221082" y="257624"/>
+            <a:ext cx="8079581" cy="960494"/>
+          </a:xfrm>
+        </p:spPr>
+        <p:txBody>
+          <a:bodyPr>
+            <a:normAutofit/>
+          </a:bodyPr>
+          <a:lstStyle/>
+          <a:p>
+            <a:r>
+              <a:rPr lang="en-US" altLang="ja-JP" sz="4800" kern="100" dirty="0">
+                <a:effectLst/>
+                <a:latin typeface="メイリオ" panose="020B0604030504040204" pitchFamily="50" charset="-128"/>
+                <a:ea typeface="メイリオ" panose="020B0604030504040204" pitchFamily="50" charset="-128"/>
+                <a:cs typeface="Times New Roman" panose="02020603050405020304" pitchFamily="18" charset="0"/>
+              </a:rPr>
+              <a:t>TEAM MEMBER</a:t>
+            </a:r>
+            <a:endParaRPr kumimoji="1" lang="ja-JP" altLang="en-US" sz="4800" dirty="0"/>
+          </a:p>
+        </p:txBody>
+      </p:sp>
+      <p:sp>
+        <p:nvSpPr>
+          <p:cNvPr id="3" name="コンテンツ プレースホルダー 2">
+            <a:extLst>
+              <a:ext uri="{FF2B5EF4-FFF2-40B4-BE49-F238E27FC236}">
+                <a16:creationId xmlns:a16="http://schemas.microsoft.com/office/drawing/2014/main" id="{6226E1D2-7C3C-4CBD-8DD9-5F71BA4692C1}"/>
+              </a:ext>
+            </a:extLst>
+          </p:cNvPr>
+          <p:cNvSpPr>
+            <a:spLocks noGrp="1"/>
+          </p:cNvSpPr>
+          <p:nvPr>
+            <p:ph idx="1"/>
+          </p:nvPr>
+        </p:nvSpPr>
+        <p:spPr>
+          <a:xfrm>
+            <a:off x="361088" y="1218118"/>
+            <a:ext cx="8421823" cy="5307801"/>
+          </a:xfrm>
+        </p:spPr>
+        <p:txBody>
+          <a:bodyPr>
+            <a:normAutofit/>
+          </a:bodyPr>
+          <a:lstStyle/>
+          <a:p>
+            <a:pPr algn="just">
+              <a:lnSpc>
+                <a:spcPct val="150000"/>
+              </a:lnSpc>
+              <a:buFont typeface="Wingdings" panose="05000000000000000000" pitchFamily="2" charset="2"/>
+              <a:buChar char="l"/>
+            </a:pPr>
+            <a:r>
+              <a:rPr lang="ja-JP" altLang="ja-JP" sz="2800" kern="100" dirty="0">
+                <a:effectLst/>
+                <a:latin typeface="メイリオ" panose="020B0604030504040204" pitchFamily="50" charset="-128"/>
+                <a:ea typeface="メイリオ" panose="020B0604030504040204" pitchFamily="50" charset="-128"/>
+                <a:cs typeface="Times New Roman" panose="02020603050405020304" pitchFamily="18" charset="0"/>
+              </a:rPr>
+              <a:t>乘川和輝</a:t>
+            </a:r>
+            <a:r>
+              <a:rPr lang="ja-JP" altLang="en-US" sz="2800" kern="100" dirty="0">
+                <a:latin typeface="メイリオ" panose="020B0604030504040204" pitchFamily="50" charset="-128"/>
+                <a:ea typeface="メイリオ" panose="020B0604030504040204" pitchFamily="50" charset="-128"/>
+                <a:cs typeface="Times New Roman" panose="02020603050405020304" pitchFamily="18" charset="0"/>
+              </a:rPr>
+              <a:t>（</a:t>
+            </a:r>
+            <a:r>
+              <a:rPr lang="ja-JP" altLang="ja-JP" sz="2800" kern="100" dirty="0">
+                <a:effectLst/>
+                <a:latin typeface="メイリオ" panose="020B0604030504040204" pitchFamily="50" charset="-128"/>
+                <a:ea typeface="メイリオ" panose="020B0604030504040204" pitchFamily="50" charset="-128"/>
+                <a:cs typeface="Times New Roman" panose="02020603050405020304" pitchFamily="18" charset="0"/>
+              </a:rPr>
+              <a:t>リーダー</a:t>
+            </a:r>
+            <a:r>
+              <a:rPr lang="ja-JP" altLang="en-US" sz="2800" kern="100" dirty="0">
+                <a:latin typeface="メイリオ" panose="020B0604030504040204" pitchFamily="50" charset="-128"/>
+                <a:ea typeface="メイリオ" panose="020B0604030504040204" pitchFamily="50" charset="-128"/>
+                <a:cs typeface="Times New Roman" panose="02020603050405020304" pitchFamily="18" charset="0"/>
+              </a:rPr>
+              <a:t>）</a:t>
+            </a:r>
+            <a:r>
+              <a:rPr lang="ja-JP" altLang="ja-JP" sz="2800" kern="100" dirty="0">
+                <a:effectLst/>
+                <a:latin typeface="メイリオ" panose="020B0604030504040204" pitchFamily="50" charset="-128"/>
+                <a:ea typeface="メイリオ" panose="020B0604030504040204" pitchFamily="50" charset="-128"/>
+                <a:cs typeface="Times New Roman" panose="02020603050405020304" pitchFamily="18" charset="0"/>
+              </a:rPr>
+              <a:t>　　　　</a:t>
+            </a:r>
+            <a:r>
+              <a:rPr lang="ja-JP" altLang="en-US" sz="2800" kern="100" dirty="0">
+                <a:effectLst/>
+                <a:latin typeface="メイリオ" panose="020B0604030504040204" pitchFamily="50" charset="-128"/>
+                <a:ea typeface="メイリオ" panose="020B0604030504040204" pitchFamily="50" charset="-128"/>
+                <a:cs typeface="Times New Roman" panose="02020603050405020304" pitchFamily="18" charset="0"/>
+              </a:rPr>
+              <a:t>　　</a:t>
+            </a:r>
+            <a:r>
+              <a:rPr lang="ja-JP" altLang="ja-JP" sz="2800" kern="100" dirty="0">
+                <a:effectLst/>
+                <a:latin typeface="メイリオ" panose="020B0604030504040204" pitchFamily="50" charset="-128"/>
+                <a:ea typeface="メイリオ" panose="020B0604030504040204" pitchFamily="50" charset="-128"/>
+                <a:cs typeface="Times New Roman" panose="02020603050405020304" pitchFamily="18" charset="0"/>
+              </a:rPr>
+              <a:t>サインポスト</a:t>
+            </a:r>
+            <a:endParaRPr lang="en-US" altLang="ja-JP" sz="2800" kern="100" dirty="0">
+              <a:effectLst/>
+              <a:latin typeface="メイリオ" panose="020B0604030504040204" pitchFamily="50" charset="-128"/>
+              <a:ea typeface="メイリオ" panose="020B0604030504040204" pitchFamily="50" charset="-128"/>
+              <a:cs typeface="Times New Roman" panose="02020603050405020304" pitchFamily="18" charset="0"/>
+            </a:endParaRPr>
+          </a:p>
+          <a:p>
+            <a:pPr algn="just">
+              <a:lnSpc>
+                <a:spcPct val="150000"/>
+              </a:lnSpc>
+              <a:buFont typeface="Wingdings" panose="05000000000000000000" pitchFamily="2" charset="2"/>
+              <a:buChar char="l"/>
+            </a:pPr>
+            <a:r>
+              <a:rPr lang="ja-JP" altLang="ja-JP" sz="2800" kern="100" dirty="0">
+                <a:effectLst/>
+                <a:latin typeface="メイリオ" panose="020B0604030504040204" pitchFamily="50" charset="-128"/>
+                <a:ea typeface="メイリオ" panose="020B0604030504040204" pitchFamily="50" charset="-128"/>
+                <a:cs typeface="Times New Roman" panose="02020603050405020304" pitchFamily="18" charset="0"/>
+              </a:rPr>
+              <a:t>田島駿亮</a:t>
+            </a:r>
+            <a:r>
+              <a:rPr lang="ja-JP" altLang="en-US" sz="2800" kern="100" dirty="0">
+                <a:latin typeface="メイリオ" panose="020B0604030504040204" pitchFamily="50" charset="-128"/>
+                <a:ea typeface="メイリオ" panose="020B0604030504040204" pitchFamily="50" charset="-128"/>
+                <a:cs typeface="Times New Roman" panose="02020603050405020304" pitchFamily="18" charset="0"/>
+              </a:rPr>
+              <a:t>（</a:t>
+            </a:r>
+            <a:r>
+              <a:rPr lang="ja-JP" altLang="ja-JP" sz="2800" kern="100" dirty="0">
+                <a:effectLst/>
+                <a:latin typeface="メイリオ" panose="020B0604030504040204" pitchFamily="50" charset="-128"/>
+                <a:ea typeface="メイリオ" panose="020B0604030504040204" pitchFamily="50" charset="-128"/>
+                <a:cs typeface="Times New Roman" panose="02020603050405020304" pitchFamily="18" charset="0"/>
+              </a:rPr>
+              <a:t>品質管理</a:t>
+            </a:r>
+            <a:r>
+              <a:rPr lang="ja-JP" altLang="en-US" sz="2800" kern="100" dirty="0">
+                <a:effectLst/>
+                <a:latin typeface="メイリオ" panose="020B0604030504040204" pitchFamily="50" charset="-128"/>
+                <a:ea typeface="メイリオ" panose="020B0604030504040204" pitchFamily="50" charset="-128"/>
+                <a:cs typeface="Times New Roman" panose="02020603050405020304" pitchFamily="18" charset="0"/>
+              </a:rPr>
+              <a:t>）</a:t>
+            </a:r>
+            <a:r>
+              <a:rPr lang="ja-JP" altLang="ja-JP" sz="2800" kern="100" dirty="0">
+                <a:effectLst/>
+                <a:latin typeface="メイリオ" panose="020B0604030504040204" pitchFamily="50" charset="-128"/>
+                <a:ea typeface="メイリオ" panose="020B0604030504040204" pitchFamily="50" charset="-128"/>
+                <a:cs typeface="Times New Roman" panose="02020603050405020304" pitchFamily="18" charset="0"/>
+              </a:rPr>
+              <a:t>　　　</a:t>
+            </a:r>
+            <a:r>
+              <a:rPr lang="ja-JP" altLang="en-US" sz="2800" kern="100" dirty="0">
+                <a:effectLst/>
+                <a:latin typeface="メイリオ" panose="020B0604030504040204" pitchFamily="50" charset="-128"/>
+                <a:ea typeface="メイリオ" panose="020B0604030504040204" pitchFamily="50" charset="-128"/>
+                <a:cs typeface="Times New Roman" panose="02020603050405020304" pitchFamily="18" charset="0"/>
+              </a:rPr>
+              <a:t>　　　知識工学</a:t>
+            </a:r>
+            <a:endParaRPr lang="ja-JP" altLang="ja-JP" sz="2800" kern="100" dirty="0">
+              <a:effectLst/>
+              <a:latin typeface="メイリオ" panose="020B0604030504040204" pitchFamily="50" charset="-128"/>
+              <a:ea typeface="メイリオ" panose="020B0604030504040204" pitchFamily="50" charset="-128"/>
+              <a:cs typeface="Times New Roman" panose="02020603050405020304" pitchFamily="18" charset="0"/>
+            </a:endParaRPr>
+          </a:p>
+          <a:p>
+            <a:pPr algn="just">
+              <a:lnSpc>
+                <a:spcPct val="150000"/>
+              </a:lnSpc>
+              <a:buFont typeface="Wingdings" panose="05000000000000000000" pitchFamily="2" charset="2"/>
+              <a:buChar char="l"/>
+            </a:pPr>
+            <a:r>
+              <a:rPr lang="ja-JP" altLang="ja-JP" sz="2800" kern="100" dirty="0">
+                <a:effectLst/>
+                <a:latin typeface="メイリオ" panose="020B0604030504040204" pitchFamily="50" charset="-128"/>
+                <a:ea typeface="メイリオ" panose="020B0604030504040204" pitchFamily="50" charset="-128"/>
+                <a:cs typeface="Times New Roman" panose="02020603050405020304" pitchFamily="18" charset="0"/>
+              </a:rPr>
+              <a:t>影山李穂</a:t>
+            </a:r>
+            <a:r>
+              <a:rPr lang="ja-JP" altLang="en-US" sz="2800" kern="100" dirty="0">
+                <a:effectLst/>
+                <a:latin typeface="メイリオ" panose="020B0604030504040204" pitchFamily="50" charset="-128"/>
+                <a:ea typeface="メイリオ" panose="020B0604030504040204" pitchFamily="50" charset="-128"/>
+                <a:cs typeface="Times New Roman" panose="02020603050405020304" pitchFamily="18" charset="0"/>
+              </a:rPr>
+              <a:t>（</a:t>
+            </a:r>
+            <a:r>
+              <a:rPr lang="ja-JP" altLang="ja-JP" sz="2800" kern="100" dirty="0">
+                <a:effectLst/>
+                <a:latin typeface="メイリオ" panose="020B0604030504040204" pitchFamily="50" charset="-128"/>
+                <a:ea typeface="メイリオ" panose="020B0604030504040204" pitchFamily="50" charset="-128"/>
+                <a:cs typeface="Times New Roman" panose="02020603050405020304" pitchFamily="18" charset="0"/>
+              </a:rPr>
+              <a:t>構成管理</a:t>
+            </a:r>
+            <a:r>
+              <a:rPr lang="ja-JP" altLang="en-US" sz="2800" kern="100" dirty="0">
+                <a:effectLst/>
+                <a:latin typeface="メイリオ" panose="020B0604030504040204" pitchFamily="50" charset="-128"/>
+                <a:ea typeface="メイリオ" panose="020B0604030504040204" pitchFamily="50" charset="-128"/>
+                <a:cs typeface="Times New Roman" panose="02020603050405020304" pitchFamily="18" charset="0"/>
+              </a:rPr>
+              <a:t>）</a:t>
+            </a:r>
+            <a:r>
+              <a:rPr lang="ja-JP" altLang="ja-JP" sz="2800" kern="100" dirty="0">
+                <a:effectLst/>
+                <a:latin typeface="メイリオ" panose="020B0604030504040204" pitchFamily="50" charset="-128"/>
+                <a:ea typeface="メイリオ" panose="020B0604030504040204" pitchFamily="50" charset="-128"/>
+                <a:cs typeface="Times New Roman" panose="02020603050405020304" pitchFamily="18" charset="0"/>
+              </a:rPr>
+              <a:t>　　　</a:t>
+            </a:r>
+            <a:r>
+              <a:rPr lang="ja-JP" altLang="en-US" sz="2800" kern="100" dirty="0">
+                <a:effectLst/>
+                <a:latin typeface="メイリオ" panose="020B0604030504040204" pitchFamily="50" charset="-128"/>
+                <a:ea typeface="メイリオ" panose="020B0604030504040204" pitchFamily="50" charset="-128"/>
+                <a:cs typeface="Times New Roman" panose="02020603050405020304" pitchFamily="18" charset="0"/>
+              </a:rPr>
+              <a:t>　　　</a:t>
+            </a:r>
+            <a:r>
+              <a:rPr lang="ja-JP" altLang="ja-JP" sz="2800" kern="100" dirty="0">
+                <a:effectLst/>
+                <a:latin typeface="メイリオ" panose="020B0604030504040204" pitchFamily="50" charset="-128"/>
+                <a:ea typeface="メイリオ" panose="020B0604030504040204" pitchFamily="50" charset="-128"/>
+                <a:cs typeface="Times New Roman" panose="02020603050405020304" pitchFamily="18" charset="0"/>
+              </a:rPr>
+              <a:t>サインポスト</a:t>
+            </a:r>
+          </a:p>
+          <a:p>
+            <a:pPr algn="just">
+              <a:lnSpc>
+                <a:spcPct val="150000"/>
+              </a:lnSpc>
+              <a:buFont typeface="Wingdings" panose="05000000000000000000" pitchFamily="2" charset="2"/>
+              <a:buChar char="l"/>
+            </a:pPr>
+            <a:r>
+              <a:rPr lang="ja-JP" altLang="ja-JP" sz="2800" kern="100" dirty="0">
+                <a:effectLst/>
+                <a:latin typeface="メイリオ" panose="020B0604030504040204" pitchFamily="50" charset="-128"/>
+                <a:ea typeface="メイリオ" panose="020B0604030504040204" pitchFamily="50" charset="-128"/>
+                <a:cs typeface="Times New Roman" panose="02020603050405020304" pitchFamily="18" charset="0"/>
+              </a:rPr>
+              <a:t>畔柳創一</a:t>
+            </a:r>
+            <a:r>
+              <a:rPr lang="ja-JP" altLang="en-US" sz="2800" kern="100" dirty="0">
+                <a:effectLst/>
+                <a:latin typeface="メイリオ" panose="020B0604030504040204" pitchFamily="50" charset="-128"/>
+                <a:ea typeface="メイリオ" panose="020B0604030504040204" pitchFamily="50" charset="-128"/>
+                <a:cs typeface="Times New Roman" panose="02020603050405020304" pitchFamily="18" charset="0"/>
+              </a:rPr>
+              <a:t>（</a:t>
+            </a:r>
+            <a:r>
+              <a:rPr lang="ja-JP" altLang="ja-JP" sz="2800" kern="100" dirty="0">
+                <a:effectLst/>
+                <a:latin typeface="メイリオ" panose="020B0604030504040204" pitchFamily="50" charset="-128"/>
+                <a:ea typeface="メイリオ" panose="020B0604030504040204" pitchFamily="50" charset="-128"/>
+                <a:cs typeface="Times New Roman" panose="02020603050405020304" pitchFamily="18" charset="0"/>
+              </a:rPr>
+              <a:t>データベース</a:t>
+            </a:r>
+            <a:r>
+              <a:rPr lang="ja-JP" altLang="en-US" sz="2800" kern="100" dirty="0">
+                <a:latin typeface="メイリオ" panose="020B0604030504040204" pitchFamily="50" charset="-128"/>
+                <a:ea typeface="メイリオ" panose="020B0604030504040204" pitchFamily="50" charset="-128"/>
+                <a:cs typeface="Times New Roman" panose="02020603050405020304" pitchFamily="18" charset="0"/>
+              </a:rPr>
+              <a:t>）　　　　オアシス</a:t>
+            </a:r>
+            <a:endParaRPr lang="ja-JP" altLang="ja-JP" sz="2800" kern="100" dirty="0">
+              <a:effectLst/>
+              <a:latin typeface="メイリオ" panose="020B0604030504040204" pitchFamily="50" charset="-128"/>
+              <a:ea typeface="メイリオ" panose="020B0604030504040204" pitchFamily="50" charset="-128"/>
+              <a:cs typeface="Times New Roman" panose="02020603050405020304" pitchFamily="18" charset="0"/>
+            </a:endParaRPr>
+          </a:p>
+          <a:p>
+            <a:pPr algn="just">
+              <a:lnSpc>
+                <a:spcPct val="150000"/>
+              </a:lnSpc>
+              <a:buFont typeface="Wingdings" panose="05000000000000000000" pitchFamily="2" charset="2"/>
+              <a:buChar char="l"/>
+            </a:pPr>
+            <a:r>
+              <a:rPr lang="ja-JP" altLang="ja-JP" sz="2800" kern="100" dirty="0">
+                <a:effectLst/>
+                <a:latin typeface="メイリオ" panose="020B0604030504040204" pitchFamily="50" charset="-128"/>
+                <a:ea typeface="メイリオ" panose="020B0604030504040204" pitchFamily="50" charset="-128"/>
+                <a:cs typeface="Times New Roman" panose="02020603050405020304" pitchFamily="18" charset="0"/>
+              </a:rPr>
+              <a:t>横田結衣</a:t>
+            </a:r>
+            <a:r>
+              <a:rPr lang="ja-JP" altLang="en-US" sz="2800" kern="100" dirty="0">
+                <a:effectLst/>
+                <a:latin typeface="メイリオ" panose="020B0604030504040204" pitchFamily="50" charset="-128"/>
+                <a:ea typeface="メイリオ" panose="020B0604030504040204" pitchFamily="50" charset="-128"/>
+                <a:cs typeface="Times New Roman" panose="02020603050405020304" pitchFamily="18" charset="0"/>
+              </a:rPr>
+              <a:t>（</a:t>
+            </a:r>
+            <a:r>
+              <a:rPr lang="ja-JP" altLang="ja-JP" sz="2800" kern="100" dirty="0">
+                <a:effectLst/>
+                <a:latin typeface="メイリオ" panose="020B0604030504040204" pitchFamily="50" charset="-128"/>
+                <a:ea typeface="メイリオ" panose="020B0604030504040204" pitchFamily="50" charset="-128"/>
+                <a:cs typeface="Times New Roman" panose="02020603050405020304" pitchFamily="18" charset="0"/>
+              </a:rPr>
+              <a:t>コミュニケーション</a:t>
+            </a:r>
+            <a:r>
+              <a:rPr lang="ja-JP" altLang="en-US" sz="2800" kern="100" dirty="0">
+                <a:effectLst/>
+                <a:latin typeface="メイリオ" panose="020B0604030504040204" pitchFamily="50" charset="-128"/>
+                <a:ea typeface="メイリオ" panose="020B0604030504040204" pitchFamily="50" charset="-128"/>
+                <a:cs typeface="Times New Roman" panose="02020603050405020304" pitchFamily="18" charset="0"/>
+              </a:rPr>
+              <a:t>）　デジサイン</a:t>
+            </a:r>
+            <a:endParaRPr lang="ja-JP" altLang="ja-JP" sz="2800" kern="100" dirty="0">
+              <a:effectLst/>
+              <a:latin typeface="メイリオ" panose="020B0604030504040204" pitchFamily="50" charset="-128"/>
+              <a:ea typeface="メイリオ" panose="020B0604030504040204" pitchFamily="50" charset="-128"/>
+              <a:cs typeface="Times New Roman" panose="02020603050405020304" pitchFamily="18" charset="0"/>
+            </a:endParaRPr>
+          </a:p>
+          <a:p>
+            <a:pPr algn="just">
+              <a:lnSpc>
+                <a:spcPct val="150000"/>
+              </a:lnSpc>
+              <a:buFont typeface="Wingdings" panose="05000000000000000000" pitchFamily="2" charset="2"/>
+              <a:buChar char="l"/>
+            </a:pPr>
+            <a:r>
+              <a:rPr lang="ja-JP" altLang="ja-JP" sz="2800" kern="100" dirty="0">
+                <a:effectLst/>
+                <a:latin typeface="メイリオ" panose="020B0604030504040204" pitchFamily="50" charset="-128"/>
+                <a:ea typeface="メイリオ" panose="020B0604030504040204" pitchFamily="50" charset="-128"/>
+                <a:cs typeface="Times New Roman" panose="02020603050405020304" pitchFamily="18" charset="0"/>
+              </a:rPr>
+              <a:t>須田卯月</a:t>
+            </a:r>
+            <a:r>
+              <a:rPr lang="ja-JP" altLang="en-US" sz="2800" kern="100" dirty="0">
+                <a:latin typeface="メイリオ" panose="020B0604030504040204" pitchFamily="50" charset="-128"/>
+                <a:ea typeface="メイリオ" panose="020B0604030504040204" pitchFamily="50" charset="-128"/>
+                <a:cs typeface="Times New Roman" panose="02020603050405020304" pitchFamily="18" charset="0"/>
+              </a:rPr>
+              <a:t>（</a:t>
+            </a:r>
+            <a:r>
+              <a:rPr lang="ja-JP" altLang="ja-JP" sz="2800" kern="100" dirty="0">
+                <a:effectLst/>
+                <a:latin typeface="メイリオ" panose="020B0604030504040204" pitchFamily="50" charset="-128"/>
+                <a:ea typeface="メイリオ" panose="020B0604030504040204" pitchFamily="50" charset="-128"/>
+                <a:cs typeface="Times New Roman" panose="02020603050405020304" pitchFamily="18" charset="0"/>
+              </a:rPr>
+              <a:t>発表担当</a:t>
+            </a:r>
+            <a:r>
+              <a:rPr lang="ja-JP" altLang="en-US" sz="2800" kern="100" dirty="0">
+                <a:latin typeface="メイリオ" panose="020B0604030504040204" pitchFamily="50" charset="-128"/>
+                <a:ea typeface="メイリオ" panose="020B0604030504040204" pitchFamily="50" charset="-128"/>
+                <a:cs typeface="Times New Roman" panose="02020603050405020304" pitchFamily="18" charset="0"/>
+              </a:rPr>
+              <a:t>）</a:t>
+            </a:r>
+            <a:r>
+              <a:rPr lang="ja-JP" altLang="ja-JP" sz="2800" kern="100" dirty="0">
+                <a:effectLst/>
+                <a:latin typeface="メイリオ" panose="020B0604030504040204" pitchFamily="50" charset="-128"/>
+                <a:ea typeface="メイリオ" panose="020B0604030504040204" pitchFamily="50" charset="-128"/>
+                <a:cs typeface="Times New Roman" panose="02020603050405020304" pitchFamily="18" charset="0"/>
+              </a:rPr>
+              <a:t>　　　　</a:t>
+            </a:r>
+            <a:r>
+              <a:rPr lang="ja-JP" altLang="en-US" sz="2800" kern="100" dirty="0">
+                <a:effectLst/>
+                <a:latin typeface="メイリオ" panose="020B0604030504040204" pitchFamily="50" charset="-128"/>
+                <a:ea typeface="メイリオ" panose="020B0604030504040204" pitchFamily="50" charset="-128"/>
+                <a:cs typeface="Times New Roman" panose="02020603050405020304" pitchFamily="18" charset="0"/>
+              </a:rPr>
+              <a:t>　　</a:t>
+            </a:r>
+            <a:r>
+              <a:rPr lang="ja-JP" altLang="ja-JP" sz="2800" kern="100" dirty="0">
+                <a:effectLst/>
+                <a:latin typeface="メイリオ" panose="020B0604030504040204" pitchFamily="50" charset="-128"/>
+                <a:ea typeface="メイリオ" panose="020B0604030504040204" pitchFamily="50" charset="-128"/>
+                <a:cs typeface="Times New Roman" panose="02020603050405020304" pitchFamily="18" charset="0"/>
+              </a:rPr>
+              <a:t>サインポスト</a:t>
+            </a:r>
+          </a:p>
+        </p:txBody>
+      </p:sp>
+      <p:sp>
+        <p:nvSpPr>
+          <p:cNvPr id="4" name="スライド番号プレースホルダー 3">
+            <a:extLst>
+              <a:ext uri="{FF2B5EF4-FFF2-40B4-BE49-F238E27FC236}">
+                <a16:creationId xmlns:a16="http://schemas.microsoft.com/office/drawing/2014/main" id="{22B9251E-336C-4E40-90EE-DC9AE06AA274}"/>
+              </a:ext>
+            </a:extLst>
+          </p:cNvPr>
+          <p:cNvSpPr>
+            <a:spLocks noGrp="1"/>
+          </p:cNvSpPr>
+          <p:nvPr>
+            <p:ph type="sldNum" sz="quarter" idx="12"/>
+          </p:nvPr>
+        </p:nvSpPr>
+        <p:spPr>
+          <a:xfrm>
+            <a:off x="6692215" y="5359578"/>
+            <a:ext cx="2194560" cy="1397039"/>
+          </a:xfrm>
+        </p:spPr>
+        <p:txBody>
+          <a:bodyPr/>
+          <a:lstStyle/>
+          <a:p>
+            <a:fld id="{28B3E1AD-D654-41ED-B122-F068B9548232}" type="slidenum">
+              <a:rPr kumimoji="1" lang="ja-JP" altLang="en-US" smtClean="0"/>
+              <a:t>4</a:t>
+            </a:fld>
+            <a:endParaRPr kumimoji="1" lang="ja-JP" altLang="en-US" dirty="0"/>
+          </a:p>
+        </p:txBody>
+      </p:sp>
+    </p:spTree>
+    <p:extLst>
+      <p:ext uri="{BB962C8B-B14F-4D97-AF65-F5344CB8AC3E}">
+        <p14:creationId xmlns:p14="http://schemas.microsoft.com/office/powerpoint/2010/main" val="3044171557"/>
+      </p:ext>
+    </p:extLst>
+  </p:cSld>
+  <p:clrMapOvr>
+    <a:masterClrMapping/>
+  </p:clrMapOvr>
+</p:sld>
+</file>
+
 <file path=ppt/slides/slide5.xml><?xml version="1.0" encoding="utf-8"?>
 <p:sld xmlns:a="http://schemas.openxmlformats.org/drawingml/2006/main" xmlns:r="http://schemas.openxmlformats.org/officeDocument/2006/relationships" xmlns:p="http://schemas.openxmlformats.org/presentationml/2006/main">
   <p:cSld>
@@ -22807,6 +23234,119 @@
             <a:avLst/>
           </a:prstGeom>
           <a:solidFill>
+            <a:schemeClr val="bg1"/>
+          </a:solidFill>
+          <a:ln w="6350">
+            <a:solidFill>
+              <a:schemeClr val="accent1"/>
+            </a:solidFill>
+          </a:ln>
+        </p:spPr>
+        <p:style>
+          <a:lnRef idx="2">
+            <a:schemeClr val="accent6"/>
+          </a:lnRef>
+          <a:fillRef idx="1">
+            <a:schemeClr val="lt1"/>
+          </a:fillRef>
+          <a:effectRef idx="0">
+            <a:schemeClr val="accent6"/>
+          </a:effectRef>
+          <a:fontRef idx="minor">
+            <a:schemeClr val="dk1"/>
+          </a:fontRef>
+        </p:style>
+        <p:txBody>
+          <a:bodyPr rtlCol="0" anchor="ctr"/>
+          <a:lstStyle/>
+          <a:p>
+            <a:pPr marL="342900" indent="-342900" algn="just">
+              <a:lnSpc>
+                <a:spcPct val="150000"/>
+              </a:lnSpc>
+              <a:buFont typeface="+mj-lt"/>
+              <a:buAutoNum type="arabicPeriod"/>
+            </a:pPr>
+            <a:r>
+              <a:rPr lang="ja-JP" altLang="en-US" sz="3600" kern="100" dirty="0">
+                <a:solidFill>
+                  <a:schemeClr val="tx1"/>
+                </a:solidFill>
+                <a:latin typeface="メイリオ" panose="020B0604030504040204" pitchFamily="50" charset="-128"/>
+                <a:ea typeface="メイリオ" panose="020B0604030504040204" pitchFamily="50" charset="-128"/>
+                <a:cs typeface="Times New Roman" panose="02020603050405020304" pitchFamily="18" charset="0"/>
+              </a:rPr>
+              <a:t>　</a:t>
+            </a:r>
+            <a:r>
+              <a:rPr lang="ja-JP" altLang="ja-JP" sz="3600" kern="100" dirty="0">
+                <a:solidFill>
+                  <a:schemeClr val="tx1"/>
+                </a:solidFill>
+                <a:latin typeface="メイリオ" panose="020B0604030504040204" pitchFamily="50" charset="-128"/>
+                <a:ea typeface="メイリオ" panose="020B0604030504040204" pitchFamily="50" charset="-128"/>
+                <a:cs typeface="Times New Roman" panose="02020603050405020304" pitchFamily="18" charset="0"/>
+              </a:rPr>
+              <a:t>チームの概要</a:t>
+            </a:r>
+          </a:p>
+        </p:txBody>
+      </p:sp>
+      <p:sp>
+        <p:nvSpPr>
+          <p:cNvPr id="15" name="スライド番号プレースホルダー 14">
+            <a:extLst>
+              <a:ext uri="{FF2B5EF4-FFF2-40B4-BE49-F238E27FC236}">
+                <a16:creationId xmlns:a16="http://schemas.microsoft.com/office/drawing/2014/main" id="{AF80DF13-54D4-4295-8DBD-60C26A1BCC62}"/>
+              </a:ext>
+            </a:extLst>
+          </p:cNvPr>
+          <p:cNvSpPr>
+            <a:spLocks noGrp="1"/>
+          </p:cNvSpPr>
+          <p:nvPr>
+            <p:ph type="sldNum" sz="quarter" idx="12"/>
+          </p:nvPr>
+        </p:nvSpPr>
+        <p:spPr>
+          <a:xfrm>
+            <a:off x="6784980" y="5359578"/>
+            <a:ext cx="2194560" cy="1397039"/>
+          </a:xfrm>
+        </p:spPr>
+        <p:txBody>
+          <a:bodyPr/>
+          <a:lstStyle/>
+          <a:p>
+            <a:fld id="{28B3E1AD-D654-41ED-B122-F068B9548232}" type="slidenum">
+              <a:rPr kumimoji="1" lang="ja-JP" altLang="en-US" sz="5400" smtClean="0"/>
+              <a:t>6</a:t>
+            </a:fld>
+            <a:endParaRPr kumimoji="1" lang="ja-JP" altLang="en-US" sz="5400"/>
+          </a:p>
+        </p:txBody>
+      </p:sp>
+      <p:sp>
+        <p:nvSpPr>
+          <p:cNvPr id="17" name="四角形: 角を丸くする 16">
+            <a:extLst>
+              <a:ext uri="{FF2B5EF4-FFF2-40B4-BE49-F238E27FC236}">
+                <a16:creationId xmlns:a16="http://schemas.microsoft.com/office/drawing/2014/main" id="{5EF31FC2-2F52-4D5B-906E-753D3EF88EF6}"/>
+              </a:ext>
+            </a:extLst>
+          </p:cNvPr>
+          <p:cNvSpPr/>
+          <p:nvPr/>
+        </p:nvSpPr>
+        <p:spPr>
+          <a:xfrm>
+            <a:off x="615002" y="2225245"/>
+            <a:ext cx="7913995" cy="658000"/>
+          </a:xfrm>
+          <a:prstGeom prst="roundRect">
+            <a:avLst/>
+          </a:prstGeom>
+          <a:solidFill>
             <a:schemeClr val="accent1"/>
           </a:solidFill>
           <a:ln w="38100">
@@ -22833,13 +23373,22 @@
           <a:bodyPr rtlCol="0" anchor="ctr"/>
           <a:lstStyle/>
           <a:p>
-            <a:pPr marL="342900" indent="-342900" algn="just">
+            <a:pPr algn="just">
               <a:lnSpc>
                 <a:spcPct val="150000"/>
               </a:lnSpc>
-              <a:buFont typeface="+mj-lt"/>
-              <a:buAutoNum type="arabicPeriod"/>
             </a:pPr>
+            <a:r>
+              <a:rPr lang="en-US" altLang="ja-JP" sz="3600" b="1" kern="100" dirty="0">
+                <a:solidFill>
+                  <a:schemeClr val="bg1"/>
+                </a:solidFill>
+                <a:latin typeface="メイリオ" panose="020B0604030504040204" pitchFamily="50" charset="-128"/>
+                <a:ea typeface="メイリオ" panose="020B0604030504040204" pitchFamily="50" charset="-128"/>
+                <a:cs typeface="Times New Roman" panose="02020603050405020304" pitchFamily="18" charset="0"/>
+              </a:rPr>
+              <a:t>2.</a:t>
+            </a:r>
             <a:r>
               <a:rPr lang="ja-JP" altLang="en-US" sz="3600" b="1" kern="100" dirty="0">
                 <a:solidFill>
@@ -22849,139 +23398,11 @@
                 <a:ea typeface="メイリオ" panose="020B0604030504040204" pitchFamily="50" charset="-128"/>
                 <a:cs typeface="Times New Roman" panose="02020603050405020304" pitchFamily="18" charset="0"/>
               </a:rPr>
-              <a:t>　</a:t>
-            </a:r>
-            <a:r>
-              <a:rPr lang="ja-JP" altLang="ja-JP" sz="3600" b="1" kern="100" dirty="0">
-                <a:solidFill>
-                  <a:schemeClr val="bg1"/>
-                </a:solidFill>
-                <a:latin typeface="メイリオ" panose="020B0604030504040204" pitchFamily="50" charset="-128"/>
-                <a:ea typeface="メイリオ" panose="020B0604030504040204" pitchFamily="50" charset="-128"/>
-                <a:cs typeface="Times New Roman" panose="02020603050405020304" pitchFamily="18" charset="0"/>
-              </a:rPr>
-              <a:t>チームの概要</a:t>
-            </a:r>
-          </a:p>
-        </p:txBody>
-      </p:sp>
-      <p:sp>
-        <p:nvSpPr>
-          <p:cNvPr id="15" name="スライド番号プレースホルダー 14">
-            <a:extLst>
-              <a:ext uri="{FF2B5EF4-FFF2-40B4-BE49-F238E27FC236}">
-                <a16:creationId xmlns:a16="http://schemas.microsoft.com/office/drawing/2014/main" id="{AF80DF13-54D4-4295-8DBD-60C26A1BCC62}"/>
-              </a:ext>
-            </a:extLst>
-          </p:cNvPr>
-          <p:cNvSpPr>
-            <a:spLocks noGrp="1"/>
-          </p:cNvSpPr>
-          <p:nvPr>
-            <p:ph type="sldNum" sz="quarter" idx="12"/>
-          </p:nvPr>
-        </p:nvSpPr>
-        <p:spPr>
-          <a:xfrm>
-            <a:off x="6784980" y="5359578"/>
-            <a:ext cx="2194560" cy="1397039"/>
-          </a:xfrm>
-        </p:spPr>
-        <p:txBody>
-          <a:bodyPr/>
-          <a:lstStyle/>
-          <a:p>
-            <a:fld id="{28B3E1AD-D654-41ED-B122-F068B9548232}" type="slidenum">
-              <a:rPr kumimoji="1" lang="ja-JP" altLang="en-US" sz="5400" smtClean="0"/>
-              <a:t>6</a:t>
-            </a:fld>
-            <a:endParaRPr kumimoji="1" lang="ja-JP" altLang="en-US" sz="5400"/>
-          </a:p>
-        </p:txBody>
-      </p:sp>
-      <p:sp>
-        <p:nvSpPr>
-          <p:cNvPr id="17" name="四角形: 角を丸くする 16">
-            <a:extLst>
-              <a:ext uri="{FF2B5EF4-FFF2-40B4-BE49-F238E27FC236}">
-                <a16:creationId xmlns:a16="http://schemas.microsoft.com/office/drawing/2014/main" id="{5EF31FC2-2F52-4D5B-906E-753D3EF88EF6}"/>
-              </a:ext>
-            </a:extLst>
-          </p:cNvPr>
-          <p:cNvSpPr/>
-          <p:nvPr/>
-        </p:nvSpPr>
-        <p:spPr>
-          <a:xfrm>
-            <a:off x="615002" y="2225245"/>
-            <a:ext cx="7913995" cy="658000"/>
-          </a:xfrm>
-          <a:prstGeom prst="roundRect">
-            <a:avLst/>
-          </a:prstGeom>
-          <a:ln w="19050">
-            <a:solidFill>
-              <a:schemeClr val="accent1"/>
-            </a:solidFill>
-          </a:ln>
-        </p:spPr>
-        <p:style>
-          <a:lnRef idx="2">
-            <a:schemeClr val="accent6"/>
-          </a:lnRef>
-          <a:fillRef idx="1">
-            <a:schemeClr val="lt1"/>
-          </a:fillRef>
-          <a:effectRef idx="0">
-            <a:schemeClr val="accent6"/>
-          </a:effectRef>
-          <a:fontRef idx="minor">
-            <a:schemeClr val="dk1"/>
-          </a:fontRef>
-        </p:style>
-        <p:txBody>
-          <a:bodyPr rtlCol="0" anchor="ctr"/>
-          <a:lstStyle/>
-          <a:p>
-            <a:pPr algn="just">
-              <a:lnSpc>
-                <a:spcPct val="150000"/>
-              </a:lnSpc>
-            </a:pPr>
-            <a:r>
-              <a:rPr lang="en-US" altLang="ja-JP" sz="3600" kern="100" dirty="0">
-                <a:solidFill>
-                  <a:schemeClr val="tx1">
-                    <a:lumMod val="85000"/>
-                    <a:lumOff val="15000"/>
-                  </a:schemeClr>
-                </a:solidFill>
-                <a:latin typeface="メイリオ" panose="020B0604030504040204" pitchFamily="50" charset="-128"/>
-                <a:ea typeface="メイリオ" panose="020B0604030504040204" pitchFamily="50" charset="-128"/>
-                <a:cs typeface="Times New Roman" panose="02020603050405020304" pitchFamily="18" charset="0"/>
-              </a:rPr>
-              <a:t>2.</a:t>
-            </a:r>
-            <a:r>
-              <a:rPr lang="ja-JP" altLang="en-US" sz="3600" kern="100" dirty="0">
-                <a:solidFill>
-                  <a:schemeClr val="tx1">
-                    <a:lumMod val="85000"/>
-                    <a:lumOff val="15000"/>
-                  </a:schemeClr>
-                </a:solidFill>
-                <a:latin typeface="メイリオ" panose="020B0604030504040204" pitchFamily="50" charset="-128"/>
-                <a:ea typeface="メイリオ" panose="020B0604030504040204" pitchFamily="50" charset="-128"/>
-                <a:cs typeface="Times New Roman" panose="02020603050405020304" pitchFamily="18" charset="0"/>
-              </a:rPr>
               <a:t>　製作物について</a:t>
             </a:r>
-            <a:endParaRPr lang="ja-JP" altLang="ja-JP" sz="3600" kern="100" dirty="0">
+            <a:endParaRPr lang="ja-JP" altLang="ja-JP" sz="3600" b="1" kern="100" dirty="0">
               <a:solidFill>
-                <a:schemeClr val="tx1">
-                  <a:lumMod val="85000"/>
-                  <a:lumOff val="15000"/>
-                </a:schemeClr>
+                <a:schemeClr val="bg1"/>
               </a:solidFill>
               <a:latin typeface="メイリオ" panose="020B0604030504040204" pitchFamily="50" charset="-128"/>
               <a:ea typeface="メイリオ" panose="020B0604030504040204" pitchFamily="50" charset="-128"/>
@@ -23065,7 +23486,7 @@
                 <a:ea typeface="メイリオ" panose="020B0604030504040204" pitchFamily="50" charset="-128"/>
                 <a:cs typeface="Times New Roman" panose="02020603050405020304" pitchFamily="18" charset="0"/>
               </a:rPr>
-              <a:t>　デモンストレーション</a:t>
+              <a:t>　期待できる効果</a:t>
             </a:r>
             <a:endParaRPr lang="ja-JP" altLang="ja-JP" sz="3600" kern="100" dirty="0">
               <a:solidFill>
@@ -23156,7 +23577,7 @@
                 <a:ea typeface="メイリオ" panose="020B0604030504040204" pitchFamily="50" charset="-128"/>
                 <a:cs typeface="Times New Roman" panose="02020603050405020304" pitchFamily="18" charset="0"/>
               </a:rPr>
-              <a:t>　期待できる効果</a:t>
+              <a:t>　プロジェクトの振り返り</a:t>
             </a:r>
             <a:endParaRPr lang="ja-JP" altLang="ja-JP" sz="3600" kern="100" dirty="0">
               <a:solidFill>
@@ -23427,7 +23848,7 @@
         </p:nvSpPr>
         <p:spPr>
           <a:xfrm>
-            <a:off x="764498" y="659567"/>
+            <a:off x="771025" y="474900"/>
             <a:ext cx="3043004" cy="369332"/>
           </a:xfrm>
           <a:prstGeom prst="rect">
@@ -23455,8 +23876,343 @@
           <a:lstStyle/>
           <a:p>
             <a:r>
-              <a:rPr kumimoji="1" lang="ja-JP" altLang="en-US" dirty="0"/>
-              <a:t>研修生</a:t>
+              <a:rPr kumimoji="1" lang="ja-JP" altLang="en-US" dirty="0">
+                <a:latin typeface="メイリオ" panose="020B0604030504040204" pitchFamily="50" charset="-128"/>
+                <a:ea typeface="メイリオ" panose="020B0604030504040204" pitchFamily="50" charset="-128"/>
+              </a:rPr>
+              <a:t>チームでの話し合いで</a:t>
+            </a:r>
+            <a:r>
+              <a:rPr kumimoji="1" lang="en-US" altLang="ja-JP" dirty="0">
+                <a:latin typeface="メイリオ" panose="020B0604030504040204" pitchFamily="50" charset="-128"/>
+                <a:ea typeface="メイリオ" panose="020B0604030504040204" pitchFamily="50" charset="-128"/>
+              </a:rPr>
+              <a:t>…</a:t>
+            </a:r>
+            <a:endParaRPr kumimoji="1" lang="ja-JP" altLang="en-US" dirty="0">
+              <a:latin typeface="メイリオ" panose="020B0604030504040204" pitchFamily="50" charset="-128"/>
+              <a:ea typeface="メイリオ" panose="020B0604030504040204" pitchFamily="50" charset="-128"/>
+            </a:endParaRPr>
+          </a:p>
+        </p:txBody>
+      </p:sp>
+      <p:pic>
+        <p:nvPicPr>
+          <p:cNvPr id="5" name="グラフィックス 4" descr="オフィス ワーカー (男性) 単色塗りつぶし">
+            <a:extLst>
+              <a:ext uri="{FF2B5EF4-FFF2-40B4-BE49-F238E27FC236}">
+                <a16:creationId xmlns:a16="http://schemas.microsoft.com/office/drawing/2014/main" id="{142F8DF3-F9CA-45AD-BAC8-3188467F7A26}"/>
+              </a:ext>
+            </a:extLst>
+          </p:cNvPr>
+          <p:cNvPicPr>
+            <a:picLocks noChangeAspect="1"/>
+          </p:cNvPicPr>
+          <p:nvPr/>
+        </p:nvPicPr>
+        <p:blipFill>
+          <a:blip r:embed="rId2">
+            <a:extLst>
+              <a:ext uri="{28A0092B-C50C-407E-A947-70E740481C1C}">
+                <a14:useLocalDpi xmlns:a14="http://schemas.microsoft.com/office/drawing/2010/main" val="0"/>
+              </a:ext>
+              <a:ext uri="{96DAC541-7B7A-43D3-8B79-37D633B846F1}">
+                <asvg:svgBlip xmlns:asvg="http://schemas.microsoft.com/office/drawing/2016/SVG/main" r:embed="rId3"/>
+              </a:ext>
+            </a:extLst>
+          </a:blip>
+          <a:stretch>
+            <a:fillRect/>
+          </a:stretch>
+        </p:blipFill>
+        <p:spPr>
+          <a:xfrm>
+            <a:off x="459599" y="2901313"/>
+            <a:ext cx="1342696" cy="1342696"/>
+          </a:xfrm>
+          <a:prstGeom prst="rect">
+            <a:avLst/>
+          </a:prstGeom>
+        </p:spPr>
+      </p:pic>
+      <p:pic>
+        <p:nvPicPr>
+          <p:cNvPr id="7" name="グラフィックス 6" descr="オフィス ワーカー (女性) 単色塗りつぶし">
+            <a:extLst>
+              <a:ext uri="{FF2B5EF4-FFF2-40B4-BE49-F238E27FC236}">
+                <a16:creationId xmlns:a16="http://schemas.microsoft.com/office/drawing/2014/main" id="{352D6CA7-FD9B-4A83-9338-0695229C0CE4}"/>
+              </a:ext>
+            </a:extLst>
+          </p:cNvPr>
+          <p:cNvPicPr>
+            <a:picLocks noChangeAspect="1"/>
+          </p:cNvPicPr>
+          <p:nvPr/>
+        </p:nvPicPr>
+        <p:blipFill>
+          <a:blip r:embed="rId4">
+            <a:extLst>
+              <a:ext uri="{28A0092B-C50C-407E-A947-70E740481C1C}">
+                <a14:useLocalDpi xmlns:a14="http://schemas.microsoft.com/office/drawing/2010/main" val="0"/>
+              </a:ext>
+              <a:ext uri="{96DAC541-7B7A-43D3-8B79-37D633B846F1}">
+                <asvg:svgBlip xmlns:asvg="http://schemas.microsoft.com/office/drawing/2016/SVG/main" r:embed="rId5"/>
+              </a:ext>
+            </a:extLst>
+          </a:blip>
+          <a:stretch>
+            <a:fillRect/>
+          </a:stretch>
+        </p:blipFill>
+        <p:spPr>
+          <a:xfrm>
+            <a:off x="7010400" y="844232"/>
+            <a:ext cx="1362575" cy="1362575"/>
+          </a:xfrm>
+          <a:prstGeom prst="rect">
+            <a:avLst/>
+          </a:prstGeom>
+        </p:spPr>
+      </p:pic>
+      <p:pic>
+        <p:nvPicPr>
+          <p:cNvPr id="8" name="グラフィックス 7" descr="オフィス ワーカー (女性) 単色塗りつぶし">
+            <a:extLst>
+              <a:ext uri="{FF2B5EF4-FFF2-40B4-BE49-F238E27FC236}">
+                <a16:creationId xmlns:a16="http://schemas.microsoft.com/office/drawing/2014/main" id="{59EC5D95-BB49-4E32-B49E-B203475B0DD7}"/>
+              </a:ext>
+            </a:extLst>
+          </p:cNvPr>
+          <p:cNvPicPr>
+            <a:picLocks noChangeAspect="1"/>
+          </p:cNvPicPr>
+          <p:nvPr/>
+        </p:nvPicPr>
+        <p:blipFill>
+          <a:blip r:embed="rId4">
+            <a:extLst>
+              <a:ext uri="{28A0092B-C50C-407E-A947-70E740481C1C}">
+                <a14:useLocalDpi xmlns:a14="http://schemas.microsoft.com/office/drawing/2010/main" val="0"/>
+              </a:ext>
+              <a:ext uri="{96DAC541-7B7A-43D3-8B79-37D633B846F1}">
+                <asvg:svgBlip xmlns:asvg="http://schemas.microsoft.com/office/drawing/2016/SVG/main" r:embed="rId5"/>
+              </a:ext>
+            </a:extLst>
+          </a:blip>
+          <a:stretch>
+            <a:fillRect/>
+          </a:stretch>
+        </p:blipFill>
+        <p:spPr>
+          <a:xfrm>
+            <a:off x="7115218" y="4743958"/>
+            <a:ext cx="1269810" cy="1269810"/>
+          </a:xfrm>
+          <a:prstGeom prst="rect">
+            <a:avLst/>
+          </a:prstGeom>
+        </p:spPr>
+      </p:pic>
+      <p:sp>
+        <p:nvSpPr>
+          <p:cNvPr id="9" name="吹き出し: 角を丸めた四角形 8">
+            <a:extLst>
+              <a:ext uri="{FF2B5EF4-FFF2-40B4-BE49-F238E27FC236}">
+                <a16:creationId xmlns:a16="http://schemas.microsoft.com/office/drawing/2014/main" id="{54C76F54-AD0D-4476-ADB6-AD9EDBF5D533}"/>
+              </a:ext>
+            </a:extLst>
+          </p:cNvPr>
+          <p:cNvSpPr/>
+          <p:nvPr/>
+        </p:nvSpPr>
+        <p:spPr>
+          <a:xfrm>
+            <a:off x="1130947" y="4872352"/>
+            <a:ext cx="5552661" cy="1049754"/>
+          </a:xfrm>
+          <a:prstGeom prst="wedgeRoundRectCallout">
+            <a:avLst>
+              <a:gd name="adj1" fmla="val 60074"/>
+              <a:gd name="adj2" fmla="val -18559"/>
+              <a:gd name="adj3" fmla="val 16667"/>
+            </a:avLst>
+          </a:prstGeom>
+          <a:ln w="38100"/>
+        </p:spPr>
+        <p:style>
+          <a:lnRef idx="2">
+            <a:schemeClr val="accent6"/>
+          </a:lnRef>
+          <a:fillRef idx="1">
+            <a:schemeClr val="lt1"/>
+          </a:fillRef>
+          <a:effectRef idx="0">
+            <a:schemeClr val="accent6"/>
+          </a:effectRef>
+          <a:fontRef idx="minor">
+            <a:schemeClr val="dk1"/>
+          </a:fontRef>
+        </p:style>
+        <p:txBody>
+          <a:bodyPr rtlCol="0" anchor="ctr"/>
+          <a:lstStyle/>
+          <a:p>
+            <a:pPr algn="ctr"/>
+            <a:r>
+              <a:rPr lang="ja-JP" altLang="ja-JP" sz="1800" kern="100" dirty="0">
+                <a:effectLst/>
+                <a:latin typeface="メイリオ" panose="020B0604030504040204" pitchFamily="50" charset="-128"/>
+                <a:ea typeface="メイリオ" panose="020B0604030504040204" pitchFamily="50" charset="-128"/>
+                <a:cs typeface="Times New Roman" panose="02020603050405020304" pitchFamily="18" charset="0"/>
+              </a:rPr>
+              <a:t>同じような質問をしているときに情報共有したい</a:t>
+            </a:r>
+          </a:p>
+        </p:txBody>
+      </p:sp>
+      <p:sp>
+        <p:nvSpPr>
+          <p:cNvPr id="10" name="吹き出し: 角を丸めた四角形 9">
+            <a:extLst>
+              <a:ext uri="{FF2B5EF4-FFF2-40B4-BE49-F238E27FC236}">
+                <a16:creationId xmlns:a16="http://schemas.microsoft.com/office/drawing/2014/main" id="{C659B7DE-282F-4D40-BF1B-73D3708D4D9D}"/>
+              </a:ext>
+            </a:extLst>
+          </p:cNvPr>
+          <p:cNvSpPr/>
+          <p:nvPr/>
+        </p:nvSpPr>
+        <p:spPr>
+          <a:xfrm>
+            <a:off x="2557669" y="3073688"/>
+            <a:ext cx="5552661" cy="1269810"/>
+          </a:xfrm>
+          <a:prstGeom prst="wedgeRoundRectCallout">
+            <a:avLst>
+              <a:gd name="adj1" fmla="val -62838"/>
+              <a:gd name="adj2" fmla="val -13620"/>
+              <a:gd name="adj3" fmla="val 16667"/>
+            </a:avLst>
+          </a:prstGeom>
+          <a:ln w="38100"/>
+        </p:spPr>
+        <p:style>
+          <a:lnRef idx="2">
+            <a:schemeClr val="accent6"/>
+          </a:lnRef>
+          <a:fillRef idx="1">
+            <a:schemeClr val="lt1"/>
+          </a:fillRef>
+          <a:effectRef idx="0">
+            <a:schemeClr val="accent6"/>
+          </a:effectRef>
+          <a:fontRef idx="minor">
+            <a:schemeClr val="dk1"/>
+          </a:fontRef>
+        </p:style>
+        <p:txBody>
+          <a:bodyPr rtlCol="0" anchor="ctr"/>
+          <a:lstStyle/>
+          <a:p>
+            <a:pPr algn="ctr"/>
+            <a:r>
+              <a:rPr lang="ja-JP" altLang="ja-JP" sz="1800" kern="100" dirty="0">
+                <a:effectLst/>
+                <a:latin typeface="メイリオ" panose="020B0604030504040204" pitchFamily="50" charset="-128"/>
+                <a:ea typeface="メイリオ" panose="020B0604030504040204" pitchFamily="50" charset="-128"/>
+                <a:cs typeface="Times New Roman" panose="02020603050405020304" pitchFamily="18" charset="0"/>
+              </a:rPr>
+              <a:t>講師の方に質問をするのに、待ち時間が長い</a:t>
+            </a:r>
+            <a:r>
+              <a:rPr lang="ja-JP" altLang="en-US" sz="1800" kern="100" dirty="0">
+                <a:effectLst/>
+                <a:latin typeface="メイリオ" panose="020B0604030504040204" pitchFamily="50" charset="-128"/>
+                <a:ea typeface="メイリオ" panose="020B0604030504040204" pitchFamily="50" charset="-128"/>
+                <a:cs typeface="Times New Roman" panose="02020603050405020304" pitchFamily="18" charset="0"/>
+              </a:rPr>
+              <a:t>ときがあった</a:t>
+            </a:r>
+            <a:r>
+              <a:rPr lang="en-US" altLang="ja-JP" sz="1800" kern="100" dirty="0">
+                <a:effectLst/>
+                <a:latin typeface="メイリオ" panose="020B0604030504040204" pitchFamily="50" charset="-128"/>
+                <a:ea typeface="メイリオ" panose="020B0604030504040204" pitchFamily="50" charset="-128"/>
+                <a:cs typeface="Times New Roman" panose="02020603050405020304" pitchFamily="18" charset="0"/>
+              </a:rPr>
+              <a:t>…</a:t>
+            </a:r>
+            <a:endParaRPr lang="ja-JP" altLang="ja-JP" sz="1800" kern="100" dirty="0">
+              <a:effectLst/>
+              <a:latin typeface="メイリオ" panose="020B0604030504040204" pitchFamily="50" charset="-128"/>
+              <a:ea typeface="メイリオ" panose="020B0604030504040204" pitchFamily="50" charset="-128"/>
+              <a:cs typeface="Times New Roman" panose="02020603050405020304" pitchFamily="18" charset="0"/>
+            </a:endParaRPr>
+          </a:p>
+        </p:txBody>
+      </p:sp>
+      <p:sp>
+        <p:nvSpPr>
+          <p:cNvPr id="11" name="吹き出し: 角を丸めた四角形 10">
+            <a:extLst>
+              <a:ext uri="{FF2B5EF4-FFF2-40B4-BE49-F238E27FC236}">
+                <a16:creationId xmlns:a16="http://schemas.microsoft.com/office/drawing/2014/main" id="{3C138BA6-0DBC-49C6-9415-5BBC27CEB08F}"/>
+              </a:ext>
+            </a:extLst>
+          </p:cNvPr>
+          <p:cNvSpPr/>
+          <p:nvPr/>
+        </p:nvSpPr>
+        <p:spPr>
+          <a:xfrm>
+            <a:off x="1130946" y="1375394"/>
+            <a:ext cx="5552661" cy="1049754"/>
+          </a:xfrm>
+          <a:prstGeom prst="wedgeRoundRectCallout">
+            <a:avLst>
+              <a:gd name="adj1" fmla="val 59119"/>
+              <a:gd name="adj2" fmla="val -38993"/>
+              <a:gd name="adj3" fmla="val 16667"/>
+            </a:avLst>
+          </a:prstGeom>
+          <a:ln w="38100"/>
+        </p:spPr>
+        <p:style>
+          <a:lnRef idx="2">
+            <a:schemeClr val="accent6"/>
+          </a:lnRef>
+          <a:fillRef idx="1">
+            <a:schemeClr val="lt1"/>
+          </a:fillRef>
+          <a:effectRef idx="0">
+            <a:schemeClr val="accent6"/>
+          </a:effectRef>
+          <a:fontRef idx="minor">
+            <a:schemeClr val="dk1"/>
+          </a:fontRef>
+        </p:style>
+        <p:txBody>
+          <a:bodyPr rtlCol="0" anchor="ctr"/>
+          <a:lstStyle/>
+          <a:p>
+            <a:pPr algn="ctr"/>
+            <a:r>
+              <a:rPr lang="en-US" altLang="ja-JP" sz="1800" kern="100" dirty="0">
+                <a:effectLst/>
+                <a:latin typeface="メイリオ" panose="020B0604030504040204" pitchFamily="50" charset="-128"/>
+                <a:ea typeface="メイリオ" panose="020B0604030504040204" pitchFamily="50" charset="-128"/>
+                <a:cs typeface="Times New Roman" panose="02020603050405020304" pitchFamily="18" charset="0"/>
+              </a:rPr>
+              <a:t>5</a:t>
+            </a:r>
+            <a:r>
+              <a:rPr lang="ja-JP" altLang="ja-JP" sz="1800" kern="100" dirty="0">
+                <a:effectLst/>
+                <a:latin typeface="メイリオ" panose="020B0604030504040204" pitchFamily="50" charset="-128"/>
+                <a:ea typeface="メイリオ" panose="020B0604030504040204" pitchFamily="50" charset="-128"/>
+                <a:cs typeface="Times New Roman" panose="02020603050405020304" pitchFamily="18" charset="0"/>
+              </a:rPr>
+              <a:t>月までの研修で困ったことはあるかな？</a:t>
             </a:r>
           </a:p>
         </p:txBody>
@@ -23496,7 +24252,7 @@
           <p:cNvPr id="2" name="スライド番号プレースホルダー 1">
             <a:extLst>
               <a:ext uri="{FF2B5EF4-FFF2-40B4-BE49-F238E27FC236}">
-                <a16:creationId xmlns:a16="http://schemas.microsoft.com/office/drawing/2014/main" id="{5EDAD6F2-BCE5-4B4E-8194-B1F519D71F2A}"/>
+                <a16:creationId xmlns:a16="http://schemas.microsoft.com/office/drawing/2014/main" id="{54A11902-36C8-4983-B9C0-475DE6DFFF4C}"/>
               </a:ext>
             </a:extLst>
           </p:cNvPr>
@@ -23520,107 +24276,101 @@
           </a:p>
         </p:txBody>
       </p:sp>
-      <p:sp>
-        <p:nvSpPr>
-          <p:cNvPr id="3" name="テキスト ボックス 2">
+      <p:pic>
+        <p:nvPicPr>
+          <p:cNvPr id="4" name="グラフィックス 3" descr="オフィス ワーカー (男性) 単色塗りつぶし">
             <a:extLst>
               <a:ext uri="{FF2B5EF4-FFF2-40B4-BE49-F238E27FC236}">
-                <a16:creationId xmlns:a16="http://schemas.microsoft.com/office/drawing/2014/main" id="{0E7CB219-2C12-4E39-B493-635B21830090}"/>
+                <a16:creationId xmlns:a16="http://schemas.microsoft.com/office/drawing/2014/main" id="{783A97A0-B8D2-415E-B1CF-8C9835C4F2F5}"/>
               </a:ext>
             </a:extLst>
           </p:cNvPr>
-          <p:cNvSpPr txBox="1"/>
+          <p:cNvPicPr>
+            <a:picLocks noChangeAspect="1"/>
+          </p:cNvPicPr>
           <p:nvPr/>
-        </p:nvSpPr>
+        </p:nvPicPr>
+        <p:blipFill>
+          <a:blip r:embed="rId2">
+            <a:extLst>
+              <a:ext uri="{28A0092B-C50C-407E-A947-70E740481C1C}">
+                <a14:useLocalDpi xmlns:a14="http://schemas.microsoft.com/office/drawing/2010/main" val="0"/>
+              </a:ext>
+              <a:ext uri="{96DAC541-7B7A-43D3-8B79-37D633B846F1}">
+                <asvg:svgBlip xmlns:asvg="http://schemas.microsoft.com/office/drawing/2016/SVG/main" r:embed="rId3"/>
+              </a:ext>
+            </a:extLst>
+          </a:blip>
+          <a:stretch>
+            <a:fillRect/>
+          </a:stretch>
+        </p:blipFill>
         <p:spPr>
           <a:xfrm>
-            <a:off x="764498" y="659567"/>
-            <a:ext cx="3043004" cy="369332"/>
+            <a:off x="3389241" y="4489175"/>
+            <a:ext cx="1782417" cy="1782417"/>
           </a:xfrm>
           <a:prstGeom prst="rect">
             <a:avLst/>
           </a:prstGeom>
         </p:spPr>
+      </p:pic>
+      <p:sp>
+        <p:nvSpPr>
+          <p:cNvPr id="6" name="吹き出し: 角を丸めた四角形 5">
+            <a:extLst>
+              <a:ext uri="{FF2B5EF4-FFF2-40B4-BE49-F238E27FC236}">
+                <a16:creationId xmlns:a16="http://schemas.microsoft.com/office/drawing/2014/main" id="{98B58BD7-4FF8-42E4-B5F2-BF235D35466F}"/>
+              </a:ext>
+            </a:extLst>
+          </p:cNvPr>
+          <p:cNvSpPr/>
+          <p:nvPr/>
+        </p:nvSpPr>
+        <p:spPr>
+          <a:xfrm>
+            <a:off x="1027041" y="1123120"/>
+            <a:ext cx="6506818" cy="2491409"/>
+          </a:xfrm>
+          <a:prstGeom prst="wedgeRoundRectCallout">
+            <a:avLst>
+              <a:gd name="adj1" fmla="val -12483"/>
+              <a:gd name="adj2" fmla="val 95833"/>
+              <a:gd name="adj3" fmla="val 16667"/>
+            </a:avLst>
+          </a:prstGeom>
+          <a:ln w="57150"/>
+        </p:spPr>
         <p:style>
           <a:lnRef idx="2">
-            <a:schemeClr val="accent1"/>
+            <a:schemeClr val="accent6"/>
           </a:lnRef>
           <a:fillRef idx="1">
             <a:schemeClr val="lt1"/>
           </a:fillRef>
           <a:effectRef idx="0">
-            <a:schemeClr val="accent1"/>
+            <a:schemeClr val="accent6"/>
           </a:effectRef>
           <a:fontRef idx="minor">
             <a:schemeClr val="dk1"/>
           </a:fontRef>
         </p:style>
         <p:txBody>
-          <a:bodyPr wrap="square" rtlCol="0">
-            <a:spAutoFit/>
-          </a:bodyPr>
+          <a:bodyPr rtlCol="0" anchor="ctr"/>
           <a:lstStyle/>
           <a:p>
-            <a:r>
-              <a:rPr kumimoji="1" lang="ja-JP" altLang="en-US" dirty="0"/>
-              <a:t>講師</a:t>
-            </a:r>
-          </a:p>
-        </p:txBody>
-      </p:sp>
-      <p:sp>
-        <p:nvSpPr>
-          <p:cNvPr id="4" name="テキスト ボックス 3">
-            <a:extLst>
-              <a:ext uri="{FF2B5EF4-FFF2-40B4-BE49-F238E27FC236}">
-                <a16:creationId xmlns:a16="http://schemas.microsoft.com/office/drawing/2014/main" id="{66EA797D-CE86-4EBB-8661-32C62DA40848}"/>
-              </a:ext>
-            </a:extLst>
-          </p:cNvPr>
-          <p:cNvSpPr txBox="1"/>
-          <p:nvPr/>
-        </p:nvSpPr>
-        <p:spPr>
-          <a:xfrm>
-            <a:off x="5109148" y="659567"/>
-            <a:ext cx="3043004" cy="369332"/>
-          </a:xfrm>
-          <a:prstGeom prst="rect">
-            <a:avLst/>
-          </a:prstGeom>
-        </p:spPr>
-        <p:style>
-          <a:lnRef idx="2">
-            <a:schemeClr val="accent1"/>
-          </a:lnRef>
-          <a:fillRef idx="1">
-            <a:schemeClr val="lt1"/>
-          </a:fillRef>
-          <a:effectRef idx="0">
-            <a:schemeClr val="accent1"/>
-          </a:effectRef>
-          <a:fontRef idx="minor">
-            <a:schemeClr val="dk1"/>
-          </a:fontRef>
-        </p:style>
-        <p:txBody>
-          <a:bodyPr wrap="square" rtlCol="0">
-            <a:spAutoFit/>
-          </a:bodyPr>
-          <a:lstStyle/>
-          <a:p>
-            <a:r>
-              <a:rPr kumimoji="1" lang="en-US" altLang="ja-JP" dirty="0"/>
-              <a:t>SEPLUS</a:t>
-            </a:r>
-            <a:endParaRPr kumimoji="1" lang="ja-JP" altLang="en-US" dirty="0"/>
+            <a:pPr algn="ctr"/>
+            <a:r>
+              <a:rPr kumimoji="1" lang="ja-JP" altLang="en-US" sz="3200" b="1" dirty="0"/>
+              <a:t>じゃあ研修生にアンケートを取ってみよう！</a:t>
+            </a:r>
           </a:p>
         </p:txBody>
       </p:sp>
     </p:spTree>
     <p:extLst>
       <p:ext uri="{BB962C8B-B14F-4D97-AF65-F5344CB8AC3E}">
-        <p14:creationId xmlns:p14="http://schemas.microsoft.com/office/powerpoint/2010/main" val="1986843440"/>
+        <p14:creationId xmlns:p14="http://schemas.microsoft.com/office/powerpoint/2010/main" val="1593626964"/>
       </p:ext>
     </p:extLst>
   </p:cSld>
@@ -23652,7 +24402,7 @@
           <p:cNvPr id="2" name="スライド番号プレースホルダー 1">
             <a:extLst>
               <a:ext uri="{FF2B5EF4-FFF2-40B4-BE49-F238E27FC236}">
-                <a16:creationId xmlns:a16="http://schemas.microsoft.com/office/drawing/2014/main" id="{F8C97C3F-1642-42D3-B219-1364D5054C19}"/>
+                <a16:creationId xmlns:a16="http://schemas.microsoft.com/office/drawing/2014/main" id="{AF3A6BEA-3A97-4C27-982D-56A1FE581858}"/>
               </a:ext>
             </a:extLst>
           </p:cNvPr>
@@ -23678,49 +24428,38 @@
       </p:sp>
       <p:sp>
         <p:nvSpPr>
-          <p:cNvPr id="3" name="正方形/長方形 2">
+          <p:cNvPr id="3" name="テキスト ボックス 2">
             <a:extLst>
               <a:ext uri="{FF2B5EF4-FFF2-40B4-BE49-F238E27FC236}">
-                <a16:creationId xmlns:a16="http://schemas.microsoft.com/office/drawing/2014/main" id="{DB9F5245-D592-4C98-90C8-CFB9E9AE292C}"/>
+                <a16:creationId xmlns:a16="http://schemas.microsoft.com/office/drawing/2014/main" id="{4E5E2BF7-222E-4C46-AAC3-0A502B097DAF}"/>
               </a:ext>
             </a:extLst>
           </p:cNvPr>
-          <p:cNvSpPr/>
+          <p:cNvSpPr txBox="1"/>
           <p:nvPr/>
         </p:nvSpPr>
         <p:spPr>
           <a:xfrm>
-            <a:off x="539646" y="494675"/>
-            <a:ext cx="8227859" cy="5636302"/>
+            <a:off x="914400" y="1470991"/>
+            <a:ext cx="3803374" cy="461665"/>
           </a:xfrm>
           <a:prstGeom prst="rect">
             <a:avLst/>
           </a:prstGeom>
+          <a:noFill/>
         </p:spPr>
-        <p:style>
-          <a:lnRef idx="2">
-            <a:schemeClr val="accent1">
-              <a:shade val="50000"/>
-            </a:schemeClr>
-          </a:lnRef>
-          <a:fillRef idx="1">
-            <a:schemeClr val="accent1"/>
-          </a:fillRef>
-          <a:effectRef idx="0">
-            <a:schemeClr val="accent1"/>
-          </a:effectRef>
-          <a:fontRef idx="minor">
-            <a:schemeClr val="lt1"/>
-          </a:fontRef>
-        </p:style>
         <p:txBody>
-          <a:bodyPr rtlCol="0" anchor="ctr"/>
+          <a:bodyPr wrap="square" rtlCol="0">
+            <a:spAutoFit/>
+          </a:bodyPr>
           <a:lstStyle/>
           <a:p>
-            <a:pPr algn="ctr"/>
-            <a:r>
-              <a:rPr kumimoji="1" lang="ja-JP" altLang="en-US" dirty="0"/>
-              <a:t>概要</a:t>
+            <a:r>
+              <a:rPr kumimoji="1" lang="ja-JP" altLang="en-US" sz="2400" dirty="0">
+                <a:latin typeface="メイリオ" panose="020B0604030504040204" pitchFamily="50" charset="-128"/>
+                <a:ea typeface="メイリオ" panose="020B0604030504040204" pitchFamily="50" charset="-128"/>
+              </a:rPr>
+              <a:t>アンケート結果</a:t>
             </a:r>
           </a:p>
         </p:txBody>
@@ -23728,7 +24467,7 @@
     </p:spTree>
     <p:extLst>
       <p:ext uri="{BB962C8B-B14F-4D97-AF65-F5344CB8AC3E}">
-        <p14:creationId xmlns:p14="http://schemas.microsoft.com/office/powerpoint/2010/main" val="2610612885"/>
+        <p14:creationId xmlns:p14="http://schemas.microsoft.com/office/powerpoint/2010/main" val="447011763"/>
       </p:ext>
     </p:extLst>
   </p:cSld>

--- a/documents/プレゼン/Knowledge Holder_清書版.pptx
+++ b/documents/プレゼン/Knowledge Holder_清書版.pptx
@@ -5,39 +5,43 @@
     <p:sldMasterId id="2147483720" r:id="rId1"/>
   </p:sldMasterIdLst>
   <p:notesMasterIdLst>
-    <p:notesMasterId r:id="rId32"/>
+    <p:notesMasterId r:id="rId36"/>
   </p:notesMasterIdLst>
   <p:sldIdLst>
     <p:sldId id="256" r:id="rId2"/>
     <p:sldId id="260" r:id="rId3"/>
     <p:sldId id="263" r:id="rId4"/>
     <p:sldId id="259" r:id="rId5"/>
-    <p:sldId id="279" r:id="rId6"/>
-    <p:sldId id="282" r:id="rId7"/>
-    <p:sldId id="280" r:id="rId8"/>
-    <p:sldId id="287" r:id="rId9"/>
-    <p:sldId id="288" r:id="rId10"/>
-    <p:sldId id="281" r:id="rId11"/>
-    <p:sldId id="283" r:id="rId12"/>
-    <p:sldId id="277" r:id="rId13"/>
-    <p:sldId id="258" r:id="rId14"/>
-    <p:sldId id="264" r:id="rId15"/>
-    <p:sldId id="278" r:id="rId16"/>
-    <p:sldId id="284" r:id="rId17"/>
-    <p:sldId id="285" r:id="rId18"/>
-    <p:sldId id="261" r:id="rId19"/>
-    <p:sldId id="262" r:id="rId20"/>
-    <p:sldId id="267" r:id="rId21"/>
-    <p:sldId id="271" r:id="rId22"/>
-    <p:sldId id="268" r:id="rId23"/>
-    <p:sldId id="272" r:id="rId24"/>
-    <p:sldId id="269" r:id="rId25"/>
-    <p:sldId id="273" r:id="rId26"/>
-    <p:sldId id="270" r:id="rId27"/>
-    <p:sldId id="274" r:id="rId28"/>
-    <p:sldId id="275" r:id="rId29"/>
-    <p:sldId id="286" r:id="rId30"/>
-    <p:sldId id="265" r:id="rId31"/>
+    <p:sldId id="282" r:id="rId6"/>
+    <p:sldId id="280" r:id="rId7"/>
+    <p:sldId id="287" r:id="rId8"/>
+    <p:sldId id="288" r:id="rId9"/>
+    <p:sldId id="281" r:id="rId10"/>
+    <p:sldId id="277" r:id="rId11"/>
+    <p:sldId id="264" r:id="rId12"/>
+    <p:sldId id="283" r:id="rId13"/>
+    <p:sldId id="278" r:id="rId14"/>
+    <p:sldId id="284" r:id="rId15"/>
+    <p:sldId id="293" r:id="rId16"/>
+    <p:sldId id="291" r:id="rId17"/>
+    <p:sldId id="292" r:id="rId18"/>
+    <p:sldId id="289" r:id="rId19"/>
+    <p:sldId id="294" r:id="rId20"/>
+    <p:sldId id="285" r:id="rId21"/>
+    <p:sldId id="295" r:id="rId22"/>
+    <p:sldId id="261" r:id="rId23"/>
+    <p:sldId id="262" r:id="rId24"/>
+    <p:sldId id="267" r:id="rId25"/>
+    <p:sldId id="271" r:id="rId26"/>
+    <p:sldId id="268" r:id="rId27"/>
+    <p:sldId id="272" r:id="rId28"/>
+    <p:sldId id="269" r:id="rId29"/>
+    <p:sldId id="273" r:id="rId30"/>
+    <p:sldId id="270" r:id="rId31"/>
+    <p:sldId id="274" r:id="rId32"/>
+    <p:sldId id="275" r:id="rId33"/>
+    <p:sldId id="286" r:id="rId34"/>
+    <p:sldId id="265" r:id="rId35"/>
   </p:sldIdLst>
   <p:sldSz cx="9144000" cy="6858000" type="screen4x3"/>
   <p:notesSz cx="6858000" cy="9144000"/>
@@ -1853,45 +1857,16 @@
         <a:bodyPr/>
         <a:lstStyle/>
         <a:p>
-          <a:r>
-            <a:rPr kumimoji="1" lang="ja-JP" altLang="en-US" sz="2800" dirty="0">
-              <a:solidFill>
-                <a:schemeClr val="tx1">
-                  <a:lumMod val="75000"/>
-                  <a:lumOff val="25000"/>
-                </a:schemeClr>
-              </a:solidFill>
-              <a:latin typeface="メイリオ" panose="020B0604030504040204" pitchFamily="50" charset="-128"/>
-              <a:ea typeface="メイリオ" panose="020B0604030504040204" pitchFamily="50" charset="-128"/>
-            </a:rPr>
-            <a:t>質問更新</a:t>
-          </a:r>
-          <a:r>
-            <a:rPr kumimoji="1" lang="en-US" altLang="ja-JP" sz="2800" dirty="0">
-              <a:solidFill>
-                <a:schemeClr val="tx1">
-                  <a:lumMod val="75000"/>
-                  <a:lumOff val="25000"/>
-                </a:schemeClr>
-              </a:solidFill>
-              <a:latin typeface="メイリオ" panose="020B0604030504040204" pitchFamily="50" charset="-128"/>
-              <a:ea typeface="メイリオ" panose="020B0604030504040204" pitchFamily="50" charset="-128"/>
-            </a:rPr>
-            <a:t>/</a:t>
-          </a:r>
-          <a:r>
-            <a:rPr kumimoji="1" lang="ja-JP" altLang="en-US" sz="2800" dirty="0">
-              <a:solidFill>
-                <a:schemeClr val="tx1">
-                  <a:lumMod val="75000"/>
-                  <a:lumOff val="25000"/>
-                </a:schemeClr>
-              </a:solidFill>
-              <a:latin typeface="メイリオ" panose="020B0604030504040204" pitchFamily="50" charset="-128"/>
-              <a:ea typeface="メイリオ" panose="020B0604030504040204" pitchFamily="50" charset="-128"/>
-            </a:rPr>
-            <a:t>削除</a:t>
-          </a:r>
+          <a:endParaRPr kumimoji="1" lang="ja-JP" altLang="en-US" sz="2800" dirty="0">
+            <a:solidFill>
+              <a:schemeClr val="tx1">
+                <a:lumMod val="75000"/>
+                <a:lumOff val="25000"/>
+              </a:schemeClr>
+            </a:solidFill>
+            <a:latin typeface="メイリオ" panose="020B0604030504040204" pitchFamily="50" charset="-128"/>
+            <a:ea typeface="メイリオ" panose="020B0604030504040204" pitchFamily="50" charset="-128"/>
+          </a:endParaRPr>
         </a:p>
       </dgm:t>
     </dgm:pt>
@@ -2009,19 +1984,16 @@
         <a:bodyPr/>
         <a:lstStyle/>
         <a:p>
-          <a:r>
-            <a:rPr kumimoji="1" lang="ja-JP" altLang="en-US" sz="2800" dirty="0">
-              <a:solidFill>
-                <a:schemeClr val="tx1">
-                  <a:lumMod val="75000"/>
-                  <a:lumOff val="25000"/>
-                </a:schemeClr>
-              </a:solidFill>
-              <a:latin typeface="メイリオ" panose="020B0604030504040204" pitchFamily="50" charset="-128"/>
-              <a:ea typeface="メイリオ" panose="020B0604030504040204" pitchFamily="50" charset="-128"/>
-            </a:rPr>
-            <a:t>質問履歴一覧</a:t>
-          </a:r>
+          <a:endParaRPr kumimoji="1" lang="ja-JP" altLang="en-US" sz="2800" dirty="0">
+            <a:solidFill>
+              <a:schemeClr val="tx1">
+                <a:lumMod val="75000"/>
+                <a:lumOff val="25000"/>
+              </a:schemeClr>
+            </a:solidFill>
+            <a:latin typeface="メイリオ" panose="020B0604030504040204" pitchFamily="50" charset="-128"/>
+            <a:ea typeface="メイリオ" panose="020B0604030504040204" pitchFamily="50" charset="-128"/>
+          </a:endParaRPr>
         </a:p>
       </dgm:t>
     </dgm:pt>
@@ -2222,7 +2194,7 @@
       </dgm:t>
     </dgm:pt>
     <dgm:pt modelId="{C4746E4E-2A72-4778-BC21-BB4D99D98CCE}">
-      <dgm:prSet phldrT="[テキスト]"/>
+      <dgm:prSet phldrT="[テキスト]" custT="1"/>
       <dgm:spPr>
         <a:ln w="38100">
           <a:solidFill>
@@ -2234,19 +2206,16 @@
         <a:bodyPr/>
         <a:lstStyle/>
         <a:p>
-          <a:r>
-            <a:rPr kumimoji="1" lang="ja-JP" altLang="en-US" dirty="0">
-              <a:solidFill>
-                <a:schemeClr val="tx1">
-                  <a:lumMod val="75000"/>
-                  <a:lumOff val="25000"/>
-                </a:schemeClr>
-              </a:solidFill>
-              <a:latin typeface="メイリオ" panose="020B0604030504040204" pitchFamily="50" charset="-128"/>
-              <a:ea typeface="メイリオ" panose="020B0604030504040204" pitchFamily="50" charset="-128"/>
-            </a:rPr>
-            <a:t>回答登録</a:t>
-          </a:r>
+          <a:endParaRPr kumimoji="1" lang="ja-JP" altLang="en-US" sz="4000" dirty="0">
+            <a:solidFill>
+              <a:schemeClr val="tx1">
+                <a:lumMod val="75000"/>
+                <a:lumOff val="25000"/>
+              </a:schemeClr>
+            </a:solidFill>
+            <a:latin typeface="メイリオ" panose="020B0604030504040204" pitchFamily="50" charset="-128"/>
+            <a:ea typeface="メイリオ" panose="020B0604030504040204" pitchFamily="50" charset="-128"/>
+          </a:endParaRPr>
         </a:p>
       </dgm:t>
     </dgm:pt>
@@ -2285,45 +2254,16 @@
         <a:bodyPr/>
         <a:lstStyle/>
         <a:p>
-          <a:r>
-            <a:rPr kumimoji="1" lang="ja-JP" altLang="en-US" dirty="0">
-              <a:solidFill>
-                <a:schemeClr val="tx1">
-                  <a:lumMod val="75000"/>
-                  <a:lumOff val="25000"/>
-                </a:schemeClr>
-              </a:solidFill>
-              <a:latin typeface="メイリオ" panose="020B0604030504040204" pitchFamily="50" charset="-128"/>
-              <a:ea typeface="メイリオ" panose="020B0604030504040204" pitchFamily="50" charset="-128"/>
-            </a:rPr>
-            <a:t>回答の更新</a:t>
-          </a:r>
-          <a:r>
-            <a:rPr kumimoji="1" lang="en-US" altLang="ja-JP" dirty="0">
-              <a:solidFill>
-                <a:schemeClr val="tx1">
-                  <a:lumMod val="75000"/>
-                  <a:lumOff val="25000"/>
-                </a:schemeClr>
-              </a:solidFill>
-              <a:latin typeface="メイリオ" panose="020B0604030504040204" pitchFamily="50" charset="-128"/>
-              <a:ea typeface="メイリオ" panose="020B0604030504040204" pitchFamily="50" charset="-128"/>
-            </a:rPr>
-            <a:t>/</a:t>
-          </a:r>
-          <a:r>
-            <a:rPr kumimoji="1" lang="ja-JP" altLang="en-US" dirty="0">
-              <a:solidFill>
-                <a:schemeClr val="tx1">
-                  <a:lumMod val="75000"/>
-                  <a:lumOff val="25000"/>
-                </a:schemeClr>
-              </a:solidFill>
-              <a:latin typeface="メイリオ" panose="020B0604030504040204" pitchFamily="50" charset="-128"/>
-              <a:ea typeface="メイリオ" panose="020B0604030504040204" pitchFamily="50" charset="-128"/>
-            </a:rPr>
-            <a:t>削除</a:t>
-          </a:r>
+          <a:endParaRPr kumimoji="1" lang="ja-JP" altLang="en-US" dirty="0">
+            <a:solidFill>
+              <a:schemeClr val="tx1">
+                <a:lumMod val="75000"/>
+                <a:lumOff val="25000"/>
+              </a:schemeClr>
+            </a:solidFill>
+            <a:latin typeface="メイリオ" panose="020B0604030504040204" pitchFamily="50" charset="-128"/>
+            <a:ea typeface="メイリオ" panose="020B0604030504040204" pitchFamily="50" charset="-128"/>
+          </a:endParaRPr>
         </a:p>
       </dgm:t>
     </dgm:pt>
@@ -2362,19 +2302,16 @@
         <a:bodyPr/>
         <a:lstStyle/>
         <a:p>
-          <a:r>
-            <a:rPr kumimoji="1" lang="ja-JP" altLang="en-US" dirty="0">
-              <a:solidFill>
-                <a:schemeClr val="tx1">
-                  <a:lumMod val="75000"/>
-                  <a:lumOff val="25000"/>
-                </a:schemeClr>
-              </a:solidFill>
-              <a:latin typeface="メイリオ" panose="020B0604030504040204" pitchFamily="50" charset="-128"/>
-              <a:ea typeface="メイリオ" panose="020B0604030504040204" pitchFamily="50" charset="-128"/>
-            </a:rPr>
-            <a:t>回答履歴一覧</a:t>
-          </a:r>
+          <a:endParaRPr kumimoji="1" lang="ja-JP" altLang="en-US" dirty="0">
+            <a:solidFill>
+              <a:schemeClr val="tx1">
+                <a:lumMod val="75000"/>
+                <a:lumOff val="25000"/>
+              </a:schemeClr>
+            </a:solidFill>
+            <a:latin typeface="メイリオ" panose="020B0604030504040204" pitchFamily="50" charset="-128"/>
+            <a:ea typeface="メイリオ" panose="020B0604030504040204" pitchFamily="50" charset="-128"/>
+          </a:endParaRPr>
         </a:p>
       </dgm:t>
     </dgm:pt>
@@ -2719,45 +2656,16 @@
             </a:spcAft>
             <a:buNone/>
           </a:pPr>
-          <a:r>
-            <a:rPr kumimoji="1" lang="ja-JP" altLang="en-US" sz="2800" kern="1200" dirty="0">
-              <a:solidFill>
-                <a:schemeClr val="tx1">
-                  <a:lumMod val="75000"/>
-                  <a:lumOff val="25000"/>
-                </a:schemeClr>
-              </a:solidFill>
-              <a:latin typeface="メイリオ" panose="020B0604030504040204" pitchFamily="50" charset="-128"/>
-              <a:ea typeface="メイリオ" panose="020B0604030504040204" pitchFamily="50" charset="-128"/>
-            </a:rPr>
-            <a:t>質問更新</a:t>
-          </a:r>
-          <a:r>
-            <a:rPr kumimoji="1" lang="en-US" altLang="ja-JP" sz="2800" kern="1200" dirty="0">
-              <a:solidFill>
-                <a:schemeClr val="tx1">
-                  <a:lumMod val="75000"/>
-                  <a:lumOff val="25000"/>
-                </a:schemeClr>
-              </a:solidFill>
-              <a:latin typeface="メイリオ" panose="020B0604030504040204" pitchFamily="50" charset="-128"/>
-              <a:ea typeface="メイリオ" panose="020B0604030504040204" pitchFamily="50" charset="-128"/>
-            </a:rPr>
-            <a:t>/</a:t>
-          </a:r>
-          <a:r>
-            <a:rPr kumimoji="1" lang="ja-JP" altLang="en-US" sz="2800" kern="1200" dirty="0">
-              <a:solidFill>
-                <a:schemeClr val="tx1">
-                  <a:lumMod val="75000"/>
-                  <a:lumOff val="25000"/>
-                </a:schemeClr>
-              </a:solidFill>
-              <a:latin typeface="メイリオ" panose="020B0604030504040204" pitchFamily="50" charset="-128"/>
-              <a:ea typeface="メイリオ" panose="020B0604030504040204" pitchFamily="50" charset="-128"/>
-            </a:rPr>
-            <a:t>削除</a:t>
-          </a:r>
+          <a:endParaRPr kumimoji="1" lang="ja-JP" altLang="en-US" sz="2800" kern="1200" dirty="0">
+            <a:solidFill>
+              <a:schemeClr val="tx1">
+                <a:lumMod val="75000"/>
+                <a:lumOff val="25000"/>
+              </a:schemeClr>
+            </a:solidFill>
+            <a:latin typeface="メイリオ" panose="020B0604030504040204" pitchFamily="50" charset="-128"/>
+            <a:ea typeface="メイリオ" panose="020B0604030504040204" pitchFamily="50" charset="-128"/>
+          </a:endParaRPr>
         </a:p>
       </dsp:txBody>
       <dsp:txXfrm>
@@ -3013,19 +2921,16 @@
             </a:spcAft>
             <a:buNone/>
           </a:pPr>
-          <a:r>
-            <a:rPr kumimoji="1" lang="ja-JP" altLang="en-US" sz="2800" kern="1200" dirty="0">
-              <a:solidFill>
-                <a:schemeClr val="tx1">
-                  <a:lumMod val="75000"/>
-                  <a:lumOff val="25000"/>
-                </a:schemeClr>
-              </a:solidFill>
-              <a:latin typeface="メイリオ" panose="020B0604030504040204" pitchFamily="50" charset="-128"/>
-              <a:ea typeface="メイリオ" panose="020B0604030504040204" pitchFamily="50" charset="-128"/>
-            </a:rPr>
-            <a:t>質問履歴一覧</a:t>
-          </a:r>
+          <a:endParaRPr kumimoji="1" lang="ja-JP" altLang="en-US" sz="2800" kern="1200" dirty="0">
+            <a:solidFill>
+              <a:schemeClr val="tx1">
+                <a:lumMod val="75000"/>
+                <a:lumOff val="25000"/>
+              </a:schemeClr>
+            </a:solidFill>
+            <a:latin typeface="メイリオ" panose="020B0604030504040204" pitchFamily="50" charset="-128"/>
+            <a:ea typeface="メイリオ" panose="020B0604030504040204" pitchFamily="50" charset="-128"/>
+          </a:endParaRPr>
         </a:p>
       </dsp:txBody>
       <dsp:txXfrm>
@@ -3142,12 +3047,12 @@
         </a:fontRef>
       </dsp:style>
       <dsp:txBody>
-        <a:bodyPr spcFirstLastPara="0" vert="horz" wrap="square" lIns="95250" tIns="95250" rIns="95250" bIns="95250" numCol="1" spcCol="1270" anchor="ctr" anchorCtr="0">
+        <a:bodyPr spcFirstLastPara="0" vert="horz" wrap="square" lIns="152400" tIns="152400" rIns="152400" bIns="152400" numCol="1" spcCol="1270" anchor="ctr" anchorCtr="0">
           <a:noAutofit/>
         </a:bodyPr>
         <a:lstStyle/>
         <a:p>
-          <a:pPr marL="0" lvl="0" indent="0" algn="l" defTabSz="1111250">
+          <a:pPr marL="0" lvl="0" indent="0" algn="l" defTabSz="1778000">
             <a:lnSpc>
               <a:spcPct val="90000"/>
             </a:lnSpc>
@@ -3159,19 +3064,16 @@
             </a:spcAft>
             <a:buNone/>
           </a:pPr>
-          <a:r>
-            <a:rPr kumimoji="1" lang="ja-JP" altLang="en-US" sz="2500" kern="1200" dirty="0">
-              <a:solidFill>
-                <a:schemeClr val="tx1">
-                  <a:lumMod val="75000"/>
-                  <a:lumOff val="25000"/>
-                </a:schemeClr>
-              </a:solidFill>
-              <a:latin typeface="メイリオ" panose="020B0604030504040204" pitchFamily="50" charset="-128"/>
-              <a:ea typeface="メイリオ" panose="020B0604030504040204" pitchFamily="50" charset="-128"/>
-            </a:rPr>
-            <a:t>回答登録</a:t>
-          </a:r>
+          <a:endParaRPr kumimoji="1" lang="ja-JP" altLang="en-US" sz="4000" kern="1200" dirty="0">
+            <a:solidFill>
+              <a:schemeClr val="tx1">
+                <a:lumMod val="75000"/>
+                <a:lumOff val="25000"/>
+              </a:schemeClr>
+            </a:solidFill>
+            <a:latin typeface="メイリオ" panose="020B0604030504040204" pitchFamily="50" charset="-128"/>
+            <a:ea typeface="メイリオ" panose="020B0604030504040204" pitchFamily="50" charset="-128"/>
+          </a:endParaRPr>
         </a:p>
       </dsp:txBody>
       <dsp:txXfrm>
@@ -3276,12 +3178,12 @@
         </a:fontRef>
       </dsp:style>
       <dsp:txBody>
-        <a:bodyPr spcFirstLastPara="0" vert="horz" wrap="square" lIns="95250" tIns="95250" rIns="95250" bIns="95250" numCol="1" spcCol="1270" anchor="ctr" anchorCtr="0">
+        <a:bodyPr spcFirstLastPara="0" vert="horz" wrap="square" lIns="156210" tIns="156210" rIns="156210" bIns="156210" numCol="1" spcCol="1270" anchor="ctr" anchorCtr="0">
           <a:noAutofit/>
         </a:bodyPr>
         <a:lstStyle/>
         <a:p>
-          <a:pPr marL="0" lvl="0" indent="0" algn="l" defTabSz="1111250">
+          <a:pPr marL="0" lvl="0" indent="0" algn="l" defTabSz="1822450">
             <a:lnSpc>
               <a:spcPct val="90000"/>
             </a:lnSpc>
@@ -3293,45 +3195,16 @@
             </a:spcAft>
             <a:buNone/>
           </a:pPr>
-          <a:r>
-            <a:rPr kumimoji="1" lang="ja-JP" altLang="en-US" sz="2500" kern="1200" dirty="0">
-              <a:solidFill>
-                <a:schemeClr val="tx1">
-                  <a:lumMod val="75000"/>
-                  <a:lumOff val="25000"/>
-                </a:schemeClr>
-              </a:solidFill>
-              <a:latin typeface="メイリオ" panose="020B0604030504040204" pitchFamily="50" charset="-128"/>
-              <a:ea typeface="メイリオ" panose="020B0604030504040204" pitchFamily="50" charset="-128"/>
-            </a:rPr>
-            <a:t>回答の更新</a:t>
-          </a:r>
-          <a:r>
-            <a:rPr kumimoji="1" lang="en-US" altLang="ja-JP" sz="2500" kern="1200" dirty="0">
-              <a:solidFill>
-                <a:schemeClr val="tx1">
-                  <a:lumMod val="75000"/>
-                  <a:lumOff val="25000"/>
-                </a:schemeClr>
-              </a:solidFill>
-              <a:latin typeface="メイリオ" panose="020B0604030504040204" pitchFamily="50" charset="-128"/>
-              <a:ea typeface="メイリオ" panose="020B0604030504040204" pitchFamily="50" charset="-128"/>
-            </a:rPr>
-            <a:t>/</a:t>
-          </a:r>
-          <a:r>
-            <a:rPr kumimoji="1" lang="ja-JP" altLang="en-US" sz="2500" kern="1200" dirty="0">
-              <a:solidFill>
-                <a:schemeClr val="tx1">
-                  <a:lumMod val="75000"/>
-                  <a:lumOff val="25000"/>
-                </a:schemeClr>
-              </a:solidFill>
-              <a:latin typeface="メイリオ" panose="020B0604030504040204" pitchFamily="50" charset="-128"/>
-              <a:ea typeface="メイリオ" panose="020B0604030504040204" pitchFamily="50" charset="-128"/>
-            </a:rPr>
-            <a:t>削除</a:t>
-          </a:r>
+          <a:endParaRPr kumimoji="1" lang="ja-JP" altLang="en-US" sz="4100" kern="1200" dirty="0">
+            <a:solidFill>
+              <a:schemeClr val="tx1">
+                <a:lumMod val="75000"/>
+                <a:lumOff val="25000"/>
+              </a:schemeClr>
+            </a:solidFill>
+            <a:latin typeface="メイリオ" panose="020B0604030504040204" pitchFamily="50" charset="-128"/>
+            <a:ea typeface="メイリオ" panose="020B0604030504040204" pitchFamily="50" charset="-128"/>
+          </a:endParaRPr>
         </a:p>
       </dsp:txBody>
       <dsp:txXfrm>
@@ -3436,12 +3309,12 @@
         </a:fontRef>
       </dsp:style>
       <dsp:txBody>
-        <a:bodyPr spcFirstLastPara="0" vert="horz" wrap="square" lIns="95250" tIns="95250" rIns="95250" bIns="95250" numCol="1" spcCol="1270" anchor="ctr" anchorCtr="0">
+        <a:bodyPr spcFirstLastPara="0" vert="horz" wrap="square" lIns="156210" tIns="156210" rIns="156210" bIns="156210" numCol="1" spcCol="1270" anchor="ctr" anchorCtr="0">
           <a:noAutofit/>
         </a:bodyPr>
         <a:lstStyle/>
         <a:p>
-          <a:pPr marL="0" lvl="0" indent="0" algn="l" defTabSz="1111250">
+          <a:pPr marL="0" lvl="0" indent="0" algn="l" defTabSz="1822450">
             <a:lnSpc>
               <a:spcPct val="90000"/>
             </a:lnSpc>
@@ -3453,19 +3326,16 @@
             </a:spcAft>
             <a:buNone/>
           </a:pPr>
-          <a:r>
-            <a:rPr kumimoji="1" lang="ja-JP" altLang="en-US" sz="2500" kern="1200" dirty="0">
-              <a:solidFill>
-                <a:schemeClr val="tx1">
-                  <a:lumMod val="75000"/>
-                  <a:lumOff val="25000"/>
-                </a:schemeClr>
-              </a:solidFill>
-              <a:latin typeface="メイリオ" panose="020B0604030504040204" pitchFamily="50" charset="-128"/>
-              <a:ea typeface="メイリオ" panose="020B0604030504040204" pitchFamily="50" charset="-128"/>
-            </a:rPr>
-            <a:t>回答履歴一覧</a:t>
-          </a:r>
+          <a:endParaRPr kumimoji="1" lang="ja-JP" altLang="en-US" sz="4100" kern="1200" dirty="0">
+            <a:solidFill>
+              <a:schemeClr val="tx1">
+                <a:lumMod val="75000"/>
+                <a:lumOff val="25000"/>
+              </a:schemeClr>
+            </a:solidFill>
+            <a:latin typeface="メイリオ" panose="020B0604030504040204" pitchFamily="50" charset="-128"/>
+            <a:ea typeface="メイリオ" panose="020B0604030504040204" pitchFamily="50" charset="-128"/>
+          </a:endParaRPr>
         </a:p>
       </dsp:txBody>
       <dsp:txXfrm>
@@ -10178,424 +10048,6 @@
       </p:grpSpPr>
       <p:sp>
         <p:nvSpPr>
-          <p:cNvPr id="2" name="スライド番号プレースホルダー 1">
-            <a:extLst>
-              <a:ext uri="{FF2B5EF4-FFF2-40B4-BE49-F238E27FC236}">
-                <a16:creationId xmlns:a16="http://schemas.microsoft.com/office/drawing/2014/main" id="{5EDAD6F2-BCE5-4B4E-8194-B1F519D71F2A}"/>
-              </a:ext>
-            </a:extLst>
-          </p:cNvPr>
-          <p:cNvSpPr>
-            <a:spLocks noGrp="1"/>
-          </p:cNvSpPr>
-          <p:nvPr>
-            <p:ph type="sldNum" sz="quarter" idx="12"/>
-          </p:nvPr>
-        </p:nvSpPr>
-        <p:spPr/>
-        <p:txBody>
-          <a:bodyPr/>
-          <a:lstStyle/>
-          <a:p>
-            <a:fld id="{28B3E1AD-D654-41ED-B122-F068B9548232}" type="slidenum">
-              <a:rPr kumimoji="1" lang="ja-JP" altLang="en-US" smtClean="0"/>
-              <a:t>10</a:t>
-            </a:fld>
-            <a:endParaRPr kumimoji="1" lang="ja-JP" altLang="en-US"/>
-          </a:p>
-        </p:txBody>
-      </p:sp>
-      <p:sp>
-        <p:nvSpPr>
-          <p:cNvPr id="3" name="テキスト ボックス 2">
-            <a:extLst>
-              <a:ext uri="{FF2B5EF4-FFF2-40B4-BE49-F238E27FC236}">
-                <a16:creationId xmlns:a16="http://schemas.microsoft.com/office/drawing/2014/main" id="{0E7CB219-2C12-4E39-B493-635B21830090}"/>
-              </a:ext>
-            </a:extLst>
-          </p:cNvPr>
-          <p:cNvSpPr txBox="1"/>
-          <p:nvPr/>
-        </p:nvSpPr>
-        <p:spPr>
-          <a:xfrm>
-            <a:off x="764498" y="659567"/>
-            <a:ext cx="3043004" cy="369332"/>
-          </a:xfrm>
-          <a:prstGeom prst="rect">
-            <a:avLst/>
-          </a:prstGeom>
-        </p:spPr>
-        <p:style>
-          <a:lnRef idx="2">
-            <a:schemeClr val="accent1"/>
-          </a:lnRef>
-          <a:fillRef idx="1">
-            <a:schemeClr val="lt1"/>
-          </a:fillRef>
-          <a:effectRef idx="0">
-            <a:schemeClr val="accent1"/>
-          </a:effectRef>
-          <a:fontRef idx="minor">
-            <a:schemeClr val="dk1"/>
-          </a:fontRef>
-        </p:style>
-        <p:txBody>
-          <a:bodyPr wrap="square" rtlCol="0">
-            <a:spAutoFit/>
-          </a:bodyPr>
-          <a:lstStyle/>
-          <a:p>
-            <a:r>
-              <a:rPr kumimoji="1" lang="ja-JP" altLang="en-US" dirty="0"/>
-              <a:t>講師</a:t>
-            </a:r>
-          </a:p>
-        </p:txBody>
-      </p:sp>
-      <p:sp>
-        <p:nvSpPr>
-          <p:cNvPr id="4" name="テキスト ボックス 3">
-            <a:extLst>
-              <a:ext uri="{FF2B5EF4-FFF2-40B4-BE49-F238E27FC236}">
-                <a16:creationId xmlns:a16="http://schemas.microsoft.com/office/drawing/2014/main" id="{66EA797D-CE86-4EBB-8661-32C62DA40848}"/>
-              </a:ext>
-            </a:extLst>
-          </p:cNvPr>
-          <p:cNvSpPr txBox="1"/>
-          <p:nvPr/>
-        </p:nvSpPr>
-        <p:spPr>
-          <a:xfrm>
-            <a:off x="764498" y="3496397"/>
-            <a:ext cx="3043004" cy="369332"/>
-          </a:xfrm>
-          <a:prstGeom prst="rect">
-            <a:avLst/>
-          </a:prstGeom>
-        </p:spPr>
-        <p:style>
-          <a:lnRef idx="2">
-            <a:schemeClr val="accent1"/>
-          </a:lnRef>
-          <a:fillRef idx="1">
-            <a:schemeClr val="lt1"/>
-          </a:fillRef>
-          <a:effectRef idx="0">
-            <a:schemeClr val="accent1"/>
-          </a:effectRef>
-          <a:fontRef idx="minor">
-            <a:schemeClr val="dk1"/>
-          </a:fontRef>
-        </p:style>
-        <p:txBody>
-          <a:bodyPr wrap="square" rtlCol="0">
-            <a:spAutoFit/>
-          </a:bodyPr>
-          <a:lstStyle/>
-          <a:p>
-            <a:r>
-              <a:rPr kumimoji="1" lang="en-US" altLang="ja-JP" dirty="0"/>
-              <a:t>SEPLUS</a:t>
-            </a:r>
-            <a:endParaRPr kumimoji="1" lang="ja-JP" altLang="en-US" dirty="0"/>
-          </a:p>
-        </p:txBody>
-      </p:sp>
-      <p:sp>
-        <p:nvSpPr>
-          <p:cNvPr id="5" name="テキスト ボックス 4">
-            <a:extLst>
-              <a:ext uri="{FF2B5EF4-FFF2-40B4-BE49-F238E27FC236}">
-                <a16:creationId xmlns:a16="http://schemas.microsoft.com/office/drawing/2014/main" id="{7B12F31F-7ACD-4BA4-A152-10F0E9403B29}"/>
-              </a:ext>
-            </a:extLst>
-          </p:cNvPr>
-          <p:cNvSpPr txBox="1"/>
-          <p:nvPr/>
-        </p:nvSpPr>
-        <p:spPr>
-          <a:xfrm>
-            <a:off x="858893" y="4052314"/>
-            <a:ext cx="5897218" cy="1036181"/>
-          </a:xfrm>
-          <a:prstGeom prst="rect">
-            <a:avLst/>
-          </a:prstGeom>
-          <a:noFill/>
-        </p:spPr>
-        <p:txBody>
-          <a:bodyPr wrap="square" rtlCol="0">
-            <a:spAutoFit/>
-          </a:bodyPr>
-          <a:lstStyle/>
-          <a:p>
-            <a:pPr marL="533400" indent="-533400" algn="just">
-              <a:lnSpc>
-                <a:spcPct val="150000"/>
-              </a:lnSpc>
-            </a:pPr>
-            <a:r>
-              <a:rPr lang="en-US" altLang="ja-JP" sz="3200" kern="100" baseline="-25000" dirty="0">
-                <a:effectLst/>
-                <a:latin typeface="メイリオ" panose="020B0604030504040204" pitchFamily="50" charset="-128"/>
-                <a:ea typeface="メイリオ" panose="020B0604030504040204" pitchFamily="50" charset="-128"/>
-                <a:cs typeface="Times New Roman" panose="02020603050405020304" pitchFamily="18" charset="0"/>
-              </a:rPr>
-              <a:t>Q</a:t>
-            </a:r>
-            <a:r>
-              <a:rPr lang="ja-JP" altLang="ja-JP" sz="3200" kern="100" baseline="-25000" dirty="0">
-                <a:effectLst/>
-                <a:latin typeface="メイリオ" panose="020B0604030504040204" pitchFamily="50" charset="-128"/>
-                <a:ea typeface="メイリオ" panose="020B0604030504040204" pitchFamily="50" charset="-128"/>
-                <a:cs typeface="Times New Roman" panose="02020603050405020304" pitchFamily="18" charset="0"/>
-              </a:rPr>
-              <a:t>：今まで</a:t>
-            </a:r>
-            <a:r>
-              <a:rPr lang="ja-JP" altLang="en-US" sz="3200" kern="100" baseline="-25000" dirty="0">
-                <a:effectLst/>
-                <a:latin typeface="メイリオ" panose="020B0604030504040204" pitchFamily="50" charset="-128"/>
-                <a:ea typeface="メイリオ" panose="020B0604030504040204" pitchFamily="50" charset="-128"/>
-                <a:cs typeface="Times New Roman" panose="02020603050405020304" pitchFamily="18" charset="0"/>
-              </a:rPr>
-              <a:t>の</a:t>
-            </a:r>
-            <a:r>
-              <a:rPr lang="ja-JP" altLang="ja-JP" sz="3200" kern="100" baseline="-25000" dirty="0">
-                <a:effectLst/>
-                <a:latin typeface="メイリオ" panose="020B0604030504040204" pitchFamily="50" charset="-128"/>
-                <a:ea typeface="メイリオ" panose="020B0604030504040204" pitchFamily="50" charset="-128"/>
-                <a:cs typeface="Times New Roman" panose="02020603050405020304" pitchFamily="18" charset="0"/>
-              </a:rPr>
-              <a:t>質問</a:t>
-            </a:r>
-            <a:r>
-              <a:rPr lang="ja-JP" altLang="en-US" sz="3200" kern="100" baseline="-25000" dirty="0">
-                <a:effectLst/>
-                <a:latin typeface="メイリオ" panose="020B0604030504040204" pitchFamily="50" charset="-128"/>
-                <a:ea typeface="メイリオ" panose="020B0604030504040204" pitchFamily="50" charset="-128"/>
-                <a:cs typeface="Times New Roman" panose="02020603050405020304" pitchFamily="18" charset="0"/>
-              </a:rPr>
-              <a:t>は</a:t>
-            </a:r>
-            <a:r>
-              <a:rPr lang="ja-JP" altLang="ja-JP" sz="3200" kern="100" baseline="-25000" dirty="0">
-                <a:effectLst/>
-                <a:latin typeface="メイリオ" panose="020B0604030504040204" pitchFamily="50" charset="-128"/>
-                <a:ea typeface="メイリオ" panose="020B0604030504040204" pitchFamily="50" charset="-128"/>
-                <a:cs typeface="Times New Roman" panose="02020603050405020304" pitchFamily="18" charset="0"/>
-              </a:rPr>
-              <a:t>蓄積</a:t>
-            </a:r>
-            <a:r>
-              <a:rPr lang="ja-JP" altLang="en-US" sz="3200" kern="100" baseline="-25000" dirty="0">
-                <a:effectLst/>
-                <a:latin typeface="メイリオ" panose="020B0604030504040204" pitchFamily="50" charset="-128"/>
-                <a:ea typeface="メイリオ" panose="020B0604030504040204" pitchFamily="50" charset="-128"/>
-                <a:cs typeface="Times New Roman" panose="02020603050405020304" pitchFamily="18" charset="0"/>
-              </a:rPr>
-              <a:t>できているか</a:t>
-            </a:r>
-            <a:endParaRPr lang="ja-JP" altLang="ja-JP" sz="3200" kern="100" baseline="-25000" dirty="0">
-              <a:effectLst/>
-              <a:latin typeface="メイリオ" panose="020B0604030504040204" pitchFamily="50" charset="-128"/>
-              <a:ea typeface="メイリオ" panose="020B0604030504040204" pitchFamily="50" charset="-128"/>
-              <a:cs typeface="Times New Roman" panose="02020603050405020304" pitchFamily="18" charset="0"/>
-            </a:endParaRPr>
-          </a:p>
-          <a:p>
-            <a:pPr marL="533400" indent="-533400" algn="just">
-              <a:lnSpc>
-                <a:spcPct val="150000"/>
-              </a:lnSpc>
-            </a:pPr>
-            <a:r>
-              <a:rPr lang="en-US" altLang="ja-JP" sz="3200" kern="100" baseline="-25000" dirty="0">
-                <a:effectLst/>
-                <a:latin typeface="メイリオ" panose="020B0604030504040204" pitchFamily="50" charset="-128"/>
-                <a:ea typeface="メイリオ" panose="020B0604030504040204" pitchFamily="50" charset="-128"/>
-                <a:cs typeface="Times New Roman" panose="02020603050405020304" pitchFamily="18" charset="0"/>
-              </a:rPr>
-              <a:t>A</a:t>
-            </a:r>
-            <a:r>
-              <a:rPr lang="ja-JP" altLang="ja-JP" sz="3200" kern="100" baseline="-25000" dirty="0">
-                <a:effectLst/>
-                <a:latin typeface="メイリオ" panose="020B0604030504040204" pitchFamily="50" charset="-128"/>
-                <a:ea typeface="メイリオ" panose="020B0604030504040204" pitchFamily="50" charset="-128"/>
-                <a:cs typeface="Times New Roman" panose="02020603050405020304" pitchFamily="18" charset="0"/>
-              </a:rPr>
-              <a:t>：去年までは蓄積できてい</a:t>
-            </a:r>
-            <a:r>
-              <a:rPr lang="ja-JP" altLang="en-US" sz="3200" kern="100" baseline="-25000" dirty="0">
-                <a:effectLst/>
-                <a:latin typeface="メイリオ" panose="020B0604030504040204" pitchFamily="50" charset="-128"/>
-                <a:ea typeface="メイリオ" panose="020B0604030504040204" pitchFamily="50" charset="-128"/>
-                <a:cs typeface="Times New Roman" panose="02020603050405020304" pitchFamily="18" charset="0"/>
-              </a:rPr>
-              <a:t>ない</a:t>
-            </a:r>
-            <a:r>
-              <a:rPr lang="en-US" altLang="ja-JP" sz="3200" kern="100" baseline="-25000" dirty="0">
-                <a:effectLst/>
-                <a:latin typeface="メイリオ" panose="020B0604030504040204" pitchFamily="50" charset="-128"/>
-                <a:ea typeface="メイリオ" panose="020B0604030504040204" pitchFamily="50" charset="-128"/>
-                <a:cs typeface="Times New Roman" panose="02020603050405020304" pitchFamily="18" charset="0"/>
-              </a:rPr>
-              <a:t>…</a:t>
-            </a:r>
-            <a:endParaRPr lang="ja-JP" altLang="ja-JP" sz="3200" kern="100" baseline="-25000" dirty="0">
-              <a:effectLst/>
-              <a:latin typeface="メイリオ" panose="020B0604030504040204" pitchFamily="50" charset="-128"/>
-              <a:ea typeface="メイリオ" panose="020B0604030504040204" pitchFamily="50" charset="-128"/>
-              <a:cs typeface="Times New Roman" panose="02020603050405020304" pitchFamily="18" charset="0"/>
-            </a:endParaRPr>
-          </a:p>
-        </p:txBody>
-      </p:sp>
-    </p:spTree>
-    <p:extLst>
-      <p:ext uri="{BB962C8B-B14F-4D97-AF65-F5344CB8AC3E}">
-        <p14:creationId xmlns:p14="http://schemas.microsoft.com/office/powerpoint/2010/main" val="1986843440"/>
-      </p:ext>
-    </p:extLst>
-  </p:cSld>
-  <p:clrMapOvr>
-    <a:masterClrMapping/>
-  </p:clrMapOvr>
-</p:sld>
-</file>
-
-<file path=ppt/slides/slide11.xml><?xml version="1.0" encoding="utf-8"?>
-<p:sld xmlns:a="http://schemas.openxmlformats.org/drawingml/2006/main" xmlns:r="http://schemas.openxmlformats.org/officeDocument/2006/relationships" xmlns:p="http://schemas.openxmlformats.org/presentationml/2006/main">
-  <p:cSld>
-    <p:spTree>
-      <p:nvGrpSpPr>
-        <p:cNvPr id="1" name=""/>
-        <p:cNvGrpSpPr/>
-        <p:nvPr/>
-      </p:nvGrpSpPr>
-      <p:grpSpPr>
-        <a:xfrm>
-          <a:off x="0" y="0"/>
-          <a:ext cx="0" cy="0"/>
-          <a:chOff x="0" y="0"/>
-          <a:chExt cx="0" cy="0"/>
-        </a:xfrm>
-      </p:grpSpPr>
-      <p:sp>
-        <p:nvSpPr>
-          <p:cNvPr id="2" name="スライド番号プレースホルダー 1">
-            <a:extLst>
-              <a:ext uri="{FF2B5EF4-FFF2-40B4-BE49-F238E27FC236}">
-                <a16:creationId xmlns:a16="http://schemas.microsoft.com/office/drawing/2014/main" id="{F8C97C3F-1642-42D3-B219-1364D5054C19}"/>
-              </a:ext>
-            </a:extLst>
-          </p:cNvPr>
-          <p:cNvSpPr>
-            <a:spLocks noGrp="1"/>
-          </p:cNvSpPr>
-          <p:nvPr>
-            <p:ph type="sldNum" sz="quarter" idx="12"/>
-          </p:nvPr>
-        </p:nvSpPr>
-        <p:spPr/>
-        <p:txBody>
-          <a:bodyPr/>
-          <a:lstStyle/>
-          <a:p>
-            <a:fld id="{28B3E1AD-D654-41ED-B122-F068B9548232}" type="slidenum">
-              <a:rPr kumimoji="1" lang="ja-JP" altLang="en-US" smtClean="0"/>
-              <a:t>11</a:t>
-            </a:fld>
-            <a:endParaRPr kumimoji="1" lang="ja-JP" altLang="en-US"/>
-          </a:p>
-        </p:txBody>
-      </p:sp>
-      <p:sp>
-        <p:nvSpPr>
-          <p:cNvPr id="3" name="正方形/長方形 2">
-            <a:extLst>
-              <a:ext uri="{FF2B5EF4-FFF2-40B4-BE49-F238E27FC236}">
-                <a16:creationId xmlns:a16="http://schemas.microsoft.com/office/drawing/2014/main" id="{DB9F5245-D592-4C98-90C8-CFB9E9AE292C}"/>
-              </a:ext>
-            </a:extLst>
-          </p:cNvPr>
-          <p:cNvSpPr/>
-          <p:nvPr/>
-        </p:nvSpPr>
-        <p:spPr>
-          <a:xfrm>
-            <a:off x="539646" y="494675"/>
-            <a:ext cx="8227859" cy="5636302"/>
-          </a:xfrm>
-          <a:prstGeom prst="rect">
-            <a:avLst/>
-          </a:prstGeom>
-        </p:spPr>
-        <p:style>
-          <a:lnRef idx="2">
-            <a:schemeClr val="accent1">
-              <a:shade val="50000"/>
-            </a:schemeClr>
-          </a:lnRef>
-          <a:fillRef idx="1">
-            <a:schemeClr val="accent1"/>
-          </a:fillRef>
-          <a:effectRef idx="0">
-            <a:schemeClr val="accent1"/>
-          </a:effectRef>
-          <a:fontRef idx="minor">
-            <a:schemeClr val="lt1"/>
-          </a:fontRef>
-        </p:style>
-        <p:txBody>
-          <a:bodyPr rtlCol="0" anchor="ctr"/>
-          <a:lstStyle/>
-          <a:p>
-            <a:pPr algn="ctr"/>
-            <a:r>
-              <a:rPr kumimoji="1" lang="ja-JP" altLang="en-US" dirty="0"/>
-              <a:t>概要</a:t>
-            </a:r>
-          </a:p>
-        </p:txBody>
-      </p:sp>
-    </p:spTree>
-    <p:extLst>
-      <p:ext uri="{BB962C8B-B14F-4D97-AF65-F5344CB8AC3E}">
-        <p14:creationId xmlns:p14="http://schemas.microsoft.com/office/powerpoint/2010/main" val="2610612885"/>
-      </p:ext>
-    </p:extLst>
-  </p:cSld>
-  <p:clrMapOvr>
-    <a:masterClrMapping/>
-  </p:clrMapOvr>
-</p:sld>
-</file>
-
-<file path=ppt/slides/slide12.xml><?xml version="1.0" encoding="utf-8"?>
-<p:sld xmlns:a="http://schemas.openxmlformats.org/drawingml/2006/main" xmlns:r="http://schemas.openxmlformats.org/officeDocument/2006/relationships" xmlns:p="http://schemas.openxmlformats.org/presentationml/2006/main">
-  <p:cSld>
-    <p:spTree>
-      <p:nvGrpSpPr>
-        <p:cNvPr id="1" name=""/>
-        <p:cNvGrpSpPr/>
-        <p:nvPr/>
-      </p:nvGrpSpPr>
-      <p:grpSpPr>
-        <a:xfrm>
-          <a:off x="0" y="0"/>
-          <a:ext cx="0" cy="0"/>
-          <a:chOff x="0" y="0"/>
-          <a:chExt cx="0" cy="0"/>
-        </a:xfrm>
-      </p:grpSpPr>
-      <p:sp>
-        <p:nvSpPr>
           <p:cNvPr id="7" name="正方形/長方形 6">
             <a:extLst>
               <a:ext uri="{FF2B5EF4-FFF2-40B4-BE49-F238E27FC236}">
@@ -10671,7 +10123,7 @@
                   </a:schemeClr>
                 </a:solidFill>
               </a:rPr>
-              <a:t>12</a:t>
+              <a:t>10</a:t>
             </a:fld>
             <a:endParaRPr kumimoji="1" lang="ja-JP" altLang="en-US">
               <a:solidFill>
@@ -10697,7 +10149,7 @@
           <p:nvPr>
             <p:extLst>
               <p:ext uri="{D42A27DB-BD31-4B8C-83A1-F6EECF244321}">
-                <p14:modId xmlns:p14="http://schemas.microsoft.com/office/powerpoint/2010/main" val="1573042499"/>
+                <p14:modId xmlns:p14="http://schemas.microsoft.com/office/powerpoint/2010/main" val="3579363476"/>
               </p:ext>
             </p:extLst>
           </p:nvPr>
@@ -10778,7 +10230,7 @@
           <p:nvPr>
             <p:extLst>
               <p:ext uri="{D42A27DB-BD31-4B8C-83A1-F6EECF244321}">
-                <p14:modId xmlns:p14="http://schemas.microsoft.com/office/powerpoint/2010/main" val="522107628"/>
+                <p14:modId xmlns:p14="http://schemas.microsoft.com/office/powerpoint/2010/main" val="28373657"/>
               </p:ext>
             </p:extLst>
           </p:nvPr>
@@ -11086,6 +10538,524 @@
           </a:p>
         </p:txBody>
       </p:sp>
+      <p:sp>
+        <p:nvSpPr>
+          <p:cNvPr id="4" name="テキスト ボックス 3">
+            <a:extLst>
+              <a:ext uri="{FF2B5EF4-FFF2-40B4-BE49-F238E27FC236}">
+                <a16:creationId xmlns:a16="http://schemas.microsoft.com/office/drawing/2014/main" id="{3BF62601-6400-491A-A5B9-8D5D4B730BD8}"/>
+              </a:ext>
+            </a:extLst>
+          </p:cNvPr>
+          <p:cNvSpPr txBox="1"/>
+          <p:nvPr/>
+        </p:nvSpPr>
+        <p:spPr>
+          <a:xfrm>
+            <a:off x="5293606" y="3575274"/>
+            <a:ext cx="3115338" cy="569387"/>
+          </a:xfrm>
+          <a:prstGeom prst="rect">
+            <a:avLst/>
+          </a:prstGeom>
+          <a:noFill/>
+        </p:spPr>
+        <p:txBody>
+          <a:bodyPr wrap="square" rtlCol="0">
+            <a:spAutoFit/>
+          </a:bodyPr>
+          <a:lstStyle/>
+          <a:p>
+            <a:r>
+              <a:rPr kumimoji="1" lang="ja-JP" altLang="en-US" sz="3100" dirty="0">
+                <a:solidFill>
+                  <a:schemeClr val="tx1">
+                    <a:lumMod val="75000"/>
+                    <a:lumOff val="25000"/>
+                  </a:schemeClr>
+                </a:solidFill>
+                <a:latin typeface="メイリオ" panose="020B0604030504040204" pitchFamily="50" charset="-128"/>
+                <a:ea typeface="メイリオ" panose="020B0604030504040204" pitchFamily="50" charset="-128"/>
+              </a:rPr>
+              <a:t>回答の更新</a:t>
+            </a:r>
+            <a:r>
+              <a:rPr kumimoji="1" lang="en-US" altLang="ja-JP" sz="3100" dirty="0">
+                <a:solidFill>
+                  <a:schemeClr val="tx1">
+                    <a:lumMod val="75000"/>
+                    <a:lumOff val="25000"/>
+                  </a:schemeClr>
+                </a:solidFill>
+                <a:latin typeface="メイリオ" panose="020B0604030504040204" pitchFamily="50" charset="-128"/>
+                <a:ea typeface="メイリオ" panose="020B0604030504040204" pitchFamily="50" charset="-128"/>
+              </a:rPr>
+              <a:t>/</a:t>
+            </a:r>
+            <a:r>
+              <a:rPr kumimoji="1" lang="ja-JP" altLang="en-US" sz="3100" dirty="0">
+                <a:solidFill>
+                  <a:schemeClr val="tx1">
+                    <a:lumMod val="75000"/>
+                    <a:lumOff val="25000"/>
+                  </a:schemeClr>
+                </a:solidFill>
+                <a:latin typeface="メイリオ" panose="020B0604030504040204" pitchFamily="50" charset="-128"/>
+                <a:ea typeface="メイリオ" panose="020B0604030504040204" pitchFamily="50" charset="-128"/>
+              </a:rPr>
+              <a:t>削除</a:t>
+            </a:r>
+          </a:p>
+        </p:txBody>
+      </p:sp>
+      <p:sp>
+        <p:nvSpPr>
+          <p:cNvPr id="16" name="テキスト ボックス 15">
+            <a:extLst>
+              <a:ext uri="{FF2B5EF4-FFF2-40B4-BE49-F238E27FC236}">
+                <a16:creationId xmlns:a16="http://schemas.microsoft.com/office/drawing/2014/main" id="{C245F6DE-8550-4230-B04C-3615E1B7C644}"/>
+              </a:ext>
+            </a:extLst>
+          </p:cNvPr>
+          <p:cNvSpPr txBox="1"/>
+          <p:nvPr/>
+        </p:nvSpPr>
+        <p:spPr>
+          <a:xfrm>
+            <a:off x="5545069" y="5036679"/>
+            <a:ext cx="3115338" cy="584775"/>
+          </a:xfrm>
+          <a:prstGeom prst="rect">
+            <a:avLst/>
+          </a:prstGeom>
+          <a:noFill/>
+        </p:spPr>
+        <p:txBody>
+          <a:bodyPr wrap="square" rtlCol="0">
+            <a:spAutoFit/>
+          </a:bodyPr>
+          <a:lstStyle/>
+          <a:p>
+            <a:r>
+              <a:rPr kumimoji="1" lang="ja-JP" altLang="en-US" sz="3200" dirty="0">
+                <a:solidFill>
+                  <a:schemeClr val="tx1">
+                    <a:lumMod val="75000"/>
+                    <a:lumOff val="25000"/>
+                  </a:schemeClr>
+                </a:solidFill>
+                <a:latin typeface="メイリオ" panose="020B0604030504040204" pitchFamily="50" charset="-128"/>
+                <a:ea typeface="メイリオ" panose="020B0604030504040204" pitchFamily="50" charset="-128"/>
+              </a:rPr>
+              <a:t>回答履歴一覧</a:t>
+            </a:r>
+          </a:p>
+        </p:txBody>
+      </p:sp>
+      <p:sp>
+        <p:nvSpPr>
+          <p:cNvPr id="17" name="テキスト ボックス 16">
+            <a:extLst>
+              <a:ext uri="{FF2B5EF4-FFF2-40B4-BE49-F238E27FC236}">
+                <a16:creationId xmlns:a16="http://schemas.microsoft.com/office/drawing/2014/main" id="{96A4C866-7FC5-4020-BBF9-3CA16CC75E71}"/>
+              </a:ext>
+            </a:extLst>
+          </p:cNvPr>
+          <p:cNvSpPr txBox="1"/>
+          <p:nvPr/>
+        </p:nvSpPr>
+        <p:spPr>
+          <a:xfrm>
+            <a:off x="5293606" y="2218561"/>
+            <a:ext cx="3115338" cy="584775"/>
+          </a:xfrm>
+          <a:prstGeom prst="rect">
+            <a:avLst/>
+          </a:prstGeom>
+          <a:noFill/>
+        </p:spPr>
+        <p:txBody>
+          <a:bodyPr wrap="square" rtlCol="0">
+            <a:spAutoFit/>
+          </a:bodyPr>
+          <a:lstStyle/>
+          <a:p>
+            <a:pPr algn="ctr"/>
+            <a:r>
+              <a:rPr kumimoji="1" lang="ja-JP" altLang="en-US" sz="3200" dirty="0">
+                <a:solidFill>
+                  <a:schemeClr val="tx1">
+                    <a:lumMod val="75000"/>
+                    <a:lumOff val="25000"/>
+                  </a:schemeClr>
+                </a:solidFill>
+                <a:latin typeface="メイリオ" panose="020B0604030504040204" pitchFamily="50" charset="-128"/>
+                <a:ea typeface="メイリオ" panose="020B0604030504040204" pitchFamily="50" charset="-128"/>
+              </a:rPr>
+              <a:t>回答登録</a:t>
+            </a:r>
+          </a:p>
+        </p:txBody>
+      </p:sp>
+      <p:sp>
+        <p:nvSpPr>
+          <p:cNvPr id="18" name="正方形/長方形 17">
+            <a:extLst>
+              <a:ext uri="{FF2B5EF4-FFF2-40B4-BE49-F238E27FC236}">
+                <a16:creationId xmlns:a16="http://schemas.microsoft.com/office/drawing/2014/main" id="{08122F22-8A8E-49EB-9BCB-302EF52B05A5}"/>
+              </a:ext>
+            </a:extLst>
+          </p:cNvPr>
+          <p:cNvSpPr/>
+          <p:nvPr/>
+        </p:nvSpPr>
+        <p:spPr>
+          <a:xfrm>
+            <a:off x="588523" y="1880995"/>
+            <a:ext cx="776451" cy="782692"/>
+          </a:xfrm>
+          <a:prstGeom prst="rect">
+            <a:avLst/>
+          </a:prstGeom>
+          <a:solidFill>
+            <a:schemeClr val="bg1"/>
+          </a:solidFill>
+          <a:ln>
+            <a:solidFill>
+              <a:schemeClr val="bg1"/>
+            </a:solidFill>
+          </a:ln>
+        </p:spPr>
+        <p:style>
+          <a:lnRef idx="2">
+            <a:schemeClr val="accent1">
+              <a:shade val="50000"/>
+            </a:schemeClr>
+          </a:lnRef>
+          <a:fillRef idx="1">
+            <a:schemeClr val="accent1"/>
+          </a:fillRef>
+          <a:effectRef idx="0">
+            <a:schemeClr val="accent1"/>
+          </a:effectRef>
+          <a:fontRef idx="minor">
+            <a:schemeClr val="lt1"/>
+          </a:fontRef>
+        </p:style>
+        <p:txBody>
+          <a:bodyPr rtlCol="0" anchor="ctr"/>
+          <a:lstStyle/>
+          <a:p>
+            <a:pPr algn="ctr"/>
+            <a:endParaRPr kumimoji="1" lang="ja-JP" altLang="en-US">
+              <a:solidFill>
+                <a:schemeClr val="tx1">
+                  <a:lumMod val="75000"/>
+                  <a:lumOff val="25000"/>
+                </a:schemeClr>
+              </a:solidFill>
+            </a:endParaRPr>
+          </a:p>
+        </p:txBody>
+      </p:sp>
+      <p:sp>
+        <p:nvSpPr>
+          <p:cNvPr id="19" name="正方形/長方形 18">
+            <a:extLst>
+              <a:ext uri="{FF2B5EF4-FFF2-40B4-BE49-F238E27FC236}">
+                <a16:creationId xmlns:a16="http://schemas.microsoft.com/office/drawing/2014/main" id="{AD5FCF84-7E4E-4B8B-A919-01A3E07E158E}"/>
+              </a:ext>
+            </a:extLst>
+          </p:cNvPr>
+          <p:cNvSpPr/>
+          <p:nvPr/>
+        </p:nvSpPr>
+        <p:spPr>
+          <a:xfrm>
+            <a:off x="601775" y="2934304"/>
+            <a:ext cx="776451" cy="782692"/>
+          </a:xfrm>
+          <a:prstGeom prst="rect">
+            <a:avLst/>
+          </a:prstGeom>
+          <a:solidFill>
+            <a:schemeClr val="bg1"/>
+          </a:solidFill>
+          <a:ln>
+            <a:solidFill>
+              <a:schemeClr val="bg1"/>
+            </a:solidFill>
+          </a:ln>
+        </p:spPr>
+        <p:style>
+          <a:lnRef idx="2">
+            <a:schemeClr val="accent1">
+              <a:shade val="50000"/>
+            </a:schemeClr>
+          </a:lnRef>
+          <a:fillRef idx="1">
+            <a:schemeClr val="accent1"/>
+          </a:fillRef>
+          <a:effectRef idx="0">
+            <a:schemeClr val="accent1"/>
+          </a:effectRef>
+          <a:fontRef idx="minor">
+            <a:schemeClr val="lt1"/>
+          </a:fontRef>
+        </p:style>
+        <p:txBody>
+          <a:bodyPr rtlCol="0" anchor="ctr"/>
+          <a:lstStyle/>
+          <a:p>
+            <a:pPr algn="ctr"/>
+            <a:endParaRPr kumimoji="1" lang="ja-JP" altLang="en-US">
+              <a:solidFill>
+                <a:schemeClr val="tx1">
+                  <a:lumMod val="75000"/>
+                  <a:lumOff val="25000"/>
+                </a:schemeClr>
+              </a:solidFill>
+            </a:endParaRPr>
+          </a:p>
+        </p:txBody>
+      </p:sp>
+      <p:sp>
+        <p:nvSpPr>
+          <p:cNvPr id="20" name="正方形/長方形 19">
+            <a:extLst>
+              <a:ext uri="{FF2B5EF4-FFF2-40B4-BE49-F238E27FC236}">
+                <a16:creationId xmlns:a16="http://schemas.microsoft.com/office/drawing/2014/main" id="{664772E4-986D-4A3D-A7C4-8A82F81095BB}"/>
+              </a:ext>
+            </a:extLst>
+          </p:cNvPr>
+          <p:cNvSpPr/>
+          <p:nvPr/>
+        </p:nvSpPr>
+        <p:spPr>
+          <a:xfrm>
+            <a:off x="585766" y="3987613"/>
+            <a:ext cx="776451" cy="782692"/>
+          </a:xfrm>
+          <a:prstGeom prst="rect">
+            <a:avLst/>
+          </a:prstGeom>
+          <a:solidFill>
+            <a:schemeClr val="bg1"/>
+          </a:solidFill>
+          <a:ln>
+            <a:solidFill>
+              <a:schemeClr val="bg1"/>
+            </a:solidFill>
+          </a:ln>
+        </p:spPr>
+        <p:style>
+          <a:lnRef idx="2">
+            <a:schemeClr val="accent1">
+              <a:shade val="50000"/>
+            </a:schemeClr>
+          </a:lnRef>
+          <a:fillRef idx="1">
+            <a:schemeClr val="accent1"/>
+          </a:fillRef>
+          <a:effectRef idx="0">
+            <a:schemeClr val="accent1"/>
+          </a:effectRef>
+          <a:fontRef idx="minor">
+            <a:schemeClr val="lt1"/>
+          </a:fontRef>
+        </p:style>
+        <p:txBody>
+          <a:bodyPr rtlCol="0" anchor="ctr"/>
+          <a:lstStyle/>
+          <a:p>
+            <a:pPr algn="ctr"/>
+            <a:endParaRPr kumimoji="1" lang="ja-JP" altLang="en-US">
+              <a:solidFill>
+                <a:schemeClr val="tx1">
+                  <a:lumMod val="75000"/>
+                  <a:lumOff val="25000"/>
+                </a:schemeClr>
+              </a:solidFill>
+            </a:endParaRPr>
+          </a:p>
+        </p:txBody>
+      </p:sp>
+      <p:sp>
+        <p:nvSpPr>
+          <p:cNvPr id="21" name="正方形/長方形 20">
+            <a:extLst>
+              <a:ext uri="{FF2B5EF4-FFF2-40B4-BE49-F238E27FC236}">
+                <a16:creationId xmlns:a16="http://schemas.microsoft.com/office/drawing/2014/main" id="{ADF287D8-F050-4B5B-BBA7-F4F049DA601E}"/>
+              </a:ext>
+            </a:extLst>
+          </p:cNvPr>
+          <p:cNvSpPr/>
+          <p:nvPr/>
+        </p:nvSpPr>
+        <p:spPr>
+          <a:xfrm>
+            <a:off x="636017" y="5014002"/>
+            <a:ext cx="776451" cy="782692"/>
+          </a:xfrm>
+          <a:prstGeom prst="rect">
+            <a:avLst/>
+          </a:prstGeom>
+          <a:solidFill>
+            <a:schemeClr val="bg1"/>
+          </a:solidFill>
+          <a:ln>
+            <a:solidFill>
+              <a:schemeClr val="bg1"/>
+            </a:solidFill>
+          </a:ln>
+        </p:spPr>
+        <p:style>
+          <a:lnRef idx="2">
+            <a:schemeClr val="accent1">
+              <a:shade val="50000"/>
+            </a:schemeClr>
+          </a:lnRef>
+          <a:fillRef idx="1">
+            <a:schemeClr val="accent1"/>
+          </a:fillRef>
+          <a:effectRef idx="0">
+            <a:schemeClr val="accent1"/>
+          </a:effectRef>
+          <a:fontRef idx="minor">
+            <a:schemeClr val="lt1"/>
+          </a:fontRef>
+        </p:style>
+        <p:txBody>
+          <a:bodyPr rtlCol="0" anchor="ctr"/>
+          <a:lstStyle/>
+          <a:p>
+            <a:pPr algn="ctr"/>
+            <a:endParaRPr kumimoji="1" lang="ja-JP" altLang="en-US">
+              <a:solidFill>
+                <a:schemeClr val="tx1">
+                  <a:lumMod val="75000"/>
+                  <a:lumOff val="25000"/>
+                </a:schemeClr>
+              </a:solidFill>
+            </a:endParaRPr>
+          </a:p>
+        </p:txBody>
+      </p:sp>
+      <p:sp>
+        <p:nvSpPr>
+          <p:cNvPr id="5" name="テキスト ボックス 4">
+            <a:extLst>
+              <a:ext uri="{FF2B5EF4-FFF2-40B4-BE49-F238E27FC236}">
+                <a16:creationId xmlns:a16="http://schemas.microsoft.com/office/drawing/2014/main" id="{80B06536-AC18-42AC-B2FD-C00366ED86AF}"/>
+              </a:ext>
+            </a:extLst>
+          </p:cNvPr>
+          <p:cNvSpPr txBox="1"/>
+          <p:nvPr/>
+        </p:nvSpPr>
+        <p:spPr>
+          <a:xfrm>
+            <a:off x="1028213" y="3076442"/>
+            <a:ext cx="2529023" cy="523220"/>
+          </a:xfrm>
+          <a:prstGeom prst="rect">
+            <a:avLst/>
+          </a:prstGeom>
+          <a:noFill/>
+        </p:spPr>
+        <p:txBody>
+          <a:bodyPr wrap="square" rtlCol="0">
+            <a:spAutoFit/>
+          </a:bodyPr>
+          <a:lstStyle/>
+          <a:p>
+            <a:r>
+              <a:rPr kumimoji="1" lang="ja-JP" altLang="en-US" sz="2800" dirty="0">
+                <a:solidFill>
+                  <a:schemeClr val="tx1">
+                    <a:lumMod val="75000"/>
+                    <a:lumOff val="25000"/>
+                  </a:schemeClr>
+                </a:solidFill>
+                <a:latin typeface="メイリオ" panose="020B0604030504040204" pitchFamily="50" charset="-128"/>
+                <a:ea typeface="メイリオ" panose="020B0604030504040204" pitchFamily="50" charset="-128"/>
+              </a:rPr>
+              <a:t>質問更新</a:t>
+            </a:r>
+            <a:r>
+              <a:rPr kumimoji="1" lang="en-US" altLang="ja-JP" sz="2800" dirty="0">
+                <a:solidFill>
+                  <a:schemeClr val="tx1">
+                    <a:lumMod val="75000"/>
+                    <a:lumOff val="25000"/>
+                  </a:schemeClr>
+                </a:solidFill>
+                <a:latin typeface="メイリオ" panose="020B0604030504040204" pitchFamily="50" charset="-128"/>
+                <a:ea typeface="メイリオ" panose="020B0604030504040204" pitchFamily="50" charset="-128"/>
+              </a:rPr>
+              <a:t>/</a:t>
+            </a:r>
+            <a:r>
+              <a:rPr kumimoji="1" lang="ja-JP" altLang="en-US" sz="2800" dirty="0">
+                <a:solidFill>
+                  <a:schemeClr val="tx1">
+                    <a:lumMod val="75000"/>
+                    <a:lumOff val="25000"/>
+                  </a:schemeClr>
+                </a:solidFill>
+                <a:latin typeface="メイリオ" panose="020B0604030504040204" pitchFamily="50" charset="-128"/>
+                <a:ea typeface="メイリオ" panose="020B0604030504040204" pitchFamily="50" charset="-128"/>
+              </a:rPr>
+              <a:t>削除</a:t>
+            </a:r>
+            <a:endParaRPr kumimoji="1" lang="ja-JP" altLang="en-US" sz="2800" dirty="0"/>
+          </a:p>
+        </p:txBody>
+      </p:sp>
+      <p:sp>
+        <p:nvSpPr>
+          <p:cNvPr id="22" name="テキスト ボックス 21">
+            <a:extLst>
+              <a:ext uri="{FF2B5EF4-FFF2-40B4-BE49-F238E27FC236}">
+                <a16:creationId xmlns:a16="http://schemas.microsoft.com/office/drawing/2014/main" id="{B9DBBD22-2EA7-4228-AD8D-A44E639C3351}"/>
+              </a:ext>
+            </a:extLst>
+          </p:cNvPr>
+          <p:cNvSpPr txBox="1"/>
+          <p:nvPr/>
+        </p:nvSpPr>
+        <p:spPr>
+          <a:xfrm>
+            <a:off x="1028213" y="5150250"/>
+            <a:ext cx="2529023" cy="523220"/>
+          </a:xfrm>
+          <a:prstGeom prst="rect">
+            <a:avLst/>
+          </a:prstGeom>
+          <a:noFill/>
+        </p:spPr>
+        <p:txBody>
+          <a:bodyPr wrap="square" rtlCol="0">
+            <a:spAutoFit/>
+          </a:bodyPr>
+          <a:lstStyle/>
+          <a:p>
+            <a:r>
+              <a:rPr kumimoji="1" lang="ja-JP" altLang="en-US" sz="2800" dirty="0">
+                <a:solidFill>
+                  <a:schemeClr val="tx1">
+                    <a:lumMod val="75000"/>
+                    <a:lumOff val="25000"/>
+                  </a:schemeClr>
+                </a:solidFill>
+                <a:latin typeface="メイリオ" panose="020B0604030504040204" pitchFamily="50" charset="-128"/>
+                <a:ea typeface="メイリオ" panose="020B0604030504040204" pitchFamily="50" charset="-128"/>
+              </a:rPr>
+              <a:t>質問履歴一覧</a:t>
+            </a:r>
+          </a:p>
+        </p:txBody>
+      </p:sp>
     </p:spTree>
     <p:extLst>
       <p:ext uri="{BB962C8B-B14F-4D97-AF65-F5344CB8AC3E}">
@@ -11099,7 +11069,7 @@
 </p:sld>
 </file>
 
-<file path=ppt/slides/slide13.xml><?xml version="1.0" encoding="utf-8"?>
+<file path=ppt/slides/slide11.xml><?xml version="1.0" encoding="utf-8"?>
 <p:sld xmlns:a="http://schemas.openxmlformats.org/drawingml/2006/main" xmlns:r="http://schemas.openxmlformats.org/officeDocument/2006/relationships" xmlns:p="http://schemas.openxmlformats.org/presentationml/2006/main">
   <p:cSld>
     <p:spTree>
@@ -11315,7 +11285,7 @@
         </p:blipFill>
         <p:spPr>
           <a:xfrm>
-            <a:off x="4079460" y="2001194"/>
+            <a:off x="4079460" y="1908430"/>
             <a:ext cx="1094072" cy="1094072"/>
           </a:xfrm>
           <a:prstGeom prst="rect">
@@ -11432,9 +11402,53 @@
           <a:p>
             <a:fld id="{28B3E1AD-D654-41ED-B122-F068B9548232}" type="slidenum">
               <a:rPr kumimoji="1" lang="ja-JP" altLang="en-US" smtClean="0"/>
-              <a:t>13</a:t>
+              <a:t>11</a:t>
             </a:fld>
             <a:endParaRPr kumimoji="1" lang="ja-JP" altLang="en-US" dirty="0"/>
+          </a:p>
+        </p:txBody>
+      </p:sp>
+      <p:sp>
+        <p:nvSpPr>
+          <p:cNvPr id="30" name="テキスト ボックス 29">
+            <a:extLst>
+              <a:ext uri="{FF2B5EF4-FFF2-40B4-BE49-F238E27FC236}">
+                <a16:creationId xmlns:a16="http://schemas.microsoft.com/office/drawing/2014/main" id="{3EE70EBE-2027-43B3-88C4-8232F0C7ADF7}"/>
+              </a:ext>
+            </a:extLst>
+          </p:cNvPr>
+          <p:cNvSpPr txBox="1"/>
+          <p:nvPr/>
+        </p:nvSpPr>
+        <p:spPr>
+          <a:xfrm>
+            <a:off x="3880262" y="1495432"/>
+            <a:ext cx="2138082" cy="461665"/>
+          </a:xfrm>
+          <a:prstGeom prst="rect">
+            <a:avLst/>
+          </a:prstGeom>
+          <a:noFill/>
+        </p:spPr>
+        <p:txBody>
+          <a:bodyPr wrap="square" rtlCol="0">
+            <a:spAutoFit/>
+          </a:bodyPr>
+          <a:lstStyle/>
+          <a:p>
+            <a:r>
+              <a:rPr kumimoji="1" lang="ja-JP" altLang="en-US" sz="2400" dirty="0">
+                <a:solidFill>
+                  <a:schemeClr val="tx1">
+                    <a:lumMod val="75000"/>
+                    <a:lumOff val="25000"/>
+                  </a:schemeClr>
+                </a:solidFill>
+                <a:latin typeface="メイリオ" panose="020B0604030504040204" pitchFamily="50" charset="-128"/>
+                <a:ea typeface="メイリオ" panose="020B0604030504040204" pitchFamily="50" charset="-128"/>
+              </a:rPr>
+              <a:t>複合検索</a:t>
+            </a:r>
           </a:p>
         </p:txBody>
       </p:sp>
@@ -11494,6 +11508,221 @@
       </p:sp>
       <p:sp>
         <p:nvSpPr>
+          <p:cNvPr id="32" name="テキスト ボックス 31">
+            <a:extLst>
+              <a:ext uri="{FF2B5EF4-FFF2-40B4-BE49-F238E27FC236}">
+                <a16:creationId xmlns:a16="http://schemas.microsoft.com/office/drawing/2014/main" id="{612FC674-19B4-4FBA-B21C-8A92CBD765C9}"/>
+              </a:ext>
+            </a:extLst>
+          </p:cNvPr>
+          <p:cNvSpPr txBox="1"/>
+          <p:nvPr/>
+        </p:nvSpPr>
+        <p:spPr>
+          <a:xfrm>
+            <a:off x="1141565" y="1199011"/>
+            <a:ext cx="2586186" cy="1138773"/>
+          </a:xfrm>
+          <a:prstGeom prst="rect">
+            <a:avLst/>
+          </a:prstGeom>
+          <a:noFill/>
+        </p:spPr>
+        <p:txBody>
+          <a:bodyPr wrap="square" rtlCol="0">
+            <a:spAutoFit/>
+          </a:bodyPr>
+          <a:lstStyle/>
+          <a:p>
+            <a:endParaRPr kumimoji="1" lang="en-US" altLang="ja-JP" sz="2000" dirty="0">
+              <a:solidFill>
+                <a:schemeClr val="tx1">
+                  <a:lumMod val="75000"/>
+                  <a:lumOff val="25000"/>
+                </a:schemeClr>
+              </a:solidFill>
+              <a:latin typeface="メイリオ" panose="020B0604030504040204" pitchFamily="50" charset="-128"/>
+              <a:ea typeface="メイリオ" panose="020B0604030504040204" pitchFamily="50" charset="-128"/>
+            </a:endParaRPr>
+          </a:p>
+          <a:p>
+            <a:r>
+              <a:rPr kumimoji="1" lang="ja-JP" altLang="en-US" sz="2400" dirty="0">
+                <a:solidFill>
+                  <a:schemeClr val="tx1">
+                    <a:lumMod val="75000"/>
+                    <a:lumOff val="25000"/>
+                  </a:schemeClr>
+                </a:solidFill>
+                <a:latin typeface="メイリオ" panose="020B0604030504040204" pitchFamily="50" charset="-128"/>
+                <a:ea typeface="メイリオ" panose="020B0604030504040204" pitchFamily="50" charset="-128"/>
+              </a:rPr>
+              <a:t>履歴ページ</a:t>
+            </a:r>
+            <a:endParaRPr kumimoji="1" lang="en-US" altLang="ja-JP" sz="2400" dirty="0">
+              <a:solidFill>
+                <a:schemeClr val="tx1">
+                  <a:lumMod val="75000"/>
+                  <a:lumOff val="25000"/>
+                </a:schemeClr>
+              </a:solidFill>
+              <a:latin typeface="メイリオ" panose="020B0604030504040204" pitchFamily="50" charset="-128"/>
+              <a:ea typeface="メイリオ" panose="020B0604030504040204" pitchFamily="50" charset="-128"/>
+            </a:endParaRPr>
+          </a:p>
+          <a:p>
+            <a:r>
+              <a:rPr kumimoji="1" lang="ja-JP" altLang="en-US" sz="2400" dirty="0">
+                <a:solidFill>
+                  <a:schemeClr val="tx1">
+                    <a:lumMod val="75000"/>
+                    <a:lumOff val="25000"/>
+                  </a:schemeClr>
+                </a:solidFill>
+                <a:latin typeface="メイリオ" panose="020B0604030504040204" pitchFamily="50" charset="-128"/>
+                <a:ea typeface="メイリオ" panose="020B0604030504040204" pitchFamily="50" charset="-128"/>
+              </a:rPr>
+              <a:t>完了</a:t>
+            </a:r>
+            <a:r>
+              <a:rPr kumimoji="1" lang="en-US" altLang="ja-JP" sz="2400" dirty="0">
+                <a:solidFill>
+                  <a:schemeClr val="tx1">
+                    <a:lumMod val="75000"/>
+                    <a:lumOff val="25000"/>
+                  </a:schemeClr>
+                </a:solidFill>
+                <a:latin typeface="メイリオ" panose="020B0604030504040204" pitchFamily="50" charset="-128"/>
+                <a:ea typeface="メイリオ" panose="020B0604030504040204" pitchFamily="50" charset="-128"/>
+              </a:rPr>
+              <a:t>/</a:t>
+            </a:r>
+            <a:r>
+              <a:rPr kumimoji="1" lang="ja-JP" altLang="en-US" sz="2400" dirty="0">
+                <a:solidFill>
+                  <a:schemeClr val="tx1">
+                    <a:lumMod val="75000"/>
+                    <a:lumOff val="25000"/>
+                  </a:schemeClr>
+                </a:solidFill>
+                <a:latin typeface="メイリオ" panose="020B0604030504040204" pitchFamily="50" charset="-128"/>
+                <a:ea typeface="メイリオ" panose="020B0604030504040204" pitchFamily="50" charset="-128"/>
+              </a:rPr>
+              <a:t>未完了タグ</a:t>
+            </a:r>
+          </a:p>
+        </p:txBody>
+      </p:sp>
+      <p:sp>
+        <p:nvSpPr>
+          <p:cNvPr id="34" name="テキスト ボックス 33">
+            <a:extLst>
+              <a:ext uri="{FF2B5EF4-FFF2-40B4-BE49-F238E27FC236}">
+                <a16:creationId xmlns:a16="http://schemas.microsoft.com/office/drawing/2014/main" id="{0D3AB49A-3741-40A8-8460-B888725B7E1D}"/>
+              </a:ext>
+            </a:extLst>
+          </p:cNvPr>
+          <p:cNvSpPr txBox="1"/>
+          <p:nvPr/>
+        </p:nvSpPr>
+        <p:spPr>
+          <a:xfrm>
+            <a:off x="7550957" y="4516705"/>
+            <a:ext cx="2138082" cy="461665"/>
+          </a:xfrm>
+          <a:prstGeom prst="rect">
+            <a:avLst/>
+          </a:prstGeom>
+          <a:noFill/>
+        </p:spPr>
+        <p:txBody>
+          <a:bodyPr wrap="square" rtlCol="0">
+            <a:spAutoFit/>
+          </a:bodyPr>
+          <a:lstStyle/>
+          <a:p>
+            <a:r>
+              <a:rPr kumimoji="1" lang="ja-JP" altLang="en-US" sz="2400" dirty="0">
+                <a:solidFill>
+                  <a:schemeClr val="tx1">
+                    <a:lumMod val="75000"/>
+                    <a:lumOff val="25000"/>
+                  </a:schemeClr>
+                </a:solidFill>
+                <a:latin typeface="メイリオ" panose="020B0604030504040204" pitchFamily="50" charset="-128"/>
+                <a:ea typeface="メイリオ" panose="020B0604030504040204" pitchFamily="50" charset="-128"/>
+              </a:rPr>
+              <a:t>スマホ対応</a:t>
+            </a:r>
+            <a:endParaRPr kumimoji="1" lang="ja-JP" altLang="en-US" sz="2000" dirty="0">
+              <a:solidFill>
+                <a:schemeClr val="tx1">
+                  <a:lumMod val="75000"/>
+                  <a:lumOff val="25000"/>
+                </a:schemeClr>
+              </a:solidFill>
+              <a:latin typeface="メイリオ" panose="020B0604030504040204" pitchFamily="50" charset="-128"/>
+              <a:ea typeface="メイリオ" panose="020B0604030504040204" pitchFamily="50" charset="-128"/>
+            </a:endParaRPr>
+          </a:p>
+        </p:txBody>
+      </p:sp>
+      <p:sp>
+        <p:nvSpPr>
+          <p:cNvPr id="35" name="テキスト ボックス 34">
+            <a:extLst>
+              <a:ext uri="{FF2B5EF4-FFF2-40B4-BE49-F238E27FC236}">
+                <a16:creationId xmlns:a16="http://schemas.microsoft.com/office/drawing/2014/main" id="{A520C4EC-121B-4F04-B069-9011B0AF6A7D}"/>
+              </a:ext>
+            </a:extLst>
+          </p:cNvPr>
+          <p:cNvSpPr txBox="1"/>
+          <p:nvPr/>
+        </p:nvSpPr>
+        <p:spPr>
+          <a:xfrm>
+            <a:off x="6031596" y="2000263"/>
+            <a:ext cx="2811034" cy="461665"/>
+          </a:xfrm>
+          <a:prstGeom prst="rect">
+            <a:avLst/>
+          </a:prstGeom>
+          <a:noFill/>
+        </p:spPr>
+        <p:txBody>
+          <a:bodyPr wrap="square" rtlCol="0">
+            <a:spAutoFit/>
+          </a:bodyPr>
+          <a:lstStyle/>
+          <a:p>
+            <a:r>
+              <a:rPr kumimoji="1" lang="ja-JP" altLang="en-US" sz="2400" dirty="0">
+                <a:solidFill>
+                  <a:schemeClr val="tx1">
+                    <a:lumMod val="75000"/>
+                    <a:lumOff val="25000"/>
+                  </a:schemeClr>
+                </a:solidFill>
+                <a:latin typeface="メイリオ" panose="020B0604030504040204" pitchFamily="50" charset="-128"/>
+                <a:ea typeface="メイリオ" panose="020B0604030504040204" pitchFamily="50" charset="-128"/>
+              </a:rPr>
+              <a:t>ダークモード</a:t>
+            </a:r>
+            <a:endParaRPr kumimoji="1" lang="ja-JP" altLang="en-US" sz="2000" dirty="0">
+              <a:solidFill>
+                <a:schemeClr val="tx1">
+                  <a:lumMod val="75000"/>
+                  <a:lumOff val="25000"/>
+                </a:schemeClr>
+              </a:solidFill>
+              <a:latin typeface="メイリオ" panose="020B0604030504040204" pitchFamily="50" charset="-128"/>
+              <a:ea typeface="メイリオ" panose="020B0604030504040204" pitchFamily="50" charset="-128"/>
+            </a:endParaRPr>
+          </a:p>
+        </p:txBody>
+      </p:sp>
+      <p:sp>
+        <p:nvSpPr>
           <p:cNvPr id="36" name="円弧 35">
             <a:extLst>
               <a:ext uri="{FF2B5EF4-FFF2-40B4-BE49-F238E27FC236}">
@@ -11506,7 +11735,7 @@
         </p:nvSpPr>
         <p:spPr>
           <a:xfrm rot="18915434">
-            <a:off x="436595" y="3357811"/>
+            <a:off x="290823" y="3569843"/>
             <a:ext cx="8379801" cy="8158732"/>
           </a:xfrm>
           <a:prstGeom prst="arc">
@@ -11593,8 +11822,8 @@
         </p:nvSpPr>
         <p:spPr>
           <a:xfrm>
-            <a:off x="216018" y="4453445"/>
-            <a:ext cx="2138082" cy="400110"/>
+            <a:off x="38045" y="4382524"/>
+            <a:ext cx="2138082" cy="461665"/>
           </a:xfrm>
           <a:prstGeom prst="rect">
             <a:avLst/>
@@ -11608,7 +11837,7 @@
           <a:lstStyle/>
           <a:p>
             <a:r>
-              <a:rPr kumimoji="1" lang="ja-JP" altLang="en-US" sz="2000" dirty="0">
+              <a:rPr kumimoji="1" lang="ja-JP" altLang="en-US" sz="2400" dirty="0">
                 <a:solidFill>
                   <a:schemeClr val="tx1">
                     <a:lumMod val="75000"/>
@@ -11623,117 +11852,10 @@
           </a:p>
         </p:txBody>
       </p:sp>
-      <p:sp>
-        <p:nvSpPr>
-          <p:cNvPr id="40" name="テキスト ボックス 39">
-            <a:extLst>
-              <a:ext uri="{FF2B5EF4-FFF2-40B4-BE49-F238E27FC236}">
-                <a16:creationId xmlns:a16="http://schemas.microsoft.com/office/drawing/2014/main" id="{085CA469-E1E0-4BD2-BDCD-1E93CE32A559}"/>
-              </a:ext>
-            </a:extLst>
-          </p:cNvPr>
-          <p:cNvSpPr txBox="1"/>
-          <p:nvPr/>
-        </p:nvSpPr>
-        <p:spPr>
-          <a:xfrm>
-            <a:off x="1415513" y="1373183"/>
-            <a:ext cx="2138082" cy="1015663"/>
-          </a:xfrm>
-          <a:prstGeom prst="rect">
-            <a:avLst/>
-          </a:prstGeom>
-          <a:noFill/>
-        </p:spPr>
-        <p:txBody>
-          <a:bodyPr wrap="square" rtlCol="0">
-            <a:spAutoFit/>
-          </a:bodyPr>
-          <a:lstStyle/>
-          <a:p>
-            <a:endParaRPr kumimoji="1" lang="en-US" altLang="ja-JP" sz="2000" dirty="0">
-              <a:solidFill>
-                <a:schemeClr val="tx1">
-                  <a:lumMod val="75000"/>
-                  <a:lumOff val="25000"/>
-                </a:schemeClr>
-              </a:solidFill>
-              <a:latin typeface="メイリオ" panose="020B0604030504040204" pitchFamily="50" charset="-128"/>
-              <a:ea typeface="メイリオ" panose="020B0604030504040204" pitchFamily="50" charset="-128"/>
-            </a:endParaRPr>
-          </a:p>
-          <a:p>
-            <a:r>
-              <a:rPr kumimoji="1" lang="ja-JP" altLang="en-US" sz="2000" dirty="0">
-                <a:solidFill>
-                  <a:schemeClr val="tx1">
-                    <a:lumMod val="75000"/>
-                    <a:lumOff val="25000"/>
-                  </a:schemeClr>
-                </a:solidFill>
-                <a:latin typeface="メイリオ" panose="020B0604030504040204" pitchFamily="50" charset="-128"/>
-                <a:ea typeface="メイリオ" panose="020B0604030504040204" pitchFamily="50" charset="-128"/>
-              </a:rPr>
-              <a:t>履歴を確認</a:t>
-            </a:r>
-            <a:endParaRPr kumimoji="1" lang="en-US" altLang="ja-JP" sz="2000" dirty="0">
-              <a:solidFill>
-                <a:schemeClr val="tx1">
-                  <a:lumMod val="75000"/>
-                  <a:lumOff val="25000"/>
-                </a:schemeClr>
-              </a:solidFill>
-              <a:latin typeface="メイリオ" panose="020B0604030504040204" pitchFamily="50" charset="-128"/>
-              <a:ea typeface="メイリオ" panose="020B0604030504040204" pitchFamily="50" charset="-128"/>
-            </a:endParaRPr>
-          </a:p>
-          <a:p>
-            <a:r>
-              <a:rPr kumimoji="1" lang="ja-JP" altLang="en-US" sz="2000" dirty="0">
-                <a:solidFill>
-                  <a:schemeClr val="tx1">
-                    <a:lumMod val="75000"/>
-                    <a:lumOff val="25000"/>
-                  </a:schemeClr>
-                </a:solidFill>
-                <a:latin typeface="メイリオ" panose="020B0604030504040204" pitchFamily="50" charset="-128"/>
-                <a:ea typeface="メイリオ" panose="020B0604030504040204" pitchFamily="50" charset="-128"/>
-              </a:rPr>
-              <a:t>完了</a:t>
-            </a:r>
-            <a:r>
-              <a:rPr kumimoji="1" lang="en-US" altLang="ja-JP" sz="2000" dirty="0">
-                <a:solidFill>
-                  <a:schemeClr val="tx1">
-                    <a:lumMod val="75000"/>
-                    <a:lumOff val="25000"/>
-                  </a:schemeClr>
-                </a:solidFill>
-                <a:latin typeface="メイリオ" panose="020B0604030504040204" pitchFamily="50" charset="-128"/>
-                <a:ea typeface="メイリオ" panose="020B0604030504040204" pitchFamily="50" charset="-128"/>
-              </a:rPr>
-              <a:t>/</a:t>
-            </a:r>
-            <a:r>
-              <a:rPr kumimoji="1" lang="ja-JP" altLang="en-US" sz="2000" dirty="0">
-                <a:solidFill>
-                  <a:schemeClr val="tx1">
-                    <a:lumMod val="75000"/>
-                    <a:lumOff val="25000"/>
-                  </a:schemeClr>
-                </a:solidFill>
-                <a:latin typeface="メイリオ" panose="020B0604030504040204" pitchFamily="50" charset="-128"/>
-                <a:ea typeface="メイリオ" panose="020B0604030504040204" pitchFamily="50" charset="-128"/>
-              </a:rPr>
-              <a:t>未完了タグ</a:t>
-            </a:r>
-          </a:p>
-        </p:txBody>
-      </p:sp>
     </p:spTree>
     <p:extLst>
       <p:ext uri="{BB962C8B-B14F-4D97-AF65-F5344CB8AC3E}">
-        <p14:creationId xmlns:p14="http://schemas.microsoft.com/office/powerpoint/2010/main" val="2515336206"/>
+        <p14:creationId xmlns:p14="http://schemas.microsoft.com/office/powerpoint/2010/main" val="599529268"/>
       </p:ext>
     </p:extLst>
   </p:cSld>
@@ -11827,7 +11949,7 @@
                                           </p:stCondLst>
                                         </p:cTn>
                                         <p:tgtEl>
-                                          <p:spTgt spid="40"/>
+                                          <p:spTgt spid="32"/>
                                         </p:tgtEl>
                                         <p:attrNameLst>
                                           <p:attrName>style.visibility</p:attrName>
@@ -11841,7 +11963,166 @@
                                       <p:cBhvr>
                                         <p:cTn id="12" dur="500"/>
                                         <p:tgtEl>
-                                          <p:spTgt spid="40"/>
+                                          <p:spTgt spid="32"/>
+                                        </p:tgtEl>
+                                      </p:cBhvr>
+                                    </p:animEffect>
+                                  </p:childTnLst>
+                                </p:cTn>
+                              </p:par>
+                            </p:childTnLst>
+                          </p:cTn>
+                        </p:par>
+                      </p:childTnLst>
+                    </p:cTn>
+                  </p:par>
+                  <p:par>
+                    <p:cTn id="13" fill="hold">
+                      <p:stCondLst>
+                        <p:cond delay="indefinite"/>
+                      </p:stCondLst>
+                      <p:childTnLst>
+                        <p:par>
+                          <p:cTn id="14" fill="hold">
+                            <p:stCondLst>
+                              <p:cond delay="0"/>
+                            </p:stCondLst>
+                            <p:childTnLst>
+                              <p:par>
+                                <p:cTn id="15" presetID="10" presetClass="entr" presetSubtype="0" fill="hold" grpId="0" nodeType="clickEffect">
+                                  <p:stCondLst>
+                                    <p:cond delay="0"/>
+                                  </p:stCondLst>
+                                  <p:childTnLst>
+                                    <p:set>
+                                      <p:cBhvr>
+                                        <p:cTn id="16" dur="1" fill="hold">
+                                          <p:stCondLst>
+                                            <p:cond delay="0"/>
+                                          </p:stCondLst>
+                                        </p:cTn>
+                                        <p:tgtEl>
+                                          <p:spTgt spid="30"/>
+                                        </p:tgtEl>
+                                        <p:attrNameLst>
+                                          <p:attrName>style.visibility</p:attrName>
+                                        </p:attrNameLst>
+                                      </p:cBhvr>
+                                      <p:to>
+                                        <p:strVal val="visible"/>
+                                      </p:to>
+                                    </p:set>
+                                    <p:animEffect transition="in" filter="fade">
+                                      <p:cBhvr>
+                                        <p:cTn id="17" dur="500"/>
+                                        <p:tgtEl>
+                                          <p:spTgt spid="30"/>
+                                        </p:tgtEl>
+                                      </p:cBhvr>
+                                    </p:animEffect>
+                                  </p:childTnLst>
+                                </p:cTn>
+                              </p:par>
+                            </p:childTnLst>
+                          </p:cTn>
+                        </p:par>
+                      </p:childTnLst>
+                    </p:cTn>
+                  </p:par>
+                  <p:par>
+                    <p:cTn id="18" fill="hold">
+                      <p:stCondLst>
+                        <p:cond delay="indefinite"/>
+                      </p:stCondLst>
+                      <p:childTnLst>
+                        <p:par>
+                          <p:cTn id="19" fill="hold">
+                            <p:stCondLst>
+                              <p:cond delay="0"/>
+                            </p:stCondLst>
+                            <p:childTnLst>
+                              <p:par>
+                                <p:cTn id="20" presetID="10" presetClass="entr" presetSubtype="0" fill="hold" grpId="0" nodeType="clickEffect">
+                                  <p:stCondLst>
+                                    <p:cond delay="0"/>
+                                  </p:stCondLst>
+                                  <p:childTnLst>
+                                    <p:set>
+                                      <p:cBhvr>
+                                        <p:cTn id="21" dur="1" fill="hold">
+                                          <p:stCondLst>
+                                            <p:cond delay="0"/>
+                                          </p:stCondLst>
+                                        </p:cTn>
+                                        <p:tgtEl>
+                                          <p:spTgt spid="35"/>
+                                        </p:tgtEl>
+                                        <p:attrNameLst>
+                                          <p:attrName>style.visibility</p:attrName>
+                                        </p:attrNameLst>
+                                      </p:cBhvr>
+                                      <p:to>
+                                        <p:strVal val="visible"/>
+                                      </p:to>
+                                    </p:set>
+                                    <p:animEffect transition="in" filter="fade">
+                                      <p:cBhvr>
+                                        <p:cTn id="22" dur="500"/>
+                                        <p:tgtEl>
+                                          <p:spTgt spid="35"/>
+                                        </p:tgtEl>
+                                      </p:cBhvr>
+                                    </p:animEffect>
+                                  </p:childTnLst>
+                                </p:cTn>
+                              </p:par>
+                            </p:childTnLst>
+                          </p:cTn>
+                        </p:par>
+                      </p:childTnLst>
+                    </p:cTn>
+                  </p:par>
+                  <p:par>
+                    <p:cTn id="23" fill="hold">
+                      <p:stCondLst>
+                        <p:cond delay="indefinite"/>
+                      </p:stCondLst>
+                      <p:childTnLst>
+                        <p:par>
+                          <p:cTn id="24" fill="hold">
+                            <p:stCondLst>
+                              <p:cond delay="0"/>
+                            </p:stCondLst>
+                            <p:childTnLst>
+                              <p:par>
+                                <p:cTn id="25" presetID="10" presetClass="entr" presetSubtype="0" fill="hold" grpId="0" nodeType="clickEffect">
+                                  <p:stCondLst>
+                                    <p:cond delay="0"/>
+                                  </p:stCondLst>
+                                  <p:childTnLst>
+                                    <p:set>
+                                      <p:cBhvr>
+                                        <p:cTn id="26" dur="1" fill="hold">
+                                          <p:stCondLst>
+                                            <p:cond delay="0"/>
+                                          </p:stCondLst>
+                                        </p:cTn>
+                                        <p:tgtEl>
+                                          <p:spTgt spid="34"/>
+                                        </p:tgtEl>
+                                        <p:attrNameLst>
+                                          <p:attrName>style.visibility</p:attrName>
+                                        </p:attrNameLst>
+                                      </p:cBhvr>
+                                      <p:to>
+                                        <p:strVal val="visible"/>
+                                      </p:to>
+                                    </p:set>
+                                    <p:animEffect transition="in" filter="fade">
+                                      <p:cBhvr>
+                                        <p:cTn id="27" dur="500"/>
+                                        <p:tgtEl>
+                                          <p:spTgt spid="34"/>
                                         </p:tgtEl>
                                       </p:cBhvr>
                                     </p:animEffect>
@@ -11876,10 +12157,229 @@
       </p:par>
     </p:tnLst>
     <p:bldLst>
+      <p:bldP spid="30" grpId="0"/>
+      <p:bldP spid="32" grpId="0"/>
+      <p:bldP spid="34" grpId="0"/>
+      <p:bldP spid="35" grpId="0"/>
       <p:bldP spid="39" grpId="0"/>
-      <p:bldP spid="40" grpId="0"/>
     </p:bldLst>
   </p:timing>
+</p:sld>
+</file>
+
+<file path=ppt/slides/slide12.xml><?xml version="1.0" encoding="utf-8"?>
+<p:sld xmlns:a="http://schemas.openxmlformats.org/drawingml/2006/main" xmlns:r="http://schemas.openxmlformats.org/officeDocument/2006/relationships" xmlns:p="http://schemas.openxmlformats.org/presentationml/2006/main">
+  <p:cSld>
+    <p:spTree>
+      <p:nvGrpSpPr>
+        <p:cNvPr id="1" name=""/>
+        <p:cNvGrpSpPr/>
+        <p:nvPr/>
+      </p:nvGrpSpPr>
+      <p:grpSpPr>
+        <a:xfrm>
+          <a:off x="0" y="0"/>
+          <a:ext cx="0" cy="0"/>
+          <a:chOff x="0" y="0"/>
+          <a:chExt cx="0" cy="0"/>
+        </a:xfrm>
+      </p:grpSpPr>
+      <p:sp>
+        <p:nvSpPr>
+          <p:cNvPr id="2" name="スライド番号プレースホルダー 1">
+            <a:extLst>
+              <a:ext uri="{FF2B5EF4-FFF2-40B4-BE49-F238E27FC236}">
+                <a16:creationId xmlns:a16="http://schemas.microsoft.com/office/drawing/2014/main" id="{F8C97C3F-1642-42D3-B219-1364D5054C19}"/>
+              </a:ext>
+            </a:extLst>
+          </p:cNvPr>
+          <p:cNvSpPr>
+            <a:spLocks noGrp="1"/>
+          </p:cNvSpPr>
+          <p:nvPr>
+            <p:ph type="sldNum" sz="quarter" idx="12"/>
+          </p:nvPr>
+        </p:nvSpPr>
+        <p:spPr/>
+        <p:txBody>
+          <a:bodyPr/>
+          <a:lstStyle/>
+          <a:p>
+            <a:fld id="{28B3E1AD-D654-41ED-B122-F068B9548232}" type="slidenum">
+              <a:rPr kumimoji="1" lang="ja-JP" altLang="en-US" smtClean="0"/>
+              <a:t>12</a:t>
+            </a:fld>
+            <a:endParaRPr kumimoji="1" lang="ja-JP" altLang="en-US"/>
+          </a:p>
+        </p:txBody>
+      </p:sp>
+      <p:sp>
+        <p:nvSpPr>
+          <p:cNvPr id="3" name="正方形/長方形 2">
+            <a:extLst>
+              <a:ext uri="{FF2B5EF4-FFF2-40B4-BE49-F238E27FC236}">
+                <a16:creationId xmlns:a16="http://schemas.microsoft.com/office/drawing/2014/main" id="{DB9F5245-D592-4C98-90C8-CFB9E9AE292C}"/>
+              </a:ext>
+            </a:extLst>
+          </p:cNvPr>
+          <p:cNvSpPr/>
+          <p:nvPr/>
+        </p:nvSpPr>
+        <p:spPr>
+          <a:xfrm>
+            <a:off x="539646" y="494675"/>
+            <a:ext cx="8227859" cy="5636302"/>
+          </a:xfrm>
+          <a:prstGeom prst="rect">
+            <a:avLst/>
+          </a:prstGeom>
+        </p:spPr>
+        <p:style>
+          <a:lnRef idx="2">
+            <a:schemeClr val="accent1">
+              <a:shade val="50000"/>
+            </a:schemeClr>
+          </a:lnRef>
+          <a:fillRef idx="1">
+            <a:schemeClr val="accent1"/>
+          </a:fillRef>
+          <a:effectRef idx="0">
+            <a:schemeClr val="accent1"/>
+          </a:effectRef>
+          <a:fontRef idx="minor">
+            <a:schemeClr val="lt1"/>
+          </a:fontRef>
+        </p:style>
+        <p:txBody>
+          <a:bodyPr rtlCol="0" anchor="ctr"/>
+          <a:lstStyle/>
+          <a:p>
+            <a:pPr algn="ctr"/>
+            <a:r>
+              <a:rPr kumimoji="1" lang="ja-JP" altLang="en-US" dirty="0"/>
+              <a:t>デモンストレーション</a:t>
+            </a:r>
+          </a:p>
+        </p:txBody>
+      </p:sp>
+    </p:spTree>
+    <p:extLst>
+      <p:ext uri="{BB962C8B-B14F-4D97-AF65-F5344CB8AC3E}">
+        <p14:creationId xmlns:p14="http://schemas.microsoft.com/office/powerpoint/2010/main" val="2610612885"/>
+      </p:ext>
+    </p:extLst>
+  </p:cSld>
+  <p:clrMapOvr>
+    <a:masterClrMapping/>
+  </p:clrMapOvr>
+</p:sld>
+</file>
+
+<file path=ppt/slides/slide13.xml><?xml version="1.0" encoding="utf-8"?>
+<p:sld xmlns:a="http://schemas.openxmlformats.org/drawingml/2006/main" xmlns:r="http://schemas.openxmlformats.org/officeDocument/2006/relationships" xmlns:p="http://schemas.openxmlformats.org/presentationml/2006/main">
+  <p:cSld>
+    <p:spTree>
+      <p:nvGrpSpPr>
+        <p:cNvPr id="1" name=""/>
+        <p:cNvGrpSpPr/>
+        <p:nvPr/>
+      </p:nvGrpSpPr>
+      <p:grpSpPr>
+        <a:xfrm>
+          <a:off x="0" y="0"/>
+          <a:ext cx="0" cy="0"/>
+          <a:chOff x="0" y="0"/>
+          <a:chExt cx="0" cy="0"/>
+        </a:xfrm>
+      </p:grpSpPr>
+      <p:sp>
+        <p:nvSpPr>
+          <p:cNvPr id="2" name="スライド番号プレースホルダー 1">
+            <a:extLst>
+              <a:ext uri="{FF2B5EF4-FFF2-40B4-BE49-F238E27FC236}">
+                <a16:creationId xmlns:a16="http://schemas.microsoft.com/office/drawing/2014/main" id="{E114EBA8-8AF6-423A-AA6F-7F4FB34896A8}"/>
+              </a:ext>
+            </a:extLst>
+          </p:cNvPr>
+          <p:cNvSpPr>
+            <a:spLocks noGrp="1"/>
+          </p:cNvSpPr>
+          <p:nvPr>
+            <p:ph type="sldNum" sz="quarter" idx="12"/>
+          </p:nvPr>
+        </p:nvSpPr>
+        <p:spPr/>
+        <p:txBody>
+          <a:bodyPr/>
+          <a:lstStyle/>
+          <a:p>
+            <a:fld id="{28B3E1AD-D654-41ED-B122-F068B9548232}" type="slidenum">
+              <a:rPr kumimoji="1" lang="ja-JP" altLang="en-US" smtClean="0"/>
+              <a:t>13</a:t>
+            </a:fld>
+            <a:endParaRPr kumimoji="1" lang="ja-JP" altLang="en-US"/>
+          </a:p>
+        </p:txBody>
+      </p:sp>
+      <p:sp>
+        <p:nvSpPr>
+          <p:cNvPr id="3" name="正方形/長方形 2">
+            <a:extLst>
+              <a:ext uri="{FF2B5EF4-FFF2-40B4-BE49-F238E27FC236}">
+                <a16:creationId xmlns:a16="http://schemas.microsoft.com/office/drawing/2014/main" id="{86DF0276-AA86-4313-9268-604CCB82CA87}"/>
+              </a:ext>
+            </a:extLst>
+          </p:cNvPr>
+          <p:cNvSpPr/>
+          <p:nvPr/>
+        </p:nvSpPr>
+        <p:spPr>
+          <a:xfrm>
+            <a:off x="614597" y="614597"/>
+            <a:ext cx="7989757" cy="4527029"/>
+          </a:xfrm>
+          <a:prstGeom prst="rect">
+            <a:avLst/>
+          </a:prstGeom>
+        </p:spPr>
+        <p:style>
+          <a:lnRef idx="2">
+            <a:schemeClr val="accent1">
+              <a:shade val="50000"/>
+            </a:schemeClr>
+          </a:lnRef>
+          <a:fillRef idx="1">
+            <a:schemeClr val="accent1"/>
+          </a:fillRef>
+          <a:effectRef idx="0">
+            <a:schemeClr val="accent1"/>
+          </a:effectRef>
+          <a:fontRef idx="minor">
+            <a:schemeClr val="lt1"/>
+          </a:fontRef>
+        </p:style>
+        <p:txBody>
+          <a:bodyPr rtlCol="0" anchor="ctr"/>
+          <a:lstStyle/>
+          <a:p>
+            <a:pPr algn="ctr"/>
+            <a:r>
+              <a:rPr kumimoji="1" lang="ja-JP" altLang="en-US" dirty="0"/>
+              <a:t>効果</a:t>
+            </a:r>
+          </a:p>
+        </p:txBody>
+      </p:sp>
+    </p:spTree>
+    <p:extLst>
+      <p:ext uri="{BB962C8B-B14F-4D97-AF65-F5344CB8AC3E}">
+        <p14:creationId xmlns:p14="http://schemas.microsoft.com/office/powerpoint/2010/main" val="2103237237"/>
+      </p:ext>
+    </p:extLst>
+  </p:cSld>
+  <p:clrMapOvr>
+    <a:masterClrMapping/>
+  </p:clrMapOvr>
 </p:sld>
 </file>
 
@@ -11902,303 +12402,10 @@
       </p:grpSpPr>
       <p:sp>
         <p:nvSpPr>
-          <p:cNvPr id="22" name="正方形/長方形 21">
+          <p:cNvPr id="2" name="スライド番号プレースホルダー 1">
             <a:extLst>
               <a:ext uri="{FF2B5EF4-FFF2-40B4-BE49-F238E27FC236}">
-                <a16:creationId xmlns:a16="http://schemas.microsoft.com/office/drawing/2014/main" id="{6CB7F8F2-ECCE-4C8E-BCC5-03748DEF5A8D}"/>
-              </a:ext>
-            </a:extLst>
-          </p:cNvPr>
-          <p:cNvSpPr/>
-          <p:nvPr/>
-        </p:nvSpPr>
-        <p:spPr>
-          <a:xfrm>
-            <a:off x="6605471" y="2594098"/>
-            <a:ext cx="741186" cy="484231"/>
-          </a:xfrm>
-          <a:prstGeom prst="rect">
-            <a:avLst/>
-          </a:prstGeom>
-          <a:solidFill>
-            <a:schemeClr val="accent1">
-              <a:lumMod val="50000"/>
-            </a:schemeClr>
-          </a:solidFill>
-        </p:spPr>
-        <p:style>
-          <a:lnRef idx="2">
-            <a:schemeClr val="accent1">
-              <a:shade val="50000"/>
-            </a:schemeClr>
-          </a:lnRef>
-          <a:fillRef idx="1">
-            <a:schemeClr val="accent1"/>
-          </a:fillRef>
-          <a:effectRef idx="0">
-            <a:schemeClr val="accent1"/>
-          </a:effectRef>
-          <a:fontRef idx="minor">
-            <a:schemeClr val="lt1"/>
-          </a:fontRef>
-        </p:style>
-        <p:txBody>
-          <a:bodyPr rtlCol="0" anchor="ctr"/>
-          <a:lstStyle/>
-          <a:p>
-            <a:pPr algn="ctr"/>
-            <a:endParaRPr kumimoji="1" lang="ja-JP" altLang="en-US" sz="1350"/>
-          </a:p>
-        </p:txBody>
-      </p:sp>
-      <p:pic>
-        <p:nvPicPr>
-          <p:cNvPr id="6" name="グラフィックス 5" descr="ユーザー 単色塗りつぶし">
-            <a:extLst>
-              <a:ext uri="{FF2B5EF4-FFF2-40B4-BE49-F238E27FC236}">
-                <a16:creationId xmlns:a16="http://schemas.microsoft.com/office/drawing/2014/main" id="{5DB86CEA-0455-4EEC-B017-E3A92C15F9AE}"/>
-              </a:ext>
-            </a:extLst>
-          </p:cNvPr>
-          <p:cNvPicPr>
-            <a:picLocks noChangeAspect="1"/>
-          </p:cNvPicPr>
-          <p:nvPr/>
-        </p:nvPicPr>
-        <p:blipFill>
-          <a:blip r:embed="rId2">
-            <a:extLst>
-              <a:ext uri="{28A0092B-C50C-407E-A947-70E740481C1C}">
-                <a14:useLocalDpi xmlns:a14="http://schemas.microsoft.com/office/drawing/2010/main" val="0"/>
-              </a:ext>
-              <a:ext uri="{96DAC541-7B7A-43D3-8B79-37D633B846F1}">
-                <asvg:svgBlip xmlns:asvg="http://schemas.microsoft.com/office/drawing/2016/SVG/main" r:embed="rId3"/>
-              </a:ext>
-            </a:extLst>
-          </a:blip>
-          <a:stretch>
-            <a:fillRect/>
-          </a:stretch>
-        </p:blipFill>
-        <p:spPr>
-          <a:xfrm>
-            <a:off x="3751165" y="4333802"/>
-            <a:ext cx="1641671" cy="1641671"/>
-          </a:xfrm>
-          <a:prstGeom prst="rect">
-            <a:avLst/>
-          </a:prstGeom>
-        </p:spPr>
-      </p:pic>
-      <p:pic>
-        <p:nvPicPr>
-          <p:cNvPr id="12" name="グラフィックス 11" descr="クリップボード: 混合 単色塗りつぶし">
-            <a:extLst>
-              <a:ext uri="{FF2B5EF4-FFF2-40B4-BE49-F238E27FC236}">
-                <a16:creationId xmlns:a16="http://schemas.microsoft.com/office/drawing/2014/main" id="{C4060DB8-294F-4464-8A86-CB87381BBF3D}"/>
-              </a:ext>
-            </a:extLst>
-          </p:cNvPr>
-          <p:cNvPicPr>
-            <a:picLocks noChangeAspect="1"/>
-          </p:cNvPicPr>
-          <p:nvPr/>
-        </p:nvPicPr>
-        <p:blipFill>
-          <a:blip r:embed="rId4">
-            <a:extLst>
-              <a:ext uri="{28A0092B-C50C-407E-A947-70E740481C1C}">
-                <a14:useLocalDpi xmlns:a14="http://schemas.microsoft.com/office/drawing/2010/main" val="0"/>
-              </a:ext>
-              <a:ext uri="{96DAC541-7B7A-43D3-8B79-37D633B846F1}">
-                <asvg:svgBlip xmlns:asvg="http://schemas.microsoft.com/office/drawing/2016/SVG/main" r:embed="rId5"/>
-              </a:ext>
-            </a:extLst>
-          </a:blip>
-          <a:stretch>
-            <a:fillRect/>
-          </a:stretch>
-        </p:blipFill>
-        <p:spPr>
-          <a:xfrm>
-            <a:off x="1785664" y="2323444"/>
-            <a:ext cx="1094072" cy="1094072"/>
-          </a:xfrm>
-          <a:prstGeom prst="rect">
-            <a:avLst/>
-          </a:prstGeom>
-        </p:spPr>
-      </p:pic>
-      <p:pic>
-        <p:nvPicPr>
-          <p:cNvPr id="16" name="グラフィックス 15" descr="ノート PC 単色塗りつぶし">
-            <a:extLst>
-              <a:ext uri="{FF2B5EF4-FFF2-40B4-BE49-F238E27FC236}">
-                <a16:creationId xmlns:a16="http://schemas.microsoft.com/office/drawing/2014/main" id="{99690F18-4CE8-48F4-86F7-EEC49FD0F65D}"/>
-              </a:ext>
-            </a:extLst>
-          </p:cNvPr>
-          <p:cNvPicPr>
-            <a:picLocks noChangeAspect="1"/>
-          </p:cNvPicPr>
-          <p:nvPr/>
-        </p:nvPicPr>
-        <p:blipFill>
-          <a:blip r:embed="rId6">
-            <a:extLst>
-              <a:ext uri="{28A0092B-C50C-407E-A947-70E740481C1C}">
-                <a14:useLocalDpi xmlns:a14="http://schemas.microsoft.com/office/drawing/2010/main" val="0"/>
-              </a:ext>
-              <a:ext uri="{96DAC541-7B7A-43D3-8B79-37D633B846F1}">
-                <asvg:svgBlip xmlns:asvg="http://schemas.microsoft.com/office/drawing/2016/SVG/main" r:embed="rId7"/>
-              </a:ext>
-            </a:extLst>
-          </a:blip>
-          <a:stretch>
-            <a:fillRect/>
-          </a:stretch>
-        </p:blipFill>
-        <p:spPr>
-          <a:xfrm>
-            <a:off x="6373256" y="2323444"/>
-            <a:ext cx="1182370" cy="1182370"/>
-          </a:xfrm>
-          <a:prstGeom prst="rect">
-            <a:avLst/>
-          </a:prstGeom>
-        </p:spPr>
-      </p:pic>
-      <p:pic>
-        <p:nvPicPr>
-          <p:cNvPr id="18" name="グラフィックス 17" descr="拡大鏡 単色塗りつぶし">
-            <a:extLst>
-              <a:ext uri="{FF2B5EF4-FFF2-40B4-BE49-F238E27FC236}">
-                <a16:creationId xmlns:a16="http://schemas.microsoft.com/office/drawing/2014/main" id="{A12973C2-04F3-4B72-B0DB-38702AF0CF30}"/>
-              </a:ext>
-            </a:extLst>
-          </p:cNvPr>
-          <p:cNvPicPr>
-            <a:picLocks noChangeAspect="1"/>
-          </p:cNvPicPr>
-          <p:nvPr/>
-        </p:nvPicPr>
-        <p:blipFill>
-          <a:blip r:embed="rId8">
-            <a:extLst>
-              <a:ext uri="{28A0092B-C50C-407E-A947-70E740481C1C}">
-                <a14:useLocalDpi xmlns:a14="http://schemas.microsoft.com/office/drawing/2010/main" val="0"/>
-              </a:ext>
-              <a:ext uri="{96DAC541-7B7A-43D3-8B79-37D633B846F1}">
-                <asvg:svgBlip xmlns:asvg="http://schemas.microsoft.com/office/drawing/2016/SVG/main" r:embed="rId9"/>
-              </a:ext>
-            </a:extLst>
-          </a:blip>
-          <a:stretch>
-            <a:fillRect/>
-          </a:stretch>
-        </p:blipFill>
-        <p:spPr>
-          <a:xfrm>
-            <a:off x="4079460" y="2001194"/>
-            <a:ext cx="1094072" cy="1094072"/>
-          </a:xfrm>
-          <a:prstGeom prst="rect">
-            <a:avLst/>
-          </a:prstGeom>
-        </p:spPr>
-      </p:pic>
-      <p:sp>
-        <p:nvSpPr>
-          <p:cNvPr id="23" name="テキスト ボックス 22">
-            <a:extLst>
-              <a:ext uri="{FF2B5EF4-FFF2-40B4-BE49-F238E27FC236}">
-                <a16:creationId xmlns:a16="http://schemas.microsoft.com/office/drawing/2014/main" id="{15228677-67EF-4667-98BF-427C10C8DC7D}"/>
-              </a:ext>
-            </a:extLst>
-          </p:cNvPr>
-          <p:cNvSpPr txBox="1"/>
-          <p:nvPr/>
-        </p:nvSpPr>
-        <p:spPr>
-          <a:xfrm>
-            <a:off x="2617777" y="333548"/>
-            <a:ext cx="4017436" cy="553998"/>
-          </a:xfrm>
-          <a:prstGeom prst="rect">
-            <a:avLst/>
-          </a:prstGeom>
-          <a:solidFill>
-            <a:schemeClr val="bg1"/>
-          </a:solidFill>
-        </p:spPr>
-        <p:txBody>
-          <a:bodyPr wrap="square" rtlCol="0">
-            <a:spAutoFit/>
-          </a:bodyPr>
-          <a:lstStyle/>
-          <a:p>
-            <a:pPr algn="ctr"/>
-            <a:r>
-              <a:rPr kumimoji="1" lang="ja-JP" altLang="en-US" sz="3000" dirty="0">
-                <a:solidFill>
-                  <a:schemeClr val="tx1">
-                    <a:lumMod val="85000"/>
-                    <a:lumOff val="15000"/>
-                  </a:schemeClr>
-                </a:solidFill>
-                <a:latin typeface="メイリオ" panose="020B0604030504040204" pitchFamily="50" charset="-128"/>
-                <a:ea typeface="メイリオ" panose="020B0604030504040204" pitchFamily="50" charset="-128"/>
-              </a:rPr>
-              <a:t>ユーザビリティを意識</a:t>
-            </a:r>
-          </a:p>
-        </p:txBody>
-      </p:sp>
-      <p:pic>
-        <p:nvPicPr>
-          <p:cNvPr id="27" name="グラフィックス 26" descr="E コマース 単色塗りつぶし">
-            <a:extLst>
-              <a:ext uri="{FF2B5EF4-FFF2-40B4-BE49-F238E27FC236}">
-                <a16:creationId xmlns:a16="http://schemas.microsoft.com/office/drawing/2014/main" id="{66B635F9-0B53-4F30-80C8-C219237E7733}"/>
-              </a:ext>
-            </a:extLst>
-          </p:cNvPr>
-          <p:cNvPicPr>
-            <a:picLocks noChangeAspect="1"/>
-          </p:cNvPicPr>
-          <p:nvPr/>
-        </p:nvPicPr>
-        <p:blipFill>
-          <a:blip r:embed="rId10">
-            <a:extLst>
-              <a:ext uri="{28A0092B-C50C-407E-A947-70E740481C1C}">
-                <a14:useLocalDpi xmlns:a14="http://schemas.microsoft.com/office/drawing/2010/main" val="0"/>
-              </a:ext>
-              <a:ext uri="{96DAC541-7B7A-43D3-8B79-37D633B846F1}">
-                <asvg:svgBlip xmlns:asvg="http://schemas.microsoft.com/office/drawing/2016/SVG/main" r:embed="rId11"/>
-              </a:ext>
-            </a:extLst>
-          </a:blip>
-          <a:stretch>
-            <a:fillRect/>
-          </a:stretch>
-        </p:blipFill>
-        <p:spPr>
-          <a:xfrm>
-            <a:off x="7895545" y="3234840"/>
-            <a:ext cx="1114046" cy="1114046"/>
-          </a:xfrm>
-          <a:prstGeom prst="rect">
-            <a:avLst/>
-          </a:prstGeom>
-        </p:spPr>
-      </p:pic>
-      <p:sp>
-        <p:nvSpPr>
-          <p:cNvPr id="28" name="スライド番号プレースホルダー 27">
-            <a:extLst>
-              <a:ext uri="{FF2B5EF4-FFF2-40B4-BE49-F238E27FC236}">
-                <a16:creationId xmlns:a16="http://schemas.microsoft.com/office/drawing/2014/main" id="{2D6E3E82-397D-4B21-9C02-BAAE0C317D1E}"/>
+                <a16:creationId xmlns:a16="http://schemas.microsoft.com/office/drawing/2014/main" id="{E114EBA8-8AF6-423A-AA6F-7F4FB34896A8}"/>
               </a:ext>
             </a:extLst>
           </p:cNvPr>
@@ -12218,16 +12425,16 @@
               <a:rPr kumimoji="1" lang="ja-JP" altLang="en-US" smtClean="0"/>
               <a:t>14</a:t>
             </a:fld>
-            <a:endParaRPr kumimoji="1" lang="ja-JP" altLang="en-US" dirty="0"/>
-          </a:p>
-        </p:txBody>
-      </p:sp>
-      <p:sp>
-        <p:nvSpPr>
-          <p:cNvPr id="30" name="テキスト ボックス 29">
+            <a:endParaRPr kumimoji="1" lang="ja-JP" altLang="en-US"/>
+          </a:p>
+        </p:txBody>
+      </p:sp>
+      <p:sp>
+        <p:nvSpPr>
+          <p:cNvPr id="4" name="テキスト ボックス 3">
             <a:extLst>
               <a:ext uri="{FF2B5EF4-FFF2-40B4-BE49-F238E27FC236}">
-                <a16:creationId xmlns:a16="http://schemas.microsoft.com/office/drawing/2014/main" id="{3EE70EBE-2027-43B3-88C4-8232F0C7ADF7}"/>
+                <a16:creationId xmlns:a16="http://schemas.microsoft.com/office/drawing/2014/main" id="{06F992FA-E8DE-4246-857B-451980377BE5}"/>
               </a:ext>
             </a:extLst>
           </p:cNvPr>
@@ -12236,8 +12443,8 @@
         </p:nvSpPr>
         <p:spPr>
           <a:xfrm>
-            <a:off x="3893514" y="1680960"/>
-            <a:ext cx="2138082" cy="400110"/>
+            <a:off x="3472070" y="384313"/>
+            <a:ext cx="3843130" cy="523220"/>
           </a:xfrm>
           <a:prstGeom prst="rect">
             <a:avLst/>
@@ -12251,27 +12458,21 @@
           <a:lstStyle/>
           <a:p>
             <a:r>
-              <a:rPr kumimoji="1" lang="ja-JP" altLang="en-US" sz="2000" dirty="0">
-                <a:solidFill>
-                  <a:schemeClr val="tx1">
-                    <a:lumMod val="75000"/>
-                    <a:lumOff val="25000"/>
-                  </a:schemeClr>
-                </a:solidFill>
+              <a:rPr kumimoji="1" lang="ja-JP" altLang="en-US" sz="2800" dirty="0">
                 <a:latin typeface="メイリオ" panose="020B0604030504040204" pitchFamily="50" charset="-128"/>
                 <a:ea typeface="メイリオ" panose="020B0604030504040204" pitchFamily="50" charset="-128"/>
               </a:rPr>
-              <a:t>複合検索</a:t>
-            </a:r>
-          </a:p>
-        </p:txBody>
-      </p:sp>
-      <p:sp>
-        <p:nvSpPr>
-          <p:cNvPr id="31" name="正方形/長方形 30">
+              <a:t>プロジェクト</a:t>
+            </a:r>
+          </a:p>
+        </p:txBody>
+      </p:sp>
+      <p:sp>
+        <p:nvSpPr>
+          <p:cNvPr id="8" name="四角形: 角を丸くする 7">
             <a:extLst>
               <a:ext uri="{FF2B5EF4-FFF2-40B4-BE49-F238E27FC236}">
-                <a16:creationId xmlns:a16="http://schemas.microsoft.com/office/drawing/2014/main" id="{EFDE6471-A1E7-44DC-8B3B-A1ADACD57F45}"/>
+                <a16:creationId xmlns:a16="http://schemas.microsoft.com/office/drawing/2014/main" id="{4D37D626-9C93-458B-9219-2240944AC76B}"/>
               </a:ext>
             </a:extLst>
           </p:cNvPr>
@@ -12280,247 +12481,195 @@
         </p:nvSpPr>
         <p:spPr>
           <a:xfrm>
-            <a:off x="8225764" y="3505814"/>
-            <a:ext cx="453608" cy="586151"/>
+            <a:off x="702364" y="1523999"/>
+            <a:ext cx="7904921" cy="1941445"/>
+          </a:xfrm>
+          <a:prstGeom prst="roundRect">
+            <a:avLst/>
+          </a:prstGeom>
+          <a:ln>
+            <a:noFill/>
+          </a:ln>
+        </p:spPr>
+        <p:style>
+          <a:lnRef idx="1">
+            <a:schemeClr val="accent1"/>
+          </a:lnRef>
+          <a:fillRef idx="2">
+            <a:schemeClr val="accent1"/>
+          </a:fillRef>
+          <a:effectRef idx="1">
+            <a:schemeClr val="accent1"/>
+          </a:effectRef>
+          <a:fontRef idx="minor">
+            <a:schemeClr val="dk1"/>
+          </a:fontRef>
+        </p:style>
+        <p:txBody>
+          <a:bodyPr rtlCol="0" anchor="ctr"/>
+          <a:lstStyle/>
+          <a:p>
+            <a:pPr algn="ctr"/>
+            <a:endParaRPr kumimoji="1" lang="ja-JP" altLang="en-US"/>
+          </a:p>
+        </p:txBody>
+      </p:sp>
+      <p:sp>
+        <p:nvSpPr>
+          <p:cNvPr id="5" name="テキスト ボックス 4">
+            <a:extLst>
+              <a:ext uri="{FF2B5EF4-FFF2-40B4-BE49-F238E27FC236}">
+                <a16:creationId xmlns:a16="http://schemas.microsoft.com/office/drawing/2014/main" id="{94955EBF-DC67-4A46-BAE1-1EFE12A38AB7}"/>
+              </a:ext>
+            </a:extLst>
+          </p:cNvPr>
+          <p:cNvSpPr txBox="1"/>
+          <p:nvPr/>
+        </p:nvSpPr>
+        <p:spPr>
+          <a:xfrm>
+            <a:off x="901145" y="1871473"/>
+            <a:ext cx="7487479" cy="1246495"/>
           </a:xfrm>
           <a:prstGeom prst="rect">
             <a:avLst/>
           </a:prstGeom>
-          <a:solidFill>
-            <a:schemeClr val="bg1"/>
-          </a:solidFill>
+          <a:noFill/>
           <a:ln>
-            <a:solidFill>
-              <a:schemeClr val="bg1"/>
-            </a:solidFill>
+            <a:noFill/>
           </a:ln>
         </p:spPr>
         <p:style>
           <a:lnRef idx="2">
-            <a:schemeClr val="accent1">
-              <a:shade val="50000"/>
-            </a:schemeClr>
+            <a:schemeClr val="accent1"/>
           </a:lnRef>
           <a:fillRef idx="1">
-            <a:schemeClr val="accent1"/>
+            <a:schemeClr val="lt1"/>
           </a:fillRef>
           <a:effectRef idx="0">
             <a:schemeClr val="accent1"/>
           </a:effectRef>
           <a:fontRef idx="minor">
-            <a:schemeClr val="lt1"/>
+            <a:schemeClr val="dk1"/>
           </a:fontRef>
         </p:style>
-        <p:txBody>
-          <a:bodyPr rtlCol="0" anchor="ctr"/>
-          <a:lstStyle/>
-          <a:p>
-            <a:pPr algn="ctr"/>
-            <a:endParaRPr kumimoji="1" lang="ja-JP" altLang="en-US"/>
-          </a:p>
-        </p:txBody>
-      </p:sp>
-      <p:sp>
-        <p:nvSpPr>
-          <p:cNvPr id="32" name="テキスト ボックス 31">
-            <a:extLst>
-              <a:ext uri="{FF2B5EF4-FFF2-40B4-BE49-F238E27FC236}">
-                <a16:creationId xmlns:a16="http://schemas.microsoft.com/office/drawing/2014/main" id="{612FC674-19B4-4FBA-B21C-8A92CBD765C9}"/>
-              </a:ext>
-            </a:extLst>
-          </p:cNvPr>
-          <p:cNvSpPr txBox="1"/>
-          <p:nvPr/>
-        </p:nvSpPr>
-        <p:spPr>
-          <a:xfrm>
-            <a:off x="1415513" y="1373183"/>
-            <a:ext cx="2138082" cy="1015663"/>
-          </a:xfrm>
-          <a:prstGeom prst="rect">
-            <a:avLst/>
-          </a:prstGeom>
-          <a:noFill/>
-        </p:spPr>
         <p:txBody>
           <a:bodyPr wrap="square" rtlCol="0">
             <a:spAutoFit/>
           </a:bodyPr>
           <a:lstStyle/>
           <a:p>
+            <a:pPr>
+              <a:lnSpc>
+                <a:spcPct val="200000"/>
+              </a:lnSpc>
+            </a:pPr>
+            <a:r>
+              <a:rPr kumimoji="1" lang="ja-JP" altLang="en-US" sz="2000" dirty="0">
+                <a:latin typeface="メイリオ" panose="020B0604030504040204" pitchFamily="50" charset="-128"/>
+                <a:ea typeface="メイリオ" panose="020B0604030504040204" pitchFamily="50" charset="-128"/>
+              </a:rPr>
+              <a:t>・適材適所、苦手を補いあいながら作業を進められた</a:t>
+            </a:r>
             <a:endParaRPr kumimoji="1" lang="en-US" altLang="ja-JP" sz="2000" dirty="0">
+              <a:latin typeface="メイリオ" panose="020B0604030504040204" pitchFamily="50" charset="-128"/>
+              <a:ea typeface="メイリオ" panose="020B0604030504040204" pitchFamily="50" charset="-128"/>
+            </a:endParaRPr>
+          </a:p>
+          <a:p>
+            <a:pPr>
+              <a:lnSpc>
+                <a:spcPct val="200000"/>
+              </a:lnSpc>
+            </a:pPr>
+            <a:r>
+              <a:rPr kumimoji="1" lang="ja-JP" altLang="en-US" sz="2000" dirty="0">
+                <a:latin typeface="メイリオ" panose="020B0604030504040204" pitchFamily="50" charset="-128"/>
+                <a:ea typeface="メイリオ" panose="020B0604030504040204" pitchFamily="50" charset="-128"/>
+              </a:rPr>
+              <a:t>・優先順位を付けたタスク管理（見切りをつけて取り組めた</a:t>
+            </a:r>
+            <a:r>
+              <a:rPr kumimoji="1" lang="ja-JP" altLang="en-US" dirty="0">
+                <a:latin typeface="メイリオ" panose="020B0604030504040204" pitchFamily="50" charset="-128"/>
+                <a:ea typeface="メイリオ" panose="020B0604030504040204" pitchFamily="50" charset="-128"/>
+              </a:rPr>
+              <a:t>）</a:t>
+            </a:r>
+            <a:endParaRPr kumimoji="1" lang="en-US" altLang="ja-JP" dirty="0">
+              <a:latin typeface="メイリオ" panose="020B0604030504040204" pitchFamily="50" charset="-128"/>
+              <a:ea typeface="メイリオ" panose="020B0604030504040204" pitchFamily="50" charset="-128"/>
+            </a:endParaRPr>
+          </a:p>
+        </p:txBody>
+      </p:sp>
+      <p:sp>
+        <p:nvSpPr>
+          <p:cNvPr id="9" name="四角形: 角を丸くする 8">
+            <a:extLst>
+              <a:ext uri="{FF2B5EF4-FFF2-40B4-BE49-F238E27FC236}">
+                <a16:creationId xmlns:a16="http://schemas.microsoft.com/office/drawing/2014/main" id="{C2A4963F-A7FB-4362-8545-404E8B93A3D6}"/>
+              </a:ext>
+            </a:extLst>
+          </p:cNvPr>
+          <p:cNvSpPr/>
+          <p:nvPr/>
+        </p:nvSpPr>
+        <p:spPr>
+          <a:xfrm>
+            <a:off x="536713" y="1113679"/>
+            <a:ext cx="2213113" cy="556591"/>
+          </a:xfrm>
+          <a:prstGeom prst="roundRect">
+            <a:avLst/>
+          </a:prstGeom>
+          <a:ln w="38100"/>
+        </p:spPr>
+        <p:style>
+          <a:lnRef idx="2">
+            <a:schemeClr val="accent1"/>
+          </a:lnRef>
+          <a:fillRef idx="1">
+            <a:schemeClr val="lt1"/>
+          </a:fillRef>
+          <a:effectRef idx="0">
+            <a:schemeClr val="accent1"/>
+          </a:effectRef>
+          <a:fontRef idx="minor">
+            <a:schemeClr val="dk1"/>
+          </a:fontRef>
+        </p:style>
+        <p:txBody>
+          <a:bodyPr rtlCol="0" anchor="ctr"/>
+          <a:lstStyle/>
+          <a:p>
+            <a:pPr algn="ctr"/>
+            <a:r>
+              <a:rPr kumimoji="1" lang="ja-JP" altLang="en-US" sz="2400" dirty="0">
+                <a:solidFill>
+                  <a:schemeClr val="tx1"/>
+                </a:solidFill>
+                <a:latin typeface="メイリオ" panose="020B0604030504040204" pitchFamily="50" charset="-128"/>
+                <a:ea typeface="メイリオ" panose="020B0604030504040204" pitchFamily="50" charset="-128"/>
+              </a:rPr>
+              <a:t>良かったこと</a:t>
+            </a:r>
+            <a:endParaRPr kumimoji="1" lang="en-US" altLang="ja-JP" sz="2400" dirty="0">
               <a:solidFill>
-                <a:schemeClr val="tx1">
-                  <a:lumMod val="75000"/>
-                  <a:lumOff val="25000"/>
-                </a:schemeClr>
+                <a:schemeClr val="tx1"/>
               </a:solidFill>
               <a:latin typeface="メイリオ" panose="020B0604030504040204" pitchFamily="50" charset="-128"/>
               <a:ea typeface="メイリオ" panose="020B0604030504040204" pitchFamily="50" charset="-128"/>
             </a:endParaRPr>
           </a:p>
-          <a:p>
-            <a:r>
-              <a:rPr kumimoji="1" lang="ja-JP" altLang="en-US" sz="2000" dirty="0">
-                <a:solidFill>
-                  <a:schemeClr val="tx1">
-                    <a:lumMod val="75000"/>
-                    <a:lumOff val="25000"/>
-                  </a:schemeClr>
-                </a:solidFill>
-                <a:latin typeface="メイリオ" panose="020B0604030504040204" pitchFamily="50" charset="-128"/>
-                <a:ea typeface="メイリオ" panose="020B0604030504040204" pitchFamily="50" charset="-128"/>
-              </a:rPr>
-              <a:t>履歴を確認</a:t>
-            </a:r>
-            <a:endParaRPr kumimoji="1" lang="en-US" altLang="ja-JP" sz="2000" dirty="0">
-              <a:solidFill>
-                <a:schemeClr val="tx1">
-                  <a:lumMod val="75000"/>
-                  <a:lumOff val="25000"/>
-                </a:schemeClr>
-              </a:solidFill>
-              <a:latin typeface="メイリオ" panose="020B0604030504040204" pitchFamily="50" charset="-128"/>
-              <a:ea typeface="メイリオ" panose="020B0604030504040204" pitchFamily="50" charset="-128"/>
-            </a:endParaRPr>
-          </a:p>
-          <a:p>
-            <a:r>
-              <a:rPr kumimoji="1" lang="ja-JP" altLang="en-US" sz="2000" dirty="0">
-                <a:solidFill>
-                  <a:schemeClr val="tx1">
-                    <a:lumMod val="75000"/>
-                    <a:lumOff val="25000"/>
-                  </a:schemeClr>
-                </a:solidFill>
-                <a:latin typeface="メイリオ" panose="020B0604030504040204" pitchFamily="50" charset="-128"/>
-                <a:ea typeface="メイリオ" panose="020B0604030504040204" pitchFamily="50" charset="-128"/>
-              </a:rPr>
-              <a:t>完了</a:t>
-            </a:r>
-            <a:r>
-              <a:rPr kumimoji="1" lang="en-US" altLang="ja-JP" sz="2000" dirty="0">
-                <a:solidFill>
-                  <a:schemeClr val="tx1">
-                    <a:lumMod val="75000"/>
-                    <a:lumOff val="25000"/>
-                  </a:schemeClr>
-                </a:solidFill>
-                <a:latin typeface="メイリオ" panose="020B0604030504040204" pitchFamily="50" charset="-128"/>
-                <a:ea typeface="メイリオ" panose="020B0604030504040204" pitchFamily="50" charset="-128"/>
-              </a:rPr>
-              <a:t>/</a:t>
-            </a:r>
-            <a:r>
-              <a:rPr kumimoji="1" lang="ja-JP" altLang="en-US" sz="2000" dirty="0">
-                <a:solidFill>
-                  <a:schemeClr val="tx1">
-                    <a:lumMod val="75000"/>
-                    <a:lumOff val="25000"/>
-                  </a:schemeClr>
-                </a:solidFill>
-                <a:latin typeface="メイリオ" panose="020B0604030504040204" pitchFamily="50" charset="-128"/>
-                <a:ea typeface="メイリオ" panose="020B0604030504040204" pitchFamily="50" charset="-128"/>
-              </a:rPr>
-              <a:t>未完了タグ</a:t>
-            </a:r>
-          </a:p>
-        </p:txBody>
-      </p:sp>
-      <p:sp>
-        <p:nvSpPr>
-          <p:cNvPr id="34" name="テキスト ボックス 33">
+        </p:txBody>
+      </p:sp>
+      <p:sp>
+        <p:nvSpPr>
+          <p:cNvPr id="11" name="四角形: 角を丸くする 10">
             <a:extLst>
               <a:ext uri="{FF2B5EF4-FFF2-40B4-BE49-F238E27FC236}">
-                <a16:creationId xmlns:a16="http://schemas.microsoft.com/office/drawing/2014/main" id="{0D3AB49A-3741-40A8-8460-B888725B7E1D}"/>
-              </a:ext>
-            </a:extLst>
-          </p:cNvPr>
-          <p:cNvSpPr txBox="1"/>
-          <p:nvPr/>
-        </p:nvSpPr>
-        <p:spPr>
-          <a:xfrm>
-            <a:off x="7698464" y="4404375"/>
-            <a:ext cx="2138082" cy="400110"/>
-          </a:xfrm>
-          <a:prstGeom prst="rect">
-            <a:avLst/>
-          </a:prstGeom>
-          <a:noFill/>
-        </p:spPr>
-        <p:txBody>
-          <a:bodyPr wrap="square" rtlCol="0">
-            <a:spAutoFit/>
-          </a:bodyPr>
-          <a:lstStyle/>
-          <a:p>
-            <a:r>
-              <a:rPr kumimoji="1" lang="ja-JP" altLang="en-US" sz="2000" dirty="0">
-                <a:solidFill>
-                  <a:schemeClr val="tx1">
-                    <a:lumMod val="75000"/>
-                    <a:lumOff val="25000"/>
-                  </a:schemeClr>
-                </a:solidFill>
-                <a:latin typeface="メイリオ" panose="020B0604030504040204" pitchFamily="50" charset="-128"/>
-                <a:ea typeface="メイリオ" panose="020B0604030504040204" pitchFamily="50" charset="-128"/>
-              </a:rPr>
-              <a:t>スマホ対応</a:t>
-            </a:r>
-          </a:p>
-        </p:txBody>
-      </p:sp>
-      <p:sp>
-        <p:nvSpPr>
-          <p:cNvPr id="35" name="テキスト ボックス 34">
-            <a:extLst>
-              <a:ext uri="{FF2B5EF4-FFF2-40B4-BE49-F238E27FC236}">
-                <a16:creationId xmlns:a16="http://schemas.microsoft.com/office/drawing/2014/main" id="{A520C4EC-121B-4F04-B069-9011B0AF6A7D}"/>
-              </a:ext>
-            </a:extLst>
-          </p:cNvPr>
-          <p:cNvSpPr txBox="1"/>
-          <p:nvPr/>
-        </p:nvSpPr>
-        <p:spPr>
-          <a:xfrm>
-            <a:off x="6572945" y="2190737"/>
-            <a:ext cx="2811034" cy="400110"/>
-          </a:xfrm>
-          <a:prstGeom prst="rect">
-            <a:avLst/>
-          </a:prstGeom>
-          <a:noFill/>
-        </p:spPr>
-        <p:txBody>
-          <a:bodyPr wrap="square" rtlCol="0">
-            <a:spAutoFit/>
-          </a:bodyPr>
-          <a:lstStyle/>
-          <a:p>
-            <a:r>
-              <a:rPr kumimoji="1" lang="ja-JP" altLang="en-US" sz="2000" dirty="0">
-                <a:solidFill>
-                  <a:schemeClr val="tx1">
-                    <a:lumMod val="75000"/>
-                    <a:lumOff val="25000"/>
-                  </a:schemeClr>
-                </a:solidFill>
-                <a:latin typeface="メイリオ" panose="020B0604030504040204" pitchFamily="50" charset="-128"/>
-                <a:ea typeface="メイリオ" panose="020B0604030504040204" pitchFamily="50" charset="-128"/>
-              </a:rPr>
-              <a:t>ブラックモード</a:t>
-            </a:r>
-          </a:p>
-        </p:txBody>
-      </p:sp>
-      <p:sp>
-        <p:nvSpPr>
-          <p:cNvPr id="36" name="円弧 35">
-            <a:extLst>
-              <a:ext uri="{FF2B5EF4-FFF2-40B4-BE49-F238E27FC236}">
-                <a16:creationId xmlns:a16="http://schemas.microsoft.com/office/drawing/2014/main" id="{E29C49C1-974F-43BC-A399-32BC793035BD}"/>
+                <a16:creationId xmlns:a16="http://schemas.microsoft.com/office/drawing/2014/main" id="{B0435600-1AE6-4719-B39B-B3F2A0C2F528}"/>
               </a:ext>
             </a:extLst>
           </p:cNvPr>
@@ -12528,30 +12677,112 @@
           <p:nvPr/>
         </p:nvSpPr>
         <p:spPr>
-          <a:xfrm rot="18915434">
-            <a:off x="436595" y="3357811"/>
-            <a:ext cx="8379801" cy="8158732"/>
+          <a:xfrm>
+            <a:off x="682485" y="4081239"/>
+            <a:ext cx="7924801" cy="2213544"/>
           </a:xfrm>
-          <a:prstGeom prst="arc">
-            <a:avLst>
-              <a:gd name="adj1" fmla="val 15858526"/>
-              <a:gd name="adj2" fmla="val 440174"/>
-            </a:avLst>
+          <a:prstGeom prst="roundRect">
+            <a:avLst/>
           </a:prstGeom>
-          <a:ln w="28575"/>
+          <a:ln>
+            <a:noFill/>
+          </a:ln>
         </p:spPr>
         <p:style>
           <a:lnRef idx="1">
             <a:schemeClr val="accent1"/>
           </a:lnRef>
-          <a:fillRef idx="0">
+          <a:fillRef idx="2">
             <a:schemeClr val="accent1"/>
+          </a:fillRef>
+          <a:effectRef idx="1">
+            <a:schemeClr val="accent1"/>
+          </a:effectRef>
+          <a:fontRef idx="minor">
+            <a:schemeClr val="dk1"/>
+          </a:fontRef>
+        </p:style>
+        <p:txBody>
+          <a:bodyPr rtlCol="0" anchor="ctr"/>
+          <a:lstStyle/>
+          <a:p>
+            <a:pPr>
+              <a:lnSpc>
+                <a:spcPct val="200000"/>
+              </a:lnSpc>
+            </a:pPr>
+            <a:r>
+              <a:rPr kumimoji="1" lang="ja-JP" altLang="en-US" sz="2000" dirty="0">
+                <a:latin typeface="メイリオ" panose="020B0604030504040204" pitchFamily="50" charset="-128"/>
+                <a:ea typeface="メイリオ" panose="020B0604030504040204" pitchFamily="50" charset="-128"/>
+              </a:rPr>
+              <a:t>・外部設計段階での詰めの甘さ</a:t>
+            </a:r>
+            <a:endParaRPr kumimoji="1" lang="en-US" altLang="ja-JP" sz="2000" dirty="0">
+              <a:latin typeface="メイリオ" panose="020B0604030504040204" pitchFamily="50" charset="-128"/>
+              <a:ea typeface="メイリオ" panose="020B0604030504040204" pitchFamily="50" charset="-128"/>
+            </a:endParaRPr>
+          </a:p>
+          <a:p>
+            <a:pPr>
+              <a:lnSpc>
+                <a:spcPct val="200000"/>
+              </a:lnSpc>
+            </a:pPr>
+            <a:r>
+              <a:rPr kumimoji="1" lang="ja-JP" altLang="en-US" sz="2000" dirty="0">
+                <a:latin typeface="メイリオ" panose="020B0604030504040204" pitchFamily="50" charset="-128"/>
+                <a:ea typeface="メイリオ" panose="020B0604030504040204" pitchFamily="50" charset="-128"/>
+              </a:rPr>
+              <a:t>・内部設計でのコードの統一化不足によるメンテナンス性の甘さ</a:t>
+            </a:r>
+            <a:endParaRPr kumimoji="1" lang="en-US" altLang="ja-JP" sz="2000" dirty="0">
+              <a:latin typeface="メイリオ" panose="020B0604030504040204" pitchFamily="50" charset="-128"/>
+              <a:ea typeface="メイリオ" panose="020B0604030504040204" pitchFamily="50" charset="-128"/>
+            </a:endParaRPr>
+          </a:p>
+          <a:p>
+            <a:endParaRPr kumimoji="1" lang="ja-JP" altLang="en-US" sz="2000" dirty="0">
+              <a:latin typeface="メイリオ" panose="020B0604030504040204" pitchFamily="50" charset="-128"/>
+              <a:ea typeface="メイリオ" panose="020B0604030504040204" pitchFamily="50" charset="-128"/>
+            </a:endParaRPr>
+          </a:p>
+        </p:txBody>
+      </p:sp>
+      <p:sp>
+        <p:nvSpPr>
+          <p:cNvPr id="10" name="四角形: 角を丸くする 9">
+            <a:extLst>
+              <a:ext uri="{FF2B5EF4-FFF2-40B4-BE49-F238E27FC236}">
+                <a16:creationId xmlns:a16="http://schemas.microsoft.com/office/drawing/2014/main" id="{13919CA8-994E-458E-88D8-E5BE43B5E252}"/>
+              </a:ext>
+            </a:extLst>
+          </p:cNvPr>
+          <p:cNvSpPr/>
+          <p:nvPr/>
+        </p:nvSpPr>
+        <p:spPr>
+          <a:xfrm>
+            <a:off x="536713" y="3751291"/>
+            <a:ext cx="2213113" cy="556591"/>
+          </a:xfrm>
+          <a:prstGeom prst="roundRect">
+            <a:avLst/>
+          </a:prstGeom>
+          <a:ln w="38100"/>
+        </p:spPr>
+        <p:style>
+          <a:lnRef idx="2">
+            <a:schemeClr val="accent1"/>
+          </a:lnRef>
+          <a:fillRef idx="1">
+            <a:schemeClr val="lt1"/>
           </a:fillRef>
           <a:effectRef idx="0">
             <a:schemeClr val="accent1"/>
           </a:effectRef>
           <a:fontRef idx="minor">
-            <a:schemeClr val="tx1"/>
+            <a:schemeClr val="dk1"/>
           </a:fontRef>
         </p:style>
         <p:txBody>
@@ -12559,97 +12790,30 @@
           <a:lstStyle/>
           <a:p>
             <a:pPr algn="ctr"/>
-            <a:endParaRPr kumimoji="1" lang="ja-JP" altLang="en-US"/>
-          </a:p>
-        </p:txBody>
-      </p:sp>
-      <p:pic>
-        <p:nvPicPr>
-          <p:cNvPr id="38" name="グラフィックス 37" descr="プリンター 単色塗りつぶし">
-            <a:extLst>
-              <a:ext uri="{FF2B5EF4-FFF2-40B4-BE49-F238E27FC236}">
-                <a16:creationId xmlns:a16="http://schemas.microsoft.com/office/drawing/2014/main" id="{2147DEEB-C04E-4E4B-9548-1D2499164573}"/>
-              </a:ext>
-            </a:extLst>
-          </p:cNvPr>
-          <p:cNvPicPr>
-            <a:picLocks noChangeAspect="1"/>
-          </p:cNvPicPr>
-          <p:nvPr/>
-        </p:nvPicPr>
-        <p:blipFill>
-          <a:blip r:embed="rId12">
-            <a:extLst>
-              <a:ext uri="{28A0092B-C50C-407E-A947-70E740481C1C}">
-                <a14:useLocalDpi xmlns:a14="http://schemas.microsoft.com/office/drawing/2010/main" val="0"/>
-              </a:ext>
-              <a:ext uri="{96DAC541-7B7A-43D3-8B79-37D633B846F1}">
-                <asvg:svgBlip xmlns:asvg="http://schemas.microsoft.com/office/drawing/2016/SVG/main" r:embed="rId13"/>
-              </a:ext>
-            </a:extLst>
-          </a:blip>
-          <a:stretch>
-            <a:fillRect/>
-          </a:stretch>
-        </p:blipFill>
-        <p:spPr>
-          <a:xfrm>
-            <a:off x="216018" y="3303365"/>
-            <a:ext cx="1094072" cy="1094072"/>
-          </a:xfrm>
-          <a:prstGeom prst="rect">
-            <a:avLst/>
-          </a:prstGeom>
-        </p:spPr>
-      </p:pic>
-      <p:sp>
-        <p:nvSpPr>
-          <p:cNvPr id="39" name="テキスト ボックス 38">
-            <a:extLst>
-              <a:ext uri="{FF2B5EF4-FFF2-40B4-BE49-F238E27FC236}">
-                <a16:creationId xmlns:a16="http://schemas.microsoft.com/office/drawing/2014/main" id="{0568DEBD-1400-44B1-8C50-6A2C956A600F}"/>
-              </a:ext>
-            </a:extLst>
-          </p:cNvPr>
-          <p:cNvSpPr txBox="1"/>
-          <p:nvPr/>
-        </p:nvSpPr>
-        <p:spPr>
-          <a:xfrm>
-            <a:off x="216018" y="4453445"/>
-            <a:ext cx="2138082" cy="400110"/>
-          </a:xfrm>
-          <a:prstGeom prst="rect">
-            <a:avLst/>
-          </a:prstGeom>
-          <a:noFill/>
-        </p:spPr>
-        <p:txBody>
-          <a:bodyPr wrap="square" rtlCol="0">
-            <a:spAutoFit/>
-          </a:bodyPr>
-          <a:lstStyle/>
-          <a:p>
-            <a:r>
-              <a:rPr kumimoji="1" lang="ja-JP" altLang="en-US" sz="2000" dirty="0">
+            <a:r>
+              <a:rPr kumimoji="1" lang="ja-JP" altLang="en-US" sz="2400" dirty="0">
                 <a:solidFill>
-                  <a:schemeClr val="tx1">
-                    <a:lumMod val="75000"/>
-                    <a:lumOff val="25000"/>
-                  </a:schemeClr>
+                  <a:schemeClr val="tx1"/>
                 </a:solidFill>
                 <a:latin typeface="メイリオ" panose="020B0604030504040204" pitchFamily="50" charset="-128"/>
                 <a:ea typeface="メイリオ" panose="020B0604030504040204" pitchFamily="50" charset="-128"/>
               </a:rPr>
-              <a:t>印刷可能</a:t>
-            </a:r>
+              <a:t>課題</a:t>
+            </a:r>
+            <a:endParaRPr kumimoji="1" lang="en-US" altLang="ja-JP" sz="2400" dirty="0">
+              <a:solidFill>
+                <a:schemeClr val="tx1"/>
+              </a:solidFill>
+              <a:latin typeface="メイリオ" panose="020B0604030504040204" pitchFamily="50" charset="-128"/>
+              <a:ea typeface="メイリオ" panose="020B0604030504040204" pitchFamily="50" charset="-128"/>
+            </a:endParaRPr>
           </a:p>
         </p:txBody>
       </p:sp>
     </p:spTree>
     <p:extLst>
       <p:ext uri="{BB962C8B-B14F-4D97-AF65-F5344CB8AC3E}">
-        <p14:creationId xmlns:p14="http://schemas.microsoft.com/office/powerpoint/2010/main" val="599529268"/>
+        <p14:creationId xmlns:p14="http://schemas.microsoft.com/office/powerpoint/2010/main" val="635243861"/>
       </p:ext>
     </p:extLst>
   </p:cSld>
@@ -12678,10 +12842,38 @@
       </p:grpSpPr>
       <p:sp>
         <p:nvSpPr>
-          <p:cNvPr id="2" name="スライド番号プレースホルダー 1">
+          <p:cNvPr id="2" name="タイトル 1">
             <a:extLst>
               <a:ext uri="{FF2B5EF4-FFF2-40B4-BE49-F238E27FC236}">
-                <a16:creationId xmlns:a16="http://schemas.microsoft.com/office/drawing/2014/main" id="{E114EBA8-8AF6-423A-AA6F-7F4FB34896A8}"/>
+                <a16:creationId xmlns:a16="http://schemas.microsoft.com/office/drawing/2014/main" id="{49BA5E57-EBC2-4B73-AD9A-B96667F4B6E5}"/>
+              </a:ext>
+            </a:extLst>
+          </p:cNvPr>
+          <p:cNvSpPr>
+            <a:spLocks noGrp="1"/>
+          </p:cNvSpPr>
+          <p:nvPr>
+            <p:ph type="title"/>
+          </p:nvPr>
+        </p:nvSpPr>
+        <p:spPr/>
+        <p:txBody>
+          <a:bodyPr/>
+          <a:lstStyle/>
+          <a:p>
+            <a:r>
+              <a:rPr kumimoji="1" lang="ja-JP" altLang="en-US" dirty="0"/>
+              <a:t>良かったこと</a:t>
+            </a:r>
+          </a:p>
+        </p:txBody>
+      </p:sp>
+      <p:sp>
+        <p:nvSpPr>
+          <p:cNvPr id="3" name="スライド番号プレースホルダー 2">
+            <a:extLst>
+              <a:ext uri="{FF2B5EF4-FFF2-40B4-BE49-F238E27FC236}">
+                <a16:creationId xmlns:a16="http://schemas.microsoft.com/office/drawing/2014/main" id="{A1E881B4-CBD4-4185-918E-8CBDBA48000A}"/>
               </a:ext>
             </a:extLst>
           </p:cNvPr>
@@ -12705,59 +12897,10 @@
           </a:p>
         </p:txBody>
       </p:sp>
-      <p:sp>
-        <p:nvSpPr>
-          <p:cNvPr id="3" name="正方形/長方形 2">
-            <a:extLst>
-              <a:ext uri="{FF2B5EF4-FFF2-40B4-BE49-F238E27FC236}">
-                <a16:creationId xmlns:a16="http://schemas.microsoft.com/office/drawing/2014/main" id="{86DF0276-AA86-4313-9268-604CCB82CA87}"/>
-              </a:ext>
-            </a:extLst>
-          </p:cNvPr>
-          <p:cNvSpPr/>
-          <p:nvPr/>
-        </p:nvSpPr>
-        <p:spPr>
-          <a:xfrm>
-            <a:off x="614597" y="614597"/>
-            <a:ext cx="7989757" cy="4527029"/>
-          </a:xfrm>
-          <a:prstGeom prst="rect">
-            <a:avLst/>
-          </a:prstGeom>
-        </p:spPr>
-        <p:style>
-          <a:lnRef idx="2">
-            <a:schemeClr val="accent1">
-              <a:shade val="50000"/>
-            </a:schemeClr>
-          </a:lnRef>
-          <a:fillRef idx="1">
-            <a:schemeClr val="accent1"/>
-          </a:fillRef>
-          <a:effectRef idx="0">
-            <a:schemeClr val="accent1"/>
-          </a:effectRef>
-          <a:fontRef idx="minor">
-            <a:schemeClr val="lt1"/>
-          </a:fontRef>
-        </p:style>
-        <p:txBody>
-          <a:bodyPr rtlCol="0" anchor="ctr"/>
-          <a:lstStyle/>
-          <a:p>
-            <a:pPr algn="ctr"/>
-            <a:r>
-              <a:rPr kumimoji="1" lang="ja-JP" altLang="en-US" dirty="0"/>
-              <a:t>効果</a:t>
-            </a:r>
-          </a:p>
-        </p:txBody>
-      </p:sp>
     </p:spTree>
     <p:extLst>
       <p:ext uri="{BB962C8B-B14F-4D97-AF65-F5344CB8AC3E}">
-        <p14:creationId xmlns:p14="http://schemas.microsoft.com/office/powerpoint/2010/main" val="2103237237"/>
+        <p14:creationId xmlns:p14="http://schemas.microsoft.com/office/powerpoint/2010/main" val="3494379588"/>
       </p:ext>
     </p:extLst>
   </p:cSld>
@@ -12789,7 +12932,7 @@
           <p:cNvPr id="2" name="スライド番号プレースホルダー 1">
             <a:extLst>
               <a:ext uri="{FF2B5EF4-FFF2-40B4-BE49-F238E27FC236}">
-                <a16:creationId xmlns:a16="http://schemas.microsoft.com/office/drawing/2014/main" id="{E114EBA8-8AF6-423A-AA6F-7F4FB34896A8}"/>
+                <a16:creationId xmlns:a16="http://schemas.microsoft.com/office/drawing/2014/main" id="{3BB9C392-38EF-4EB3-9E69-651F7164FF3C}"/>
               </a:ext>
             </a:extLst>
           </p:cNvPr>
@@ -12815,10 +12958,10 @@
       </p:sp>
       <p:sp>
         <p:nvSpPr>
-          <p:cNvPr id="3" name="正方形/長方形 2">
+          <p:cNvPr id="7" name="吹き出し: 円形 6">
             <a:extLst>
               <a:ext uri="{FF2B5EF4-FFF2-40B4-BE49-F238E27FC236}">
-                <a16:creationId xmlns:a16="http://schemas.microsoft.com/office/drawing/2014/main" id="{86512F09-390C-422C-86BB-43AC427C923F}"/>
+                <a16:creationId xmlns:a16="http://schemas.microsoft.com/office/drawing/2014/main" id="{AAB77905-E56F-475E-8B62-94908A258BE8}"/>
               </a:ext>
             </a:extLst>
           </p:cNvPr>
@@ -12827,27 +12970,275 @@
         </p:nvSpPr>
         <p:spPr>
           <a:xfrm>
-            <a:off x="577121" y="614597"/>
-            <a:ext cx="7989757" cy="4527029"/>
+            <a:off x="6285339" y="3628069"/>
+            <a:ext cx="2729948" cy="1982128"/>
+          </a:xfrm>
+          <a:prstGeom prst="wedgeEllipseCallout">
+            <a:avLst>
+              <a:gd name="adj1" fmla="val -43648"/>
+              <a:gd name="adj2" fmla="val 48611"/>
+            </a:avLst>
+          </a:prstGeom>
+        </p:spPr>
+        <p:style>
+          <a:lnRef idx="2">
+            <a:schemeClr val="accent6"/>
+          </a:lnRef>
+          <a:fillRef idx="1">
+            <a:schemeClr val="lt1"/>
+          </a:fillRef>
+          <a:effectRef idx="0">
+            <a:schemeClr val="accent6"/>
+          </a:effectRef>
+          <a:fontRef idx="minor">
+            <a:schemeClr val="dk1"/>
+          </a:fontRef>
+        </p:style>
+        <p:txBody>
+          <a:bodyPr rtlCol="0" anchor="ctr"/>
+          <a:lstStyle/>
+          <a:p>
+            <a:pPr algn="ctr"/>
+            <a:r>
+              <a:rPr kumimoji="1" lang="ja-JP" altLang="en-US" sz="2000" dirty="0">
+                <a:latin typeface="メイリオ" panose="020B0604030504040204" pitchFamily="50" charset="-128"/>
+                <a:ea typeface="メイリオ" panose="020B0604030504040204" pitchFamily="50" charset="-128"/>
+              </a:rPr>
+              <a:t>デザイン面の経験積みたいから</a:t>
+            </a:r>
+            <a:r>
+              <a:rPr kumimoji="1" lang="en-US" altLang="ja-JP" sz="2000" dirty="0">
+                <a:latin typeface="メイリオ" panose="020B0604030504040204" pitchFamily="50" charset="-128"/>
+                <a:ea typeface="メイリオ" panose="020B0604030504040204" pitchFamily="50" charset="-128"/>
+              </a:rPr>
+              <a:t>CSS</a:t>
+            </a:r>
+            <a:r>
+              <a:rPr kumimoji="1" lang="ja-JP" altLang="en-US" sz="2000" dirty="0">
+                <a:latin typeface="メイリオ" panose="020B0604030504040204" pitchFamily="50" charset="-128"/>
+                <a:ea typeface="メイリオ" panose="020B0604030504040204" pitchFamily="50" charset="-128"/>
+              </a:rPr>
+              <a:t>やりたい！</a:t>
+            </a:r>
+          </a:p>
+        </p:txBody>
+      </p:sp>
+      <p:sp>
+        <p:nvSpPr>
+          <p:cNvPr id="8" name="吹き出し: 円形 7">
+            <a:extLst>
+              <a:ext uri="{FF2B5EF4-FFF2-40B4-BE49-F238E27FC236}">
+                <a16:creationId xmlns:a16="http://schemas.microsoft.com/office/drawing/2014/main" id="{4759617E-BB95-430E-9E31-38893687D659}"/>
+              </a:ext>
+            </a:extLst>
+          </p:cNvPr>
+          <p:cNvSpPr/>
+          <p:nvPr/>
+        </p:nvSpPr>
+        <p:spPr>
+          <a:xfrm>
+            <a:off x="3068475" y="1920388"/>
+            <a:ext cx="3236776" cy="2207914"/>
+          </a:xfrm>
+          <a:prstGeom prst="wedgeEllipseCallout">
+            <a:avLst>
+              <a:gd name="adj1" fmla="val -7586"/>
+              <a:gd name="adj2" fmla="val 90584"/>
+            </a:avLst>
+          </a:prstGeom>
+        </p:spPr>
+        <p:style>
+          <a:lnRef idx="2">
+            <a:schemeClr val="accent6"/>
+          </a:lnRef>
+          <a:fillRef idx="1">
+            <a:schemeClr val="lt1"/>
+          </a:fillRef>
+          <a:effectRef idx="0">
+            <a:schemeClr val="accent6"/>
+          </a:effectRef>
+          <a:fontRef idx="minor">
+            <a:schemeClr val="dk1"/>
+          </a:fontRef>
+        </p:style>
+        <p:txBody>
+          <a:bodyPr rtlCol="0" anchor="ctr"/>
+          <a:lstStyle/>
+          <a:p>
+            <a:pPr algn="ctr"/>
+            <a:r>
+              <a:rPr kumimoji="1" lang="en-US" altLang="ja-JP" sz="2000" dirty="0">
+                <a:latin typeface="メイリオ" panose="020B0604030504040204" pitchFamily="50" charset="-128"/>
+                <a:ea typeface="メイリオ" panose="020B0604030504040204" pitchFamily="50" charset="-128"/>
+              </a:rPr>
+              <a:t>JS</a:t>
+            </a:r>
+            <a:r>
+              <a:rPr kumimoji="1" lang="ja-JP" altLang="en-US" sz="2000" dirty="0">
+                <a:latin typeface="メイリオ" panose="020B0604030504040204" pitchFamily="50" charset="-128"/>
+                <a:ea typeface="メイリオ" panose="020B0604030504040204" pitchFamily="50" charset="-128"/>
+              </a:rPr>
+              <a:t>苦手だけど克服するために、</a:t>
+            </a:r>
+            <a:r>
+              <a:rPr kumimoji="1" lang="en-US" altLang="ja-JP" sz="2000" dirty="0">
+                <a:latin typeface="メイリオ" panose="020B0604030504040204" pitchFamily="50" charset="-128"/>
+                <a:ea typeface="メイリオ" panose="020B0604030504040204" pitchFamily="50" charset="-128"/>
+              </a:rPr>
+              <a:t>AJAX</a:t>
+            </a:r>
+            <a:r>
+              <a:rPr kumimoji="1" lang="ja-JP" altLang="en-US" sz="2000" dirty="0">
+                <a:latin typeface="メイリオ" panose="020B0604030504040204" pitchFamily="50" charset="-128"/>
+                <a:ea typeface="メイリオ" panose="020B0604030504040204" pitchFamily="50" charset="-128"/>
+              </a:rPr>
+              <a:t>頑張りたいな！</a:t>
+            </a:r>
+          </a:p>
+        </p:txBody>
+      </p:sp>
+      <p:sp>
+        <p:nvSpPr>
+          <p:cNvPr id="9" name="吹き出し: 円形 8">
+            <a:extLst>
+              <a:ext uri="{FF2B5EF4-FFF2-40B4-BE49-F238E27FC236}">
+                <a16:creationId xmlns:a16="http://schemas.microsoft.com/office/drawing/2014/main" id="{123BA602-1874-48B8-B1F8-E02ECF508E1A}"/>
+              </a:ext>
+            </a:extLst>
+          </p:cNvPr>
+          <p:cNvSpPr/>
+          <p:nvPr/>
+        </p:nvSpPr>
+        <p:spPr>
+          <a:xfrm>
+            <a:off x="108800" y="3262882"/>
+            <a:ext cx="2857534" cy="1982128"/>
+          </a:xfrm>
+          <a:prstGeom prst="wedgeEllipseCallout">
+            <a:avLst>
+              <a:gd name="adj1" fmla="val 49360"/>
+              <a:gd name="adj2" fmla="val 57023"/>
+            </a:avLst>
+          </a:prstGeom>
+        </p:spPr>
+        <p:style>
+          <a:lnRef idx="2">
+            <a:schemeClr val="accent6"/>
+          </a:lnRef>
+          <a:fillRef idx="1">
+            <a:schemeClr val="lt1"/>
+          </a:fillRef>
+          <a:effectRef idx="0">
+            <a:schemeClr val="accent6"/>
+          </a:effectRef>
+          <a:fontRef idx="minor">
+            <a:schemeClr val="dk1"/>
+          </a:fontRef>
+        </p:style>
+        <p:txBody>
+          <a:bodyPr rtlCol="0" anchor="ctr"/>
+          <a:lstStyle/>
+          <a:p>
+            <a:pPr algn="ctr"/>
+            <a:r>
+              <a:rPr kumimoji="1" lang="ja-JP" altLang="en-US" sz="2000" dirty="0">
+                <a:latin typeface="メイリオ" panose="020B0604030504040204" pitchFamily="50" charset="-128"/>
+                <a:ea typeface="メイリオ" panose="020B0604030504040204" pitchFamily="50" charset="-128"/>
+              </a:rPr>
+              <a:t>経験者だから</a:t>
+            </a:r>
+            <a:endParaRPr kumimoji="1" lang="en-US" altLang="ja-JP" sz="2000" dirty="0">
+              <a:latin typeface="メイリオ" panose="020B0604030504040204" pitchFamily="50" charset="-128"/>
+              <a:ea typeface="メイリオ" panose="020B0604030504040204" pitchFamily="50" charset="-128"/>
+            </a:endParaRPr>
+          </a:p>
+          <a:p>
+            <a:pPr algn="ctr"/>
+            <a:r>
+              <a:rPr kumimoji="1" lang="ja-JP" altLang="en-US" sz="2000" dirty="0">
+                <a:latin typeface="メイリオ" panose="020B0604030504040204" pitchFamily="50" charset="-128"/>
+                <a:ea typeface="メイリオ" panose="020B0604030504040204" pitchFamily="50" charset="-128"/>
+              </a:rPr>
+              <a:t>サーブレット中心にやるよ！</a:t>
+            </a:r>
+          </a:p>
+        </p:txBody>
+      </p:sp>
+      <p:pic>
+        <p:nvPicPr>
+          <p:cNvPr id="11" name="グラフィックス 10" descr="ユーザー 単色塗りつぶし">
+            <a:extLst>
+              <a:ext uri="{FF2B5EF4-FFF2-40B4-BE49-F238E27FC236}">
+                <a16:creationId xmlns:a16="http://schemas.microsoft.com/office/drawing/2014/main" id="{D46018F8-D988-49B7-B633-075C8AC5F2C2}"/>
+              </a:ext>
+            </a:extLst>
+          </p:cNvPr>
+          <p:cNvPicPr>
+            <a:picLocks noChangeAspect="1"/>
+          </p:cNvPicPr>
+          <p:nvPr/>
+        </p:nvPicPr>
+        <p:blipFill>
+          <a:blip r:embed="rId2">
+            <a:extLst>
+              <a:ext uri="{28A0092B-C50C-407E-A947-70E740481C1C}">
+                <a14:useLocalDpi xmlns:a14="http://schemas.microsoft.com/office/drawing/2010/main" val="0"/>
+              </a:ext>
+              <a:ext uri="{96DAC541-7B7A-43D3-8B79-37D633B846F1}">
+                <asvg:svgBlip xmlns:asvg="http://schemas.microsoft.com/office/drawing/2016/SVG/main" r:embed="rId3"/>
+              </a:ext>
+            </a:extLst>
+          </a:blip>
+          <a:stretch>
+            <a:fillRect/>
+          </a:stretch>
+        </p:blipFill>
+        <p:spPr>
+          <a:xfrm>
+            <a:off x="2838750" y="4314337"/>
+            <a:ext cx="3466501" cy="2959115"/>
           </a:xfrm>
           <a:prstGeom prst="rect">
             <a:avLst/>
           </a:prstGeom>
         </p:spPr>
+      </p:pic>
+      <p:sp>
+        <p:nvSpPr>
+          <p:cNvPr id="12" name="吹き出し: 円形 11">
+            <a:extLst>
+              <a:ext uri="{FF2B5EF4-FFF2-40B4-BE49-F238E27FC236}">
+                <a16:creationId xmlns:a16="http://schemas.microsoft.com/office/drawing/2014/main" id="{C00A3B18-94BA-469C-8E5F-9689B056F308}"/>
+              </a:ext>
+            </a:extLst>
+          </p:cNvPr>
+          <p:cNvSpPr/>
+          <p:nvPr/>
+        </p:nvSpPr>
+        <p:spPr>
+          <a:xfrm>
+            <a:off x="98770" y="809835"/>
+            <a:ext cx="2857534" cy="1982128"/>
+          </a:xfrm>
+          <a:prstGeom prst="wedgeEllipseCallout">
+            <a:avLst>
+              <a:gd name="adj1" fmla="val 42867"/>
+              <a:gd name="adj2" fmla="val 57023"/>
+            </a:avLst>
+          </a:prstGeom>
+        </p:spPr>
         <p:style>
           <a:lnRef idx="2">
-            <a:schemeClr val="accent1">
-              <a:shade val="50000"/>
-            </a:schemeClr>
+            <a:schemeClr val="accent6"/>
           </a:lnRef>
           <a:fillRef idx="1">
-            <a:schemeClr val="accent1"/>
+            <a:schemeClr val="lt1"/>
           </a:fillRef>
           <a:effectRef idx="0">
-            <a:schemeClr val="accent1"/>
+            <a:schemeClr val="accent6"/>
           </a:effectRef>
           <a:fontRef idx="minor">
-            <a:schemeClr val="lt1"/>
+            <a:schemeClr val="dk1"/>
           </a:fontRef>
         </p:style>
         <p:txBody>
@@ -12856,8 +13247,123 @@
           <a:p>
             <a:pPr algn="ctr"/>
             <a:r>
-              <a:rPr kumimoji="1" lang="ja-JP" altLang="en-US" dirty="0"/>
-              <a:t>プロジェクト</a:t>
+              <a:rPr kumimoji="1" lang="en-US" altLang="ja-JP" sz="2000" dirty="0">
+                <a:latin typeface="メイリオ" panose="020B0604030504040204" pitchFamily="50" charset="-128"/>
+                <a:ea typeface="メイリオ" panose="020B0604030504040204" pitchFamily="50" charset="-128"/>
+              </a:rPr>
+              <a:t>Dao</a:t>
+            </a:r>
+            <a:r>
+              <a:rPr kumimoji="1" lang="ja-JP" altLang="en-US" sz="2000" dirty="0">
+                <a:latin typeface="メイリオ" panose="020B0604030504040204" pitchFamily="50" charset="-128"/>
+                <a:ea typeface="メイリオ" panose="020B0604030504040204" pitchFamily="50" charset="-128"/>
+              </a:rPr>
+              <a:t>と</a:t>
+            </a:r>
+            <a:r>
+              <a:rPr kumimoji="1" lang="en-US" altLang="ja-JP" sz="2000" dirty="0">
+                <a:latin typeface="メイリオ" panose="020B0604030504040204" pitchFamily="50" charset="-128"/>
+                <a:ea typeface="メイリオ" panose="020B0604030504040204" pitchFamily="50" charset="-128"/>
+              </a:rPr>
+              <a:t>SQL</a:t>
+            </a:r>
+            <a:r>
+              <a:rPr kumimoji="1" lang="ja-JP" altLang="en-US" sz="2000" dirty="0">
+                <a:latin typeface="メイリオ" panose="020B0604030504040204" pitchFamily="50" charset="-128"/>
+                <a:ea typeface="メイリオ" panose="020B0604030504040204" pitchFamily="50" charset="-128"/>
+              </a:rPr>
+              <a:t>に挑戦してみるね！</a:t>
+            </a:r>
+          </a:p>
+        </p:txBody>
+      </p:sp>
+      <p:sp>
+        <p:nvSpPr>
+          <p:cNvPr id="15" name="吹き出し: 円形 14">
+            <a:extLst>
+              <a:ext uri="{FF2B5EF4-FFF2-40B4-BE49-F238E27FC236}">
+                <a16:creationId xmlns:a16="http://schemas.microsoft.com/office/drawing/2014/main" id="{16265C47-750F-4034-871A-391AA68A0DBB}"/>
+              </a:ext>
+            </a:extLst>
+          </p:cNvPr>
+          <p:cNvSpPr/>
+          <p:nvPr/>
+        </p:nvSpPr>
+        <p:spPr>
+          <a:xfrm>
+            <a:off x="6285339" y="743289"/>
+            <a:ext cx="2789834" cy="1982128"/>
+          </a:xfrm>
+          <a:prstGeom prst="wedgeEllipseCallout">
+            <a:avLst>
+              <a:gd name="adj1" fmla="val -43648"/>
+              <a:gd name="adj2" fmla="val 48611"/>
+            </a:avLst>
+          </a:prstGeom>
+        </p:spPr>
+        <p:style>
+          <a:lnRef idx="2">
+            <a:schemeClr val="accent6"/>
+          </a:lnRef>
+          <a:fillRef idx="1">
+            <a:schemeClr val="lt1"/>
+          </a:fillRef>
+          <a:effectRef idx="0">
+            <a:schemeClr val="accent6"/>
+          </a:effectRef>
+          <a:fontRef idx="minor">
+            <a:schemeClr val="dk1"/>
+          </a:fontRef>
+        </p:style>
+        <p:txBody>
+          <a:bodyPr rtlCol="0" anchor="ctr"/>
+          <a:lstStyle/>
+          <a:p>
+            <a:pPr algn="ctr"/>
+            <a:r>
+              <a:rPr kumimoji="1" lang="ja-JP" altLang="en-US" sz="2000" dirty="0">
+                <a:latin typeface="メイリオ" panose="020B0604030504040204" pitchFamily="50" charset="-128"/>
+                <a:ea typeface="メイリオ" panose="020B0604030504040204" pitchFamily="50" charset="-128"/>
+              </a:rPr>
+              <a:t>オールマイティに取り組んでみようかな！</a:t>
+            </a:r>
+          </a:p>
+        </p:txBody>
+      </p:sp>
+      <p:sp>
+        <p:nvSpPr>
+          <p:cNvPr id="16" name="テキスト ボックス 15">
+            <a:extLst>
+              <a:ext uri="{FF2B5EF4-FFF2-40B4-BE49-F238E27FC236}">
+                <a16:creationId xmlns:a16="http://schemas.microsoft.com/office/drawing/2014/main" id="{1C3D3289-C0D0-4E37-8BBE-D43306A2E151}"/>
+              </a:ext>
+            </a:extLst>
+          </p:cNvPr>
+          <p:cNvSpPr txBox="1"/>
+          <p:nvPr/>
+        </p:nvSpPr>
+        <p:spPr>
+          <a:xfrm>
+            <a:off x="2455448" y="348571"/>
+            <a:ext cx="4943061" cy="523220"/>
+          </a:xfrm>
+          <a:prstGeom prst="rect">
+            <a:avLst/>
+          </a:prstGeom>
+          <a:noFill/>
+        </p:spPr>
+        <p:txBody>
+          <a:bodyPr wrap="square" rtlCol="0">
+            <a:spAutoFit/>
+          </a:bodyPr>
+          <a:lstStyle/>
+          <a:p>
+            <a:r>
+              <a:rPr kumimoji="1" lang="ja-JP" altLang="en-US" sz="2800" dirty="0">
+                <a:latin typeface="メイリオ" panose="020B0604030504040204" pitchFamily="50" charset="-128"/>
+                <a:ea typeface="メイリオ" panose="020B0604030504040204" pitchFamily="50" charset="-128"/>
+              </a:rPr>
+              <a:t>成長を意識した役割分担</a:t>
             </a:r>
           </a:p>
         </p:txBody>
@@ -12865,7 +13371,7 @@
     </p:spTree>
     <p:extLst>
       <p:ext uri="{BB962C8B-B14F-4D97-AF65-F5344CB8AC3E}">
-        <p14:creationId xmlns:p14="http://schemas.microsoft.com/office/powerpoint/2010/main" val="635243861"/>
+        <p14:creationId xmlns:p14="http://schemas.microsoft.com/office/powerpoint/2010/main" val="311398707"/>
       </p:ext>
     </p:extLst>
   </p:cSld>
@@ -12897,7 +13403,7 @@
           <p:cNvPr id="2" name="スライド番号プレースホルダー 1">
             <a:extLst>
               <a:ext uri="{FF2B5EF4-FFF2-40B4-BE49-F238E27FC236}">
-                <a16:creationId xmlns:a16="http://schemas.microsoft.com/office/drawing/2014/main" id="{E114EBA8-8AF6-423A-AA6F-7F4FB34896A8}"/>
+                <a16:creationId xmlns:a16="http://schemas.microsoft.com/office/drawing/2014/main" id="{3AEA2DF8-427B-4AF5-8AB2-2D453398C4D6}"/>
               </a:ext>
             </a:extLst>
           </p:cNvPr>
@@ -12921,41 +13427,144 @@
           </a:p>
         </p:txBody>
       </p:sp>
-      <p:sp>
-        <p:nvSpPr>
-          <p:cNvPr id="3" name="正方形/長方形 2">
+    </p:spTree>
+    <p:extLst>
+      <p:ext uri="{BB962C8B-B14F-4D97-AF65-F5344CB8AC3E}">
+        <p14:creationId xmlns:p14="http://schemas.microsoft.com/office/powerpoint/2010/main" val="2384918446"/>
+      </p:ext>
+    </p:extLst>
+  </p:cSld>
+  <p:clrMapOvr>
+    <a:masterClrMapping/>
+  </p:clrMapOvr>
+</p:sld>
+</file>
+
+<file path=ppt/slides/slide18.xml><?xml version="1.0" encoding="utf-8"?>
+<p:sld xmlns:a="http://schemas.openxmlformats.org/drawingml/2006/main" xmlns:r="http://schemas.openxmlformats.org/officeDocument/2006/relationships" xmlns:p="http://schemas.openxmlformats.org/presentationml/2006/main">
+  <p:cSld>
+    <p:spTree>
+      <p:nvGrpSpPr>
+        <p:cNvPr id="1" name=""/>
+        <p:cNvGrpSpPr/>
+        <p:nvPr/>
+      </p:nvGrpSpPr>
+      <p:grpSpPr>
+        <a:xfrm>
+          <a:off x="0" y="0"/>
+          <a:ext cx="0" cy="0"/>
+          <a:chOff x="0" y="0"/>
+          <a:chExt cx="0" cy="0"/>
+        </a:xfrm>
+      </p:grpSpPr>
+      <p:sp>
+        <p:nvSpPr>
+          <p:cNvPr id="2" name="スライド番号プレースホルダー 1">
             <a:extLst>
               <a:ext uri="{FF2B5EF4-FFF2-40B4-BE49-F238E27FC236}">
-                <a16:creationId xmlns:a16="http://schemas.microsoft.com/office/drawing/2014/main" id="{86512F09-390C-422C-86BB-43AC427C923F}"/>
+                <a16:creationId xmlns:a16="http://schemas.microsoft.com/office/drawing/2014/main" id="{76B3011A-91A4-4466-BA8C-F02153A76A50}"/>
               </a:ext>
             </a:extLst>
           </p:cNvPr>
-          <p:cNvSpPr/>
+          <p:cNvSpPr>
+            <a:spLocks noGrp="1"/>
+          </p:cNvSpPr>
+          <p:nvPr>
+            <p:ph type="sldNum" sz="quarter" idx="12"/>
+          </p:nvPr>
+        </p:nvSpPr>
+        <p:spPr/>
+        <p:txBody>
+          <a:bodyPr/>
+          <a:lstStyle/>
+          <a:p>
+            <a:fld id="{28B3E1AD-D654-41ED-B122-F068B9548232}" type="slidenum">
+              <a:rPr kumimoji="1" lang="ja-JP" altLang="en-US" smtClean="0"/>
+              <a:t>18</a:t>
+            </a:fld>
+            <a:endParaRPr kumimoji="1" lang="ja-JP" altLang="en-US"/>
+          </a:p>
+        </p:txBody>
+      </p:sp>
+      <p:pic>
+        <p:nvPicPr>
+          <p:cNvPr id="6" name="図 5" descr="コンピューターのスクリーンショット&#10;&#10;自動的に生成された説明">
+            <a:extLst>
+              <a:ext uri="{FF2B5EF4-FFF2-40B4-BE49-F238E27FC236}">
+                <a16:creationId xmlns:a16="http://schemas.microsoft.com/office/drawing/2014/main" id="{8010BF0A-B7B2-4AAD-9DCC-DF812238E13D}"/>
+              </a:ext>
+            </a:extLst>
+          </p:cNvPr>
+          <p:cNvPicPr>
+            <a:picLocks noChangeAspect="1"/>
+          </p:cNvPicPr>
           <p:nvPr/>
-        </p:nvSpPr>
+        </p:nvPicPr>
+        <p:blipFill rotWithShape="1">
+          <a:blip r:embed="rId2">
+            <a:extLst>
+              <a:ext uri="{28A0092B-C50C-407E-A947-70E740481C1C}">
+                <a14:useLocalDpi xmlns:a14="http://schemas.microsoft.com/office/drawing/2010/main" val="0"/>
+              </a:ext>
+            </a:extLst>
+          </a:blip>
+          <a:srcRect l="4119" t="9594" b="7919"/>
+          <a:stretch/>
+        </p:blipFill>
         <p:spPr>
           <a:xfrm>
-            <a:off x="577121" y="614597"/>
-            <a:ext cx="7989757" cy="4527029"/>
+            <a:off x="139554" y="1733257"/>
+            <a:ext cx="8931895" cy="4320209"/>
           </a:xfrm>
           <a:prstGeom prst="rect">
             <a:avLst/>
           </a:prstGeom>
         </p:spPr>
+      </p:pic>
+      <p:sp>
+        <p:nvSpPr>
+          <p:cNvPr id="8" name="吹き出し: 折線 7">
+            <a:extLst>
+              <a:ext uri="{FF2B5EF4-FFF2-40B4-BE49-F238E27FC236}">
+                <a16:creationId xmlns:a16="http://schemas.microsoft.com/office/drawing/2014/main" id="{7E43F8EB-7962-4322-9DD0-09396FEA81F3}"/>
+              </a:ext>
+            </a:extLst>
+          </p:cNvPr>
+          <p:cNvSpPr/>
+          <p:nvPr/>
+        </p:nvSpPr>
+        <p:spPr>
+          <a:xfrm>
+            <a:off x="4015408" y="1312963"/>
+            <a:ext cx="2385389" cy="1105630"/>
+          </a:xfrm>
+          <a:prstGeom prst="borderCallout2">
+            <a:avLst>
+              <a:gd name="adj1" fmla="val 22362"/>
+              <a:gd name="adj2" fmla="val -211"/>
+              <a:gd name="adj3" fmla="val 22362"/>
+              <a:gd name="adj4" fmla="val -21236"/>
+              <a:gd name="adj5" fmla="val 186766"/>
+              <a:gd name="adj6" fmla="val -44407"/>
+            </a:avLst>
+          </a:prstGeom>
+          <a:solidFill>
+            <a:schemeClr val="accent1"/>
+          </a:solidFill>
+          <a:ln w="38100"/>
+        </p:spPr>
         <p:style>
           <a:lnRef idx="2">
-            <a:schemeClr val="accent1">
-              <a:shade val="50000"/>
-            </a:schemeClr>
+            <a:schemeClr val="accent6"/>
           </a:lnRef>
           <a:fillRef idx="1">
-            <a:schemeClr val="accent1"/>
+            <a:schemeClr val="lt1"/>
           </a:fillRef>
           <a:effectRef idx="0">
-            <a:schemeClr val="accent1"/>
+            <a:schemeClr val="accent6"/>
           </a:effectRef>
           <a:fontRef idx="minor">
-            <a:schemeClr val="lt1"/>
+            <a:schemeClr val="dk1"/>
           </a:fontRef>
         </p:style>
         <p:txBody>
@@ -12964,14 +13573,1195 @@
           <a:p>
             <a:pPr algn="ctr"/>
             <a:r>
+              <a:rPr kumimoji="1" lang="ja-JP" altLang="en-US" dirty="0">
+                <a:latin typeface="メイリオ" panose="020B0604030504040204" pitchFamily="50" charset="-128"/>
+                <a:ea typeface="メイリオ" panose="020B0604030504040204" pitchFamily="50" charset="-128"/>
+              </a:rPr>
+              <a:t>誰がどの作業を行っているか可視化</a:t>
+            </a:r>
+            <a:endParaRPr kumimoji="1" lang="en-US" altLang="ja-JP" dirty="0">
+              <a:latin typeface="メイリオ" panose="020B0604030504040204" pitchFamily="50" charset="-128"/>
+              <a:ea typeface="メイリオ" panose="020B0604030504040204" pitchFamily="50" charset="-128"/>
+            </a:endParaRPr>
+          </a:p>
+        </p:txBody>
+      </p:sp>
+      <p:sp>
+        <p:nvSpPr>
+          <p:cNvPr id="12" name="吹き出し: 折線 11">
+            <a:extLst>
+              <a:ext uri="{FF2B5EF4-FFF2-40B4-BE49-F238E27FC236}">
+                <a16:creationId xmlns:a16="http://schemas.microsoft.com/office/drawing/2014/main" id="{8F1450B2-BF41-4C7E-9A8E-00F12A7FB8A5}"/>
+              </a:ext>
+            </a:extLst>
+          </p:cNvPr>
+          <p:cNvSpPr/>
+          <p:nvPr/>
+        </p:nvSpPr>
+        <p:spPr>
+          <a:xfrm>
+            <a:off x="1676419" y="5998996"/>
+            <a:ext cx="1789274" cy="762000"/>
+          </a:xfrm>
+          <a:prstGeom prst="borderCallout2">
+            <a:avLst>
+              <a:gd name="adj1" fmla="val 22362"/>
+              <a:gd name="adj2" fmla="val -211"/>
+              <a:gd name="adj3" fmla="val 22362"/>
+              <a:gd name="adj4" fmla="val -21236"/>
+              <a:gd name="adj5" fmla="val -305166"/>
+              <a:gd name="adj6" fmla="val -74635"/>
+            </a:avLst>
+          </a:prstGeom>
+          <a:solidFill>
+            <a:schemeClr val="accent1"/>
+          </a:solidFill>
+          <a:ln w="38100"/>
+        </p:spPr>
+        <p:style>
+          <a:lnRef idx="2">
+            <a:schemeClr val="accent6"/>
+          </a:lnRef>
+          <a:fillRef idx="1">
+            <a:schemeClr val="lt1"/>
+          </a:fillRef>
+          <a:effectRef idx="0">
+            <a:schemeClr val="accent6"/>
+          </a:effectRef>
+          <a:fontRef idx="minor">
+            <a:schemeClr val="dk1"/>
+          </a:fontRef>
+        </p:style>
+        <p:txBody>
+          <a:bodyPr rtlCol="0" anchor="ctr"/>
+          <a:lstStyle/>
+          <a:p>
+            <a:pPr algn="ctr"/>
+            <a:r>
+              <a:rPr kumimoji="1" lang="ja-JP" altLang="en-US" dirty="0">
+                <a:latin typeface="メイリオ" panose="020B0604030504040204" pitchFamily="50" charset="-128"/>
+                <a:ea typeface="メイリオ" panose="020B0604030504040204" pitchFamily="50" charset="-128"/>
+              </a:rPr>
+              <a:t>タスクを数字で把握できる</a:t>
+            </a:r>
+            <a:endParaRPr kumimoji="1" lang="en-US" altLang="ja-JP" dirty="0">
+              <a:latin typeface="メイリオ" panose="020B0604030504040204" pitchFamily="50" charset="-128"/>
+              <a:ea typeface="メイリオ" panose="020B0604030504040204" pitchFamily="50" charset="-128"/>
+            </a:endParaRPr>
+          </a:p>
+        </p:txBody>
+      </p:sp>
+      <p:sp>
+        <p:nvSpPr>
+          <p:cNvPr id="15" name="吹き出し: 折線 14">
+            <a:extLst>
+              <a:ext uri="{FF2B5EF4-FFF2-40B4-BE49-F238E27FC236}">
+                <a16:creationId xmlns:a16="http://schemas.microsoft.com/office/drawing/2014/main" id="{279043DB-685C-4E96-B358-AD8E2D63F4BB}"/>
+              </a:ext>
+            </a:extLst>
+          </p:cNvPr>
+          <p:cNvSpPr/>
+          <p:nvPr/>
+        </p:nvSpPr>
+        <p:spPr>
+          <a:xfrm>
+            <a:off x="5651717" y="6017948"/>
+            <a:ext cx="2630891" cy="762000"/>
+          </a:xfrm>
+          <a:prstGeom prst="borderCallout2">
+            <a:avLst>
+              <a:gd name="adj1" fmla="val 22362"/>
+              <a:gd name="adj2" fmla="val -211"/>
+              <a:gd name="adj3" fmla="val -19377"/>
+              <a:gd name="adj4" fmla="val -22211"/>
+              <a:gd name="adj5" fmla="val -200818"/>
+              <a:gd name="adj6" fmla="val -8718"/>
+            </a:avLst>
+          </a:prstGeom>
+          <a:solidFill>
+            <a:schemeClr val="accent1"/>
+          </a:solidFill>
+          <a:ln w="38100"/>
+        </p:spPr>
+        <p:style>
+          <a:lnRef idx="2">
+            <a:schemeClr val="accent6"/>
+          </a:lnRef>
+          <a:fillRef idx="1">
+            <a:schemeClr val="lt1"/>
+          </a:fillRef>
+          <a:effectRef idx="0">
+            <a:schemeClr val="accent6"/>
+          </a:effectRef>
+          <a:fontRef idx="minor">
+            <a:schemeClr val="dk1"/>
+          </a:fontRef>
+        </p:style>
+        <p:txBody>
+          <a:bodyPr rtlCol="0" anchor="ctr"/>
+          <a:lstStyle/>
+          <a:p>
+            <a:pPr algn="ctr"/>
+            <a:r>
+              <a:rPr kumimoji="1" lang="ja-JP" altLang="en-US" dirty="0">
+                <a:latin typeface="メイリオ" panose="020B0604030504040204" pitchFamily="50" charset="-128"/>
+                <a:ea typeface="メイリオ" panose="020B0604030504040204" pitchFamily="50" charset="-128"/>
+              </a:rPr>
+              <a:t>プッシュする際に</a:t>
+            </a:r>
+            <a:endParaRPr kumimoji="1" lang="en-US" altLang="ja-JP" dirty="0">
+              <a:latin typeface="メイリオ" panose="020B0604030504040204" pitchFamily="50" charset="-128"/>
+              <a:ea typeface="メイリオ" panose="020B0604030504040204" pitchFamily="50" charset="-128"/>
+            </a:endParaRPr>
+          </a:p>
+          <a:p>
+            <a:pPr algn="ctr"/>
+            <a:r>
+              <a:rPr kumimoji="1" lang="ja-JP" altLang="en-US" dirty="0">
+                <a:latin typeface="メイリオ" panose="020B0604030504040204" pitchFamily="50" charset="-128"/>
+                <a:ea typeface="メイリオ" panose="020B0604030504040204" pitchFamily="50" charset="-128"/>
+              </a:rPr>
+              <a:t>＃○○をつけた</a:t>
+            </a:r>
+            <a:endParaRPr kumimoji="1" lang="en-US" altLang="ja-JP" dirty="0">
+              <a:latin typeface="メイリオ" panose="020B0604030504040204" pitchFamily="50" charset="-128"/>
+              <a:ea typeface="メイリオ" panose="020B0604030504040204" pitchFamily="50" charset="-128"/>
+            </a:endParaRPr>
+          </a:p>
+        </p:txBody>
+      </p:sp>
+      <p:sp>
+        <p:nvSpPr>
+          <p:cNvPr id="16" name="テキスト ボックス 15">
+            <a:extLst>
+              <a:ext uri="{FF2B5EF4-FFF2-40B4-BE49-F238E27FC236}">
+                <a16:creationId xmlns:a16="http://schemas.microsoft.com/office/drawing/2014/main" id="{6D9EEABD-7B5E-43FE-ACC9-E08C0FA35077}"/>
+              </a:ext>
+            </a:extLst>
+          </p:cNvPr>
+          <p:cNvSpPr txBox="1"/>
+          <p:nvPr/>
+        </p:nvSpPr>
+        <p:spPr>
+          <a:xfrm>
+            <a:off x="2100468" y="371061"/>
+            <a:ext cx="4943061" cy="523220"/>
+          </a:xfrm>
+          <a:prstGeom prst="rect">
+            <a:avLst/>
+          </a:prstGeom>
+          <a:noFill/>
+        </p:spPr>
+        <p:txBody>
+          <a:bodyPr wrap="square" rtlCol="0">
+            <a:spAutoFit/>
+          </a:bodyPr>
+          <a:lstStyle/>
+          <a:p>
+            <a:r>
+              <a:rPr kumimoji="1" lang="en-US" altLang="ja-JP" sz="2800" dirty="0">
+                <a:latin typeface="メイリオ" panose="020B0604030504040204" pitchFamily="50" charset="-128"/>
+                <a:ea typeface="メイリオ" panose="020B0604030504040204" pitchFamily="50" charset="-128"/>
+              </a:rPr>
+              <a:t>GitHub</a:t>
+            </a:r>
+            <a:r>
+              <a:rPr kumimoji="1" lang="ja-JP" altLang="en-US" sz="2800" dirty="0">
+                <a:latin typeface="メイリオ" panose="020B0604030504040204" pitchFamily="50" charset="-128"/>
+                <a:ea typeface="メイリオ" panose="020B0604030504040204" pitchFamily="50" charset="-128"/>
+              </a:rPr>
+              <a:t>を活用したタスク管理</a:t>
+            </a:r>
+          </a:p>
+        </p:txBody>
+      </p:sp>
+    </p:spTree>
+    <p:extLst>
+      <p:ext uri="{BB962C8B-B14F-4D97-AF65-F5344CB8AC3E}">
+        <p14:creationId xmlns:p14="http://schemas.microsoft.com/office/powerpoint/2010/main" val="1860764123"/>
+      </p:ext>
+    </p:extLst>
+  </p:cSld>
+  <p:clrMapOvr>
+    <a:masterClrMapping/>
+  </p:clrMapOvr>
+</p:sld>
+</file>
+
+<file path=ppt/slides/slide19.xml><?xml version="1.0" encoding="utf-8"?>
+<p:sld xmlns:a="http://schemas.openxmlformats.org/drawingml/2006/main" xmlns:r="http://schemas.openxmlformats.org/officeDocument/2006/relationships" xmlns:p="http://schemas.openxmlformats.org/presentationml/2006/main">
+  <p:cSld>
+    <p:spTree>
+      <p:nvGrpSpPr>
+        <p:cNvPr id="1" name=""/>
+        <p:cNvGrpSpPr/>
+        <p:nvPr/>
+      </p:nvGrpSpPr>
+      <p:grpSpPr>
+        <a:xfrm>
+          <a:off x="0" y="0"/>
+          <a:ext cx="0" cy="0"/>
+          <a:chOff x="0" y="0"/>
+          <a:chExt cx="0" cy="0"/>
+        </a:xfrm>
+      </p:grpSpPr>
+      <p:sp>
+        <p:nvSpPr>
+          <p:cNvPr id="2" name="タイトル 1">
+            <a:extLst>
+              <a:ext uri="{FF2B5EF4-FFF2-40B4-BE49-F238E27FC236}">
+                <a16:creationId xmlns:a16="http://schemas.microsoft.com/office/drawing/2014/main" id="{4001035E-A983-44A7-811C-B1ED7DF75EA6}"/>
+              </a:ext>
+            </a:extLst>
+          </p:cNvPr>
+          <p:cNvSpPr>
+            <a:spLocks noGrp="1"/>
+          </p:cNvSpPr>
+          <p:nvPr>
+            <p:ph type="title"/>
+          </p:nvPr>
+        </p:nvSpPr>
+        <p:spPr/>
+        <p:txBody>
+          <a:bodyPr/>
+          <a:lstStyle/>
+          <a:p>
+            <a:r>
               <a:rPr kumimoji="1" lang="ja-JP" altLang="en-US" dirty="0"/>
-              <a:t>プロジェクト苦労話</a:t>
+              <a:t>苦労したこと</a:t>
+            </a:r>
+          </a:p>
+        </p:txBody>
+      </p:sp>
+      <p:sp>
+        <p:nvSpPr>
+          <p:cNvPr id="3" name="スライド番号プレースホルダー 2">
+            <a:extLst>
+              <a:ext uri="{FF2B5EF4-FFF2-40B4-BE49-F238E27FC236}">
+                <a16:creationId xmlns:a16="http://schemas.microsoft.com/office/drawing/2014/main" id="{FDED7A12-D1F9-4889-86F6-CE62B671198C}"/>
+              </a:ext>
+            </a:extLst>
+          </p:cNvPr>
+          <p:cNvSpPr>
+            <a:spLocks noGrp="1"/>
+          </p:cNvSpPr>
+          <p:nvPr>
+            <p:ph type="sldNum" sz="quarter" idx="12"/>
+          </p:nvPr>
+        </p:nvSpPr>
+        <p:spPr/>
+        <p:txBody>
+          <a:bodyPr/>
+          <a:lstStyle/>
+          <a:p>
+            <a:fld id="{28B3E1AD-D654-41ED-B122-F068B9548232}" type="slidenum">
+              <a:rPr kumimoji="1" lang="ja-JP" altLang="en-US" smtClean="0"/>
+              <a:t>19</a:t>
+            </a:fld>
+            <a:endParaRPr kumimoji="1" lang="ja-JP" altLang="en-US"/>
+          </a:p>
+        </p:txBody>
+      </p:sp>
+    </p:spTree>
+    <p:extLst>
+      <p:ext uri="{BB962C8B-B14F-4D97-AF65-F5344CB8AC3E}">
+        <p14:creationId xmlns:p14="http://schemas.microsoft.com/office/powerpoint/2010/main" val="2550007102"/>
+      </p:ext>
+    </p:extLst>
+  </p:cSld>
+  <p:clrMapOvr>
+    <a:masterClrMapping/>
+  </p:clrMapOvr>
+</p:sld>
+</file>
+
+<file path=ppt/slides/slide2.xml><?xml version="1.0" encoding="utf-8"?>
+<p:sld xmlns:a="http://schemas.openxmlformats.org/drawingml/2006/main" xmlns:r="http://schemas.openxmlformats.org/officeDocument/2006/relationships" xmlns:p="http://schemas.openxmlformats.org/presentationml/2006/main">
+  <p:cSld>
+    <p:spTree>
+      <p:nvGrpSpPr>
+        <p:cNvPr id="1" name=""/>
+        <p:cNvGrpSpPr/>
+        <p:nvPr/>
+      </p:nvGrpSpPr>
+      <p:grpSpPr>
+        <a:xfrm>
+          <a:off x="0" y="0"/>
+          <a:ext cx="0" cy="0"/>
+          <a:chOff x="0" y="0"/>
+          <a:chExt cx="0" cy="0"/>
+        </a:xfrm>
+      </p:grpSpPr>
+      <p:sp>
+        <p:nvSpPr>
+          <p:cNvPr id="2" name="タイトル 1">
+            <a:extLst>
+              <a:ext uri="{FF2B5EF4-FFF2-40B4-BE49-F238E27FC236}">
+                <a16:creationId xmlns:a16="http://schemas.microsoft.com/office/drawing/2014/main" id="{AF626A66-1FD7-4EE6-A6C8-9B7BA0C9036A}"/>
+              </a:ext>
+            </a:extLst>
+          </p:cNvPr>
+          <p:cNvSpPr>
+            <a:spLocks noGrp="1"/>
+          </p:cNvSpPr>
+          <p:nvPr>
+            <p:ph type="title"/>
+          </p:nvPr>
+        </p:nvSpPr>
+        <p:spPr>
+          <a:xfrm>
+            <a:off x="488707" y="235613"/>
+            <a:ext cx="8079581" cy="863885"/>
+          </a:xfrm>
+        </p:spPr>
+        <p:txBody>
+          <a:bodyPr/>
+          <a:lstStyle/>
+          <a:p>
+            <a:r>
+              <a:rPr kumimoji="1" lang="ja-JP" altLang="en-US" dirty="0">
+                <a:latin typeface="メイリオ" panose="020B0604030504040204" pitchFamily="50" charset="-128"/>
+                <a:ea typeface="メイリオ" panose="020B0604030504040204" pitchFamily="50" charset="-128"/>
+              </a:rPr>
+              <a:t>アジェンダ</a:t>
+            </a:r>
+          </a:p>
+        </p:txBody>
+      </p:sp>
+      <p:sp>
+        <p:nvSpPr>
+          <p:cNvPr id="9" name="四角形: 角を丸くする 8">
+            <a:extLst>
+              <a:ext uri="{FF2B5EF4-FFF2-40B4-BE49-F238E27FC236}">
+                <a16:creationId xmlns:a16="http://schemas.microsoft.com/office/drawing/2014/main" id="{95E61E18-E0FF-4789-B846-542D3BDD545C}"/>
+              </a:ext>
+            </a:extLst>
+          </p:cNvPr>
+          <p:cNvSpPr/>
+          <p:nvPr/>
+        </p:nvSpPr>
+        <p:spPr>
+          <a:xfrm>
+            <a:off x="615002" y="1327811"/>
+            <a:ext cx="7913995" cy="658000"/>
+          </a:xfrm>
+          <a:prstGeom prst="roundRect">
+            <a:avLst/>
+          </a:prstGeom>
+          <a:ln w="19050">
+            <a:solidFill>
+              <a:schemeClr val="accent1"/>
+            </a:solidFill>
+          </a:ln>
+        </p:spPr>
+        <p:style>
+          <a:lnRef idx="2">
+            <a:schemeClr val="accent6"/>
+          </a:lnRef>
+          <a:fillRef idx="1">
+            <a:schemeClr val="lt1"/>
+          </a:fillRef>
+          <a:effectRef idx="0">
+            <a:schemeClr val="accent6"/>
+          </a:effectRef>
+          <a:fontRef idx="minor">
+            <a:schemeClr val="dk1"/>
+          </a:fontRef>
+        </p:style>
+        <p:txBody>
+          <a:bodyPr rtlCol="0" anchor="ctr"/>
+          <a:lstStyle/>
+          <a:p>
+            <a:pPr marL="342900" indent="-342900" algn="just">
+              <a:lnSpc>
+                <a:spcPct val="150000"/>
+              </a:lnSpc>
+              <a:buFont typeface="+mj-lt"/>
+              <a:buAutoNum type="arabicPeriod"/>
+            </a:pPr>
+            <a:r>
+              <a:rPr lang="ja-JP" altLang="en-US" sz="3600" kern="100" dirty="0">
+                <a:solidFill>
+                  <a:schemeClr val="tx1">
+                    <a:lumMod val="85000"/>
+                    <a:lumOff val="15000"/>
+                  </a:schemeClr>
+                </a:solidFill>
+                <a:latin typeface="メイリオ" panose="020B0604030504040204" pitchFamily="50" charset="-128"/>
+                <a:ea typeface="メイリオ" panose="020B0604030504040204" pitchFamily="50" charset="-128"/>
+                <a:cs typeface="Times New Roman" panose="02020603050405020304" pitchFamily="18" charset="0"/>
+              </a:rPr>
+              <a:t>　</a:t>
+            </a:r>
+            <a:r>
+              <a:rPr lang="ja-JP" altLang="ja-JP" sz="3600" kern="100" dirty="0">
+                <a:solidFill>
+                  <a:schemeClr val="tx1">
+                    <a:lumMod val="85000"/>
+                    <a:lumOff val="15000"/>
+                  </a:schemeClr>
+                </a:solidFill>
+                <a:latin typeface="メイリオ" panose="020B0604030504040204" pitchFamily="50" charset="-128"/>
+                <a:ea typeface="メイリオ" panose="020B0604030504040204" pitchFamily="50" charset="-128"/>
+                <a:cs typeface="Times New Roman" panose="02020603050405020304" pitchFamily="18" charset="0"/>
+              </a:rPr>
+              <a:t>チームの概要</a:t>
+            </a:r>
+          </a:p>
+        </p:txBody>
+      </p:sp>
+      <p:sp>
+        <p:nvSpPr>
+          <p:cNvPr id="15" name="スライド番号プレースホルダー 14">
+            <a:extLst>
+              <a:ext uri="{FF2B5EF4-FFF2-40B4-BE49-F238E27FC236}">
+                <a16:creationId xmlns:a16="http://schemas.microsoft.com/office/drawing/2014/main" id="{AF80DF13-54D4-4295-8DBD-60C26A1BCC62}"/>
+              </a:ext>
+            </a:extLst>
+          </p:cNvPr>
+          <p:cNvSpPr>
+            <a:spLocks noGrp="1"/>
+          </p:cNvSpPr>
+          <p:nvPr>
+            <p:ph type="sldNum" sz="quarter" idx="12"/>
+          </p:nvPr>
+        </p:nvSpPr>
+        <p:spPr>
+          <a:xfrm>
+            <a:off x="6784980" y="5359578"/>
+            <a:ext cx="2194560" cy="1397039"/>
+          </a:xfrm>
+        </p:spPr>
+        <p:txBody>
+          <a:bodyPr anchor="ctr"/>
+          <a:lstStyle/>
+          <a:p>
+            <a:fld id="{28B3E1AD-D654-41ED-B122-F068B9548232}" type="slidenum">
+              <a:rPr kumimoji="1" lang="ja-JP" altLang="en-US" sz="6600" smtClean="0"/>
+              <a:t>2</a:t>
+            </a:fld>
+            <a:endParaRPr kumimoji="1" lang="ja-JP" altLang="en-US" sz="6600"/>
+          </a:p>
+        </p:txBody>
+      </p:sp>
+      <p:sp>
+        <p:nvSpPr>
+          <p:cNvPr id="17" name="四角形: 角を丸くする 16">
+            <a:extLst>
+              <a:ext uri="{FF2B5EF4-FFF2-40B4-BE49-F238E27FC236}">
+                <a16:creationId xmlns:a16="http://schemas.microsoft.com/office/drawing/2014/main" id="{5EF31FC2-2F52-4D5B-906E-753D3EF88EF6}"/>
+              </a:ext>
+            </a:extLst>
+          </p:cNvPr>
+          <p:cNvSpPr/>
+          <p:nvPr/>
+        </p:nvSpPr>
+        <p:spPr>
+          <a:xfrm>
+            <a:off x="615002" y="2225245"/>
+            <a:ext cx="7913995" cy="658000"/>
+          </a:xfrm>
+          <a:prstGeom prst="roundRect">
+            <a:avLst/>
+          </a:prstGeom>
+          <a:ln w="19050">
+            <a:solidFill>
+              <a:schemeClr val="accent1"/>
+            </a:solidFill>
+          </a:ln>
+        </p:spPr>
+        <p:style>
+          <a:lnRef idx="2">
+            <a:schemeClr val="accent6"/>
+          </a:lnRef>
+          <a:fillRef idx="1">
+            <a:schemeClr val="lt1"/>
+          </a:fillRef>
+          <a:effectRef idx="0">
+            <a:schemeClr val="accent6"/>
+          </a:effectRef>
+          <a:fontRef idx="minor">
+            <a:schemeClr val="dk1"/>
+          </a:fontRef>
+        </p:style>
+        <p:txBody>
+          <a:bodyPr rtlCol="0" anchor="ctr"/>
+          <a:lstStyle/>
+          <a:p>
+            <a:pPr algn="just">
+              <a:lnSpc>
+                <a:spcPct val="150000"/>
+              </a:lnSpc>
+            </a:pPr>
+            <a:r>
+              <a:rPr lang="en-US" altLang="ja-JP" sz="3600" kern="100" dirty="0">
+                <a:solidFill>
+                  <a:schemeClr val="tx1">
+                    <a:lumMod val="85000"/>
+                    <a:lumOff val="15000"/>
+                  </a:schemeClr>
+                </a:solidFill>
+                <a:latin typeface="メイリオ" panose="020B0604030504040204" pitchFamily="50" charset="-128"/>
+                <a:ea typeface="メイリオ" panose="020B0604030504040204" pitchFamily="50" charset="-128"/>
+                <a:cs typeface="Times New Roman" panose="02020603050405020304" pitchFamily="18" charset="0"/>
+              </a:rPr>
+              <a:t>2.</a:t>
+            </a:r>
+            <a:r>
+              <a:rPr lang="ja-JP" altLang="en-US" sz="3600" kern="100" dirty="0">
+                <a:solidFill>
+                  <a:schemeClr val="tx1">
+                    <a:lumMod val="85000"/>
+                    <a:lumOff val="15000"/>
+                  </a:schemeClr>
+                </a:solidFill>
+                <a:latin typeface="メイリオ" panose="020B0604030504040204" pitchFamily="50" charset="-128"/>
+                <a:ea typeface="メイリオ" panose="020B0604030504040204" pitchFamily="50" charset="-128"/>
+                <a:cs typeface="Times New Roman" panose="02020603050405020304" pitchFamily="18" charset="0"/>
+              </a:rPr>
+              <a:t>　製作物について</a:t>
+            </a:r>
+            <a:endParaRPr lang="ja-JP" altLang="ja-JP" sz="3600" kern="100" dirty="0">
+              <a:solidFill>
+                <a:schemeClr val="tx1">
+                  <a:lumMod val="85000"/>
+                  <a:lumOff val="15000"/>
+                </a:schemeClr>
+              </a:solidFill>
+              <a:latin typeface="メイリオ" panose="020B0604030504040204" pitchFamily="50" charset="-128"/>
+              <a:ea typeface="メイリオ" panose="020B0604030504040204" pitchFamily="50" charset="-128"/>
+              <a:cs typeface="Times New Roman" panose="02020603050405020304" pitchFamily="18" charset="0"/>
+            </a:endParaRPr>
+          </a:p>
+        </p:txBody>
+      </p:sp>
+      <p:sp>
+        <p:nvSpPr>
+          <p:cNvPr id="18" name="四角形: 角を丸くする 17">
+            <a:extLst>
+              <a:ext uri="{FF2B5EF4-FFF2-40B4-BE49-F238E27FC236}">
+                <a16:creationId xmlns:a16="http://schemas.microsoft.com/office/drawing/2014/main" id="{AEA83588-56D7-4940-B360-E91119207452}"/>
+              </a:ext>
+            </a:extLst>
+          </p:cNvPr>
+          <p:cNvSpPr/>
+          <p:nvPr/>
+        </p:nvSpPr>
+        <p:spPr>
+          <a:xfrm>
+            <a:off x="615001" y="3112647"/>
+            <a:ext cx="7913995" cy="658000"/>
+          </a:xfrm>
+          <a:prstGeom prst="roundRect">
+            <a:avLst/>
+          </a:prstGeom>
+          <a:ln w="19050">
+            <a:solidFill>
+              <a:schemeClr val="accent1"/>
+            </a:solidFill>
+          </a:ln>
+        </p:spPr>
+        <p:style>
+          <a:lnRef idx="2">
+            <a:schemeClr val="accent6"/>
+          </a:lnRef>
+          <a:fillRef idx="1">
+            <a:schemeClr val="lt1"/>
+          </a:fillRef>
+          <a:effectRef idx="0">
+            <a:schemeClr val="accent6"/>
+          </a:effectRef>
+          <a:fontRef idx="minor">
+            <a:schemeClr val="dk1"/>
+          </a:fontRef>
+        </p:style>
+        <p:txBody>
+          <a:bodyPr rtlCol="0" anchor="ctr"/>
+          <a:lstStyle/>
+          <a:p>
+            <a:pPr algn="just">
+              <a:lnSpc>
+                <a:spcPct val="150000"/>
+              </a:lnSpc>
+            </a:pPr>
+            <a:r>
+              <a:rPr lang="en-US" altLang="ja-JP" sz="3600" kern="100" dirty="0">
+                <a:solidFill>
+                  <a:schemeClr val="tx1">
+                    <a:lumMod val="85000"/>
+                    <a:lumOff val="15000"/>
+                  </a:schemeClr>
+                </a:solidFill>
+                <a:latin typeface="メイリオ" panose="020B0604030504040204" pitchFamily="50" charset="-128"/>
+                <a:ea typeface="メイリオ" panose="020B0604030504040204" pitchFamily="50" charset="-128"/>
+                <a:cs typeface="Times New Roman" panose="02020603050405020304" pitchFamily="18" charset="0"/>
+              </a:rPr>
+              <a:t>3.</a:t>
+            </a:r>
+            <a:r>
+              <a:rPr lang="ja-JP" altLang="en-US" sz="3600" kern="100" dirty="0">
+                <a:solidFill>
+                  <a:schemeClr val="tx1">
+                    <a:lumMod val="85000"/>
+                    <a:lumOff val="15000"/>
+                  </a:schemeClr>
+                </a:solidFill>
+                <a:latin typeface="メイリオ" panose="020B0604030504040204" pitchFamily="50" charset="-128"/>
+                <a:ea typeface="メイリオ" panose="020B0604030504040204" pitchFamily="50" charset="-128"/>
+                <a:cs typeface="Times New Roman" panose="02020603050405020304" pitchFamily="18" charset="0"/>
+              </a:rPr>
+              <a:t>　期待できる効果</a:t>
+            </a:r>
+            <a:endParaRPr lang="ja-JP" altLang="ja-JP" sz="3600" kern="100" dirty="0">
+              <a:solidFill>
+                <a:schemeClr val="tx1">
+                  <a:lumMod val="85000"/>
+                  <a:lumOff val="15000"/>
+                </a:schemeClr>
+              </a:solidFill>
+              <a:latin typeface="メイリオ" panose="020B0604030504040204" pitchFamily="50" charset="-128"/>
+              <a:ea typeface="メイリオ" panose="020B0604030504040204" pitchFamily="50" charset="-128"/>
+              <a:cs typeface="Times New Roman" panose="02020603050405020304" pitchFamily="18" charset="0"/>
+            </a:endParaRPr>
+          </a:p>
+        </p:txBody>
+      </p:sp>
+      <p:sp>
+        <p:nvSpPr>
+          <p:cNvPr id="19" name="四角形: 角を丸くする 18">
+            <a:extLst>
+              <a:ext uri="{FF2B5EF4-FFF2-40B4-BE49-F238E27FC236}">
+                <a16:creationId xmlns:a16="http://schemas.microsoft.com/office/drawing/2014/main" id="{5A939795-3DDA-40FC-B854-56CC9E54B4F8}"/>
+              </a:ext>
+            </a:extLst>
+          </p:cNvPr>
+          <p:cNvSpPr/>
+          <p:nvPr/>
+        </p:nvSpPr>
+        <p:spPr>
+          <a:xfrm>
+            <a:off x="615001" y="4010081"/>
+            <a:ext cx="7913995" cy="658000"/>
+          </a:xfrm>
+          <a:prstGeom prst="roundRect">
+            <a:avLst/>
+          </a:prstGeom>
+          <a:ln w="19050">
+            <a:solidFill>
+              <a:schemeClr val="accent1"/>
+            </a:solidFill>
+          </a:ln>
+        </p:spPr>
+        <p:style>
+          <a:lnRef idx="2">
+            <a:schemeClr val="accent6"/>
+          </a:lnRef>
+          <a:fillRef idx="1">
+            <a:schemeClr val="lt1"/>
+          </a:fillRef>
+          <a:effectRef idx="0">
+            <a:schemeClr val="accent6"/>
+          </a:effectRef>
+          <a:fontRef idx="minor">
+            <a:schemeClr val="dk1"/>
+          </a:fontRef>
+        </p:style>
+        <p:txBody>
+          <a:bodyPr rtlCol="0" anchor="ctr"/>
+          <a:lstStyle/>
+          <a:p>
+            <a:pPr algn="just">
+              <a:lnSpc>
+                <a:spcPct val="150000"/>
+              </a:lnSpc>
+            </a:pPr>
+            <a:r>
+              <a:rPr lang="en-US" altLang="ja-JP" sz="3600" kern="100" dirty="0">
+                <a:solidFill>
+                  <a:schemeClr val="tx1">
+                    <a:lumMod val="85000"/>
+                    <a:lumOff val="15000"/>
+                  </a:schemeClr>
+                </a:solidFill>
+                <a:latin typeface="メイリオ" panose="020B0604030504040204" pitchFamily="50" charset="-128"/>
+                <a:ea typeface="メイリオ" panose="020B0604030504040204" pitchFamily="50" charset="-128"/>
+                <a:cs typeface="Times New Roman" panose="02020603050405020304" pitchFamily="18" charset="0"/>
+              </a:rPr>
+              <a:t>4.</a:t>
+            </a:r>
+            <a:r>
+              <a:rPr lang="ja-JP" altLang="en-US" sz="3600" kern="100" dirty="0">
+                <a:solidFill>
+                  <a:schemeClr val="tx1">
+                    <a:lumMod val="85000"/>
+                    <a:lumOff val="15000"/>
+                  </a:schemeClr>
+                </a:solidFill>
+                <a:latin typeface="メイリオ" panose="020B0604030504040204" pitchFamily="50" charset="-128"/>
+                <a:ea typeface="メイリオ" panose="020B0604030504040204" pitchFamily="50" charset="-128"/>
+                <a:cs typeface="Times New Roman" panose="02020603050405020304" pitchFamily="18" charset="0"/>
+              </a:rPr>
+              <a:t>　プロジェクトの振り返り</a:t>
+            </a:r>
+            <a:endParaRPr lang="ja-JP" altLang="ja-JP" sz="3600" kern="100" dirty="0">
+              <a:solidFill>
+                <a:schemeClr val="tx1">
+                  <a:lumMod val="85000"/>
+                  <a:lumOff val="15000"/>
+                </a:schemeClr>
+              </a:solidFill>
+              <a:latin typeface="メイリオ" panose="020B0604030504040204" pitchFamily="50" charset="-128"/>
+              <a:ea typeface="メイリオ" panose="020B0604030504040204" pitchFamily="50" charset="-128"/>
+              <a:cs typeface="Times New Roman" panose="02020603050405020304" pitchFamily="18" charset="0"/>
+            </a:endParaRPr>
+          </a:p>
+        </p:txBody>
+      </p:sp>
+      <p:sp>
+        <p:nvSpPr>
+          <p:cNvPr id="20" name="四角形: 角を丸くする 19">
+            <a:extLst>
+              <a:ext uri="{FF2B5EF4-FFF2-40B4-BE49-F238E27FC236}">
+                <a16:creationId xmlns:a16="http://schemas.microsoft.com/office/drawing/2014/main" id="{8B1C7689-CB01-47A0-BF74-E914F8F0EC3D}"/>
+              </a:ext>
+            </a:extLst>
+          </p:cNvPr>
+          <p:cNvSpPr/>
+          <p:nvPr/>
+        </p:nvSpPr>
+        <p:spPr>
+          <a:xfrm>
+            <a:off x="615001" y="4865397"/>
+            <a:ext cx="7913995" cy="658000"/>
+          </a:xfrm>
+          <a:prstGeom prst="roundRect">
+            <a:avLst/>
+          </a:prstGeom>
+          <a:ln w="19050">
+            <a:solidFill>
+              <a:schemeClr val="accent1"/>
+            </a:solidFill>
+          </a:ln>
+        </p:spPr>
+        <p:style>
+          <a:lnRef idx="2">
+            <a:schemeClr val="accent6"/>
+          </a:lnRef>
+          <a:fillRef idx="1">
+            <a:schemeClr val="lt1"/>
+          </a:fillRef>
+          <a:effectRef idx="0">
+            <a:schemeClr val="accent6"/>
+          </a:effectRef>
+          <a:fontRef idx="minor">
+            <a:schemeClr val="dk1"/>
+          </a:fontRef>
+        </p:style>
+        <p:txBody>
+          <a:bodyPr rtlCol="0" anchor="ctr"/>
+          <a:lstStyle/>
+          <a:p>
+            <a:pPr algn="just">
+              <a:lnSpc>
+                <a:spcPct val="150000"/>
+              </a:lnSpc>
+            </a:pPr>
+            <a:r>
+              <a:rPr lang="en-US" altLang="ja-JP" sz="3600" kern="100" dirty="0">
+                <a:solidFill>
+                  <a:schemeClr val="tx1">
+                    <a:lumMod val="85000"/>
+                    <a:lumOff val="15000"/>
+                  </a:schemeClr>
+                </a:solidFill>
+                <a:latin typeface="メイリオ" panose="020B0604030504040204" pitchFamily="50" charset="-128"/>
+                <a:ea typeface="メイリオ" panose="020B0604030504040204" pitchFamily="50" charset="-128"/>
+                <a:cs typeface="Times New Roman" panose="02020603050405020304" pitchFamily="18" charset="0"/>
+              </a:rPr>
+              <a:t>5.</a:t>
+            </a:r>
+            <a:r>
+              <a:rPr lang="ja-JP" altLang="en-US" sz="3600" kern="100" dirty="0">
+                <a:solidFill>
+                  <a:schemeClr val="tx1">
+                    <a:lumMod val="85000"/>
+                    <a:lumOff val="15000"/>
+                  </a:schemeClr>
+                </a:solidFill>
+                <a:latin typeface="メイリオ" panose="020B0604030504040204" pitchFamily="50" charset="-128"/>
+                <a:ea typeface="メイリオ" panose="020B0604030504040204" pitchFamily="50" charset="-128"/>
+                <a:cs typeface="Times New Roman" panose="02020603050405020304" pitchFamily="18" charset="0"/>
+              </a:rPr>
+              <a:t>　個々の成長・感想</a:t>
+            </a:r>
+            <a:endParaRPr lang="ja-JP" altLang="ja-JP" sz="3600" kern="100" dirty="0">
+              <a:solidFill>
+                <a:schemeClr val="tx1">
+                  <a:lumMod val="85000"/>
+                  <a:lumOff val="15000"/>
+                </a:schemeClr>
+              </a:solidFill>
+              <a:latin typeface="メイリオ" panose="020B0604030504040204" pitchFamily="50" charset="-128"/>
+              <a:ea typeface="メイリオ" panose="020B0604030504040204" pitchFamily="50" charset="-128"/>
+              <a:cs typeface="Times New Roman" panose="02020603050405020304" pitchFamily="18" charset="0"/>
+            </a:endParaRPr>
+          </a:p>
+        </p:txBody>
+      </p:sp>
+      <p:sp>
+        <p:nvSpPr>
+          <p:cNvPr id="21" name="四角形: 角を丸くする 20">
+            <a:extLst>
+              <a:ext uri="{FF2B5EF4-FFF2-40B4-BE49-F238E27FC236}">
+                <a16:creationId xmlns:a16="http://schemas.microsoft.com/office/drawing/2014/main" id="{460F04A2-8F78-4E7D-971A-AA72042386EE}"/>
+              </a:ext>
+            </a:extLst>
+          </p:cNvPr>
+          <p:cNvSpPr/>
+          <p:nvPr/>
+        </p:nvSpPr>
+        <p:spPr>
+          <a:xfrm>
+            <a:off x="615001" y="5729097"/>
+            <a:ext cx="7913995" cy="658000"/>
+          </a:xfrm>
+          <a:prstGeom prst="roundRect">
+            <a:avLst/>
+          </a:prstGeom>
+          <a:ln w="19050">
+            <a:solidFill>
+              <a:schemeClr val="accent1"/>
+            </a:solidFill>
+          </a:ln>
+        </p:spPr>
+        <p:style>
+          <a:lnRef idx="2">
+            <a:schemeClr val="accent6"/>
+          </a:lnRef>
+          <a:fillRef idx="1">
+            <a:schemeClr val="lt1"/>
+          </a:fillRef>
+          <a:effectRef idx="0">
+            <a:schemeClr val="accent6"/>
+          </a:effectRef>
+          <a:fontRef idx="minor">
+            <a:schemeClr val="dk1"/>
+          </a:fontRef>
+        </p:style>
+        <p:txBody>
+          <a:bodyPr rtlCol="0" anchor="ctr"/>
+          <a:lstStyle/>
+          <a:p>
+            <a:pPr algn="just">
+              <a:lnSpc>
+                <a:spcPct val="150000"/>
+              </a:lnSpc>
+            </a:pPr>
+            <a:r>
+              <a:rPr lang="en-US" altLang="ja-JP" sz="3600" kern="100" dirty="0">
+                <a:solidFill>
+                  <a:schemeClr val="tx1">
+                    <a:lumMod val="85000"/>
+                    <a:lumOff val="15000"/>
+                  </a:schemeClr>
+                </a:solidFill>
+                <a:latin typeface="メイリオ" panose="020B0604030504040204" pitchFamily="50" charset="-128"/>
+                <a:ea typeface="メイリオ" panose="020B0604030504040204" pitchFamily="50" charset="-128"/>
+                <a:cs typeface="Times New Roman" panose="02020603050405020304" pitchFamily="18" charset="0"/>
+              </a:rPr>
+              <a:t>6.</a:t>
+            </a:r>
+            <a:r>
+              <a:rPr lang="ja-JP" altLang="en-US" sz="3600" kern="100" dirty="0">
+                <a:solidFill>
+                  <a:schemeClr val="tx1">
+                    <a:lumMod val="85000"/>
+                    <a:lumOff val="15000"/>
+                  </a:schemeClr>
+                </a:solidFill>
+                <a:latin typeface="メイリオ" panose="020B0604030504040204" pitchFamily="50" charset="-128"/>
+                <a:ea typeface="メイリオ" panose="020B0604030504040204" pitchFamily="50" charset="-128"/>
+                <a:cs typeface="Times New Roman" panose="02020603050405020304" pitchFamily="18" charset="0"/>
+              </a:rPr>
+              <a:t>　まとめ</a:t>
+            </a:r>
+            <a:endParaRPr lang="ja-JP" altLang="ja-JP" sz="3600" kern="100" dirty="0">
+              <a:solidFill>
+                <a:schemeClr val="tx1">
+                  <a:lumMod val="85000"/>
+                  <a:lumOff val="15000"/>
+                </a:schemeClr>
+              </a:solidFill>
+              <a:latin typeface="メイリオ" panose="020B0604030504040204" pitchFamily="50" charset="-128"/>
+              <a:ea typeface="メイリオ" panose="020B0604030504040204" pitchFamily="50" charset="-128"/>
+              <a:cs typeface="Times New Roman" panose="02020603050405020304" pitchFamily="18" charset="0"/>
+            </a:endParaRPr>
+          </a:p>
+        </p:txBody>
+      </p:sp>
+    </p:spTree>
+    <p:extLst>
+      <p:ext uri="{BB962C8B-B14F-4D97-AF65-F5344CB8AC3E}">
+        <p14:creationId xmlns:p14="http://schemas.microsoft.com/office/powerpoint/2010/main" val="3706949613"/>
+      </p:ext>
+    </p:extLst>
+  </p:cSld>
+  <p:clrMapOvr>
+    <a:masterClrMapping/>
+  </p:clrMapOvr>
+</p:sld>
+</file>
+
+<file path=ppt/slides/slide20.xml><?xml version="1.0" encoding="utf-8"?>
+<p:sld xmlns:a="http://schemas.openxmlformats.org/drawingml/2006/main" xmlns:r="http://schemas.openxmlformats.org/officeDocument/2006/relationships" xmlns:p="http://schemas.openxmlformats.org/presentationml/2006/main">
+  <p:cSld>
+    <p:spTree>
+      <p:nvGrpSpPr>
+        <p:cNvPr id="1" name=""/>
+        <p:cNvGrpSpPr/>
+        <p:nvPr/>
+      </p:nvGrpSpPr>
+      <p:grpSpPr>
+        <a:xfrm>
+          <a:off x="0" y="0"/>
+          <a:ext cx="0" cy="0"/>
+          <a:chOff x="0" y="0"/>
+          <a:chExt cx="0" cy="0"/>
+        </a:xfrm>
+      </p:grpSpPr>
+      <p:sp>
+        <p:nvSpPr>
+          <p:cNvPr id="2" name="スライド番号プレースホルダー 1">
+            <a:extLst>
+              <a:ext uri="{FF2B5EF4-FFF2-40B4-BE49-F238E27FC236}">
+                <a16:creationId xmlns:a16="http://schemas.microsoft.com/office/drawing/2014/main" id="{E114EBA8-8AF6-423A-AA6F-7F4FB34896A8}"/>
+              </a:ext>
+            </a:extLst>
+          </p:cNvPr>
+          <p:cNvSpPr>
+            <a:spLocks noGrp="1"/>
+          </p:cNvSpPr>
+          <p:nvPr>
+            <p:ph type="sldNum" sz="quarter" idx="12"/>
+          </p:nvPr>
+        </p:nvSpPr>
+        <p:spPr/>
+        <p:txBody>
+          <a:bodyPr/>
+          <a:lstStyle/>
+          <a:p>
+            <a:fld id="{28B3E1AD-D654-41ED-B122-F068B9548232}" type="slidenum">
+              <a:rPr kumimoji="1" lang="ja-JP" altLang="en-US" smtClean="0"/>
+              <a:t>20</a:t>
+            </a:fld>
+            <a:endParaRPr kumimoji="1" lang="ja-JP" altLang="en-US"/>
+          </a:p>
+        </p:txBody>
+      </p:sp>
+      <p:sp>
+        <p:nvSpPr>
+          <p:cNvPr id="4" name="テキスト ボックス 3">
+            <a:extLst>
+              <a:ext uri="{FF2B5EF4-FFF2-40B4-BE49-F238E27FC236}">
+                <a16:creationId xmlns:a16="http://schemas.microsoft.com/office/drawing/2014/main" id="{A9CBB914-0175-4802-8B60-2DC205964146}"/>
+              </a:ext>
+            </a:extLst>
+          </p:cNvPr>
+          <p:cNvSpPr txBox="1"/>
+          <p:nvPr/>
+        </p:nvSpPr>
+        <p:spPr>
+          <a:xfrm>
+            <a:off x="2822713" y="5751443"/>
+            <a:ext cx="3326296" cy="923330"/>
+          </a:xfrm>
+          <a:prstGeom prst="rect">
+            <a:avLst/>
+          </a:prstGeom>
+          <a:noFill/>
+        </p:spPr>
+        <p:txBody>
+          <a:bodyPr wrap="square" rtlCol="0">
+            <a:spAutoFit/>
+          </a:bodyPr>
+          <a:lstStyle/>
+          <a:p>
+            <a:r>
+              <a:rPr kumimoji="1" lang="ja-JP" altLang="en-US" dirty="0"/>
+              <a:t>外部設計書が甘かった</a:t>
             </a:r>
             <a:endParaRPr kumimoji="1" lang="en-US" altLang="ja-JP" dirty="0"/>
           </a:p>
           <a:p>
-            <a:pPr algn="ctr"/>
-            <a:endParaRPr kumimoji="1" lang="ja-JP" altLang="en-US" dirty="0"/>
+            <a:r>
+              <a:rPr kumimoji="1" lang="ja-JP" altLang="en-US" dirty="0"/>
+              <a:t>→認識を合わせておくべきだった</a:t>
+            </a:r>
+            <a:endParaRPr kumimoji="1" lang="en-US" altLang="ja-JP" dirty="0"/>
+          </a:p>
+          <a:p>
+            <a:r>
+              <a:rPr kumimoji="1" lang="ja-JP" altLang="en-US" dirty="0"/>
+              <a:t>（</a:t>
+            </a:r>
+            <a:r>
+              <a:rPr kumimoji="1" lang="en-US" altLang="ja-JP" dirty="0"/>
+              <a:t>SQL</a:t>
+            </a:r>
+            <a:r>
+              <a:rPr kumimoji="1" lang="ja-JP" altLang="en-US" dirty="0"/>
+              <a:t>の名前統一など）</a:t>
+            </a:r>
+          </a:p>
+        </p:txBody>
+      </p:sp>
+      <p:sp>
+        <p:nvSpPr>
+          <p:cNvPr id="6" name="テキスト ボックス 5">
+            <a:extLst>
+              <a:ext uri="{FF2B5EF4-FFF2-40B4-BE49-F238E27FC236}">
+                <a16:creationId xmlns:a16="http://schemas.microsoft.com/office/drawing/2014/main" id="{1F11718A-3F3A-4029-BE2A-2397799277AA}"/>
+              </a:ext>
+            </a:extLst>
+          </p:cNvPr>
+          <p:cNvSpPr txBox="1"/>
+          <p:nvPr/>
+        </p:nvSpPr>
+        <p:spPr>
+          <a:xfrm>
+            <a:off x="3723861" y="403939"/>
+            <a:ext cx="4850296" cy="523220"/>
+          </a:xfrm>
+          <a:prstGeom prst="rect">
+            <a:avLst/>
+          </a:prstGeom>
+          <a:noFill/>
+        </p:spPr>
+        <p:txBody>
+          <a:bodyPr wrap="square" rtlCol="0">
+            <a:spAutoFit/>
+          </a:bodyPr>
+          <a:lstStyle/>
+          <a:p>
+            <a:r>
+              <a:rPr kumimoji="1" lang="ja-JP" altLang="en-US" sz="2800" dirty="0">
+                <a:latin typeface="メイリオ" panose="020B0604030504040204" pitchFamily="50" charset="-128"/>
+                <a:ea typeface="メイリオ" panose="020B0604030504040204" pitchFamily="50" charset="-128"/>
+              </a:rPr>
+              <a:t>外部設計段階</a:t>
+            </a:r>
+          </a:p>
+        </p:txBody>
+      </p:sp>
+      <p:sp>
+        <p:nvSpPr>
+          <p:cNvPr id="7" name="テキスト ボックス 6">
+            <a:extLst>
+              <a:ext uri="{FF2B5EF4-FFF2-40B4-BE49-F238E27FC236}">
+                <a16:creationId xmlns:a16="http://schemas.microsoft.com/office/drawing/2014/main" id="{51AD2FB5-E9AF-44D5-BDF0-7ABDDCBB8A7A}"/>
+              </a:ext>
+            </a:extLst>
+          </p:cNvPr>
+          <p:cNvSpPr txBox="1"/>
+          <p:nvPr/>
+        </p:nvSpPr>
+        <p:spPr>
+          <a:xfrm>
+            <a:off x="2166730" y="1638373"/>
+            <a:ext cx="5764695" cy="369332"/>
+          </a:xfrm>
+          <a:prstGeom prst="rect">
+            <a:avLst/>
+          </a:prstGeom>
+          <a:noFill/>
+        </p:spPr>
+        <p:txBody>
+          <a:bodyPr wrap="square" rtlCol="0">
+            <a:spAutoFit/>
+          </a:bodyPr>
+          <a:lstStyle/>
+          <a:p>
+            <a:r>
+              <a:rPr kumimoji="1" lang="ja-JP" altLang="en-US" dirty="0"/>
+              <a:t>課題　外部設計段階での詰めの甘さ</a:t>
+            </a:r>
+          </a:p>
+        </p:txBody>
+      </p:sp>
+      <p:sp>
+        <p:nvSpPr>
+          <p:cNvPr id="8" name="テキスト ボックス 7">
+            <a:extLst>
+              <a:ext uri="{FF2B5EF4-FFF2-40B4-BE49-F238E27FC236}">
+                <a16:creationId xmlns:a16="http://schemas.microsoft.com/office/drawing/2014/main" id="{4C50E9A6-A274-4291-B11C-3A649AEAFF45}"/>
+              </a:ext>
+            </a:extLst>
+          </p:cNvPr>
+          <p:cNvSpPr txBox="1"/>
+          <p:nvPr/>
+        </p:nvSpPr>
+        <p:spPr>
+          <a:xfrm>
+            <a:off x="2001078" y="2438400"/>
+            <a:ext cx="4996070" cy="646331"/>
+          </a:xfrm>
+          <a:prstGeom prst="rect">
+            <a:avLst/>
+          </a:prstGeom>
+          <a:noFill/>
+        </p:spPr>
+        <p:txBody>
+          <a:bodyPr wrap="square" rtlCol="0">
+            <a:spAutoFit/>
+          </a:bodyPr>
+          <a:lstStyle/>
+          <a:p>
+            <a:r>
+              <a:rPr kumimoji="1" lang="ja-JP" altLang="en-US" dirty="0"/>
+              <a:t>原因　スケジュールに焦り、不明瞭なまま終わらせてしまった</a:t>
+            </a:r>
+          </a:p>
+        </p:txBody>
+      </p:sp>
+      <p:sp>
+        <p:nvSpPr>
+          <p:cNvPr id="9" name="テキスト ボックス 8">
+            <a:extLst>
+              <a:ext uri="{FF2B5EF4-FFF2-40B4-BE49-F238E27FC236}">
+                <a16:creationId xmlns:a16="http://schemas.microsoft.com/office/drawing/2014/main" id="{7BA08BDA-8A17-42AF-9708-3028C0EC7BE7}"/>
+              </a:ext>
+            </a:extLst>
+          </p:cNvPr>
+          <p:cNvSpPr txBox="1"/>
+          <p:nvPr/>
+        </p:nvSpPr>
+        <p:spPr>
+          <a:xfrm>
+            <a:off x="1987826" y="3530655"/>
+            <a:ext cx="4996070" cy="923330"/>
+          </a:xfrm>
+          <a:prstGeom prst="rect">
+            <a:avLst/>
+          </a:prstGeom>
+          <a:noFill/>
+        </p:spPr>
+        <p:txBody>
+          <a:bodyPr wrap="square" rtlCol="0">
+            <a:spAutoFit/>
+          </a:bodyPr>
+          <a:lstStyle/>
+          <a:p>
+            <a:r>
+              <a:rPr kumimoji="1" lang="ja-JP" altLang="en-US" dirty="0"/>
+              <a:t>今後　全体のスケジュールを頭に入れたうえで設計取り組む。</a:t>
+            </a:r>
+            <a:endParaRPr kumimoji="1" lang="en-US" altLang="ja-JP" dirty="0"/>
+          </a:p>
+          <a:p>
+            <a:r>
+              <a:rPr kumimoji="1" lang="ja-JP" altLang="en-US" dirty="0"/>
+              <a:t>保留事項も明確にしておく</a:t>
+            </a:r>
           </a:p>
         </p:txBody>
       </p:sp>
@@ -12988,7 +14778,252 @@
 </p:sld>
 </file>
 
-<file path=ppt/slides/slide18.xml><?xml version="1.0" encoding="utf-8"?>
+<file path=ppt/slides/slide21.xml><?xml version="1.0" encoding="utf-8"?>
+<p:sld xmlns:a="http://schemas.openxmlformats.org/drawingml/2006/main" xmlns:r="http://schemas.openxmlformats.org/officeDocument/2006/relationships" xmlns:p="http://schemas.openxmlformats.org/presentationml/2006/main">
+  <p:cSld>
+    <p:spTree>
+      <p:nvGrpSpPr>
+        <p:cNvPr id="1" name=""/>
+        <p:cNvGrpSpPr/>
+        <p:nvPr/>
+      </p:nvGrpSpPr>
+      <p:grpSpPr>
+        <a:xfrm>
+          <a:off x="0" y="0"/>
+          <a:ext cx="0" cy="0"/>
+          <a:chOff x="0" y="0"/>
+          <a:chExt cx="0" cy="0"/>
+        </a:xfrm>
+      </p:grpSpPr>
+      <p:sp>
+        <p:nvSpPr>
+          <p:cNvPr id="2" name="スライド番号プレースホルダー 1">
+            <a:extLst>
+              <a:ext uri="{FF2B5EF4-FFF2-40B4-BE49-F238E27FC236}">
+                <a16:creationId xmlns:a16="http://schemas.microsoft.com/office/drawing/2014/main" id="{33220524-1BF2-442C-A634-8784E96A1C3F}"/>
+              </a:ext>
+            </a:extLst>
+          </p:cNvPr>
+          <p:cNvSpPr>
+            <a:spLocks noGrp="1"/>
+          </p:cNvSpPr>
+          <p:nvPr>
+            <p:ph type="sldNum" sz="quarter" idx="12"/>
+          </p:nvPr>
+        </p:nvSpPr>
+        <p:spPr/>
+        <p:txBody>
+          <a:bodyPr/>
+          <a:lstStyle/>
+          <a:p>
+            <a:fld id="{28B3E1AD-D654-41ED-B122-F068B9548232}" type="slidenum">
+              <a:rPr kumimoji="1" lang="ja-JP" altLang="en-US" smtClean="0"/>
+              <a:t>21</a:t>
+            </a:fld>
+            <a:endParaRPr kumimoji="1" lang="ja-JP" altLang="en-US"/>
+          </a:p>
+        </p:txBody>
+      </p:sp>
+      <p:sp>
+        <p:nvSpPr>
+          <p:cNvPr id="3" name="テキスト ボックス 2">
+            <a:extLst>
+              <a:ext uri="{FF2B5EF4-FFF2-40B4-BE49-F238E27FC236}">
+                <a16:creationId xmlns:a16="http://schemas.microsoft.com/office/drawing/2014/main" id="{E5FBE542-81BA-4C67-8A98-A74B62D6E6C9}"/>
+              </a:ext>
+            </a:extLst>
+          </p:cNvPr>
+          <p:cNvSpPr txBox="1"/>
+          <p:nvPr/>
+        </p:nvSpPr>
+        <p:spPr>
+          <a:xfrm>
+            <a:off x="3538330" y="424068"/>
+            <a:ext cx="3511828" cy="523220"/>
+          </a:xfrm>
+          <a:prstGeom prst="rect">
+            <a:avLst/>
+          </a:prstGeom>
+          <a:noFill/>
+        </p:spPr>
+        <p:txBody>
+          <a:bodyPr wrap="square" rtlCol="0">
+            <a:spAutoFit/>
+          </a:bodyPr>
+          <a:lstStyle/>
+          <a:p>
+            <a:r>
+              <a:rPr kumimoji="1" lang="ja-JP" altLang="en-US" sz="2800" dirty="0">
+                <a:latin typeface="メイリオ" panose="020B0604030504040204" pitchFamily="50" charset="-128"/>
+                <a:ea typeface="メイリオ" panose="020B0604030504040204" pitchFamily="50" charset="-128"/>
+              </a:rPr>
+              <a:t>内部設計段階</a:t>
+            </a:r>
+          </a:p>
+        </p:txBody>
+      </p:sp>
+      <p:sp>
+        <p:nvSpPr>
+          <p:cNvPr id="4" name="テキスト ボックス 3">
+            <a:extLst>
+              <a:ext uri="{FF2B5EF4-FFF2-40B4-BE49-F238E27FC236}">
+                <a16:creationId xmlns:a16="http://schemas.microsoft.com/office/drawing/2014/main" id="{DD5BDA9B-C00C-4C5C-BED1-F0D19E83EF18}"/>
+              </a:ext>
+            </a:extLst>
+          </p:cNvPr>
+          <p:cNvSpPr txBox="1"/>
+          <p:nvPr/>
+        </p:nvSpPr>
+        <p:spPr>
+          <a:xfrm>
+            <a:off x="1152939" y="2050594"/>
+            <a:ext cx="7508548" cy="577081"/>
+          </a:xfrm>
+          <a:prstGeom prst="rect">
+            <a:avLst/>
+          </a:prstGeom>
+          <a:noFill/>
+        </p:spPr>
+        <p:txBody>
+          <a:bodyPr wrap="square" rtlCol="0">
+            <a:spAutoFit/>
+          </a:bodyPr>
+          <a:lstStyle/>
+          <a:p>
+            <a:pPr>
+              <a:lnSpc>
+                <a:spcPct val="200000"/>
+              </a:lnSpc>
+            </a:pPr>
+            <a:r>
+              <a:rPr kumimoji="1" lang="ja-JP" altLang="en-US" dirty="0">
+                <a:latin typeface="メイリオ" panose="020B0604030504040204" pitchFamily="50" charset="-128"/>
+                <a:ea typeface="メイリオ" panose="020B0604030504040204" pitchFamily="50" charset="-128"/>
+              </a:rPr>
+              <a:t>課題　</a:t>
+            </a:r>
+            <a:r>
+              <a:rPr kumimoji="1" lang="ja-JP" altLang="en-US" sz="1800" dirty="0">
+                <a:latin typeface="メイリオ" panose="020B0604030504040204" pitchFamily="50" charset="-128"/>
+                <a:ea typeface="メイリオ" panose="020B0604030504040204" pitchFamily="50" charset="-128"/>
+              </a:rPr>
+              <a:t>内部設計でのコードの統一化不足</a:t>
+            </a:r>
+            <a:endParaRPr kumimoji="1" lang="en-US" altLang="ja-JP" sz="1800" dirty="0">
+              <a:latin typeface="メイリオ" panose="020B0604030504040204" pitchFamily="50" charset="-128"/>
+              <a:ea typeface="メイリオ" panose="020B0604030504040204" pitchFamily="50" charset="-128"/>
+            </a:endParaRPr>
+          </a:p>
+        </p:txBody>
+      </p:sp>
+      <p:sp>
+        <p:nvSpPr>
+          <p:cNvPr id="5" name="テキスト ボックス 4">
+            <a:extLst>
+              <a:ext uri="{FF2B5EF4-FFF2-40B4-BE49-F238E27FC236}">
+                <a16:creationId xmlns:a16="http://schemas.microsoft.com/office/drawing/2014/main" id="{A54AD5DA-A202-4EC0-8494-90A735DE4B81}"/>
+              </a:ext>
+            </a:extLst>
+          </p:cNvPr>
+          <p:cNvSpPr txBox="1"/>
+          <p:nvPr/>
+        </p:nvSpPr>
+        <p:spPr>
+          <a:xfrm>
+            <a:off x="1152939" y="2851919"/>
+            <a:ext cx="7508548" cy="577081"/>
+          </a:xfrm>
+          <a:prstGeom prst="rect">
+            <a:avLst/>
+          </a:prstGeom>
+          <a:noFill/>
+        </p:spPr>
+        <p:txBody>
+          <a:bodyPr wrap="square" rtlCol="0">
+            <a:spAutoFit/>
+          </a:bodyPr>
+          <a:lstStyle/>
+          <a:p>
+            <a:pPr>
+              <a:lnSpc>
+                <a:spcPct val="200000"/>
+              </a:lnSpc>
+            </a:pPr>
+            <a:r>
+              <a:rPr kumimoji="1" lang="ja-JP" altLang="en-US" sz="1800" dirty="0">
+                <a:latin typeface="メイリオ" panose="020B0604030504040204" pitchFamily="50" charset="-128"/>
+                <a:ea typeface="メイリオ" panose="020B0604030504040204" pitchFamily="50" charset="-128"/>
+              </a:rPr>
+              <a:t>原因　メンテナンス性について意識できていなかった</a:t>
+            </a:r>
+            <a:endParaRPr kumimoji="1" lang="en-US" altLang="ja-JP" sz="1800" dirty="0">
+              <a:latin typeface="メイリオ" panose="020B0604030504040204" pitchFamily="50" charset="-128"/>
+              <a:ea typeface="メイリオ" panose="020B0604030504040204" pitchFamily="50" charset="-128"/>
+            </a:endParaRPr>
+          </a:p>
+        </p:txBody>
+      </p:sp>
+      <p:sp>
+        <p:nvSpPr>
+          <p:cNvPr id="6" name="テキスト ボックス 5">
+            <a:extLst>
+              <a:ext uri="{FF2B5EF4-FFF2-40B4-BE49-F238E27FC236}">
+                <a16:creationId xmlns:a16="http://schemas.microsoft.com/office/drawing/2014/main" id="{5B9314BB-3920-461C-AC3D-80E1210112A0}"/>
+              </a:ext>
+            </a:extLst>
+          </p:cNvPr>
+          <p:cNvSpPr txBox="1"/>
+          <p:nvPr/>
+        </p:nvSpPr>
+        <p:spPr>
+          <a:xfrm>
+            <a:off x="1152939" y="3877488"/>
+            <a:ext cx="7508548" cy="577081"/>
+          </a:xfrm>
+          <a:prstGeom prst="rect">
+            <a:avLst/>
+          </a:prstGeom>
+          <a:noFill/>
+        </p:spPr>
+        <p:txBody>
+          <a:bodyPr wrap="square" rtlCol="0">
+            <a:spAutoFit/>
+          </a:bodyPr>
+          <a:lstStyle/>
+          <a:p>
+            <a:pPr>
+              <a:lnSpc>
+                <a:spcPct val="200000"/>
+              </a:lnSpc>
+            </a:pPr>
+            <a:r>
+              <a:rPr kumimoji="1" lang="ja-JP" altLang="en-US" sz="1800" dirty="0">
+                <a:latin typeface="メイリオ" panose="020B0604030504040204" pitchFamily="50" charset="-128"/>
+                <a:ea typeface="メイリオ" panose="020B0604030504040204" pitchFamily="50" charset="-128"/>
+              </a:rPr>
+              <a:t>今後　内部設計時点でコードの統一化を行う</a:t>
+            </a:r>
+            <a:endParaRPr kumimoji="1" lang="en-US" altLang="ja-JP" sz="1800" dirty="0">
+              <a:latin typeface="メイリオ" panose="020B0604030504040204" pitchFamily="50" charset="-128"/>
+              <a:ea typeface="メイリオ" panose="020B0604030504040204" pitchFamily="50" charset="-128"/>
+            </a:endParaRPr>
+          </a:p>
+        </p:txBody>
+      </p:sp>
+    </p:spTree>
+    <p:extLst>
+      <p:ext uri="{BB962C8B-B14F-4D97-AF65-F5344CB8AC3E}">
+        <p14:creationId xmlns:p14="http://schemas.microsoft.com/office/powerpoint/2010/main" val="2069836194"/>
+      </p:ext>
+    </p:extLst>
+  </p:cSld>
+  <p:clrMapOvr>
+    <a:masterClrMapping/>
+  </p:clrMapOvr>
+</p:sld>
+</file>
+
+<file path=ppt/slides/slide22.xml><?xml version="1.0" encoding="utf-8"?>
 <p:sld xmlns:a="http://schemas.openxmlformats.org/drawingml/2006/main" xmlns:r="http://schemas.openxmlformats.org/officeDocument/2006/relationships" xmlns:p="http://schemas.openxmlformats.org/presentationml/2006/main">
   <p:cSld>
     <p:spTree>
@@ -13087,7 +15122,7 @@
                   </a:schemeClr>
                 </a:solidFill>
               </a:rPr>
-              <a:t>18</a:t>
+              <a:t>22</a:t>
             </a:fld>
             <a:endParaRPr kumimoji="1" lang="ja-JP" altLang="en-US" sz="4000" dirty="0">
               <a:solidFill>
@@ -13730,7 +15765,7 @@
 </p:sld>
 </file>
 
-<file path=ppt/slides/slide19.xml><?xml version="1.0" encoding="utf-8"?>
+<file path=ppt/slides/slide23.xml><?xml version="1.0" encoding="utf-8"?>
 <p:sld xmlns:a="http://schemas.openxmlformats.org/drawingml/2006/main" xmlns:r="http://schemas.openxmlformats.org/officeDocument/2006/relationships" xmlns:p="http://schemas.openxmlformats.org/presentationml/2006/main">
   <p:cSld>
     <p:spTree>
@@ -13957,7 +15992,7 @@
                   </a:schemeClr>
                 </a:solidFill>
               </a:rPr>
-              <a:t>19</a:t>
+              <a:t>23</a:t>
             </a:fld>
             <a:endParaRPr kumimoji="1" lang="ja-JP" altLang="en-US" sz="4000" dirty="0">
               <a:solidFill>
@@ -14297,644 +16332,7 @@
 </p:sld>
 </file>
 
-<file path=ppt/slides/slide2.xml><?xml version="1.0" encoding="utf-8"?>
-<p:sld xmlns:a="http://schemas.openxmlformats.org/drawingml/2006/main" xmlns:r="http://schemas.openxmlformats.org/officeDocument/2006/relationships" xmlns:p="http://schemas.openxmlformats.org/presentationml/2006/main">
-  <p:cSld>
-    <p:spTree>
-      <p:nvGrpSpPr>
-        <p:cNvPr id="1" name=""/>
-        <p:cNvGrpSpPr/>
-        <p:nvPr/>
-      </p:nvGrpSpPr>
-      <p:grpSpPr>
-        <a:xfrm>
-          <a:off x="0" y="0"/>
-          <a:ext cx="0" cy="0"/>
-          <a:chOff x="0" y="0"/>
-          <a:chExt cx="0" cy="0"/>
-        </a:xfrm>
-      </p:grpSpPr>
-      <p:sp>
-        <p:nvSpPr>
-          <p:cNvPr id="2" name="タイトル 1">
-            <a:extLst>
-              <a:ext uri="{FF2B5EF4-FFF2-40B4-BE49-F238E27FC236}">
-                <a16:creationId xmlns:a16="http://schemas.microsoft.com/office/drawing/2014/main" id="{AF626A66-1FD7-4EE6-A6C8-9B7BA0C9036A}"/>
-              </a:ext>
-            </a:extLst>
-          </p:cNvPr>
-          <p:cNvSpPr>
-            <a:spLocks noGrp="1"/>
-          </p:cNvSpPr>
-          <p:nvPr>
-            <p:ph type="title"/>
-          </p:nvPr>
-        </p:nvSpPr>
-        <p:spPr>
-          <a:xfrm>
-            <a:off x="488707" y="235613"/>
-            <a:ext cx="8079581" cy="863885"/>
-          </a:xfrm>
-        </p:spPr>
-        <p:txBody>
-          <a:bodyPr/>
-          <a:lstStyle/>
-          <a:p>
-            <a:r>
-              <a:rPr kumimoji="1" lang="ja-JP" altLang="en-US" dirty="0">
-                <a:latin typeface="メイリオ" panose="020B0604030504040204" pitchFamily="50" charset="-128"/>
-                <a:ea typeface="メイリオ" panose="020B0604030504040204" pitchFamily="50" charset="-128"/>
-              </a:rPr>
-              <a:t>アジェンダ</a:t>
-            </a:r>
-          </a:p>
-        </p:txBody>
-      </p:sp>
-      <p:sp>
-        <p:nvSpPr>
-          <p:cNvPr id="9" name="四角形: 角を丸くする 8">
-            <a:extLst>
-              <a:ext uri="{FF2B5EF4-FFF2-40B4-BE49-F238E27FC236}">
-                <a16:creationId xmlns:a16="http://schemas.microsoft.com/office/drawing/2014/main" id="{95E61E18-E0FF-4789-B846-542D3BDD545C}"/>
-              </a:ext>
-            </a:extLst>
-          </p:cNvPr>
-          <p:cNvSpPr/>
-          <p:nvPr/>
-        </p:nvSpPr>
-        <p:spPr>
-          <a:xfrm>
-            <a:off x="615002" y="1327811"/>
-            <a:ext cx="7913995" cy="658000"/>
-          </a:xfrm>
-          <a:prstGeom prst="roundRect">
-            <a:avLst/>
-          </a:prstGeom>
-          <a:ln w="19050">
-            <a:solidFill>
-              <a:schemeClr val="accent1"/>
-            </a:solidFill>
-          </a:ln>
-        </p:spPr>
-        <p:style>
-          <a:lnRef idx="2">
-            <a:schemeClr val="accent6"/>
-          </a:lnRef>
-          <a:fillRef idx="1">
-            <a:schemeClr val="lt1"/>
-          </a:fillRef>
-          <a:effectRef idx="0">
-            <a:schemeClr val="accent6"/>
-          </a:effectRef>
-          <a:fontRef idx="minor">
-            <a:schemeClr val="dk1"/>
-          </a:fontRef>
-        </p:style>
-        <p:txBody>
-          <a:bodyPr rtlCol="0" anchor="ctr"/>
-          <a:lstStyle/>
-          <a:p>
-            <a:pPr marL="342900" indent="-342900" algn="just">
-              <a:lnSpc>
-                <a:spcPct val="150000"/>
-              </a:lnSpc>
-              <a:buFont typeface="+mj-lt"/>
-              <a:buAutoNum type="arabicPeriod"/>
-            </a:pPr>
-            <a:r>
-              <a:rPr lang="ja-JP" altLang="en-US" sz="3600" kern="100" dirty="0">
-                <a:solidFill>
-                  <a:schemeClr val="tx1">
-                    <a:lumMod val="85000"/>
-                    <a:lumOff val="15000"/>
-                  </a:schemeClr>
-                </a:solidFill>
-                <a:latin typeface="メイリオ" panose="020B0604030504040204" pitchFamily="50" charset="-128"/>
-                <a:ea typeface="メイリオ" panose="020B0604030504040204" pitchFamily="50" charset="-128"/>
-                <a:cs typeface="Times New Roman" panose="02020603050405020304" pitchFamily="18" charset="0"/>
-              </a:rPr>
-              <a:t>　</a:t>
-            </a:r>
-            <a:r>
-              <a:rPr lang="ja-JP" altLang="ja-JP" sz="3600" kern="100" dirty="0">
-                <a:solidFill>
-                  <a:schemeClr val="tx1">
-                    <a:lumMod val="85000"/>
-                    <a:lumOff val="15000"/>
-                  </a:schemeClr>
-                </a:solidFill>
-                <a:latin typeface="メイリオ" panose="020B0604030504040204" pitchFamily="50" charset="-128"/>
-                <a:ea typeface="メイリオ" panose="020B0604030504040204" pitchFamily="50" charset="-128"/>
-                <a:cs typeface="Times New Roman" panose="02020603050405020304" pitchFamily="18" charset="0"/>
-              </a:rPr>
-              <a:t>チームの概要</a:t>
-            </a:r>
-          </a:p>
-        </p:txBody>
-      </p:sp>
-      <p:sp>
-        <p:nvSpPr>
-          <p:cNvPr id="15" name="スライド番号プレースホルダー 14">
-            <a:extLst>
-              <a:ext uri="{FF2B5EF4-FFF2-40B4-BE49-F238E27FC236}">
-                <a16:creationId xmlns:a16="http://schemas.microsoft.com/office/drawing/2014/main" id="{AF80DF13-54D4-4295-8DBD-60C26A1BCC62}"/>
-              </a:ext>
-            </a:extLst>
-          </p:cNvPr>
-          <p:cNvSpPr>
-            <a:spLocks noGrp="1"/>
-          </p:cNvSpPr>
-          <p:nvPr>
-            <p:ph type="sldNum" sz="quarter" idx="12"/>
-          </p:nvPr>
-        </p:nvSpPr>
-        <p:spPr>
-          <a:xfrm>
-            <a:off x="6784980" y="5359578"/>
-            <a:ext cx="2194560" cy="1397039"/>
-          </a:xfrm>
-        </p:spPr>
-        <p:txBody>
-          <a:bodyPr anchor="ctr"/>
-          <a:lstStyle/>
-          <a:p>
-            <a:fld id="{28B3E1AD-D654-41ED-B122-F068B9548232}" type="slidenum">
-              <a:rPr kumimoji="1" lang="ja-JP" altLang="en-US" sz="6600" smtClean="0"/>
-              <a:t>2</a:t>
-            </a:fld>
-            <a:endParaRPr kumimoji="1" lang="ja-JP" altLang="en-US" sz="6600"/>
-          </a:p>
-        </p:txBody>
-      </p:sp>
-      <p:sp>
-        <p:nvSpPr>
-          <p:cNvPr id="17" name="四角形: 角を丸くする 16">
-            <a:extLst>
-              <a:ext uri="{FF2B5EF4-FFF2-40B4-BE49-F238E27FC236}">
-                <a16:creationId xmlns:a16="http://schemas.microsoft.com/office/drawing/2014/main" id="{5EF31FC2-2F52-4D5B-906E-753D3EF88EF6}"/>
-              </a:ext>
-            </a:extLst>
-          </p:cNvPr>
-          <p:cNvSpPr/>
-          <p:nvPr/>
-        </p:nvSpPr>
-        <p:spPr>
-          <a:xfrm>
-            <a:off x="615002" y="2225245"/>
-            <a:ext cx="7913995" cy="658000"/>
-          </a:xfrm>
-          <a:prstGeom prst="roundRect">
-            <a:avLst/>
-          </a:prstGeom>
-          <a:ln w="19050">
-            <a:solidFill>
-              <a:schemeClr val="accent1"/>
-            </a:solidFill>
-          </a:ln>
-        </p:spPr>
-        <p:style>
-          <a:lnRef idx="2">
-            <a:schemeClr val="accent6"/>
-          </a:lnRef>
-          <a:fillRef idx="1">
-            <a:schemeClr val="lt1"/>
-          </a:fillRef>
-          <a:effectRef idx="0">
-            <a:schemeClr val="accent6"/>
-          </a:effectRef>
-          <a:fontRef idx="minor">
-            <a:schemeClr val="dk1"/>
-          </a:fontRef>
-        </p:style>
-        <p:txBody>
-          <a:bodyPr rtlCol="0" anchor="ctr"/>
-          <a:lstStyle/>
-          <a:p>
-            <a:pPr algn="just">
-              <a:lnSpc>
-                <a:spcPct val="150000"/>
-              </a:lnSpc>
-            </a:pPr>
-            <a:r>
-              <a:rPr lang="en-US" altLang="ja-JP" sz="3600" kern="100" dirty="0">
-                <a:solidFill>
-                  <a:schemeClr val="tx1">
-                    <a:lumMod val="85000"/>
-                    <a:lumOff val="15000"/>
-                  </a:schemeClr>
-                </a:solidFill>
-                <a:latin typeface="メイリオ" panose="020B0604030504040204" pitchFamily="50" charset="-128"/>
-                <a:ea typeface="メイリオ" panose="020B0604030504040204" pitchFamily="50" charset="-128"/>
-                <a:cs typeface="Times New Roman" panose="02020603050405020304" pitchFamily="18" charset="0"/>
-              </a:rPr>
-              <a:t>2.</a:t>
-            </a:r>
-            <a:r>
-              <a:rPr lang="ja-JP" altLang="en-US" sz="3600" kern="100" dirty="0">
-                <a:solidFill>
-                  <a:schemeClr val="tx1">
-                    <a:lumMod val="85000"/>
-                    <a:lumOff val="15000"/>
-                  </a:schemeClr>
-                </a:solidFill>
-                <a:latin typeface="メイリオ" panose="020B0604030504040204" pitchFamily="50" charset="-128"/>
-                <a:ea typeface="メイリオ" panose="020B0604030504040204" pitchFamily="50" charset="-128"/>
-                <a:cs typeface="Times New Roman" panose="02020603050405020304" pitchFamily="18" charset="0"/>
-              </a:rPr>
-              <a:t>　製作物について</a:t>
-            </a:r>
-            <a:endParaRPr lang="ja-JP" altLang="ja-JP" sz="3600" kern="100" dirty="0">
-              <a:solidFill>
-                <a:schemeClr val="tx1">
-                  <a:lumMod val="85000"/>
-                  <a:lumOff val="15000"/>
-                </a:schemeClr>
-              </a:solidFill>
-              <a:latin typeface="メイリオ" panose="020B0604030504040204" pitchFamily="50" charset="-128"/>
-              <a:ea typeface="メイリオ" panose="020B0604030504040204" pitchFamily="50" charset="-128"/>
-              <a:cs typeface="Times New Roman" panose="02020603050405020304" pitchFamily="18" charset="0"/>
-            </a:endParaRPr>
-          </a:p>
-        </p:txBody>
-      </p:sp>
-      <p:sp>
-        <p:nvSpPr>
-          <p:cNvPr id="18" name="四角形: 角を丸くする 17">
-            <a:extLst>
-              <a:ext uri="{FF2B5EF4-FFF2-40B4-BE49-F238E27FC236}">
-                <a16:creationId xmlns:a16="http://schemas.microsoft.com/office/drawing/2014/main" id="{AEA83588-56D7-4940-B360-E91119207452}"/>
-              </a:ext>
-            </a:extLst>
-          </p:cNvPr>
-          <p:cNvSpPr/>
-          <p:nvPr/>
-        </p:nvSpPr>
-        <p:spPr>
-          <a:xfrm>
-            <a:off x="615001" y="3112647"/>
-            <a:ext cx="7913995" cy="658000"/>
-          </a:xfrm>
-          <a:prstGeom prst="roundRect">
-            <a:avLst/>
-          </a:prstGeom>
-          <a:ln w="19050">
-            <a:solidFill>
-              <a:schemeClr val="accent1"/>
-            </a:solidFill>
-          </a:ln>
-        </p:spPr>
-        <p:style>
-          <a:lnRef idx="2">
-            <a:schemeClr val="accent6"/>
-          </a:lnRef>
-          <a:fillRef idx="1">
-            <a:schemeClr val="lt1"/>
-          </a:fillRef>
-          <a:effectRef idx="0">
-            <a:schemeClr val="accent6"/>
-          </a:effectRef>
-          <a:fontRef idx="minor">
-            <a:schemeClr val="dk1"/>
-          </a:fontRef>
-        </p:style>
-        <p:txBody>
-          <a:bodyPr rtlCol="0" anchor="ctr"/>
-          <a:lstStyle/>
-          <a:p>
-            <a:pPr algn="just">
-              <a:lnSpc>
-                <a:spcPct val="150000"/>
-              </a:lnSpc>
-            </a:pPr>
-            <a:r>
-              <a:rPr lang="en-US" altLang="ja-JP" sz="3600" kern="100" dirty="0">
-                <a:solidFill>
-                  <a:schemeClr val="tx1">
-                    <a:lumMod val="85000"/>
-                    <a:lumOff val="15000"/>
-                  </a:schemeClr>
-                </a:solidFill>
-                <a:latin typeface="メイリオ" panose="020B0604030504040204" pitchFamily="50" charset="-128"/>
-                <a:ea typeface="メイリオ" panose="020B0604030504040204" pitchFamily="50" charset="-128"/>
-                <a:cs typeface="Times New Roman" panose="02020603050405020304" pitchFamily="18" charset="0"/>
-              </a:rPr>
-              <a:t>3.</a:t>
-            </a:r>
-            <a:r>
-              <a:rPr lang="ja-JP" altLang="en-US" sz="3600" kern="100" dirty="0">
-                <a:solidFill>
-                  <a:schemeClr val="tx1">
-                    <a:lumMod val="85000"/>
-                    <a:lumOff val="15000"/>
-                  </a:schemeClr>
-                </a:solidFill>
-                <a:latin typeface="メイリオ" panose="020B0604030504040204" pitchFamily="50" charset="-128"/>
-                <a:ea typeface="メイリオ" panose="020B0604030504040204" pitchFamily="50" charset="-128"/>
-                <a:cs typeface="Times New Roman" panose="02020603050405020304" pitchFamily="18" charset="0"/>
-              </a:rPr>
-              <a:t>　期待できる効果</a:t>
-            </a:r>
-            <a:endParaRPr lang="ja-JP" altLang="ja-JP" sz="3600" kern="100" dirty="0">
-              <a:solidFill>
-                <a:schemeClr val="tx1">
-                  <a:lumMod val="85000"/>
-                  <a:lumOff val="15000"/>
-                </a:schemeClr>
-              </a:solidFill>
-              <a:latin typeface="メイリオ" panose="020B0604030504040204" pitchFamily="50" charset="-128"/>
-              <a:ea typeface="メイリオ" panose="020B0604030504040204" pitchFamily="50" charset="-128"/>
-              <a:cs typeface="Times New Roman" panose="02020603050405020304" pitchFamily="18" charset="0"/>
-            </a:endParaRPr>
-          </a:p>
-        </p:txBody>
-      </p:sp>
-      <p:sp>
-        <p:nvSpPr>
-          <p:cNvPr id="19" name="四角形: 角を丸くする 18">
-            <a:extLst>
-              <a:ext uri="{FF2B5EF4-FFF2-40B4-BE49-F238E27FC236}">
-                <a16:creationId xmlns:a16="http://schemas.microsoft.com/office/drawing/2014/main" id="{5A939795-3DDA-40FC-B854-56CC9E54B4F8}"/>
-              </a:ext>
-            </a:extLst>
-          </p:cNvPr>
-          <p:cNvSpPr/>
-          <p:nvPr/>
-        </p:nvSpPr>
-        <p:spPr>
-          <a:xfrm>
-            <a:off x="615001" y="4010081"/>
-            <a:ext cx="7913995" cy="658000"/>
-          </a:xfrm>
-          <a:prstGeom prst="roundRect">
-            <a:avLst/>
-          </a:prstGeom>
-          <a:ln w="19050">
-            <a:solidFill>
-              <a:schemeClr val="accent1"/>
-            </a:solidFill>
-          </a:ln>
-        </p:spPr>
-        <p:style>
-          <a:lnRef idx="2">
-            <a:schemeClr val="accent6"/>
-          </a:lnRef>
-          <a:fillRef idx="1">
-            <a:schemeClr val="lt1"/>
-          </a:fillRef>
-          <a:effectRef idx="0">
-            <a:schemeClr val="accent6"/>
-          </a:effectRef>
-          <a:fontRef idx="minor">
-            <a:schemeClr val="dk1"/>
-          </a:fontRef>
-        </p:style>
-        <p:txBody>
-          <a:bodyPr rtlCol="0" anchor="ctr"/>
-          <a:lstStyle/>
-          <a:p>
-            <a:pPr algn="just">
-              <a:lnSpc>
-                <a:spcPct val="150000"/>
-              </a:lnSpc>
-            </a:pPr>
-            <a:r>
-              <a:rPr lang="en-US" altLang="ja-JP" sz="3600" kern="100" dirty="0">
-                <a:solidFill>
-                  <a:schemeClr val="tx1">
-                    <a:lumMod val="85000"/>
-                    <a:lumOff val="15000"/>
-                  </a:schemeClr>
-                </a:solidFill>
-                <a:latin typeface="メイリオ" panose="020B0604030504040204" pitchFamily="50" charset="-128"/>
-                <a:ea typeface="メイリオ" panose="020B0604030504040204" pitchFamily="50" charset="-128"/>
-                <a:cs typeface="Times New Roman" panose="02020603050405020304" pitchFamily="18" charset="0"/>
-              </a:rPr>
-              <a:t>4.</a:t>
-            </a:r>
-            <a:r>
-              <a:rPr lang="ja-JP" altLang="en-US" sz="3600" kern="100" dirty="0">
-                <a:solidFill>
-                  <a:schemeClr val="tx1">
-                    <a:lumMod val="85000"/>
-                    <a:lumOff val="15000"/>
-                  </a:schemeClr>
-                </a:solidFill>
-                <a:latin typeface="メイリオ" panose="020B0604030504040204" pitchFamily="50" charset="-128"/>
-                <a:ea typeface="メイリオ" panose="020B0604030504040204" pitchFamily="50" charset="-128"/>
-                <a:cs typeface="Times New Roman" panose="02020603050405020304" pitchFamily="18" charset="0"/>
-              </a:rPr>
-              <a:t>　プロジェクトの振り返り</a:t>
-            </a:r>
-            <a:endParaRPr lang="ja-JP" altLang="ja-JP" sz="3600" kern="100" dirty="0">
-              <a:solidFill>
-                <a:schemeClr val="tx1">
-                  <a:lumMod val="85000"/>
-                  <a:lumOff val="15000"/>
-                </a:schemeClr>
-              </a:solidFill>
-              <a:latin typeface="メイリオ" panose="020B0604030504040204" pitchFamily="50" charset="-128"/>
-              <a:ea typeface="メイリオ" panose="020B0604030504040204" pitchFamily="50" charset="-128"/>
-              <a:cs typeface="Times New Roman" panose="02020603050405020304" pitchFamily="18" charset="0"/>
-            </a:endParaRPr>
-          </a:p>
-        </p:txBody>
-      </p:sp>
-      <p:sp>
-        <p:nvSpPr>
-          <p:cNvPr id="20" name="四角形: 角を丸くする 19">
-            <a:extLst>
-              <a:ext uri="{FF2B5EF4-FFF2-40B4-BE49-F238E27FC236}">
-                <a16:creationId xmlns:a16="http://schemas.microsoft.com/office/drawing/2014/main" id="{8B1C7689-CB01-47A0-BF74-E914F8F0EC3D}"/>
-              </a:ext>
-            </a:extLst>
-          </p:cNvPr>
-          <p:cNvSpPr/>
-          <p:nvPr/>
-        </p:nvSpPr>
-        <p:spPr>
-          <a:xfrm>
-            <a:off x="615001" y="4865397"/>
-            <a:ext cx="7913995" cy="658000"/>
-          </a:xfrm>
-          <a:prstGeom prst="roundRect">
-            <a:avLst/>
-          </a:prstGeom>
-          <a:ln w="19050">
-            <a:solidFill>
-              <a:schemeClr val="accent1"/>
-            </a:solidFill>
-          </a:ln>
-        </p:spPr>
-        <p:style>
-          <a:lnRef idx="2">
-            <a:schemeClr val="accent6"/>
-          </a:lnRef>
-          <a:fillRef idx="1">
-            <a:schemeClr val="lt1"/>
-          </a:fillRef>
-          <a:effectRef idx="0">
-            <a:schemeClr val="accent6"/>
-          </a:effectRef>
-          <a:fontRef idx="minor">
-            <a:schemeClr val="dk1"/>
-          </a:fontRef>
-        </p:style>
-        <p:txBody>
-          <a:bodyPr rtlCol="0" anchor="ctr"/>
-          <a:lstStyle/>
-          <a:p>
-            <a:pPr algn="just">
-              <a:lnSpc>
-                <a:spcPct val="150000"/>
-              </a:lnSpc>
-            </a:pPr>
-            <a:r>
-              <a:rPr lang="en-US" altLang="ja-JP" sz="3600" kern="100" dirty="0">
-                <a:solidFill>
-                  <a:schemeClr val="tx1">
-                    <a:lumMod val="85000"/>
-                    <a:lumOff val="15000"/>
-                  </a:schemeClr>
-                </a:solidFill>
-                <a:latin typeface="メイリオ" panose="020B0604030504040204" pitchFamily="50" charset="-128"/>
-                <a:ea typeface="メイリオ" panose="020B0604030504040204" pitchFamily="50" charset="-128"/>
-                <a:cs typeface="Times New Roman" panose="02020603050405020304" pitchFamily="18" charset="0"/>
-              </a:rPr>
-              <a:t>5.</a:t>
-            </a:r>
-            <a:r>
-              <a:rPr lang="ja-JP" altLang="en-US" sz="3600" kern="100" dirty="0">
-                <a:solidFill>
-                  <a:schemeClr val="tx1">
-                    <a:lumMod val="85000"/>
-                    <a:lumOff val="15000"/>
-                  </a:schemeClr>
-                </a:solidFill>
-                <a:latin typeface="メイリオ" panose="020B0604030504040204" pitchFamily="50" charset="-128"/>
-                <a:ea typeface="メイリオ" panose="020B0604030504040204" pitchFamily="50" charset="-128"/>
-                <a:cs typeface="Times New Roman" panose="02020603050405020304" pitchFamily="18" charset="0"/>
-              </a:rPr>
-              <a:t>　個々の成長・感想</a:t>
-            </a:r>
-            <a:endParaRPr lang="ja-JP" altLang="ja-JP" sz="3600" kern="100" dirty="0">
-              <a:solidFill>
-                <a:schemeClr val="tx1">
-                  <a:lumMod val="85000"/>
-                  <a:lumOff val="15000"/>
-                </a:schemeClr>
-              </a:solidFill>
-              <a:latin typeface="メイリオ" panose="020B0604030504040204" pitchFamily="50" charset="-128"/>
-              <a:ea typeface="メイリオ" panose="020B0604030504040204" pitchFamily="50" charset="-128"/>
-              <a:cs typeface="Times New Roman" panose="02020603050405020304" pitchFamily="18" charset="0"/>
-            </a:endParaRPr>
-          </a:p>
-        </p:txBody>
-      </p:sp>
-      <p:sp>
-        <p:nvSpPr>
-          <p:cNvPr id="21" name="四角形: 角を丸くする 20">
-            <a:extLst>
-              <a:ext uri="{FF2B5EF4-FFF2-40B4-BE49-F238E27FC236}">
-                <a16:creationId xmlns:a16="http://schemas.microsoft.com/office/drawing/2014/main" id="{460F04A2-8F78-4E7D-971A-AA72042386EE}"/>
-              </a:ext>
-            </a:extLst>
-          </p:cNvPr>
-          <p:cNvSpPr/>
-          <p:nvPr/>
-        </p:nvSpPr>
-        <p:spPr>
-          <a:xfrm>
-            <a:off x="615001" y="5729097"/>
-            <a:ext cx="7913995" cy="658000"/>
-          </a:xfrm>
-          <a:prstGeom prst="roundRect">
-            <a:avLst/>
-          </a:prstGeom>
-          <a:ln w="19050">
-            <a:solidFill>
-              <a:schemeClr val="accent1"/>
-            </a:solidFill>
-          </a:ln>
-        </p:spPr>
-        <p:style>
-          <a:lnRef idx="2">
-            <a:schemeClr val="accent6"/>
-          </a:lnRef>
-          <a:fillRef idx="1">
-            <a:schemeClr val="lt1"/>
-          </a:fillRef>
-          <a:effectRef idx="0">
-            <a:schemeClr val="accent6"/>
-          </a:effectRef>
-          <a:fontRef idx="minor">
-            <a:schemeClr val="dk1"/>
-          </a:fontRef>
-        </p:style>
-        <p:txBody>
-          <a:bodyPr rtlCol="0" anchor="ctr"/>
-          <a:lstStyle/>
-          <a:p>
-            <a:pPr algn="just">
-              <a:lnSpc>
-                <a:spcPct val="150000"/>
-              </a:lnSpc>
-            </a:pPr>
-            <a:r>
-              <a:rPr lang="en-US" altLang="ja-JP" sz="3600" kern="100" dirty="0">
-                <a:solidFill>
-                  <a:schemeClr val="tx1">
-                    <a:lumMod val="85000"/>
-                    <a:lumOff val="15000"/>
-                  </a:schemeClr>
-                </a:solidFill>
-                <a:latin typeface="メイリオ" panose="020B0604030504040204" pitchFamily="50" charset="-128"/>
-                <a:ea typeface="メイリオ" panose="020B0604030504040204" pitchFamily="50" charset="-128"/>
-                <a:cs typeface="Times New Roman" panose="02020603050405020304" pitchFamily="18" charset="0"/>
-              </a:rPr>
-              <a:t>6.</a:t>
-            </a:r>
-            <a:r>
-              <a:rPr lang="ja-JP" altLang="en-US" sz="3600" kern="100" dirty="0">
-                <a:solidFill>
-                  <a:schemeClr val="tx1">
-                    <a:lumMod val="85000"/>
-                    <a:lumOff val="15000"/>
-                  </a:schemeClr>
-                </a:solidFill>
-                <a:latin typeface="メイリオ" panose="020B0604030504040204" pitchFamily="50" charset="-128"/>
-                <a:ea typeface="メイリオ" panose="020B0604030504040204" pitchFamily="50" charset="-128"/>
-                <a:cs typeface="Times New Roman" panose="02020603050405020304" pitchFamily="18" charset="0"/>
-              </a:rPr>
-              <a:t>　まとめ</a:t>
-            </a:r>
-            <a:endParaRPr lang="ja-JP" altLang="ja-JP" sz="3600" kern="100" dirty="0">
-              <a:solidFill>
-                <a:schemeClr val="tx1">
-                  <a:lumMod val="85000"/>
-                  <a:lumOff val="15000"/>
-                </a:schemeClr>
-              </a:solidFill>
-              <a:latin typeface="メイリオ" panose="020B0604030504040204" pitchFamily="50" charset="-128"/>
-              <a:ea typeface="メイリオ" panose="020B0604030504040204" pitchFamily="50" charset="-128"/>
-              <a:cs typeface="Times New Roman" panose="02020603050405020304" pitchFamily="18" charset="0"/>
-            </a:endParaRPr>
-          </a:p>
-        </p:txBody>
-      </p:sp>
-    </p:spTree>
-    <p:extLst>
-      <p:ext uri="{BB962C8B-B14F-4D97-AF65-F5344CB8AC3E}">
-        <p14:creationId xmlns:p14="http://schemas.microsoft.com/office/powerpoint/2010/main" val="3706949613"/>
-      </p:ext>
-    </p:extLst>
-  </p:cSld>
-  <p:clrMapOvr>
-    <a:masterClrMapping/>
-  </p:clrMapOvr>
-</p:sld>
-</file>
-
-<file path=ppt/slides/slide20.xml><?xml version="1.0" encoding="utf-8"?>
+<file path=ppt/slides/slide24.xml><?xml version="1.0" encoding="utf-8"?>
 <p:sld xmlns:a="http://schemas.openxmlformats.org/drawingml/2006/main" xmlns:r="http://schemas.openxmlformats.org/officeDocument/2006/relationships" xmlns:p="http://schemas.openxmlformats.org/presentationml/2006/main">
   <p:cSld>
     <p:spTree>
@@ -15033,7 +16431,7 @@
                   </a:schemeClr>
                 </a:solidFill>
               </a:rPr>
-              <a:t>20</a:t>
+              <a:t>24</a:t>
             </a:fld>
             <a:endParaRPr kumimoji="1" lang="ja-JP" altLang="en-US" sz="4000" dirty="0">
               <a:solidFill>
@@ -15683,7 +17081,7 @@
 </p:sld>
 </file>
 
-<file path=ppt/slides/slide21.xml><?xml version="1.0" encoding="utf-8"?>
+<file path=ppt/slides/slide25.xml><?xml version="1.0" encoding="utf-8"?>
 <p:sld xmlns:a="http://schemas.openxmlformats.org/drawingml/2006/main" xmlns:r="http://schemas.openxmlformats.org/officeDocument/2006/relationships" xmlns:p="http://schemas.openxmlformats.org/presentationml/2006/main">
   <p:cSld>
     <p:spTree>
@@ -15910,7 +17308,7 @@
                   </a:schemeClr>
                 </a:solidFill>
               </a:rPr>
-              <a:t>21</a:t>
+              <a:t>25</a:t>
             </a:fld>
             <a:endParaRPr kumimoji="1" lang="ja-JP" altLang="en-US" sz="4000" dirty="0">
               <a:solidFill>
@@ -16247,7 +17645,7 @@
 </p:sld>
 </file>
 
-<file path=ppt/slides/slide22.xml><?xml version="1.0" encoding="utf-8"?>
+<file path=ppt/slides/slide26.xml><?xml version="1.0" encoding="utf-8"?>
 <p:sld xmlns:a="http://schemas.openxmlformats.org/drawingml/2006/main" xmlns:r="http://schemas.openxmlformats.org/officeDocument/2006/relationships" xmlns:p="http://schemas.openxmlformats.org/presentationml/2006/main">
   <p:cSld>
     <p:spTree>
@@ -16385,7 +17783,7 @@
                   </a:schemeClr>
                 </a:solidFill>
               </a:rPr>
-              <a:t>22</a:t>
+              <a:t>26</a:t>
             </a:fld>
             <a:endParaRPr kumimoji="1" lang="ja-JP" altLang="en-US" sz="4000" dirty="0">
               <a:solidFill>
@@ -16983,7 +18381,7 @@
 </p:sld>
 </file>
 
-<file path=ppt/slides/slide23.xml><?xml version="1.0" encoding="utf-8"?>
+<file path=ppt/slides/slide27.xml><?xml version="1.0" encoding="utf-8"?>
 <p:sld xmlns:a="http://schemas.openxmlformats.org/drawingml/2006/main" xmlns:r="http://schemas.openxmlformats.org/officeDocument/2006/relationships" xmlns:p="http://schemas.openxmlformats.org/presentationml/2006/main">
   <p:cSld>
     <p:spTree>
@@ -17210,7 +18608,7 @@
                   </a:schemeClr>
                 </a:solidFill>
               </a:rPr>
-              <a:t>23</a:t>
+              <a:t>27</a:t>
             </a:fld>
             <a:endParaRPr kumimoji="1" lang="ja-JP" altLang="en-US" sz="4000" dirty="0">
               <a:solidFill>
@@ -17549,7 +18947,7 @@
 </p:sld>
 </file>
 
-<file path=ppt/slides/slide24.xml><?xml version="1.0" encoding="utf-8"?>
+<file path=ppt/slides/slide28.xml><?xml version="1.0" encoding="utf-8"?>
 <p:sld xmlns:a="http://schemas.openxmlformats.org/drawingml/2006/main" xmlns:r="http://schemas.openxmlformats.org/officeDocument/2006/relationships" xmlns:p="http://schemas.openxmlformats.org/presentationml/2006/main">
   <p:cSld>
     <p:spTree>
@@ -17648,7 +19046,7 @@
                   </a:schemeClr>
                 </a:solidFill>
               </a:rPr>
-              <a:t>24</a:t>
+              <a:t>28</a:t>
             </a:fld>
             <a:endParaRPr kumimoji="1" lang="ja-JP" altLang="en-US" sz="4000" dirty="0">
               <a:solidFill>
@@ -18398,7 +19796,7 @@
 </p:sld>
 </file>
 
-<file path=ppt/slides/slide25.xml><?xml version="1.0" encoding="utf-8"?>
+<file path=ppt/slides/slide29.xml><?xml version="1.0" encoding="utf-8"?>
 <p:sld xmlns:a="http://schemas.openxmlformats.org/drawingml/2006/main" xmlns:r="http://schemas.openxmlformats.org/officeDocument/2006/relationships" xmlns:p="http://schemas.openxmlformats.org/presentationml/2006/main">
   <p:cSld>
     <p:spTree>
@@ -18625,7 +20023,7 @@
                   </a:schemeClr>
                 </a:solidFill>
               </a:rPr>
-              <a:t>25</a:t>
+              <a:t>29</a:t>
             </a:fld>
             <a:endParaRPr kumimoji="1" lang="ja-JP" altLang="en-US" sz="4000" dirty="0">
               <a:solidFill>
@@ -19028,7 +20426,641 @@
 </p:sld>
 </file>
 
-<file path=ppt/slides/slide26.xml><?xml version="1.0" encoding="utf-8"?>
+<file path=ppt/slides/slide3.xml><?xml version="1.0" encoding="utf-8"?>
+<p:sld xmlns:a="http://schemas.openxmlformats.org/drawingml/2006/main" xmlns:r="http://schemas.openxmlformats.org/officeDocument/2006/relationships" xmlns:p="http://schemas.openxmlformats.org/presentationml/2006/main">
+  <p:cSld>
+    <p:spTree>
+      <p:nvGrpSpPr>
+        <p:cNvPr id="1" name=""/>
+        <p:cNvGrpSpPr/>
+        <p:nvPr/>
+      </p:nvGrpSpPr>
+      <p:grpSpPr>
+        <a:xfrm>
+          <a:off x="0" y="0"/>
+          <a:ext cx="0" cy="0"/>
+          <a:chOff x="0" y="0"/>
+          <a:chExt cx="0" cy="0"/>
+        </a:xfrm>
+      </p:grpSpPr>
+      <p:sp>
+        <p:nvSpPr>
+          <p:cNvPr id="2" name="タイトル 1">
+            <a:extLst>
+              <a:ext uri="{FF2B5EF4-FFF2-40B4-BE49-F238E27FC236}">
+                <a16:creationId xmlns:a16="http://schemas.microsoft.com/office/drawing/2014/main" id="{AF626A66-1FD7-4EE6-A6C8-9B7BA0C9036A}"/>
+              </a:ext>
+            </a:extLst>
+          </p:cNvPr>
+          <p:cNvSpPr>
+            <a:spLocks noGrp="1"/>
+          </p:cNvSpPr>
+          <p:nvPr>
+            <p:ph type="title"/>
+          </p:nvPr>
+        </p:nvSpPr>
+        <p:spPr>
+          <a:xfrm>
+            <a:off x="488707" y="266610"/>
+            <a:ext cx="8079581" cy="863885"/>
+          </a:xfrm>
+        </p:spPr>
+        <p:txBody>
+          <a:bodyPr/>
+          <a:lstStyle/>
+          <a:p>
+            <a:r>
+              <a:rPr kumimoji="1" lang="ja-JP" altLang="en-US" dirty="0">
+                <a:latin typeface="メイリオ" panose="020B0604030504040204" pitchFamily="50" charset="-128"/>
+                <a:ea typeface="メイリオ" panose="020B0604030504040204" pitchFamily="50" charset="-128"/>
+              </a:rPr>
+              <a:t>アジェンダ</a:t>
+            </a:r>
+          </a:p>
+        </p:txBody>
+      </p:sp>
+      <p:sp>
+        <p:nvSpPr>
+          <p:cNvPr id="9" name="四角形: 角を丸くする 8">
+            <a:extLst>
+              <a:ext uri="{FF2B5EF4-FFF2-40B4-BE49-F238E27FC236}">
+                <a16:creationId xmlns:a16="http://schemas.microsoft.com/office/drawing/2014/main" id="{95E61E18-E0FF-4789-B846-542D3BDD545C}"/>
+              </a:ext>
+            </a:extLst>
+          </p:cNvPr>
+          <p:cNvSpPr/>
+          <p:nvPr/>
+        </p:nvSpPr>
+        <p:spPr>
+          <a:xfrm>
+            <a:off x="615002" y="1327811"/>
+            <a:ext cx="7913995" cy="658000"/>
+          </a:xfrm>
+          <a:prstGeom prst="roundRect">
+            <a:avLst/>
+          </a:prstGeom>
+          <a:solidFill>
+            <a:schemeClr val="accent1"/>
+          </a:solidFill>
+          <a:ln w="38100">
+            <a:solidFill>
+              <a:schemeClr val="accent1"/>
+            </a:solidFill>
+          </a:ln>
+        </p:spPr>
+        <p:style>
+          <a:lnRef idx="2">
+            <a:schemeClr val="accent6"/>
+          </a:lnRef>
+          <a:fillRef idx="1">
+            <a:schemeClr val="lt1"/>
+          </a:fillRef>
+          <a:effectRef idx="0">
+            <a:schemeClr val="accent6"/>
+          </a:effectRef>
+          <a:fontRef idx="minor">
+            <a:schemeClr val="dk1"/>
+          </a:fontRef>
+        </p:style>
+        <p:txBody>
+          <a:bodyPr rtlCol="0" anchor="ctr"/>
+          <a:lstStyle/>
+          <a:p>
+            <a:pPr marL="342900" indent="-342900" algn="just">
+              <a:lnSpc>
+                <a:spcPct val="150000"/>
+              </a:lnSpc>
+              <a:buFont typeface="+mj-lt"/>
+              <a:buAutoNum type="arabicPeriod"/>
+            </a:pPr>
+            <a:r>
+              <a:rPr lang="ja-JP" altLang="en-US" sz="3600" b="1" kern="100" dirty="0">
+                <a:solidFill>
+                  <a:schemeClr val="bg1"/>
+                </a:solidFill>
+                <a:latin typeface="メイリオ" panose="020B0604030504040204" pitchFamily="50" charset="-128"/>
+                <a:ea typeface="メイリオ" panose="020B0604030504040204" pitchFamily="50" charset="-128"/>
+                <a:cs typeface="Times New Roman" panose="02020603050405020304" pitchFamily="18" charset="0"/>
+              </a:rPr>
+              <a:t>　</a:t>
+            </a:r>
+            <a:r>
+              <a:rPr lang="ja-JP" altLang="ja-JP" sz="3600" b="1" kern="100" dirty="0">
+                <a:solidFill>
+                  <a:schemeClr val="bg1"/>
+                </a:solidFill>
+                <a:latin typeface="メイリオ" panose="020B0604030504040204" pitchFamily="50" charset="-128"/>
+                <a:ea typeface="メイリオ" panose="020B0604030504040204" pitchFamily="50" charset="-128"/>
+                <a:cs typeface="Times New Roman" panose="02020603050405020304" pitchFamily="18" charset="0"/>
+              </a:rPr>
+              <a:t>チームの概要</a:t>
+            </a:r>
+          </a:p>
+        </p:txBody>
+      </p:sp>
+      <p:sp>
+        <p:nvSpPr>
+          <p:cNvPr id="15" name="スライド番号プレースホルダー 14">
+            <a:extLst>
+              <a:ext uri="{FF2B5EF4-FFF2-40B4-BE49-F238E27FC236}">
+                <a16:creationId xmlns:a16="http://schemas.microsoft.com/office/drawing/2014/main" id="{AF80DF13-54D4-4295-8DBD-60C26A1BCC62}"/>
+              </a:ext>
+            </a:extLst>
+          </p:cNvPr>
+          <p:cNvSpPr>
+            <a:spLocks noGrp="1"/>
+          </p:cNvSpPr>
+          <p:nvPr>
+            <p:ph type="sldNum" sz="quarter" idx="12"/>
+          </p:nvPr>
+        </p:nvSpPr>
+        <p:spPr>
+          <a:xfrm>
+            <a:off x="6784980" y="5359578"/>
+            <a:ext cx="2194560" cy="1397039"/>
+          </a:xfrm>
+        </p:spPr>
+        <p:txBody>
+          <a:bodyPr/>
+          <a:lstStyle/>
+          <a:p>
+            <a:fld id="{28B3E1AD-D654-41ED-B122-F068B9548232}" type="slidenum">
+              <a:rPr kumimoji="1" lang="ja-JP" altLang="en-US" sz="5400" smtClean="0"/>
+              <a:t>3</a:t>
+            </a:fld>
+            <a:endParaRPr kumimoji="1" lang="ja-JP" altLang="en-US" sz="5400"/>
+          </a:p>
+        </p:txBody>
+      </p:sp>
+      <p:sp>
+        <p:nvSpPr>
+          <p:cNvPr id="17" name="四角形: 角を丸くする 16">
+            <a:extLst>
+              <a:ext uri="{FF2B5EF4-FFF2-40B4-BE49-F238E27FC236}">
+                <a16:creationId xmlns:a16="http://schemas.microsoft.com/office/drawing/2014/main" id="{5EF31FC2-2F52-4D5B-906E-753D3EF88EF6}"/>
+              </a:ext>
+            </a:extLst>
+          </p:cNvPr>
+          <p:cNvSpPr/>
+          <p:nvPr/>
+        </p:nvSpPr>
+        <p:spPr>
+          <a:xfrm>
+            <a:off x="615002" y="2225245"/>
+            <a:ext cx="7913995" cy="658000"/>
+          </a:xfrm>
+          <a:prstGeom prst="roundRect">
+            <a:avLst/>
+          </a:prstGeom>
+          <a:ln w="19050">
+            <a:solidFill>
+              <a:schemeClr val="accent1"/>
+            </a:solidFill>
+          </a:ln>
+        </p:spPr>
+        <p:style>
+          <a:lnRef idx="2">
+            <a:schemeClr val="accent6"/>
+          </a:lnRef>
+          <a:fillRef idx="1">
+            <a:schemeClr val="lt1"/>
+          </a:fillRef>
+          <a:effectRef idx="0">
+            <a:schemeClr val="accent6"/>
+          </a:effectRef>
+          <a:fontRef idx="minor">
+            <a:schemeClr val="dk1"/>
+          </a:fontRef>
+        </p:style>
+        <p:txBody>
+          <a:bodyPr rtlCol="0" anchor="ctr"/>
+          <a:lstStyle/>
+          <a:p>
+            <a:pPr algn="just">
+              <a:lnSpc>
+                <a:spcPct val="150000"/>
+              </a:lnSpc>
+            </a:pPr>
+            <a:r>
+              <a:rPr lang="en-US" altLang="ja-JP" sz="3600" kern="100" dirty="0">
+                <a:solidFill>
+                  <a:schemeClr val="tx1">
+                    <a:lumMod val="85000"/>
+                    <a:lumOff val="15000"/>
+                  </a:schemeClr>
+                </a:solidFill>
+                <a:latin typeface="メイリオ" panose="020B0604030504040204" pitchFamily="50" charset="-128"/>
+                <a:ea typeface="メイリオ" panose="020B0604030504040204" pitchFamily="50" charset="-128"/>
+                <a:cs typeface="Times New Roman" panose="02020603050405020304" pitchFamily="18" charset="0"/>
+              </a:rPr>
+              <a:t>2.</a:t>
+            </a:r>
+            <a:r>
+              <a:rPr lang="ja-JP" altLang="en-US" sz="3600" kern="100" dirty="0">
+                <a:solidFill>
+                  <a:schemeClr val="tx1">
+                    <a:lumMod val="85000"/>
+                    <a:lumOff val="15000"/>
+                  </a:schemeClr>
+                </a:solidFill>
+                <a:latin typeface="メイリオ" panose="020B0604030504040204" pitchFamily="50" charset="-128"/>
+                <a:ea typeface="メイリオ" panose="020B0604030504040204" pitchFamily="50" charset="-128"/>
+                <a:cs typeface="Times New Roman" panose="02020603050405020304" pitchFamily="18" charset="0"/>
+              </a:rPr>
+              <a:t>　製作物について</a:t>
+            </a:r>
+            <a:endParaRPr lang="ja-JP" altLang="ja-JP" sz="3600" kern="100" dirty="0">
+              <a:solidFill>
+                <a:schemeClr val="tx1">
+                  <a:lumMod val="85000"/>
+                  <a:lumOff val="15000"/>
+                </a:schemeClr>
+              </a:solidFill>
+              <a:latin typeface="メイリオ" panose="020B0604030504040204" pitchFamily="50" charset="-128"/>
+              <a:ea typeface="メイリオ" panose="020B0604030504040204" pitchFamily="50" charset="-128"/>
+              <a:cs typeface="Times New Roman" panose="02020603050405020304" pitchFamily="18" charset="0"/>
+            </a:endParaRPr>
+          </a:p>
+        </p:txBody>
+      </p:sp>
+      <p:sp>
+        <p:nvSpPr>
+          <p:cNvPr id="18" name="四角形: 角を丸くする 17">
+            <a:extLst>
+              <a:ext uri="{FF2B5EF4-FFF2-40B4-BE49-F238E27FC236}">
+                <a16:creationId xmlns:a16="http://schemas.microsoft.com/office/drawing/2014/main" id="{AEA83588-56D7-4940-B360-E91119207452}"/>
+              </a:ext>
+            </a:extLst>
+          </p:cNvPr>
+          <p:cNvSpPr/>
+          <p:nvPr/>
+        </p:nvSpPr>
+        <p:spPr>
+          <a:xfrm>
+            <a:off x="615001" y="3112647"/>
+            <a:ext cx="7913995" cy="658000"/>
+          </a:xfrm>
+          <a:prstGeom prst="roundRect">
+            <a:avLst/>
+          </a:prstGeom>
+          <a:ln w="19050">
+            <a:solidFill>
+              <a:schemeClr val="accent1"/>
+            </a:solidFill>
+          </a:ln>
+        </p:spPr>
+        <p:style>
+          <a:lnRef idx="2">
+            <a:schemeClr val="accent6"/>
+          </a:lnRef>
+          <a:fillRef idx="1">
+            <a:schemeClr val="lt1"/>
+          </a:fillRef>
+          <a:effectRef idx="0">
+            <a:schemeClr val="accent6"/>
+          </a:effectRef>
+          <a:fontRef idx="minor">
+            <a:schemeClr val="dk1"/>
+          </a:fontRef>
+        </p:style>
+        <p:txBody>
+          <a:bodyPr rtlCol="0" anchor="ctr"/>
+          <a:lstStyle/>
+          <a:p>
+            <a:pPr algn="just">
+              <a:lnSpc>
+                <a:spcPct val="150000"/>
+              </a:lnSpc>
+            </a:pPr>
+            <a:r>
+              <a:rPr lang="en-US" altLang="ja-JP" sz="3600" kern="100" dirty="0">
+                <a:solidFill>
+                  <a:schemeClr val="tx1">
+                    <a:lumMod val="85000"/>
+                    <a:lumOff val="15000"/>
+                  </a:schemeClr>
+                </a:solidFill>
+                <a:latin typeface="メイリオ" panose="020B0604030504040204" pitchFamily="50" charset="-128"/>
+                <a:ea typeface="メイリオ" panose="020B0604030504040204" pitchFamily="50" charset="-128"/>
+                <a:cs typeface="Times New Roman" panose="02020603050405020304" pitchFamily="18" charset="0"/>
+              </a:rPr>
+              <a:t>3.</a:t>
+            </a:r>
+            <a:r>
+              <a:rPr lang="ja-JP" altLang="en-US" sz="3600" kern="100" dirty="0">
+                <a:solidFill>
+                  <a:schemeClr val="tx1">
+                    <a:lumMod val="85000"/>
+                    <a:lumOff val="15000"/>
+                  </a:schemeClr>
+                </a:solidFill>
+                <a:latin typeface="メイリオ" panose="020B0604030504040204" pitchFamily="50" charset="-128"/>
+                <a:ea typeface="メイリオ" panose="020B0604030504040204" pitchFamily="50" charset="-128"/>
+                <a:cs typeface="Times New Roman" panose="02020603050405020304" pitchFamily="18" charset="0"/>
+              </a:rPr>
+              <a:t>　期待できる効果</a:t>
+            </a:r>
+            <a:endParaRPr lang="ja-JP" altLang="ja-JP" sz="3600" kern="100" dirty="0">
+              <a:solidFill>
+                <a:schemeClr val="tx1">
+                  <a:lumMod val="85000"/>
+                  <a:lumOff val="15000"/>
+                </a:schemeClr>
+              </a:solidFill>
+              <a:latin typeface="メイリオ" panose="020B0604030504040204" pitchFamily="50" charset="-128"/>
+              <a:ea typeface="メイリオ" panose="020B0604030504040204" pitchFamily="50" charset="-128"/>
+              <a:cs typeface="Times New Roman" panose="02020603050405020304" pitchFamily="18" charset="0"/>
+            </a:endParaRPr>
+          </a:p>
+        </p:txBody>
+      </p:sp>
+      <p:sp>
+        <p:nvSpPr>
+          <p:cNvPr id="19" name="四角形: 角を丸くする 18">
+            <a:extLst>
+              <a:ext uri="{FF2B5EF4-FFF2-40B4-BE49-F238E27FC236}">
+                <a16:creationId xmlns:a16="http://schemas.microsoft.com/office/drawing/2014/main" id="{5A939795-3DDA-40FC-B854-56CC9E54B4F8}"/>
+              </a:ext>
+            </a:extLst>
+          </p:cNvPr>
+          <p:cNvSpPr/>
+          <p:nvPr/>
+        </p:nvSpPr>
+        <p:spPr>
+          <a:xfrm>
+            <a:off x="615001" y="4010081"/>
+            <a:ext cx="7913995" cy="658000"/>
+          </a:xfrm>
+          <a:prstGeom prst="roundRect">
+            <a:avLst/>
+          </a:prstGeom>
+          <a:ln w="19050">
+            <a:solidFill>
+              <a:schemeClr val="accent1"/>
+            </a:solidFill>
+          </a:ln>
+        </p:spPr>
+        <p:style>
+          <a:lnRef idx="2">
+            <a:schemeClr val="accent6"/>
+          </a:lnRef>
+          <a:fillRef idx="1">
+            <a:schemeClr val="lt1"/>
+          </a:fillRef>
+          <a:effectRef idx="0">
+            <a:schemeClr val="accent6"/>
+          </a:effectRef>
+          <a:fontRef idx="minor">
+            <a:schemeClr val="dk1"/>
+          </a:fontRef>
+        </p:style>
+        <p:txBody>
+          <a:bodyPr rtlCol="0" anchor="ctr"/>
+          <a:lstStyle/>
+          <a:p>
+            <a:pPr algn="just">
+              <a:lnSpc>
+                <a:spcPct val="150000"/>
+              </a:lnSpc>
+            </a:pPr>
+            <a:r>
+              <a:rPr lang="en-US" altLang="ja-JP" sz="3600" kern="100" dirty="0">
+                <a:solidFill>
+                  <a:schemeClr val="tx1">
+                    <a:lumMod val="85000"/>
+                    <a:lumOff val="15000"/>
+                  </a:schemeClr>
+                </a:solidFill>
+                <a:latin typeface="メイリオ" panose="020B0604030504040204" pitchFamily="50" charset="-128"/>
+                <a:ea typeface="メイリオ" panose="020B0604030504040204" pitchFamily="50" charset="-128"/>
+                <a:cs typeface="Times New Roman" panose="02020603050405020304" pitchFamily="18" charset="0"/>
+              </a:rPr>
+              <a:t>4.</a:t>
+            </a:r>
+            <a:r>
+              <a:rPr lang="ja-JP" altLang="en-US" sz="3600" kern="100" dirty="0">
+                <a:solidFill>
+                  <a:schemeClr val="tx1">
+                    <a:lumMod val="85000"/>
+                    <a:lumOff val="15000"/>
+                  </a:schemeClr>
+                </a:solidFill>
+                <a:latin typeface="メイリオ" panose="020B0604030504040204" pitchFamily="50" charset="-128"/>
+                <a:ea typeface="メイリオ" panose="020B0604030504040204" pitchFamily="50" charset="-128"/>
+                <a:cs typeface="Times New Roman" panose="02020603050405020304" pitchFamily="18" charset="0"/>
+              </a:rPr>
+              <a:t>　プロジェクトの振り返り</a:t>
+            </a:r>
+            <a:endParaRPr lang="ja-JP" altLang="ja-JP" sz="3600" kern="100" dirty="0">
+              <a:solidFill>
+                <a:schemeClr val="tx1">
+                  <a:lumMod val="85000"/>
+                  <a:lumOff val="15000"/>
+                </a:schemeClr>
+              </a:solidFill>
+              <a:latin typeface="メイリオ" panose="020B0604030504040204" pitchFamily="50" charset="-128"/>
+              <a:ea typeface="メイリオ" panose="020B0604030504040204" pitchFamily="50" charset="-128"/>
+              <a:cs typeface="Times New Roman" panose="02020603050405020304" pitchFamily="18" charset="0"/>
+            </a:endParaRPr>
+          </a:p>
+        </p:txBody>
+      </p:sp>
+      <p:sp>
+        <p:nvSpPr>
+          <p:cNvPr id="20" name="四角形: 角を丸くする 19">
+            <a:extLst>
+              <a:ext uri="{FF2B5EF4-FFF2-40B4-BE49-F238E27FC236}">
+                <a16:creationId xmlns:a16="http://schemas.microsoft.com/office/drawing/2014/main" id="{8B1C7689-CB01-47A0-BF74-E914F8F0EC3D}"/>
+              </a:ext>
+            </a:extLst>
+          </p:cNvPr>
+          <p:cNvSpPr/>
+          <p:nvPr/>
+        </p:nvSpPr>
+        <p:spPr>
+          <a:xfrm>
+            <a:off x="615001" y="4865397"/>
+            <a:ext cx="7913995" cy="658000"/>
+          </a:xfrm>
+          <a:prstGeom prst="roundRect">
+            <a:avLst/>
+          </a:prstGeom>
+          <a:ln w="19050">
+            <a:solidFill>
+              <a:schemeClr val="accent1"/>
+            </a:solidFill>
+          </a:ln>
+        </p:spPr>
+        <p:style>
+          <a:lnRef idx="2">
+            <a:schemeClr val="accent6"/>
+          </a:lnRef>
+          <a:fillRef idx="1">
+            <a:schemeClr val="lt1"/>
+          </a:fillRef>
+          <a:effectRef idx="0">
+            <a:schemeClr val="accent6"/>
+          </a:effectRef>
+          <a:fontRef idx="minor">
+            <a:schemeClr val="dk1"/>
+          </a:fontRef>
+        </p:style>
+        <p:txBody>
+          <a:bodyPr rtlCol="0" anchor="ctr"/>
+          <a:lstStyle/>
+          <a:p>
+            <a:pPr algn="just">
+              <a:lnSpc>
+                <a:spcPct val="150000"/>
+              </a:lnSpc>
+            </a:pPr>
+            <a:r>
+              <a:rPr lang="en-US" altLang="ja-JP" sz="3600" kern="100" dirty="0">
+                <a:solidFill>
+                  <a:schemeClr val="tx1">
+                    <a:lumMod val="85000"/>
+                    <a:lumOff val="15000"/>
+                  </a:schemeClr>
+                </a:solidFill>
+                <a:latin typeface="メイリオ" panose="020B0604030504040204" pitchFamily="50" charset="-128"/>
+                <a:ea typeface="メイリオ" panose="020B0604030504040204" pitchFamily="50" charset="-128"/>
+                <a:cs typeface="Times New Roman" panose="02020603050405020304" pitchFamily="18" charset="0"/>
+              </a:rPr>
+              <a:t>5.</a:t>
+            </a:r>
+            <a:r>
+              <a:rPr lang="ja-JP" altLang="en-US" sz="3600" kern="100" dirty="0">
+                <a:solidFill>
+                  <a:schemeClr val="tx1">
+                    <a:lumMod val="85000"/>
+                    <a:lumOff val="15000"/>
+                  </a:schemeClr>
+                </a:solidFill>
+                <a:latin typeface="メイリオ" panose="020B0604030504040204" pitchFamily="50" charset="-128"/>
+                <a:ea typeface="メイリオ" panose="020B0604030504040204" pitchFamily="50" charset="-128"/>
+                <a:cs typeface="Times New Roman" panose="02020603050405020304" pitchFamily="18" charset="0"/>
+              </a:rPr>
+              <a:t>　個々の成長・感想</a:t>
+            </a:r>
+            <a:endParaRPr lang="ja-JP" altLang="ja-JP" sz="3600" kern="100" dirty="0">
+              <a:solidFill>
+                <a:schemeClr val="tx1">
+                  <a:lumMod val="85000"/>
+                  <a:lumOff val="15000"/>
+                </a:schemeClr>
+              </a:solidFill>
+              <a:latin typeface="メイリオ" panose="020B0604030504040204" pitchFamily="50" charset="-128"/>
+              <a:ea typeface="メイリオ" panose="020B0604030504040204" pitchFamily="50" charset="-128"/>
+              <a:cs typeface="Times New Roman" panose="02020603050405020304" pitchFamily="18" charset="0"/>
+            </a:endParaRPr>
+          </a:p>
+        </p:txBody>
+      </p:sp>
+      <p:sp>
+        <p:nvSpPr>
+          <p:cNvPr id="21" name="四角形: 角を丸くする 20">
+            <a:extLst>
+              <a:ext uri="{FF2B5EF4-FFF2-40B4-BE49-F238E27FC236}">
+                <a16:creationId xmlns:a16="http://schemas.microsoft.com/office/drawing/2014/main" id="{460F04A2-8F78-4E7D-971A-AA72042386EE}"/>
+              </a:ext>
+            </a:extLst>
+          </p:cNvPr>
+          <p:cNvSpPr/>
+          <p:nvPr/>
+        </p:nvSpPr>
+        <p:spPr>
+          <a:xfrm>
+            <a:off x="615001" y="5729097"/>
+            <a:ext cx="7913995" cy="658000"/>
+          </a:xfrm>
+          <a:prstGeom prst="roundRect">
+            <a:avLst/>
+          </a:prstGeom>
+          <a:ln w="19050">
+            <a:solidFill>
+              <a:schemeClr val="accent1"/>
+            </a:solidFill>
+          </a:ln>
+        </p:spPr>
+        <p:style>
+          <a:lnRef idx="2">
+            <a:schemeClr val="accent6"/>
+          </a:lnRef>
+          <a:fillRef idx="1">
+            <a:schemeClr val="lt1"/>
+          </a:fillRef>
+          <a:effectRef idx="0">
+            <a:schemeClr val="accent6"/>
+          </a:effectRef>
+          <a:fontRef idx="minor">
+            <a:schemeClr val="dk1"/>
+          </a:fontRef>
+        </p:style>
+        <p:txBody>
+          <a:bodyPr rtlCol="0" anchor="ctr"/>
+          <a:lstStyle/>
+          <a:p>
+            <a:pPr algn="just">
+              <a:lnSpc>
+                <a:spcPct val="150000"/>
+              </a:lnSpc>
+            </a:pPr>
+            <a:r>
+              <a:rPr lang="en-US" altLang="ja-JP" sz="3600" kern="100" dirty="0">
+                <a:solidFill>
+                  <a:schemeClr val="tx1">
+                    <a:lumMod val="85000"/>
+                    <a:lumOff val="15000"/>
+                  </a:schemeClr>
+                </a:solidFill>
+                <a:latin typeface="メイリオ" panose="020B0604030504040204" pitchFamily="50" charset="-128"/>
+                <a:ea typeface="メイリオ" panose="020B0604030504040204" pitchFamily="50" charset="-128"/>
+                <a:cs typeface="Times New Roman" panose="02020603050405020304" pitchFamily="18" charset="0"/>
+              </a:rPr>
+              <a:t>6.</a:t>
+            </a:r>
+            <a:r>
+              <a:rPr lang="ja-JP" altLang="en-US" sz="3600" kern="100" dirty="0">
+                <a:solidFill>
+                  <a:schemeClr val="tx1">
+                    <a:lumMod val="85000"/>
+                    <a:lumOff val="15000"/>
+                  </a:schemeClr>
+                </a:solidFill>
+                <a:latin typeface="メイリオ" panose="020B0604030504040204" pitchFamily="50" charset="-128"/>
+                <a:ea typeface="メイリオ" panose="020B0604030504040204" pitchFamily="50" charset="-128"/>
+                <a:cs typeface="Times New Roman" panose="02020603050405020304" pitchFamily="18" charset="0"/>
+              </a:rPr>
+              <a:t>　まとめ</a:t>
+            </a:r>
+            <a:endParaRPr lang="ja-JP" altLang="ja-JP" sz="3600" kern="100" dirty="0">
+              <a:solidFill>
+                <a:schemeClr val="tx1">
+                  <a:lumMod val="85000"/>
+                  <a:lumOff val="15000"/>
+                </a:schemeClr>
+              </a:solidFill>
+              <a:latin typeface="メイリオ" panose="020B0604030504040204" pitchFamily="50" charset="-128"/>
+              <a:ea typeface="メイリオ" panose="020B0604030504040204" pitchFamily="50" charset="-128"/>
+              <a:cs typeface="Times New Roman" panose="02020603050405020304" pitchFamily="18" charset="0"/>
+            </a:endParaRPr>
+          </a:p>
+        </p:txBody>
+      </p:sp>
+    </p:spTree>
+    <p:extLst>
+      <p:ext uri="{BB962C8B-B14F-4D97-AF65-F5344CB8AC3E}">
+        <p14:creationId xmlns:p14="http://schemas.microsoft.com/office/powerpoint/2010/main" val="1424456168"/>
+      </p:ext>
+    </p:extLst>
+  </p:cSld>
+  <p:clrMapOvr>
+    <a:masterClrMapping/>
+  </p:clrMapOvr>
+</p:sld>
+</file>
+
+<file path=ppt/slides/slide30.xml><?xml version="1.0" encoding="utf-8"?>
 <p:sld xmlns:a="http://schemas.openxmlformats.org/drawingml/2006/main" xmlns:r="http://schemas.openxmlformats.org/officeDocument/2006/relationships" xmlns:p="http://schemas.openxmlformats.org/presentationml/2006/main">
   <p:cSld>
     <p:spTree>
@@ -19127,7 +21159,7 @@
                   </a:schemeClr>
                 </a:solidFill>
               </a:rPr>
-              <a:t>26</a:t>
+              <a:t>30</a:t>
             </a:fld>
             <a:endParaRPr kumimoji="1" lang="ja-JP" altLang="en-US" sz="4000" dirty="0">
               <a:solidFill>
@@ -19756,7 +21788,7 @@
 </p:sld>
 </file>
 
-<file path=ppt/slides/slide27.xml><?xml version="1.0" encoding="utf-8"?>
+<file path=ppt/slides/slide31.xml><?xml version="1.0" encoding="utf-8"?>
 <p:sld xmlns:a="http://schemas.openxmlformats.org/drawingml/2006/main" xmlns:r="http://schemas.openxmlformats.org/officeDocument/2006/relationships" xmlns:p="http://schemas.openxmlformats.org/presentationml/2006/main">
   <p:cSld>
     <p:spTree>
@@ -19983,7 +22015,7 @@
                   </a:schemeClr>
                 </a:solidFill>
               </a:rPr>
-              <a:t>27</a:t>
+              <a:t>31</a:t>
             </a:fld>
             <a:endParaRPr kumimoji="1" lang="ja-JP" altLang="en-US" sz="4000" dirty="0">
               <a:solidFill>
@@ -20323,7 +22355,7 @@
 </p:sld>
 </file>
 
-<file path=ppt/slides/slide28.xml><?xml version="1.0" encoding="utf-8"?>
+<file path=ppt/slides/slide32.xml><?xml version="1.0" encoding="utf-8"?>
 <p:sld xmlns:a="http://schemas.openxmlformats.org/drawingml/2006/main" xmlns:r="http://schemas.openxmlformats.org/officeDocument/2006/relationships" xmlns:p="http://schemas.openxmlformats.org/presentationml/2006/main">
   <p:cSld>
     <p:spTree>
@@ -20422,7 +22454,7 @@
                   </a:schemeClr>
                 </a:solidFill>
               </a:rPr>
-              <a:t>28</a:t>
+              <a:t>32</a:t>
             </a:fld>
             <a:endParaRPr kumimoji="1" lang="ja-JP" altLang="en-US" sz="4000" dirty="0">
               <a:solidFill>
@@ -21058,7 +23090,7 @@
 </p:sld>
 </file>
 
-<file path=ppt/slides/slide29.xml><?xml version="1.0" encoding="utf-8"?>
+<file path=ppt/slides/slide33.xml><?xml version="1.0" encoding="utf-8"?>
 <p:sld xmlns:a="http://schemas.openxmlformats.org/drawingml/2006/main" xmlns:r="http://schemas.openxmlformats.org/officeDocument/2006/relationships" xmlns:p="http://schemas.openxmlformats.org/presentationml/2006/main">
   <p:cSld>
     <p:spTree>
@@ -21285,7 +23317,7 @@
                   </a:schemeClr>
                 </a:solidFill>
               </a:rPr>
-              <a:t>29</a:t>
+              <a:t>33</a:t>
             </a:fld>
             <a:endParaRPr kumimoji="1" lang="ja-JP" altLang="en-US" sz="4000" dirty="0">
               <a:solidFill>
@@ -21668,7 +23700,7 @@
 </p:sld>
 </file>
 
-<file path=ppt/slides/slide3.xml><?xml version="1.0" encoding="utf-8"?>
+<file path=ppt/slides/slide34.xml><?xml version="1.0" encoding="utf-8"?>
 <p:sld xmlns:a="http://schemas.openxmlformats.org/drawingml/2006/main" xmlns:r="http://schemas.openxmlformats.org/officeDocument/2006/relationships" xmlns:p="http://schemas.openxmlformats.org/presentationml/2006/main">
   <p:cSld>
     <p:spTree>
@@ -21687,125 +23719,10 @@
       </p:grpSpPr>
       <p:sp>
         <p:nvSpPr>
-          <p:cNvPr id="2" name="タイトル 1">
+          <p:cNvPr id="2" name="スライド番号プレースホルダー 1">
             <a:extLst>
               <a:ext uri="{FF2B5EF4-FFF2-40B4-BE49-F238E27FC236}">
-                <a16:creationId xmlns:a16="http://schemas.microsoft.com/office/drawing/2014/main" id="{AF626A66-1FD7-4EE6-A6C8-9B7BA0C9036A}"/>
-              </a:ext>
-            </a:extLst>
-          </p:cNvPr>
-          <p:cNvSpPr>
-            <a:spLocks noGrp="1"/>
-          </p:cNvSpPr>
-          <p:nvPr>
-            <p:ph type="title"/>
-          </p:nvPr>
-        </p:nvSpPr>
-        <p:spPr>
-          <a:xfrm>
-            <a:off x="488707" y="266610"/>
-            <a:ext cx="8079581" cy="863885"/>
-          </a:xfrm>
-        </p:spPr>
-        <p:txBody>
-          <a:bodyPr/>
-          <a:lstStyle/>
-          <a:p>
-            <a:r>
-              <a:rPr kumimoji="1" lang="ja-JP" altLang="en-US" dirty="0">
-                <a:latin typeface="メイリオ" panose="020B0604030504040204" pitchFamily="50" charset="-128"/>
-                <a:ea typeface="メイリオ" panose="020B0604030504040204" pitchFamily="50" charset="-128"/>
-              </a:rPr>
-              <a:t>アジェンダ</a:t>
-            </a:r>
-          </a:p>
-        </p:txBody>
-      </p:sp>
-      <p:sp>
-        <p:nvSpPr>
-          <p:cNvPr id="9" name="四角形: 角を丸くする 8">
-            <a:extLst>
-              <a:ext uri="{FF2B5EF4-FFF2-40B4-BE49-F238E27FC236}">
-                <a16:creationId xmlns:a16="http://schemas.microsoft.com/office/drawing/2014/main" id="{95E61E18-E0FF-4789-B846-542D3BDD545C}"/>
-              </a:ext>
-            </a:extLst>
-          </p:cNvPr>
-          <p:cNvSpPr/>
-          <p:nvPr/>
-        </p:nvSpPr>
-        <p:spPr>
-          <a:xfrm>
-            <a:off x="615002" y="1327811"/>
-            <a:ext cx="7913995" cy="658000"/>
-          </a:xfrm>
-          <a:prstGeom prst="roundRect">
-            <a:avLst/>
-          </a:prstGeom>
-          <a:solidFill>
-            <a:schemeClr val="accent1"/>
-          </a:solidFill>
-          <a:ln w="38100">
-            <a:solidFill>
-              <a:schemeClr val="accent1"/>
-            </a:solidFill>
-          </a:ln>
-        </p:spPr>
-        <p:style>
-          <a:lnRef idx="2">
-            <a:schemeClr val="accent6"/>
-          </a:lnRef>
-          <a:fillRef idx="1">
-            <a:schemeClr val="lt1"/>
-          </a:fillRef>
-          <a:effectRef idx="0">
-            <a:schemeClr val="accent6"/>
-          </a:effectRef>
-          <a:fontRef idx="minor">
-            <a:schemeClr val="dk1"/>
-          </a:fontRef>
-        </p:style>
-        <p:txBody>
-          <a:bodyPr rtlCol="0" anchor="ctr"/>
-          <a:lstStyle/>
-          <a:p>
-            <a:pPr marL="342900" indent="-342900" algn="just">
-              <a:lnSpc>
-                <a:spcPct val="150000"/>
-              </a:lnSpc>
-              <a:buFont typeface="+mj-lt"/>
-              <a:buAutoNum type="arabicPeriod"/>
-            </a:pPr>
-            <a:r>
-              <a:rPr lang="ja-JP" altLang="en-US" sz="3600" b="1" kern="100" dirty="0">
-                <a:solidFill>
-                  <a:schemeClr val="bg1"/>
-                </a:solidFill>
-                <a:latin typeface="メイリオ" panose="020B0604030504040204" pitchFamily="50" charset="-128"/>
-                <a:ea typeface="メイリオ" panose="020B0604030504040204" pitchFamily="50" charset="-128"/>
-                <a:cs typeface="Times New Roman" panose="02020603050405020304" pitchFamily="18" charset="0"/>
-              </a:rPr>
-              <a:t>　</a:t>
-            </a:r>
-            <a:r>
-              <a:rPr lang="ja-JP" altLang="ja-JP" sz="3600" b="1" kern="100" dirty="0">
-                <a:solidFill>
-                  <a:schemeClr val="bg1"/>
-                </a:solidFill>
-                <a:latin typeface="メイリオ" panose="020B0604030504040204" pitchFamily="50" charset="-128"/>
-                <a:ea typeface="メイリオ" panose="020B0604030504040204" pitchFamily="50" charset="-128"/>
-                <a:cs typeface="Times New Roman" panose="02020603050405020304" pitchFamily="18" charset="0"/>
-              </a:rPr>
-              <a:t>チームの概要</a:t>
-            </a:r>
-          </a:p>
-        </p:txBody>
-      </p:sp>
-      <p:sp>
-        <p:nvSpPr>
-          <p:cNvPr id="15" name="スライド番号プレースホルダー 14">
-            <a:extLst>
-              <a:ext uri="{FF2B5EF4-FFF2-40B4-BE49-F238E27FC236}">
-                <a16:creationId xmlns:a16="http://schemas.microsoft.com/office/drawing/2014/main" id="{AF80DF13-54D4-4295-8DBD-60C26A1BCC62}"/>
+                <a16:creationId xmlns:a16="http://schemas.microsoft.com/office/drawing/2014/main" id="{A778E0B4-7A17-4E3F-8D01-F1F9A48EE097}"/>
               </a:ext>
             </a:extLst>
           </p:cNvPr>
@@ -21816,533 +23733,14 @@
             <p:ph type="sldNum" sz="quarter" idx="12"/>
           </p:nvPr>
         </p:nvSpPr>
-        <p:spPr>
-          <a:xfrm>
-            <a:off x="6784980" y="5359578"/>
-            <a:ext cx="2194560" cy="1397039"/>
-          </a:xfrm>
-        </p:spPr>
+        <p:spPr/>
         <p:txBody>
           <a:bodyPr/>
           <a:lstStyle/>
           <a:p>
             <a:fld id="{28B3E1AD-D654-41ED-B122-F068B9548232}" type="slidenum">
-              <a:rPr kumimoji="1" lang="ja-JP" altLang="en-US" sz="5400" smtClean="0"/>
-              <a:t>3</a:t>
-            </a:fld>
-            <a:endParaRPr kumimoji="1" lang="ja-JP" altLang="en-US" sz="5400"/>
-          </a:p>
-        </p:txBody>
-      </p:sp>
-      <p:sp>
-        <p:nvSpPr>
-          <p:cNvPr id="17" name="四角形: 角を丸くする 16">
-            <a:extLst>
-              <a:ext uri="{FF2B5EF4-FFF2-40B4-BE49-F238E27FC236}">
-                <a16:creationId xmlns:a16="http://schemas.microsoft.com/office/drawing/2014/main" id="{5EF31FC2-2F52-4D5B-906E-753D3EF88EF6}"/>
-              </a:ext>
-            </a:extLst>
-          </p:cNvPr>
-          <p:cNvSpPr/>
-          <p:nvPr/>
-        </p:nvSpPr>
-        <p:spPr>
-          <a:xfrm>
-            <a:off x="615002" y="2225245"/>
-            <a:ext cx="7913995" cy="658000"/>
-          </a:xfrm>
-          <a:prstGeom prst="roundRect">
-            <a:avLst/>
-          </a:prstGeom>
-          <a:ln w="19050">
-            <a:solidFill>
-              <a:schemeClr val="accent1"/>
-            </a:solidFill>
-          </a:ln>
-        </p:spPr>
-        <p:style>
-          <a:lnRef idx="2">
-            <a:schemeClr val="accent6"/>
-          </a:lnRef>
-          <a:fillRef idx="1">
-            <a:schemeClr val="lt1"/>
-          </a:fillRef>
-          <a:effectRef idx="0">
-            <a:schemeClr val="accent6"/>
-          </a:effectRef>
-          <a:fontRef idx="minor">
-            <a:schemeClr val="dk1"/>
-          </a:fontRef>
-        </p:style>
-        <p:txBody>
-          <a:bodyPr rtlCol="0" anchor="ctr"/>
-          <a:lstStyle/>
-          <a:p>
-            <a:pPr algn="just">
-              <a:lnSpc>
-                <a:spcPct val="150000"/>
-              </a:lnSpc>
-            </a:pPr>
-            <a:r>
-              <a:rPr lang="en-US" altLang="ja-JP" sz="3600" kern="100" dirty="0">
-                <a:solidFill>
-                  <a:schemeClr val="tx1">
-                    <a:lumMod val="85000"/>
-                    <a:lumOff val="15000"/>
-                  </a:schemeClr>
-                </a:solidFill>
-                <a:latin typeface="メイリオ" panose="020B0604030504040204" pitchFamily="50" charset="-128"/>
-                <a:ea typeface="メイリオ" panose="020B0604030504040204" pitchFamily="50" charset="-128"/>
-                <a:cs typeface="Times New Roman" panose="02020603050405020304" pitchFamily="18" charset="0"/>
-              </a:rPr>
-              <a:t>2.</a:t>
-            </a:r>
-            <a:r>
-              <a:rPr lang="ja-JP" altLang="en-US" sz="3600" kern="100" dirty="0">
-                <a:solidFill>
-                  <a:schemeClr val="tx1">
-                    <a:lumMod val="85000"/>
-                    <a:lumOff val="15000"/>
-                  </a:schemeClr>
-                </a:solidFill>
-                <a:latin typeface="メイリオ" panose="020B0604030504040204" pitchFamily="50" charset="-128"/>
-                <a:ea typeface="メイリオ" panose="020B0604030504040204" pitchFamily="50" charset="-128"/>
-                <a:cs typeface="Times New Roman" panose="02020603050405020304" pitchFamily="18" charset="0"/>
-              </a:rPr>
-              <a:t>　製作物について</a:t>
-            </a:r>
-            <a:endParaRPr lang="ja-JP" altLang="ja-JP" sz="3600" kern="100" dirty="0">
-              <a:solidFill>
-                <a:schemeClr val="tx1">
-                  <a:lumMod val="85000"/>
-                  <a:lumOff val="15000"/>
-                </a:schemeClr>
-              </a:solidFill>
-              <a:latin typeface="メイリオ" panose="020B0604030504040204" pitchFamily="50" charset="-128"/>
-              <a:ea typeface="メイリオ" panose="020B0604030504040204" pitchFamily="50" charset="-128"/>
-              <a:cs typeface="Times New Roman" panose="02020603050405020304" pitchFamily="18" charset="0"/>
-            </a:endParaRPr>
-          </a:p>
-        </p:txBody>
-      </p:sp>
-      <p:sp>
-        <p:nvSpPr>
-          <p:cNvPr id="18" name="四角形: 角を丸くする 17">
-            <a:extLst>
-              <a:ext uri="{FF2B5EF4-FFF2-40B4-BE49-F238E27FC236}">
-                <a16:creationId xmlns:a16="http://schemas.microsoft.com/office/drawing/2014/main" id="{AEA83588-56D7-4940-B360-E91119207452}"/>
-              </a:ext>
-            </a:extLst>
-          </p:cNvPr>
-          <p:cNvSpPr/>
-          <p:nvPr/>
-        </p:nvSpPr>
-        <p:spPr>
-          <a:xfrm>
-            <a:off x="615001" y="3112647"/>
-            <a:ext cx="7913995" cy="658000"/>
-          </a:xfrm>
-          <a:prstGeom prst="roundRect">
-            <a:avLst/>
-          </a:prstGeom>
-          <a:ln w="19050">
-            <a:solidFill>
-              <a:schemeClr val="accent1"/>
-            </a:solidFill>
-          </a:ln>
-        </p:spPr>
-        <p:style>
-          <a:lnRef idx="2">
-            <a:schemeClr val="accent6"/>
-          </a:lnRef>
-          <a:fillRef idx="1">
-            <a:schemeClr val="lt1"/>
-          </a:fillRef>
-          <a:effectRef idx="0">
-            <a:schemeClr val="accent6"/>
-          </a:effectRef>
-          <a:fontRef idx="minor">
-            <a:schemeClr val="dk1"/>
-          </a:fontRef>
-        </p:style>
-        <p:txBody>
-          <a:bodyPr rtlCol="0" anchor="ctr"/>
-          <a:lstStyle/>
-          <a:p>
-            <a:pPr algn="just">
-              <a:lnSpc>
-                <a:spcPct val="150000"/>
-              </a:lnSpc>
-            </a:pPr>
-            <a:r>
-              <a:rPr lang="en-US" altLang="ja-JP" sz="3600" kern="100" dirty="0">
-                <a:solidFill>
-                  <a:schemeClr val="tx1">
-                    <a:lumMod val="85000"/>
-                    <a:lumOff val="15000"/>
-                  </a:schemeClr>
-                </a:solidFill>
-                <a:latin typeface="メイリオ" panose="020B0604030504040204" pitchFamily="50" charset="-128"/>
-                <a:ea typeface="メイリオ" panose="020B0604030504040204" pitchFamily="50" charset="-128"/>
-                <a:cs typeface="Times New Roman" panose="02020603050405020304" pitchFamily="18" charset="0"/>
-              </a:rPr>
-              <a:t>3.</a:t>
-            </a:r>
-            <a:r>
-              <a:rPr lang="ja-JP" altLang="en-US" sz="3600" kern="100" dirty="0">
-                <a:solidFill>
-                  <a:schemeClr val="tx1">
-                    <a:lumMod val="85000"/>
-                    <a:lumOff val="15000"/>
-                  </a:schemeClr>
-                </a:solidFill>
-                <a:latin typeface="メイリオ" panose="020B0604030504040204" pitchFamily="50" charset="-128"/>
-                <a:ea typeface="メイリオ" panose="020B0604030504040204" pitchFamily="50" charset="-128"/>
-                <a:cs typeface="Times New Roman" panose="02020603050405020304" pitchFamily="18" charset="0"/>
-              </a:rPr>
-              <a:t>　期待できる効果</a:t>
-            </a:r>
-            <a:endParaRPr lang="ja-JP" altLang="ja-JP" sz="3600" kern="100" dirty="0">
-              <a:solidFill>
-                <a:schemeClr val="tx1">
-                  <a:lumMod val="85000"/>
-                  <a:lumOff val="15000"/>
-                </a:schemeClr>
-              </a:solidFill>
-              <a:latin typeface="メイリオ" panose="020B0604030504040204" pitchFamily="50" charset="-128"/>
-              <a:ea typeface="メイリオ" panose="020B0604030504040204" pitchFamily="50" charset="-128"/>
-              <a:cs typeface="Times New Roman" panose="02020603050405020304" pitchFamily="18" charset="0"/>
-            </a:endParaRPr>
-          </a:p>
-        </p:txBody>
-      </p:sp>
-      <p:sp>
-        <p:nvSpPr>
-          <p:cNvPr id="19" name="四角形: 角を丸くする 18">
-            <a:extLst>
-              <a:ext uri="{FF2B5EF4-FFF2-40B4-BE49-F238E27FC236}">
-                <a16:creationId xmlns:a16="http://schemas.microsoft.com/office/drawing/2014/main" id="{5A939795-3DDA-40FC-B854-56CC9E54B4F8}"/>
-              </a:ext>
-            </a:extLst>
-          </p:cNvPr>
-          <p:cNvSpPr/>
-          <p:nvPr/>
-        </p:nvSpPr>
-        <p:spPr>
-          <a:xfrm>
-            <a:off x="615001" y="4010081"/>
-            <a:ext cx="7913995" cy="658000"/>
-          </a:xfrm>
-          <a:prstGeom prst="roundRect">
-            <a:avLst/>
-          </a:prstGeom>
-          <a:ln w="19050">
-            <a:solidFill>
-              <a:schemeClr val="accent1"/>
-            </a:solidFill>
-          </a:ln>
-        </p:spPr>
-        <p:style>
-          <a:lnRef idx="2">
-            <a:schemeClr val="accent6"/>
-          </a:lnRef>
-          <a:fillRef idx="1">
-            <a:schemeClr val="lt1"/>
-          </a:fillRef>
-          <a:effectRef idx="0">
-            <a:schemeClr val="accent6"/>
-          </a:effectRef>
-          <a:fontRef idx="minor">
-            <a:schemeClr val="dk1"/>
-          </a:fontRef>
-        </p:style>
-        <p:txBody>
-          <a:bodyPr rtlCol="0" anchor="ctr"/>
-          <a:lstStyle/>
-          <a:p>
-            <a:pPr algn="just">
-              <a:lnSpc>
-                <a:spcPct val="150000"/>
-              </a:lnSpc>
-            </a:pPr>
-            <a:r>
-              <a:rPr lang="en-US" altLang="ja-JP" sz="3600" kern="100" dirty="0">
-                <a:solidFill>
-                  <a:schemeClr val="tx1">
-                    <a:lumMod val="85000"/>
-                    <a:lumOff val="15000"/>
-                  </a:schemeClr>
-                </a:solidFill>
-                <a:latin typeface="メイリオ" panose="020B0604030504040204" pitchFamily="50" charset="-128"/>
-                <a:ea typeface="メイリオ" panose="020B0604030504040204" pitchFamily="50" charset="-128"/>
-                <a:cs typeface="Times New Roman" panose="02020603050405020304" pitchFamily="18" charset="0"/>
-              </a:rPr>
-              <a:t>4.</a:t>
-            </a:r>
-            <a:r>
-              <a:rPr lang="ja-JP" altLang="en-US" sz="3600" kern="100" dirty="0">
-                <a:solidFill>
-                  <a:schemeClr val="tx1">
-                    <a:lumMod val="85000"/>
-                    <a:lumOff val="15000"/>
-                  </a:schemeClr>
-                </a:solidFill>
-                <a:latin typeface="メイリオ" panose="020B0604030504040204" pitchFamily="50" charset="-128"/>
-                <a:ea typeface="メイリオ" panose="020B0604030504040204" pitchFamily="50" charset="-128"/>
-                <a:cs typeface="Times New Roman" panose="02020603050405020304" pitchFamily="18" charset="0"/>
-              </a:rPr>
-              <a:t>　プロジェクトの振り返り</a:t>
-            </a:r>
-            <a:endParaRPr lang="ja-JP" altLang="ja-JP" sz="3600" kern="100" dirty="0">
-              <a:solidFill>
-                <a:schemeClr val="tx1">
-                  <a:lumMod val="85000"/>
-                  <a:lumOff val="15000"/>
-                </a:schemeClr>
-              </a:solidFill>
-              <a:latin typeface="メイリオ" panose="020B0604030504040204" pitchFamily="50" charset="-128"/>
-              <a:ea typeface="メイリオ" panose="020B0604030504040204" pitchFamily="50" charset="-128"/>
-              <a:cs typeface="Times New Roman" panose="02020603050405020304" pitchFamily="18" charset="0"/>
-            </a:endParaRPr>
-          </a:p>
-        </p:txBody>
-      </p:sp>
-      <p:sp>
-        <p:nvSpPr>
-          <p:cNvPr id="20" name="四角形: 角を丸くする 19">
-            <a:extLst>
-              <a:ext uri="{FF2B5EF4-FFF2-40B4-BE49-F238E27FC236}">
-                <a16:creationId xmlns:a16="http://schemas.microsoft.com/office/drawing/2014/main" id="{8B1C7689-CB01-47A0-BF74-E914F8F0EC3D}"/>
-              </a:ext>
-            </a:extLst>
-          </p:cNvPr>
-          <p:cNvSpPr/>
-          <p:nvPr/>
-        </p:nvSpPr>
-        <p:spPr>
-          <a:xfrm>
-            <a:off x="615001" y="4865397"/>
-            <a:ext cx="7913995" cy="658000"/>
-          </a:xfrm>
-          <a:prstGeom prst="roundRect">
-            <a:avLst/>
-          </a:prstGeom>
-          <a:ln w="19050">
-            <a:solidFill>
-              <a:schemeClr val="accent1"/>
-            </a:solidFill>
-          </a:ln>
-        </p:spPr>
-        <p:style>
-          <a:lnRef idx="2">
-            <a:schemeClr val="accent6"/>
-          </a:lnRef>
-          <a:fillRef idx="1">
-            <a:schemeClr val="lt1"/>
-          </a:fillRef>
-          <a:effectRef idx="0">
-            <a:schemeClr val="accent6"/>
-          </a:effectRef>
-          <a:fontRef idx="minor">
-            <a:schemeClr val="dk1"/>
-          </a:fontRef>
-        </p:style>
-        <p:txBody>
-          <a:bodyPr rtlCol="0" anchor="ctr"/>
-          <a:lstStyle/>
-          <a:p>
-            <a:pPr algn="just">
-              <a:lnSpc>
-                <a:spcPct val="150000"/>
-              </a:lnSpc>
-            </a:pPr>
-            <a:r>
-              <a:rPr lang="en-US" altLang="ja-JP" sz="3600" kern="100" dirty="0">
-                <a:solidFill>
-                  <a:schemeClr val="tx1">
-                    <a:lumMod val="85000"/>
-                    <a:lumOff val="15000"/>
-                  </a:schemeClr>
-                </a:solidFill>
-                <a:latin typeface="メイリオ" panose="020B0604030504040204" pitchFamily="50" charset="-128"/>
-                <a:ea typeface="メイリオ" panose="020B0604030504040204" pitchFamily="50" charset="-128"/>
-                <a:cs typeface="Times New Roman" panose="02020603050405020304" pitchFamily="18" charset="0"/>
-              </a:rPr>
-              <a:t>5.</a:t>
-            </a:r>
-            <a:r>
-              <a:rPr lang="ja-JP" altLang="en-US" sz="3600" kern="100" dirty="0">
-                <a:solidFill>
-                  <a:schemeClr val="tx1">
-                    <a:lumMod val="85000"/>
-                    <a:lumOff val="15000"/>
-                  </a:schemeClr>
-                </a:solidFill>
-                <a:latin typeface="メイリオ" panose="020B0604030504040204" pitchFamily="50" charset="-128"/>
-                <a:ea typeface="メイリオ" panose="020B0604030504040204" pitchFamily="50" charset="-128"/>
-                <a:cs typeface="Times New Roman" panose="02020603050405020304" pitchFamily="18" charset="0"/>
-              </a:rPr>
-              <a:t>　個々の成長・感想</a:t>
-            </a:r>
-            <a:endParaRPr lang="ja-JP" altLang="ja-JP" sz="3600" kern="100" dirty="0">
-              <a:solidFill>
-                <a:schemeClr val="tx1">
-                  <a:lumMod val="85000"/>
-                  <a:lumOff val="15000"/>
-                </a:schemeClr>
-              </a:solidFill>
-              <a:latin typeface="メイリオ" panose="020B0604030504040204" pitchFamily="50" charset="-128"/>
-              <a:ea typeface="メイリオ" panose="020B0604030504040204" pitchFamily="50" charset="-128"/>
-              <a:cs typeface="Times New Roman" panose="02020603050405020304" pitchFamily="18" charset="0"/>
-            </a:endParaRPr>
-          </a:p>
-        </p:txBody>
-      </p:sp>
-      <p:sp>
-        <p:nvSpPr>
-          <p:cNvPr id="21" name="四角形: 角を丸くする 20">
-            <a:extLst>
-              <a:ext uri="{FF2B5EF4-FFF2-40B4-BE49-F238E27FC236}">
-                <a16:creationId xmlns:a16="http://schemas.microsoft.com/office/drawing/2014/main" id="{460F04A2-8F78-4E7D-971A-AA72042386EE}"/>
-              </a:ext>
-            </a:extLst>
-          </p:cNvPr>
-          <p:cNvSpPr/>
-          <p:nvPr/>
-        </p:nvSpPr>
-        <p:spPr>
-          <a:xfrm>
-            <a:off x="615001" y="5729097"/>
-            <a:ext cx="7913995" cy="658000"/>
-          </a:xfrm>
-          <a:prstGeom prst="roundRect">
-            <a:avLst/>
-          </a:prstGeom>
-          <a:ln w="19050">
-            <a:solidFill>
-              <a:schemeClr val="accent1"/>
-            </a:solidFill>
-          </a:ln>
-        </p:spPr>
-        <p:style>
-          <a:lnRef idx="2">
-            <a:schemeClr val="accent6"/>
-          </a:lnRef>
-          <a:fillRef idx="1">
-            <a:schemeClr val="lt1"/>
-          </a:fillRef>
-          <a:effectRef idx="0">
-            <a:schemeClr val="accent6"/>
-          </a:effectRef>
-          <a:fontRef idx="minor">
-            <a:schemeClr val="dk1"/>
-          </a:fontRef>
-        </p:style>
-        <p:txBody>
-          <a:bodyPr rtlCol="0" anchor="ctr"/>
-          <a:lstStyle/>
-          <a:p>
-            <a:pPr algn="just">
-              <a:lnSpc>
-                <a:spcPct val="150000"/>
-              </a:lnSpc>
-            </a:pPr>
-            <a:r>
-              <a:rPr lang="en-US" altLang="ja-JP" sz="3600" kern="100" dirty="0">
-                <a:solidFill>
-                  <a:schemeClr val="tx1">
-                    <a:lumMod val="85000"/>
-                    <a:lumOff val="15000"/>
-                  </a:schemeClr>
-                </a:solidFill>
-                <a:latin typeface="メイリオ" panose="020B0604030504040204" pitchFamily="50" charset="-128"/>
-                <a:ea typeface="メイリオ" panose="020B0604030504040204" pitchFamily="50" charset="-128"/>
-                <a:cs typeface="Times New Roman" panose="02020603050405020304" pitchFamily="18" charset="0"/>
-              </a:rPr>
-              <a:t>6.</a:t>
-            </a:r>
-            <a:r>
-              <a:rPr lang="ja-JP" altLang="en-US" sz="3600" kern="100" dirty="0">
-                <a:solidFill>
-                  <a:schemeClr val="tx1">
-                    <a:lumMod val="85000"/>
-                    <a:lumOff val="15000"/>
-                  </a:schemeClr>
-                </a:solidFill>
-                <a:latin typeface="メイリオ" panose="020B0604030504040204" pitchFamily="50" charset="-128"/>
-                <a:ea typeface="メイリオ" panose="020B0604030504040204" pitchFamily="50" charset="-128"/>
-                <a:cs typeface="Times New Roman" panose="02020603050405020304" pitchFamily="18" charset="0"/>
-              </a:rPr>
-              <a:t>　まとめ</a:t>
-            </a:r>
-            <a:endParaRPr lang="ja-JP" altLang="ja-JP" sz="3600" kern="100" dirty="0">
-              <a:solidFill>
-                <a:schemeClr val="tx1">
-                  <a:lumMod val="85000"/>
-                  <a:lumOff val="15000"/>
-                </a:schemeClr>
-              </a:solidFill>
-              <a:latin typeface="メイリオ" panose="020B0604030504040204" pitchFamily="50" charset="-128"/>
-              <a:ea typeface="メイリオ" panose="020B0604030504040204" pitchFamily="50" charset="-128"/>
-              <a:cs typeface="Times New Roman" panose="02020603050405020304" pitchFamily="18" charset="0"/>
-            </a:endParaRPr>
-          </a:p>
-        </p:txBody>
-      </p:sp>
-    </p:spTree>
-    <p:extLst>
-      <p:ext uri="{BB962C8B-B14F-4D97-AF65-F5344CB8AC3E}">
-        <p14:creationId xmlns:p14="http://schemas.microsoft.com/office/powerpoint/2010/main" val="1424456168"/>
-      </p:ext>
-    </p:extLst>
-  </p:cSld>
-  <p:clrMapOvr>
-    <a:masterClrMapping/>
-  </p:clrMapOvr>
-</p:sld>
-</file>
-
-<file path=ppt/slides/slide30.xml><?xml version="1.0" encoding="utf-8"?>
-<p:sld xmlns:a="http://schemas.openxmlformats.org/drawingml/2006/main" xmlns:r="http://schemas.openxmlformats.org/officeDocument/2006/relationships" xmlns:p="http://schemas.openxmlformats.org/presentationml/2006/main">
-  <p:cSld>
-    <p:spTree>
-      <p:nvGrpSpPr>
-        <p:cNvPr id="1" name=""/>
-        <p:cNvGrpSpPr/>
-        <p:nvPr/>
-      </p:nvGrpSpPr>
-      <p:grpSpPr>
-        <a:xfrm>
-          <a:off x="0" y="0"/>
-          <a:ext cx="0" cy="0"/>
-          <a:chOff x="0" y="0"/>
-          <a:chExt cx="0" cy="0"/>
-        </a:xfrm>
-      </p:grpSpPr>
-      <p:sp>
-        <p:nvSpPr>
-          <p:cNvPr id="2" name="スライド番号プレースホルダー 1">
-            <a:extLst>
-              <a:ext uri="{FF2B5EF4-FFF2-40B4-BE49-F238E27FC236}">
-                <a16:creationId xmlns:a16="http://schemas.microsoft.com/office/drawing/2014/main" id="{A778E0B4-7A17-4E3F-8D01-F1F9A48EE097}"/>
-              </a:ext>
-            </a:extLst>
-          </p:cNvPr>
-          <p:cNvSpPr>
-            <a:spLocks noGrp="1"/>
-          </p:cNvSpPr>
-          <p:nvPr>
-            <p:ph type="sldNum" sz="quarter" idx="12"/>
-          </p:nvPr>
-        </p:nvSpPr>
-        <p:spPr/>
-        <p:txBody>
-          <a:bodyPr/>
-          <a:lstStyle/>
-          <a:p>
-            <a:fld id="{28B3E1AD-D654-41ED-B122-F068B9548232}" type="slidenum">
               <a:rPr kumimoji="1" lang="ja-JP" altLang="en-US" smtClean="0"/>
-              <a:t>30</a:t>
+              <a:t>34</a:t>
             </a:fld>
             <a:endParaRPr kumimoji="1" lang="ja-JP" altLang="en-US"/>
           </a:p>
@@ -22883,284 +24281,6 @@
 </file>
 
 <file path=ppt/slides/slide5.xml><?xml version="1.0" encoding="utf-8"?>
-<p:sld xmlns:a="http://schemas.openxmlformats.org/drawingml/2006/main" xmlns:r="http://schemas.openxmlformats.org/officeDocument/2006/relationships" xmlns:p="http://schemas.openxmlformats.org/presentationml/2006/main">
-  <p:cSld>
-    <p:spTree>
-      <p:nvGrpSpPr>
-        <p:cNvPr id="1" name=""/>
-        <p:cNvGrpSpPr/>
-        <p:nvPr/>
-      </p:nvGrpSpPr>
-      <p:grpSpPr>
-        <a:xfrm>
-          <a:off x="0" y="0"/>
-          <a:ext cx="0" cy="0"/>
-          <a:chOff x="0" y="0"/>
-          <a:chExt cx="0" cy="0"/>
-        </a:xfrm>
-      </p:grpSpPr>
-      <p:sp>
-        <p:nvSpPr>
-          <p:cNvPr id="2" name="スライド番号プレースホルダー 1">
-            <a:extLst>
-              <a:ext uri="{FF2B5EF4-FFF2-40B4-BE49-F238E27FC236}">
-                <a16:creationId xmlns:a16="http://schemas.microsoft.com/office/drawing/2014/main" id="{842D96BF-D36D-4772-A9BD-45D828AE0BDB}"/>
-              </a:ext>
-            </a:extLst>
-          </p:cNvPr>
-          <p:cNvSpPr>
-            <a:spLocks noGrp="1"/>
-          </p:cNvSpPr>
-          <p:nvPr>
-            <p:ph type="sldNum" sz="quarter" idx="12"/>
-          </p:nvPr>
-        </p:nvSpPr>
-        <p:spPr/>
-        <p:txBody>
-          <a:bodyPr/>
-          <a:lstStyle/>
-          <a:p>
-            <a:fld id="{28B3E1AD-D654-41ED-B122-F068B9548232}" type="slidenum">
-              <a:rPr kumimoji="1" lang="ja-JP" altLang="en-US" smtClean="0"/>
-              <a:t>5</a:t>
-            </a:fld>
-            <a:endParaRPr kumimoji="1" lang="ja-JP" altLang="en-US"/>
-          </a:p>
-        </p:txBody>
-      </p:sp>
-      <p:sp>
-        <p:nvSpPr>
-          <p:cNvPr id="3" name="テキスト ボックス 5">
-            <a:extLst>
-              <a:ext uri="{FF2B5EF4-FFF2-40B4-BE49-F238E27FC236}">
-                <a16:creationId xmlns:a16="http://schemas.microsoft.com/office/drawing/2014/main" id="{0B20079D-19EA-407F-A52A-9D5D9F818308}"/>
-              </a:ext>
-            </a:extLst>
-          </p:cNvPr>
-          <p:cNvSpPr txBox="1"/>
-          <p:nvPr/>
-        </p:nvSpPr>
-        <p:spPr>
-          <a:xfrm>
-            <a:off x="2648267" y="2461260"/>
-            <a:ext cx="3847465" cy="1935480"/>
-          </a:xfrm>
-          <a:prstGeom prst="rect">
-            <a:avLst/>
-          </a:prstGeom>
-          <a:solidFill>
-            <a:schemeClr val="lt1"/>
-          </a:solidFill>
-          <a:ln w="6350">
-            <a:solidFill>
-              <a:prstClr val="black"/>
-            </a:solidFill>
-          </a:ln>
-        </p:spPr>
-        <p:txBody>
-          <a:bodyPr rot="0" spcFirstLastPara="0" vert="horz" wrap="square" lIns="91440" tIns="45720" rIns="91440" bIns="45720" numCol="1" spcCol="0" rtlCol="0" fromWordArt="0" anchor="t" anchorCtr="0" forceAA="0" compatLnSpc="1">
-            <a:prstTxWarp prst="textNoShape">
-              <a:avLst/>
-            </a:prstTxWarp>
-            <a:noAutofit/>
-          </a:bodyPr>
-          <a:lstStyle/>
-          <a:p>
-            <a:pPr marL="666750" indent="-666750" algn="just"/>
-            <a:r>
-              <a:rPr lang="ja-JP" sz="1050" u="sng" kern="100">
-                <a:effectLst/>
-                <a:latin typeface="游明朝" panose="02020400000000000000" pitchFamily="18" charset="-128"/>
-                <a:ea typeface="游明朝" panose="02020400000000000000" pitchFamily="18" charset="-128"/>
-                <a:cs typeface="Times New Roman" panose="02020603050405020304" pitchFamily="18" charset="0"/>
-              </a:rPr>
-              <a:t>チームについて　　　　　　　　　　　　　　　　　　　　　</a:t>
-            </a:r>
-            <a:endParaRPr lang="ja-JP" sz="1050" kern="100">
-              <a:effectLst/>
-              <a:latin typeface="游明朝" panose="02020400000000000000" pitchFamily="18" charset="-128"/>
-              <a:ea typeface="游明朝" panose="02020400000000000000" pitchFamily="18" charset="-128"/>
-              <a:cs typeface="Times New Roman" panose="02020603050405020304" pitchFamily="18" charset="0"/>
-            </a:endParaRPr>
-          </a:p>
-          <a:p>
-            <a:pPr marL="1016635" indent="-1016635" algn="ctr"/>
-            <a:r>
-              <a:rPr lang="en-US" sz="1600" b="1" kern="100">
-                <a:effectLst/>
-                <a:latin typeface="游明朝" panose="02020400000000000000" pitchFamily="18" charset="-128"/>
-                <a:ea typeface="游明朝" panose="02020400000000000000" pitchFamily="18" charset="-128"/>
-                <a:cs typeface="Times New Roman" panose="02020603050405020304" pitchFamily="18" charset="0"/>
-              </a:rPr>
-              <a:t>Gar gar bird</a:t>
-            </a:r>
-            <a:r>
-              <a:rPr lang="en-US" sz="1600" b="1" kern="100">
-                <a:effectLst/>
-                <a:latin typeface="Segoe UI Emoji" panose="020B0502040204020203" pitchFamily="34" charset="0"/>
-                <a:ea typeface="游明朝" panose="02020400000000000000" pitchFamily="18" charset="-128"/>
-                <a:cs typeface="Times New Roman" panose="02020603050405020304" pitchFamily="18" charset="0"/>
-              </a:rPr>
-              <a:t>🐤</a:t>
-            </a:r>
-            <a:endParaRPr lang="ja-JP" sz="1050" kern="100">
-              <a:effectLst/>
-              <a:latin typeface="游明朝" panose="02020400000000000000" pitchFamily="18" charset="-128"/>
-              <a:ea typeface="游明朝" panose="02020400000000000000" pitchFamily="18" charset="-128"/>
-              <a:cs typeface="Times New Roman" panose="02020603050405020304" pitchFamily="18" charset="0"/>
-            </a:endParaRPr>
-          </a:p>
-          <a:p>
-            <a:pPr marL="667385" indent="-667385" algn="just"/>
-            <a:r>
-              <a:rPr lang="ja-JP" sz="1050" b="1" kern="100">
-                <a:effectLst/>
-                <a:latin typeface="Segoe UI Emoji" panose="020B0502040204020203" pitchFamily="34" charset="0"/>
-                <a:ea typeface="游明朝" panose="02020400000000000000" pitchFamily="18" charset="-128"/>
-                <a:cs typeface="Times New Roman" panose="02020603050405020304" pitchFamily="18" charset="0"/>
-              </a:rPr>
-              <a:t>　　　　　　　　　　　　　　</a:t>
-            </a:r>
-            <a:endParaRPr lang="ja-JP" sz="1050" kern="100">
-              <a:effectLst/>
-              <a:latin typeface="游明朝" panose="02020400000000000000" pitchFamily="18" charset="-128"/>
-              <a:ea typeface="游明朝" panose="02020400000000000000" pitchFamily="18" charset="-128"/>
-              <a:cs typeface="Times New Roman" panose="02020603050405020304" pitchFamily="18" charset="0"/>
-            </a:endParaRPr>
-          </a:p>
-          <a:p>
-            <a:pPr marL="666750" indent="-666750" algn="ctr"/>
-            <a:r>
-              <a:rPr lang="ja-JP" sz="1050" kern="100">
-                <a:effectLst/>
-                <a:latin typeface="Segoe UI Emoji" panose="020B0502040204020203" pitchFamily="34" charset="0"/>
-                <a:ea typeface="游明朝" panose="02020400000000000000" pitchFamily="18" charset="-128"/>
-                <a:cs typeface="Times New Roman" panose="02020603050405020304" pitchFamily="18" charset="0"/>
-              </a:rPr>
-              <a:t>出川イングリッシュから命名</a:t>
-            </a:r>
-            <a:endParaRPr lang="ja-JP" sz="1050" kern="100">
-              <a:effectLst/>
-              <a:latin typeface="游明朝" panose="02020400000000000000" pitchFamily="18" charset="-128"/>
-              <a:ea typeface="游明朝" panose="02020400000000000000" pitchFamily="18" charset="-128"/>
-              <a:cs typeface="Times New Roman" panose="02020603050405020304" pitchFamily="18" charset="0"/>
-            </a:endParaRPr>
-          </a:p>
-          <a:p>
-            <a:pPr marL="666750" indent="-666750" algn="ctr"/>
-            <a:r>
-              <a:rPr lang="ja-JP" sz="1050" kern="100">
-                <a:effectLst/>
-                <a:latin typeface="游明朝" panose="02020400000000000000" pitchFamily="18" charset="-128"/>
-                <a:ea typeface="游明朝" panose="02020400000000000000" pitchFamily="18" charset="-128"/>
-                <a:cs typeface="Times New Roman" panose="02020603050405020304" pitchFamily="18" charset="0"/>
-              </a:rPr>
-              <a:t>　　　　　　　</a:t>
-            </a:r>
-            <a:r>
-              <a:rPr lang="ja-JP" sz="1050" b="1" kern="100">
-                <a:effectLst/>
-                <a:latin typeface="游明朝" panose="02020400000000000000" pitchFamily="18" charset="-128"/>
-                <a:ea typeface="游明朝" panose="02020400000000000000" pitchFamily="18" charset="-128"/>
-                <a:cs typeface="Times New Roman" panose="02020603050405020304" pitchFamily="18" charset="0"/>
-              </a:rPr>
-              <a:t>　　　　　　　　　　　　</a:t>
-            </a:r>
-            <a:endParaRPr lang="ja-JP" sz="1050" kern="100">
-              <a:effectLst/>
-              <a:latin typeface="游明朝" panose="02020400000000000000" pitchFamily="18" charset="-128"/>
-              <a:ea typeface="游明朝" panose="02020400000000000000" pitchFamily="18" charset="-128"/>
-              <a:cs typeface="Times New Roman" panose="02020603050405020304" pitchFamily="18" charset="0"/>
-            </a:endParaRPr>
-          </a:p>
-          <a:p>
-            <a:pPr marL="667385" indent="-667385" algn="ctr"/>
-            <a:r>
-              <a:rPr lang="ja-JP" sz="1050" b="1" kern="100">
-                <a:effectLst/>
-                <a:latin typeface="游明朝" panose="02020400000000000000" pitchFamily="18" charset="-128"/>
-                <a:ea typeface="游明朝" panose="02020400000000000000" pitchFamily="18" charset="-128"/>
-                <a:cs typeface="Times New Roman" panose="02020603050405020304" pitchFamily="18" charset="0"/>
-              </a:rPr>
-              <a:t>　　　　　　　　　　　　　</a:t>
-            </a:r>
-            <a:endParaRPr lang="ja-JP" sz="1050" kern="100">
-              <a:effectLst/>
-              <a:latin typeface="游明朝" panose="02020400000000000000" pitchFamily="18" charset="-128"/>
-              <a:ea typeface="游明朝" panose="02020400000000000000" pitchFamily="18" charset="-128"/>
-              <a:cs typeface="Times New Roman" panose="02020603050405020304" pitchFamily="18" charset="0"/>
-            </a:endParaRPr>
-          </a:p>
-          <a:p>
-            <a:pPr marL="667385" indent="-667385" algn="ctr"/>
-            <a:r>
-              <a:rPr lang="en-US" sz="1050" b="1" kern="100">
-                <a:effectLst/>
-                <a:latin typeface="游明朝" panose="02020400000000000000" pitchFamily="18" charset="-128"/>
-                <a:ea typeface="游明朝" panose="02020400000000000000" pitchFamily="18" charset="-128"/>
-                <a:cs typeface="Times New Roman" panose="02020603050405020304" pitchFamily="18" charset="0"/>
-              </a:rPr>
-              <a:t> </a:t>
-            </a:r>
-            <a:endParaRPr lang="ja-JP" sz="1050" kern="100">
-              <a:effectLst/>
-              <a:latin typeface="游明朝" panose="02020400000000000000" pitchFamily="18" charset="-128"/>
-              <a:ea typeface="游明朝" panose="02020400000000000000" pitchFamily="18" charset="-128"/>
-              <a:cs typeface="Times New Roman" panose="02020603050405020304" pitchFamily="18" charset="0"/>
-            </a:endParaRPr>
-          </a:p>
-          <a:p>
-            <a:pPr marL="667385" indent="-667385" algn="ctr"/>
-            <a:r>
-              <a:rPr lang="en-US" sz="1050" b="1" kern="100">
-                <a:effectLst/>
-                <a:latin typeface="游明朝" panose="02020400000000000000" pitchFamily="18" charset="-128"/>
-                <a:ea typeface="游明朝" panose="02020400000000000000" pitchFamily="18" charset="-128"/>
-                <a:cs typeface="Times New Roman" panose="02020603050405020304" pitchFamily="18" charset="0"/>
-              </a:rPr>
-              <a:t> </a:t>
-            </a:r>
-            <a:endParaRPr lang="ja-JP" sz="1050" kern="100">
-              <a:effectLst/>
-              <a:latin typeface="游明朝" panose="02020400000000000000" pitchFamily="18" charset="-128"/>
-              <a:ea typeface="游明朝" panose="02020400000000000000" pitchFamily="18" charset="-128"/>
-              <a:cs typeface="Times New Roman" panose="02020603050405020304" pitchFamily="18" charset="0"/>
-            </a:endParaRPr>
-          </a:p>
-          <a:p>
-            <a:pPr marL="667385" indent="-667385" algn="ctr"/>
-            <a:r>
-              <a:rPr lang="ja-JP" sz="1050" b="1" kern="100">
-                <a:effectLst/>
-                <a:latin typeface="游明朝" panose="02020400000000000000" pitchFamily="18" charset="-128"/>
-                <a:ea typeface="游明朝" panose="02020400000000000000" pitchFamily="18" charset="-128"/>
-                <a:cs typeface="Times New Roman" panose="02020603050405020304" pitchFamily="18" charset="0"/>
-              </a:rPr>
-              <a:t>　　　　　　</a:t>
-            </a:r>
-            <a:endParaRPr lang="ja-JP" sz="1050" kern="100">
-              <a:effectLst/>
-              <a:latin typeface="游明朝" panose="02020400000000000000" pitchFamily="18" charset="-128"/>
-              <a:ea typeface="游明朝" panose="02020400000000000000" pitchFamily="18" charset="-128"/>
-              <a:cs typeface="Times New Roman" panose="02020603050405020304" pitchFamily="18" charset="0"/>
-            </a:endParaRPr>
-          </a:p>
-        </p:txBody>
-      </p:sp>
-    </p:spTree>
-    <p:extLst>
-      <p:ext uri="{BB962C8B-B14F-4D97-AF65-F5344CB8AC3E}">
-        <p14:creationId xmlns:p14="http://schemas.microsoft.com/office/powerpoint/2010/main" val="1264367747"/>
-      </p:ext>
-    </p:extLst>
-  </p:cSld>
-  <p:clrMapOvr>
-    <a:masterClrMapping/>
-  </p:clrMapOvr>
-</p:sld>
-</file>
-
-<file path=ppt/slides/slide6.xml><?xml version="1.0" encoding="utf-8"?>
 <p:sld xmlns:a="http://schemas.openxmlformats.org/drawingml/2006/main" xmlns:r="http://schemas.openxmlformats.org/officeDocument/2006/relationships" xmlns:p="http://schemas.openxmlformats.org/presentationml/2006/main">
   <p:cSld>
     <p:spTree>
@@ -23320,7 +24440,7 @@
           <a:p>
             <a:fld id="{28B3E1AD-D654-41ED-B122-F068B9548232}" type="slidenum">
               <a:rPr kumimoji="1" lang="ja-JP" altLang="en-US" sz="5400" smtClean="0"/>
-              <a:t>6</a:t>
+              <a:t>5</a:t>
             </a:fld>
             <a:endParaRPr kumimoji="1" lang="ja-JP" altLang="en-US" sz="5400"/>
           </a:p>
@@ -23788,7 +24908,7 @@
 </p:sld>
 </file>
 
-<file path=ppt/slides/slide7.xml><?xml version="1.0" encoding="utf-8"?>
+<file path=ppt/slides/slide6.xml><?xml version="1.0" encoding="utf-8"?>
 <p:sld xmlns:a="http://schemas.openxmlformats.org/drawingml/2006/main" xmlns:r="http://schemas.openxmlformats.org/officeDocument/2006/relationships" xmlns:p="http://schemas.openxmlformats.org/presentationml/2006/main">
   <p:cSld>
     <p:spTree>
@@ -23828,7 +24948,7 @@
           <a:p>
             <a:fld id="{28B3E1AD-D654-41ED-B122-F068B9548232}" type="slidenum">
               <a:rPr kumimoji="1" lang="ja-JP" altLang="en-US" smtClean="0"/>
-              <a:t>7</a:t>
+              <a:t>6</a:t>
             </a:fld>
             <a:endParaRPr kumimoji="1" lang="ja-JP" altLang="en-US"/>
           </a:p>
@@ -23848,12 +24968,15 @@
         </p:nvSpPr>
         <p:spPr>
           <a:xfrm>
-            <a:off x="771025" y="474900"/>
-            <a:ext cx="3043004" cy="369332"/>
+            <a:off x="771024" y="474900"/>
+            <a:ext cx="3615445" cy="461665"/>
           </a:xfrm>
           <a:prstGeom prst="rect">
             <a:avLst/>
           </a:prstGeom>
+          <a:ln>
+            <a:noFill/>
+          </a:ln>
         </p:spPr>
         <p:style>
           <a:lnRef idx="2">
@@ -23876,20 +24999,20 @@
           <a:lstStyle/>
           <a:p>
             <a:r>
-              <a:rPr kumimoji="1" lang="ja-JP" altLang="en-US" dirty="0">
+              <a:rPr kumimoji="1" lang="ja-JP" altLang="en-US" sz="2400" dirty="0">
                 <a:latin typeface="メイリオ" panose="020B0604030504040204" pitchFamily="50" charset="-128"/>
                 <a:ea typeface="メイリオ" panose="020B0604030504040204" pitchFamily="50" charset="-128"/>
               </a:rPr>
-              <a:t>チームでの話し合いで</a:t>
-            </a:r>
-            <a:r>
-              <a:rPr kumimoji="1" lang="en-US" altLang="ja-JP" dirty="0">
+              <a:t>チームの話し合いで</a:t>
+            </a:r>
+            <a:r>
+              <a:rPr kumimoji="1" lang="en-US" altLang="ja-JP" sz="2400" dirty="0">
                 <a:latin typeface="メイリオ" panose="020B0604030504040204" pitchFamily="50" charset="-128"/>
                 <a:ea typeface="メイリオ" panose="020B0604030504040204" pitchFamily="50" charset="-128"/>
               </a:rPr>
               <a:t>…</a:t>
             </a:r>
-            <a:endParaRPr kumimoji="1" lang="ja-JP" altLang="en-US" dirty="0">
+            <a:endParaRPr kumimoji="1" lang="ja-JP" altLang="en-US" sz="2400" dirty="0">
               <a:latin typeface="メイリオ" panose="020B0604030504040204" pitchFamily="50" charset="-128"/>
               <a:ea typeface="メイリオ" panose="020B0604030504040204" pitchFamily="50" charset="-128"/>
             </a:endParaRPr>
@@ -24227,10 +25350,309 @@
   <p:clrMapOvr>
     <a:masterClrMapping/>
   </p:clrMapOvr>
+  <p:timing>
+    <p:tnLst>
+      <p:par>
+        <p:cTn id="1" dur="indefinite" restart="never" nodeType="tmRoot">
+          <p:childTnLst>
+            <p:seq concurrent="1" nextAc="seek">
+              <p:cTn id="2" dur="indefinite" nodeType="mainSeq">
+                <p:childTnLst>
+                  <p:par>
+                    <p:cTn id="3" fill="hold">
+                      <p:stCondLst>
+                        <p:cond delay="indefinite"/>
+                      </p:stCondLst>
+                      <p:childTnLst>
+                        <p:par>
+                          <p:cTn id="4" fill="hold">
+                            <p:stCondLst>
+                              <p:cond delay="0"/>
+                            </p:stCondLst>
+                            <p:childTnLst>
+                              <p:par>
+                                <p:cTn id="5" presetID="10" presetClass="entr" presetSubtype="0" fill="hold" grpId="0" nodeType="clickEffect">
+                                  <p:stCondLst>
+                                    <p:cond delay="0"/>
+                                  </p:stCondLst>
+                                  <p:childTnLst>
+                                    <p:set>
+                                      <p:cBhvr>
+                                        <p:cTn id="6" dur="1" fill="hold">
+                                          <p:stCondLst>
+                                            <p:cond delay="0"/>
+                                          </p:stCondLst>
+                                        </p:cTn>
+                                        <p:tgtEl>
+                                          <p:spTgt spid="11"/>
+                                        </p:tgtEl>
+                                        <p:attrNameLst>
+                                          <p:attrName>style.visibility</p:attrName>
+                                        </p:attrNameLst>
+                                      </p:cBhvr>
+                                      <p:to>
+                                        <p:strVal val="visible"/>
+                                      </p:to>
+                                    </p:set>
+                                    <p:animEffect transition="in" filter="fade">
+                                      <p:cBhvr>
+                                        <p:cTn id="7" dur="500"/>
+                                        <p:tgtEl>
+                                          <p:spTgt spid="11"/>
+                                        </p:tgtEl>
+                                      </p:cBhvr>
+                                    </p:animEffect>
+                                  </p:childTnLst>
+                                </p:cTn>
+                              </p:par>
+                              <p:par>
+                                <p:cTn id="8" presetID="10" presetClass="entr" presetSubtype="0" fill="hold" nodeType="withEffect">
+                                  <p:stCondLst>
+                                    <p:cond delay="0"/>
+                                  </p:stCondLst>
+                                  <p:childTnLst>
+                                    <p:set>
+                                      <p:cBhvr>
+                                        <p:cTn id="9" dur="1" fill="hold">
+                                          <p:stCondLst>
+                                            <p:cond delay="0"/>
+                                          </p:stCondLst>
+                                        </p:cTn>
+                                        <p:tgtEl>
+                                          <p:spTgt spid="7"/>
+                                        </p:tgtEl>
+                                        <p:attrNameLst>
+                                          <p:attrName>style.visibility</p:attrName>
+                                        </p:attrNameLst>
+                                      </p:cBhvr>
+                                      <p:to>
+                                        <p:strVal val="visible"/>
+                                      </p:to>
+                                    </p:set>
+                                    <p:animEffect transition="in" filter="fade">
+                                      <p:cBhvr>
+                                        <p:cTn id="10" dur="500"/>
+                                        <p:tgtEl>
+                                          <p:spTgt spid="7"/>
+                                        </p:tgtEl>
+                                      </p:cBhvr>
+                                    </p:animEffect>
+                                  </p:childTnLst>
+                                </p:cTn>
+                              </p:par>
+                            </p:childTnLst>
+                          </p:cTn>
+                        </p:par>
+                      </p:childTnLst>
+                    </p:cTn>
+                  </p:par>
+                  <p:par>
+                    <p:cTn id="11" fill="hold">
+                      <p:stCondLst>
+                        <p:cond delay="indefinite"/>
+                      </p:stCondLst>
+                      <p:childTnLst>
+                        <p:par>
+                          <p:cTn id="12" fill="hold">
+                            <p:stCondLst>
+                              <p:cond delay="0"/>
+                            </p:stCondLst>
+                            <p:childTnLst>
+                              <p:par>
+                                <p:cTn id="13" presetID="10" presetClass="entr" presetSubtype="0" fill="hold" nodeType="clickEffect">
+                                  <p:stCondLst>
+                                    <p:cond delay="0"/>
+                                  </p:stCondLst>
+                                  <p:childTnLst>
+                                    <p:set>
+                                      <p:cBhvr>
+                                        <p:cTn id="14" dur="1" fill="hold">
+                                          <p:stCondLst>
+                                            <p:cond delay="0"/>
+                                          </p:stCondLst>
+                                        </p:cTn>
+                                        <p:tgtEl>
+                                          <p:spTgt spid="5"/>
+                                        </p:tgtEl>
+                                        <p:attrNameLst>
+                                          <p:attrName>style.visibility</p:attrName>
+                                        </p:attrNameLst>
+                                      </p:cBhvr>
+                                      <p:to>
+                                        <p:strVal val="visible"/>
+                                      </p:to>
+                                    </p:set>
+                                    <p:animEffect transition="in" filter="fade">
+                                      <p:cBhvr>
+                                        <p:cTn id="15" dur="500"/>
+                                        <p:tgtEl>
+                                          <p:spTgt spid="5"/>
+                                        </p:tgtEl>
+                                      </p:cBhvr>
+                                    </p:animEffect>
+                                  </p:childTnLst>
+                                </p:cTn>
+                              </p:par>
+                              <p:par>
+                                <p:cTn id="16" presetID="10" presetClass="entr" presetSubtype="0" fill="hold" grpId="0" nodeType="withEffect">
+                                  <p:stCondLst>
+                                    <p:cond delay="0"/>
+                                  </p:stCondLst>
+                                  <p:childTnLst>
+                                    <p:set>
+                                      <p:cBhvr>
+                                        <p:cTn id="17" dur="1" fill="hold">
+                                          <p:stCondLst>
+                                            <p:cond delay="0"/>
+                                          </p:stCondLst>
+                                        </p:cTn>
+                                        <p:tgtEl>
+                                          <p:spTgt spid="10"/>
+                                        </p:tgtEl>
+                                        <p:attrNameLst>
+                                          <p:attrName>style.visibility</p:attrName>
+                                        </p:attrNameLst>
+                                      </p:cBhvr>
+                                      <p:to>
+                                        <p:strVal val="visible"/>
+                                      </p:to>
+                                    </p:set>
+                                    <p:animEffect transition="in" filter="fade">
+                                      <p:cBhvr>
+                                        <p:cTn id="18" dur="500"/>
+                                        <p:tgtEl>
+                                          <p:spTgt spid="10"/>
+                                        </p:tgtEl>
+                                      </p:cBhvr>
+                                    </p:animEffect>
+                                  </p:childTnLst>
+                                </p:cTn>
+                              </p:par>
+                            </p:childTnLst>
+                          </p:cTn>
+                        </p:par>
+                      </p:childTnLst>
+                    </p:cTn>
+                  </p:par>
+                  <p:par>
+                    <p:cTn id="19" fill="hold">
+                      <p:stCondLst>
+                        <p:cond delay="indefinite"/>
+                      </p:stCondLst>
+                      <p:childTnLst>
+                        <p:par>
+                          <p:cTn id="20" fill="hold">
+                            <p:stCondLst>
+                              <p:cond delay="0"/>
+                            </p:stCondLst>
+                            <p:childTnLst>
+                              <p:par>
+                                <p:cTn id="21" presetID="10" presetClass="entr" presetSubtype="0" fill="hold" grpId="0" nodeType="clickEffect">
+                                  <p:stCondLst>
+                                    <p:cond delay="0"/>
+                                  </p:stCondLst>
+                                  <p:childTnLst>
+                                    <p:set>
+                                      <p:cBhvr>
+                                        <p:cTn id="22" dur="1" fill="hold">
+                                          <p:stCondLst>
+                                            <p:cond delay="0"/>
+                                          </p:stCondLst>
+                                        </p:cTn>
+                                        <p:tgtEl>
+                                          <p:spTgt spid="9"/>
+                                        </p:tgtEl>
+                                        <p:attrNameLst>
+                                          <p:attrName>style.visibility</p:attrName>
+                                        </p:attrNameLst>
+                                      </p:cBhvr>
+                                      <p:to>
+                                        <p:strVal val="visible"/>
+                                      </p:to>
+                                    </p:set>
+                                    <p:animEffect transition="in" filter="fade">
+                                      <p:cBhvr>
+                                        <p:cTn id="23" dur="500"/>
+                                        <p:tgtEl>
+                                          <p:spTgt spid="9"/>
+                                        </p:tgtEl>
+                                      </p:cBhvr>
+                                    </p:animEffect>
+                                  </p:childTnLst>
+                                </p:cTn>
+                              </p:par>
+                              <p:par>
+                                <p:cTn id="24" presetID="10" presetClass="entr" presetSubtype="0" fill="hold" nodeType="withEffect">
+                                  <p:stCondLst>
+                                    <p:cond delay="0"/>
+                                  </p:stCondLst>
+                                  <p:childTnLst>
+                                    <p:set>
+                                      <p:cBhvr>
+                                        <p:cTn id="25" dur="1" fill="hold">
+                                          <p:stCondLst>
+                                            <p:cond delay="0"/>
+                                          </p:stCondLst>
+                                        </p:cTn>
+                                        <p:tgtEl>
+                                          <p:spTgt spid="8"/>
+                                        </p:tgtEl>
+                                        <p:attrNameLst>
+                                          <p:attrName>style.visibility</p:attrName>
+                                        </p:attrNameLst>
+                                      </p:cBhvr>
+                                      <p:to>
+                                        <p:strVal val="visible"/>
+                                      </p:to>
+                                    </p:set>
+                                    <p:animEffect transition="in" filter="fade">
+                                      <p:cBhvr>
+                                        <p:cTn id="26" dur="500"/>
+                                        <p:tgtEl>
+                                          <p:spTgt spid="8"/>
+                                        </p:tgtEl>
+                                      </p:cBhvr>
+                                    </p:animEffect>
+                                  </p:childTnLst>
+                                </p:cTn>
+                              </p:par>
+                            </p:childTnLst>
+                          </p:cTn>
+                        </p:par>
+                      </p:childTnLst>
+                    </p:cTn>
+                  </p:par>
+                </p:childTnLst>
+              </p:cTn>
+              <p:prevCondLst>
+                <p:cond evt="onPrev" delay="0">
+                  <p:tgtEl>
+                    <p:sldTgt/>
+                  </p:tgtEl>
+                </p:cond>
+              </p:prevCondLst>
+              <p:nextCondLst>
+                <p:cond evt="onNext" delay="0">
+                  <p:tgtEl>
+                    <p:sldTgt/>
+                  </p:tgtEl>
+                </p:cond>
+              </p:nextCondLst>
+            </p:seq>
+          </p:childTnLst>
+        </p:cTn>
+      </p:par>
+    </p:tnLst>
+    <p:bldLst>
+      <p:bldP spid="9" grpId="0" animBg="1"/>
+      <p:bldP spid="10" grpId="0" animBg="1"/>
+      <p:bldP spid="11" grpId="0" animBg="1"/>
+    </p:bldLst>
+  </p:timing>
 </p:sld>
 </file>
 
-<file path=ppt/slides/slide8.xml><?xml version="1.0" encoding="utf-8"?>
+<file path=ppt/slides/slide7.xml><?xml version="1.0" encoding="utf-8"?>
 <p:sld xmlns:a="http://schemas.openxmlformats.org/drawingml/2006/main" xmlns:r="http://schemas.openxmlformats.org/officeDocument/2006/relationships" xmlns:p="http://schemas.openxmlformats.org/presentationml/2006/main">
   <p:cSld>
     <p:spTree>
@@ -24270,7 +25692,7 @@
           <a:p>
             <a:fld id="{28B3E1AD-D654-41ED-B122-F068B9548232}" type="slidenum">
               <a:rPr kumimoji="1" lang="ja-JP" altLang="en-US" smtClean="0"/>
-              <a:t>8</a:t>
+              <a:t>7</a:t>
             </a:fld>
             <a:endParaRPr kumimoji="1" lang="ja-JP" altLang="en-US"/>
           </a:p>
@@ -24380,6 +25802,103 @@
 </p:sld>
 </file>
 
+<file path=ppt/slides/slide8.xml><?xml version="1.0" encoding="utf-8"?>
+<p:sld xmlns:a="http://schemas.openxmlformats.org/drawingml/2006/main" xmlns:r="http://schemas.openxmlformats.org/officeDocument/2006/relationships" xmlns:p="http://schemas.openxmlformats.org/presentationml/2006/main">
+  <p:cSld>
+    <p:spTree>
+      <p:nvGrpSpPr>
+        <p:cNvPr id="1" name=""/>
+        <p:cNvGrpSpPr/>
+        <p:nvPr/>
+      </p:nvGrpSpPr>
+      <p:grpSpPr>
+        <a:xfrm>
+          <a:off x="0" y="0"/>
+          <a:ext cx="0" cy="0"/>
+          <a:chOff x="0" y="0"/>
+          <a:chExt cx="0" cy="0"/>
+        </a:xfrm>
+      </p:grpSpPr>
+      <p:sp>
+        <p:nvSpPr>
+          <p:cNvPr id="2" name="スライド番号プレースホルダー 1">
+            <a:extLst>
+              <a:ext uri="{FF2B5EF4-FFF2-40B4-BE49-F238E27FC236}">
+                <a16:creationId xmlns:a16="http://schemas.microsoft.com/office/drawing/2014/main" id="{AF3A6BEA-3A97-4C27-982D-56A1FE581858}"/>
+              </a:ext>
+            </a:extLst>
+          </p:cNvPr>
+          <p:cNvSpPr>
+            <a:spLocks noGrp="1"/>
+          </p:cNvSpPr>
+          <p:nvPr>
+            <p:ph type="sldNum" sz="quarter" idx="12"/>
+          </p:nvPr>
+        </p:nvSpPr>
+        <p:spPr/>
+        <p:txBody>
+          <a:bodyPr/>
+          <a:lstStyle/>
+          <a:p>
+            <a:fld id="{28B3E1AD-D654-41ED-B122-F068B9548232}" type="slidenum">
+              <a:rPr kumimoji="1" lang="ja-JP" altLang="en-US" smtClean="0"/>
+              <a:t>8</a:t>
+            </a:fld>
+            <a:endParaRPr kumimoji="1" lang="ja-JP" altLang="en-US"/>
+          </a:p>
+        </p:txBody>
+      </p:sp>
+      <p:sp>
+        <p:nvSpPr>
+          <p:cNvPr id="3" name="テキスト ボックス 2">
+            <a:extLst>
+              <a:ext uri="{FF2B5EF4-FFF2-40B4-BE49-F238E27FC236}">
+                <a16:creationId xmlns:a16="http://schemas.microsoft.com/office/drawing/2014/main" id="{4E5E2BF7-222E-4C46-AAC3-0A502B097DAF}"/>
+              </a:ext>
+            </a:extLst>
+          </p:cNvPr>
+          <p:cNvSpPr txBox="1"/>
+          <p:nvPr/>
+        </p:nvSpPr>
+        <p:spPr>
+          <a:xfrm>
+            <a:off x="993913" y="808383"/>
+            <a:ext cx="3803374" cy="461665"/>
+          </a:xfrm>
+          <a:prstGeom prst="rect">
+            <a:avLst/>
+          </a:prstGeom>
+          <a:noFill/>
+        </p:spPr>
+        <p:txBody>
+          <a:bodyPr wrap="square" rtlCol="0">
+            <a:spAutoFit/>
+          </a:bodyPr>
+          <a:lstStyle/>
+          <a:p>
+            <a:r>
+              <a:rPr kumimoji="1" lang="ja-JP" altLang="en-US" sz="2400" dirty="0">
+                <a:latin typeface="メイリオ" panose="020B0604030504040204" pitchFamily="50" charset="-128"/>
+                <a:ea typeface="メイリオ" panose="020B0604030504040204" pitchFamily="50" charset="-128"/>
+              </a:rPr>
+              <a:t>アンケート結果</a:t>
+            </a:r>
+          </a:p>
+        </p:txBody>
+      </p:sp>
+    </p:spTree>
+    <p:extLst>
+      <p:ext uri="{BB962C8B-B14F-4D97-AF65-F5344CB8AC3E}">
+        <p14:creationId xmlns:p14="http://schemas.microsoft.com/office/powerpoint/2010/main" val="447011763"/>
+      </p:ext>
+    </p:extLst>
+  </p:cSld>
+  <p:clrMapOvr>
+    <a:masterClrMapping/>
+  </p:clrMapOvr>
+</p:sld>
+</file>
+
 <file path=ppt/slides/slide9.xml><?xml version="1.0" encoding="utf-8"?>
 <p:sld xmlns:a="http://schemas.openxmlformats.org/drawingml/2006/main" xmlns:r="http://schemas.openxmlformats.org/officeDocument/2006/relationships" xmlns:p="http://schemas.openxmlformats.org/presentationml/2006/main">
   <p:cSld>
@@ -24399,10 +25918,46 @@
       </p:grpSpPr>
       <p:sp>
         <p:nvSpPr>
+          <p:cNvPr id="7" name="テキスト ボックス 6">
+            <a:extLst>
+              <a:ext uri="{FF2B5EF4-FFF2-40B4-BE49-F238E27FC236}">
+                <a16:creationId xmlns:a16="http://schemas.microsoft.com/office/drawing/2014/main" id="{4BF3379E-026D-4814-8717-D4F50035844F}"/>
+              </a:ext>
+            </a:extLst>
+          </p:cNvPr>
+          <p:cNvSpPr txBox="1"/>
+          <p:nvPr/>
+        </p:nvSpPr>
+        <p:spPr>
+          <a:xfrm>
+            <a:off x="580598" y="1070327"/>
+            <a:ext cx="1528996" cy="1015663"/>
+          </a:xfrm>
+          <a:prstGeom prst="rect">
+            <a:avLst/>
+          </a:prstGeom>
+          <a:noFill/>
+        </p:spPr>
+        <p:txBody>
+          <a:bodyPr wrap="square" rtlCol="0">
+            <a:spAutoFit/>
+          </a:bodyPr>
+          <a:lstStyle/>
+          <a:p>
+            <a:r>
+              <a:rPr kumimoji="1" lang="en-US" altLang="ja-JP" sz="6000" b="1" dirty="0"/>
+              <a:t>Q</a:t>
+            </a:r>
+            <a:endParaRPr kumimoji="1" lang="ja-JP" altLang="en-US" sz="6000" b="1" dirty="0"/>
+          </a:p>
+        </p:txBody>
+      </p:sp>
+      <p:sp>
+        <p:nvSpPr>
           <p:cNvPr id="2" name="スライド番号プレースホルダー 1">
             <a:extLst>
               <a:ext uri="{FF2B5EF4-FFF2-40B4-BE49-F238E27FC236}">
-                <a16:creationId xmlns:a16="http://schemas.microsoft.com/office/drawing/2014/main" id="{AF3A6BEA-3A97-4C27-982D-56A1FE581858}"/>
+                <a16:creationId xmlns:a16="http://schemas.microsoft.com/office/drawing/2014/main" id="{5EDAD6F2-BCE5-4B4E-8194-B1F519D71F2A}"/>
               </a:ext>
             </a:extLst>
           </p:cNvPr>
@@ -24428,10 +25983,10 @@
       </p:sp>
       <p:sp>
         <p:nvSpPr>
-          <p:cNvPr id="3" name="テキスト ボックス 2">
+          <p:cNvPr id="5" name="テキスト ボックス 4">
             <a:extLst>
               <a:ext uri="{FF2B5EF4-FFF2-40B4-BE49-F238E27FC236}">
-                <a16:creationId xmlns:a16="http://schemas.microsoft.com/office/drawing/2014/main" id="{4E5E2BF7-222E-4C46-AAC3-0A502B097DAF}"/>
+                <a16:creationId xmlns:a16="http://schemas.microsoft.com/office/drawing/2014/main" id="{7B12F31F-7ACD-4BA4-A152-10F0E9403B29}"/>
               </a:ext>
             </a:extLst>
           </p:cNvPr>
@@ -24440,8 +25995,8 @@
         </p:nvSpPr>
         <p:spPr>
           <a:xfrm>
-            <a:off x="914400" y="1470991"/>
-            <a:ext cx="3803374" cy="461665"/>
+            <a:off x="1374098" y="4570728"/>
+            <a:ext cx="5897218" cy="1528624"/>
           </a:xfrm>
           <a:prstGeom prst="rect">
             <a:avLst/>
@@ -24454,20 +26009,481 @@
           </a:bodyPr>
           <a:lstStyle/>
           <a:p>
+            <a:pPr marL="533400" indent="-533400" algn="just">
+              <a:lnSpc>
+                <a:spcPct val="150000"/>
+              </a:lnSpc>
+            </a:pPr>
+            <a:r>
+              <a:rPr lang="ja-JP" altLang="ja-JP" sz="3200" kern="100" baseline="-25000" dirty="0">
+                <a:effectLst/>
+                <a:latin typeface="メイリオ" panose="020B0604030504040204" pitchFamily="50" charset="-128"/>
+                <a:ea typeface="メイリオ" panose="020B0604030504040204" pitchFamily="50" charset="-128"/>
+                <a:cs typeface="Times New Roman" panose="02020603050405020304" pitchFamily="18" charset="0"/>
+              </a:rPr>
+              <a:t>今まで</a:t>
+            </a:r>
+            <a:r>
+              <a:rPr lang="ja-JP" altLang="en-US" sz="3200" kern="100" baseline="-25000" dirty="0">
+                <a:effectLst/>
+                <a:latin typeface="メイリオ" panose="020B0604030504040204" pitchFamily="50" charset="-128"/>
+                <a:ea typeface="メイリオ" panose="020B0604030504040204" pitchFamily="50" charset="-128"/>
+                <a:cs typeface="Times New Roman" panose="02020603050405020304" pitchFamily="18" charset="0"/>
+              </a:rPr>
+              <a:t>の</a:t>
+            </a:r>
+            <a:r>
+              <a:rPr lang="ja-JP" altLang="ja-JP" sz="3200" kern="100" baseline="-25000" dirty="0">
+                <a:effectLst/>
+                <a:latin typeface="メイリオ" panose="020B0604030504040204" pitchFamily="50" charset="-128"/>
+                <a:ea typeface="メイリオ" panose="020B0604030504040204" pitchFamily="50" charset="-128"/>
+                <a:cs typeface="Times New Roman" panose="02020603050405020304" pitchFamily="18" charset="0"/>
+              </a:rPr>
+              <a:t>質問</a:t>
+            </a:r>
+            <a:r>
+              <a:rPr lang="ja-JP" altLang="en-US" sz="3200" kern="100" baseline="-25000" dirty="0">
+                <a:effectLst/>
+                <a:latin typeface="メイリオ" panose="020B0604030504040204" pitchFamily="50" charset="-128"/>
+                <a:ea typeface="メイリオ" panose="020B0604030504040204" pitchFamily="50" charset="-128"/>
+                <a:cs typeface="Times New Roman" panose="02020603050405020304" pitchFamily="18" charset="0"/>
+              </a:rPr>
+              <a:t>は</a:t>
+            </a:r>
+            <a:r>
+              <a:rPr lang="ja-JP" altLang="ja-JP" sz="3200" kern="100" baseline="-25000" dirty="0">
+                <a:effectLst/>
+                <a:latin typeface="メイリオ" panose="020B0604030504040204" pitchFamily="50" charset="-128"/>
+                <a:ea typeface="メイリオ" panose="020B0604030504040204" pitchFamily="50" charset="-128"/>
+                <a:cs typeface="Times New Roman" panose="02020603050405020304" pitchFamily="18" charset="0"/>
+              </a:rPr>
+              <a:t>蓄積</a:t>
+            </a:r>
+            <a:r>
+              <a:rPr lang="ja-JP" altLang="en-US" sz="3200" kern="100" baseline="-25000" dirty="0">
+                <a:effectLst/>
+                <a:latin typeface="メイリオ" panose="020B0604030504040204" pitchFamily="50" charset="-128"/>
+                <a:ea typeface="メイリオ" panose="020B0604030504040204" pitchFamily="50" charset="-128"/>
+                <a:cs typeface="Times New Roman" panose="02020603050405020304" pitchFamily="18" charset="0"/>
+              </a:rPr>
+              <a:t>できているか</a:t>
+            </a:r>
+            <a:endParaRPr lang="en-US" altLang="ja-JP" sz="3200" kern="100" baseline="-25000" dirty="0">
+              <a:effectLst/>
+              <a:latin typeface="メイリオ" panose="020B0604030504040204" pitchFamily="50" charset="-128"/>
+              <a:ea typeface="メイリオ" panose="020B0604030504040204" pitchFamily="50" charset="-128"/>
+              <a:cs typeface="Times New Roman" panose="02020603050405020304" pitchFamily="18" charset="0"/>
+            </a:endParaRPr>
+          </a:p>
+          <a:p>
+            <a:pPr marL="533400" indent="-533400" algn="just">
+              <a:lnSpc>
+                <a:spcPct val="150000"/>
+              </a:lnSpc>
+            </a:pPr>
+            <a:endParaRPr lang="en-US" altLang="ja-JP" sz="3200" kern="100" baseline="-25000" dirty="0">
+              <a:latin typeface="メイリオ" panose="020B0604030504040204" pitchFamily="50" charset="-128"/>
+              <a:ea typeface="メイリオ" panose="020B0604030504040204" pitchFamily="50" charset="-128"/>
+              <a:cs typeface="Times New Roman" panose="02020603050405020304" pitchFamily="18" charset="0"/>
+            </a:endParaRPr>
+          </a:p>
+          <a:p>
+            <a:pPr marL="533400" indent="-533400" algn="just">
+              <a:lnSpc>
+                <a:spcPct val="150000"/>
+              </a:lnSpc>
+            </a:pPr>
+            <a:r>
+              <a:rPr lang="ja-JP" altLang="ja-JP" sz="3200" kern="100" baseline="-25000" dirty="0">
+                <a:effectLst/>
+                <a:latin typeface="メイリオ" panose="020B0604030504040204" pitchFamily="50" charset="-128"/>
+                <a:ea typeface="メイリオ" panose="020B0604030504040204" pitchFamily="50" charset="-128"/>
+                <a:cs typeface="Times New Roman" panose="02020603050405020304" pitchFamily="18" charset="0"/>
+              </a:rPr>
+              <a:t>去年までは蓄積できてい</a:t>
+            </a:r>
+            <a:r>
+              <a:rPr lang="ja-JP" altLang="en-US" sz="3200" kern="100" baseline="-25000" dirty="0">
+                <a:effectLst/>
+                <a:latin typeface="メイリオ" panose="020B0604030504040204" pitchFamily="50" charset="-128"/>
+                <a:ea typeface="メイリオ" panose="020B0604030504040204" pitchFamily="50" charset="-128"/>
+                <a:cs typeface="Times New Roman" panose="02020603050405020304" pitchFamily="18" charset="0"/>
+              </a:rPr>
+              <a:t>ない</a:t>
+            </a:r>
+            <a:r>
+              <a:rPr lang="en-US" altLang="ja-JP" sz="3200" kern="100" baseline="-25000" dirty="0">
+                <a:effectLst/>
+                <a:latin typeface="メイリオ" panose="020B0604030504040204" pitchFamily="50" charset="-128"/>
+                <a:ea typeface="メイリオ" panose="020B0604030504040204" pitchFamily="50" charset="-128"/>
+                <a:cs typeface="Times New Roman" panose="02020603050405020304" pitchFamily="18" charset="0"/>
+              </a:rPr>
+              <a:t>…</a:t>
+            </a:r>
+            <a:endParaRPr lang="ja-JP" altLang="ja-JP" sz="3200" kern="100" baseline="-25000" dirty="0">
+              <a:effectLst/>
+              <a:latin typeface="メイリオ" panose="020B0604030504040204" pitchFamily="50" charset="-128"/>
+              <a:ea typeface="メイリオ" panose="020B0604030504040204" pitchFamily="50" charset="-128"/>
+              <a:cs typeface="Times New Roman" panose="02020603050405020304" pitchFamily="18" charset="0"/>
+            </a:endParaRPr>
+          </a:p>
+        </p:txBody>
+      </p:sp>
+      <p:sp>
+        <p:nvSpPr>
+          <p:cNvPr id="6" name="テキスト ボックス 5">
+            <a:extLst>
+              <a:ext uri="{FF2B5EF4-FFF2-40B4-BE49-F238E27FC236}">
+                <a16:creationId xmlns:a16="http://schemas.microsoft.com/office/drawing/2014/main" id="{447B5791-67DE-4FAF-A66D-53F679EC5AF4}"/>
+              </a:ext>
+            </a:extLst>
+          </p:cNvPr>
+          <p:cNvSpPr txBox="1"/>
+          <p:nvPr/>
+        </p:nvSpPr>
+        <p:spPr>
+          <a:xfrm>
+            <a:off x="1345096" y="1474397"/>
+            <a:ext cx="5897218" cy="2021066"/>
+          </a:xfrm>
+          <a:prstGeom prst="rect">
+            <a:avLst/>
+          </a:prstGeom>
+          <a:noFill/>
+        </p:spPr>
+        <p:txBody>
+          <a:bodyPr wrap="square" rtlCol="0">
+            <a:spAutoFit/>
+          </a:bodyPr>
+          <a:lstStyle/>
+          <a:p>
+            <a:pPr marL="533400" indent="-533400" algn="just">
+              <a:lnSpc>
+                <a:spcPct val="150000"/>
+              </a:lnSpc>
+            </a:pPr>
+            <a:r>
+              <a:rPr lang="ja-JP" altLang="en-US" sz="3200" kern="100" baseline="-25000" dirty="0">
+                <a:effectLst/>
+                <a:latin typeface="メイリオ" panose="020B0604030504040204" pitchFamily="50" charset="-128"/>
+                <a:ea typeface="メイリオ" panose="020B0604030504040204" pitchFamily="50" charset="-128"/>
+                <a:cs typeface="Times New Roman" panose="02020603050405020304" pitchFamily="18" charset="0"/>
+              </a:rPr>
+              <a:t>質問対応する上での困りごとはあるか。</a:t>
+            </a:r>
+            <a:endParaRPr lang="en-US" altLang="ja-JP" sz="3200" kern="100" baseline="-25000" dirty="0">
+              <a:effectLst/>
+              <a:latin typeface="メイリオ" panose="020B0604030504040204" pitchFamily="50" charset="-128"/>
+              <a:ea typeface="メイリオ" panose="020B0604030504040204" pitchFamily="50" charset="-128"/>
+              <a:cs typeface="Times New Roman" panose="02020603050405020304" pitchFamily="18" charset="0"/>
+            </a:endParaRPr>
+          </a:p>
+          <a:p>
+            <a:pPr marL="533400" indent="-533400" algn="just">
+              <a:lnSpc>
+                <a:spcPct val="150000"/>
+              </a:lnSpc>
+            </a:pPr>
+            <a:endParaRPr lang="en-US" altLang="ja-JP" sz="3200" kern="100" baseline="-25000" dirty="0">
+              <a:effectLst/>
+              <a:latin typeface="メイリオ" panose="020B0604030504040204" pitchFamily="50" charset="-128"/>
+              <a:ea typeface="メイリオ" panose="020B0604030504040204" pitchFamily="50" charset="-128"/>
+              <a:cs typeface="Times New Roman" panose="02020603050405020304" pitchFamily="18" charset="0"/>
+            </a:endParaRPr>
+          </a:p>
+          <a:p>
+            <a:pPr marL="533400" indent="-533400" algn="just">
+              <a:lnSpc>
+                <a:spcPct val="150000"/>
+              </a:lnSpc>
+            </a:pPr>
+            <a:r>
+              <a:rPr lang="ja-JP" altLang="en-US" sz="3200" kern="100" baseline="-25000" dirty="0">
+                <a:effectLst/>
+                <a:latin typeface="メイリオ" panose="020B0604030504040204" pitchFamily="50" charset="-128"/>
+                <a:ea typeface="メイリオ" panose="020B0604030504040204" pitchFamily="50" charset="-128"/>
+                <a:cs typeface="Times New Roman" panose="02020603050405020304" pitchFamily="18" charset="0"/>
+              </a:rPr>
+              <a:t>質問対応の時間が読めず、待たせてしまう。</a:t>
+            </a:r>
+            <a:endParaRPr lang="en-US" altLang="ja-JP" sz="3200" kern="100" baseline="-25000" dirty="0">
+              <a:effectLst/>
+              <a:latin typeface="メイリオ" panose="020B0604030504040204" pitchFamily="50" charset="-128"/>
+              <a:ea typeface="メイリオ" panose="020B0604030504040204" pitchFamily="50" charset="-128"/>
+              <a:cs typeface="Times New Roman" panose="02020603050405020304" pitchFamily="18" charset="0"/>
+            </a:endParaRPr>
+          </a:p>
+          <a:p>
+            <a:pPr marL="533400" indent="-533400" algn="just">
+              <a:lnSpc>
+                <a:spcPct val="150000"/>
+              </a:lnSpc>
+            </a:pPr>
+            <a:r>
+              <a:rPr lang="ja-JP" altLang="en-US" sz="3200" kern="100" baseline="-25000" dirty="0">
+                <a:effectLst/>
+                <a:latin typeface="メイリオ" panose="020B0604030504040204" pitchFamily="50" charset="-128"/>
+                <a:ea typeface="メイリオ" panose="020B0604030504040204" pitchFamily="50" charset="-128"/>
+                <a:cs typeface="Times New Roman" panose="02020603050405020304" pitchFamily="18" charset="0"/>
+              </a:rPr>
+              <a:t>　　対応漏れしてしまうことも</a:t>
+            </a:r>
+            <a:r>
+              <a:rPr lang="en-US" altLang="ja-JP" sz="3200" kern="100" baseline="-25000" dirty="0">
+                <a:effectLst/>
+                <a:latin typeface="メイリオ" panose="020B0604030504040204" pitchFamily="50" charset="-128"/>
+                <a:ea typeface="メイリオ" panose="020B0604030504040204" pitchFamily="50" charset="-128"/>
+                <a:cs typeface="Times New Roman" panose="02020603050405020304" pitchFamily="18" charset="0"/>
+              </a:rPr>
+              <a:t>…</a:t>
+            </a:r>
+          </a:p>
+        </p:txBody>
+      </p:sp>
+      <p:sp>
+        <p:nvSpPr>
+          <p:cNvPr id="8" name="テキスト ボックス 7">
+            <a:extLst>
+              <a:ext uri="{FF2B5EF4-FFF2-40B4-BE49-F238E27FC236}">
+                <a16:creationId xmlns:a16="http://schemas.microsoft.com/office/drawing/2014/main" id="{88355193-D87D-4C0A-A653-79BC63A5176C}"/>
+              </a:ext>
+            </a:extLst>
+          </p:cNvPr>
+          <p:cNvSpPr txBox="1"/>
+          <p:nvPr/>
+        </p:nvSpPr>
+        <p:spPr>
+          <a:xfrm>
+            <a:off x="609600" y="2079332"/>
+            <a:ext cx="1528996" cy="1015663"/>
+          </a:xfrm>
+          <a:prstGeom prst="rect">
+            <a:avLst/>
+          </a:prstGeom>
+          <a:noFill/>
+        </p:spPr>
+        <p:txBody>
+          <a:bodyPr wrap="square" rtlCol="0">
+            <a:spAutoFit/>
+          </a:bodyPr>
+          <a:lstStyle/>
+          <a:p>
+            <a:r>
+              <a:rPr kumimoji="1" lang="en-US" altLang="ja-JP" sz="6000" b="1" dirty="0"/>
+              <a:t>A</a:t>
+            </a:r>
+            <a:endParaRPr kumimoji="1" lang="ja-JP" altLang="en-US" sz="6000" b="1" dirty="0"/>
+          </a:p>
+        </p:txBody>
+      </p:sp>
+      <p:sp>
+        <p:nvSpPr>
+          <p:cNvPr id="9" name="テキスト ボックス 8">
+            <a:extLst>
+              <a:ext uri="{FF2B5EF4-FFF2-40B4-BE49-F238E27FC236}">
+                <a16:creationId xmlns:a16="http://schemas.microsoft.com/office/drawing/2014/main" id="{51CD1C20-22F4-4A29-9364-0E608FC57C71}"/>
+              </a:ext>
+            </a:extLst>
+          </p:cNvPr>
+          <p:cNvSpPr txBox="1"/>
+          <p:nvPr/>
+        </p:nvSpPr>
+        <p:spPr>
+          <a:xfrm>
+            <a:off x="551596" y="4154750"/>
+            <a:ext cx="1528996" cy="1015663"/>
+          </a:xfrm>
+          <a:prstGeom prst="rect">
+            <a:avLst/>
+          </a:prstGeom>
+          <a:noFill/>
+        </p:spPr>
+        <p:txBody>
+          <a:bodyPr wrap="square" rtlCol="0">
+            <a:spAutoFit/>
+          </a:bodyPr>
+          <a:lstStyle/>
+          <a:p>
+            <a:r>
+              <a:rPr kumimoji="1" lang="en-US" altLang="ja-JP" sz="6000" b="1" dirty="0"/>
+              <a:t>Q</a:t>
+            </a:r>
+            <a:endParaRPr kumimoji="1" lang="ja-JP" altLang="en-US" sz="6000" b="1" dirty="0"/>
+          </a:p>
+        </p:txBody>
+      </p:sp>
+      <p:sp>
+        <p:nvSpPr>
+          <p:cNvPr id="10" name="テキスト ボックス 9">
+            <a:extLst>
+              <a:ext uri="{FF2B5EF4-FFF2-40B4-BE49-F238E27FC236}">
+                <a16:creationId xmlns:a16="http://schemas.microsoft.com/office/drawing/2014/main" id="{4B599809-7A0D-4753-8632-0CB458750776}"/>
+              </a:ext>
+            </a:extLst>
+          </p:cNvPr>
+          <p:cNvSpPr txBox="1"/>
+          <p:nvPr/>
+        </p:nvSpPr>
+        <p:spPr>
+          <a:xfrm>
+            <a:off x="580598" y="5163755"/>
+            <a:ext cx="1528996" cy="1015663"/>
+          </a:xfrm>
+          <a:prstGeom prst="rect">
+            <a:avLst/>
+          </a:prstGeom>
+          <a:noFill/>
+        </p:spPr>
+        <p:txBody>
+          <a:bodyPr wrap="square" rtlCol="0">
+            <a:spAutoFit/>
+          </a:bodyPr>
+          <a:lstStyle/>
+          <a:p>
+            <a:r>
+              <a:rPr kumimoji="1" lang="en-US" altLang="ja-JP" sz="6000" b="1" dirty="0"/>
+              <a:t>A</a:t>
+            </a:r>
+            <a:endParaRPr kumimoji="1" lang="ja-JP" altLang="en-US" sz="6000" b="1" dirty="0"/>
+          </a:p>
+        </p:txBody>
+      </p:sp>
+      <p:sp>
+        <p:nvSpPr>
+          <p:cNvPr id="12" name="四角形: 角を丸くする 11">
+            <a:extLst>
+              <a:ext uri="{FF2B5EF4-FFF2-40B4-BE49-F238E27FC236}">
+                <a16:creationId xmlns:a16="http://schemas.microsoft.com/office/drawing/2014/main" id="{B11DD1E6-5EA1-4B8E-879B-1A3F17B8CB03}"/>
+              </a:ext>
+            </a:extLst>
+          </p:cNvPr>
+          <p:cNvSpPr/>
+          <p:nvPr/>
+        </p:nvSpPr>
+        <p:spPr>
+          <a:xfrm>
+            <a:off x="609600" y="615338"/>
+            <a:ext cx="2213113" cy="556591"/>
+          </a:xfrm>
+          <a:prstGeom prst="roundRect">
+            <a:avLst/>
+          </a:prstGeom>
+          <a:ln w="38100"/>
+        </p:spPr>
+        <p:style>
+          <a:lnRef idx="2">
+            <a:schemeClr val="accent1"/>
+          </a:lnRef>
+          <a:fillRef idx="1">
+            <a:schemeClr val="lt1"/>
+          </a:fillRef>
+          <a:effectRef idx="0">
+            <a:schemeClr val="accent1"/>
+          </a:effectRef>
+          <a:fontRef idx="minor">
+            <a:schemeClr val="dk1"/>
+          </a:fontRef>
+        </p:style>
+        <p:txBody>
+          <a:bodyPr rtlCol="0" anchor="ctr"/>
+          <a:lstStyle/>
+          <a:p>
+            <a:pPr algn="ctr"/>
             <a:r>
               <a:rPr kumimoji="1" lang="ja-JP" altLang="en-US" sz="2400" dirty="0">
+                <a:solidFill>
+                  <a:schemeClr val="tx1"/>
+                </a:solidFill>
                 <a:latin typeface="メイリオ" panose="020B0604030504040204" pitchFamily="50" charset="-128"/>
                 <a:ea typeface="メイリオ" panose="020B0604030504040204" pitchFamily="50" charset="-128"/>
               </a:rPr>
-              <a:t>アンケート結果</a:t>
-            </a:r>
+              <a:t>講師</a:t>
+            </a:r>
+            <a:endParaRPr kumimoji="1" lang="en-US" altLang="ja-JP" sz="2400" dirty="0">
+              <a:solidFill>
+                <a:schemeClr val="tx1"/>
+              </a:solidFill>
+              <a:latin typeface="メイリオ" panose="020B0604030504040204" pitchFamily="50" charset="-128"/>
+              <a:ea typeface="メイリオ" panose="020B0604030504040204" pitchFamily="50" charset="-128"/>
+            </a:endParaRPr>
+          </a:p>
+        </p:txBody>
+      </p:sp>
+      <p:sp>
+        <p:nvSpPr>
+          <p:cNvPr id="13" name="四角形: 角を丸くする 12">
+            <a:extLst>
+              <a:ext uri="{FF2B5EF4-FFF2-40B4-BE49-F238E27FC236}">
+                <a16:creationId xmlns:a16="http://schemas.microsoft.com/office/drawing/2014/main" id="{DE811A33-B1B7-4533-A68A-6B9AF0728AC0}"/>
+              </a:ext>
+            </a:extLst>
+          </p:cNvPr>
+          <p:cNvSpPr/>
+          <p:nvPr/>
+        </p:nvSpPr>
+        <p:spPr>
+          <a:xfrm>
+            <a:off x="609600" y="3721301"/>
+            <a:ext cx="2213113" cy="556591"/>
+          </a:xfrm>
+          <a:prstGeom prst="roundRect">
+            <a:avLst/>
+          </a:prstGeom>
+          <a:ln w="38100"/>
+        </p:spPr>
+        <p:style>
+          <a:lnRef idx="2">
+            <a:schemeClr val="accent1"/>
+          </a:lnRef>
+          <a:fillRef idx="1">
+            <a:schemeClr val="lt1"/>
+          </a:fillRef>
+          <a:effectRef idx="0">
+            <a:schemeClr val="accent1"/>
+          </a:effectRef>
+          <a:fontRef idx="minor">
+            <a:schemeClr val="dk1"/>
+          </a:fontRef>
+        </p:style>
+        <p:txBody>
+          <a:bodyPr rtlCol="0" anchor="ctr"/>
+          <a:lstStyle/>
+          <a:p>
+            <a:pPr algn="ctr"/>
+            <a:r>
+              <a:rPr kumimoji="1" lang="en-US" altLang="ja-JP" sz="2400" dirty="0">
+                <a:solidFill>
+                  <a:schemeClr val="tx1"/>
+                </a:solidFill>
+                <a:latin typeface="メイリオ" panose="020B0604030504040204" pitchFamily="50" charset="-128"/>
+                <a:ea typeface="メイリオ" panose="020B0604030504040204" pitchFamily="50" charset="-128"/>
+              </a:rPr>
+              <a:t>SE</a:t>
+            </a:r>
+            <a:r>
+              <a:rPr kumimoji="1" lang="ja-JP" altLang="en-US" sz="2400" dirty="0">
+                <a:solidFill>
+                  <a:schemeClr val="tx1"/>
+                </a:solidFill>
+                <a:latin typeface="メイリオ" panose="020B0604030504040204" pitchFamily="50" charset="-128"/>
+                <a:ea typeface="メイリオ" panose="020B0604030504040204" pitchFamily="50" charset="-128"/>
+              </a:rPr>
+              <a:t>プラス</a:t>
+            </a:r>
+            <a:endParaRPr kumimoji="1" lang="en-US" altLang="ja-JP" sz="2400" dirty="0">
+              <a:solidFill>
+                <a:schemeClr val="tx1"/>
+              </a:solidFill>
+              <a:latin typeface="メイリオ" panose="020B0604030504040204" pitchFamily="50" charset="-128"/>
+              <a:ea typeface="メイリオ" panose="020B0604030504040204" pitchFamily="50" charset="-128"/>
+            </a:endParaRPr>
           </a:p>
         </p:txBody>
       </p:sp>
     </p:spTree>
     <p:extLst>
       <p:ext uri="{BB962C8B-B14F-4D97-AF65-F5344CB8AC3E}">
-        <p14:creationId xmlns:p14="http://schemas.microsoft.com/office/powerpoint/2010/main" val="447011763"/>
+        <p14:creationId xmlns:p14="http://schemas.microsoft.com/office/powerpoint/2010/main" val="1986843440"/>
       </p:ext>
     </p:extLst>
   </p:cSld>

--- a/documents/プレゼン/Knowledge Holder_清書版.pptx
+++ b/documents/プレゼン/Knowledge Holder_清書版.pptx
@@ -5,7 +5,7 @@
     <p:sldMasterId id="2147483720" r:id="rId1"/>
   </p:sldMasterIdLst>
   <p:notesMasterIdLst>
-    <p:notesMasterId r:id="rId45"/>
+    <p:notesMasterId r:id="rId47"/>
   </p:notesMasterIdLst>
   <p:sldIdLst>
     <p:sldId id="256" r:id="rId2"/>
@@ -20,37 +20,39 @@
     <p:sldId id="281" r:id="rId11"/>
     <p:sldId id="302" r:id="rId12"/>
     <p:sldId id="277" r:id="rId13"/>
-    <p:sldId id="264" r:id="rId14"/>
-    <p:sldId id="283" r:id="rId15"/>
-    <p:sldId id="304" r:id="rId16"/>
-    <p:sldId id="306" r:id="rId17"/>
-    <p:sldId id="296" r:id="rId18"/>
-    <p:sldId id="310" r:id="rId19"/>
-    <p:sldId id="278" r:id="rId20"/>
-    <p:sldId id="311" r:id="rId21"/>
-    <p:sldId id="297" r:id="rId22"/>
-    <p:sldId id="284" r:id="rId23"/>
-    <p:sldId id="291" r:id="rId24"/>
-    <p:sldId id="292" r:id="rId25"/>
-    <p:sldId id="289" r:id="rId26"/>
-    <p:sldId id="285" r:id="rId27"/>
-    <p:sldId id="295" r:id="rId28"/>
-    <p:sldId id="298" r:id="rId29"/>
-    <p:sldId id="261" r:id="rId30"/>
-    <p:sldId id="262" r:id="rId31"/>
-    <p:sldId id="267" r:id="rId32"/>
-    <p:sldId id="271" r:id="rId33"/>
-    <p:sldId id="268" r:id="rId34"/>
-    <p:sldId id="272" r:id="rId35"/>
-    <p:sldId id="269" r:id="rId36"/>
-    <p:sldId id="273" r:id="rId37"/>
-    <p:sldId id="270" r:id="rId38"/>
-    <p:sldId id="274" r:id="rId39"/>
-    <p:sldId id="275" r:id="rId40"/>
-    <p:sldId id="286" r:id="rId41"/>
-    <p:sldId id="299" r:id="rId42"/>
-    <p:sldId id="265" r:id="rId43"/>
-    <p:sldId id="300" r:id="rId44"/>
+    <p:sldId id="312" r:id="rId14"/>
+    <p:sldId id="313" r:id="rId15"/>
+    <p:sldId id="264" r:id="rId16"/>
+    <p:sldId id="283" r:id="rId17"/>
+    <p:sldId id="304" r:id="rId18"/>
+    <p:sldId id="306" r:id="rId19"/>
+    <p:sldId id="296" r:id="rId20"/>
+    <p:sldId id="310" r:id="rId21"/>
+    <p:sldId id="278" r:id="rId22"/>
+    <p:sldId id="311" r:id="rId23"/>
+    <p:sldId id="297" r:id="rId24"/>
+    <p:sldId id="284" r:id="rId25"/>
+    <p:sldId id="291" r:id="rId26"/>
+    <p:sldId id="292" r:id="rId27"/>
+    <p:sldId id="289" r:id="rId28"/>
+    <p:sldId id="285" r:id="rId29"/>
+    <p:sldId id="295" r:id="rId30"/>
+    <p:sldId id="298" r:id="rId31"/>
+    <p:sldId id="261" r:id="rId32"/>
+    <p:sldId id="262" r:id="rId33"/>
+    <p:sldId id="267" r:id="rId34"/>
+    <p:sldId id="271" r:id="rId35"/>
+    <p:sldId id="268" r:id="rId36"/>
+    <p:sldId id="272" r:id="rId37"/>
+    <p:sldId id="269" r:id="rId38"/>
+    <p:sldId id="273" r:id="rId39"/>
+    <p:sldId id="270" r:id="rId40"/>
+    <p:sldId id="274" r:id="rId41"/>
+    <p:sldId id="275" r:id="rId42"/>
+    <p:sldId id="286" r:id="rId43"/>
+    <p:sldId id="299" r:id="rId44"/>
+    <p:sldId id="265" r:id="rId45"/>
+    <p:sldId id="300" r:id="rId46"/>
   </p:sldIdLst>
   <p:sldSz cx="9144000" cy="6858000" type="screen4x3"/>
   <p:notesSz cx="6858000" cy="9144000"/>
@@ -7770,7 +7772,7 @@
           <a:p>
             <a:fld id="{6A992BB4-5DB7-44EB-9847-3F8712CBAA7A}" type="slidenum">
               <a:rPr kumimoji="1" lang="ja-JP" altLang="en-US" smtClean="0"/>
-              <a:t>24</a:t>
+              <a:t>26</a:t>
             </a:fld>
             <a:endParaRPr kumimoji="1" lang="ja-JP" altLang="en-US"/>
           </a:p>
@@ -12473,8 +12475,8 @@
         </p:nvSpPr>
         <p:spPr>
           <a:xfrm>
-            <a:off x="477804" y="1797802"/>
-            <a:ext cx="8015267" cy="4355025"/>
+            <a:off x="477804" y="1349830"/>
+            <a:ext cx="8015267" cy="4802998"/>
           </a:xfrm>
           <a:prstGeom prst="rect">
             <a:avLst/>
@@ -12497,21 +12499,6 @@
           </a:bodyPr>
           <a:lstStyle/>
           <a:p>
-            <a:r>
-              <a:rPr lang="ja-JP" altLang="ja-JP" sz="3200" kern="50" dirty="0">
-                <a:solidFill>
-                  <a:schemeClr val="tx1">
-                    <a:lumMod val="85000"/>
-                    <a:lumOff val="15000"/>
-                  </a:schemeClr>
-                </a:solidFill>
-                <a:effectLst/>
-                <a:latin typeface="メイリオ" panose="020B0604030504040204" pitchFamily="50" charset="-128"/>
-                <a:ea typeface="メイリオ" panose="020B0604030504040204" pitchFamily="50" charset="-128"/>
-                <a:cs typeface="Mangal" panose="02040503050203030202" pitchFamily="18" charset="0"/>
-              </a:rPr>
-              <a:t>【想定顧客】研修会社</a:t>
-            </a:r>
             <a:endParaRPr lang="en-US" altLang="ja-JP" sz="3200" kern="50" dirty="0">
               <a:solidFill>
                 <a:schemeClr val="tx1">
@@ -12526,6 +12513,35 @@
             </a:endParaRPr>
           </a:p>
           <a:p>
+            <a:r>
+              <a:rPr lang="ja-JP" altLang="ja-JP" sz="3200" kern="50" dirty="0">
+                <a:solidFill>
+                  <a:schemeClr val="tx1">
+                    <a:lumMod val="85000"/>
+                    <a:lumOff val="15000"/>
+                  </a:schemeClr>
+                </a:solidFill>
+                <a:effectLst/>
+                <a:latin typeface="メイリオ" panose="020B0604030504040204" pitchFamily="50" charset="-128"/>
+                <a:ea typeface="メイリオ" panose="020B0604030504040204" pitchFamily="50" charset="-128"/>
+                <a:cs typeface="Mangal" panose="02040503050203030202" pitchFamily="18" charset="0"/>
+              </a:rPr>
+              <a:t>【想定顧客】研修会社</a:t>
+            </a:r>
+            <a:endParaRPr lang="en-US" altLang="ja-JP" sz="3200" kern="50" dirty="0">
+              <a:solidFill>
+                <a:schemeClr val="tx1">
+                  <a:lumMod val="85000"/>
+                  <a:lumOff val="15000"/>
+                </a:schemeClr>
+              </a:solidFill>
+              <a:effectLst/>
+              <a:latin typeface="メイリオ" panose="020B0604030504040204" pitchFamily="50" charset="-128"/>
+              <a:ea typeface="メイリオ" panose="020B0604030504040204" pitchFamily="50" charset="-128"/>
+              <a:cs typeface="Mangal" panose="02040503050203030202" pitchFamily="18" charset="0"/>
+            </a:endParaRPr>
+          </a:p>
+          <a:p>
             <a:endParaRPr lang="ja-JP" altLang="ja-JP" sz="3200" kern="50" dirty="0">
               <a:solidFill>
                 <a:schemeClr val="tx1">
@@ -12597,7 +12613,36 @@
                 <a:ea typeface="メイリオ" panose="020B0604030504040204" pitchFamily="50" charset="-128"/>
                 <a:cs typeface="Times New Roman" panose="02020603050405020304" pitchFamily="18" charset="0"/>
               </a:rPr>
-              <a:t>【概要】</a:t>
+              <a:t>【</a:t>
+            </a:r>
+            <a:r>
+              <a:rPr lang="ja-JP" altLang="en-US" sz="3200" kern="100" dirty="0">
+                <a:solidFill>
+                  <a:schemeClr val="tx1">
+                    <a:lumMod val="85000"/>
+                    <a:lumOff val="15000"/>
+                  </a:schemeClr>
+                </a:solidFill>
+                <a:latin typeface="メイリオ" panose="020B0604030504040204" pitchFamily="50" charset="-128"/>
+                <a:ea typeface="メイリオ" panose="020B0604030504040204" pitchFamily="50" charset="-128"/>
+                <a:cs typeface="Times New Roman" panose="02020603050405020304" pitchFamily="18" charset="0"/>
+              </a:rPr>
+              <a:t>目的</a:t>
+            </a:r>
+            <a:r>
+              <a:rPr lang="ja-JP" sz="3200" kern="100" dirty="0">
+                <a:solidFill>
+                  <a:schemeClr val="tx1">
+                    <a:lumMod val="85000"/>
+                    <a:lumOff val="15000"/>
+                  </a:schemeClr>
+                </a:solidFill>
+                <a:effectLst/>
+                <a:latin typeface="メイリオ" panose="020B0604030504040204" pitchFamily="50" charset="-128"/>
+                <a:ea typeface="メイリオ" panose="020B0604030504040204" pitchFamily="50" charset="-128"/>
+                <a:cs typeface="Times New Roman" panose="02020603050405020304" pitchFamily="18" charset="0"/>
+              </a:rPr>
+              <a:t>】</a:t>
             </a:r>
             <a:endParaRPr lang="en-US" altLang="ja-JP" sz="3200" kern="100" dirty="0">
               <a:solidFill>
@@ -12626,7 +12671,7 @@
                 <a:ea typeface="メイリオ" panose="020B0604030504040204" pitchFamily="50" charset="-128"/>
                 <a:cs typeface="Times New Roman" panose="02020603050405020304" pitchFamily="18" charset="0"/>
               </a:rPr>
-              <a:t>・</a:t>
+              <a:t>　・</a:t>
             </a:r>
             <a:r>
               <a:rPr lang="ja-JP" sz="3200" kern="100" dirty="0">
@@ -12641,7 +12686,52 @@
                 <a:ea typeface="メイリオ" panose="020B0604030504040204" pitchFamily="50" charset="-128"/>
                 <a:cs typeface="Times New Roman" panose="02020603050405020304" pitchFamily="18" charset="0"/>
               </a:rPr>
-              <a:t>質問の蓄積</a:t>
+              <a:t>質問</a:t>
+            </a:r>
+            <a:r>
+              <a:rPr lang="en-US" altLang="ja-JP" sz="3200" kern="100" dirty="0">
+                <a:solidFill>
+                  <a:schemeClr val="tx1">
+                    <a:lumMod val="85000"/>
+                    <a:lumOff val="15000"/>
+                  </a:schemeClr>
+                </a:solidFill>
+                <a:effectLst/>
+                <a:latin typeface="メイリオ" panose="020B0604030504040204" pitchFamily="50" charset="-128"/>
+                <a:ea typeface="メイリオ" panose="020B0604030504040204" pitchFamily="50" charset="-128"/>
+                <a:cs typeface="Times New Roman" panose="02020603050405020304" pitchFamily="18" charset="0"/>
+              </a:rPr>
+              <a:t>/</a:t>
+            </a:r>
+            <a:r>
+              <a:rPr lang="ja-JP" altLang="en-US" sz="3200" kern="100" dirty="0">
+                <a:solidFill>
+                  <a:schemeClr val="tx1">
+                    <a:lumMod val="85000"/>
+                    <a:lumOff val="15000"/>
+                  </a:schemeClr>
+                </a:solidFill>
+                <a:effectLst/>
+                <a:latin typeface="メイリオ" panose="020B0604030504040204" pitchFamily="50" charset="-128"/>
+                <a:ea typeface="メイリオ" panose="020B0604030504040204" pitchFamily="50" charset="-128"/>
+                <a:cs typeface="Times New Roman" panose="02020603050405020304" pitchFamily="18" charset="0"/>
+              </a:rPr>
+              <a:t>回答</a:t>
+            </a:r>
+            <a:r>
+              <a:rPr lang="ja-JP" sz="3200" kern="100" dirty="0">
+                <a:solidFill>
+                  <a:schemeClr val="tx1">
+                    <a:lumMod val="85000"/>
+                    <a:lumOff val="15000"/>
+                  </a:schemeClr>
+                </a:solidFill>
+                <a:effectLst/>
+                <a:latin typeface="メイリオ" panose="020B0604030504040204" pitchFamily="50" charset="-128"/>
+                <a:ea typeface="メイリオ" panose="020B0604030504040204" pitchFamily="50" charset="-128"/>
+                <a:cs typeface="Times New Roman" panose="02020603050405020304" pitchFamily="18" charset="0"/>
+              </a:rPr>
+              <a:t>の蓄積</a:t>
             </a:r>
             <a:endParaRPr lang="en-US" altLang="ja-JP" sz="3200" kern="100" dirty="0">
               <a:solidFill>
@@ -12671,7 +12761,7 @@
                 <a:ea typeface="メイリオ" panose="020B0604030504040204" pitchFamily="50" charset="-128"/>
                 <a:cs typeface="Times New Roman" panose="02020603050405020304" pitchFamily="18" charset="0"/>
               </a:rPr>
-              <a:t>・</a:t>
+              <a:t>　・</a:t>
             </a:r>
             <a:r>
               <a:rPr lang="ja-JP" sz="3200" kern="100" dirty="0">
@@ -12686,7 +12776,22 @@
                 <a:ea typeface="メイリオ" panose="020B0604030504040204" pitchFamily="50" charset="-128"/>
                 <a:cs typeface="Times New Roman" panose="02020603050405020304" pitchFamily="18" charset="0"/>
               </a:rPr>
-              <a:t>受講生の問題解決のサポート手段の拡充</a:t>
+              <a:t>受講生の問題解決のサポート手段</a:t>
+            </a:r>
+            <a:r>
+              <a:rPr lang="ja-JP" altLang="en-US" sz="3200" kern="100" dirty="0">
+                <a:solidFill>
+                  <a:schemeClr val="tx1">
+                    <a:lumMod val="85000"/>
+                    <a:lumOff val="15000"/>
+                  </a:schemeClr>
+                </a:solidFill>
+                <a:effectLst/>
+                <a:latin typeface="メイリオ" panose="020B0604030504040204" pitchFamily="50" charset="-128"/>
+                <a:ea typeface="メイリオ" panose="020B0604030504040204" pitchFamily="50" charset="-128"/>
+                <a:cs typeface="Times New Roman" panose="02020603050405020304" pitchFamily="18" charset="0"/>
+              </a:rPr>
+              <a:t>拡充</a:t>
             </a:r>
             <a:endParaRPr lang="en-US" altLang="ja-JP" sz="3200" kern="100" dirty="0">
               <a:solidFill>
@@ -12716,7 +12821,7 @@
                 <a:ea typeface="メイリオ" panose="020B0604030504040204" pitchFamily="50" charset="-128"/>
                 <a:cs typeface="Times New Roman" panose="02020603050405020304" pitchFamily="18" charset="0"/>
               </a:rPr>
-              <a:t>・</a:t>
+              <a:t>　・</a:t>
             </a:r>
             <a:r>
               <a:rPr lang="ja-JP" sz="3200" kern="100" dirty="0">
@@ -12733,6 +12838,48 @@
               </a:rPr>
               <a:t>講師の業務円滑化、負担の軽減</a:t>
             </a:r>
+            <a:endParaRPr lang="en-US" altLang="ja-JP" sz="3200" kern="100" dirty="0">
+              <a:solidFill>
+                <a:schemeClr val="tx1">
+                  <a:lumMod val="85000"/>
+                  <a:lumOff val="15000"/>
+                </a:schemeClr>
+              </a:solidFill>
+              <a:effectLst/>
+              <a:latin typeface="メイリオ" panose="020B0604030504040204" pitchFamily="50" charset="-128"/>
+              <a:ea typeface="メイリオ" panose="020B0604030504040204" pitchFamily="50" charset="-128"/>
+              <a:cs typeface="Times New Roman" panose="02020603050405020304" pitchFamily="18" charset="0"/>
+            </a:endParaRPr>
+          </a:p>
+          <a:p>
+            <a:pPr algn="just"/>
+            <a:endParaRPr lang="en-US" altLang="ja-JP" sz="3200" kern="100" dirty="0">
+              <a:solidFill>
+                <a:schemeClr val="tx1">
+                  <a:lumMod val="85000"/>
+                  <a:lumOff val="15000"/>
+                </a:schemeClr>
+              </a:solidFill>
+              <a:effectLst/>
+              <a:latin typeface="メイリオ" panose="020B0604030504040204" pitchFamily="50" charset="-128"/>
+              <a:ea typeface="メイリオ" panose="020B0604030504040204" pitchFamily="50" charset="-128"/>
+              <a:cs typeface="Times New Roman" panose="02020603050405020304" pitchFamily="18" charset="0"/>
+            </a:endParaRPr>
+          </a:p>
+          <a:p>
+            <a:pPr algn="just"/>
+            <a:endParaRPr lang="ja-JP" sz="3200" kern="100" dirty="0">
+              <a:solidFill>
+                <a:schemeClr val="tx1">
+                  <a:lumMod val="85000"/>
+                  <a:lumOff val="15000"/>
+                </a:schemeClr>
+              </a:solidFill>
+              <a:effectLst/>
+              <a:latin typeface="メイリオ" panose="020B0604030504040204" pitchFamily="50" charset="-128"/>
+              <a:ea typeface="メイリオ" panose="020B0604030504040204" pitchFamily="50" charset="-128"/>
+              <a:cs typeface="Times New Roman" panose="02020603050405020304" pitchFamily="18" charset="0"/>
+            </a:endParaRPr>
           </a:p>
         </p:txBody>
       </p:sp>
@@ -13943,6 +14090,963 @@
           <a:chExt cx="0" cy="0"/>
         </a:xfrm>
       </p:grpSpPr>
+      <p:sp>
+        <p:nvSpPr>
+          <p:cNvPr id="2" name="スライド番号プレースホルダー 1">
+            <a:extLst>
+              <a:ext uri="{FF2B5EF4-FFF2-40B4-BE49-F238E27FC236}">
+                <a16:creationId xmlns:a16="http://schemas.microsoft.com/office/drawing/2014/main" id="{5069D39B-7702-467F-A106-902EF54A330D}"/>
+              </a:ext>
+            </a:extLst>
+          </p:cNvPr>
+          <p:cNvSpPr>
+            <a:spLocks noGrp="1"/>
+          </p:cNvSpPr>
+          <p:nvPr>
+            <p:ph type="sldNum" sz="quarter" idx="12"/>
+          </p:nvPr>
+        </p:nvSpPr>
+        <p:spPr/>
+        <p:txBody>
+          <a:bodyPr/>
+          <a:lstStyle/>
+          <a:p>
+            <a:fld id="{28B3E1AD-D654-41ED-B122-F068B9548232}" type="slidenum">
+              <a:rPr kumimoji="1" lang="ja-JP" altLang="en-US" smtClean="0"/>
+              <a:t>13</a:t>
+            </a:fld>
+            <a:endParaRPr kumimoji="1" lang="ja-JP" altLang="en-US"/>
+          </a:p>
+        </p:txBody>
+      </p:sp>
+      <p:sp>
+        <p:nvSpPr>
+          <p:cNvPr id="3" name="正方形/長方形 2">
+            <a:extLst>
+              <a:ext uri="{FF2B5EF4-FFF2-40B4-BE49-F238E27FC236}">
+                <a16:creationId xmlns:a16="http://schemas.microsoft.com/office/drawing/2014/main" id="{F250C3E6-3E57-44A8-8B01-561CCE8C4555}"/>
+              </a:ext>
+            </a:extLst>
+          </p:cNvPr>
+          <p:cNvSpPr/>
+          <p:nvPr/>
+        </p:nvSpPr>
+        <p:spPr>
+          <a:xfrm>
+            <a:off x="224725" y="410028"/>
+            <a:ext cx="8694550" cy="6037943"/>
+          </a:xfrm>
+          <a:prstGeom prst="rect">
+            <a:avLst/>
+          </a:prstGeom>
+          <a:ln w="38100">
+            <a:solidFill>
+              <a:srgbClr val="F69200"/>
+            </a:solidFill>
+          </a:ln>
+        </p:spPr>
+        <p:style>
+          <a:lnRef idx="2">
+            <a:schemeClr val="accent6"/>
+          </a:lnRef>
+          <a:fillRef idx="1">
+            <a:schemeClr val="lt1"/>
+          </a:fillRef>
+          <a:effectRef idx="0">
+            <a:schemeClr val="accent6"/>
+          </a:effectRef>
+          <a:fontRef idx="minor">
+            <a:schemeClr val="dk1"/>
+          </a:fontRef>
+        </p:style>
+        <p:txBody>
+          <a:bodyPr rtlCol="0" anchor="ctr"/>
+          <a:lstStyle/>
+          <a:p>
+            <a:pPr algn="ctr"/>
+            <a:endParaRPr kumimoji="1" lang="ja-JP" altLang="en-US">
+              <a:solidFill>
+                <a:schemeClr val="tx1">
+                  <a:lumMod val="85000"/>
+                  <a:lumOff val="15000"/>
+                </a:schemeClr>
+              </a:solidFill>
+            </a:endParaRPr>
+          </a:p>
+        </p:txBody>
+      </p:sp>
+      <p:sp>
+        <p:nvSpPr>
+          <p:cNvPr id="15" name="正方形/長方形 14">
+            <a:extLst>
+              <a:ext uri="{FF2B5EF4-FFF2-40B4-BE49-F238E27FC236}">
+                <a16:creationId xmlns:a16="http://schemas.microsoft.com/office/drawing/2014/main" id="{F3966A19-55B7-4F40-88D1-41125C11086A}"/>
+              </a:ext>
+            </a:extLst>
+          </p:cNvPr>
+          <p:cNvSpPr/>
+          <p:nvPr/>
+        </p:nvSpPr>
+        <p:spPr>
+          <a:xfrm>
+            <a:off x="636665" y="1177866"/>
+            <a:ext cx="7870670" cy="4996513"/>
+          </a:xfrm>
+          <a:prstGeom prst="rect">
+            <a:avLst/>
+          </a:prstGeom>
+        </p:spPr>
+        <p:style>
+          <a:lnRef idx="2">
+            <a:schemeClr val="accent6"/>
+          </a:lnRef>
+          <a:fillRef idx="1">
+            <a:schemeClr val="lt1"/>
+          </a:fillRef>
+          <a:effectRef idx="0">
+            <a:schemeClr val="accent6"/>
+          </a:effectRef>
+          <a:fontRef idx="minor">
+            <a:schemeClr val="dk1"/>
+          </a:fontRef>
+        </p:style>
+        <p:txBody>
+          <a:bodyPr rtlCol="0" anchor="ctr"/>
+          <a:lstStyle/>
+          <a:p>
+            <a:pPr algn="ctr"/>
+            <a:endParaRPr kumimoji="1" lang="ja-JP" altLang="en-US">
+              <a:solidFill>
+                <a:schemeClr val="tx1">
+                  <a:lumMod val="85000"/>
+                  <a:lumOff val="15000"/>
+                </a:schemeClr>
+              </a:solidFill>
+            </a:endParaRPr>
+          </a:p>
+        </p:txBody>
+      </p:sp>
+      <p:sp>
+        <p:nvSpPr>
+          <p:cNvPr id="4" name="楕円 3">
+            <a:extLst>
+              <a:ext uri="{FF2B5EF4-FFF2-40B4-BE49-F238E27FC236}">
+                <a16:creationId xmlns:a16="http://schemas.microsoft.com/office/drawing/2014/main" id="{12AC926C-4E5B-4514-B9F0-AC0E163F02DD}"/>
+              </a:ext>
+            </a:extLst>
+          </p:cNvPr>
+          <p:cNvSpPr/>
+          <p:nvPr/>
+        </p:nvSpPr>
+        <p:spPr>
+          <a:xfrm>
+            <a:off x="452293" y="154068"/>
+            <a:ext cx="2083633" cy="553926"/>
+          </a:xfrm>
+          <a:prstGeom prst="ellipse">
+            <a:avLst/>
+          </a:prstGeom>
+          <a:ln>
+            <a:noFill/>
+          </a:ln>
+        </p:spPr>
+        <p:style>
+          <a:lnRef idx="2">
+            <a:schemeClr val="accent1">
+              <a:shade val="50000"/>
+            </a:schemeClr>
+          </a:lnRef>
+          <a:fillRef idx="1">
+            <a:schemeClr val="accent1"/>
+          </a:fillRef>
+          <a:effectRef idx="0">
+            <a:schemeClr val="accent1"/>
+          </a:effectRef>
+          <a:fontRef idx="minor">
+            <a:schemeClr val="lt1"/>
+          </a:fontRef>
+        </p:style>
+        <p:txBody>
+          <a:bodyPr rtlCol="0" anchor="ctr"/>
+          <a:lstStyle/>
+          <a:p>
+            <a:pPr algn="ctr"/>
+            <a:r>
+              <a:rPr kumimoji="1" lang="ja-JP" altLang="en-US" sz="2400" dirty="0">
+                <a:solidFill>
+                  <a:schemeClr val="bg1"/>
+                </a:solidFill>
+                <a:latin typeface="メイリオ" panose="020B0604030504040204" pitchFamily="50" charset="-128"/>
+                <a:ea typeface="メイリオ" panose="020B0604030504040204" pitchFamily="50" charset="-128"/>
+              </a:rPr>
+              <a:t>研修会社</a:t>
+            </a:r>
+          </a:p>
+        </p:txBody>
+      </p:sp>
+      <p:sp>
+        <p:nvSpPr>
+          <p:cNvPr id="5" name="正方形/長方形 4">
+            <a:extLst>
+              <a:ext uri="{FF2B5EF4-FFF2-40B4-BE49-F238E27FC236}">
+                <a16:creationId xmlns:a16="http://schemas.microsoft.com/office/drawing/2014/main" id="{120AF647-1CA9-4345-A6AB-3EF2D1CC4E31}"/>
+              </a:ext>
+            </a:extLst>
+          </p:cNvPr>
+          <p:cNvSpPr/>
+          <p:nvPr/>
+        </p:nvSpPr>
+        <p:spPr>
+          <a:xfrm>
+            <a:off x="1160687" y="1883409"/>
+            <a:ext cx="3168818" cy="3796725"/>
+          </a:xfrm>
+          <a:prstGeom prst="rect">
+            <a:avLst/>
+          </a:prstGeom>
+          <a:solidFill>
+            <a:schemeClr val="accent1">
+              <a:lumMod val="40000"/>
+              <a:lumOff val="60000"/>
+            </a:schemeClr>
+          </a:solidFill>
+          <a:ln>
+            <a:noFill/>
+          </a:ln>
+        </p:spPr>
+        <p:style>
+          <a:lnRef idx="2">
+            <a:schemeClr val="accent6"/>
+          </a:lnRef>
+          <a:fillRef idx="1">
+            <a:schemeClr val="lt1"/>
+          </a:fillRef>
+          <a:effectRef idx="0">
+            <a:schemeClr val="accent6"/>
+          </a:effectRef>
+          <a:fontRef idx="minor">
+            <a:schemeClr val="dk1"/>
+          </a:fontRef>
+        </p:style>
+        <p:txBody>
+          <a:bodyPr rtlCol="0" anchor="ctr"/>
+          <a:lstStyle/>
+          <a:p>
+            <a:pPr algn="ctr"/>
+            <a:endParaRPr kumimoji="1" lang="ja-JP" altLang="en-US" sz="2400">
+              <a:solidFill>
+                <a:schemeClr val="tx1">
+                  <a:lumMod val="85000"/>
+                  <a:lumOff val="15000"/>
+                </a:schemeClr>
+              </a:solidFill>
+              <a:latin typeface="メイリオ" panose="020B0604030504040204" pitchFamily="50" charset="-128"/>
+              <a:ea typeface="メイリオ" panose="020B0604030504040204" pitchFamily="50" charset="-128"/>
+            </a:endParaRPr>
+          </a:p>
+        </p:txBody>
+      </p:sp>
+      <p:sp>
+        <p:nvSpPr>
+          <p:cNvPr id="7" name="楕円 6">
+            <a:extLst>
+              <a:ext uri="{FF2B5EF4-FFF2-40B4-BE49-F238E27FC236}">
+                <a16:creationId xmlns:a16="http://schemas.microsoft.com/office/drawing/2014/main" id="{854FF2E1-F0A8-42C1-B5FC-70CC0F1916DA}"/>
+              </a:ext>
+            </a:extLst>
+          </p:cNvPr>
+          <p:cNvSpPr/>
+          <p:nvPr/>
+        </p:nvSpPr>
+        <p:spPr>
+          <a:xfrm>
+            <a:off x="3530183" y="866789"/>
+            <a:ext cx="2083633" cy="546748"/>
+          </a:xfrm>
+          <a:prstGeom prst="ellipse">
+            <a:avLst/>
+          </a:prstGeom>
+          <a:ln>
+            <a:noFill/>
+          </a:ln>
+        </p:spPr>
+        <p:style>
+          <a:lnRef idx="2">
+            <a:schemeClr val="accent1">
+              <a:shade val="50000"/>
+            </a:schemeClr>
+          </a:lnRef>
+          <a:fillRef idx="1">
+            <a:schemeClr val="accent1"/>
+          </a:fillRef>
+          <a:effectRef idx="0">
+            <a:schemeClr val="accent1"/>
+          </a:effectRef>
+          <a:fontRef idx="minor">
+            <a:schemeClr val="lt1"/>
+          </a:fontRef>
+        </p:style>
+        <p:txBody>
+          <a:bodyPr rtlCol="0" anchor="ctr"/>
+          <a:lstStyle/>
+          <a:p>
+            <a:pPr algn="ctr"/>
+            <a:r>
+              <a:rPr kumimoji="1" lang="ja-JP" altLang="en-US" sz="2400" dirty="0">
+                <a:solidFill>
+                  <a:schemeClr val="bg1"/>
+                </a:solidFill>
+                <a:latin typeface="メイリオ" panose="020B0604030504040204" pitchFamily="50" charset="-128"/>
+                <a:ea typeface="メイリオ" panose="020B0604030504040204" pitchFamily="50" charset="-128"/>
+              </a:rPr>
+              <a:t>ユーザー</a:t>
+            </a:r>
+          </a:p>
+        </p:txBody>
+      </p:sp>
+      <p:sp>
+        <p:nvSpPr>
+          <p:cNvPr id="14" name="正方形/長方形 13">
+            <a:extLst>
+              <a:ext uri="{FF2B5EF4-FFF2-40B4-BE49-F238E27FC236}">
+                <a16:creationId xmlns:a16="http://schemas.microsoft.com/office/drawing/2014/main" id="{D603DCA2-16D7-4F09-BA9C-159C9D3A8EE7}"/>
+              </a:ext>
+            </a:extLst>
+          </p:cNvPr>
+          <p:cNvSpPr/>
+          <p:nvPr/>
+        </p:nvSpPr>
+        <p:spPr>
+          <a:xfrm>
+            <a:off x="4814496" y="1870298"/>
+            <a:ext cx="3357071" cy="3816820"/>
+          </a:xfrm>
+          <a:prstGeom prst="rect">
+            <a:avLst/>
+          </a:prstGeom>
+          <a:solidFill>
+            <a:schemeClr val="accent1">
+              <a:lumMod val="40000"/>
+              <a:lumOff val="60000"/>
+            </a:schemeClr>
+          </a:solidFill>
+          <a:ln>
+            <a:noFill/>
+          </a:ln>
+        </p:spPr>
+        <p:style>
+          <a:lnRef idx="2">
+            <a:schemeClr val="accent6"/>
+          </a:lnRef>
+          <a:fillRef idx="1">
+            <a:schemeClr val="lt1"/>
+          </a:fillRef>
+          <a:effectRef idx="0">
+            <a:schemeClr val="accent6"/>
+          </a:effectRef>
+          <a:fontRef idx="minor">
+            <a:schemeClr val="dk1"/>
+          </a:fontRef>
+        </p:style>
+        <p:txBody>
+          <a:bodyPr rtlCol="0" anchor="ctr"/>
+          <a:lstStyle/>
+          <a:p>
+            <a:pPr algn="ctr"/>
+            <a:endParaRPr kumimoji="1" lang="ja-JP" altLang="en-US" sz="2400">
+              <a:solidFill>
+                <a:schemeClr val="tx1">
+                  <a:lumMod val="85000"/>
+                  <a:lumOff val="15000"/>
+                </a:schemeClr>
+              </a:solidFill>
+              <a:latin typeface="メイリオ" panose="020B0604030504040204" pitchFamily="50" charset="-128"/>
+              <a:ea typeface="メイリオ" panose="020B0604030504040204" pitchFamily="50" charset="-128"/>
+            </a:endParaRPr>
+          </a:p>
+        </p:txBody>
+      </p:sp>
+      <p:sp>
+        <p:nvSpPr>
+          <p:cNvPr id="16" name="正方形/長方形 15">
+            <a:extLst>
+              <a:ext uri="{FF2B5EF4-FFF2-40B4-BE49-F238E27FC236}">
+                <a16:creationId xmlns:a16="http://schemas.microsoft.com/office/drawing/2014/main" id="{393E1B3D-6BC1-4818-A897-9AFEEBE12F0B}"/>
+              </a:ext>
+            </a:extLst>
+          </p:cNvPr>
+          <p:cNvSpPr/>
+          <p:nvPr/>
+        </p:nvSpPr>
+        <p:spPr>
+          <a:xfrm>
+            <a:off x="1703279" y="1661416"/>
+            <a:ext cx="2083633" cy="546748"/>
+          </a:xfrm>
+          <a:prstGeom prst="rect">
+            <a:avLst/>
+          </a:prstGeom>
+          <a:ln>
+            <a:noFill/>
+          </a:ln>
+        </p:spPr>
+        <p:style>
+          <a:lnRef idx="2">
+            <a:schemeClr val="accent1">
+              <a:shade val="50000"/>
+            </a:schemeClr>
+          </a:lnRef>
+          <a:fillRef idx="1">
+            <a:schemeClr val="accent1"/>
+          </a:fillRef>
+          <a:effectRef idx="0">
+            <a:schemeClr val="accent1"/>
+          </a:effectRef>
+          <a:fontRef idx="minor">
+            <a:schemeClr val="lt1"/>
+          </a:fontRef>
+        </p:style>
+        <p:txBody>
+          <a:bodyPr rtlCol="0" anchor="ctr"/>
+          <a:lstStyle/>
+          <a:p>
+            <a:pPr algn="ctr"/>
+            <a:r>
+              <a:rPr kumimoji="1" lang="ja-JP" altLang="en-US" dirty="0">
+                <a:solidFill>
+                  <a:schemeClr val="bg1"/>
+                </a:solidFill>
+                <a:latin typeface="メイリオ" panose="020B0604030504040204" pitchFamily="50" charset="-128"/>
+                <a:ea typeface="メイリオ" panose="020B0604030504040204" pitchFamily="50" charset="-128"/>
+              </a:rPr>
+              <a:t>質問者（受講生）</a:t>
+            </a:r>
+          </a:p>
+        </p:txBody>
+      </p:sp>
+      <p:sp>
+        <p:nvSpPr>
+          <p:cNvPr id="17" name="正方形/長方形 16">
+            <a:extLst>
+              <a:ext uri="{FF2B5EF4-FFF2-40B4-BE49-F238E27FC236}">
+                <a16:creationId xmlns:a16="http://schemas.microsoft.com/office/drawing/2014/main" id="{515BC94A-6FE4-4941-8618-6B58E3DF5FF0}"/>
+              </a:ext>
+            </a:extLst>
+          </p:cNvPr>
+          <p:cNvSpPr/>
+          <p:nvPr/>
+        </p:nvSpPr>
+        <p:spPr>
+          <a:xfrm>
+            <a:off x="5451214" y="1610035"/>
+            <a:ext cx="2083633" cy="546748"/>
+          </a:xfrm>
+          <a:prstGeom prst="rect">
+            <a:avLst/>
+          </a:prstGeom>
+          <a:ln>
+            <a:noFill/>
+          </a:ln>
+        </p:spPr>
+        <p:style>
+          <a:lnRef idx="2">
+            <a:schemeClr val="accent1">
+              <a:shade val="50000"/>
+            </a:schemeClr>
+          </a:lnRef>
+          <a:fillRef idx="1">
+            <a:schemeClr val="accent1"/>
+          </a:fillRef>
+          <a:effectRef idx="0">
+            <a:schemeClr val="accent1"/>
+          </a:effectRef>
+          <a:fontRef idx="minor">
+            <a:schemeClr val="lt1"/>
+          </a:fontRef>
+        </p:style>
+        <p:txBody>
+          <a:bodyPr rtlCol="0" anchor="ctr"/>
+          <a:lstStyle/>
+          <a:p>
+            <a:pPr algn="ctr"/>
+            <a:r>
+              <a:rPr kumimoji="1" lang="ja-JP" altLang="en-US" dirty="0">
+                <a:solidFill>
+                  <a:schemeClr val="bg1"/>
+                </a:solidFill>
+                <a:latin typeface="メイリオ" panose="020B0604030504040204" pitchFamily="50" charset="-128"/>
+                <a:ea typeface="メイリオ" panose="020B0604030504040204" pitchFamily="50" charset="-128"/>
+              </a:rPr>
+              <a:t>回答者（講師）</a:t>
+            </a:r>
+          </a:p>
+        </p:txBody>
+      </p:sp>
+      <p:sp>
+        <p:nvSpPr>
+          <p:cNvPr id="18" name="正方形/長方形 17">
+            <a:extLst>
+              <a:ext uri="{FF2B5EF4-FFF2-40B4-BE49-F238E27FC236}">
+                <a16:creationId xmlns:a16="http://schemas.microsoft.com/office/drawing/2014/main" id="{B1AF7CBD-FADC-4AA8-8D8F-34CAAE17EE23}"/>
+              </a:ext>
+            </a:extLst>
+          </p:cNvPr>
+          <p:cNvSpPr/>
+          <p:nvPr/>
+        </p:nvSpPr>
+        <p:spPr>
+          <a:xfrm>
+            <a:off x="1494109" y="2598057"/>
+            <a:ext cx="2497320" cy="453752"/>
+          </a:xfrm>
+          <a:prstGeom prst="rect">
+            <a:avLst/>
+          </a:prstGeom>
+          <a:ln>
+            <a:noFill/>
+          </a:ln>
+        </p:spPr>
+        <p:style>
+          <a:lnRef idx="2">
+            <a:schemeClr val="accent6"/>
+          </a:lnRef>
+          <a:fillRef idx="1">
+            <a:schemeClr val="lt1"/>
+          </a:fillRef>
+          <a:effectRef idx="0">
+            <a:schemeClr val="accent6"/>
+          </a:effectRef>
+          <a:fontRef idx="minor">
+            <a:schemeClr val="dk1"/>
+          </a:fontRef>
+        </p:style>
+        <p:txBody>
+          <a:bodyPr rtlCol="0" anchor="ctr"/>
+          <a:lstStyle/>
+          <a:p>
+            <a:pPr algn="ctr"/>
+            <a:endParaRPr kumimoji="1" lang="ja-JP" altLang="en-US"/>
+          </a:p>
+        </p:txBody>
+      </p:sp>
+      <p:sp>
+        <p:nvSpPr>
+          <p:cNvPr id="22" name="正方形/長方形 21">
+            <a:extLst>
+              <a:ext uri="{FF2B5EF4-FFF2-40B4-BE49-F238E27FC236}">
+                <a16:creationId xmlns:a16="http://schemas.microsoft.com/office/drawing/2014/main" id="{EDBBA07D-82F4-4C06-8973-567441FBBF37}"/>
+              </a:ext>
+            </a:extLst>
+          </p:cNvPr>
+          <p:cNvSpPr/>
+          <p:nvPr/>
+        </p:nvSpPr>
+        <p:spPr>
+          <a:xfrm>
+            <a:off x="1494109" y="3370763"/>
+            <a:ext cx="2497320" cy="453752"/>
+          </a:xfrm>
+          <a:prstGeom prst="rect">
+            <a:avLst/>
+          </a:prstGeom>
+          <a:ln>
+            <a:noFill/>
+          </a:ln>
+        </p:spPr>
+        <p:style>
+          <a:lnRef idx="2">
+            <a:schemeClr val="accent6"/>
+          </a:lnRef>
+          <a:fillRef idx="1">
+            <a:schemeClr val="lt1"/>
+          </a:fillRef>
+          <a:effectRef idx="0">
+            <a:schemeClr val="accent6"/>
+          </a:effectRef>
+          <a:fontRef idx="minor">
+            <a:schemeClr val="dk1"/>
+          </a:fontRef>
+        </p:style>
+        <p:txBody>
+          <a:bodyPr rtlCol="0" anchor="ctr"/>
+          <a:lstStyle/>
+          <a:p>
+            <a:pPr algn="ctr"/>
+            <a:endParaRPr kumimoji="1" lang="ja-JP" altLang="en-US"/>
+          </a:p>
+        </p:txBody>
+      </p:sp>
+      <p:sp>
+        <p:nvSpPr>
+          <p:cNvPr id="23" name="正方形/長方形 22">
+            <a:extLst>
+              <a:ext uri="{FF2B5EF4-FFF2-40B4-BE49-F238E27FC236}">
+                <a16:creationId xmlns:a16="http://schemas.microsoft.com/office/drawing/2014/main" id="{05AE8E1E-4C56-4BA7-ADCA-86E730031040}"/>
+              </a:ext>
+            </a:extLst>
+          </p:cNvPr>
+          <p:cNvSpPr/>
+          <p:nvPr/>
+        </p:nvSpPr>
+        <p:spPr>
+          <a:xfrm>
+            <a:off x="1494109" y="4202065"/>
+            <a:ext cx="2497320" cy="453752"/>
+          </a:xfrm>
+          <a:prstGeom prst="rect">
+            <a:avLst/>
+          </a:prstGeom>
+          <a:ln>
+            <a:noFill/>
+          </a:ln>
+        </p:spPr>
+        <p:style>
+          <a:lnRef idx="2">
+            <a:schemeClr val="accent6"/>
+          </a:lnRef>
+          <a:fillRef idx="1">
+            <a:schemeClr val="lt1"/>
+          </a:fillRef>
+          <a:effectRef idx="0">
+            <a:schemeClr val="accent6"/>
+          </a:effectRef>
+          <a:fontRef idx="minor">
+            <a:schemeClr val="dk1"/>
+          </a:fontRef>
+        </p:style>
+        <p:txBody>
+          <a:bodyPr rtlCol="0" anchor="ctr"/>
+          <a:lstStyle/>
+          <a:p>
+            <a:pPr algn="ctr"/>
+            <a:endParaRPr kumimoji="1" lang="ja-JP" altLang="en-US"/>
+          </a:p>
+        </p:txBody>
+      </p:sp>
+      <p:sp>
+        <p:nvSpPr>
+          <p:cNvPr id="24" name="正方形/長方形 23">
+            <a:extLst>
+              <a:ext uri="{FF2B5EF4-FFF2-40B4-BE49-F238E27FC236}">
+                <a16:creationId xmlns:a16="http://schemas.microsoft.com/office/drawing/2014/main" id="{A96CF94C-FCE4-460C-A759-E82CE396994F}"/>
+              </a:ext>
+            </a:extLst>
+          </p:cNvPr>
+          <p:cNvSpPr/>
+          <p:nvPr/>
+        </p:nvSpPr>
+        <p:spPr>
+          <a:xfrm>
+            <a:off x="1494109" y="4941099"/>
+            <a:ext cx="2497320" cy="453752"/>
+          </a:xfrm>
+          <a:prstGeom prst="rect">
+            <a:avLst/>
+          </a:prstGeom>
+          <a:ln>
+            <a:noFill/>
+          </a:ln>
+        </p:spPr>
+        <p:style>
+          <a:lnRef idx="2">
+            <a:schemeClr val="accent6"/>
+          </a:lnRef>
+          <a:fillRef idx="1">
+            <a:schemeClr val="lt1"/>
+          </a:fillRef>
+          <a:effectRef idx="0">
+            <a:schemeClr val="accent6"/>
+          </a:effectRef>
+          <a:fontRef idx="minor">
+            <a:schemeClr val="dk1"/>
+          </a:fontRef>
+        </p:style>
+        <p:txBody>
+          <a:bodyPr rtlCol="0" anchor="ctr"/>
+          <a:lstStyle/>
+          <a:p>
+            <a:pPr algn="ctr"/>
+            <a:endParaRPr kumimoji="1" lang="ja-JP" altLang="en-US"/>
+          </a:p>
+        </p:txBody>
+      </p:sp>
+      <p:sp>
+        <p:nvSpPr>
+          <p:cNvPr id="25" name="正方形/長方形 24">
+            <a:extLst>
+              <a:ext uri="{FF2B5EF4-FFF2-40B4-BE49-F238E27FC236}">
+                <a16:creationId xmlns:a16="http://schemas.microsoft.com/office/drawing/2014/main" id="{F0C75233-0592-4BE7-A309-D502DB8655C9}"/>
+              </a:ext>
+            </a:extLst>
+          </p:cNvPr>
+          <p:cNvSpPr/>
+          <p:nvPr/>
+        </p:nvSpPr>
+        <p:spPr>
+          <a:xfrm>
+            <a:off x="5244370" y="2617353"/>
+            <a:ext cx="2497320" cy="453752"/>
+          </a:xfrm>
+          <a:prstGeom prst="rect">
+            <a:avLst/>
+          </a:prstGeom>
+          <a:ln>
+            <a:noFill/>
+          </a:ln>
+        </p:spPr>
+        <p:style>
+          <a:lnRef idx="2">
+            <a:schemeClr val="accent6"/>
+          </a:lnRef>
+          <a:fillRef idx="1">
+            <a:schemeClr val="lt1"/>
+          </a:fillRef>
+          <a:effectRef idx="0">
+            <a:schemeClr val="accent6"/>
+          </a:effectRef>
+          <a:fontRef idx="minor">
+            <a:schemeClr val="dk1"/>
+          </a:fontRef>
+        </p:style>
+        <p:txBody>
+          <a:bodyPr rtlCol="0" anchor="ctr"/>
+          <a:lstStyle/>
+          <a:p>
+            <a:pPr algn="ctr"/>
+            <a:endParaRPr kumimoji="1" lang="ja-JP" altLang="en-US"/>
+          </a:p>
+        </p:txBody>
+      </p:sp>
+      <p:sp>
+        <p:nvSpPr>
+          <p:cNvPr id="26" name="正方形/長方形 25">
+            <a:extLst>
+              <a:ext uri="{FF2B5EF4-FFF2-40B4-BE49-F238E27FC236}">
+                <a16:creationId xmlns:a16="http://schemas.microsoft.com/office/drawing/2014/main" id="{EF2FF273-AE49-4F55-8080-F1769E6F361C}"/>
+              </a:ext>
+            </a:extLst>
+          </p:cNvPr>
+          <p:cNvSpPr/>
+          <p:nvPr/>
+        </p:nvSpPr>
+        <p:spPr>
+          <a:xfrm>
+            <a:off x="5248688" y="4960849"/>
+            <a:ext cx="2497320" cy="453752"/>
+          </a:xfrm>
+          <a:prstGeom prst="rect">
+            <a:avLst/>
+          </a:prstGeom>
+          <a:ln>
+            <a:noFill/>
+          </a:ln>
+        </p:spPr>
+        <p:style>
+          <a:lnRef idx="2">
+            <a:schemeClr val="accent6"/>
+          </a:lnRef>
+          <a:fillRef idx="1">
+            <a:schemeClr val="lt1"/>
+          </a:fillRef>
+          <a:effectRef idx="0">
+            <a:schemeClr val="accent6"/>
+          </a:effectRef>
+          <a:fontRef idx="minor">
+            <a:schemeClr val="dk1"/>
+          </a:fontRef>
+        </p:style>
+        <p:txBody>
+          <a:bodyPr rtlCol="0" anchor="ctr"/>
+          <a:lstStyle/>
+          <a:p>
+            <a:pPr algn="ctr"/>
+            <a:endParaRPr kumimoji="1" lang="ja-JP" altLang="en-US"/>
+          </a:p>
+        </p:txBody>
+      </p:sp>
+      <p:sp>
+        <p:nvSpPr>
+          <p:cNvPr id="27" name="正方形/長方形 26">
+            <a:extLst>
+              <a:ext uri="{FF2B5EF4-FFF2-40B4-BE49-F238E27FC236}">
+                <a16:creationId xmlns:a16="http://schemas.microsoft.com/office/drawing/2014/main" id="{1FF32D94-E6CD-4C33-8AF0-D8A7CE07F202}"/>
+              </a:ext>
+            </a:extLst>
+          </p:cNvPr>
+          <p:cNvSpPr/>
+          <p:nvPr/>
+        </p:nvSpPr>
+        <p:spPr>
+          <a:xfrm>
+            <a:off x="5261159" y="3340206"/>
+            <a:ext cx="2497320" cy="453752"/>
+          </a:xfrm>
+          <a:prstGeom prst="rect">
+            <a:avLst/>
+          </a:prstGeom>
+          <a:ln>
+            <a:noFill/>
+          </a:ln>
+        </p:spPr>
+        <p:style>
+          <a:lnRef idx="2">
+            <a:schemeClr val="accent6"/>
+          </a:lnRef>
+          <a:fillRef idx="1">
+            <a:schemeClr val="lt1"/>
+          </a:fillRef>
+          <a:effectRef idx="0">
+            <a:schemeClr val="accent6"/>
+          </a:effectRef>
+          <a:fontRef idx="minor">
+            <a:schemeClr val="dk1"/>
+          </a:fontRef>
+        </p:style>
+        <p:txBody>
+          <a:bodyPr rtlCol="0" anchor="ctr"/>
+          <a:lstStyle/>
+          <a:p>
+            <a:pPr algn="ctr"/>
+            <a:endParaRPr kumimoji="1" lang="ja-JP" altLang="en-US"/>
+          </a:p>
+        </p:txBody>
+      </p:sp>
+      <p:sp>
+        <p:nvSpPr>
+          <p:cNvPr id="28" name="正方形/長方形 27">
+            <a:extLst>
+              <a:ext uri="{FF2B5EF4-FFF2-40B4-BE49-F238E27FC236}">
+                <a16:creationId xmlns:a16="http://schemas.microsoft.com/office/drawing/2014/main" id="{06EBEBB4-7E1E-4EBA-BB6C-D94B67554C3B}"/>
+              </a:ext>
+            </a:extLst>
+          </p:cNvPr>
+          <p:cNvSpPr/>
+          <p:nvPr/>
+        </p:nvSpPr>
+        <p:spPr>
+          <a:xfrm>
+            <a:off x="5261159" y="4188844"/>
+            <a:ext cx="2497320" cy="453752"/>
+          </a:xfrm>
+          <a:prstGeom prst="rect">
+            <a:avLst/>
+          </a:prstGeom>
+          <a:ln>
+            <a:noFill/>
+          </a:ln>
+        </p:spPr>
+        <p:style>
+          <a:lnRef idx="2">
+            <a:schemeClr val="accent6"/>
+          </a:lnRef>
+          <a:fillRef idx="1">
+            <a:schemeClr val="lt1"/>
+          </a:fillRef>
+          <a:effectRef idx="0">
+            <a:schemeClr val="accent6"/>
+          </a:effectRef>
+          <a:fontRef idx="minor">
+            <a:schemeClr val="dk1"/>
+          </a:fontRef>
+        </p:style>
+        <p:txBody>
+          <a:bodyPr rtlCol="0" anchor="ctr"/>
+          <a:lstStyle/>
+          <a:p>
+            <a:pPr algn="ctr"/>
+            <a:endParaRPr kumimoji="1" lang="ja-JP" altLang="en-US"/>
+          </a:p>
+        </p:txBody>
+      </p:sp>
+    </p:spTree>
+    <p:extLst>
+      <p:ext uri="{BB962C8B-B14F-4D97-AF65-F5344CB8AC3E}">
+        <p14:creationId xmlns:p14="http://schemas.microsoft.com/office/powerpoint/2010/main" val="1828659211"/>
+      </p:ext>
+    </p:extLst>
+  </p:cSld>
+  <p:clrMapOvr>
+    <a:masterClrMapping/>
+  </p:clrMapOvr>
+</p:sld>
+</file>
+
+<file path=ppt/slides/slide14.xml><?xml version="1.0" encoding="utf-8"?>
+<p:sld xmlns:a="http://schemas.openxmlformats.org/drawingml/2006/main" xmlns:r="http://schemas.openxmlformats.org/officeDocument/2006/relationships" xmlns:p="http://schemas.openxmlformats.org/presentationml/2006/main">
+  <p:cSld>
+    <p:spTree>
+      <p:nvGrpSpPr>
+        <p:cNvPr id="1" name=""/>
+        <p:cNvGrpSpPr/>
+        <p:nvPr/>
+      </p:nvGrpSpPr>
+      <p:grpSpPr>
+        <a:xfrm>
+          <a:off x="0" y="0"/>
+          <a:ext cx="0" cy="0"/>
+          <a:chOff x="0" y="0"/>
+          <a:chExt cx="0" cy="0"/>
+        </a:xfrm>
+      </p:grpSpPr>
+      <p:sp>
+        <p:nvSpPr>
+          <p:cNvPr id="2" name="スライド番号プレースホルダー 1">
+            <a:extLst>
+              <a:ext uri="{FF2B5EF4-FFF2-40B4-BE49-F238E27FC236}">
+                <a16:creationId xmlns:a16="http://schemas.microsoft.com/office/drawing/2014/main" id="{CC63CC4D-468D-43F8-ABE8-2CF562B46605}"/>
+              </a:ext>
+            </a:extLst>
+          </p:cNvPr>
+          <p:cNvSpPr>
+            <a:spLocks noGrp="1"/>
+          </p:cNvSpPr>
+          <p:nvPr>
+            <p:ph type="sldNum" sz="quarter" idx="12"/>
+          </p:nvPr>
+        </p:nvSpPr>
+        <p:spPr/>
+        <p:txBody>
+          <a:bodyPr/>
+          <a:lstStyle/>
+          <a:p>
+            <a:fld id="{28B3E1AD-D654-41ED-B122-F068B9548232}" type="slidenum">
+              <a:rPr kumimoji="1" lang="ja-JP" altLang="en-US" smtClean="0"/>
+              <a:t>14</a:t>
+            </a:fld>
+            <a:endParaRPr kumimoji="1" lang="ja-JP" altLang="en-US"/>
+          </a:p>
+        </p:txBody>
+      </p:sp>
+    </p:spTree>
+    <p:extLst>
+      <p:ext uri="{BB962C8B-B14F-4D97-AF65-F5344CB8AC3E}">
+        <p14:creationId xmlns:p14="http://schemas.microsoft.com/office/powerpoint/2010/main" val="2269393093"/>
+      </p:ext>
+    </p:extLst>
+  </p:cSld>
+  <p:clrMapOvr>
+    <a:masterClrMapping/>
+  </p:clrMapOvr>
+</p:sld>
+</file>
+
+<file path=ppt/slides/slide15.xml><?xml version="1.0" encoding="utf-8"?>
+<p:sld xmlns:a="http://schemas.openxmlformats.org/drawingml/2006/main" xmlns:r="http://schemas.openxmlformats.org/officeDocument/2006/relationships" xmlns:p="http://schemas.openxmlformats.org/presentationml/2006/main">
+  <p:cSld>
+    <p:spTree>
+      <p:nvGrpSpPr>
+        <p:cNvPr id="1" name=""/>
+        <p:cNvGrpSpPr/>
+        <p:nvPr/>
+      </p:nvGrpSpPr>
+      <p:grpSpPr>
+        <a:xfrm>
+          <a:off x="0" y="0"/>
+          <a:ext cx="0" cy="0"/>
+          <a:chOff x="0" y="0"/>
+          <a:chExt cx="0" cy="0"/>
+        </a:xfrm>
+      </p:grpSpPr>
       <p:cxnSp>
         <p:nvCxnSpPr>
           <p:cNvPr id="3" name="直線コネクタ 2">
@@ -14312,7 +15416,7 @@
                   </a:schemeClr>
                 </a:solidFill>
               </a:rPr>
-              <a:t>13</a:t>
+              <a:t>15</a:t>
             </a:fld>
             <a:endParaRPr kumimoji="1" lang="ja-JP" altLang="en-US" dirty="0">
               <a:solidFill>
@@ -15105,7 +16209,7 @@
 </p:sld>
 </file>
 
-<file path=ppt/slides/slide14.xml><?xml version="1.0" encoding="utf-8"?>
+<file path=ppt/slides/slide16.xml><?xml version="1.0" encoding="utf-8"?>
 <p:sld xmlns:a="http://schemas.openxmlformats.org/drawingml/2006/main" xmlns:r="http://schemas.openxmlformats.org/officeDocument/2006/relationships" xmlns:p="http://schemas.openxmlformats.org/presentationml/2006/main">
   <p:cSld>
     <p:spTree>
@@ -15145,7 +16249,7 @@
           <a:p>
             <a:fld id="{28B3E1AD-D654-41ED-B122-F068B9548232}" type="slidenum">
               <a:rPr kumimoji="1" lang="ja-JP" altLang="en-US" smtClean="0"/>
-              <a:t>14</a:t>
+              <a:t>16</a:t>
             </a:fld>
             <a:endParaRPr kumimoji="1" lang="ja-JP" altLang="en-US"/>
           </a:p>
@@ -15213,7 +16317,7 @@
 </p:sld>
 </file>
 
-<file path=ppt/slides/slide15.xml><?xml version="1.0" encoding="utf-8"?>
+<file path=ppt/slides/slide17.xml><?xml version="1.0" encoding="utf-8"?>
 <p:sld xmlns:a="http://schemas.openxmlformats.org/drawingml/2006/main" xmlns:r="http://schemas.openxmlformats.org/officeDocument/2006/relationships" xmlns:p="http://schemas.openxmlformats.org/presentationml/2006/main">
   <p:cSld>
     <p:spTree>
@@ -15253,7 +16357,7 @@
           <a:p>
             <a:fld id="{28B3E1AD-D654-41ED-B122-F068B9548232}" type="slidenum">
               <a:rPr kumimoji="1" lang="ja-JP" altLang="en-US" smtClean="0"/>
-              <a:t>15</a:t>
+              <a:t>17</a:t>
             </a:fld>
             <a:endParaRPr kumimoji="1" lang="ja-JP" altLang="en-US"/>
           </a:p>
@@ -15310,14 +16414,14 @@
           <p:nvPr>
             <p:extLst>
               <p:ext uri="{D42A27DB-BD31-4B8C-83A1-F6EECF244321}">
-                <p14:modId xmlns:p14="http://schemas.microsoft.com/office/powerpoint/2010/main" val="2580574173"/>
+                <p14:modId xmlns:p14="http://schemas.microsoft.com/office/powerpoint/2010/main" val="1514816854"/>
               </p:ext>
             </p:extLst>
           </p:nvPr>
         </p:nvGraphicFramePr>
         <p:xfrm>
           <a:off x="4089094" y="1396999"/>
-          <a:ext cx="4732535" cy="4050796"/>
+          <a:ext cx="4732535" cy="4425093"/>
         </p:xfrm>
         <a:graphic>
           <a:graphicData uri="http://schemas.openxmlformats.org/drawingml/2006/table">
@@ -15375,12 +16479,26 @@
                   </a:ext>
                 </a:extLst>
               </a:tr>
-              <a:tr h="810795">
+              <a:tr h="1185092">
                 <a:tc>
                   <a:txBody>
                     <a:bodyPr/>
                     <a:lstStyle/>
                     <a:p>
+                      <a:r>
+                        <a:rPr kumimoji="1" lang="ja-JP" altLang="en-US" sz="2800" dirty="0">
+                          <a:latin typeface="メイリオ" panose="020B0604030504040204" pitchFamily="50" charset="-128"/>
+                          <a:ea typeface="メイリオ" panose="020B0604030504040204" pitchFamily="50" charset="-128"/>
+                        </a:rPr>
+                        <a:t>デフォルト：</a:t>
+                      </a:r>
+                      <a:r>
+                        <a:rPr kumimoji="1" lang="en-US" altLang="ja-JP" sz="2800" dirty="0" err="1">
+                          <a:latin typeface="メイリオ" panose="020B0604030504040204" pitchFamily="50" charset="-128"/>
+                          <a:ea typeface="メイリオ" panose="020B0604030504040204" pitchFamily="50" charset="-128"/>
+                        </a:rPr>
+                        <a:t>iphoneXS</a:t>
+                      </a:r>
                       <a:endParaRPr kumimoji="1" lang="ja-JP" altLang="en-US" sz="2800" dirty="0">
                         <a:latin typeface="メイリオ" panose="020B0604030504040204" pitchFamily="50" charset="-128"/>
                         <a:ea typeface="メイリオ" panose="020B0604030504040204" pitchFamily="50" charset="-128"/>
@@ -15584,7 +16702,7 @@
 </p:sld>
 </file>
 
-<file path=ppt/slides/slide16.xml><?xml version="1.0" encoding="utf-8"?>
+<file path=ppt/slides/slide18.xml><?xml version="1.0" encoding="utf-8"?>
 <p:sld xmlns:a="http://schemas.openxmlformats.org/drawingml/2006/main" xmlns:r="http://schemas.openxmlformats.org/officeDocument/2006/relationships" xmlns:p="http://schemas.openxmlformats.org/presentationml/2006/main">
   <p:cSld>
     <p:spTree>
@@ -15624,7 +16742,7 @@
           <a:p>
             <a:fld id="{28B3E1AD-D654-41ED-B122-F068B9548232}" type="slidenum">
               <a:rPr kumimoji="1" lang="ja-JP" altLang="en-US" smtClean="0"/>
-              <a:t>16</a:t>
+              <a:t>18</a:t>
             </a:fld>
             <a:endParaRPr kumimoji="1" lang="ja-JP" altLang="en-US"/>
           </a:p>
@@ -15715,7 +16833,7 @@
 </p:sld>
 </file>
 
-<file path=ppt/slides/slide17.xml><?xml version="1.0" encoding="utf-8"?>
+<file path=ppt/slides/slide19.xml><?xml version="1.0" encoding="utf-8"?>
 <p:sld xmlns:a="http://schemas.openxmlformats.org/drawingml/2006/main" xmlns:r="http://schemas.openxmlformats.org/officeDocument/2006/relationships" xmlns:p="http://schemas.openxmlformats.org/presentationml/2006/main">
   <p:cSld>
     <p:spTree>
@@ -15878,7 +16996,7 @@
           <a:p>
             <a:fld id="{28B3E1AD-D654-41ED-B122-F068B9548232}" type="slidenum">
               <a:rPr kumimoji="1" lang="ja-JP" altLang="en-US" sz="6600" smtClean="0"/>
-              <a:t>17</a:t>
+              <a:t>19</a:t>
             </a:fld>
             <a:endParaRPr kumimoji="1" lang="ja-JP" altLang="en-US" sz="6600"/>
           </a:p>
@@ -16346,7 +17464,658 @@
 </p:sld>
 </file>
 
-<file path=ppt/slides/slide18.xml><?xml version="1.0" encoding="utf-8"?>
+<file path=ppt/slides/slide2.xml><?xml version="1.0" encoding="utf-8"?>
+<p:sld xmlns:a="http://schemas.openxmlformats.org/drawingml/2006/main" xmlns:r="http://schemas.openxmlformats.org/officeDocument/2006/relationships" xmlns:p="http://schemas.openxmlformats.org/presentationml/2006/main">
+  <p:cSld>
+    <p:spTree>
+      <p:nvGrpSpPr>
+        <p:cNvPr id="1" name=""/>
+        <p:cNvGrpSpPr/>
+        <p:nvPr/>
+      </p:nvGrpSpPr>
+      <p:grpSpPr>
+        <a:xfrm>
+          <a:off x="0" y="0"/>
+          <a:ext cx="0" cy="0"/>
+          <a:chOff x="0" y="0"/>
+          <a:chExt cx="0" cy="0"/>
+        </a:xfrm>
+      </p:grpSpPr>
+      <p:sp>
+        <p:nvSpPr>
+          <p:cNvPr id="9" name="四角形: 角を丸くする 8">
+            <a:extLst>
+              <a:ext uri="{FF2B5EF4-FFF2-40B4-BE49-F238E27FC236}">
+                <a16:creationId xmlns:a16="http://schemas.microsoft.com/office/drawing/2014/main" id="{95E61E18-E0FF-4789-B846-542D3BDD545C}"/>
+              </a:ext>
+            </a:extLst>
+          </p:cNvPr>
+          <p:cNvSpPr/>
+          <p:nvPr/>
+        </p:nvSpPr>
+        <p:spPr>
+          <a:xfrm>
+            <a:off x="615002" y="1327811"/>
+            <a:ext cx="7913995" cy="658000"/>
+          </a:xfrm>
+          <a:prstGeom prst="roundRect">
+            <a:avLst/>
+          </a:prstGeom>
+          <a:ln w="19050">
+            <a:solidFill>
+              <a:schemeClr val="accent1"/>
+            </a:solidFill>
+          </a:ln>
+        </p:spPr>
+        <p:style>
+          <a:lnRef idx="2">
+            <a:schemeClr val="accent6"/>
+          </a:lnRef>
+          <a:fillRef idx="1">
+            <a:schemeClr val="lt1"/>
+          </a:fillRef>
+          <a:effectRef idx="0">
+            <a:schemeClr val="accent6"/>
+          </a:effectRef>
+          <a:fontRef idx="minor">
+            <a:schemeClr val="dk1"/>
+          </a:fontRef>
+        </p:style>
+        <p:txBody>
+          <a:bodyPr rtlCol="0" anchor="ctr"/>
+          <a:lstStyle/>
+          <a:p>
+            <a:pPr marL="342900" indent="-342900" algn="just">
+              <a:lnSpc>
+                <a:spcPct val="150000"/>
+              </a:lnSpc>
+              <a:buFont typeface="+mj-lt"/>
+              <a:buAutoNum type="arabicPeriod"/>
+            </a:pPr>
+            <a:r>
+              <a:rPr lang="ja-JP" altLang="en-US" sz="3600" kern="100" dirty="0">
+                <a:solidFill>
+                  <a:schemeClr val="tx1">
+                    <a:lumMod val="85000"/>
+                    <a:lumOff val="15000"/>
+                  </a:schemeClr>
+                </a:solidFill>
+                <a:latin typeface="メイリオ" panose="020B0604030504040204" pitchFamily="50" charset="-128"/>
+                <a:ea typeface="メイリオ" panose="020B0604030504040204" pitchFamily="50" charset="-128"/>
+                <a:cs typeface="Times New Roman" panose="02020603050405020304" pitchFamily="18" charset="0"/>
+              </a:rPr>
+              <a:t>　</a:t>
+            </a:r>
+            <a:r>
+              <a:rPr lang="ja-JP" altLang="ja-JP" sz="3600" kern="100" dirty="0">
+                <a:solidFill>
+                  <a:schemeClr val="tx1">
+                    <a:lumMod val="85000"/>
+                    <a:lumOff val="15000"/>
+                  </a:schemeClr>
+                </a:solidFill>
+                <a:latin typeface="メイリオ" panose="020B0604030504040204" pitchFamily="50" charset="-128"/>
+                <a:ea typeface="メイリオ" panose="020B0604030504040204" pitchFamily="50" charset="-128"/>
+                <a:cs typeface="Times New Roman" panose="02020603050405020304" pitchFamily="18" charset="0"/>
+              </a:rPr>
+              <a:t>チームの概要</a:t>
+            </a:r>
+          </a:p>
+        </p:txBody>
+      </p:sp>
+      <p:sp>
+        <p:nvSpPr>
+          <p:cNvPr id="15" name="スライド番号プレースホルダー 14">
+            <a:extLst>
+              <a:ext uri="{FF2B5EF4-FFF2-40B4-BE49-F238E27FC236}">
+                <a16:creationId xmlns:a16="http://schemas.microsoft.com/office/drawing/2014/main" id="{AF80DF13-54D4-4295-8DBD-60C26A1BCC62}"/>
+              </a:ext>
+            </a:extLst>
+          </p:cNvPr>
+          <p:cNvSpPr>
+            <a:spLocks noGrp="1"/>
+          </p:cNvSpPr>
+          <p:nvPr>
+            <p:ph type="sldNum" sz="quarter" idx="12"/>
+          </p:nvPr>
+        </p:nvSpPr>
+        <p:spPr>
+          <a:xfrm>
+            <a:off x="6784980" y="5359578"/>
+            <a:ext cx="2194560" cy="1397039"/>
+          </a:xfrm>
+        </p:spPr>
+        <p:txBody>
+          <a:bodyPr anchor="ctr"/>
+          <a:lstStyle/>
+          <a:p>
+            <a:fld id="{28B3E1AD-D654-41ED-B122-F068B9548232}" type="slidenum">
+              <a:rPr kumimoji="1" lang="ja-JP" altLang="en-US" sz="6600" smtClean="0">
+                <a:solidFill>
+                  <a:schemeClr val="tx1">
+                    <a:lumMod val="85000"/>
+                    <a:lumOff val="15000"/>
+                  </a:schemeClr>
+                </a:solidFill>
+              </a:rPr>
+              <a:t>2</a:t>
+            </a:fld>
+            <a:endParaRPr kumimoji="1" lang="ja-JP" altLang="en-US" sz="6600">
+              <a:solidFill>
+                <a:schemeClr val="tx1">
+                  <a:lumMod val="85000"/>
+                  <a:lumOff val="15000"/>
+                </a:schemeClr>
+              </a:solidFill>
+            </a:endParaRPr>
+          </a:p>
+        </p:txBody>
+      </p:sp>
+      <p:sp>
+        <p:nvSpPr>
+          <p:cNvPr id="17" name="四角形: 角を丸くする 16">
+            <a:extLst>
+              <a:ext uri="{FF2B5EF4-FFF2-40B4-BE49-F238E27FC236}">
+                <a16:creationId xmlns:a16="http://schemas.microsoft.com/office/drawing/2014/main" id="{5EF31FC2-2F52-4D5B-906E-753D3EF88EF6}"/>
+              </a:ext>
+            </a:extLst>
+          </p:cNvPr>
+          <p:cNvSpPr/>
+          <p:nvPr/>
+        </p:nvSpPr>
+        <p:spPr>
+          <a:xfrm>
+            <a:off x="615002" y="2225245"/>
+            <a:ext cx="7913995" cy="658000"/>
+          </a:xfrm>
+          <a:prstGeom prst="roundRect">
+            <a:avLst/>
+          </a:prstGeom>
+          <a:ln w="19050">
+            <a:solidFill>
+              <a:schemeClr val="accent1"/>
+            </a:solidFill>
+          </a:ln>
+        </p:spPr>
+        <p:style>
+          <a:lnRef idx="2">
+            <a:schemeClr val="accent6"/>
+          </a:lnRef>
+          <a:fillRef idx="1">
+            <a:schemeClr val="lt1"/>
+          </a:fillRef>
+          <a:effectRef idx="0">
+            <a:schemeClr val="accent6"/>
+          </a:effectRef>
+          <a:fontRef idx="minor">
+            <a:schemeClr val="dk1"/>
+          </a:fontRef>
+        </p:style>
+        <p:txBody>
+          <a:bodyPr rtlCol="0" anchor="ctr"/>
+          <a:lstStyle/>
+          <a:p>
+            <a:pPr algn="just">
+              <a:lnSpc>
+                <a:spcPct val="150000"/>
+              </a:lnSpc>
+            </a:pPr>
+            <a:r>
+              <a:rPr lang="en-US" altLang="ja-JP" sz="3600" kern="100" dirty="0">
+                <a:solidFill>
+                  <a:schemeClr val="tx1">
+                    <a:lumMod val="85000"/>
+                    <a:lumOff val="15000"/>
+                  </a:schemeClr>
+                </a:solidFill>
+                <a:latin typeface="メイリオ" panose="020B0604030504040204" pitchFamily="50" charset="-128"/>
+                <a:ea typeface="メイリオ" panose="020B0604030504040204" pitchFamily="50" charset="-128"/>
+                <a:cs typeface="Times New Roman" panose="02020603050405020304" pitchFamily="18" charset="0"/>
+              </a:rPr>
+              <a:t>2.</a:t>
+            </a:r>
+            <a:r>
+              <a:rPr lang="ja-JP" altLang="en-US" sz="3600" kern="100" dirty="0">
+                <a:solidFill>
+                  <a:schemeClr val="tx1">
+                    <a:lumMod val="85000"/>
+                    <a:lumOff val="15000"/>
+                  </a:schemeClr>
+                </a:solidFill>
+                <a:latin typeface="メイリオ" panose="020B0604030504040204" pitchFamily="50" charset="-128"/>
+                <a:ea typeface="メイリオ" panose="020B0604030504040204" pitchFamily="50" charset="-128"/>
+                <a:cs typeface="Times New Roman" panose="02020603050405020304" pitchFamily="18" charset="0"/>
+              </a:rPr>
+              <a:t>　製作物について</a:t>
+            </a:r>
+            <a:endParaRPr lang="ja-JP" altLang="ja-JP" sz="3600" kern="100" dirty="0">
+              <a:solidFill>
+                <a:schemeClr val="tx1">
+                  <a:lumMod val="85000"/>
+                  <a:lumOff val="15000"/>
+                </a:schemeClr>
+              </a:solidFill>
+              <a:latin typeface="メイリオ" panose="020B0604030504040204" pitchFamily="50" charset="-128"/>
+              <a:ea typeface="メイリオ" panose="020B0604030504040204" pitchFamily="50" charset="-128"/>
+              <a:cs typeface="Times New Roman" panose="02020603050405020304" pitchFamily="18" charset="0"/>
+            </a:endParaRPr>
+          </a:p>
+        </p:txBody>
+      </p:sp>
+      <p:sp>
+        <p:nvSpPr>
+          <p:cNvPr id="18" name="四角形: 角を丸くする 17">
+            <a:extLst>
+              <a:ext uri="{FF2B5EF4-FFF2-40B4-BE49-F238E27FC236}">
+                <a16:creationId xmlns:a16="http://schemas.microsoft.com/office/drawing/2014/main" id="{AEA83588-56D7-4940-B360-E91119207452}"/>
+              </a:ext>
+            </a:extLst>
+          </p:cNvPr>
+          <p:cNvSpPr/>
+          <p:nvPr/>
+        </p:nvSpPr>
+        <p:spPr>
+          <a:xfrm>
+            <a:off x="615001" y="3112647"/>
+            <a:ext cx="7913995" cy="658000"/>
+          </a:xfrm>
+          <a:prstGeom prst="roundRect">
+            <a:avLst/>
+          </a:prstGeom>
+          <a:ln w="19050">
+            <a:solidFill>
+              <a:schemeClr val="accent1"/>
+            </a:solidFill>
+          </a:ln>
+        </p:spPr>
+        <p:style>
+          <a:lnRef idx="2">
+            <a:schemeClr val="accent6"/>
+          </a:lnRef>
+          <a:fillRef idx="1">
+            <a:schemeClr val="lt1"/>
+          </a:fillRef>
+          <a:effectRef idx="0">
+            <a:schemeClr val="accent6"/>
+          </a:effectRef>
+          <a:fontRef idx="minor">
+            <a:schemeClr val="dk1"/>
+          </a:fontRef>
+        </p:style>
+        <p:txBody>
+          <a:bodyPr rtlCol="0" anchor="ctr"/>
+          <a:lstStyle/>
+          <a:p>
+            <a:pPr algn="just">
+              <a:lnSpc>
+                <a:spcPct val="150000"/>
+              </a:lnSpc>
+            </a:pPr>
+            <a:r>
+              <a:rPr lang="en-US" altLang="ja-JP" sz="3600" kern="100" dirty="0">
+                <a:solidFill>
+                  <a:schemeClr val="tx1">
+                    <a:lumMod val="85000"/>
+                    <a:lumOff val="15000"/>
+                  </a:schemeClr>
+                </a:solidFill>
+                <a:latin typeface="メイリオ" panose="020B0604030504040204" pitchFamily="50" charset="-128"/>
+                <a:ea typeface="メイリオ" panose="020B0604030504040204" pitchFamily="50" charset="-128"/>
+                <a:cs typeface="Times New Roman" panose="02020603050405020304" pitchFamily="18" charset="0"/>
+              </a:rPr>
+              <a:t>3.</a:t>
+            </a:r>
+            <a:r>
+              <a:rPr lang="ja-JP" altLang="en-US" sz="3600" kern="100" dirty="0">
+                <a:solidFill>
+                  <a:schemeClr val="tx1">
+                    <a:lumMod val="85000"/>
+                    <a:lumOff val="15000"/>
+                  </a:schemeClr>
+                </a:solidFill>
+                <a:latin typeface="メイリオ" panose="020B0604030504040204" pitchFamily="50" charset="-128"/>
+                <a:ea typeface="メイリオ" panose="020B0604030504040204" pitchFamily="50" charset="-128"/>
+                <a:cs typeface="Times New Roman" panose="02020603050405020304" pitchFamily="18" charset="0"/>
+              </a:rPr>
+              <a:t>　期待できる効果</a:t>
+            </a:r>
+            <a:endParaRPr lang="ja-JP" altLang="ja-JP" sz="3600" kern="100" dirty="0">
+              <a:solidFill>
+                <a:schemeClr val="tx1">
+                  <a:lumMod val="85000"/>
+                  <a:lumOff val="15000"/>
+                </a:schemeClr>
+              </a:solidFill>
+              <a:latin typeface="メイリオ" panose="020B0604030504040204" pitchFamily="50" charset="-128"/>
+              <a:ea typeface="メイリオ" panose="020B0604030504040204" pitchFamily="50" charset="-128"/>
+              <a:cs typeface="Times New Roman" panose="02020603050405020304" pitchFamily="18" charset="0"/>
+            </a:endParaRPr>
+          </a:p>
+        </p:txBody>
+      </p:sp>
+      <p:sp>
+        <p:nvSpPr>
+          <p:cNvPr id="19" name="四角形: 角を丸くする 18">
+            <a:extLst>
+              <a:ext uri="{FF2B5EF4-FFF2-40B4-BE49-F238E27FC236}">
+                <a16:creationId xmlns:a16="http://schemas.microsoft.com/office/drawing/2014/main" id="{5A939795-3DDA-40FC-B854-56CC9E54B4F8}"/>
+              </a:ext>
+            </a:extLst>
+          </p:cNvPr>
+          <p:cNvSpPr/>
+          <p:nvPr/>
+        </p:nvSpPr>
+        <p:spPr>
+          <a:xfrm>
+            <a:off x="615001" y="4010081"/>
+            <a:ext cx="7913995" cy="658000"/>
+          </a:xfrm>
+          <a:prstGeom prst="roundRect">
+            <a:avLst/>
+          </a:prstGeom>
+          <a:ln w="19050">
+            <a:solidFill>
+              <a:schemeClr val="accent1"/>
+            </a:solidFill>
+          </a:ln>
+        </p:spPr>
+        <p:style>
+          <a:lnRef idx="2">
+            <a:schemeClr val="accent6"/>
+          </a:lnRef>
+          <a:fillRef idx="1">
+            <a:schemeClr val="lt1"/>
+          </a:fillRef>
+          <a:effectRef idx="0">
+            <a:schemeClr val="accent6"/>
+          </a:effectRef>
+          <a:fontRef idx="minor">
+            <a:schemeClr val="dk1"/>
+          </a:fontRef>
+        </p:style>
+        <p:txBody>
+          <a:bodyPr rtlCol="0" anchor="ctr"/>
+          <a:lstStyle/>
+          <a:p>
+            <a:pPr algn="just">
+              <a:lnSpc>
+                <a:spcPct val="150000"/>
+              </a:lnSpc>
+            </a:pPr>
+            <a:r>
+              <a:rPr lang="en-US" altLang="ja-JP" sz="3600" kern="100" dirty="0">
+                <a:solidFill>
+                  <a:schemeClr val="tx1">
+                    <a:lumMod val="85000"/>
+                    <a:lumOff val="15000"/>
+                  </a:schemeClr>
+                </a:solidFill>
+                <a:latin typeface="メイリオ" panose="020B0604030504040204" pitchFamily="50" charset="-128"/>
+                <a:ea typeface="メイリオ" panose="020B0604030504040204" pitchFamily="50" charset="-128"/>
+                <a:cs typeface="Times New Roman" panose="02020603050405020304" pitchFamily="18" charset="0"/>
+              </a:rPr>
+              <a:t>4.</a:t>
+            </a:r>
+            <a:r>
+              <a:rPr lang="ja-JP" altLang="en-US" sz="3600" kern="100" dirty="0">
+                <a:solidFill>
+                  <a:schemeClr val="tx1">
+                    <a:lumMod val="85000"/>
+                    <a:lumOff val="15000"/>
+                  </a:schemeClr>
+                </a:solidFill>
+                <a:latin typeface="メイリオ" panose="020B0604030504040204" pitchFamily="50" charset="-128"/>
+                <a:ea typeface="メイリオ" panose="020B0604030504040204" pitchFamily="50" charset="-128"/>
+                <a:cs typeface="Times New Roman" panose="02020603050405020304" pitchFamily="18" charset="0"/>
+              </a:rPr>
+              <a:t>　プロジェクトの振り返り</a:t>
+            </a:r>
+            <a:endParaRPr lang="ja-JP" altLang="ja-JP" sz="3600" kern="100" dirty="0">
+              <a:solidFill>
+                <a:schemeClr val="tx1">
+                  <a:lumMod val="85000"/>
+                  <a:lumOff val="15000"/>
+                </a:schemeClr>
+              </a:solidFill>
+              <a:latin typeface="メイリオ" panose="020B0604030504040204" pitchFamily="50" charset="-128"/>
+              <a:ea typeface="メイリオ" panose="020B0604030504040204" pitchFamily="50" charset="-128"/>
+              <a:cs typeface="Times New Roman" panose="02020603050405020304" pitchFamily="18" charset="0"/>
+            </a:endParaRPr>
+          </a:p>
+        </p:txBody>
+      </p:sp>
+      <p:sp>
+        <p:nvSpPr>
+          <p:cNvPr id="20" name="四角形: 角を丸くする 19">
+            <a:extLst>
+              <a:ext uri="{FF2B5EF4-FFF2-40B4-BE49-F238E27FC236}">
+                <a16:creationId xmlns:a16="http://schemas.microsoft.com/office/drawing/2014/main" id="{8B1C7689-CB01-47A0-BF74-E914F8F0EC3D}"/>
+              </a:ext>
+            </a:extLst>
+          </p:cNvPr>
+          <p:cNvSpPr/>
+          <p:nvPr/>
+        </p:nvSpPr>
+        <p:spPr>
+          <a:xfrm>
+            <a:off x="615001" y="4865397"/>
+            <a:ext cx="7913995" cy="658000"/>
+          </a:xfrm>
+          <a:prstGeom prst="roundRect">
+            <a:avLst/>
+          </a:prstGeom>
+          <a:ln w="19050">
+            <a:solidFill>
+              <a:schemeClr val="accent1"/>
+            </a:solidFill>
+          </a:ln>
+        </p:spPr>
+        <p:style>
+          <a:lnRef idx="2">
+            <a:schemeClr val="accent6"/>
+          </a:lnRef>
+          <a:fillRef idx="1">
+            <a:schemeClr val="lt1"/>
+          </a:fillRef>
+          <a:effectRef idx="0">
+            <a:schemeClr val="accent6"/>
+          </a:effectRef>
+          <a:fontRef idx="minor">
+            <a:schemeClr val="dk1"/>
+          </a:fontRef>
+        </p:style>
+        <p:txBody>
+          <a:bodyPr rtlCol="0" anchor="ctr"/>
+          <a:lstStyle/>
+          <a:p>
+            <a:pPr algn="just">
+              <a:lnSpc>
+                <a:spcPct val="150000"/>
+              </a:lnSpc>
+            </a:pPr>
+            <a:r>
+              <a:rPr lang="en-US" altLang="ja-JP" sz="3600" kern="100" dirty="0">
+                <a:solidFill>
+                  <a:schemeClr val="tx1">
+                    <a:lumMod val="85000"/>
+                    <a:lumOff val="15000"/>
+                  </a:schemeClr>
+                </a:solidFill>
+                <a:latin typeface="メイリオ" panose="020B0604030504040204" pitchFamily="50" charset="-128"/>
+                <a:ea typeface="メイリオ" panose="020B0604030504040204" pitchFamily="50" charset="-128"/>
+                <a:cs typeface="Times New Roman" panose="02020603050405020304" pitchFamily="18" charset="0"/>
+              </a:rPr>
+              <a:t>5.</a:t>
+            </a:r>
+            <a:r>
+              <a:rPr lang="ja-JP" altLang="en-US" sz="3600" kern="100" dirty="0">
+                <a:solidFill>
+                  <a:schemeClr val="tx1">
+                    <a:lumMod val="85000"/>
+                    <a:lumOff val="15000"/>
+                  </a:schemeClr>
+                </a:solidFill>
+                <a:latin typeface="メイリオ" panose="020B0604030504040204" pitchFamily="50" charset="-128"/>
+                <a:ea typeface="メイリオ" panose="020B0604030504040204" pitchFamily="50" charset="-128"/>
+                <a:cs typeface="Times New Roman" panose="02020603050405020304" pitchFamily="18" charset="0"/>
+              </a:rPr>
+              <a:t>　個々の成長・感想</a:t>
+            </a:r>
+            <a:endParaRPr lang="ja-JP" altLang="ja-JP" sz="3600" kern="100" dirty="0">
+              <a:solidFill>
+                <a:schemeClr val="tx1">
+                  <a:lumMod val="85000"/>
+                  <a:lumOff val="15000"/>
+                </a:schemeClr>
+              </a:solidFill>
+              <a:latin typeface="メイリオ" panose="020B0604030504040204" pitchFamily="50" charset="-128"/>
+              <a:ea typeface="メイリオ" panose="020B0604030504040204" pitchFamily="50" charset="-128"/>
+              <a:cs typeface="Times New Roman" panose="02020603050405020304" pitchFamily="18" charset="0"/>
+            </a:endParaRPr>
+          </a:p>
+        </p:txBody>
+      </p:sp>
+      <p:sp>
+        <p:nvSpPr>
+          <p:cNvPr id="21" name="四角形: 角を丸くする 20">
+            <a:extLst>
+              <a:ext uri="{FF2B5EF4-FFF2-40B4-BE49-F238E27FC236}">
+                <a16:creationId xmlns:a16="http://schemas.microsoft.com/office/drawing/2014/main" id="{460F04A2-8F78-4E7D-971A-AA72042386EE}"/>
+              </a:ext>
+            </a:extLst>
+          </p:cNvPr>
+          <p:cNvSpPr/>
+          <p:nvPr/>
+        </p:nvSpPr>
+        <p:spPr>
+          <a:xfrm>
+            <a:off x="615001" y="5729097"/>
+            <a:ext cx="7913995" cy="658000"/>
+          </a:xfrm>
+          <a:prstGeom prst="roundRect">
+            <a:avLst/>
+          </a:prstGeom>
+          <a:ln w="19050">
+            <a:solidFill>
+              <a:schemeClr val="accent1"/>
+            </a:solidFill>
+          </a:ln>
+        </p:spPr>
+        <p:style>
+          <a:lnRef idx="2">
+            <a:schemeClr val="accent6"/>
+          </a:lnRef>
+          <a:fillRef idx="1">
+            <a:schemeClr val="lt1"/>
+          </a:fillRef>
+          <a:effectRef idx="0">
+            <a:schemeClr val="accent6"/>
+          </a:effectRef>
+          <a:fontRef idx="minor">
+            <a:schemeClr val="dk1"/>
+          </a:fontRef>
+        </p:style>
+        <p:txBody>
+          <a:bodyPr rtlCol="0" anchor="ctr"/>
+          <a:lstStyle/>
+          <a:p>
+            <a:pPr algn="just">
+              <a:lnSpc>
+                <a:spcPct val="150000"/>
+              </a:lnSpc>
+            </a:pPr>
+            <a:r>
+              <a:rPr lang="en-US" altLang="ja-JP" sz="3600" kern="100" dirty="0">
+                <a:solidFill>
+                  <a:schemeClr val="tx1">
+                    <a:lumMod val="85000"/>
+                    <a:lumOff val="15000"/>
+                  </a:schemeClr>
+                </a:solidFill>
+                <a:latin typeface="メイリオ" panose="020B0604030504040204" pitchFamily="50" charset="-128"/>
+                <a:ea typeface="メイリオ" panose="020B0604030504040204" pitchFamily="50" charset="-128"/>
+                <a:cs typeface="Times New Roman" panose="02020603050405020304" pitchFamily="18" charset="0"/>
+              </a:rPr>
+              <a:t>6.</a:t>
+            </a:r>
+            <a:r>
+              <a:rPr lang="ja-JP" altLang="en-US" sz="3600" kern="100" dirty="0">
+                <a:solidFill>
+                  <a:schemeClr val="tx1">
+                    <a:lumMod val="85000"/>
+                    <a:lumOff val="15000"/>
+                  </a:schemeClr>
+                </a:solidFill>
+                <a:latin typeface="メイリオ" panose="020B0604030504040204" pitchFamily="50" charset="-128"/>
+                <a:ea typeface="メイリオ" panose="020B0604030504040204" pitchFamily="50" charset="-128"/>
+                <a:cs typeface="Times New Roman" panose="02020603050405020304" pitchFamily="18" charset="0"/>
+              </a:rPr>
+              <a:t>　まとめ</a:t>
+            </a:r>
+            <a:endParaRPr lang="ja-JP" altLang="ja-JP" sz="3600" kern="100" dirty="0">
+              <a:solidFill>
+                <a:schemeClr val="tx1">
+                  <a:lumMod val="85000"/>
+                  <a:lumOff val="15000"/>
+                </a:schemeClr>
+              </a:solidFill>
+              <a:latin typeface="メイリオ" panose="020B0604030504040204" pitchFamily="50" charset="-128"/>
+              <a:ea typeface="メイリオ" panose="020B0604030504040204" pitchFamily="50" charset="-128"/>
+              <a:cs typeface="Times New Roman" panose="02020603050405020304" pitchFamily="18" charset="0"/>
+            </a:endParaRPr>
+          </a:p>
+        </p:txBody>
+      </p:sp>
+      <p:sp>
+        <p:nvSpPr>
+          <p:cNvPr id="12" name="タイトル 1">
+            <a:extLst>
+              <a:ext uri="{FF2B5EF4-FFF2-40B4-BE49-F238E27FC236}">
+                <a16:creationId xmlns:a16="http://schemas.microsoft.com/office/drawing/2014/main" id="{5D35D3CA-632F-4A26-A306-EF7E4C17685F}"/>
+              </a:ext>
+            </a:extLst>
+          </p:cNvPr>
+          <p:cNvSpPr>
+            <a:spLocks noGrp="1"/>
+          </p:cNvSpPr>
+          <p:nvPr>
+            <p:ph type="title"/>
+          </p:nvPr>
+        </p:nvSpPr>
+        <p:spPr>
+          <a:xfrm>
+            <a:off x="488707" y="266610"/>
+            <a:ext cx="8079581" cy="863885"/>
+          </a:xfrm>
+        </p:spPr>
+        <p:txBody>
+          <a:bodyPr/>
+          <a:lstStyle/>
+          <a:p>
+            <a:r>
+              <a:rPr kumimoji="1" lang="ja-JP" altLang="en-US" dirty="0">
+                <a:latin typeface="メイリオ" panose="020B0604030504040204" pitchFamily="50" charset="-128"/>
+                <a:ea typeface="メイリオ" panose="020B0604030504040204" pitchFamily="50" charset="-128"/>
+              </a:rPr>
+              <a:t>アジェンダ</a:t>
+            </a:r>
+          </a:p>
+        </p:txBody>
+      </p:sp>
+    </p:spTree>
+    <p:extLst>
+      <p:ext uri="{BB962C8B-B14F-4D97-AF65-F5344CB8AC3E}">
+        <p14:creationId xmlns:p14="http://schemas.microsoft.com/office/powerpoint/2010/main" val="3706949613"/>
+      </p:ext>
+    </p:extLst>
+  </p:cSld>
+  <p:clrMapOvr>
+    <a:masterClrMapping/>
+  </p:clrMapOvr>
+</p:sld>
+</file>
+
+<file path=ppt/slides/slide20.xml><?xml version="1.0" encoding="utf-8"?>
 <p:sld xmlns:a="http://schemas.openxmlformats.org/drawingml/2006/main" xmlns:r="http://schemas.openxmlformats.org/officeDocument/2006/relationships" xmlns:p="http://schemas.openxmlformats.org/presentationml/2006/main">
   <p:cSld>
     <p:spTree>
@@ -16386,9 +18155,258 @@
           <a:p>
             <a:fld id="{28B3E1AD-D654-41ED-B122-F068B9548232}" type="slidenum">
               <a:rPr kumimoji="1" lang="ja-JP" altLang="en-US" smtClean="0"/>
-              <a:t>18</a:t>
+              <a:t>20</a:t>
             </a:fld>
             <a:endParaRPr kumimoji="1" lang="ja-JP" altLang="en-US"/>
+          </a:p>
+        </p:txBody>
+      </p:sp>
+      <p:sp>
+        <p:nvSpPr>
+          <p:cNvPr id="3" name="テキスト ボックス 2">
+            <a:extLst>
+              <a:ext uri="{FF2B5EF4-FFF2-40B4-BE49-F238E27FC236}">
+                <a16:creationId xmlns:a16="http://schemas.microsoft.com/office/drawing/2014/main" id="{D9E275B9-3B22-4699-BBEB-979B9F7C8386}"/>
+              </a:ext>
+            </a:extLst>
+          </p:cNvPr>
+          <p:cNvSpPr txBox="1"/>
+          <p:nvPr/>
+        </p:nvSpPr>
+        <p:spPr>
+          <a:xfrm>
+            <a:off x="1465942" y="2795349"/>
+            <a:ext cx="6981372" cy="4062651"/>
+          </a:xfrm>
+          <a:prstGeom prst="rect">
+            <a:avLst/>
+          </a:prstGeom>
+          <a:noFill/>
+        </p:spPr>
+        <p:txBody>
+          <a:bodyPr wrap="square" rtlCol="0">
+            <a:spAutoFit/>
+          </a:bodyPr>
+          <a:lstStyle/>
+          <a:p>
+            <a:r>
+              <a:rPr kumimoji="1" lang="ja-JP" altLang="en-US" dirty="0"/>
+              <a:t>受講生</a:t>
+            </a:r>
+            <a:endParaRPr kumimoji="1" lang="en-US" altLang="ja-JP" dirty="0"/>
+          </a:p>
+          <a:p>
+            <a:r>
+              <a:rPr kumimoji="1" lang="ja-JP" altLang="en-US" dirty="0"/>
+              <a:t>課題</a:t>
+            </a:r>
+            <a:endParaRPr kumimoji="1" lang="en-US" altLang="ja-JP" dirty="0"/>
+          </a:p>
+          <a:p>
+            <a:r>
+              <a:rPr kumimoji="1" lang="ja-JP" altLang="en-US" dirty="0"/>
+              <a:t>・</a:t>
+            </a:r>
+            <a:endParaRPr kumimoji="1" lang="en-US" altLang="ja-JP" dirty="0"/>
+          </a:p>
+          <a:p>
+            <a:r>
+              <a:rPr kumimoji="1" lang="ja-JP" altLang="en-US" dirty="0"/>
+              <a:t>・</a:t>
+            </a:r>
+            <a:endParaRPr kumimoji="1" lang="en-US" altLang="ja-JP" dirty="0"/>
+          </a:p>
+          <a:p>
+            <a:r>
+              <a:rPr kumimoji="1" lang="ja-JP" altLang="en-US" dirty="0"/>
+              <a:t>講師</a:t>
+            </a:r>
+            <a:endParaRPr kumimoji="1" lang="en-US" altLang="ja-JP" dirty="0"/>
+          </a:p>
+          <a:p>
+            <a:r>
+              <a:rPr lang="ja-JP" altLang="en-US" sz="1800" kern="100" baseline="-25000" dirty="0">
+                <a:solidFill>
+                  <a:schemeClr val="tx1">
+                    <a:lumMod val="85000"/>
+                    <a:lumOff val="15000"/>
+                  </a:schemeClr>
+                </a:solidFill>
+                <a:effectLst/>
+                <a:latin typeface="メイリオ" panose="020B0604030504040204" pitchFamily="50" charset="-128"/>
+                <a:ea typeface="メイリオ" panose="020B0604030504040204" pitchFamily="50" charset="-128"/>
+                <a:cs typeface="Times New Roman" panose="02020603050405020304" pitchFamily="18" charset="0"/>
+              </a:rPr>
+              <a:t>質問対応の時間が読めず、待たせてしまう</a:t>
+            </a:r>
+            <a:endParaRPr lang="en-US" altLang="ja-JP" sz="1800" kern="100" baseline="-25000" dirty="0">
+              <a:solidFill>
+                <a:schemeClr val="tx1">
+                  <a:lumMod val="85000"/>
+                  <a:lumOff val="15000"/>
+                </a:schemeClr>
+              </a:solidFill>
+              <a:effectLst/>
+              <a:latin typeface="メイリオ" panose="020B0604030504040204" pitchFamily="50" charset="-128"/>
+              <a:ea typeface="メイリオ" panose="020B0604030504040204" pitchFamily="50" charset="-128"/>
+              <a:cs typeface="Times New Roman" panose="02020603050405020304" pitchFamily="18" charset="0"/>
+            </a:endParaRPr>
+          </a:p>
+          <a:p>
+            <a:endParaRPr lang="en-US" altLang="ja-JP" kern="100" baseline="-25000" dirty="0">
+              <a:solidFill>
+                <a:schemeClr val="tx1">
+                  <a:lumMod val="85000"/>
+                  <a:lumOff val="15000"/>
+                </a:schemeClr>
+              </a:solidFill>
+              <a:latin typeface="メイリオ" panose="020B0604030504040204" pitchFamily="50" charset="-128"/>
+              <a:ea typeface="メイリオ" panose="020B0604030504040204" pitchFamily="50" charset="-128"/>
+              <a:cs typeface="Times New Roman" panose="02020603050405020304" pitchFamily="18" charset="0"/>
+            </a:endParaRPr>
+          </a:p>
+          <a:p>
+            <a:r>
+              <a:rPr lang="ja-JP" altLang="en-US" sz="1800" kern="100" baseline="-25000" dirty="0">
+                <a:solidFill>
+                  <a:schemeClr val="tx1">
+                    <a:lumMod val="85000"/>
+                    <a:lumOff val="15000"/>
+                  </a:schemeClr>
+                </a:solidFill>
+                <a:effectLst/>
+                <a:latin typeface="メイリオ" panose="020B0604030504040204" pitchFamily="50" charset="-128"/>
+                <a:ea typeface="メイリオ" panose="020B0604030504040204" pitchFamily="50" charset="-128"/>
+                <a:cs typeface="Times New Roman" panose="02020603050405020304" pitchFamily="18" charset="0"/>
+              </a:rPr>
+              <a:t>研修会社</a:t>
+            </a:r>
+            <a:endParaRPr lang="en-US" altLang="ja-JP" sz="1800" kern="100" baseline="-25000" dirty="0">
+              <a:solidFill>
+                <a:schemeClr val="tx1">
+                  <a:lumMod val="85000"/>
+                  <a:lumOff val="15000"/>
+                </a:schemeClr>
+              </a:solidFill>
+              <a:effectLst/>
+              <a:latin typeface="メイリオ" panose="020B0604030504040204" pitchFamily="50" charset="-128"/>
+              <a:ea typeface="メイリオ" panose="020B0604030504040204" pitchFamily="50" charset="-128"/>
+              <a:cs typeface="Times New Roman" panose="02020603050405020304" pitchFamily="18" charset="0"/>
+            </a:endParaRPr>
+          </a:p>
+          <a:p>
+            <a:r>
+              <a:rPr lang="ja-JP" altLang="ja-JP" sz="1800" kern="100" baseline="-25000" dirty="0">
+                <a:solidFill>
+                  <a:schemeClr val="tx1">
+                    <a:lumMod val="85000"/>
+                    <a:lumOff val="15000"/>
+                  </a:schemeClr>
+                </a:solidFill>
+                <a:effectLst/>
+                <a:latin typeface="メイリオ" panose="020B0604030504040204" pitchFamily="50" charset="-128"/>
+                <a:ea typeface="メイリオ" panose="020B0604030504040204" pitchFamily="50" charset="-128"/>
+                <a:cs typeface="Times New Roman" panose="02020603050405020304" pitchFamily="18" charset="0"/>
+              </a:rPr>
+              <a:t>質問</a:t>
+            </a:r>
+            <a:r>
+              <a:rPr lang="ja-JP" altLang="en-US" sz="1800" kern="100" baseline="-25000" dirty="0">
+                <a:solidFill>
+                  <a:schemeClr val="tx1">
+                    <a:lumMod val="85000"/>
+                    <a:lumOff val="15000"/>
+                  </a:schemeClr>
+                </a:solidFill>
+                <a:effectLst/>
+                <a:latin typeface="メイリオ" panose="020B0604030504040204" pitchFamily="50" charset="-128"/>
+                <a:ea typeface="メイリオ" panose="020B0604030504040204" pitchFamily="50" charset="-128"/>
+                <a:cs typeface="Times New Roman" panose="02020603050405020304" pitchFamily="18" charset="0"/>
+              </a:rPr>
+              <a:t>は</a:t>
+            </a:r>
+            <a:r>
+              <a:rPr lang="ja-JP" altLang="ja-JP" sz="1800" kern="100" baseline="-25000" dirty="0">
+                <a:solidFill>
+                  <a:schemeClr val="tx1">
+                    <a:lumMod val="85000"/>
+                    <a:lumOff val="15000"/>
+                  </a:schemeClr>
+                </a:solidFill>
+                <a:effectLst/>
+                <a:latin typeface="メイリオ" panose="020B0604030504040204" pitchFamily="50" charset="-128"/>
+                <a:ea typeface="メイリオ" panose="020B0604030504040204" pitchFamily="50" charset="-128"/>
+                <a:cs typeface="Times New Roman" panose="02020603050405020304" pitchFamily="18" charset="0"/>
+              </a:rPr>
+              <a:t>蓄積</a:t>
+            </a:r>
+            <a:r>
+              <a:rPr lang="ja-JP" altLang="en-US" sz="1800" kern="100" baseline="-25000" dirty="0">
+                <a:solidFill>
+                  <a:schemeClr val="tx1">
+                    <a:lumMod val="85000"/>
+                    <a:lumOff val="15000"/>
+                  </a:schemeClr>
+                </a:solidFill>
+                <a:effectLst/>
+                <a:latin typeface="メイリオ" panose="020B0604030504040204" pitchFamily="50" charset="-128"/>
+                <a:ea typeface="メイリオ" panose="020B0604030504040204" pitchFamily="50" charset="-128"/>
+                <a:cs typeface="Times New Roman" panose="02020603050405020304" pitchFamily="18" charset="0"/>
+              </a:rPr>
+              <a:t>できていない</a:t>
+            </a:r>
+            <a:endParaRPr lang="en-US" altLang="ja-JP" sz="1800" kern="100" baseline="-25000" dirty="0">
+              <a:solidFill>
+                <a:schemeClr val="tx1">
+                  <a:lumMod val="85000"/>
+                  <a:lumOff val="15000"/>
+                </a:schemeClr>
+              </a:solidFill>
+              <a:effectLst/>
+              <a:latin typeface="メイリオ" panose="020B0604030504040204" pitchFamily="50" charset="-128"/>
+              <a:ea typeface="メイリオ" panose="020B0604030504040204" pitchFamily="50" charset="-128"/>
+              <a:cs typeface="Times New Roman" panose="02020603050405020304" pitchFamily="18" charset="0"/>
+            </a:endParaRPr>
+          </a:p>
+          <a:p>
+            <a:endParaRPr lang="en-US" altLang="ja-JP" sz="1800" kern="100" baseline="-25000" dirty="0">
+              <a:solidFill>
+                <a:schemeClr val="tx1">
+                  <a:lumMod val="85000"/>
+                  <a:lumOff val="15000"/>
+                </a:schemeClr>
+              </a:solidFill>
+              <a:effectLst/>
+              <a:latin typeface="メイリオ" panose="020B0604030504040204" pitchFamily="50" charset="-128"/>
+              <a:ea typeface="メイリオ" panose="020B0604030504040204" pitchFamily="50" charset="-128"/>
+              <a:cs typeface="Times New Roman" panose="02020603050405020304" pitchFamily="18" charset="0"/>
+            </a:endParaRPr>
+          </a:p>
+          <a:p>
+            <a:endParaRPr kumimoji="1" lang="en-US" altLang="ja-JP" dirty="0"/>
+          </a:p>
+          <a:p>
+            <a:endParaRPr kumimoji="1" lang="en-US" altLang="ja-JP" dirty="0"/>
+          </a:p>
+          <a:p>
+            <a:r>
+              <a:rPr kumimoji="1" lang="ja-JP" altLang="en-US" dirty="0"/>
+              <a:t>効果</a:t>
+            </a:r>
+            <a:endParaRPr kumimoji="1" lang="en-US" altLang="ja-JP" dirty="0"/>
+          </a:p>
+          <a:p>
+            <a:endParaRPr kumimoji="1" lang="en-US" altLang="ja-JP" dirty="0"/>
+          </a:p>
+          <a:p>
+            <a:r>
+              <a:rPr kumimoji="1" lang="ja-JP" altLang="en-US" dirty="0"/>
+              <a:t>自分の課題にあった解決策を見つけることが出来る</a:t>
+            </a:r>
+            <a:endParaRPr kumimoji="1" lang="en-US" altLang="ja-JP" dirty="0"/>
+          </a:p>
+          <a:p>
+            <a:endParaRPr kumimoji="1" lang="ja-JP" altLang="en-US" dirty="0"/>
           </a:p>
         </p:txBody>
       </p:sp>
@@ -16405,7 +18423,7 @@
 </p:sld>
 </file>
 
-<file path=ppt/slides/slide19.xml><?xml version="1.0" encoding="utf-8"?>
+<file path=ppt/slides/slide21.xml><?xml version="1.0" encoding="utf-8"?>
 <p:sld xmlns:a="http://schemas.openxmlformats.org/drawingml/2006/main" xmlns:r="http://schemas.openxmlformats.org/officeDocument/2006/relationships" xmlns:p="http://schemas.openxmlformats.org/presentationml/2006/main">
   <p:cSld>
     <p:spTree>
@@ -16445,7 +18463,7 @@
           <a:p>
             <a:fld id="{28B3E1AD-D654-41ED-B122-F068B9548232}" type="slidenum">
               <a:rPr kumimoji="1" lang="ja-JP" altLang="en-US" smtClean="0"/>
-              <a:t>19</a:t>
+              <a:t>21</a:t>
             </a:fld>
             <a:endParaRPr kumimoji="1" lang="ja-JP" altLang="en-US"/>
           </a:p>
@@ -16893,7 +18911,7 @@
 </p:sld>
 </file>
 
-<file path=ppt/slides/slide2.xml><?xml version="1.0" encoding="utf-8"?>
+<file path=ppt/slides/slide22.xml><?xml version="1.0" encoding="utf-8"?>
 <p:sld xmlns:a="http://schemas.openxmlformats.org/drawingml/2006/main" xmlns:r="http://schemas.openxmlformats.org/officeDocument/2006/relationships" xmlns:p="http://schemas.openxmlformats.org/presentationml/2006/main">
   <p:cSld>
     <p:spTree>
@@ -16910,6 +18928,732 @@
           <a:chExt cx="0" cy="0"/>
         </a:xfrm>
       </p:grpSpPr>
+      <p:sp>
+        <p:nvSpPr>
+          <p:cNvPr id="12" name="楕円 11">
+            <a:extLst>
+              <a:ext uri="{FF2B5EF4-FFF2-40B4-BE49-F238E27FC236}">
+                <a16:creationId xmlns:a16="http://schemas.microsoft.com/office/drawing/2014/main" id="{1AF37BEE-0028-4926-A5AC-3BE89F3D657B}"/>
+              </a:ext>
+            </a:extLst>
+          </p:cNvPr>
+          <p:cNvSpPr/>
+          <p:nvPr/>
+        </p:nvSpPr>
+        <p:spPr>
+          <a:xfrm>
+            <a:off x="1019013" y="465506"/>
+            <a:ext cx="7105973" cy="4672767"/>
+          </a:xfrm>
+          <a:prstGeom prst="ellipse">
+            <a:avLst/>
+          </a:prstGeom>
+          <a:ln w="76200">
+            <a:solidFill>
+              <a:schemeClr val="accent1"/>
+            </a:solidFill>
+          </a:ln>
+        </p:spPr>
+        <p:style>
+          <a:lnRef idx="2">
+            <a:schemeClr val="accent6"/>
+          </a:lnRef>
+          <a:fillRef idx="1">
+            <a:schemeClr val="lt1"/>
+          </a:fillRef>
+          <a:effectRef idx="0">
+            <a:schemeClr val="accent6"/>
+          </a:effectRef>
+          <a:fontRef idx="minor">
+            <a:schemeClr val="dk1"/>
+          </a:fontRef>
+        </p:style>
+        <p:txBody>
+          <a:bodyPr rtlCol="0" anchor="ctr"/>
+          <a:lstStyle/>
+          <a:p>
+            <a:pPr algn="ctr"/>
+            <a:endParaRPr kumimoji="1" lang="ja-JP" altLang="en-US" dirty="0"/>
+          </a:p>
+        </p:txBody>
+      </p:sp>
+      <p:sp>
+        <p:nvSpPr>
+          <p:cNvPr id="2" name="スライド番号プレースホルダー 1">
+            <a:extLst>
+              <a:ext uri="{FF2B5EF4-FFF2-40B4-BE49-F238E27FC236}">
+                <a16:creationId xmlns:a16="http://schemas.microsoft.com/office/drawing/2014/main" id="{E114EBA8-8AF6-423A-AA6F-7F4FB34896A8}"/>
+              </a:ext>
+            </a:extLst>
+          </p:cNvPr>
+          <p:cNvSpPr>
+            <a:spLocks noGrp="1"/>
+          </p:cNvSpPr>
+          <p:nvPr>
+            <p:ph type="sldNum" sz="quarter" idx="12"/>
+          </p:nvPr>
+        </p:nvSpPr>
+        <p:spPr/>
+        <p:txBody>
+          <a:bodyPr/>
+          <a:lstStyle/>
+          <a:p>
+            <a:fld id="{28B3E1AD-D654-41ED-B122-F068B9548232}" type="slidenum">
+              <a:rPr kumimoji="1" lang="ja-JP" altLang="en-US" smtClean="0"/>
+              <a:t>22</a:t>
+            </a:fld>
+            <a:endParaRPr kumimoji="1" lang="ja-JP" altLang="en-US"/>
+          </a:p>
+        </p:txBody>
+      </p:sp>
+      <p:pic>
+        <p:nvPicPr>
+          <p:cNvPr id="10" name="グラフィックス 9" descr="教授 男性 単色塗りつぶし">
+            <a:extLst>
+              <a:ext uri="{FF2B5EF4-FFF2-40B4-BE49-F238E27FC236}">
+                <a16:creationId xmlns:a16="http://schemas.microsoft.com/office/drawing/2014/main" id="{6D037FBD-BEB6-4BD3-BCC3-03B467112929}"/>
+              </a:ext>
+            </a:extLst>
+          </p:cNvPr>
+          <p:cNvPicPr>
+            <a:picLocks noChangeAspect="1"/>
+          </p:cNvPicPr>
+          <p:nvPr/>
+        </p:nvPicPr>
+        <p:blipFill>
+          <a:blip r:embed="rId2">
+            <a:extLst>
+              <a:ext uri="{28A0092B-C50C-407E-A947-70E740481C1C}">
+                <a14:useLocalDpi xmlns:a14="http://schemas.microsoft.com/office/drawing/2010/main" val="0"/>
+              </a:ext>
+              <a:ext uri="{96DAC541-7B7A-43D3-8B79-37D633B846F1}">
+                <asvg:svgBlip xmlns:asvg="http://schemas.microsoft.com/office/drawing/2016/SVG/main" r:embed="rId3"/>
+              </a:ext>
+            </a:extLst>
+          </a:blip>
+          <a:stretch>
+            <a:fillRect/>
+          </a:stretch>
+        </p:blipFill>
+        <p:spPr>
+          <a:xfrm>
+            <a:off x="1768032" y="1381063"/>
+            <a:ext cx="1694396" cy="1694396"/>
+          </a:xfrm>
+          <a:prstGeom prst="rect">
+            <a:avLst/>
+          </a:prstGeom>
+        </p:spPr>
+      </p:pic>
+      <p:pic>
+        <p:nvPicPr>
+          <p:cNvPr id="11" name="グラフィックス 10" descr="オフィス ワーカー (女性) 単色塗りつぶし">
+            <a:extLst>
+              <a:ext uri="{FF2B5EF4-FFF2-40B4-BE49-F238E27FC236}">
+                <a16:creationId xmlns:a16="http://schemas.microsoft.com/office/drawing/2014/main" id="{562760A0-C073-40C7-B6A0-BEB5A0B42128}"/>
+              </a:ext>
+            </a:extLst>
+          </p:cNvPr>
+          <p:cNvPicPr>
+            <a:picLocks noChangeAspect="1"/>
+          </p:cNvPicPr>
+          <p:nvPr/>
+        </p:nvPicPr>
+        <p:blipFill>
+          <a:blip r:embed="rId4">
+            <a:extLst>
+              <a:ext uri="{28A0092B-C50C-407E-A947-70E740481C1C}">
+                <a14:useLocalDpi xmlns:a14="http://schemas.microsoft.com/office/drawing/2010/main" val="0"/>
+              </a:ext>
+              <a:ext uri="{96DAC541-7B7A-43D3-8B79-37D633B846F1}">
+                <asvg:svgBlip xmlns:asvg="http://schemas.microsoft.com/office/drawing/2016/SVG/main" r:embed="rId5"/>
+              </a:ext>
+            </a:extLst>
+          </a:blip>
+          <a:stretch>
+            <a:fillRect/>
+          </a:stretch>
+        </p:blipFill>
+        <p:spPr>
+          <a:xfrm>
+            <a:off x="5529338" y="1381063"/>
+            <a:ext cx="1694396" cy="1694396"/>
+          </a:xfrm>
+          <a:prstGeom prst="rect">
+            <a:avLst/>
+          </a:prstGeom>
+        </p:spPr>
+      </p:pic>
+      <p:sp>
+        <p:nvSpPr>
+          <p:cNvPr id="18" name="テキスト ボックス 17">
+            <a:extLst>
+              <a:ext uri="{FF2B5EF4-FFF2-40B4-BE49-F238E27FC236}">
+                <a16:creationId xmlns:a16="http://schemas.microsoft.com/office/drawing/2014/main" id="{37D671D5-ADE8-4802-908A-48FF2789DBCD}"/>
+              </a:ext>
+            </a:extLst>
+          </p:cNvPr>
+          <p:cNvSpPr txBox="1"/>
+          <p:nvPr/>
+        </p:nvSpPr>
+        <p:spPr>
+          <a:xfrm>
+            <a:off x="689132" y="573188"/>
+            <a:ext cx="7020732" cy="954107"/>
+          </a:xfrm>
+          <a:prstGeom prst="rect">
+            <a:avLst/>
+          </a:prstGeom>
+          <a:noFill/>
+        </p:spPr>
+        <p:txBody>
+          <a:bodyPr wrap="square">
+            <a:spAutoFit/>
+          </a:bodyPr>
+          <a:lstStyle/>
+          <a:p>
+            <a:r>
+              <a:rPr lang="ja-JP" altLang="ja-JP" sz="2800" kern="100" dirty="0">
+                <a:solidFill>
+                  <a:schemeClr val="tx1">
+                    <a:lumMod val="75000"/>
+                    <a:lumOff val="25000"/>
+                  </a:schemeClr>
+                </a:solidFill>
+                <a:effectLst/>
+                <a:latin typeface="メイリオ" panose="020B0604030504040204" pitchFamily="50" charset="-128"/>
+                <a:ea typeface="メイリオ" panose="020B0604030504040204" pitchFamily="50" charset="-128"/>
+                <a:cs typeface="Times New Roman" panose="02020603050405020304" pitchFamily="18" charset="0"/>
+              </a:rPr>
+              <a:t>講師の業務円滑化</a:t>
+            </a:r>
+            <a:endParaRPr lang="en-US" altLang="ja-JP" sz="2800" kern="100" dirty="0">
+              <a:solidFill>
+                <a:schemeClr val="tx1">
+                  <a:lumMod val="75000"/>
+                  <a:lumOff val="25000"/>
+                </a:schemeClr>
+              </a:solidFill>
+              <a:effectLst/>
+              <a:latin typeface="メイリオ" panose="020B0604030504040204" pitchFamily="50" charset="-128"/>
+              <a:ea typeface="メイリオ" panose="020B0604030504040204" pitchFamily="50" charset="-128"/>
+              <a:cs typeface="Times New Roman" panose="02020603050405020304" pitchFamily="18" charset="0"/>
+            </a:endParaRPr>
+          </a:p>
+          <a:p>
+            <a:r>
+              <a:rPr lang="ja-JP" altLang="ja-JP" sz="2800" kern="100" dirty="0">
+                <a:solidFill>
+                  <a:schemeClr val="tx1">
+                    <a:lumMod val="75000"/>
+                    <a:lumOff val="25000"/>
+                  </a:schemeClr>
+                </a:solidFill>
+                <a:effectLst/>
+                <a:latin typeface="メイリオ" panose="020B0604030504040204" pitchFamily="50" charset="-128"/>
+                <a:ea typeface="メイリオ" panose="020B0604030504040204" pitchFamily="50" charset="-128"/>
+                <a:cs typeface="Times New Roman" panose="02020603050405020304" pitchFamily="18" charset="0"/>
+              </a:rPr>
+              <a:t>負担の軽減</a:t>
+            </a:r>
+            <a:endParaRPr lang="ja-JP" altLang="en-US" sz="2800" dirty="0"/>
+          </a:p>
+        </p:txBody>
+      </p:sp>
+      <p:sp>
+        <p:nvSpPr>
+          <p:cNvPr id="19" name="テキスト ボックス 18">
+            <a:extLst>
+              <a:ext uri="{FF2B5EF4-FFF2-40B4-BE49-F238E27FC236}">
+                <a16:creationId xmlns:a16="http://schemas.microsoft.com/office/drawing/2014/main" id="{078D1FFE-1048-425D-8775-4CCBA845CFB6}"/>
+              </a:ext>
+            </a:extLst>
+          </p:cNvPr>
+          <p:cNvSpPr txBox="1"/>
+          <p:nvPr/>
+        </p:nvSpPr>
+        <p:spPr>
+          <a:xfrm>
+            <a:off x="2226046" y="3083397"/>
+            <a:ext cx="981124" cy="523220"/>
+          </a:xfrm>
+          <a:prstGeom prst="rect">
+            <a:avLst/>
+          </a:prstGeom>
+          <a:noFill/>
+        </p:spPr>
+        <p:txBody>
+          <a:bodyPr wrap="square">
+            <a:spAutoFit/>
+          </a:bodyPr>
+          <a:lstStyle/>
+          <a:p>
+            <a:r>
+              <a:rPr lang="ja-JP" altLang="en-US" sz="2800" dirty="0">
+                <a:latin typeface="メイリオ" panose="020B0604030504040204" pitchFamily="50" charset="-128"/>
+                <a:ea typeface="メイリオ" panose="020B0604030504040204" pitchFamily="50" charset="-128"/>
+              </a:rPr>
+              <a:t>講師</a:t>
+            </a:r>
+          </a:p>
+        </p:txBody>
+      </p:sp>
+      <p:sp>
+        <p:nvSpPr>
+          <p:cNvPr id="20" name="テキスト ボックス 19">
+            <a:extLst>
+              <a:ext uri="{FF2B5EF4-FFF2-40B4-BE49-F238E27FC236}">
+                <a16:creationId xmlns:a16="http://schemas.microsoft.com/office/drawing/2014/main" id="{F45166FE-5F56-4D56-91FE-F4598F14F740}"/>
+              </a:ext>
+            </a:extLst>
+          </p:cNvPr>
+          <p:cNvSpPr txBox="1"/>
+          <p:nvPr/>
+        </p:nvSpPr>
+        <p:spPr>
+          <a:xfrm>
+            <a:off x="5723670" y="3083397"/>
+            <a:ext cx="1305732" cy="523220"/>
+          </a:xfrm>
+          <a:prstGeom prst="rect">
+            <a:avLst/>
+          </a:prstGeom>
+          <a:noFill/>
+        </p:spPr>
+        <p:txBody>
+          <a:bodyPr wrap="square">
+            <a:spAutoFit/>
+          </a:bodyPr>
+          <a:lstStyle/>
+          <a:p>
+            <a:r>
+              <a:rPr lang="ja-JP" altLang="en-US" sz="2800" dirty="0">
+                <a:latin typeface="メイリオ" panose="020B0604030504040204" pitchFamily="50" charset="-128"/>
+                <a:ea typeface="メイリオ" panose="020B0604030504040204" pitchFamily="50" charset="-128"/>
+              </a:rPr>
+              <a:t>受講生</a:t>
+            </a:r>
+          </a:p>
+        </p:txBody>
+      </p:sp>
+      <p:sp>
+        <p:nvSpPr>
+          <p:cNvPr id="21" name="矢印: 左 20">
+            <a:extLst>
+              <a:ext uri="{FF2B5EF4-FFF2-40B4-BE49-F238E27FC236}">
+                <a16:creationId xmlns:a16="http://schemas.microsoft.com/office/drawing/2014/main" id="{1FF8B1D5-1688-4133-8E09-89C90FE0113C}"/>
+              </a:ext>
+            </a:extLst>
+          </p:cNvPr>
+          <p:cNvSpPr/>
+          <p:nvPr/>
+        </p:nvSpPr>
+        <p:spPr>
+          <a:xfrm>
+            <a:off x="3766899" y="1327602"/>
+            <a:ext cx="1610203" cy="906225"/>
+          </a:xfrm>
+          <a:prstGeom prst="leftArrow">
+            <a:avLst/>
+          </a:prstGeom>
+          <a:ln>
+            <a:noFill/>
+          </a:ln>
+        </p:spPr>
+        <p:style>
+          <a:lnRef idx="2">
+            <a:schemeClr val="accent1">
+              <a:shade val="50000"/>
+            </a:schemeClr>
+          </a:lnRef>
+          <a:fillRef idx="1">
+            <a:schemeClr val="accent1"/>
+          </a:fillRef>
+          <a:effectRef idx="0">
+            <a:schemeClr val="accent1"/>
+          </a:effectRef>
+          <a:fontRef idx="minor">
+            <a:schemeClr val="lt1"/>
+          </a:fontRef>
+        </p:style>
+        <p:txBody>
+          <a:bodyPr rtlCol="0" anchor="ctr"/>
+          <a:lstStyle/>
+          <a:p>
+            <a:r>
+              <a:rPr kumimoji="1" lang="ja-JP" altLang="en-US" sz="2400" dirty="0">
+                <a:latin typeface="メイリオ" panose="020B0604030504040204" pitchFamily="50" charset="-128"/>
+                <a:ea typeface="メイリオ" panose="020B0604030504040204" pitchFamily="50" charset="-128"/>
+              </a:rPr>
+              <a:t>質問</a:t>
+            </a:r>
+          </a:p>
+        </p:txBody>
+      </p:sp>
+      <p:sp>
+        <p:nvSpPr>
+          <p:cNvPr id="24" name="矢印: 右 23">
+            <a:extLst>
+              <a:ext uri="{FF2B5EF4-FFF2-40B4-BE49-F238E27FC236}">
+                <a16:creationId xmlns:a16="http://schemas.microsoft.com/office/drawing/2014/main" id="{49386764-63A4-4209-898A-82698F1EB674}"/>
+              </a:ext>
+            </a:extLst>
+          </p:cNvPr>
+          <p:cNvSpPr/>
+          <p:nvPr/>
+        </p:nvSpPr>
+        <p:spPr>
+          <a:xfrm>
+            <a:off x="3766899" y="2723100"/>
+            <a:ext cx="1610203" cy="954107"/>
+          </a:xfrm>
+          <a:prstGeom prst="rightArrow">
+            <a:avLst/>
+          </a:prstGeom>
+          <a:ln>
+            <a:noFill/>
+          </a:ln>
+        </p:spPr>
+        <p:style>
+          <a:lnRef idx="2">
+            <a:schemeClr val="accent1">
+              <a:shade val="50000"/>
+            </a:schemeClr>
+          </a:lnRef>
+          <a:fillRef idx="1">
+            <a:schemeClr val="accent1"/>
+          </a:fillRef>
+          <a:effectRef idx="0">
+            <a:schemeClr val="accent1"/>
+          </a:effectRef>
+          <a:fontRef idx="minor">
+            <a:schemeClr val="lt1"/>
+          </a:fontRef>
+        </p:style>
+        <p:txBody>
+          <a:bodyPr rtlCol="0" anchor="ctr"/>
+          <a:lstStyle/>
+          <a:p>
+            <a:pPr algn="r"/>
+            <a:r>
+              <a:rPr kumimoji="1" lang="ja-JP" altLang="en-US" sz="2400" dirty="0">
+                <a:latin typeface="メイリオ" panose="020B0604030504040204" pitchFamily="50" charset="-128"/>
+                <a:ea typeface="メイリオ" panose="020B0604030504040204" pitchFamily="50" charset="-128"/>
+              </a:rPr>
+              <a:t>回答</a:t>
+            </a:r>
+          </a:p>
+        </p:txBody>
+      </p:sp>
+      <p:sp>
+        <p:nvSpPr>
+          <p:cNvPr id="25" name="テキスト ボックス 24">
+            <a:extLst>
+              <a:ext uri="{FF2B5EF4-FFF2-40B4-BE49-F238E27FC236}">
+                <a16:creationId xmlns:a16="http://schemas.microsoft.com/office/drawing/2014/main" id="{537B5EA8-DDE7-4841-8B22-E498BEA66053}"/>
+              </a:ext>
+            </a:extLst>
+          </p:cNvPr>
+          <p:cNvSpPr txBox="1"/>
+          <p:nvPr/>
+        </p:nvSpPr>
+        <p:spPr>
+          <a:xfrm>
+            <a:off x="3843017" y="2216761"/>
+            <a:ext cx="1610203" cy="646331"/>
+          </a:xfrm>
+          <a:prstGeom prst="rect">
+            <a:avLst/>
+          </a:prstGeom>
+          <a:noFill/>
+        </p:spPr>
+        <p:txBody>
+          <a:bodyPr wrap="square">
+            <a:spAutoFit/>
+          </a:bodyPr>
+          <a:lstStyle/>
+          <a:p>
+            <a:pPr algn="ctr"/>
+            <a:r>
+              <a:rPr lang="en-US" altLang="ja-JP" dirty="0">
+                <a:latin typeface="メイリオ" panose="020B0604030504040204" pitchFamily="50" charset="-128"/>
+                <a:ea typeface="メイリオ" panose="020B0604030504040204" pitchFamily="50" charset="-128"/>
+              </a:rPr>
+              <a:t>Knowledge Holder</a:t>
+            </a:r>
+            <a:endParaRPr lang="ja-JP" altLang="en-US" dirty="0">
+              <a:latin typeface="メイリオ" panose="020B0604030504040204" pitchFamily="50" charset="-128"/>
+              <a:ea typeface="メイリオ" panose="020B0604030504040204" pitchFamily="50" charset="-128"/>
+            </a:endParaRPr>
+          </a:p>
+        </p:txBody>
+      </p:sp>
+      <p:sp>
+        <p:nvSpPr>
+          <p:cNvPr id="27" name="テキスト ボックス 26">
+            <a:extLst>
+              <a:ext uri="{FF2B5EF4-FFF2-40B4-BE49-F238E27FC236}">
+                <a16:creationId xmlns:a16="http://schemas.microsoft.com/office/drawing/2014/main" id="{8E5FF49B-08DA-4DBD-B5A8-1C2E9DE34179}"/>
+              </a:ext>
+            </a:extLst>
+          </p:cNvPr>
+          <p:cNvSpPr txBox="1"/>
+          <p:nvPr/>
+        </p:nvSpPr>
+        <p:spPr>
+          <a:xfrm>
+            <a:off x="3766899" y="3957695"/>
+            <a:ext cx="7718156" cy="523220"/>
+          </a:xfrm>
+          <a:prstGeom prst="rect">
+            <a:avLst/>
+          </a:prstGeom>
+          <a:noFill/>
+        </p:spPr>
+        <p:txBody>
+          <a:bodyPr wrap="square">
+            <a:spAutoFit/>
+          </a:bodyPr>
+          <a:lstStyle/>
+          <a:p>
+            <a:r>
+              <a:rPr lang="ja-JP" altLang="ja-JP" sz="2800" kern="100" dirty="0">
+                <a:solidFill>
+                  <a:schemeClr val="tx1">
+                    <a:lumMod val="75000"/>
+                    <a:lumOff val="25000"/>
+                  </a:schemeClr>
+                </a:solidFill>
+                <a:effectLst/>
+                <a:latin typeface="メイリオ" panose="020B0604030504040204" pitchFamily="50" charset="-128"/>
+                <a:ea typeface="メイリオ" panose="020B0604030504040204" pitchFamily="50" charset="-128"/>
+                <a:cs typeface="Times New Roman" panose="02020603050405020304" pitchFamily="18" charset="0"/>
+              </a:rPr>
+              <a:t>問題解決のサポート手段の拡充</a:t>
+            </a:r>
+            <a:endParaRPr lang="ja-JP" altLang="en-US" sz="2800" dirty="0"/>
+          </a:p>
+        </p:txBody>
+      </p:sp>
+      <p:pic>
+        <p:nvPicPr>
+          <p:cNvPr id="13" name="グラフィックス 12" descr="建物 単色塗りつぶし">
+            <a:extLst>
+              <a:ext uri="{FF2B5EF4-FFF2-40B4-BE49-F238E27FC236}">
+                <a16:creationId xmlns:a16="http://schemas.microsoft.com/office/drawing/2014/main" id="{017A5E0A-0906-42F3-BECE-593F2571FDC1}"/>
+              </a:ext>
+            </a:extLst>
+          </p:cNvPr>
+          <p:cNvPicPr>
+            <a:picLocks noChangeAspect="1"/>
+          </p:cNvPicPr>
+          <p:nvPr/>
+        </p:nvPicPr>
+        <p:blipFill>
+          <a:blip r:embed="rId6">
+            <a:extLst>
+              <a:ext uri="{28A0092B-C50C-407E-A947-70E740481C1C}">
+                <a14:useLocalDpi xmlns:a14="http://schemas.microsoft.com/office/drawing/2010/main" val="0"/>
+              </a:ext>
+              <a:ext uri="{96DAC541-7B7A-43D3-8B79-37D633B846F1}">
+                <asvg:svgBlip xmlns:asvg="http://schemas.microsoft.com/office/drawing/2016/SVG/main" r:embed="rId7"/>
+              </a:ext>
+            </a:extLst>
+          </a:blip>
+          <a:stretch>
+            <a:fillRect/>
+          </a:stretch>
+        </p:blipFill>
+        <p:spPr>
+          <a:xfrm>
+            <a:off x="1538994" y="4847051"/>
+            <a:ext cx="1567541" cy="1567541"/>
+          </a:xfrm>
+          <a:prstGeom prst="rect">
+            <a:avLst/>
+          </a:prstGeom>
+        </p:spPr>
+      </p:pic>
+      <p:sp>
+        <p:nvSpPr>
+          <p:cNvPr id="14" name="テキスト ボックス 13">
+            <a:extLst>
+              <a:ext uri="{FF2B5EF4-FFF2-40B4-BE49-F238E27FC236}">
+                <a16:creationId xmlns:a16="http://schemas.microsoft.com/office/drawing/2014/main" id="{E30FEC84-F6D7-43D8-B0EF-5E32B21DDAD9}"/>
+              </a:ext>
+            </a:extLst>
+          </p:cNvPr>
+          <p:cNvSpPr txBox="1"/>
+          <p:nvPr/>
+        </p:nvSpPr>
+        <p:spPr>
+          <a:xfrm>
+            <a:off x="3342650" y="5603096"/>
+            <a:ext cx="3614979" cy="584775"/>
+          </a:xfrm>
+          <a:prstGeom prst="rect">
+            <a:avLst/>
+          </a:prstGeom>
+          <a:noFill/>
+        </p:spPr>
+        <p:txBody>
+          <a:bodyPr wrap="square" rtlCol="0">
+            <a:spAutoFit/>
+          </a:bodyPr>
+          <a:lstStyle/>
+          <a:p>
+            <a:r>
+              <a:rPr kumimoji="1" lang="ja-JP" altLang="en-US" sz="3200" dirty="0">
+                <a:solidFill>
+                  <a:schemeClr val="tx1">
+                    <a:lumMod val="75000"/>
+                    <a:lumOff val="25000"/>
+                  </a:schemeClr>
+                </a:solidFill>
+                <a:latin typeface="メイリオ" panose="020B0604030504040204" pitchFamily="50" charset="-128"/>
+                <a:ea typeface="メイリオ" panose="020B0604030504040204" pitchFamily="50" charset="-128"/>
+              </a:rPr>
+              <a:t>質問</a:t>
+            </a:r>
+            <a:r>
+              <a:rPr kumimoji="1" lang="en-US" altLang="ja-JP" sz="3200" dirty="0">
+                <a:solidFill>
+                  <a:schemeClr val="tx1">
+                    <a:lumMod val="75000"/>
+                    <a:lumOff val="25000"/>
+                  </a:schemeClr>
+                </a:solidFill>
+                <a:latin typeface="メイリオ" panose="020B0604030504040204" pitchFamily="50" charset="-128"/>
+                <a:ea typeface="メイリオ" panose="020B0604030504040204" pitchFamily="50" charset="-128"/>
+              </a:rPr>
+              <a:t>/</a:t>
+            </a:r>
+            <a:r>
+              <a:rPr kumimoji="1" lang="ja-JP" altLang="en-US" sz="3200" dirty="0">
+                <a:solidFill>
+                  <a:schemeClr val="tx1">
+                    <a:lumMod val="75000"/>
+                    <a:lumOff val="25000"/>
+                  </a:schemeClr>
+                </a:solidFill>
+                <a:latin typeface="メイリオ" panose="020B0604030504040204" pitchFamily="50" charset="-128"/>
+                <a:ea typeface="メイリオ" panose="020B0604030504040204" pitchFamily="50" charset="-128"/>
+              </a:rPr>
+              <a:t>回答の蓄積</a:t>
+            </a:r>
+          </a:p>
+        </p:txBody>
+      </p:sp>
+      <p:sp>
+        <p:nvSpPr>
+          <p:cNvPr id="15" name="テキスト ボックス 14">
+            <a:extLst>
+              <a:ext uri="{FF2B5EF4-FFF2-40B4-BE49-F238E27FC236}">
+                <a16:creationId xmlns:a16="http://schemas.microsoft.com/office/drawing/2014/main" id="{12078E01-321B-497F-9D17-3AA090006CC1}"/>
+              </a:ext>
+            </a:extLst>
+          </p:cNvPr>
+          <p:cNvSpPr txBox="1"/>
+          <p:nvPr/>
+        </p:nvSpPr>
+        <p:spPr>
+          <a:xfrm>
+            <a:off x="1538994" y="6378449"/>
+            <a:ext cx="1803656" cy="523220"/>
+          </a:xfrm>
+          <a:prstGeom prst="rect">
+            <a:avLst/>
+          </a:prstGeom>
+          <a:noFill/>
+        </p:spPr>
+        <p:txBody>
+          <a:bodyPr wrap="square">
+            <a:spAutoFit/>
+          </a:bodyPr>
+          <a:lstStyle/>
+          <a:p>
+            <a:r>
+              <a:rPr lang="ja-JP" altLang="en-US" sz="2800" dirty="0">
+                <a:solidFill>
+                  <a:schemeClr val="tx1">
+                    <a:lumMod val="75000"/>
+                    <a:lumOff val="25000"/>
+                  </a:schemeClr>
+                </a:solidFill>
+                <a:latin typeface="メイリオ" panose="020B0604030504040204" pitchFamily="50" charset="-128"/>
+                <a:ea typeface="メイリオ" panose="020B0604030504040204" pitchFamily="50" charset="-128"/>
+              </a:rPr>
+              <a:t>研修会社</a:t>
+            </a:r>
+          </a:p>
+        </p:txBody>
+      </p:sp>
+    </p:spTree>
+    <p:extLst>
+      <p:ext uri="{BB962C8B-B14F-4D97-AF65-F5344CB8AC3E}">
+        <p14:creationId xmlns:p14="http://schemas.microsoft.com/office/powerpoint/2010/main" val="2445713073"/>
+      </p:ext>
+    </p:extLst>
+  </p:cSld>
+  <p:clrMapOvr>
+    <a:masterClrMapping/>
+  </p:clrMapOvr>
+</p:sld>
+</file>
+
+<file path=ppt/slides/slide23.xml><?xml version="1.0" encoding="utf-8"?>
+<p:sld xmlns:a="http://schemas.openxmlformats.org/drawingml/2006/main" xmlns:r="http://schemas.openxmlformats.org/officeDocument/2006/relationships" xmlns:p="http://schemas.openxmlformats.org/presentationml/2006/main">
+  <p:cSld>
+    <p:spTree>
+      <p:nvGrpSpPr>
+        <p:cNvPr id="1" name=""/>
+        <p:cNvGrpSpPr/>
+        <p:nvPr/>
+      </p:nvGrpSpPr>
+      <p:grpSpPr>
+        <a:xfrm>
+          <a:off x="0" y="0"/>
+          <a:ext cx="0" cy="0"/>
+          <a:chOff x="0" y="0"/>
+          <a:chExt cx="0" cy="0"/>
+        </a:xfrm>
+      </p:grpSpPr>
+      <p:sp>
+        <p:nvSpPr>
+          <p:cNvPr id="2" name="タイトル 1">
+            <a:extLst>
+              <a:ext uri="{FF2B5EF4-FFF2-40B4-BE49-F238E27FC236}">
+                <a16:creationId xmlns:a16="http://schemas.microsoft.com/office/drawing/2014/main" id="{AF626A66-1FD7-4EE6-A6C8-9B7BA0C9036A}"/>
+              </a:ext>
+            </a:extLst>
+          </p:cNvPr>
+          <p:cNvSpPr>
+            <a:spLocks noGrp="1"/>
+          </p:cNvSpPr>
+          <p:nvPr>
+            <p:ph type="title"/>
+          </p:nvPr>
+        </p:nvSpPr>
+        <p:spPr>
+          <a:xfrm>
+            <a:off x="488707" y="235613"/>
+            <a:ext cx="8079581" cy="863885"/>
+          </a:xfrm>
+        </p:spPr>
+        <p:txBody>
+          <a:bodyPr/>
+          <a:lstStyle/>
+          <a:p>
+            <a:r>
+              <a:rPr kumimoji="1" lang="ja-JP" altLang="en-US" dirty="0">
+                <a:latin typeface="メイリオ" panose="020B0604030504040204" pitchFamily="50" charset="-128"/>
+                <a:ea typeface="メイリオ" panose="020B0604030504040204" pitchFamily="50" charset="-128"/>
+              </a:rPr>
+              <a:t>アジェンダ</a:t>
+            </a:r>
+          </a:p>
+        </p:txBody>
+      </p:sp>
       <p:sp>
         <p:nvSpPr>
           <p:cNvPr id="9" name="四角形: 角を丸くする 8">
@@ -17019,1361 +19763,8 @@
           <a:lstStyle/>
           <a:p>
             <a:fld id="{28B3E1AD-D654-41ED-B122-F068B9548232}" type="slidenum">
-              <a:rPr kumimoji="1" lang="ja-JP" altLang="en-US" sz="6600" smtClean="0">
-                <a:solidFill>
-                  <a:schemeClr val="tx1">
-                    <a:lumMod val="85000"/>
-                    <a:lumOff val="15000"/>
-                  </a:schemeClr>
-                </a:solidFill>
-              </a:rPr>
-              <a:t>2</a:t>
-            </a:fld>
-            <a:endParaRPr kumimoji="1" lang="ja-JP" altLang="en-US" sz="6600">
-              <a:solidFill>
-                <a:schemeClr val="tx1">
-                  <a:lumMod val="85000"/>
-                  <a:lumOff val="15000"/>
-                </a:schemeClr>
-              </a:solidFill>
-            </a:endParaRPr>
-          </a:p>
-        </p:txBody>
-      </p:sp>
-      <p:sp>
-        <p:nvSpPr>
-          <p:cNvPr id="17" name="四角形: 角を丸くする 16">
-            <a:extLst>
-              <a:ext uri="{FF2B5EF4-FFF2-40B4-BE49-F238E27FC236}">
-                <a16:creationId xmlns:a16="http://schemas.microsoft.com/office/drawing/2014/main" id="{5EF31FC2-2F52-4D5B-906E-753D3EF88EF6}"/>
-              </a:ext>
-            </a:extLst>
-          </p:cNvPr>
-          <p:cNvSpPr/>
-          <p:nvPr/>
-        </p:nvSpPr>
-        <p:spPr>
-          <a:xfrm>
-            <a:off x="615002" y="2225245"/>
-            <a:ext cx="7913995" cy="658000"/>
-          </a:xfrm>
-          <a:prstGeom prst="roundRect">
-            <a:avLst/>
-          </a:prstGeom>
-          <a:ln w="19050">
-            <a:solidFill>
-              <a:schemeClr val="accent1"/>
-            </a:solidFill>
-          </a:ln>
-        </p:spPr>
-        <p:style>
-          <a:lnRef idx="2">
-            <a:schemeClr val="accent6"/>
-          </a:lnRef>
-          <a:fillRef idx="1">
-            <a:schemeClr val="lt1"/>
-          </a:fillRef>
-          <a:effectRef idx="0">
-            <a:schemeClr val="accent6"/>
-          </a:effectRef>
-          <a:fontRef idx="minor">
-            <a:schemeClr val="dk1"/>
-          </a:fontRef>
-        </p:style>
-        <p:txBody>
-          <a:bodyPr rtlCol="0" anchor="ctr"/>
-          <a:lstStyle/>
-          <a:p>
-            <a:pPr algn="just">
-              <a:lnSpc>
-                <a:spcPct val="150000"/>
-              </a:lnSpc>
-            </a:pPr>
-            <a:r>
-              <a:rPr lang="en-US" altLang="ja-JP" sz="3600" kern="100" dirty="0">
-                <a:solidFill>
-                  <a:schemeClr val="tx1">
-                    <a:lumMod val="85000"/>
-                    <a:lumOff val="15000"/>
-                  </a:schemeClr>
-                </a:solidFill>
-                <a:latin typeface="メイリオ" panose="020B0604030504040204" pitchFamily="50" charset="-128"/>
-                <a:ea typeface="メイリオ" panose="020B0604030504040204" pitchFamily="50" charset="-128"/>
-                <a:cs typeface="Times New Roman" panose="02020603050405020304" pitchFamily="18" charset="0"/>
-              </a:rPr>
-              <a:t>2.</a:t>
-            </a:r>
-            <a:r>
-              <a:rPr lang="ja-JP" altLang="en-US" sz="3600" kern="100" dirty="0">
-                <a:solidFill>
-                  <a:schemeClr val="tx1">
-                    <a:lumMod val="85000"/>
-                    <a:lumOff val="15000"/>
-                  </a:schemeClr>
-                </a:solidFill>
-                <a:latin typeface="メイリオ" panose="020B0604030504040204" pitchFamily="50" charset="-128"/>
-                <a:ea typeface="メイリオ" panose="020B0604030504040204" pitchFamily="50" charset="-128"/>
-                <a:cs typeface="Times New Roman" panose="02020603050405020304" pitchFamily="18" charset="0"/>
-              </a:rPr>
-              <a:t>　製作物について</a:t>
-            </a:r>
-            <a:endParaRPr lang="ja-JP" altLang="ja-JP" sz="3600" kern="100" dirty="0">
-              <a:solidFill>
-                <a:schemeClr val="tx1">
-                  <a:lumMod val="85000"/>
-                  <a:lumOff val="15000"/>
-                </a:schemeClr>
-              </a:solidFill>
-              <a:latin typeface="メイリオ" panose="020B0604030504040204" pitchFamily="50" charset="-128"/>
-              <a:ea typeface="メイリオ" panose="020B0604030504040204" pitchFamily="50" charset="-128"/>
-              <a:cs typeface="Times New Roman" panose="02020603050405020304" pitchFamily="18" charset="0"/>
-            </a:endParaRPr>
-          </a:p>
-        </p:txBody>
-      </p:sp>
-      <p:sp>
-        <p:nvSpPr>
-          <p:cNvPr id="18" name="四角形: 角を丸くする 17">
-            <a:extLst>
-              <a:ext uri="{FF2B5EF4-FFF2-40B4-BE49-F238E27FC236}">
-                <a16:creationId xmlns:a16="http://schemas.microsoft.com/office/drawing/2014/main" id="{AEA83588-56D7-4940-B360-E91119207452}"/>
-              </a:ext>
-            </a:extLst>
-          </p:cNvPr>
-          <p:cNvSpPr/>
-          <p:nvPr/>
-        </p:nvSpPr>
-        <p:spPr>
-          <a:xfrm>
-            <a:off x="615001" y="3112647"/>
-            <a:ext cx="7913995" cy="658000"/>
-          </a:xfrm>
-          <a:prstGeom prst="roundRect">
-            <a:avLst/>
-          </a:prstGeom>
-          <a:ln w="19050">
-            <a:solidFill>
-              <a:schemeClr val="accent1"/>
-            </a:solidFill>
-          </a:ln>
-        </p:spPr>
-        <p:style>
-          <a:lnRef idx="2">
-            <a:schemeClr val="accent6"/>
-          </a:lnRef>
-          <a:fillRef idx="1">
-            <a:schemeClr val="lt1"/>
-          </a:fillRef>
-          <a:effectRef idx="0">
-            <a:schemeClr val="accent6"/>
-          </a:effectRef>
-          <a:fontRef idx="minor">
-            <a:schemeClr val="dk1"/>
-          </a:fontRef>
-        </p:style>
-        <p:txBody>
-          <a:bodyPr rtlCol="0" anchor="ctr"/>
-          <a:lstStyle/>
-          <a:p>
-            <a:pPr algn="just">
-              <a:lnSpc>
-                <a:spcPct val="150000"/>
-              </a:lnSpc>
-            </a:pPr>
-            <a:r>
-              <a:rPr lang="en-US" altLang="ja-JP" sz="3600" kern="100" dirty="0">
-                <a:solidFill>
-                  <a:schemeClr val="tx1">
-                    <a:lumMod val="85000"/>
-                    <a:lumOff val="15000"/>
-                  </a:schemeClr>
-                </a:solidFill>
-                <a:latin typeface="メイリオ" panose="020B0604030504040204" pitchFamily="50" charset="-128"/>
-                <a:ea typeface="メイリオ" panose="020B0604030504040204" pitchFamily="50" charset="-128"/>
-                <a:cs typeface="Times New Roman" panose="02020603050405020304" pitchFamily="18" charset="0"/>
-              </a:rPr>
-              <a:t>3.</a:t>
-            </a:r>
-            <a:r>
-              <a:rPr lang="ja-JP" altLang="en-US" sz="3600" kern="100" dirty="0">
-                <a:solidFill>
-                  <a:schemeClr val="tx1">
-                    <a:lumMod val="85000"/>
-                    <a:lumOff val="15000"/>
-                  </a:schemeClr>
-                </a:solidFill>
-                <a:latin typeface="メイリオ" panose="020B0604030504040204" pitchFamily="50" charset="-128"/>
-                <a:ea typeface="メイリオ" panose="020B0604030504040204" pitchFamily="50" charset="-128"/>
-                <a:cs typeface="Times New Roman" panose="02020603050405020304" pitchFamily="18" charset="0"/>
-              </a:rPr>
-              <a:t>　期待できる効果</a:t>
-            </a:r>
-            <a:endParaRPr lang="ja-JP" altLang="ja-JP" sz="3600" kern="100" dirty="0">
-              <a:solidFill>
-                <a:schemeClr val="tx1">
-                  <a:lumMod val="85000"/>
-                  <a:lumOff val="15000"/>
-                </a:schemeClr>
-              </a:solidFill>
-              <a:latin typeface="メイリオ" panose="020B0604030504040204" pitchFamily="50" charset="-128"/>
-              <a:ea typeface="メイリオ" panose="020B0604030504040204" pitchFamily="50" charset="-128"/>
-              <a:cs typeface="Times New Roman" panose="02020603050405020304" pitchFamily="18" charset="0"/>
-            </a:endParaRPr>
-          </a:p>
-        </p:txBody>
-      </p:sp>
-      <p:sp>
-        <p:nvSpPr>
-          <p:cNvPr id="19" name="四角形: 角を丸くする 18">
-            <a:extLst>
-              <a:ext uri="{FF2B5EF4-FFF2-40B4-BE49-F238E27FC236}">
-                <a16:creationId xmlns:a16="http://schemas.microsoft.com/office/drawing/2014/main" id="{5A939795-3DDA-40FC-B854-56CC9E54B4F8}"/>
-              </a:ext>
-            </a:extLst>
-          </p:cNvPr>
-          <p:cNvSpPr/>
-          <p:nvPr/>
-        </p:nvSpPr>
-        <p:spPr>
-          <a:xfrm>
-            <a:off x="615001" y="4010081"/>
-            <a:ext cx="7913995" cy="658000"/>
-          </a:xfrm>
-          <a:prstGeom prst="roundRect">
-            <a:avLst/>
-          </a:prstGeom>
-          <a:ln w="19050">
-            <a:solidFill>
-              <a:schemeClr val="accent1"/>
-            </a:solidFill>
-          </a:ln>
-        </p:spPr>
-        <p:style>
-          <a:lnRef idx="2">
-            <a:schemeClr val="accent6"/>
-          </a:lnRef>
-          <a:fillRef idx="1">
-            <a:schemeClr val="lt1"/>
-          </a:fillRef>
-          <a:effectRef idx="0">
-            <a:schemeClr val="accent6"/>
-          </a:effectRef>
-          <a:fontRef idx="minor">
-            <a:schemeClr val="dk1"/>
-          </a:fontRef>
-        </p:style>
-        <p:txBody>
-          <a:bodyPr rtlCol="0" anchor="ctr"/>
-          <a:lstStyle/>
-          <a:p>
-            <a:pPr algn="just">
-              <a:lnSpc>
-                <a:spcPct val="150000"/>
-              </a:lnSpc>
-            </a:pPr>
-            <a:r>
-              <a:rPr lang="en-US" altLang="ja-JP" sz="3600" kern="100" dirty="0">
-                <a:solidFill>
-                  <a:schemeClr val="tx1">
-                    <a:lumMod val="85000"/>
-                    <a:lumOff val="15000"/>
-                  </a:schemeClr>
-                </a:solidFill>
-                <a:latin typeface="メイリオ" panose="020B0604030504040204" pitchFamily="50" charset="-128"/>
-                <a:ea typeface="メイリオ" panose="020B0604030504040204" pitchFamily="50" charset="-128"/>
-                <a:cs typeface="Times New Roman" panose="02020603050405020304" pitchFamily="18" charset="0"/>
-              </a:rPr>
-              <a:t>4.</a:t>
-            </a:r>
-            <a:r>
-              <a:rPr lang="ja-JP" altLang="en-US" sz="3600" kern="100" dirty="0">
-                <a:solidFill>
-                  <a:schemeClr val="tx1">
-                    <a:lumMod val="85000"/>
-                    <a:lumOff val="15000"/>
-                  </a:schemeClr>
-                </a:solidFill>
-                <a:latin typeface="メイリオ" panose="020B0604030504040204" pitchFamily="50" charset="-128"/>
-                <a:ea typeface="メイリオ" panose="020B0604030504040204" pitchFamily="50" charset="-128"/>
-                <a:cs typeface="Times New Roman" panose="02020603050405020304" pitchFamily="18" charset="0"/>
-              </a:rPr>
-              <a:t>　プロジェクトの振り返り</a:t>
-            </a:r>
-            <a:endParaRPr lang="ja-JP" altLang="ja-JP" sz="3600" kern="100" dirty="0">
-              <a:solidFill>
-                <a:schemeClr val="tx1">
-                  <a:lumMod val="85000"/>
-                  <a:lumOff val="15000"/>
-                </a:schemeClr>
-              </a:solidFill>
-              <a:latin typeface="メイリオ" panose="020B0604030504040204" pitchFamily="50" charset="-128"/>
-              <a:ea typeface="メイリオ" panose="020B0604030504040204" pitchFamily="50" charset="-128"/>
-              <a:cs typeface="Times New Roman" panose="02020603050405020304" pitchFamily="18" charset="0"/>
-            </a:endParaRPr>
-          </a:p>
-        </p:txBody>
-      </p:sp>
-      <p:sp>
-        <p:nvSpPr>
-          <p:cNvPr id="20" name="四角形: 角を丸くする 19">
-            <a:extLst>
-              <a:ext uri="{FF2B5EF4-FFF2-40B4-BE49-F238E27FC236}">
-                <a16:creationId xmlns:a16="http://schemas.microsoft.com/office/drawing/2014/main" id="{8B1C7689-CB01-47A0-BF74-E914F8F0EC3D}"/>
-              </a:ext>
-            </a:extLst>
-          </p:cNvPr>
-          <p:cNvSpPr/>
-          <p:nvPr/>
-        </p:nvSpPr>
-        <p:spPr>
-          <a:xfrm>
-            <a:off x="615001" y="4865397"/>
-            <a:ext cx="7913995" cy="658000"/>
-          </a:xfrm>
-          <a:prstGeom prst="roundRect">
-            <a:avLst/>
-          </a:prstGeom>
-          <a:ln w="19050">
-            <a:solidFill>
-              <a:schemeClr val="accent1"/>
-            </a:solidFill>
-          </a:ln>
-        </p:spPr>
-        <p:style>
-          <a:lnRef idx="2">
-            <a:schemeClr val="accent6"/>
-          </a:lnRef>
-          <a:fillRef idx="1">
-            <a:schemeClr val="lt1"/>
-          </a:fillRef>
-          <a:effectRef idx="0">
-            <a:schemeClr val="accent6"/>
-          </a:effectRef>
-          <a:fontRef idx="minor">
-            <a:schemeClr val="dk1"/>
-          </a:fontRef>
-        </p:style>
-        <p:txBody>
-          <a:bodyPr rtlCol="0" anchor="ctr"/>
-          <a:lstStyle/>
-          <a:p>
-            <a:pPr algn="just">
-              <a:lnSpc>
-                <a:spcPct val="150000"/>
-              </a:lnSpc>
-            </a:pPr>
-            <a:r>
-              <a:rPr lang="en-US" altLang="ja-JP" sz="3600" kern="100" dirty="0">
-                <a:solidFill>
-                  <a:schemeClr val="tx1">
-                    <a:lumMod val="85000"/>
-                    <a:lumOff val="15000"/>
-                  </a:schemeClr>
-                </a:solidFill>
-                <a:latin typeface="メイリオ" panose="020B0604030504040204" pitchFamily="50" charset="-128"/>
-                <a:ea typeface="メイリオ" panose="020B0604030504040204" pitchFamily="50" charset="-128"/>
-                <a:cs typeface="Times New Roman" panose="02020603050405020304" pitchFamily="18" charset="0"/>
-              </a:rPr>
-              <a:t>5.</a:t>
-            </a:r>
-            <a:r>
-              <a:rPr lang="ja-JP" altLang="en-US" sz="3600" kern="100" dirty="0">
-                <a:solidFill>
-                  <a:schemeClr val="tx1">
-                    <a:lumMod val="85000"/>
-                    <a:lumOff val="15000"/>
-                  </a:schemeClr>
-                </a:solidFill>
-                <a:latin typeface="メイリオ" panose="020B0604030504040204" pitchFamily="50" charset="-128"/>
-                <a:ea typeface="メイリオ" panose="020B0604030504040204" pitchFamily="50" charset="-128"/>
-                <a:cs typeface="Times New Roman" panose="02020603050405020304" pitchFamily="18" charset="0"/>
-              </a:rPr>
-              <a:t>　個々の成長・感想</a:t>
-            </a:r>
-            <a:endParaRPr lang="ja-JP" altLang="ja-JP" sz="3600" kern="100" dirty="0">
-              <a:solidFill>
-                <a:schemeClr val="tx1">
-                  <a:lumMod val="85000"/>
-                  <a:lumOff val="15000"/>
-                </a:schemeClr>
-              </a:solidFill>
-              <a:latin typeface="メイリオ" panose="020B0604030504040204" pitchFamily="50" charset="-128"/>
-              <a:ea typeface="メイリオ" panose="020B0604030504040204" pitchFamily="50" charset="-128"/>
-              <a:cs typeface="Times New Roman" panose="02020603050405020304" pitchFamily="18" charset="0"/>
-            </a:endParaRPr>
-          </a:p>
-        </p:txBody>
-      </p:sp>
-      <p:sp>
-        <p:nvSpPr>
-          <p:cNvPr id="21" name="四角形: 角を丸くする 20">
-            <a:extLst>
-              <a:ext uri="{FF2B5EF4-FFF2-40B4-BE49-F238E27FC236}">
-                <a16:creationId xmlns:a16="http://schemas.microsoft.com/office/drawing/2014/main" id="{460F04A2-8F78-4E7D-971A-AA72042386EE}"/>
-              </a:ext>
-            </a:extLst>
-          </p:cNvPr>
-          <p:cNvSpPr/>
-          <p:nvPr/>
-        </p:nvSpPr>
-        <p:spPr>
-          <a:xfrm>
-            <a:off x="615001" y="5729097"/>
-            <a:ext cx="7913995" cy="658000"/>
-          </a:xfrm>
-          <a:prstGeom prst="roundRect">
-            <a:avLst/>
-          </a:prstGeom>
-          <a:ln w="19050">
-            <a:solidFill>
-              <a:schemeClr val="accent1"/>
-            </a:solidFill>
-          </a:ln>
-        </p:spPr>
-        <p:style>
-          <a:lnRef idx="2">
-            <a:schemeClr val="accent6"/>
-          </a:lnRef>
-          <a:fillRef idx="1">
-            <a:schemeClr val="lt1"/>
-          </a:fillRef>
-          <a:effectRef idx="0">
-            <a:schemeClr val="accent6"/>
-          </a:effectRef>
-          <a:fontRef idx="minor">
-            <a:schemeClr val="dk1"/>
-          </a:fontRef>
-        </p:style>
-        <p:txBody>
-          <a:bodyPr rtlCol="0" anchor="ctr"/>
-          <a:lstStyle/>
-          <a:p>
-            <a:pPr algn="just">
-              <a:lnSpc>
-                <a:spcPct val="150000"/>
-              </a:lnSpc>
-            </a:pPr>
-            <a:r>
-              <a:rPr lang="en-US" altLang="ja-JP" sz="3600" kern="100" dirty="0">
-                <a:solidFill>
-                  <a:schemeClr val="tx1">
-                    <a:lumMod val="85000"/>
-                    <a:lumOff val="15000"/>
-                  </a:schemeClr>
-                </a:solidFill>
-                <a:latin typeface="メイリオ" panose="020B0604030504040204" pitchFamily="50" charset="-128"/>
-                <a:ea typeface="メイリオ" panose="020B0604030504040204" pitchFamily="50" charset="-128"/>
-                <a:cs typeface="Times New Roman" panose="02020603050405020304" pitchFamily="18" charset="0"/>
-              </a:rPr>
-              <a:t>6.</a:t>
-            </a:r>
-            <a:r>
-              <a:rPr lang="ja-JP" altLang="en-US" sz="3600" kern="100" dirty="0">
-                <a:solidFill>
-                  <a:schemeClr val="tx1">
-                    <a:lumMod val="85000"/>
-                    <a:lumOff val="15000"/>
-                  </a:schemeClr>
-                </a:solidFill>
-                <a:latin typeface="メイリオ" panose="020B0604030504040204" pitchFamily="50" charset="-128"/>
-                <a:ea typeface="メイリオ" panose="020B0604030504040204" pitchFamily="50" charset="-128"/>
-                <a:cs typeface="Times New Roman" panose="02020603050405020304" pitchFamily="18" charset="0"/>
-              </a:rPr>
-              <a:t>　まとめ</a:t>
-            </a:r>
-            <a:endParaRPr lang="ja-JP" altLang="ja-JP" sz="3600" kern="100" dirty="0">
-              <a:solidFill>
-                <a:schemeClr val="tx1">
-                  <a:lumMod val="85000"/>
-                  <a:lumOff val="15000"/>
-                </a:schemeClr>
-              </a:solidFill>
-              <a:latin typeface="メイリオ" panose="020B0604030504040204" pitchFamily="50" charset="-128"/>
-              <a:ea typeface="メイリオ" panose="020B0604030504040204" pitchFamily="50" charset="-128"/>
-              <a:cs typeface="Times New Roman" panose="02020603050405020304" pitchFamily="18" charset="0"/>
-            </a:endParaRPr>
-          </a:p>
-        </p:txBody>
-      </p:sp>
-      <p:sp>
-        <p:nvSpPr>
-          <p:cNvPr id="12" name="タイトル 1">
-            <a:extLst>
-              <a:ext uri="{FF2B5EF4-FFF2-40B4-BE49-F238E27FC236}">
-                <a16:creationId xmlns:a16="http://schemas.microsoft.com/office/drawing/2014/main" id="{5D35D3CA-632F-4A26-A306-EF7E4C17685F}"/>
-              </a:ext>
-            </a:extLst>
-          </p:cNvPr>
-          <p:cNvSpPr>
-            <a:spLocks noGrp="1"/>
-          </p:cNvSpPr>
-          <p:nvPr>
-            <p:ph type="title"/>
-          </p:nvPr>
-        </p:nvSpPr>
-        <p:spPr>
-          <a:xfrm>
-            <a:off x="488707" y="266610"/>
-            <a:ext cx="8079581" cy="863885"/>
-          </a:xfrm>
-        </p:spPr>
-        <p:txBody>
-          <a:bodyPr/>
-          <a:lstStyle/>
-          <a:p>
-            <a:r>
-              <a:rPr kumimoji="1" lang="ja-JP" altLang="en-US" dirty="0">
-                <a:latin typeface="メイリオ" panose="020B0604030504040204" pitchFamily="50" charset="-128"/>
-                <a:ea typeface="メイリオ" panose="020B0604030504040204" pitchFamily="50" charset="-128"/>
-              </a:rPr>
-              <a:t>アジェンダ</a:t>
-            </a:r>
-          </a:p>
-        </p:txBody>
-      </p:sp>
-    </p:spTree>
-    <p:extLst>
-      <p:ext uri="{BB962C8B-B14F-4D97-AF65-F5344CB8AC3E}">
-        <p14:creationId xmlns:p14="http://schemas.microsoft.com/office/powerpoint/2010/main" val="3706949613"/>
-      </p:ext>
-    </p:extLst>
-  </p:cSld>
-  <p:clrMapOvr>
-    <a:masterClrMapping/>
-  </p:clrMapOvr>
-</p:sld>
-</file>
-
-<file path=ppt/slides/slide20.xml><?xml version="1.0" encoding="utf-8"?>
-<p:sld xmlns:a="http://schemas.openxmlformats.org/drawingml/2006/main" xmlns:r="http://schemas.openxmlformats.org/officeDocument/2006/relationships" xmlns:p="http://schemas.openxmlformats.org/presentationml/2006/main">
-  <p:cSld>
-    <p:spTree>
-      <p:nvGrpSpPr>
-        <p:cNvPr id="1" name=""/>
-        <p:cNvGrpSpPr/>
-        <p:nvPr/>
-      </p:nvGrpSpPr>
-      <p:grpSpPr>
-        <a:xfrm>
-          <a:off x="0" y="0"/>
-          <a:ext cx="0" cy="0"/>
-          <a:chOff x="0" y="0"/>
-          <a:chExt cx="0" cy="0"/>
-        </a:xfrm>
-      </p:grpSpPr>
-      <p:sp>
-        <p:nvSpPr>
-          <p:cNvPr id="12" name="楕円 11">
-            <a:extLst>
-              <a:ext uri="{FF2B5EF4-FFF2-40B4-BE49-F238E27FC236}">
-                <a16:creationId xmlns:a16="http://schemas.microsoft.com/office/drawing/2014/main" id="{1AF37BEE-0028-4926-A5AC-3BE89F3D657B}"/>
-              </a:ext>
-            </a:extLst>
-          </p:cNvPr>
-          <p:cNvSpPr/>
-          <p:nvPr/>
-        </p:nvSpPr>
-        <p:spPr>
-          <a:xfrm>
-            <a:off x="1019013" y="465506"/>
-            <a:ext cx="7105973" cy="4672767"/>
-          </a:xfrm>
-          <a:prstGeom prst="ellipse">
-            <a:avLst/>
-          </a:prstGeom>
-          <a:ln w="76200">
-            <a:solidFill>
-              <a:schemeClr val="accent1"/>
-            </a:solidFill>
-          </a:ln>
-        </p:spPr>
-        <p:style>
-          <a:lnRef idx="2">
-            <a:schemeClr val="accent6"/>
-          </a:lnRef>
-          <a:fillRef idx="1">
-            <a:schemeClr val="lt1"/>
-          </a:fillRef>
-          <a:effectRef idx="0">
-            <a:schemeClr val="accent6"/>
-          </a:effectRef>
-          <a:fontRef idx="minor">
-            <a:schemeClr val="dk1"/>
-          </a:fontRef>
-        </p:style>
-        <p:txBody>
-          <a:bodyPr rtlCol="0" anchor="ctr"/>
-          <a:lstStyle/>
-          <a:p>
-            <a:pPr algn="ctr"/>
-            <a:endParaRPr kumimoji="1" lang="ja-JP" altLang="en-US" dirty="0"/>
-          </a:p>
-        </p:txBody>
-      </p:sp>
-      <p:sp>
-        <p:nvSpPr>
-          <p:cNvPr id="2" name="スライド番号プレースホルダー 1">
-            <a:extLst>
-              <a:ext uri="{FF2B5EF4-FFF2-40B4-BE49-F238E27FC236}">
-                <a16:creationId xmlns:a16="http://schemas.microsoft.com/office/drawing/2014/main" id="{E114EBA8-8AF6-423A-AA6F-7F4FB34896A8}"/>
-              </a:ext>
-            </a:extLst>
-          </p:cNvPr>
-          <p:cNvSpPr>
-            <a:spLocks noGrp="1"/>
-          </p:cNvSpPr>
-          <p:nvPr>
-            <p:ph type="sldNum" sz="quarter" idx="12"/>
-          </p:nvPr>
-        </p:nvSpPr>
-        <p:spPr/>
-        <p:txBody>
-          <a:bodyPr/>
-          <a:lstStyle/>
-          <a:p>
-            <a:fld id="{28B3E1AD-D654-41ED-B122-F068B9548232}" type="slidenum">
-              <a:rPr kumimoji="1" lang="ja-JP" altLang="en-US" smtClean="0"/>
-              <a:t>20</a:t>
-            </a:fld>
-            <a:endParaRPr kumimoji="1" lang="ja-JP" altLang="en-US"/>
-          </a:p>
-        </p:txBody>
-      </p:sp>
-      <p:pic>
-        <p:nvPicPr>
-          <p:cNvPr id="10" name="グラフィックス 9" descr="教授 男性 単色塗りつぶし">
-            <a:extLst>
-              <a:ext uri="{FF2B5EF4-FFF2-40B4-BE49-F238E27FC236}">
-                <a16:creationId xmlns:a16="http://schemas.microsoft.com/office/drawing/2014/main" id="{6D037FBD-BEB6-4BD3-BCC3-03B467112929}"/>
-              </a:ext>
-            </a:extLst>
-          </p:cNvPr>
-          <p:cNvPicPr>
-            <a:picLocks noChangeAspect="1"/>
-          </p:cNvPicPr>
-          <p:nvPr/>
-        </p:nvPicPr>
-        <p:blipFill>
-          <a:blip r:embed="rId2">
-            <a:extLst>
-              <a:ext uri="{28A0092B-C50C-407E-A947-70E740481C1C}">
-                <a14:useLocalDpi xmlns:a14="http://schemas.microsoft.com/office/drawing/2010/main" val="0"/>
-              </a:ext>
-              <a:ext uri="{96DAC541-7B7A-43D3-8B79-37D633B846F1}">
-                <asvg:svgBlip xmlns:asvg="http://schemas.microsoft.com/office/drawing/2016/SVG/main" r:embed="rId3"/>
-              </a:ext>
-            </a:extLst>
-          </a:blip>
-          <a:stretch>
-            <a:fillRect/>
-          </a:stretch>
-        </p:blipFill>
-        <p:spPr>
-          <a:xfrm>
-            <a:off x="1768032" y="1381063"/>
-            <a:ext cx="1694396" cy="1694396"/>
-          </a:xfrm>
-          <a:prstGeom prst="rect">
-            <a:avLst/>
-          </a:prstGeom>
-        </p:spPr>
-      </p:pic>
-      <p:pic>
-        <p:nvPicPr>
-          <p:cNvPr id="11" name="グラフィックス 10" descr="オフィス ワーカー (女性) 単色塗りつぶし">
-            <a:extLst>
-              <a:ext uri="{FF2B5EF4-FFF2-40B4-BE49-F238E27FC236}">
-                <a16:creationId xmlns:a16="http://schemas.microsoft.com/office/drawing/2014/main" id="{562760A0-C073-40C7-B6A0-BEB5A0B42128}"/>
-              </a:ext>
-            </a:extLst>
-          </p:cNvPr>
-          <p:cNvPicPr>
-            <a:picLocks noChangeAspect="1"/>
-          </p:cNvPicPr>
-          <p:nvPr/>
-        </p:nvPicPr>
-        <p:blipFill>
-          <a:blip r:embed="rId4">
-            <a:extLst>
-              <a:ext uri="{28A0092B-C50C-407E-A947-70E740481C1C}">
-                <a14:useLocalDpi xmlns:a14="http://schemas.microsoft.com/office/drawing/2010/main" val="0"/>
-              </a:ext>
-              <a:ext uri="{96DAC541-7B7A-43D3-8B79-37D633B846F1}">
-                <asvg:svgBlip xmlns:asvg="http://schemas.microsoft.com/office/drawing/2016/SVG/main" r:embed="rId5"/>
-              </a:ext>
-            </a:extLst>
-          </a:blip>
-          <a:stretch>
-            <a:fillRect/>
-          </a:stretch>
-        </p:blipFill>
-        <p:spPr>
-          <a:xfrm>
-            <a:off x="5529338" y="1381063"/>
-            <a:ext cx="1694396" cy="1694396"/>
-          </a:xfrm>
-          <a:prstGeom prst="rect">
-            <a:avLst/>
-          </a:prstGeom>
-        </p:spPr>
-      </p:pic>
-      <p:sp>
-        <p:nvSpPr>
-          <p:cNvPr id="18" name="テキスト ボックス 17">
-            <a:extLst>
-              <a:ext uri="{FF2B5EF4-FFF2-40B4-BE49-F238E27FC236}">
-                <a16:creationId xmlns:a16="http://schemas.microsoft.com/office/drawing/2014/main" id="{37D671D5-ADE8-4802-908A-48FF2789DBCD}"/>
-              </a:ext>
-            </a:extLst>
-          </p:cNvPr>
-          <p:cNvSpPr txBox="1"/>
-          <p:nvPr/>
-        </p:nvSpPr>
-        <p:spPr>
-          <a:xfrm>
-            <a:off x="689132" y="573188"/>
-            <a:ext cx="7020732" cy="954107"/>
-          </a:xfrm>
-          <a:prstGeom prst="rect">
-            <a:avLst/>
-          </a:prstGeom>
-          <a:noFill/>
-        </p:spPr>
-        <p:txBody>
-          <a:bodyPr wrap="square">
-            <a:spAutoFit/>
-          </a:bodyPr>
-          <a:lstStyle/>
-          <a:p>
-            <a:r>
-              <a:rPr lang="ja-JP" altLang="ja-JP" sz="2800" kern="100" dirty="0">
-                <a:solidFill>
-                  <a:schemeClr val="tx1">
-                    <a:lumMod val="75000"/>
-                    <a:lumOff val="25000"/>
-                  </a:schemeClr>
-                </a:solidFill>
-                <a:effectLst/>
-                <a:latin typeface="メイリオ" panose="020B0604030504040204" pitchFamily="50" charset="-128"/>
-                <a:ea typeface="メイリオ" panose="020B0604030504040204" pitchFamily="50" charset="-128"/>
-                <a:cs typeface="Times New Roman" panose="02020603050405020304" pitchFamily="18" charset="0"/>
-              </a:rPr>
-              <a:t>講師の業務円滑化</a:t>
-            </a:r>
-            <a:endParaRPr lang="en-US" altLang="ja-JP" sz="2800" kern="100" dirty="0">
-              <a:solidFill>
-                <a:schemeClr val="tx1">
-                  <a:lumMod val="75000"/>
-                  <a:lumOff val="25000"/>
-                </a:schemeClr>
-              </a:solidFill>
-              <a:effectLst/>
-              <a:latin typeface="メイリオ" panose="020B0604030504040204" pitchFamily="50" charset="-128"/>
-              <a:ea typeface="メイリオ" panose="020B0604030504040204" pitchFamily="50" charset="-128"/>
-              <a:cs typeface="Times New Roman" panose="02020603050405020304" pitchFamily="18" charset="0"/>
-            </a:endParaRPr>
-          </a:p>
-          <a:p>
-            <a:r>
-              <a:rPr lang="ja-JP" altLang="ja-JP" sz="2800" kern="100" dirty="0">
-                <a:solidFill>
-                  <a:schemeClr val="tx1">
-                    <a:lumMod val="75000"/>
-                    <a:lumOff val="25000"/>
-                  </a:schemeClr>
-                </a:solidFill>
-                <a:effectLst/>
-                <a:latin typeface="メイリオ" panose="020B0604030504040204" pitchFamily="50" charset="-128"/>
-                <a:ea typeface="メイリオ" panose="020B0604030504040204" pitchFamily="50" charset="-128"/>
-                <a:cs typeface="Times New Roman" panose="02020603050405020304" pitchFamily="18" charset="0"/>
-              </a:rPr>
-              <a:t>負担の軽減</a:t>
-            </a:r>
-            <a:endParaRPr lang="ja-JP" altLang="en-US" sz="2800" dirty="0"/>
-          </a:p>
-        </p:txBody>
-      </p:sp>
-      <p:sp>
-        <p:nvSpPr>
-          <p:cNvPr id="19" name="テキスト ボックス 18">
-            <a:extLst>
-              <a:ext uri="{FF2B5EF4-FFF2-40B4-BE49-F238E27FC236}">
-                <a16:creationId xmlns:a16="http://schemas.microsoft.com/office/drawing/2014/main" id="{078D1FFE-1048-425D-8775-4CCBA845CFB6}"/>
-              </a:ext>
-            </a:extLst>
-          </p:cNvPr>
-          <p:cNvSpPr txBox="1"/>
-          <p:nvPr/>
-        </p:nvSpPr>
-        <p:spPr>
-          <a:xfrm>
-            <a:off x="2226046" y="3083397"/>
-            <a:ext cx="981124" cy="523220"/>
-          </a:xfrm>
-          <a:prstGeom prst="rect">
-            <a:avLst/>
-          </a:prstGeom>
-          <a:noFill/>
-        </p:spPr>
-        <p:txBody>
-          <a:bodyPr wrap="square">
-            <a:spAutoFit/>
-          </a:bodyPr>
-          <a:lstStyle/>
-          <a:p>
-            <a:r>
-              <a:rPr lang="ja-JP" altLang="en-US" sz="2800" dirty="0">
-                <a:latin typeface="メイリオ" panose="020B0604030504040204" pitchFamily="50" charset="-128"/>
-                <a:ea typeface="メイリオ" panose="020B0604030504040204" pitchFamily="50" charset="-128"/>
-              </a:rPr>
-              <a:t>講師</a:t>
-            </a:r>
-          </a:p>
-        </p:txBody>
-      </p:sp>
-      <p:sp>
-        <p:nvSpPr>
-          <p:cNvPr id="20" name="テキスト ボックス 19">
-            <a:extLst>
-              <a:ext uri="{FF2B5EF4-FFF2-40B4-BE49-F238E27FC236}">
-                <a16:creationId xmlns:a16="http://schemas.microsoft.com/office/drawing/2014/main" id="{F45166FE-5F56-4D56-91FE-F4598F14F740}"/>
-              </a:ext>
-            </a:extLst>
-          </p:cNvPr>
-          <p:cNvSpPr txBox="1"/>
-          <p:nvPr/>
-        </p:nvSpPr>
-        <p:spPr>
-          <a:xfrm>
-            <a:off x="5723670" y="3083397"/>
-            <a:ext cx="1305732" cy="523220"/>
-          </a:xfrm>
-          <a:prstGeom prst="rect">
-            <a:avLst/>
-          </a:prstGeom>
-          <a:noFill/>
-        </p:spPr>
-        <p:txBody>
-          <a:bodyPr wrap="square">
-            <a:spAutoFit/>
-          </a:bodyPr>
-          <a:lstStyle/>
-          <a:p>
-            <a:r>
-              <a:rPr lang="ja-JP" altLang="en-US" sz="2800" dirty="0">
-                <a:latin typeface="メイリオ" panose="020B0604030504040204" pitchFamily="50" charset="-128"/>
-                <a:ea typeface="メイリオ" panose="020B0604030504040204" pitchFamily="50" charset="-128"/>
-              </a:rPr>
-              <a:t>受講生</a:t>
-            </a:r>
-          </a:p>
-        </p:txBody>
-      </p:sp>
-      <p:sp>
-        <p:nvSpPr>
-          <p:cNvPr id="21" name="矢印: 左 20">
-            <a:extLst>
-              <a:ext uri="{FF2B5EF4-FFF2-40B4-BE49-F238E27FC236}">
-                <a16:creationId xmlns:a16="http://schemas.microsoft.com/office/drawing/2014/main" id="{1FF8B1D5-1688-4133-8E09-89C90FE0113C}"/>
-              </a:ext>
-            </a:extLst>
-          </p:cNvPr>
-          <p:cNvSpPr/>
-          <p:nvPr/>
-        </p:nvSpPr>
-        <p:spPr>
-          <a:xfrm>
-            <a:off x="3766899" y="1327602"/>
-            <a:ext cx="1610203" cy="906225"/>
-          </a:xfrm>
-          <a:prstGeom prst="leftArrow">
-            <a:avLst/>
-          </a:prstGeom>
-          <a:ln>
-            <a:noFill/>
-          </a:ln>
-        </p:spPr>
-        <p:style>
-          <a:lnRef idx="2">
-            <a:schemeClr val="accent1">
-              <a:shade val="50000"/>
-            </a:schemeClr>
-          </a:lnRef>
-          <a:fillRef idx="1">
-            <a:schemeClr val="accent1"/>
-          </a:fillRef>
-          <a:effectRef idx="0">
-            <a:schemeClr val="accent1"/>
-          </a:effectRef>
-          <a:fontRef idx="minor">
-            <a:schemeClr val="lt1"/>
-          </a:fontRef>
-        </p:style>
-        <p:txBody>
-          <a:bodyPr rtlCol="0" anchor="ctr"/>
-          <a:lstStyle/>
-          <a:p>
-            <a:r>
-              <a:rPr kumimoji="1" lang="ja-JP" altLang="en-US" sz="2400" dirty="0">
-                <a:latin typeface="メイリオ" panose="020B0604030504040204" pitchFamily="50" charset="-128"/>
-                <a:ea typeface="メイリオ" panose="020B0604030504040204" pitchFamily="50" charset="-128"/>
-              </a:rPr>
-              <a:t>質問</a:t>
-            </a:r>
-          </a:p>
-        </p:txBody>
-      </p:sp>
-      <p:sp>
-        <p:nvSpPr>
-          <p:cNvPr id="24" name="矢印: 右 23">
-            <a:extLst>
-              <a:ext uri="{FF2B5EF4-FFF2-40B4-BE49-F238E27FC236}">
-                <a16:creationId xmlns:a16="http://schemas.microsoft.com/office/drawing/2014/main" id="{49386764-63A4-4209-898A-82698F1EB674}"/>
-              </a:ext>
-            </a:extLst>
-          </p:cNvPr>
-          <p:cNvSpPr/>
-          <p:nvPr/>
-        </p:nvSpPr>
-        <p:spPr>
-          <a:xfrm>
-            <a:off x="3766899" y="2723100"/>
-            <a:ext cx="1610203" cy="954107"/>
-          </a:xfrm>
-          <a:prstGeom prst="rightArrow">
-            <a:avLst/>
-          </a:prstGeom>
-          <a:ln>
-            <a:noFill/>
-          </a:ln>
-        </p:spPr>
-        <p:style>
-          <a:lnRef idx="2">
-            <a:schemeClr val="accent1">
-              <a:shade val="50000"/>
-            </a:schemeClr>
-          </a:lnRef>
-          <a:fillRef idx="1">
-            <a:schemeClr val="accent1"/>
-          </a:fillRef>
-          <a:effectRef idx="0">
-            <a:schemeClr val="accent1"/>
-          </a:effectRef>
-          <a:fontRef idx="minor">
-            <a:schemeClr val="lt1"/>
-          </a:fontRef>
-        </p:style>
-        <p:txBody>
-          <a:bodyPr rtlCol="0" anchor="ctr"/>
-          <a:lstStyle/>
-          <a:p>
-            <a:pPr algn="r"/>
-            <a:r>
-              <a:rPr kumimoji="1" lang="ja-JP" altLang="en-US" sz="2400" dirty="0">
-                <a:latin typeface="メイリオ" panose="020B0604030504040204" pitchFamily="50" charset="-128"/>
-                <a:ea typeface="メイリオ" panose="020B0604030504040204" pitchFamily="50" charset="-128"/>
-              </a:rPr>
-              <a:t>回答</a:t>
-            </a:r>
-          </a:p>
-        </p:txBody>
-      </p:sp>
-      <p:sp>
-        <p:nvSpPr>
-          <p:cNvPr id="25" name="テキスト ボックス 24">
-            <a:extLst>
-              <a:ext uri="{FF2B5EF4-FFF2-40B4-BE49-F238E27FC236}">
-                <a16:creationId xmlns:a16="http://schemas.microsoft.com/office/drawing/2014/main" id="{537B5EA8-DDE7-4841-8B22-E498BEA66053}"/>
-              </a:ext>
-            </a:extLst>
-          </p:cNvPr>
-          <p:cNvSpPr txBox="1"/>
-          <p:nvPr/>
-        </p:nvSpPr>
-        <p:spPr>
-          <a:xfrm>
-            <a:off x="3843017" y="2216761"/>
-            <a:ext cx="1610203" cy="646331"/>
-          </a:xfrm>
-          <a:prstGeom prst="rect">
-            <a:avLst/>
-          </a:prstGeom>
-          <a:noFill/>
-        </p:spPr>
-        <p:txBody>
-          <a:bodyPr wrap="square">
-            <a:spAutoFit/>
-          </a:bodyPr>
-          <a:lstStyle/>
-          <a:p>
-            <a:pPr algn="ctr"/>
-            <a:r>
-              <a:rPr lang="en-US" altLang="ja-JP" dirty="0">
-                <a:latin typeface="メイリオ" panose="020B0604030504040204" pitchFamily="50" charset="-128"/>
-                <a:ea typeface="メイリオ" panose="020B0604030504040204" pitchFamily="50" charset="-128"/>
-              </a:rPr>
-              <a:t>Knowledge Holder</a:t>
-            </a:r>
-            <a:endParaRPr lang="ja-JP" altLang="en-US" dirty="0">
-              <a:latin typeface="メイリオ" panose="020B0604030504040204" pitchFamily="50" charset="-128"/>
-              <a:ea typeface="メイリオ" panose="020B0604030504040204" pitchFamily="50" charset="-128"/>
-            </a:endParaRPr>
-          </a:p>
-        </p:txBody>
-      </p:sp>
-      <p:sp>
-        <p:nvSpPr>
-          <p:cNvPr id="27" name="テキスト ボックス 26">
-            <a:extLst>
-              <a:ext uri="{FF2B5EF4-FFF2-40B4-BE49-F238E27FC236}">
-                <a16:creationId xmlns:a16="http://schemas.microsoft.com/office/drawing/2014/main" id="{8E5FF49B-08DA-4DBD-B5A8-1C2E9DE34179}"/>
-              </a:ext>
-            </a:extLst>
-          </p:cNvPr>
-          <p:cNvSpPr txBox="1"/>
-          <p:nvPr/>
-        </p:nvSpPr>
-        <p:spPr>
-          <a:xfrm>
-            <a:off x="3766899" y="3957695"/>
-            <a:ext cx="7718156" cy="523220"/>
-          </a:xfrm>
-          <a:prstGeom prst="rect">
-            <a:avLst/>
-          </a:prstGeom>
-          <a:noFill/>
-        </p:spPr>
-        <p:txBody>
-          <a:bodyPr wrap="square">
-            <a:spAutoFit/>
-          </a:bodyPr>
-          <a:lstStyle/>
-          <a:p>
-            <a:r>
-              <a:rPr lang="ja-JP" altLang="ja-JP" sz="2800" kern="100" dirty="0">
-                <a:solidFill>
-                  <a:schemeClr val="tx1">
-                    <a:lumMod val="75000"/>
-                    <a:lumOff val="25000"/>
-                  </a:schemeClr>
-                </a:solidFill>
-                <a:effectLst/>
-                <a:latin typeface="メイリオ" panose="020B0604030504040204" pitchFamily="50" charset="-128"/>
-                <a:ea typeface="メイリオ" panose="020B0604030504040204" pitchFamily="50" charset="-128"/>
-                <a:cs typeface="Times New Roman" panose="02020603050405020304" pitchFamily="18" charset="0"/>
-              </a:rPr>
-              <a:t>問題解決のサポート手段の拡充</a:t>
-            </a:r>
-            <a:endParaRPr lang="ja-JP" altLang="en-US" sz="2800" dirty="0"/>
-          </a:p>
-        </p:txBody>
-      </p:sp>
-      <p:pic>
-        <p:nvPicPr>
-          <p:cNvPr id="13" name="グラフィックス 12" descr="建物 単色塗りつぶし">
-            <a:extLst>
-              <a:ext uri="{FF2B5EF4-FFF2-40B4-BE49-F238E27FC236}">
-                <a16:creationId xmlns:a16="http://schemas.microsoft.com/office/drawing/2014/main" id="{017A5E0A-0906-42F3-BECE-593F2571FDC1}"/>
-              </a:ext>
-            </a:extLst>
-          </p:cNvPr>
-          <p:cNvPicPr>
-            <a:picLocks noChangeAspect="1"/>
-          </p:cNvPicPr>
-          <p:nvPr/>
-        </p:nvPicPr>
-        <p:blipFill>
-          <a:blip r:embed="rId6">
-            <a:extLst>
-              <a:ext uri="{28A0092B-C50C-407E-A947-70E740481C1C}">
-                <a14:useLocalDpi xmlns:a14="http://schemas.microsoft.com/office/drawing/2010/main" val="0"/>
-              </a:ext>
-              <a:ext uri="{96DAC541-7B7A-43D3-8B79-37D633B846F1}">
-                <asvg:svgBlip xmlns:asvg="http://schemas.microsoft.com/office/drawing/2016/SVG/main" r:embed="rId7"/>
-              </a:ext>
-            </a:extLst>
-          </a:blip>
-          <a:stretch>
-            <a:fillRect/>
-          </a:stretch>
-        </p:blipFill>
-        <p:spPr>
-          <a:xfrm>
-            <a:off x="1538994" y="4847051"/>
-            <a:ext cx="1567541" cy="1567541"/>
-          </a:xfrm>
-          <a:prstGeom prst="rect">
-            <a:avLst/>
-          </a:prstGeom>
-        </p:spPr>
-      </p:pic>
-      <p:sp>
-        <p:nvSpPr>
-          <p:cNvPr id="14" name="テキスト ボックス 13">
-            <a:extLst>
-              <a:ext uri="{FF2B5EF4-FFF2-40B4-BE49-F238E27FC236}">
-                <a16:creationId xmlns:a16="http://schemas.microsoft.com/office/drawing/2014/main" id="{E30FEC84-F6D7-43D8-B0EF-5E32B21DDAD9}"/>
-              </a:ext>
-            </a:extLst>
-          </p:cNvPr>
-          <p:cNvSpPr txBox="1"/>
-          <p:nvPr/>
-        </p:nvSpPr>
-        <p:spPr>
-          <a:xfrm>
-            <a:off x="3342650" y="5603096"/>
-            <a:ext cx="3614979" cy="584775"/>
-          </a:xfrm>
-          <a:prstGeom prst="rect">
-            <a:avLst/>
-          </a:prstGeom>
-          <a:noFill/>
-        </p:spPr>
-        <p:txBody>
-          <a:bodyPr wrap="square" rtlCol="0">
-            <a:spAutoFit/>
-          </a:bodyPr>
-          <a:lstStyle/>
-          <a:p>
-            <a:r>
-              <a:rPr kumimoji="1" lang="ja-JP" altLang="en-US" sz="3200" dirty="0">
-                <a:latin typeface="メイリオ" panose="020B0604030504040204" pitchFamily="50" charset="-128"/>
-                <a:ea typeface="メイリオ" panose="020B0604030504040204" pitchFamily="50" charset="-128"/>
-              </a:rPr>
-              <a:t>質問</a:t>
-            </a:r>
-            <a:r>
-              <a:rPr kumimoji="1" lang="en-US" altLang="ja-JP" sz="3200" dirty="0">
-                <a:latin typeface="メイリオ" panose="020B0604030504040204" pitchFamily="50" charset="-128"/>
-                <a:ea typeface="メイリオ" panose="020B0604030504040204" pitchFamily="50" charset="-128"/>
-              </a:rPr>
-              <a:t>/</a:t>
-            </a:r>
-            <a:r>
-              <a:rPr kumimoji="1" lang="ja-JP" altLang="en-US" sz="3200" dirty="0">
-                <a:latin typeface="メイリオ" panose="020B0604030504040204" pitchFamily="50" charset="-128"/>
-                <a:ea typeface="メイリオ" panose="020B0604030504040204" pitchFamily="50" charset="-128"/>
-              </a:rPr>
-              <a:t>回答の蓄積</a:t>
-            </a:r>
-          </a:p>
-        </p:txBody>
-      </p:sp>
-      <p:sp>
-        <p:nvSpPr>
-          <p:cNvPr id="15" name="テキスト ボックス 14">
-            <a:extLst>
-              <a:ext uri="{FF2B5EF4-FFF2-40B4-BE49-F238E27FC236}">
-                <a16:creationId xmlns:a16="http://schemas.microsoft.com/office/drawing/2014/main" id="{12078E01-321B-497F-9D17-3AA090006CC1}"/>
-              </a:ext>
-            </a:extLst>
-          </p:cNvPr>
-          <p:cNvSpPr txBox="1"/>
-          <p:nvPr/>
-        </p:nvSpPr>
-        <p:spPr>
-          <a:xfrm>
-            <a:off x="1538994" y="6378449"/>
-            <a:ext cx="1803656" cy="523220"/>
-          </a:xfrm>
-          <a:prstGeom prst="rect">
-            <a:avLst/>
-          </a:prstGeom>
-          <a:noFill/>
-        </p:spPr>
-        <p:txBody>
-          <a:bodyPr wrap="square">
-            <a:spAutoFit/>
-          </a:bodyPr>
-          <a:lstStyle/>
-          <a:p>
-            <a:r>
-              <a:rPr lang="ja-JP" altLang="en-US" sz="2800" dirty="0">
-                <a:latin typeface="メイリオ" panose="020B0604030504040204" pitchFamily="50" charset="-128"/>
-                <a:ea typeface="メイリオ" panose="020B0604030504040204" pitchFamily="50" charset="-128"/>
-              </a:rPr>
-              <a:t>研修会社</a:t>
-            </a:r>
-          </a:p>
-        </p:txBody>
-      </p:sp>
-    </p:spTree>
-    <p:extLst>
-      <p:ext uri="{BB962C8B-B14F-4D97-AF65-F5344CB8AC3E}">
-        <p14:creationId xmlns:p14="http://schemas.microsoft.com/office/powerpoint/2010/main" val="2445713073"/>
-      </p:ext>
-    </p:extLst>
-  </p:cSld>
-  <p:clrMapOvr>
-    <a:masterClrMapping/>
-  </p:clrMapOvr>
-</p:sld>
-</file>
-
-<file path=ppt/slides/slide21.xml><?xml version="1.0" encoding="utf-8"?>
-<p:sld xmlns:a="http://schemas.openxmlformats.org/drawingml/2006/main" xmlns:r="http://schemas.openxmlformats.org/officeDocument/2006/relationships" xmlns:p="http://schemas.openxmlformats.org/presentationml/2006/main">
-  <p:cSld>
-    <p:spTree>
-      <p:nvGrpSpPr>
-        <p:cNvPr id="1" name=""/>
-        <p:cNvGrpSpPr/>
-        <p:nvPr/>
-      </p:nvGrpSpPr>
-      <p:grpSpPr>
-        <a:xfrm>
-          <a:off x="0" y="0"/>
-          <a:ext cx="0" cy="0"/>
-          <a:chOff x="0" y="0"/>
-          <a:chExt cx="0" cy="0"/>
-        </a:xfrm>
-      </p:grpSpPr>
-      <p:sp>
-        <p:nvSpPr>
-          <p:cNvPr id="2" name="タイトル 1">
-            <a:extLst>
-              <a:ext uri="{FF2B5EF4-FFF2-40B4-BE49-F238E27FC236}">
-                <a16:creationId xmlns:a16="http://schemas.microsoft.com/office/drawing/2014/main" id="{AF626A66-1FD7-4EE6-A6C8-9B7BA0C9036A}"/>
-              </a:ext>
-            </a:extLst>
-          </p:cNvPr>
-          <p:cNvSpPr>
-            <a:spLocks noGrp="1"/>
-          </p:cNvSpPr>
-          <p:nvPr>
-            <p:ph type="title"/>
-          </p:nvPr>
-        </p:nvSpPr>
-        <p:spPr>
-          <a:xfrm>
-            <a:off x="488707" y="235613"/>
-            <a:ext cx="8079581" cy="863885"/>
-          </a:xfrm>
-        </p:spPr>
-        <p:txBody>
-          <a:bodyPr/>
-          <a:lstStyle/>
-          <a:p>
-            <a:r>
-              <a:rPr kumimoji="1" lang="ja-JP" altLang="en-US" dirty="0">
-                <a:latin typeface="メイリオ" panose="020B0604030504040204" pitchFamily="50" charset="-128"/>
-                <a:ea typeface="メイリオ" panose="020B0604030504040204" pitchFamily="50" charset="-128"/>
-              </a:rPr>
-              <a:t>アジェンダ</a:t>
-            </a:r>
-          </a:p>
-        </p:txBody>
-      </p:sp>
-      <p:sp>
-        <p:nvSpPr>
-          <p:cNvPr id="9" name="四角形: 角を丸くする 8">
-            <a:extLst>
-              <a:ext uri="{FF2B5EF4-FFF2-40B4-BE49-F238E27FC236}">
-                <a16:creationId xmlns:a16="http://schemas.microsoft.com/office/drawing/2014/main" id="{95E61E18-E0FF-4789-B846-542D3BDD545C}"/>
-              </a:ext>
-            </a:extLst>
-          </p:cNvPr>
-          <p:cNvSpPr/>
-          <p:nvPr/>
-        </p:nvSpPr>
-        <p:spPr>
-          <a:xfrm>
-            <a:off x="615002" y="1327811"/>
-            <a:ext cx="7913995" cy="658000"/>
-          </a:xfrm>
-          <a:prstGeom prst="roundRect">
-            <a:avLst/>
-          </a:prstGeom>
-          <a:ln w="19050">
-            <a:solidFill>
-              <a:schemeClr val="accent1"/>
-            </a:solidFill>
-          </a:ln>
-        </p:spPr>
-        <p:style>
-          <a:lnRef idx="2">
-            <a:schemeClr val="accent6"/>
-          </a:lnRef>
-          <a:fillRef idx="1">
-            <a:schemeClr val="lt1"/>
-          </a:fillRef>
-          <a:effectRef idx="0">
-            <a:schemeClr val="accent6"/>
-          </a:effectRef>
-          <a:fontRef idx="minor">
-            <a:schemeClr val="dk1"/>
-          </a:fontRef>
-        </p:style>
-        <p:txBody>
-          <a:bodyPr rtlCol="0" anchor="ctr"/>
-          <a:lstStyle/>
-          <a:p>
-            <a:pPr marL="342900" indent="-342900" algn="just">
-              <a:lnSpc>
-                <a:spcPct val="150000"/>
-              </a:lnSpc>
-              <a:buFont typeface="+mj-lt"/>
-              <a:buAutoNum type="arabicPeriod"/>
-            </a:pPr>
-            <a:r>
-              <a:rPr lang="ja-JP" altLang="en-US" sz="3600" kern="100" dirty="0">
-                <a:solidFill>
-                  <a:schemeClr val="tx1">
-                    <a:lumMod val="85000"/>
-                    <a:lumOff val="15000"/>
-                  </a:schemeClr>
-                </a:solidFill>
-                <a:latin typeface="メイリオ" panose="020B0604030504040204" pitchFamily="50" charset="-128"/>
-                <a:ea typeface="メイリオ" panose="020B0604030504040204" pitchFamily="50" charset="-128"/>
-                <a:cs typeface="Times New Roman" panose="02020603050405020304" pitchFamily="18" charset="0"/>
-              </a:rPr>
-              <a:t>　</a:t>
-            </a:r>
-            <a:r>
-              <a:rPr lang="ja-JP" altLang="ja-JP" sz="3600" kern="100" dirty="0">
-                <a:solidFill>
-                  <a:schemeClr val="tx1">
-                    <a:lumMod val="85000"/>
-                    <a:lumOff val="15000"/>
-                  </a:schemeClr>
-                </a:solidFill>
-                <a:latin typeface="メイリオ" panose="020B0604030504040204" pitchFamily="50" charset="-128"/>
-                <a:ea typeface="メイリオ" panose="020B0604030504040204" pitchFamily="50" charset="-128"/>
-                <a:cs typeface="Times New Roman" panose="02020603050405020304" pitchFamily="18" charset="0"/>
-              </a:rPr>
-              <a:t>チームの概要</a:t>
-            </a:r>
-          </a:p>
-        </p:txBody>
-      </p:sp>
-      <p:sp>
-        <p:nvSpPr>
-          <p:cNvPr id="15" name="スライド番号プレースホルダー 14">
-            <a:extLst>
-              <a:ext uri="{FF2B5EF4-FFF2-40B4-BE49-F238E27FC236}">
-                <a16:creationId xmlns:a16="http://schemas.microsoft.com/office/drawing/2014/main" id="{AF80DF13-54D4-4295-8DBD-60C26A1BCC62}"/>
-              </a:ext>
-            </a:extLst>
-          </p:cNvPr>
-          <p:cNvSpPr>
-            <a:spLocks noGrp="1"/>
-          </p:cNvSpPr>
-          <p:nvPr>
-            <p:ph type="sldNum" sz="quarter" idx="12"/>
-          </p:nvPr>
-        </p:nvSpPr>
-        <p:spPr>
-          <a:xfrm>
-            <a:off x="6784980" y="5359578"/>
-            <a:ext cx="2194560" cy="1397039"/>
-          </a:xfrm>
-        </p:spPr>
-        <p:txBody>
-          <a:bodyPr anchor="ctr"/>
-          <a:lstStyle/>
-          <a:p>
-            <a:fld id="{28B3E1AD-D654-41ED-B122-F068B9548232}" type="slidenum">
               <a:rPr kumimoji="1" lang="ja-JP" altLang="en-US" sz="6600" smtClean="0"/>
-              <a:t>21</a:t>
+              <a:t>23</a:t>
             </a:fld>
             <a:endParaRPr kumimoji="1" lang="ja-JP" altLang="en-US" sz="6600"/>
           </a:p>
@@ -18841,7 +20232,7 @@
 </p:sld>
 </file>
 
-<file path=ppt/slides/slide22.xml><?xml version="1.0" encoding="utf-8"?>
+<file path=ppt/slides/slide24.xml><?xml version="1.0" encoding="utf-8"?>
 <p:sld xmlns:a="http://schemas.openxmlformats.org/drawingml/2006/main" xmlns:r="http://schemas.openxmlformats.org/officeDocument/2006/relationships" xmlns:p="http://schemas.openxmlformats.org/presentationml/2006/main">
   <p:cSld>
     <p:spTree>
@@ -18893,7 +20284,7 @@
                   </a:schemeClr>
                 </a:solidFill>
               </a:rPr>
-              <a:t>22</a:t>
+              <a:t>24</a:t>
             </a:fld>
             <a:endParaRPr kumimoji="1" lang="ja-JP" altLang="en-US" sz="3200" dirty="0">
               <a:solidFill>
@@ -19347,7 +20738,7 @@
 </p:sld>
 </file>
 
-<file path=ppt/slides/slide23.xml><?xml version="1.0" encoding="utf-8"?>
+<file path=ppt/slides/slide25.xml><?xml version="1.0" encoding="utf-8"?>
 <p:sld xmlns:a="http://schemas.openxmlformats.org/drawingml/2006/main" xmlns:r="http://schemas.openxmlformats.org/officeDocument/2006/relationships" xmlns:p="http://schemas.openxmlformats.org/presentationml/2006/main">
   <p:cSld>
     <p:spTree>
@@ -19439,7 +20830,7 @@
                   </a:schemeClr>
                 </a:solidFill>
               </a:rPr>
-              <a:t>23</a:t>
+              <a:t>25</a:t>
             </a:fld>
             <a:endParaRPr kumimoji="1" lang="ja-JP" altLang="en-US" sz="3600" dirty="0">
               <a:solidFill>
@@ -19925,7 +21316,7 @@
 </p:sld>
 </file>
 
-<file path=ppt/slides/slide24.xml><?xml version="1.0" encoding="utf-8"?>
+<file path=ppt/slides/slide26.xml><?xml version="1.0" encoding="utf-8"?>
 <p:sld xmlns:a="http://schemas.openxmlformats.org/drawingml/2006/main" xmlns:r="http://schemas.openxmlformats.org/officeDocument/2006/relationships" xmlns:p="http://schemas.openxmlformats.org/presentationml/2006/main">
   <p:cSld>
     <p:spTree>
@@ -20037,14 +21428,14 @@
           <p:nvPr>
             <p:extLst>
               <p:ext uri="{D42A27DB-BD31-4B8C-83A1-F6EECF244321}">
-                <p14:modId xmlns:p14="http://schemas.microsoft.com/office/powerpoint/2010/main" val="2200365370"/>
+                <p14:modId xmlns:p14="http://schemas.microsoft.com/office/powerpoint/2010/main" val="2726991163"/>
               </p:ext>
             </p:extLst>
           </p:nvPr>
         </p:nvGraphicFramePr>
         <p:xfrm>
-          <a:off x="868725" y="1644865"/>
-          <a:ext cx="7406550" cy="4787350"/>
+          <a:off x="868725" y="1961378"/>
+          <a:ext cx="7406550" cy="4470836"/>
         </p:xfrm>
         <a:graphic>
           <a:graphicData uri="http://schemas.openxmlformats.org/drawingml/2006/table">
@@ -20075,7 +21466,7 @@
                   </a:extLst>
                 </a:gridCol>
               </a:tblGrid>
-              <a:tr h="892888">
+              <a:tr h="833855">
                 <a:tc>
                   <a:txBody>
                     <a:bodyPr/>
@@ -20261,7 +21652,7 @@
                   </a:ext>
                 </a:extLst>
               </a:tr>
-              <a:tr h="3894462">
+              <a:tr h="3636981">
                 <a:tc>
                   <a:txBody>
                     <a:bodyPr/>
@@ -20448,7 +21839,7 @@
         </p:nvSpPr>
         <p:spPr>
           <a:xfrm>
-            <a:off x="3341075" y="2945375"/>
+            <a:off x="3341075" y="3246435"/>
             <a:ext cx="2461846" cy="1322363"/>
           </a:xfrm>
           <a:prstGeom prst="rect">
@@ -20456,8 +21847,8 @@
           </a:prstGeom>
           <a:solidFill>
             <a:schemeClr val="accent1">
-              <a:lumMod val="20000"/>
-              <a:lumOff val="80000"/>
+              <a:lumMod val="40000"/>
+              <a:lumOff val="60000"/>
             </a:schemeClr>
           </a:solidFill>
           <a:ln w="57150">
@@ -20507,16 +21898,19 @@
         </p:nvSpPr>
         <p:spPr>
           <a:xfrm>
-            <a:off x="474570" y="755940"/>
-            <a:ext cx="8426542" cy="928469"/>
+            <a:off x="474570" y="946444"/>
+            <a:ext cx="8426542" cy="928470"/>
           </a:xfrm>
           <a:prstGeom prst="rightArrow">
             <a:avLst/>
           </a:prstGeom>
           <a:noFill/>
-          <a:ln>
+          <a:ln w="28575">
             <a:solidFill>
-              <a:schemeClr val="accent1"/>
+              <a:schemeClr val="tx1">
+                <a:lumMod val="75000"/>
+                <a:lumOff val="25000"/>
+              </a:schemeClr>
             </a:solidFill>
           </a:ln>
         </p:spPr>
@@ -20537,11 +21931,22 @@
           </a:fontRef>
         </p:style>
         <p:txBody>
-          <a:bodyPr rtlCol="0" anchor="ctr"/>
+          <a:bodyPr rtlCol="0" anchor="t"/>
           <a:lstStyle/>
           <a:p>
-            <a:pPr algn="ctr"/>
-            <a:endParaRPr kumimoji="1" lang="ja-JP" altLang="en-US"/>
+            <a:r>
+              <a:rPr kumimoji="1" lang="ja-JP" altLang="en-US" sz="2800" dirty="0">
+                <a:solidFill>
+                  <a:schemeClr val="tx1">
+                    <a:lumMod val="85000"/>
+                    <a:lumOff val="15000"/>
+                  </a:schemeClr>
+                </a:solidFill>
+                <a:latin typeface="メイリオ" panose="020B0604030504040204" pitchFamily="50" charset="-128"/>
+                <a:ea typeface="メイリオ" panose="020B0604030504040204" pitchFamily="50" charset="-128"/>
+              </a:rPr>
+              <a:t>低　　　　　　　　   優先度　　　　　　　　高</a:t>
+            </a:r>
           </a:p>
         </p:txBody>
       </p:sp>
@@ -20567,8 +21972,8 @@
           </a:prstGeom>
           <a:solidFill>
             <a:schemeClr val="accent1">
-              <a:lumMod val="20000"/>
-              <a:lumOff val="80000"/>
+              <a:lumMod val="40000"/>
+              <a:lumOff val="60000"/>
             </a:schemeClr>
           </a:solidFill>
           <a:ln w="57150">
@@ -20639,7 +22044,7 @@
         </p:nvSpPr>
         <p:spPr>
           <a:xfrm>
-            <a:off x="6211708" y="3012586"/>
+            <a:off x="6251633" y="3640328"/>
             <a:ext cx="2649479" cy="928470"/>
           </a:xfrm>
           <a:prstGeom prst="wedgeRoundRectCallout">
@@ -20728,8 +22133,8 @@
         </p:nvSpPr>
         <p:spPr>
           <a:xfrm>
-            <a:off x="317292" y="4778754"/>
-            <a:ext cx="2649479" cy="1456387"/>
+            <a:off x="242888" y="4778754"/>
+            <a:ext cx="2723883" cy="1456387"/>
           </a:xfrm>
           <a:prstGeom prst="wedgeRoundRectCallout">
             <a:avLst>
@@ -20788,7 +22193,7 @@
                 <a:latin typeface="メイリオ" panose="020B0604030504040204" pitchFamily="50" charset="-128"/>
                 <a:ea typeface="メイリオ" panose="020B0604030504040204" pitchFamily="50" charset="-128"/>
               </a:rPr>
-              <a:t>→一部仕様取り消し</a:t>
+              <a:t>→ 一部仕様取り消し</a:t>
             </a:r>
             <a:endParaRPr kumimoji="1" lang="ja-JP" altLang="en-US" sz="2000" dirty="0">
               <a:solidFill>
@@ -20810,10 +22215,150 @@
   <p:clrMapOvr>
     <a:masterClrMapping/>
   </p:clrMapOvr>
+  <p:timing>
+    <p:tnLst>
+      <p:par>
+        <p:cTn id="1" dur="indefinite" restart="never" nodeType="tmRoot">
+          <p:childTnLst>
+            <p:seq concurrent="1" nextAc="seek">
+              <p:cTn id="2" dur="indefinite" nodeType="mainSeq">
+                <p:childTnLst>
+                  <p:par>
+                    <p:cTn id="3" fill="hold">
+                      <p:stCondLst>
+                        <p:cond delay="indefinite"/>
+                      </p:stCondLst>
+                      <p:childTnLst>
+                        <p:par>
+                          <p:cTn id="4" fill="hold">
+                            <p:stCondLst>
+                              <p:cond delay="0"/>
+                            </p:stCondLst>
+                            <p:childTnLst>
+                              <p:par>
+                                <p:cTn id="5" presetID="10" presetClass="entr" presetSubtype="0" fill="hold" grpId="0" nodeType="clickEffect">
+                                  <p:stCondLst>
+                                    <p:cond delay="0"/>
+                                  </p:stCondLst>
+                                  <p:childTnLst>
+                                    <p:set>
+                                      <p:cBhvr>
+                                        <p:cTn id="6" dur="1" fill="hold">
+                                          <p:stCondLst>
+                                            <p:cond delay="0"/>
+                                          </p:stCondLst>
+                                        </p:cTn>
+                                        <p:tgtEl>
+                                          <p:spTgt spid="9"/>
+                                        </p:tgtEl>
+                                        <p:attrNameLst>
+                                          <p:attrName>style.visibility</p:attrName>
+                                        </p:attrNameLst>
+                                      </p:cBhvr>
+                                      <p:to>
+                                        <p:strVal val="visible"/>
+                                      </p:to>
+                                    </p:set>
+                                    <p:animEffect transition="in" filter="fade">
+                                      <p:cBhvr>
+                                        <p:cTn id="7" dur="500"/>
+                                        <p:tgtEl>
+                                          <p:spTgt spid="9"/>
+                                        </p:tgtEl>
+                                      </p:cBhvr>
+                                    </p:animEffect>
+                                  </p:childTnLst>
+                                </p:cTn>
+                              </p:par>
+                            </p:childTnLst>
+                          </p:cTn>
+                        </p:par>
+                      </p:childTnLst>
+                    </p:cTn>
+                  </p:par>
+                  <p:par>
+                    <p:cTn id="8" fill="hold">
+                      <p:stCondLst>
+                        <p:cond delay="indefinite"/>
+                      </p:stCondLst>
+                      <p:childTnLst>
+                        <p:par>
+                          <p:cTn id="9" fill="hold">
+                            <p:stCondLst>
+                              <p:cond delay="0"/>
+                            </p:stCondLst>
+                            <p:childTnLst>
+                              <p:par>
+                                <p:cTn id="10" presetID="10" presetClass="entr" presetSubtype="0" fill="hold" grpId="0" nodeType="clickEffect">
+                                  <p:stCondLst>
+                                    <p:cond delay="0"/>
+                                  </p:stCondLst>
+                                  <p:childTnLst>
+                                    <p:set>
+                                      <p:cBhvr>
+                                        <p:cTn id="11" dur="1" fill="hold">
+                                          <p:stCondLst>
+                                            <p:cond delay="0"/>
+                                          </p:stCondLst>
+                                        </p:cTn>
+                                        <p:tgtEl>
+                                          <p:spTgt spid="10"/>
+                                        </p:tgtEl>
+                                        <p:attrNameLst>
+                                          <p:attrName>style.visibility</p:attrName>
+                                        </p:attrNameLst>
+                                      </p:cBhvr>
+                                      <p:to>
+                                        <p:strVal val="visible"/>
+                                      </p:to>
+                                    </p:set>
+                                    <p:animEffect transition="in" filter="fade">
+                                      <p:cBhvr>
+                                        <p:cTn id="12" dur="500"/>
+                                        <p:tgtEl>
+                                          <p:spTgt spid="10"/>
+                                        </p:tgtEl>
+                                      </p:cBhvr>
+                                    </p:animEffect>
+                                  </p:childTnLst>
+                                </p:cTn>
+                              </p:par>
+                            </p:childTnLst>
+                          </p:cTn>
+                        </p:par>
+                      </p:childTnLst>
+                    </p:cTn>
+                  </p:par>
+                </p:childTnLst>
+              </p:cTn>
+              <p:prevCondLst>
+                <p:cond evt="onPrev" delay="0">
+                  <p:tgtEl>
+                    <p:sldTgt/>
+                  </p:tgtEl>
+                </p:cond>
+              </p:prevCondLst>
+              <p:nextCondLst>
+                <p:cond evt="onNext" delay="0">
+                  <p:tgtEl>
+                    <p:sldTgt/>
+                  </p:tgtEl>
+                </p:cond>
+              </p:nextCondLst>
+            </p:seq>
+          </p:childTnLst>
+        </p:cTn>
+      </p:par>
+    </p:tnLst>
+    <p:bldLst>
+      <p:bldP spid="9" grpId="0" animBg="1"/>
+      <p:bldP spid="10" grpId="0" animBg="1"/>
+    </p:bldLst>
+  </p:timing>
 </p:sld>
 </file>
 
-<file path=ppt/slides/slide25.xml><?xml version="1.0" encoding="utf-8"?>
+<file path=ppt/slides/slide27.xml><?xml version="1.0" encoding="utf-8"?>
 <p:sld xmlns:a="http://schemas.openxmlformats.org/drawingml/2006/main" xmlns:r="http://schemas.openxmlformats.org/officeDocument/2006/relationships" xmlns:p="http://schemas.openxmlformats.org/presentationml/2006/main">
   <p:cSld>
     <p:spTree>
@@ -20830,35 +22375,6 @@
           <a:chExt cx="0" cy="0"/>
         </a:xfrm>
       </p:grpSpPr>
-      <p:sp>
-        <p:nvSpPr>
-          <p:cNvPr id="2" name="スライド番号プレースホルダー 1">
-            <a:extLst>
-              <a:ext uri="{FF2B5EF4-FFF2-40B4-BE49-F238E27FC236}">
-                <a16:creationId xmlns:a16="http://schemas.microsoft.com/office/drawing/2014/main" id="{76B3011A-91A4-4466-BA8C-F02153A76A50}"/>
-              </a:ext>
-            </a:extLst>
-          </p:cNvPr>
-          <p:cNvSpPr>
-            <a:spLocks noGrp="1"/>
-          </p:cNvSpPr>
-          <p:nvPr>
-            <p:ph type="sldNum" sz="quarter" idx="12"/>
-          </p:nvPr>
-        </p:nvSpPr>
-        <p:spPr/>
-        <p:txBody>
-          <a:bodyPr/>
-          <a:lstStyle/>
-          <a:p>
-            <a:fld id="{28B3E1AD-D654-41ED-B122-F068B9548232}" type="slidenum">
-              <a:rPr kumimoji="1" lang="ja-JP" altLang="en-US" smtClean="0"/>
-              <a:t>25</a:t>
-            </a:fld>
-            <a:endParaRPr kumimoji="1" lang="ja-JP" altLang="en-US"/>
-          </a:p>
-        </p:txBody>
-      </p:sp>
       <p:pic>
         <p:nvPicPr>
           <p:cNvPr id="6" name="図 5" descr="コンピューターのスクリーンショット&#10;&#10;自動的に生成された説明">
@@ -20886,7 +22402,7 @@
         </p:blipFill>
         <p:spPr>
           <a:xfrm>
-            <a:off x="139554" y="1733257"/>
+            <a:off x="212105" y="1757430"/>
             <a:ext cx="8931895" cy="4320209"/>
           </a:xfrm>
           <a:prstGeom prst="rect">
@@ -20917,12 +22433,12 @@
               <a:gd name="adj2" fmla="val -211"/>
               <a:gd name="adj3" fmla="val 22362"/>
               <a:gd name="adj4" fmla="val -21236"/>
-              <a:gd name="adj5" fmla="val 228819"/>
-              <a:gd name="adj6" fmla="val -44888"/>
+              <a:gd name="adj5" fmla="val 223568"/>
+              <a:gd name="adj6" fmla="val -32726"/>
             </a:avLst>
           </a:prstGeom>
           <a:solidFill>
-            <a:schemeClr val="accent1"/>
+            <a:schemeClr val="bg1"/>
           </a:solidFill>
           <a:ln w="76200">
             <a:solidFill>
@@ -20952,7 +22468,10 @@
             <a:r>
               <a:rPr kumimoji="1" lang="ja-JP" altLang="en-US" sz="2400" dirty="0">
                 <a:solidFill>
-                  <a:schemeClr val="bg1"/>
+                  <a:schemeClr val="tx1">
+                    <a:lumMod val="75000"/>
+                    <a:lumOff val="25000"/>
+                  </a:schemeClr>
                 </a:solidFill>
                 <a:latin typeface="メイリオ" panose="020B0604030504040204" pitchFamily="50" charset="-128"/>
                 <a:ea typeface="メイリオ" panose="020B0604030504040204" pitchFamily="50" charset="-128"/>
@@ -20961,7 +22480,10 @@
             </a:r>
             <a:endParaRPr kumimoji="1" lang="en-US" altLang="ja-JP" sz="2400" dirty="0">
               <a:solidFill>
-                <a:schemeClr val="bg1"/>
+                <a:schemeClr val="tx1">
+                  <a:lumMod val="75000"/>
+                  <a:lumOff val="25000"/>
+                </a:schemeClr>
               </a:solidFill>
               <a:latin typeface="メイリオ" panose="020B0604030504040204" pitchFamily="50" charset="-128"/>
               <a:ea typeface="メイリオ" panose="020B0604030504040204" pitchFamily="50" charset="-128"/>
@@ -20972,7 +22494,10 @@
             <a:r>
               <a:rPr kumimoji="1" lang="ja-JP" altLang="en-US" sz="2400" dirty="0">
                 <a:solidFill>
-                  <a:schemeClr val="bg1"/>
+                  <a:schemeClr val="tx1">
+                    <a:lumMod val="75000"/>
+                    <a:lumOff val="25000"/>
+                  </a:schemeClr>
                 </a:solidFill>
                 <a:latin typeface="メイリオ" panose="020B0604030504040204" pitchFamily="50" charset="-128"/>
                 <a:ea typeface="メイリオ" panose="020B0604030504040204" pitchFamily="50" charset="-128"/>
@@ -20981,7 +22506,10 @@
             </a:r>
             <a:endParaRPr kumimoji="1" lang="en-US" altLang="ja-JP" sz="2400" dirty="0">
               <a:solidFill>
-                <a:schemeClr val="bg1"/>
+                <a:schemeClr val="tx1">
+                  <a:lumMod val="75000"/>
+                  <a:lumOff val="25000"/>
+                </a:schemeClr>
               </a:solidFill>
               <a:latin typeface="メイリオ" panose="020B0604030504040204" pitchFamily="50" charset="-128"/>
               <a:ea typeface="メイリオ" panose="020B0604030504040204" pitchFamily="50" charset="-128"/>
@@ -21004,7 +22532,7 @@
         <p:spPr>
           <a:xfrm>
             <a:off x="1676419" y="5998996"/>
-            <a:ext cx="1789274" cy="762000"/>
+            <a:ext cx="3055238" cy="762000"/>
           </a:xfrm>
           <a:prstGeom prst="borderCallout2">
             <a:avLst>
@@ -21012,14 +22540,18 @@
               <a:gd name="adj2" fmla="val -211"/>
               <a:gd name="adj3" fmla="val 22362"/>
               <a:gd name="adj4" fmla="val -21236"/>
-              <a:gd name="adj5" fmla="val -305166"/>
-              <a:gd name="adj6" fmla="val -74635"/>
+              <a:gd name="adj5" fmla="val -284213"/>
+              <a:gd name="adj6" fmla="val -42331"/>
             </a:avLst>
           </a:prstGeom>
           <a:solidFill>
-            <a:schemeClr val="accent1"/>
+            <a:schemeClr val="bg1"/>
           </a:solidFill>
-          <a:ln w="38100"/>
+          <a:ln w="76200">
+            <a:solidFill>
+              <a:schemeClr val="accent1"/>
+            </a:solidFill>
+          </a:ln>
         </p:spPr>
         <p:style>
           <a:lnRef idx="2">
@@ -21041,18 +22573,24 @@
           <a:p>
             <a:pPr algn="ctr"/>
             <a:r>
-              <a:rPr kumimoji="1" lang="ja-JP" altLang="en-US" dirty="0">
+              <a:rPr kumimoji="1" lang="ja-JP" altLang="en-US" sz="2400" dirty="0">
                 <a:solidFill>
-                  <a:schemeClr val="bg1"/>
+                  <a:schemeClr val="tx1">
+                    <a:lumMod val="75000"/>
+                    <a:lumOff val="25000"/>
+                  </a:schemeClr>
                 </a:solidFill>
                 <a:latin typeface="メイリオ" panose="020B0604030504040204" pitchFamily="50" charset="-128"/>
                 <a:ea typeface="メイリオ" panose="020B0604030504040204" pitchFamily="50" charset="-128"/>
               </a:rPr>
-              <a:t>タスクを数字で把握できる</a:t>
-            </a:r>
-            <a:endParaRPr kumimoji="1" lang="en-US" altLang="ja-JP" dirty="0">
+              <a:t>タスクを数字で把握</a:t>
+            </a:r>
+            <a:endParaRPr kumimoji="1" lang="en-US" altLang="ja-JP" sz="2400" dirty="0">
               <a:solidFill>
-                <a:schemeClr val="bg1"/>
+                <a:schemeClr val="tx1">
+                  <a:lumMod val="75000"/>
+                  <a:lumOff val="25000"/>
+                </a:schemeClr>
               </a:solidFill>
               <a:latin typeface="メイリオ" panose="020B0604030504040204" pitchFamily="50" charset="-128"/>
               <a:ea typeface="メイリオ" panose="020B0604030504040204" pitchFamily="50" charset="-128"/>
@@ -21074,23 +22612,27 @@
         </p:nvSpPr>
         <p:spPr>
           <a:xfrm>
-            <a:off x="5651717" y="6017948"/>
-            <a:ext cx="2630891" cy="762000"/>
+            <a:off x="5909687" y="5857461"/>
+            <a:ext cx="3115788" cy="903535"/>
           </a:xfrm>
           <a:prstGeom prst="borderCallout2">
             <a:avLst>
               <a:gd name="adj1" fmla="val 22362"/>
               <a:gd name="adj2" fmla="val -211"/>
-              <a:gd name="adj3" fmla="val -19377"/>
-              <a:gd name="adj4" fmla="val -22211"/>
-              <a:gd name="adj5" fmla="val -200818"/>
-              <a:gd name="adj6" fmla="val -8718"/>
+              <a:gd name="adj3" fmla="val -24196"/>
+              <a:gd name="adj4" fmla="val 149"/>
+              <a:gd name="adj5" fmla="val -189574"/>
+              <a:gd name="adj6" fmla="val -7320"/>
             </a:avLst>
           </a:prstGeom>
           <a:solidFill>
-            <a:schemeClr val="accent1"/>
+            <a:schemeClr val="bg1"/>
           </a:solidFill>
-          <a:ln w="38100"/>
+          <a:ln w="76200">
+            <a:solidFill>
+              <a:schemeClr val="accent1"/>
+            </a:solidFill>
+          </a:ln>
         </p:spPr>
         <p:style>
           <a:lnRef idx="2">
@@ -21112,18 +22654,24 @@
           <a:p>
             <a:pPr algn="ctr"/>
             <a:r>
-              <a:rPr kumimoji="1" lang="ja-JP" altLang="en-US" dirty="0">
+              <a:rPr kumimoji="1" lang="ja-JP" altLang="en-US" sz="2400" dirty="0">
                 <a:solidFill>
-                  <a:schemeClr val="bg1"/>
+                  <a:schemeClr val="tx1">
+                    <a:lumMod val="75000"/>
+                    <a:lumOff val="25000"/>
+                  </a:schemeClr>
                 </a:solidFill>
                 <a:latin typeface="メイリオ" panose="020B0604030504040204" pitchFamily="50" charset="-128"/>
                 <a:ea typeface="メイリオ" panose="020B0604030504040204" pitchFamily="50" charset="-128"/>
               </a:rPr>
               <a:t>プッシュする際に</a:t>
             </a:r>
-            <a:endParaRPr kumimoji="1" lang="en-US" altLang="ja-JP" dirty="0">
+            <a:endParaRPr kumimoji="1" lang="en-US" altLang="ja-JP" sz="2400" dirty="0">
               <a:solidFill>
-                <a:schemeClr val="bg1"/>
+                <a:schemeClr val="tx1">
+                  <a:lumMod val="75000"/>
+                  <a:lumOff val="25000"/>
+                </a:schemeClr>
               </a:solidFill>
               <a:latin typeface="メイリオ" panose="020B0604030504040204" pitchFamily="50" charset="-128"/>
               <a:ea typeface="メイリオ" panose="020B0604030504040204" pitchFamily="50" charset="-128"/>
@@ -21132,18 +22680,24 @@
           <a:p>
             <a:pPr algn="ctr"/>
             <a:r>
-              <a:rPr kumimoji="1" lang="ja-JP" altLang="en-US" dirty="0">
+              <a:rPr kumimoji="1" lang="ja-JP" altLang="en-US" sz="2400" dirty="0">
                 <a:solidFill>
-                  <a:schemeClr val="bg1"/>
+                  <a:schemeClr val="tx1">
+                    <a:lumMod val="75000"/>
+                    <a:lumOff val="25000"/>
+                  </a:schemeClr>
                 </a:solidFill>
                 <a:latin typeface="メイリオ" panose="020B0604030504040204" pitchFamily="50" charset="-128"/>
                 <a:ea typeface="メイリオ" panose="020B0604030504040204" pitchFamily="50" charset="-128"/>
               </a:rPr>
               <a:t>＃○○をつけた</a:t>
             </a:r>
-            <a:endParaRPr kumimoji="1" lang="en-US" altLang="ja-JP" dirty="0">
+            <a:endParaRPr kumimoji="1" lang="en-US" altLang="ja-JP" sz="2400" dirty="0">
               <a:solidFill>
-                <a:schemeClr val="bg1"/>
+                <a:schemeClr val="tx1">
+                  <a:lumMod val="75000"/>
+                  <a:lumOff val="25000"/>
+                </a:schemeClr>
               </a:solidFill>
               <a:latin typeface="メイリオ" panose="020B0604030504040204" pitchFamily="50" charset="-128"/>
               <a:ea typeface="メイリオ" panose="020B0604030504040204" pitchFamily="50" charset="-128"/>
@@ -21151,6 +22705,145 @@
           </a:p>
         </p:txBody>
       </p:sp>
+      <p:sp>
+        <p:nvSpPr>
+          <p:cNvPr id="3" name="フローチャート: 結合子 2">
+            <a:extLst>
+              <a:ext uri="{FF2B5EF4-FFF2-40B4-BE49-F238E27FC236}">
+                <a16:creationId xmlns:a16="http://schemas.microsoft.com/office/drawing/2014/main" id="{63462FEF-C9F5-4717-B8AC-24CB6F1BD61F}"/>
+              </a:ext>
+            </a:extLst>
+          </p:cNvPr>
+          <p:cNvSpPr/>
+          <p:nvPr/>
+        </p:nvSpPr>
+        <p:spPr>
+          <a:xfrm>
+            <a:off x="72551" y="3341819"/>
+            <a:ext cx="499075" cy="504468"/>
+          </a:xfrm>
+          <a:prstGeom prst="flowChartConnector">
+            <a:avLst/>
+          </a:prstGeom>
+          <a:noFill/>
+          <a:ln w="57150">
+            <a:solidFill>
+              <a:schemeClr val="accent1"/>
+            </a:solidFill>
+          </a:ln>
+        </p:spPr>
+        <p:style>
+          <a:lnRef idx="2">
+            <a:schemeClr val="accent6"/>
+          </a:lnRef>
+          <a:fillRef idx="1">
+            <a:schemeClr val="lt1"/>
+          </a:fillRef>
+          <a:effectRef idx="0">
+            <a:schemeClr val="accent6"/>
+          </a:effectRef>
+          <a:fontRef idx="minor">
+            <a:schemeClr val="dk1"/>
+          </a:fontRef>
+        </p:style>
+        <p:txBody>
+          <a:bodyPr rtlCol="0" anchor="ctr"/>
+          <a:lstStyle/>
+          <a:p>
+            <a:pPr algn="ctr"/>
+            <a:endParaRPr kumimoji="1" lang="ja-JP" altLang="en-US"/>
+          </a:p>
+        </p:txBody>
+      </p:sp>
+      <p:sp>
+        <p:nvSpPr>
+          <p:cNvPr id="10" name="フローチャート: 結合子 9">
+            <a:extLst>
+              <a:ext uri="{FF2B5EF4-FFF2-40B4-BE49-F238E27FC236}">
+                <a16:creationId xmlns:a16="http://schemas.microsoft.com/office/drawing/2014/main" id="{E00DA008-06FC-4CA8-86A1-2315623B22B8}"/>
+              </a:ext>
+            </a:extLst>
+          </p:cNvPr>
+          <p:cNvSpPr/>
+          <p:nvPr/>
+        </p:nvSpPr>
+        <p:spPr>
+          <a:xfrm>
+            <a:off x="5402179" y="3665301"/>
+            <a:ext cx="499075" cy="504468"/>
+          </a:xfrm>
+          <a:prstGeom prst="flowChartConnector">
+            <a:avLst/>
+          </a:prstGeom>
+          <a:noFill/>
+          <a:ln w="57150">
+            <a:solidFill>
+              <a:schemeClr val="accent1"/>
+            </a:solidFill>
+          </a:ln>
+        </p:spPr>
+        <p:style>
+          <a:lnRef idx="2">
+            <a:schemeClr val="accent6"/>
+          </a:lnRef>
+          <a:fillRef idx="1">
+            <a:schemeClr val="lt1"/>
+          </a:fillRef>
+          <a:effectRef idx="0">
+            <a:schemeClr val="accent6"/>
+          </a:effectRef>
+          <a:fontRef idx="minor">
+            <a:schemeClr val="dk1"/>
+          </a:fontRef>
+        </p:style>
+        <p:txBody>
+          <a:bodyPr rtlCol="0" anchor="ctr"/>
+          <a:lstStyle/>
+          <a:p>
+            <a:pPr algn="ctr"/>
+            <a:endParaRPr kumimoji="1" lang="ja-JP" altLang="en-US"/>
+          </a:p>
+        </p:txBody>
+      </p:sp>
+      <p:cxnSp>
+        <p:nvCxnSpPr>
+          <p:cNvPr id="11" name="直線コネクタ 10">
+            <a:extLst>
+              <a:ext uri="{FF2B5EF4-FFF2-40B4-BE49-F238E27FC236}">
+                <a16:creationId xmlns:a16="http://schemas.microsoft.com/office/drawing/2014/main" id="{E832C4FB-3B72-48F3-B038-A4E97AAA88F8}"/>
+              </a:ext>
+            </a:extLst>
+          </p:cNvPr>
+          <p:cNvCxnSpPr>
+            <a:cxnSpLocks/>
+          </p:cNvCxnSpPr>
+          <p:nvPr/>
+        </p:nvCxnSpPr>
+        <p:spPr>
+          <a:xfrm>
+            <a:off x="274500" y="478970"/>
+            <a:ext cx="8626612" cy="0"/>
+          </a:xfrm>
+          <a:prstGeom prst="line">
+            <a:avLst/>
+          </a:prstGeom>
+          <a:ln w="57150"/>
+        </p:spPr>
+        <p:style>
+          <a:lnRef idx="1">
+            <a:schemeClr val="accent1"/>
+          </a:lnRef>
+          <a:fillRef idx="0">
+            <a:schemeClr val="accent1"/>
+          </a:fillRef>
+          <a:effectRef idx="0">
+            <a:schemeClr val="accent1"/>
+          </a:effectRef>
+          <a:fontRef idx="minor">
+            <a:schemeClr val="tx1"/>
+          </a:fontRef>
+        </p:style>
+      </p:cxnSp>
       <p:sp>
         <p:nvSpPr>
           <p:cNvPr id="16" name="テキスト ボックス 15">
@@ -21165,13 +22858,15 @@
         </p:nvSpPr>
         <p:spPr>
           <a:xfrm>
-            <a:off x="2100468" y="371061"/>
+            <a:off x="2100469" y="271903"/>
             <a:ext cx="4943061" cy="523220"/>
           </a:xfrm>
           <a:prstGeom prst="rect">
             <a:avLst/>
           </a:prstGeom>
-          <a:noFill/>
+          <a:solidFill>
+            <a:schemeClr val="bg1"/>
+          </a:solidFill>
         </p:spPr>
         <p:txBody>
           <a:bodyPr wrap="square" rtlCol="0">
@@ -21206,10 +22901,276 @@
   <p:clrMapOvr>
     <a:masterClrMapping/>
   </p:clrMapOvr>
+  <p:timing>
+    <p:tnLst>
+      <p:par>
+        <p:cTn id="1" dur="indefinite" restart="never" nodeType="tmRoot">
+          <p:childTnLst>
+            <p:seq concurrent="1" nextAc="seek">
+              <p:cTn id="2" dur="indefinite" nodeType="mainSeq">
+                <p:childTnLst>
+                  <p:par>
+                    <p:cTn id="3" fill="hold">
+                      <p:stCondLst>
+                        <p:cond delay="indefinite"/>
+                      </p:stCondLst>
+                      <p:childTnLst>
+                        <p:par>
+                          <p:cTn id="4" fill="hold">
+                            <p:stCondLst>
+                              <p:cond delay="0"/>
+                            </p:stCondLst>
+                            <p:childTnLst>
+                              <p:par>
+                                <p:cTn id="5" presetID="10" presetClass="entr" presetSubtype="0" fill="hold" grpId="0" nodeType="clickEffect">
+                                  <p:stCondLst>
+                                    <p:cond delay="0"/>
+                                  </p:stCondLst>
+                                  <p:childTnLst>
+                                    <p:set>
+                                      <p:cBhvr>
+                                        <p:cTn id="6" dur="1" fill="hold">
+                                          <p:stCondLst>
+                                            <p:cond delay="0"/>
+                                          </p:stCondLst>
+                                        </p:cTn>
+                                        <p:tgtEl>
+                                          <p:spTgt spid="8"/>
+                                        </p:tgtEl>
+                                        <p:attrNameLst>
+                                          <p:attrName>style.visibility</p:attrName>
+                                        </p:attrNameLst>
+                                      </p:cBhvr>
+                                      <p:to>
+                                        <p:strVal val="visible"/>
+                                      </p:to>
+                                    </p:set>
+                                    <p:animEffect transition="in" filter="fade">
+                                      <p:cBhvr>
+                                        <p:cTn id="7" dur="500"/>
+                                        <p:tgtEl>
+                                          <p:spTgt spid="8"/>
+                                        </p:tgtEl>
+                                      </p:cBhvr>
+                                    </p:animEffect>
+                                  </p:childTnLst>
+                                </p:cTn>
+                              </p:par>
+                            </p:childTnLst>
+                          </p:cTn>
+                        </p:par>
+                      </p:childTnLst>
+                    </p:cTn>
+                  </p:par>
+                  <p:par>
+                    <p:cTn id="8" fill="hold">
+                      <p:stCondLst>
+                        <p:cond delay="indefinite"/>
+                      </p:stCondLst>
+                      <p:childTnLst>
+                        <p:par>
+                          <p:cTn id="9" fill="hold">
+                            <p:stCondLst>
+                              <p:cond delay="0"/>
+                            </p:stCondLst>
+                            <p:childTnLst>
+                              <p:par>
+                                <p:cTn id="10" presetID="10" presetClass="entr" presetSubtype="0" fill="hold" grpId="0" nodeType="clickEffect">
+                                  <p:stCondLst>
+                                    <p:cond delay="0"/>
+                                  </p:stCondLst>
+                                  <p:childTnLst>
+                                    <p:set>
+                                      <p:cBhvr>
+                                        <p:cTn id="11" dur="1" fill="hold">
+                                          <p:stCondLst>
+                                            <p:cond delay="0"/>
+                                          </p:stCondLst>
+                                        </p:cTn>
+                                        <p:tgtEl>
+                                          <p:spTgt spid="3"/>
+                                        </p:tgtEl>
+                                        <p:attrNameLst>
+                                          <p:attrName>style.visibility</p:attrName>
+                                        </p:attrNameLst>
+                                      </p:cBhvr>
+                                      <p:to>
+                                        <p:strVal val="visible"/>
+                                      </p:to>
+                                    </p:set>
+                                    <p:animEffect transition="in" filter="fade">
+                                      <p:cBhvr>
+                                        <p:cTn id="12" dur="500"/>
+                                        <p:tgtEl>
+                                          <p:spTgt spid="3"/>
+                                        </p:tgtEl>
+                                      </p:cBhvr>
+                                    </p:animEffect>
+                                  </p:childTnLst>
+                                </p:cTn>
+                              </p:par>
+                              <p:par>
+                                <p:cTn id="13" presetID="10" presetClass="entr" presetSubtype="0" fill="hold" grpId="0" nodeType="withEffect">
+                                  <p:stCondLst>
+                                    <p:cond delay="0"/>
+                                  </p:stCondLst>
+                                  <p:childTnLst>
+                                    <p:set>
+                                      <p:cBhvr>
+                                        <p:cTn id="14" dur="1" fill="hold">
+                                          <p:stCondLst>
+                                            <p:cond delay="0"/>
+                                          </p:stCondLst>
+                                        </p:cTn>
+                                        <p:tgtEl>
+                                          <p:spTgt spid="12"/>
+                                        </p:tgtEl>
+                                        <p:attrNameLst>
+                                          <p:attrName>style.visibility</p:attrName>
+                                        </p:attrNameLst>
+                                      </p:cBhvr>
+                                      <p:to>
+                                        <p:strVal val="visible"/>
+                                      </p:to>
+                                    </p:set>
+                                    <p:animEffect transition="in" filter="fade">
+                                      <p:cBhvr>
+                                        <p:cTn id="15" dur="500"/>
+                                        <p:tgtEl>
+                                          <p:spTgt spid="12"/>
+                                        </p:tgtEl>
+                                      </p:cBhvr>
+                                    </p:animEffect>
+                                  </p:childTnLst>
+                                </p:cTn>
+                              </p:par>
+                            </p:childTnLst>
+                          </p:cTn>
+                        </p:par>
+                      </p:childTnLst>
+                    </p:cTn>
+                  </p:par>
+                  <p:par>
+                    <p:cTn id="16" fill="hold">
+                      <p:stCondLst>
+                        <p:cond delay="indefinite"/>
+                      </p:stCondLst>
+                      <p:childTnLst>
+                        <p:par>
+                          <p:cTn id="17" fill="hold">
+                            <p:stCondLst>
+                              <p:cond delay="0"/>
+                            </p:stCondLst>
+                            <p:childTnLst>
+                              <p:par>
+                                <p:cTn id="18" presetID="10" presetClass="entr" presetSubtype="0" fill="hold" grpId="0" nodeType="clickEffect">
+                                  <p:stCondLst>
+                                    <p:cond delay="0"/>
+                                  </p:stCondLst>
+                                  <p:childTnLst>
+                                    <p:set>
+                                      <p:cBhvr>
+                                        <p:cTn id="19" dur="1" fill="hold">
+                                          <p:stCondLst>
+                                            <p:cond delay="0"/>
+                                          </p:stCondLst>
+                                        </p:cTn>
+                                        <p:tgtEl>
+                                          <p:spTgt spid="10"/>
+                                        </p:tgtEl>
+                                        <p:attrNameLst>
+                                          <p:attrName>style.visibility</p:attrName>
+                                        </p:attrNameLst>
+                                      </p:cBhvr>
+                                      <p:to>
+                                        <p:strVal val="visible"/>
+                                      </p:to>
+                                    </p:set>
+                                    <p:animEffect transition="in" filter="fade">
+                                      <p:cBhvr>
+                                        <p:cTn id="20" dur="500"/>
+                                        <p:tgtEl>
+                                          <p:spTgt spid="10"/>
+                                        </p:tgtEl>
+                                      </p:cBhvr>
+                                    </p:animEffect>
+                                  </p:childTnLst>
+                                </p:cTn>
+                              </p:par>
+                              <p:par>
+                                <p:cTn id="21" presetID="10" presetClass="entr" presetSubtype="0" fill="hold" grpId="0" nodeType="withEffect">
+                                  <p:stCondLst>
+                                    <p:cond delay="0"/>
+                                  </p:stCondLst>
+                                  <p:childTnLst>
+                                    <p:set>
+                                      <p:cBhvr>
+                                        <p:cTn id="22" dur="1" fill="hold">
+                                          <p:stCondLst>
+                                            <p:cond delay="0"/>
+                                          </p:stCondLst>
+                                        </p:cTn>
+                                        <p:tgtEl>
+                                          <p:spTgt spid="15"/>
+                                        </p:tgtEl>
+                                        <p:attrNameLst>
+                                          <p:attrName>style.visibility</p:attrName>
+                                        </p:attrNameLst>
+                                      </p:cBhvr>
+                                      <p:to>
+                                        <p:strVal val="visible"/>
+                                      </p:to>
+                                    </p:set>
+                                    <p:animEffect transition="in" filter="fade">
+                                      <p:cBhvr>
+                                        <p:cTn id="23" dur="500"/>
+                                        <p:tgtEl>
+                                          <p:spTgt spid="15"/>
+                                        </p:tgtEl>
+                                      </p:cBhvr>
+                                    </p:animEffect>
+                                  </p:childTnLst>
+                                </p:cTn>
+                              </p:par>
+                            </p:childTnLst>
+                          </p:cTn>
+                        </p:par>
+                      </p:childTnLst>
+                    </p:cTn>
+                  </p:par>
+                </p:childTnLst>
+              </p:cTn>
+              <p:prevCondLst>
+                <p:cond evt="onPrev" delay="0">
+                  <p:tgtEl>
+                    <p:sldTgt/>
+                  </p:tgtEl>
+                </p:cond>
+              </p:prevCondLst>
+              <p:nextCondLst>
+                <p:cond evt="onNext" delay="0">
+                  <p:tgtEl>
+                    <p:sldTgt/>
+                  </p:tgtEl>
+                </p:cond>
+              </p:nextCondLst>
+            </p:seq>
+          </p:childTnLst>
+        </p:cTn>
+      </p:par>
+    </p:tnLst>
+    <p:bldLst>
+      <p:bldP spid="8" grpId="0" animBg="1"/>
+      <p:bldP spid="12" grpId="0" animBg="1"/>
+      <p:bldP spid="15" grpId="0" animBg="1"/>
+      <p:bldP spid="3" grpId="0" animBg="1"/>
+      <p:bldP spid="10" grpId="0" animBg="1"/>
+    </p:bldLst>
+  </p:timing>
 </p:sld>
 </file>
 
-<file path=ppt/slides/slide26.xml><?xml version="1.0" encoding="utf-8"?>
+<file path=ppt/slides/slide28.xml><?xml version="1.0" encoding="utf-8"?>
 <p:sld xmlns:a="http://schemas.openxmlformats.org/drawingml/2006/main" xmlns:r="http://schemas.openxmlformats.org/officeDocument/2006/relationships" xmlns:p="http://schemas.openxmlformats.org/presentationml/2006/main">
   <p:cSld>
     <p:spTree>
@@ -21249,7 +23210,7 @@
           <a:p>
             <a:fld id="{28B3E1AD-D654-41ED-B122-F068B9548232}" type="slidenum">
               <a:rPr kumimoji="1" lang="ja-JP" altLang="en-US" smtClean="0"/>
-              <a:t>26</a:t>
+              <a:t>28</a:t>
             </a:fld>
             <a:endParaRPr kumimoji="1" lang="ja-JP" altLang="en-US"/>
           </a:p>
@@ -21483,7 +23444,7 @@
 </p:sld>
 </file>
 
-<file path=ppt/slides/slide27.xml><?xml version="1.0" encoding="utf-8"?>
+<file path=ppt/slides/slide29.xml><?xml version="1.0" encoding="utf-8"?>
 <p:sld xmlns:a="http://schemas.openxmlformats.org/drawingml/2006/main" xmlns:r="http://schemas.openxmlformats.org/officeDocument/2006/relationships" xmlns:p="http://schemas.openxmlformats.org/presentationml/2006/main">
   <p:cSld>
     <p:spTree>
@@ -21523,7 +23484,7 @@
           <a:p>
             <a:fld id="{28B3E1AD-D654-41ED-B122-F068B9548232}" type="slidenum">
               <a:rPr kumimoji="1" lang="ja-JP" altLang="en-US" smtClean="0"/>
-              <a:t>27</a:t>
+              <a:t>29</a:t>
             </a:fld>
             <a:endParaRPr kumimoji="1" lang="ja-JP" altLang="en-US"/>
           </a:p>
@@ -21728,7 +23689,528 @@
 </p:sld>
 </file>
 
-<file path=ppt/slides/slide28.xml><?xml version="1.0" encoding="utf-8"?>
+<file path=ppt/slides/slide3.xml><?xml version="1.0" encoding="utf-8"?>
+<p:sld xmlns:a="http://schemas.openxmlformats.org/drawingml/2006/main" xmlns:r="http://schemas.openxmlformats.org/officeDocument/2006/relationships" xmlns:p="http://schemas.openxmlformats.org/presentationml/2006/main">
+  <p:cSld>
+    <p:spTree>
+      <p:nvGrpSpPr>
+        <p:cNvPr id="1" name=""/>
+        <p:cNvGrpSpPr/>
+        <p:nvPr/>
+      </p:nvGrpSpPr>
+      <p:grpSpPr>
+        <a:xfrm>
+          <a:off x="0" y="0"/>
+          <a:ext cx="0" cy="0"/>
+          <a:chOff x="0" y="0"/>
+          <a:chExt cx="0" cy="0"/>
+        </a:xfrm>
+      </p:grpSpPr>
+      <p:sp>
+        <p:nvSpPr>
+          <p:cNvPr id="2" name="タイトル 1">
+            <a:extLst>
+              <a:ext uri="{FF2B5EF4-FFF2-40B4-BE49-F238E27FC236}">
+                <a16:creationId xmlns:a16="http://schemas.microsoft.com/office/drawing/2014/main" id="{BE45A6A3-88DA-43A6-A3EF-A240C7C5EA09}"/>
+              </a:ext>
+            </a:extLst>
+          </p:cNvPr>
+          <p:cNvSpPr>
+            <a:spLocks noGrp="1"/>
+          </p:cNvSpPr>
+          <p:nvPr>
+            <p:ph type="title"/>
+          </p:nvPr>
+        </p:nvSpPr>
+        <p:spPr>
+          <a:xfrm>
+            <a:off x="221082" y="257624"/>
+            <a:ext cx="8079581" cy="960494"/>
+          </a:xfrm>
+        </p:spPr>
+        <p:txBody>
+          <a:bodyPr>
+            <a:normAutofit/>
+          </a:bodyPr>
+          <a:lstStyle/>
+          <a:p>
+            <a:r>
+              <a:rPr lang="en-US" altLang="ja-JP" sz="4800" kern="100" dirty="0">
+                <a:effectLst/>
+                <a:latin typeface="メイリオ" panose="020B0604030504040204" pitchFamily="50" charset="-128"/>
+                <a:ea typeface="メイリオ" panose="020B0604030504040204" pitchFamily="50" charset="-128"/>
+                <a:cs typeface="Times New Roman" panose="02020603050405020304" pitchFamily="18" charset="0"/>
+              </a:rPr>
+              <a:t>TEAM MEMBER</a:t>
+            </a:r>
+            <a:endParaRPr kumimoji="1" lang="ja-JP" altLang="en-US" sz="4800" dirty="0"/>
+          </a:p>
+        </p:txBody>
+      </p:sp>
+      <p:sp>
+        <p:nvSpPr>
+          <p:cNvPr id="3" name="コンテンツ プレースホルダー 2">
+            <a:extLst>
+              <a:ext uri="{FF2B5EF4-FFF2-40B4-BE49-F238E27FC236}">
+                <a16:creationId xmlns:a16="http://schemas.microsoft.com/office/drawing/2014/main" id="{6226E1D2-7C3C-4CBD-8DD9-5F71BA4692C1}"/>
+              </a:ext>
+            </a:extLst>
+          </p:cNvPr>
+          <p:cNvSpPr>
+            <a:spLocks noGrp="1"/>
+          </p:cNvSpPr>
+          <p:nvPr>
+            <p:ph idx="1"/>
+          </p:nvPr>
+        </p:nvSpPr>
+        <p:spPr>
+          <a:xfrm>
+            <a:off x="361088" y="1448816"/>
+            <a:ext cx="8421823" cy="5307801"/>
+          </a:xfrm>
+        </p:spPr>
+        <p:txBody>
+          <a:bodyPr>
+            <a:normAutofit/>
+          </a:bodyPr>
+          <a:lstStyle/>
+          <a:p>
+            <a:pPr algn="just">
+              <a:lnSpc>
+                <a:spcPct val="150000"/>
+              </a:lnSpc>
+              <a:buFont typeface="Wingdings" panose="05000000000000000000" pitchFamily="2" charset="2"/>
+              <a:buChar char="l"/>
+            </a:pPr>
+            <a:r>
+              <a:rPr lang="ja-JP" altLang="ja-JP" sz="2800" kern="100" dirty="0">
+                <a:effectLst/>
+                <a:latin typeface="メイリオ" panose="020B0604030504040204" pitchFamily="50" charset="-128"/>
+                <a:ea typeface="メイリオ" panose="020B0604030504040204" pitchFamily="50" charset="-128"/>
+                <a:cs typeface="Times New Roman" panose="02020603050405020304" pitchFamily="18" charset="0"/>
+              </a:rPr>
+              <a:t>乘川和輝</a:t>
+            </a:r>
+            <a:r>
+              <a:rPr lang="ja-JP" altLang="en-US" sz="2800" kern="100" dirty="0">
+                <a:latin typeface="メイリオ" panose="020B0604030504040204" pitchFamily="50" charset="-128"/>
+                <a:ea typeface="メイリオ" panose="020B0604030504040204" pitchFamily="50" charset="-128"/>
+                <a:cs typeface="Times New Roman" panose="02020603050405020304" pitchFamily="18" charset="0"/>
+              </a:rPr>
+              <a:t>（</a:t>
+            </a:r>
+            <a:r>
+              <a:rPr lang="ja-JP" altLang="ja-JP" sz="2800" kern="100" dirty="0">
+                <a:effectLst/>
+                <a:latin typeface="メイリオ" panose="020B0604030504040204" pitchFamily="50" charset="-128"/>
+                <a:ea typeface="メイリオ" panose="020B0604030504040204" pitchFamily="50" charset="-128"/>
+                <a:cs typeface="Times New Roman" panose="02020603050405020304" pitchFamily="18" charset="0"/>
+              </a:rPr>
+              <a:t>リーダー</a:t>
+            </a:r>
+            <a:r>
+              <a:rPr lang="ja-JP" altLang="en-US" sz="2800" kern="100" dirty="0">
+                <a:latin typeface="メイリオ" panose="020B0604030504040204" pitchFamily="50" charset="-128"/>
+                <a:ea typeface="メイリオ" panose="020B0604030504040204" pitchFamily="50" charset="-128"/>
+                <a:cs typeface="Times New Roman" panose="02020603050405020304" pitchFamily="18" charset="0"/>
+              </a:rPr>
+              <a:t>）</a:t>
+            </a:r>
+            <a:r>
+              <a:rPr lang="ja-JP" altLang="ja-JP" sz="2800" kern="100" dirty="0">
+                <a:effectLst/>
+                <a:latin typeface="メイリオ" panose="020B0604030504040204" pitchFamily="50" charset="-128"/>
+                <a:ea typeface="メイリオ" panose="020B0604030504040204" pitchFamily="50" charset="-128"/>
+                <a:cs typeface="Times New Roman" panose="02020603050405020304" pitchFamily="18" charset="0"/>
+              </a:rPr>
+              <a:t>　　　　</a:t>
+            </a:r>
+            <a:r>
+              <a:rPr lang="ja-JP" altLang="en-US" sz="2800" kern="100" dirty="0">
+                <a:effectLst/>
+                <a:latin typeface="メイリオ" panose="020B0604030504040204" pitchFamily="50" charset="-128"/>
+                <a:ea typeface="メイリオ" panose="020B0604030504040204" pitchFamily="50" charset="-128"/>
+                <a:cs typeface="Times New Roman" panose="02020603050405020304" pitchFamily="18" charset="0"/>
+              </a:rPr>
+              <a:t>　　</a:t>
+            </a:r>
+            <a:r>
+              <a:rPr lang="ja-JP" altLang="ja-JP" sz="2800" kern="100" dirty="0">
+                <a:effectLst/>
+                <a:latin typeface="メイリオ" panose="020B0604030504040204" pitchFamily="50" charset="-128"/>
+                <a:ea typeface="メイリオ" panose="020B0604030504040204" pitchFamily="50" charset="-128"/>
+                <a:cs typeface="Times New Roman" panose="02020603050405020304" pitchFamily="18" charset="0"/>
+              </a:rPr>
+              <a:t>サインポスト</a:t>
+            </a:r>
+            <a:endParaRPr lang="en-US" altLang="ja-JP" sz="2800" kern="100" dirty="0">
+              <a:effectLst/>
+              <a:latin typeface="メイリオ" panose="020B0604030504040204" pitchFamily="50" charset="-128"/>
+              <a:ea typeface="メイリオ" panose="020B0604030504040204" pitchFamily="50" charset="-128"/>
+              <a:cs typeface="Times New Roman" panose="02020603050405020304" pitchFamily="18" charset="0"/>
+            </a:endParaRPr>
+          </a:p>
+          <a:p>
+            <a:pPr algn="just">
+              <a:lnSpc>
+                <a:spcPct val="150000"/>
+              </a:lnSpc>
+              <a:buFont typeface="Wingdings" panose="05000000000000000000" pitchFamily="2" charset="2"/>
+              <a:buChar char="l"/>
+            </a:pPr>
+            <a:r>
+              <a:rPr lang="ja-JP" altLang="ja-JP" sz="2800" kern="100" dirty="0">
+                <a:effectLst/>
+                <a:latin typeface="メイリオ" panose="020B0604030504040204" pitchFamily="50" charset="-128"/>
+                <a:ea typeface="メイリオ" panose="020B0604030504040204" pitchFamily="50" charset="-128"/>
+                <a:cs typeface="Times New Roman" panose="02020603050405020304" pitchFamily="18" charset="0"/>
+              </a:rPr>
+              <a:t>田島駿亮</a:t>
+            </a:r>
+            <a:r>
+              <a:rPr lang="ja-JP" altLang="en-US" sz="2800" kern="100" dirty="0">
+                <a:latin typeface="メイリオ" panose="020B0604030504040204" pitchFamily="50" charset="-128"/>
+                <a:ea typeface="メイリオ" panose="020B0604030504040204" pitchFamily="50" charset="-128"/>
+                <a:cs typeface="Times New Roman" panose="02020603050405020304" pitchFamily="18" charset="0"/>
+              </a:rPr>
+              <a:t>（</a:t>
+            </a:r>
+            <a:r>
+              <a:rPr lang="ja-JP" altLang="ja-JP" sz="2800" kern="100" dirty="0">
+                <a:effectLst/>
+                <a:latin typeface="メイリオ" panose="020B0604030504040204" pitchFamily="50" charset="-128"/>
+                <a:ea typeface="メイリオ" panose="020B0604030504040204" pitchFamily="50" charset="-128"/>
+                <a:cs typeface="Times New Roman" panose="02020603050405020304" pitchFamily="18" charset="0"/>
+              </a:rPr>
+              <a:t>品質管理</a:t>
+            </a:r>
+            <a:r>
+              <a:rPr lang="ja-JP" altLang="en-US" sz="2800" kern="100" dirty="0">
+                <a:effectLst/>
+                <a:latin typeface="メイリオ" panose="020B0604030504040204" pitchFamily="50" charset="-128"/>
+                <a:ea typeface="メイリオ" panose="020B0604030504040204" pitchFamily="50" charset="-128"/>
+                <a:cs typeface="Times New Roman" panose="02020603050405020304" pitchFamily="18" charset="0"/>
+              </a:rPr>
+              <a:t>）</a:t>
+            </a:r>
+            <a:r>
+              <a:rPr lang="ja-JP" altLang="ja-JP" sz="2800" kern="100" dirty="0">
+                <a:effectLst/>
+                <a:latin typeface="メイリオ" panose="020B0604030504040204" pitchFamily="50" charset="-128"/>
+                <a:ea typeface="メイリオ" panose="020B0604030504040204" pitchFamily="50" charset="-128"/>
+                <a:cs typeface="Times New Roman" panose="02020603050405020304" pitchFamily="18" charset="0"/>
+              </a:rPr>
+              <a:t>　　　</a:t>
+            </a:r>
+            <a:r>
+              <a:rPr lang="ja-JP" altLang="en-US" sz="2800" kern="100" dirty="0">
+                <a:effectLst/>
+                <a:latin typeface="メイリオ" panose="020B0604030504040204" pitchFamily="50" charset="-128"/>
+                <a:ea typeface="メイリオ" panose="020B0604030504040204" pitchFamily="50" charset="-128"/>
+                <a:cs typeface="Times New Roman" panose="02020603050405020304" pitchFamily="18" charset="0"/>
+              </a:rPr>
+              <a:t>　　　知識工学</a:t>
+            </a:r>
+            <a:endParaRPr lang="ja-JP" altLang="ja-JP" sz="2800" kern="100" dirty="0">
+              <a:effectLst/>
+              <a:latin typeface="メイリオ" panose="020B0604030504040204" pitchFamily="50" charset="-128"/>
+              <a:ea typeface="メイリオ" panose="020B0604030504040204" pitchFamily="50" charset="-128"/>
+              <a:cs typeface="Times New Roman" panose="02020603050405020304" pitchFamily="18" charset="0"/>
+            </a:endParaRPr>
+          </a:p>
+          <a:p>
+            <a:pPr algn="just">
+              <a:lnSpc>
+                <a:spcPct val="150000"/>
+              </a:lnSpc>
+              <a:buFont typeface="Wingdings" panose="05000000000000000000" pitchFamily="2" charset="2"/>
+              <a:buChar char="l"/>
+            </a:pPr>
+            <a:r>
+              <a:rPr lang="ja-JP" altLang="ja-JP" sz="2800" kern="100" dirty="0">
+                <a:effectLst/>
+                <a:latin typeface="メイリオ" panose="020B0604030504040204" pitchFamily="50" charset="-128"/>
+                <a:ea typeface="メイリオ" panose="020B0604030504040204" pitchFamily="50" charset="-128"/>
+                <a:cs typeface="Times New Roman" panose="02020603050405020304" pitchFamily="18" charset="0"/>
+              </a:rPr>
+              <a:t>影山李穂</a:t>
+            </a:r>
+            <a:r>
+              <a:rPr lang="ja-JP" altLang="en-US" sz="2800" kern="100" dirty="0">
+                <a:effectLst/>
+                <a:latin typeface="メイリオ" panose="020B0604030504040204" pitchFamily="50" charset="-128"/>
+                <a:ea typeface="メイリオ" panose="020B0604030504040204" pitchFamily="50" charset="-128"/>
+                <a:cs typeface="Times New Roman" panose="02020603050405020304" pitchFamily="18" charset="0"/>
+              </a:rPr>
+              <a:t>（</a:t>
+            </a:r>
+            <a:r>
+              <a:rPr lang="ja-JP" altLang="ja-JP" sz="2800" kern="100" dirty="0">
+                <a:effectLst/>
+                <a:latin typeface="メイリオ" panose="020B0604030504040204" pitchFamily="50" charset="-128"/>
+                <a:ea typeface="メイリオ" panose="020B0604030504040204" pitchFamily="50" charset="-128"/>
+                <a:cs typeface="Times New Roman" panose="02020603050405020304" pitchFamily="18" charset="0"/>
+              </a:rPr>
+              <a:t>構成管理</a:t>
+            </a:r>
+            <a:r>
+              <a:rPr lang="ja-JP" altLang="en-US" sz="2800" kern="100" dirty="0">
+                <a:effectLst/>
+                <a:latin typeface="メイリオ" panose="020B0604030504040204" pitchFamily="50" charset="-128"/>
+                <a:ea typeface="メイリオ" panose="020B0604030504040204" pitchFamily="50" charset="-128"/>
+                <a:cs typeface="Times New Roman" panose="02020603050405020304" pitchFamily="18" charset="0"/>
+              </a:rPr>
+              <a:t>）</a:t>
+            </a:r>
+            <a:r>
+              <a:rPr lang="ja-JP" altLang="ja-JP" sz="2800" kern="100" dirty="0">
+                <a:effectLst/>
+                <a:latin typeface="メイリオ" panose="020B0604030504040204" pitchFamily="50" charset="-128"/>
+                <a:ea typeface="メイリオ" panose="020B0604030504040204" pitchFamily="50" charset="-128"/>
+                <a:cs typeface="Times New Roman" panose="02020603050405020304" pitchFamily="18" charset="0"/>
+              </a:rPr>
+              <a:t>　　　</a:t>
+            </a:r>
+            <a:r>
+              <a:rPr lang="ja-JP" altLang="en-US" sz="2800" kern="100" dirty="0">
+                <a:effectLst/>
+                <a:latin typeface="メイリオ" panose="020B0604030504040204" pitchFamily="50" charset="-128"/>
+                <a:ea typeface="メイリオ" panose="020B0604030504040204" pitchFamily="50" charset="-128"/>
+                <a:cs typeface="Times New Roman" panose="02020603050405020304" pitchFamily="18" charset="0"/>
+              </a:rPr>
+              <a:t>　　　</a:t>
+            </a:r>
+            <a:r>
+              <a:rPr lang="ja-JP" altLang="ja-JP" sz="2800" kern="100" dirty="0">
+                <a:effectLst/>
+                <a:latin typeface="メイリオ" panose="020B0604030504040204" pitchFamily="50" charset="-128"/>
+                <a:ea typeface="メイリオ" panose="020B0604030504040204" pitchFamily="50" charset="-128"/>
+                <a:cs typeface="Times New Roman" panose="02020603050405020304" pitchFamily="18" charset="0"/>
+              </a:rPr>
+              <a:t>サインポスト</a:t>
+            </a:r>
+          </a:p>
+          <a:p>
+            <a:pPr algn="just">
+              <a:lnSpc>
+                <a:spcPct val="150000"/>
+              </a:lnSpc>
+              <a:buFont typeface="Wingdings" panose="05000000000000000000" pitchFamily="2" charset="2"/>
+              <a:buChar char="l"/>
+            </a:pPr>
+            <a:r>
+              <a:rPr lang="ja-JP" altLang="ja-JP" sz="2800" kern="100" dirty="0">
+                <a:effectLst/>
+                <a:latin typeface="メイリオ" panose="020B0604030504040204" pitchFamily="50" charset="-128"/>
+                <a:ea typeface="メイリオ" panose="020B0604030504040204" pitchFamily="50" charset="-128"/>
+                <a:cs typeface="Times New Roman" panose="02020603050405020304" pitchFamily="18" charset="0"/>
+              </a:rPr>
+              <a:t>畔柳創一</a:t>
+            </a:r>
+            <a:r>
+              <a:rPr lang="ja-JP" altLang="en-US" sz="2800" kern="100" dirty="0">
+                <a:effectLst/>
+                <a:latin typeface="メイリオ" panose="020B0604030504040204" pitchFamily="50" charset="-128"/>
+                <a:ea typeface="メイリオ" panose="020B0604030504040204" pitchFamily="50" charset="-128"/>
+                <a:cs typeface="Times New Roman" panose="02020603050405020304" pitchFamily="18" charset="0"/>
+              </a:rPr>
+              <a:t>（</a:t>
+            </a:r>
+            <a:r>
+              <a:rPr lang="ja-JP" altLang="ja-JP" sz="2800" kern="100" dirty="0">
+                <a:effectLst/>
+                <a:latin typeface="メイリオ" panose="020B0604030504040204" pitchFamily="50" charset="-128"/>
+                <a:ea typeface="メイリオ" panose="020B0604030504040204" pitchFamily="50" charset="-128"/>
+                <a:cs typeface="Times New Roman" panose="02020603050405020304" pitchFamily="18" charset="0"/>
+              </a:rPr>
+              <a:t>データベース</a:t>
+            </a:r>
+            <a:r>
+              <a:rPr lang="ja-JP" altLang="en-US" sz="2800" kern="100" dirty="0">
+                <a:latin typeface="メイリオ" panose="020B0604030504040204" pitchFamily="50" charset="-128"/>
+                <a:ea typeface="メイリオ" panose="020B0604030504040204" pitchFamily="50" charset="-128"/>
+                <a:cs typeface="Times New Roman" panose="02020603050405020304" pitchFamily="18" charset="0"/>
+              </a:rPr>
+              <a:t>）　　　　オアシス</a:t>
+            </a:r>
+            <a:endParaRPr lang="ja-JP" altLang="ja-JP" sz="2800" kern="100" dirty="0">
+              <a:effectLst/>
+              <a:latin typeface="メイリオ" panose="020B0604030504040204" pitchFamily="50" charset="-128"/>
+              <a:ea typeface="メイリオ" panose="020B0604030504040204" pitchFamily="50" charset="-128"/>
+              <a:cs typeface="Times New Roman" panose="02020603050405020304" pitchFamily="18" charset="0"/>
+            </a:endParaRPr>
+          </a:p>
+          <a:p>
+            <a:pPr algn="just">
+              <a:lnSpc>
+                <a:spcPct val="150000"/>
+              </a:lnSpc>
+              <a:buFont typeface="Wingdings" panose="05000000000000000000" pitchFamily="2" charset="2"/>
+              <a:buChar char="l"/>
+            </a:pPr>
+            <a:r>
+              <a:rPr lang="ja-JP" altLang="ja-JP" sz="2800" kern="100" dirty="0">
+                <a:effectLst/>
+                <a:latin typeface="メイリオ" panose="020B0604030504040204" pitchFamily="50" charset="-128"/>
+                <a:ea typeface="メイリオ" panose="020B0604030504040204" pitchFamily="50" charset="-128"/>
+                <a:cs typeface="Times New Roman" panose="02020603050405020304" pitchFamily="18" charset="0"/>
+              </a:rPr>
+              <a:t>横田結衣</a:t>
+            </a:r>
+            <a:r>
+              <a:rPr lang="ja-JP" altLang="en-US" sz="2800" kern="100" dirty="0">
+                <a:effectLst/>
+                <a:latin typeface="メイリオ" panose="020B0604030504040204" pitchFamily="50" charset="-128"/>
+                <a:ea typeface="メイリオ" panose="020B0604030504040204" pitchFamily="50" charset="-128"/>
+                <a:cs typeface="Times New Roman" panose="02020603050405020304" pitchFamily="18" charset="0"/>
+              </a:rPr>
+              <a:t>（</a:t>
+            </a:r>
+            <a:r>
+              <a:rPr lang="ja-JP" altLang="ja-JP" sz="2800" kern="100" dirty="0">
+                <a:effectLst/>
+                <a:latin typeface="メイリオ" panose="020B0604030504040204" pitchFamily="50" charset="-128"/>
+                <a:ea typeface="メイリオ" panose="020B0604030504040204" pitchFamily="50" charset="-128"/>
+                <a:cs typeface="Times New Roman" panose="02020603050405020304" pitchFamily="18" charset="0"/>
+              </a:rPr>
+              <a:t>コミュニケーション</a:t>
+            </a:r>
+            <a:r>
+              <a:rPr lang="ja-JP" altLang="en-US" sz="2800" kern="100" dirty="0">
+                <a:effectLst/>
+                <a:latin typeface="メイリオ" panose="020B0604030504040204" pitchFamily="50" charset="-128"/>
+                <a:ea typeface="メイリオ" panose="020B0604030504040204" pitchFamily="50" charset="-128"/>
+                <a:cs typeface="Times New Roman" panose="02020603050405020304" pitchFamily="18" charset="0"/>
+              </a:rPr>
+              <a:t>）　デジサイン</a:t>
+            </a:r>
+            <a:endParaRPr lang="ja-JP" altLang="ja-JP" sz="2800" kern="100" dirty="0">
+              <a:effectLst/>
+              <a:latin typeface="メイリオ" panose="020B0604030504040204" pitchFamily="50" charset="-128"/>
+              <a:ea typeface="メイリオ" panose="020B0604030504040204" pitchFamily="50" charset="-128"/>
+              <a:cs typeface="Times New Roman" panose="02020603050405020304" pitchFamily="18" charset="0"/>
+            </a:endParaRPr>
+          </a:p>
+          <a:p>
+            <a:pPr algn="just">
+              <a:lnSpc>
+                <a:spcPct val="150000"/>
+              </a:lnSpc>
+              <a:buFont typeface="Wingdings" panose="05000000000000000000" pitchFamily="2" charset="2"/>
+              <a:buChar char="l"/>
+            </a:pPr>
+            <a:r>
+              <a:rPr lang="ja-JP" altLang="ja-JP" sz="2800" kern="100" dirty="0">
+                <a:effectLst/>
+                <a:latin typeface="メイリオ" panose="020B0604030504040204" pitchFamily="50" charset="-128"/>
+                <a:ea typeface="メイリオ" panose="020B0604030504040204" pitchFamily="50" charset="-128"/>
+                <a:cs typeface="Times New Roman" panose="02020603050405020304" pitchFamily="18" charset="0"/>
+              </a:rPr>
+              <a:t>須田卯月</a:t>
+            </a:r>
+            <a:r>
+              <a:rPr lang="ja-JP" altLang="en-US" sz="2800" kern="100" dirty="0">
+                <a:latin typeface="メイリオ" panose="020B0604030504040204" pitchFamily="50" charset="-128"/>
+                <a:ea typeface="メイリオ" panose="020B0604030504040204" pitchFamily="50" charset="-128"/>
+                <a:cs typeface="Times New Roman" panose="02020603050405020304" pitchFamily="18" charset="0"/>
+              </a:rPr>
+              <a:t>（</a:t>
+            </a:r>
+            <a:r>
+              <a:rPr lang="ja-JP" altLang="ja-JP" sz="2800" kern="100" dirty="0">
+                <a:effectLst/>
+                <a:latin typeface="メイリオ" panose="020B0604030504040204" pitchFamily="50" charset="-128"/>
+                <a:ea typeface="メイリオ" panose="020B0604030504040204" pitchFamily="50" charset="-128"/>
+                <a:cs typeface="Times New Roman" panose="02020603050405020304" pitchFamily="18" charset="0"/>
+              </a:rPr>
+              <a:t>発表担当</a:t>
+            </a:r>
+            <a:r>
+              <a:rPr lang="ja-JP" altLang="en-US" sz="2800" kern="100" dirty="0">
+                <a:latin typeface="メイリオ" panose="020B0604030504040204" pitchFamily="50" charset="-128"/>
+                <a:ea typeface="メイリオ" panose="020B0604030504040204" pitchFamily="50" charset="-128"/>
+                <a:cs typeface="Times New Roman" panose="02020603050405020304" pitchFamily="18" charset="0"/>
+              </a:rPr>
+              <a:t>）</a:t>
+            </a:r>
+            <a:r>
+              <a:rPr lang="ja-JP" altLang="ja-JP" sz="2800" kern="100" dirty="0">
+                <a:effectLst/>
+                <a:latin typeface="メイリオ" panose="020B0604030504040204" pitchFamily="50" charset="-128"/>
+                <a:ea typeface="メイリオ" panose="020B0604030504040204" pitchFamily="50" charset="-128"/>
+                <a:cs typeface="Times New Roman" panose="02020603050405020304" pitchFamily="18" charset="0"/>
+              </a:rPr>
+              <a:t>　　　　</a:t>
+            </a:r>
+            <a:r>
+              <a:rPr lang="ja-JP" altLang="en-US" sz="2800" kern="100" dirty="0">
+                <a:effectLst/>
+                <a:latin typeface="メイリオ" panose="020B0604030504040204" pitchFamily="50" charset="-128"/>
+                <a:ea typeface="メイリオ" panose="020B0604030504040204" pitchFamily="50" charset="-128"/>
+                <a:cs typeface="Times New Roman" panose="02020603050405020304" pitchFamily="18" charset="0"/>
+              </a:rPr>
+              <a:t>　　</a:t>
+            </a:r>
+            <a:r>
+              <a:rPr lang="ja-JP" altLang="ja-JP" sz="2800" kern="100" dirty="0">
+                <a:effectLst/>
+                <a:latin typeface="メイリオ" panose="020B0604030504040204" pitchFamily="50" charset="-128"/>
+                <a:ea typeface="メイリオ" panose="020B0604030504040204" pitchFamily="50" charset="-128"/>
+                <a:cs typeface="Times New Roman" panose="02020603050405020304" pitchFamily="18" charset="0"/>
+              </a:rPr>
+              <a:t>サインポスト</a:t>
+            </a:r>
+          </a:p>
+        </p:txBody>
+      </p:sp>
+      <p:sp>
+        <p:nvSpPr>
+          <p:cNvPr id="4" name="スライド番号プレースホルダー 3">
+            <a:extLst>
+              <a:ext uri="{FF2B5EF4-FFF2-40B4-BE49-F238E27FC236}">
+                <a16:creationId xmlns:a16="http://schemas.microsoft.com/office/drawing/2014/main" id="{22B9251E-336C-4E40-90EE-DC9AE06AA274}"/>
+              </a:ext>
+            </a:extLst>
+          </p:cNvPr>
+          <p:cNvSpPr>
+            <a:spLocks noGrp="1"/>
+          </p:cNvSpPr>
+          <p:nvPr>
+            <p:ph type="sldNum" sz="quarter" idx="12"/>
+          </p:nvPr>
+        </p:nvSpPr>
+        <p:spPr>
+          <a:xfrm>
+            <a:off x="6692215" y="5359578"/>
+            <a:ext cx="2194560" cy="1397039"/>
+          </a:xfrm>
+        </p:spPr>
+        <p:txBody>
+          <a:bodyPr/>
+          <a:lstStyle/>
+          <a:p>
+            <a:fld id="{28B3E1AD-D654-41ED-B122-F068B9548232}" type="slidenum">
+              <a:rPr kumimoji="1" lang="ja-JP" altLang="en-US" smtClean="0"/>
+              <a:t>3</a:t>
+            </a:fld>
+            <a:endParaRPr kumimoji="1" lang="ja-JP" altLang="en-US" dirty="0"/>
+          </a:p>
+        </p:txBody>
+      </p:sp>
+    </p:spTree>
+    <p:extLst>
+      <p:ext uri="{BB962C8B-B14F-4D97-AF65-F5344CB8AC3E}">
+        <p14:creationId xmlns:p14="http://schemas.microsoft.com/office/powerpoint/2010/main" val="3044171557"/>
+      </p:ext>
+    </p:extLst>
+  </p:cSld>
+  <p:clrMapOvr>
+    <a:masterClrMapping/>
+  </p:clrMapOvr>
+</p:sld>
+</file>
+
+<file path=ppt/slides/slide30.xml><?xml version="1.0" encoding="utf-8"?>
 <p:sld xmlns:a="http://schemas.openxmlformats.org/drawingml/2006/main" xmlns:r="http://schemas.openxmlformats.org/officeDocument/2006/relationships" xmlns:p="http://schemas.openxmlformats.org/presentationml/2006/main">
   <p:cSld>
     <p:spTree>
@@ -21891,7 +24373,7 @@
           <a:p>
             <a:fld id="{28B3E1AD-D654-41ED-B122-F068B9548232}" type="slidenum">
               <a:rPr kumimoji="1" lang="ja-JP" altLang="en-US" sz="6600" smtClean="0"/>
-              <a:t>28</a:t>
+              <a:t>30</a:t>
             </a:fld>
             <a:endParaRPr kumimoji="1" lang="ja-JP" altLang="en-US" sz="6600"/>
           </a:p>
@@ -22359,7 +24841,7 @@
 </p:sld>
 </file>
 
-<file path=ppt/slides/slide29.xml><?xml version="1.0" encoding="utf-8"?>
+<file path=ppt/slides/slide31.xml><?xml version="1.0" encoding="utf-8"?>
 <p:sld xmlns:a="http://schemas.openxmlformats.org/drawingml/2006/main" xmlns:r="http://schemas.openxmlformats.org/officeDocument/2006/relationships" xmlns:p="http://schemas.openxmlformats.org/presentationml/2006/main">
   <p:cSld>
     <p:spTree>
@@ -22527,7 +25009,7 @@
                 <a:latin typeface="メイリオ" panose="020B0604030504040204" pitchFamily="50" charset="-128"/>
                 <a:ea typeface="メイリオ" panose="020B0604030504040204" pitchFamily="50" charset="-128"/>
               </a:rPr>
-              <a:t>29</a:t>
+              <a:t>31</a:t>
             </a:fld>
             <a:endParaRPr kumimoji="1" lang="ja-JP" altLang="en-US" sz="4000" dirty="0">
               <a:solidFill>
@@ -23181,528 +25663,7 @@
 </p:sld>
 </file>
 
-<file path=ppt/slides/slide3.xml><?xml version="1.0" encoding="utf-8"?>
-<p:sld xmlns:a="http://schemas.openxmlformats.org/drawingml/2006/main" xmlns:r="http://schemas.openxmlformats.org/officeDocument/2006/relationships" xmlns:p="http://schemas.openxmlformats.org/presentationml/2006/main">
-  <p:cSld>
-    <p:spTree>
-      <p:nvGrpSpPr>
-        <p:cNvPr id="1" name=""/>
-        <p:cNvGrpSpPr/>
-        <p:nvPr/>
-      </p:nvGrpSpPr>
-      <p:grpSpPr>
-        <a:xfrm>
-          <a:off x="0" y="0"/>
-          <a:ext cx="0" cy="0"/>
-          <a:chOff x="0" y="0"/>
-          <a:chExt cx="0" cy="0"/>
-        </a:xfrm>
-      </p:grpSpPr>
-      <p:sp>
-        <p:nvSpPr>
-          <p:cNvPr id="2" name="タイトル 1">
-            <a:extLst>
-              <a:ext uri="{FF2B5EF4-FFF2-40B4-BE49-F238E27FC236}">
-                <a16:creationId xmlns:a16="http://schemas.microsoft.com/office/drawing/2014/main" id="{BE45A6A3-88DA-43A6-A3EF-A240C7C5EA09}"/>
-              </a:ext>
-            </a:extLst>
-          </p:cNvPr>
-          <p:cNvSpPr>
-            <a:spLocks noGrp="1"/>
-          </p:cNvSpPr>
-          <p:nvPr>
-            <p:ph type="title"/>
-          </p:nvPr>
-        </p:nvSpPr>
-        <p:spPr>
-          <a:xfrm>
-            <a:off x="221082" y="257624"/>
-            <a:ext cx="8079581" cy="960494"/>
-          </a:xfrm>
-        </p:spPr>
-        <p:txBody>
-          <a:bodyPr>
-            <a:normAutofit/>
-          </a:bodyPr>
-          <a:lstStyle/>
-          <a:p>
-            <a:r>
-              <a:rPr lang="en-US" altLang="ja-JP" sz="4800" kern="100" dirty="0">
-                <a:effectLst/>
-                <a:latin typeface="メイリオ" panose="020B0604030504040204" pitchFamily="50" charset="-128"/>
-                <a:ea typeface="メイリオ" panose="020B0604030504040204" pitchFamily="50" charset="-128"/>
-                <a:cs typeface="Times New Roman" panose="02020603050405020304" pitchFamily="18" charset="0"/>
-              </a:rPr>
-              <a:t>TEAM MEMBER</a:t>
-            </a:r>
-            <a:endParaRPr kumimoji="1" lang="ja-JP" altLang="en-US" sz="4800" dirty="0"/>
-          </a:p>
-        </p:txBody>
-      </p:sp>
-      <p:sp>
-        <p:nvSpPr>
-          <p:cNvPr id="3" name="コンテンツ プレースホルダー 2">
-            <a:extLst>
-              <a:ext uri="{FF2B5EF4-FFF2-40B4-BE49-F238E27FC236}">
-                <a16:creationId xmlns:a16="http://schemas.microsoft.com/office/drawing/2014/main" id="{6226E1D2-7C3C-4CBD-8DD9-5F71BA4692C1}"/>
-              </a:ext>
-            </a:extLst>
-          </p:cNvPr>
-          <p:cNvSpPr>
-            <a:spLocks noGrp="1"/>
-          </p:cNvSpPr>
-          <p:nvPr>
-            <p:ph idx="1"/>
-          </p:nvPr>
-        </p:nvSpPr>
-        <p:spPr>
-          <a:xfrm>
-            <a:off x="361088" y="1448816"/>
-            <a:ext cx="8421823" cy="5307801"/>
-          </a:xfrm>
-        </p:spPr>
-        <p:txBody>
-          <a:bodyPr>
-            <a:normAutofit/>
-          </a:bodyPr>
-          <a:lstStyle/>
-          <a:p>
-            <a:pPr algn="just">
-              <a:lnSpc>
-                <a:spcPct val="150000"/>
-              </a:lnSpc>
-              <a:buFont typeface="Wingdings" panose="05000000000000000000" pitchFamily="2" charset="2"/>
-              <a:buChar char="l"/>
-            </a:pPr>
-            <a:r>
-              <a:rPr lang="ja-JP" altLang="ja-JP" sz="2800" kern="100" dirty="0">
-                <a:effectLst/>
-                <a:latin typeface="メイリオ" panose="020B0604030504040204" pitchFamily="50" charset="-128"/>
-                <a:ea typeface="メイリオ" panose="020B0604030504040204" pitchFamily="50" charset="-128"/>
-                <a:cs typeface="Times New Roman" panose="02020603050405020304" pitchFamily="18" charset="0"/>
-              </a:rPr>
-              <a:t>乘川和輝</a:t>
-            </a:r>
-            <a:r>
-              <a:rPr lang="ja-JP" altLang="en-US" sz="2800" kern="100" dirty="0">
-                <a:latin typeface="メイリオ" panose="020B0604030504040204" pitchFamily="50" charset="-128"/>
-                <a:ea typeface="メイリオ" panose="020B0604030504040204" pitchFamily="50" charset="-128"/>
-                <a:cs typeface="Times New Roman" panose="02020603050405020304" pitchFamily="18" charset="0"/>
-              </a:rPr>
-              <a:t>（</a:t>
-            </a:r>
-            <a:r>
-              <a:rPr lang="ja-JP" altLang="ja-JP" sz="2800" kern="100" dirty="0">
-                <a:effectLst/>
-                <a:latin typeface="メイリオ" panose="020B0604030504040204" pitchFamily="50" charset="-128"/>
-                <a:ea typeface="メイリオ" panose="020B0604030504040204" pitchFamily="50" charset="-128"/>
-                <a:cs typeface="Times New Roman" panose="02020603050405020304" pitchFamily="18" charset="0"/>
-              </a:rPr>
-              <a:t>リーダー</a:t>
-            </a:r>
-            <a:r>
-              <a:rPr lang="ja-JP" altLang="en-US" sz="2800" kern="100" dirty="0">
-                <a:latin typeface="メイリオ" panose="020B0604030504040204" pitchFamily="50" charset="-128"/>
-                <a:ea typeface="メイリオ" panose="020B0604030504040204" pitchFamily="50" charset="-128"/>
-                <a:cs typeface="Times New Roman" panose="02020603050405020304" pitchFamily="18" charset="0"/>
-              </a:rPr>
-              <a:t>）</a:t>
-            </a:r>
-            <a:r>
-              <a:rPr lang="ja-JP" altLang="ja-JP" sz="2800" kern="100" dirty="0">
-                <a:effectLst/>
-                <a:latin typeface="メイリオ" panose="020B0604030504040204" pitchFamily="50" charset="-128"/>
-                <a:ea typeface="メイリオ" panose="020B0604030504040204" pitchFamily="50" charset="-128"/>
-                <a:cs typeface="Times New Roman" panose="02020603050405020304" pitchFamily="18" charset="0"/>
-              </a:rPr>
-              <a:t>　　　　</a:t>
-            </a:r>
-            <a:r>
-              <a:rPr lang="ja-JP" altLang="en-US" sz="2800" kern="100" dirty="0">
-                <a:effectLst/>
-                <a:latin typeface="メイリオ" panose="020B0604030504040204" pitchFamily="50" charset="-128"/>
-                <a:ea typeface="メイリオ" panose="020B0604030504040204" pitchFamily="50" charset="-128"/>
-                <a:cs typeface="Times New Roman" panose="02020603050405020304" pitchFamily="18" charset="0"/>
-              </a:rPr>
-              <a:t>　　</a:t>
-            </a:r>
-            <a:r>
-              <a:rPr lang="ja-JP" altLang="ja-JP" sz="2800" kern="100" dirty="0">
-                <a:effectLst/>
-                <a:latin typeface="メイリオ" panose="020B0604030504040204" pitchFamily="50" charset="-128"/>
-                <a:ea typeface="メイリオ" panose="020B0604030504040204" pitchFamily="50" charset="-128"/>
-                <a:cs typeface="Times New Roman" panose="02020603050405020304" pitchFamily="18" charset="0"/>
-              </a:rPr>
-              <a:t>サインポスト</a:t>
-            </a:r>
-            <a:endParaRPr lang="en-US" altLang="ja-JP" sz="2800" kern="100" dirty="0">
-              <a:effectLst/>
-              <a:latin typeface="メイリオ" panose="020B0604030504040204" pitchFamily="50" charset="-128"/>
-              <a:ea typeface="メイリオ" panose="020B0604030504040204" pitchFamily="50" charset="-128"/>
-              <a:cs typeface="Times New Roman" panose="02020603050405020304" pitchFamily="18" charset="0"/>
-            </a:endParaRPr>
-          </a:p>
-          <a:p>
-            <a:pPr algn="just">
-              <a:lnSpc>
-                <a:spcPct val="150000"/>
-              </a:lnSpc>
-              <a:buFont typeface="Wingdings" panose="05000000000000000000" pitchFamily="2" charset="2"/>
-              <a:buChar char="l"/>
-            </a:pPr>
-            <a:r>
-              <a:rPr lang="ja-JP" altLang="ja-JP" sz="2800" kern="100" dirty="0">
-                <a:effectLst/>
-                <a:latin typeface="メイリオ" panose="020B0604030504040204" pitchFamily="50" charset="-128"/>
-                <a:ea typeface="メイリオ" panose="020B0604030504040204" pitchFamily="50" charset="-128"/>
-                <a:cs typeface="Times New Roman" panose="02020603050405020304" pitchFamily="18" charset="0"/>
-              </a:rPr>
-              <a:t>田島駿亮</a:t>
-            </a:r>
-            <a:r>
-              <a:rPr lang="ja-JP" altLang="en-US" sz="2800" kern="100" dirty="0">
-                <a:latin typeface="メイリオ" panose="020B0604030504040204" pitchFamily="50" charset="-128"/>
-                <a:ea typeface="メイリオ" panose="020B0604030504040204" pitchFamily="50" charset="-128"/>
-                <a:cs typeface="Times New Roman" panose="02020603050405020304" pitchFamily="18" charset="0"/>
-              </a:rPr>
-              <a:t>（</a:t>
-            </a:r>
-            <a:r>
-              <a:rPr lang="ja-JP" altLang="ja-JP" sz="2800" kern="100" dirty="0">
-                <a:effectLst/>
-                <a:latin typeface="メイリオ" panose="020B0604030504040204" pitchFamily="50" charset="-128"/>
-                <a:ea typeface="メイリオ" panose="020B0604030504040204" pitchFamily="50" charset="-128"/>
-                <a:cs typeface="Times New Roman" panose="02020603050405020304" pitchFamily="18" charset="0"/>
-              </a:rPr>
-              <a:t>品質管理</a:t>
-            </a:r>
-            <a:r>
-              <a:rPr lang="ja-JP" altLang="en-US" sz="2800" kern="100" dirty="0">
-                <a:effectLst/>
-                <a:latin typeface="メイリオ" panose="020B0604030504040204" pitchFamily="50" charset="-128"/>
-                <a:ea typeface="メイリオ" panose="020B0604030504040204" pitchFamily="50" charset="-128"/>
-                <a:cs typeface="Times New Roman" panose="02020603050405020304" pitchFamily="18" charset="0"/>
-              </a:rPr>
-              <a:t>）</a:t>
-            </a:r>
-            <a:r>
-              <a:rPr lang="ja-JP" altLang="ja-JP" sz="2800" kern="100" dirty="0">
-                <a:effectLst/>
-                <a:latin typeface="メイリオ" panose="020B0604030504040204" pitchFamily="50" charset="-128"/>
-                <a:ea typeface="メイリオ" panose="020B0604030504040204" pitchFamily="50" charset="-128"/>
-                <a:cs typeface="Times New Roman" panose="02020603050405020304" pitchFamily="18" charset="0"/>
-              </a:rPr>
-              <a:t>　　　</a:t>
-            </a:r>
-            <a:r>
-              <a:rPr lang="ja-JP" altLang="en-US" sz="2800" kern="100" dirty="0">
-                <a:effectLst/>
-                <a:latin typeface="メイリオ" panose="020B0604030504040204" pitchFamily="50" charset="-128"/>
-                <a:ea typeface="メイリオ" panose="020B0604030504040204" pitchFamily="50" charset="-128"/>
-                <a:cs typeface="Times New Roman" panose="02020603050405020304" pitchFamily="18" charset="0"/>
-              </a:rPr>
-              <a:t>　　　知識工学</a:t>
-            </a:r>
-            <a:endParaRPr lang="ja-JP" altLang="ja-JP" sz="2800" kern="100" dirty="0">
-              <a:effectLst/>
-              <a:latin typeface="メイリオ" panose="020B0604030504040204" pitchFamily="50" charset="-128"/>
-              <a:ea typeface="メイリオ" panose="020B0604030504040204" pitchFamily="50" charset="-128"/>
-              <a:cs typeface="Times New Roman" panose="02020603050405020304" pitchFamily="18" charset="0"/>
-            </a:endParaRPr>
-          </a:p>
-          <a:p>
-            <a:pPr algn="just">
-              <a:lnSpc>
-                <a:spcPct val="150000"/>
-              </a:lnSpc>
-              <a:buFont typeface="Wingdings" panose="05000000000000000000" pitchFamily="2" charset="2"/>
-              <a:buChar char="l"/>
-            </a:pPr>
-            <a:r>
-              <a:rPr lang="ja-JP" altLang="ja-JP" sz="2800" kern="100" dirty="0">
-                <a:effectLst/>
-                <a:latin typeface="メイリオ" panose="020B0604030504040204" pitchFamily="50" charset="-128"/>
-                <a:ea typeface="メイリオ" panose="020B0604030504040204" pitchFamily="50" charset="-128"/>
-                <a:cs typeface="Times New Roman" panose="02020603050405020304" pitchFamily="18" charset="0"/>
-              </a:rPr>
-              <a:t>影山李穂</a:t>
-            </a:r>
-            <a:r>
-              <a:rPr lang="ja-JP" altLang="en-US" sz="2800" kern="100" dirty="0">
-                <a:effectLst/>
-                <a:latin typeface="メイリオ" panose="020B0604030504040204" pitchFamily="50" charset="-128"/>
-                <a:ea typeface="メイリオ" panose="020B0604030504040204" pitchFamily="50" charset="-128"/>
-                <a:cs typeface="Times New Roman" panose="02020603050405020304" pitchFamily="18" charset="0"/>
-              </a:rPr>
-              <a:t>（</a:t>
-            </a:r>
-            <a:r>
-              <a:rPr lang="ja-JP" altLang="ja-JP" sz="2800" kern="100" dirty="0">
-                <a:effectLst/>
-                <a:latin typeface="メイリオ" panose="020B0604030504040204" pitchFamily="50" charset="-128"/>
-                <a:ea typeface="メイリオ" panose="020B0604030504040204" pitchFamily="50" charset="-128"/>
-                <a:cs typeface="Times New Roman" panose="02020603050405020304" pitchFamily="18" charset="0"/>
-              </a:rPr>
-              <a:t>構成管理</a:t>
-            </a:r>
-            <a:r>
-              <a:rPr lang="ja-JP" altLang="en-US" sz="2800" kern="100" dirty="0">
-                <a:effectLst/>
-                <a:latin typeface="メイリオ" panose="020B0604030504040204" pitchFamily="50" charset="-128"/>
-                <a:ea typeface="メイリオ" panose="020B0604030504040204" pitchFamily="50" charset="-128"/>
-                <a:cs typeface="Times New Roman" panose="02020603050405020304" pitchFamily="18" charset="0"/>
-              </a:rPr>
-              <a:t>）</a:t>
-            </a:r>
-            <a:r>
-              <a:rPr lang="ja-JP" altLang="ja-JP" sz="2800" kern="100" dirty="0">
-                <a:effectLst/>
-                <a:latin typeface="メイリオ" panose="020B0604030504040204" pitchFamily="50" charset="-128"/>
-                <a:ea typeface="メイリオ" panose="020B0604030504040204" pitchFamily="50" charset="-128"/>
-                <a:cs typeface="Times New Roman" panose="02020603050405020304" pitchFamily="18" charset="0"/>
-              </a:rPr>
-              <a:t>　　　</a:t>
-            </a:r>
-            <a:r>
-              <a:rPr lang="ja-JP" altLang="en-US" sz="2800" kern="100" dirty="0">
-                <a:effectLst/>
-                <a:latin typeface="メイリオ" panose="020B0604030504040204" pitchFamily="50" charset="-128"/>
-                <a:ea typeface="メイリオ" panose="020B0604030504040204" pitchFamily="50" charset="-128"/>
-                <a:cs typeface="Times New Roman" panose="02020603050405020304" pitchFamily="18" charset="0"/>
-              </a:rPr>
-              <a:t>　　　</a:t>
-            </a:r>
-            <a:r>
-              <a:rPr lang="ja-JP" altLang="ja-JP" sz="2800" kern="100" dirty="0">
-                <a:effectLst/>
-                <a:latin typeface="メイリオ" panose="020B0604030504040204" pitchFamily="50" charset="-128"/>
-                <a:ea typeface="メイリオ" panose="020B0604030504040204" pitchFamily="50" charset="-128"/>
-                <a:cs typeface="Times New Roman" panose="02020603050405020304" pitchFamily="18" charset="0"/>
-              </a:rPr>
-              <a:t>サインポスト</a:t>
-            </a:r>
-          </a:p>
-          <a:p>
-            <a:pPr algn="just">
-              <a:lnSpc>
-                <a:spcPct val="150000"/>
-              </a:lnSpc>
-              <a:buFont typeface="Wingdings" panose="05000000000000000000" pitchFamily="2" charset="2"/>
-              <a:buChar char="l"/>
-            </a:pPr>
-            <a:r>
-              <a:rPr lang="ja-JP" altLang="ja-JP" sz="2800" kern="100" dirty="0">
-                <a:effectLst/>
-                <a:latin typeface="メイリオ" panose="020B0604030504040204" pitchFamily="50" charset="-128"/>
-                <a:ea typeface="メイリオ" panose="020B0604030504040204" pitchFamily="50" charset="-128"/>
-                <a:cs typeface="Times New Roman" panose="02020603050405020304" pitchFamily="18" charset="0"/>
-              </a:rPr>
-              <a:t>畔柳創一</a:t>
-            </a:r>
-            <a:r>
-              <a:rPr lang="ja-JP" altLang="en-US" sz="2800" kern="100" dirty="0">
-                <a:effectLst/>
-                <a:latin typeface="メイリオ" panose="020B0604030504040204" pitchFamily="50" charset="-128"/>
-                <a:ea typeface="メイリオ" panose="020B0604030504040204" pitchFamily="50" charset="-128"/>
-                <a:cs typeface="Times New Roman" panose="02020603050405020304" pitchFamily="18" charset="0"/>
-              </a:rPr>
-              <a:t>（</a:t>
-            </a:r>
-            <a:r>
-              <a:rPr lang="ja-JP" altLang="ja-JP" sz="2800" kern="100" dirty="0">
-                <a:effectLst/>
-                <a:latin typeface="メイリオ" panose="020B0604030504040204" pitchFamily="50" charset="-128"/>
-                <a:ea typeface="メイリオ" panose="020B0604030504040204" pitchFamily="50" charset="-128"/>
-                <a:cs typeface="Times New Roman" panose="02020603050405020304" pitchFamily="18" charset="0"/>
-              </a:rPr>
-              <a:t>データベース</a:t>
-            </a:r>
-            <a:r>
-              <a:rPr lang="ja-JP" altLang="en-US" sz="2800" kern="100" dirty="0">
-                <a:latin typeface="メイリオ" panose="020B0604030504040204" pitchFamily="50" charset="-128"/>
-                <a:ea typeface="メイリオ" panose="020B0604030504040204" pitchFamily="50" charset="-128"/>
-                <a:cs typeface="Times New Roman" panose="02020603050405020304" pitchFamily="18" charset="0"/>
-              </a:rPr>
-              <a:t>）　　　　オアシス</a:t>
-            </a:r>
-            <a:endParaRPr lang="ja-JP" altLang="ja-JP" sz="2800" kern="100" dirty="0">
-              <a:effectLst/>
-              <a:latin typeface="メイリオ" panose="020B0604030504040204" pitchFamily="50" charset="-128"/>
-              <a:ea typeface="メイリオ" panose="020B0604030504040204" pitchFamily="50" charset="-128"/>
-              <a:cs typeface="Times New Roman" panose="02020603050405020304" pitchFamily="18" charset="0"/>
-            </a:endParaRPr>
-          </a:p>
-          <a:p>
-            <a:pPr algn="just">
-              <a:lnSpc>
-                <a:spcPct val="150000"/>
-              </a:lnSpc>
-              <a:buFont typeface="Wingdings" panose="05000000000000000000" pitchFamily="2" charset="2"/>
-              <a:buChar char="l"/>
-            </a:pPr>
-            <a:r>
-              <a:rPr lang="ja-JP" altLang="ja-JP" sz="2800" kern="100" dirty="0">
-                <a:effectLst/>
-                <a:latin typeface="メイリオ" panose="020B0604030504040204" pitchFamily="50" charset="-128"/>
-                <a:ea typeface="メイリオ" panose="020B0604030504040204" pitchFamily="50" charset="-128"/>
-                <a:cs typeface="Times New Roman" panose="02020603050405020304" pitchFamily="18" charset="0"/>
-              </a:rPr>
-              <a:t>横田結衣</a:t>
-            </a:r>
-            <a:r>
-              <a:rPr lang="ja-JP" altLang="en-US" sz="2800" kern="100" dirty="0">
-                <a:effectLst/>
-                <a:latin typeface="メイリオ" panose="020B0604030504040204" pitchFamily="50" charset="-128"/>
-                <a:ea typeface="メイリオ" panose="020B0604030504040204" pitchFamily="50" charset="-128"/>
-                <a:cs typeface="Times New Roman" panose="02020603050405020304" pitchFamily="18" charset="0"/>
-              </a:rPr>
-              <a:t>（</a:t>
-            </a:r>
-            <a:r>
-              <a:rPr lang="ja-JP" altLang="ja-JP" sz="2800" kern="100" dirty="0">
-                <a:effectLst/>
-                <a:latin typeface="メイリオ" panose="020B0604030504040204" pitchFamily="50" charset="-128"/>
-                <a:ea typeface="メイリオ" panose="020B0604030504040204" pitchFamily="50" charset="-128"/>
-                <a:cs typeface="Times New Roman" panose="02020603050405020304" pitchFamily="18" charset="0"/>
-              </a:rPr>
-              <a:t>コミュニケーション</a:t>
-            </a:r>
-            <a:r>
-              <a:rPr lang="ja-JP" altLang="en-US" sz="2800" kern="100" dirty="0">
-                <a:effectLst/>
-                <a:latin typeface="メイリオ" panose="020B0604030504040204" pitchFamily="50" charset="-128"/>
-                <a:ea typeface="メイリオ" panose="020B0604030504040204" pitchFamily="50" charset="-128"/>
-                <a:cs typeface="Times New Roman" panose="02020603050405020304" pitchFamily="18" charset="0"/>
-              </a:rPr>
-              <a:t>）　デジサイン</a:t>
-            </a:r>
-            <a:endParaRPr lang="ja-JP" altLang="ja-JP" sz="2800" kern="100" dirty="0">
-              <a:effectLst/>
-              <a:latin typeface="メイリオ" panose="020B0604030504040204" pitchFamily="50" charset="-128"/>
-              <a:ea typeface="メイリオ" panose="020B0604030504040204" pitchFamily="50" charset="-128"/>
-              <a:cs typeface="Times New Roman" panose="02020603050405020304" pitchFamily="18" charset="0"/>
-            </a:endParaRPr>
-          </a:p>
-          <a:p>
-            <a:pPr algn="just">
-              <a:lnSpc>
-                <a:spcPct val="150000"/>
-              </a:lnSpc>
-              <a:buFont typeface="Wingdings" panose="05000000000000000000" pitchFamily="2" charset="2"/>
-              <a:buChar char="l"/>
-            </a:pPr>
-            <a:r>
-              <a:rPr lang="ja-JP" altLang="ja-JP" sz="2800" kern="100" dirty="0">
-                <a:effectLst/>
-                <a:latin typeface="メイリオ" panose="020B0604030504040204" pitchFamily="50" charset="-128"/>
-                <a:ea typeface="メイリオ" panose="020B0604030504040204" pitchFamily="50" charset="-128"/>
-                <a:cs typeface="Times New Roman" panose="02020603050405020304" pitchFamily="18" charset="0"/>
-              </a:rPr>
-              <a:t>須田卯月</a:t>
-            </a:r>
-            <a:r>
-              <a:rPr lang="ja-JP" altLang="en-US" sz="2800" kern="100" dirty="0">
-                <a:latin typeface="メイリオ" panose="020B0604030504040204" pitchFamily="50" charset="-128"/>
-                <a:ea typeface="メイリオ" panose="020B0604030504040204" pitchFamily="50" charset="-128"/>
-                <a:cs typeface="Times New Roman" panose="02020603050405020304" pitchFamily="18" charset="0"/>
-              </a:rPr>
-              <a:t>（</a:t>
-            </a:r>
-            <a:r>
-              <a:rPr lang="ja-JP" altLang="ja-JP" sz="2800" kern="100" dirty="0">
-                <a:effectLst/>
-                <a:latin typeface="メイリオ" panose="020B0604030504040204" pitchFamily="50" charset="-128"/>
-                <a:ea typeface="メイリオ" panose="020B0604030504040204" pitchFamily="50" charset="-128"/>
-                <a:cs typeface="Times New Roman" panose="02020603050405020304" pitchFamily="18" charset="0"/>
-              </a:rPr>
-              <a:t>発表担当</a:t>
-            </a:r>
-            <a:r>
-              <a:rPr lang="ja-JP" altLang="en-US" sz="2800" kern="100" dirty="0">
-                <a:latin typeface="メイリオ" panose="020B0604030504040204" pitchFamily="50" charset="-128"/>
-                <a:ea typeface="メイリオ" panose="020B0604030504040204" pitchFamily="50" charset="-128"/>
-                <a:cs typeface="Times New Roman" panose="02020603050405020304" pitchFamily="18" charset="0"/>
-              </a:rPr>
-              <a:t>）</a:t>
-            </a:r>
-            <a:r>
-              <a:rPr lang="ja-JP" altLang="ja-JP" sz="2800" kern="100" dirty="0">
-                <a:effectLst/>
-                <a:latin typeface="メイリオ" panose="020B0604030504040204" pitchFamily="50" charset="-128"/>
-                <a:ea typeface="メイリオ" panose="020B0604030504040204" pitchFamily="50" charset="-128"/>
-                <a:cs typeface="Times New Roman" panose="02020603050405020304" pitchFamily="18" charset="0"/>
-              </a:rPr>
-              <a:t>　　　　</a:t>
-            </a:r>
-            <a:r>
-              <a:rPr lang="ja-JP" altLang="en-US" sz="2800" kern="100" dirty="0">
-                <a:effectLst/>
-                <a:latin typeface="メイリオ" panose="020B0604030504040204" pitchFamily="50" charset="-128"/>
-                <a:ea typeface="メイリオ" panose="020B0604030504040204" pitchFamily="50" charset="-128"/>
-                <a:cs typeface="Times New Roman" panose="02020603050405020304" pitchFamily="18" charset="0"/>
-              </a:rPr>
-              <a:t>　　</a:t>
-            </a:r>
-            <a:r>
-              <a:rPr lang="ja-JP" altLang="ja-JP" sz="2800" kern="100" dirty="0">
-                <a:effectLst/>
-                <a:latin typeface="メイリオ" panose="020B0604030504040204" pitchFamily="50" charset="-128"/>
-                <a:ea typeface="メイリオ" panose="020B0604030504040204" pitchFamily="50" charset="-128"/>
-                <a:cs typeface="Times New Roman" panose="02020603050405020304" pitchFamily="18" charset="0"/>
-              </a:rPr>
-              <a:t>サインポスト</a:t>
-            </a:r>
-          </a:p>
-        </p:txBody>
-      </p:sp>
-      <p:sp>
-        <p:nvSpPr>
-          <p:cNvPr id="4" name="スライド番号プレースホルダー 3">
-            <a:extLst>
-              <a:ext uri="{FF2B5EF4-FFF2-40B4-BE49-F238E27FC236}">
-                <a16:creationId xmlns:a16="http://schemas.microsoft.com/office/drawing/2014/main" id="{22B9251E-336C-4E40-90EE-DC9AE06AA274}"/>
-              </a:ext>
-            </a:extLst>
-          </p:cNvPr>
-          <p:cNvSpPr>
-            <a:spLocks noGrp="1"/>
-          </p:cNvSpPr>
-          <p:nvPr>
-            <p:ph type="sldNum" sz="quarter" idx="12"/>
-          </p:nvPr>
-        </p:nvSpPr>
-        <p:spPr>
-          <a:xfrm>
-            <a:off x="6692215" y="5359578"/>
-            <a:ext cx="2194560" cy="1397039"/>
-          </a:xfrm>
-        </p:spPr>
-        <p:txBody>
-          <a:bodyPr/>
-          <a:lstStyle/>
-          <a:p>
-            <a:fld id="{28B3E1AD-D654-41ED-B122-F068B9548232}" type="slidenum">
-              <a:rPr kumimoji="1" lang="ja-JP" altLang="en-US" smtClean="0"/>
-              <a:t>3</a:t>
-            </a:fld>
-            <a:endParaRPr kumimoji="1" lang="ja-JP" altLang="en-US" dirty="0"/>
-          </a:p>
-        </p:txBody>
-      </p:sp>
-    </p:spTree>
-    <p:extLst>
-      <p:ext uri="{BB962C8B-B14F-4D97-AF65-F5344CB8AC3E}">
-        <p14:creationId xmlns:p14="http://schemas.microsoft.com/office/powerpoint/2010/main" val="3044171557"/>
-      </p:ext>
-    </p:extLst>
-  </p:cSld>
-  <p:clrMapOvr>
-    <a:masterClrMapping/>
-  </p:clrMapOvr>
-</p:sld>
-</file>
-
-<file path=ppt/slides/slide30.xml><?xml version="1.0" encoding="utf-8"?>
+<file path=ppt/slides/slide32.xml><?xml version="1.0" encoding="utf-8"?>
 <p:sld xmlns:a="http://schemas.openxmlformats.org/drawingml/2006/main" xmlns:r="http://schemas.openxmlformats.org/officeDocument/2006/relationships" xmlns:p="http://schemas.openxmlformats.org/presentationml/2006/main">
   <p:cSld>
     <p:spTree>
@@ -23938,7 +25899,7 @@
                 <a:latin typeface="メイリオ" panose="020B0604030504040204" pitchFamily="50" charset="-128"/>
                 <a:ea typeface="メイリオ" panose="020B0604030504040204" pitchFamily="50" charset="-128"/>
               </a:rPr>
-              <a:t>30</a:t>
+              <a:t>32</a:t>
             </a:fld>
             <a:endParaRPr kumimoji="1" lang="ja-JP" altLang="en-US" sz="4000" dirty="0">
               <a:solidFill>
@@ -24389,7 +26350,7 @@
 </p:sld>
 </file>
 
-<file path=ppt/slides/slide31.xml><?xml version="1.0" encoding="utf-8"?>
+<file path=ppt/slides/slide33.xml><?xml version="1.0" encoding="utf-8"?>
 <p:sld xmlns:a="http://schemas.openxmlformats.org/drawingml/2006/main" xmlns:r="http://schemas.openxmlformats.org/officeDocument/2006/relationships" xmlns:p="http://schemas.openxmlformats.org/presentationml/2006/main">
   <p:cSld>
     <p:spTree>
@@ -24493,7 +26454,7 @@
                 <a:latin typeface="メイリオ" panose="020B0604030504040204" pitchFamily="50" charset="-128"/>
                 <a:ea typeface="メイリオ" panose="020B0604030504040204" pitchFamily="50" charset="-128"/>
               </a:rPr>
-              <a:t>31</a:t>
+              <a:t>33</a:t>
             </a:fld>
             <a:endParaRPr kumimoji="1" lang="ja-JP" altLang="en-US" sz="4000" dirty="0">
               <a:solidFill>
@@ -25239,7 +27200,7 @@
 </p:sld>
 </file>
 
-<file path=ppt/slides/slide32.xml><?xml version="1.0" encoding="utf-8"?>
+<file path=ppt/slides/slide34.xml><?xml version="1.0" encoding="utf-8"?>
 <p:sld xmlns:a="http://schemas.openxmlformats.org/drawingml/2006/main" xmlns:r="http://schemas.openxmlformats.org/officeDocument/2006/relationships" xmlns:p="http://schemas.openxmlformats.org/presentationml/2006/main">
   <p:cSld>
     <p:spTree>
@@ -25470,7 +27431,7 @@
                   </a:schemeClr>
                 </a:solidFill>
               </a:rPr>
-              <a:t>32</a:t>
+              <a:t>34</a:t>
             </a:fld>
             <a:endParaRPr kumimoji="1" lang="ja-JP" altLang="en-US" sz="4000" dirty="0">
               <a:solidFill>
@@ -26031,7 +27992,7 @@
 </p:sld>
 </file>
 
-<file path=ppt/slides/slide33.xml><?xml version="1.0" encoding="utf-8"?>
+<file path=ppt/slides/slide35.xml><?xml version="1.0" encoding="utf-8"?>
 <p:sld xmlns:a="http://schemas.openxmlformats.org/drawingml/2006/main" xmlns:r="http://schemas.openxmlformats.org/officeDocument/2006/relationships" xmlns:p="http://schemas.openxmlformats.org/presentationml/2006/main">
   <p:cSld>
     <p:spTree>
@@ -26174,7 +28135,7 @@
                 <a:latin typeface="メイリオ" panose="020B0604030504040204" pitchFamily="50" charset="-128"/>
                 <a:ea typeface="メイリオ" panose="020B0604030504040204" pitchFamily="50" charset="-128"/>
               </a:rPr>
-              <a:t>33</a:t>
+              <a:t>35</a:t>
             </a:fld>
             <a:endParaRPr kumimoji="1" lang="ja-JP" altLang="en-US" sz="4000" dirty="0">
               <a:solidFill>
@@ -26853,7 +28814,7 @@
 </p:sld>
 </file>
 
-<file path=ppt/slides/slide34.xml><?xml version="1.0" encoding="utf-8"?>
+<file path=ppt/slides/slide36.xml><?xml version="1.0" encoding="utf-8"?>
 <p:sld xmlns:a="http://schemas.openxmlformats.org/drawingml/2006/main" xmlns:r="http://schemas.openxmlformats.org/officeDocument/2006/relationships" xmlns:p="http://schemas.openxmlformats.org/presentationml/2006/main">
   <p:cSld>
     <p:spTree>
@@ -27119,7 +29080,7 @@
                   </a:schemeClr>
                 </a:solidFill>
               </a:rPr>
-              <a:t>34</a:t>
+              <a:t>36</a:t>
             </a:fld>
             <a:endParaRPr kumimoji="1" lang="ja-JP" altLang="en-US" sz="4000" dirty="0">
               <a:solidFill>
@@ -27503,7 +29464,7 @@
 </p:sld>
 </file>
 
-<file path=ppt/slides/slide35.xml><?xml version="1.0" encoding="utf-8"?>
+<file path=ppt/slides/slide37.xml><?xml version="1.0" encoding="utf-8"?>
 <p:sld xmlns:a="http://schemas.openxmlformats.org/drawingml/2006/main" xmlns:r="http://schemas.openxmlformats.org/officeDocument/2006/relationships" xmlns:p="http://schemas.openxmlformats.org/presentationml/2006/main">
   <p:cSld>
     <p:spTree>
@@ -27602,7 +29563,7 @@
                   </a:schemeClr>
                 </a:solidFill>
               </a:rPr>
-              <a:t>35</a:t>
+              <a:t>37</a:t>
             </a:fld>
             <a:endParaRPr kumimoji="1" lang="ja-JP" altLang="en-US" sz="4000" dirty="0">
               <a:solidFill>
@@ -28418,7 +30379,7 @@
 </p:sld>
 </file>
 
-<file path=ppt/slides/slide36.xml><?xml version="1.0" encoding="utf-8"?>
+<file path=ppt/slides/slide38.xml><?xml version="1.0" encoding="utf-8"?>
 <p:sld xmlns:a="http://schemas.openxmlformats.org/drawingml/2006/main" xmlns:r="http://schemas.openxmlformats.org/officeDocument/2006/relationships" xmlns:p="http://schemas.openxmlformats.org/presentationml/2006/main">
   <p:cSld>
     <p:spTree>
@@ -28654,7 +30615,7 @@
                 <a:latin typeface="メイリオ" panose="020B0604030504040204" pitchFamily="50" charset="-128"/>
                 <a:ea typeface="メイリオ" panose="020B0604030504040204" pitchFamily="50" charset="-128"/>
               </a:rPr>
-              <a:t>36</a:t>
+              <a:t>38</a:t>
             </a:fld>
             <a:endParaRPr kumimoji="1" lang="ja-JP" altLang="en-US" sz="4000" dirty="0">
               <a:solidFill>
@@ -29179,7 +31140,7 @@
 </p:sld>
 </file>
 
-<file path=ppt/slides/slide37.xml><?xml version="1.0" encoding="utf-8"?>
+<file path=ppt/slides/slide39.xml><?xml version="1.0" encoding="utf-8"?>
 <p:sld xmlns:a="http://schemas.openxmlformats.org/drawingml/2006/main" xmlns:r="http://schemas.openxmlformats.org/officeDocument/2006/relationships" xmlns:p="http://schemas.openxmlformats.org/presentationml/2006/main">
   <p:cSld>
     <p:spTree>
@@ -29278,7 +31239,7 @@
                   </a:schemeClr>
                 </a:solidFill>
               </a:rPr>
-              <a:t>37</a:t>
+              <a:t>39</a:t>
             </a:fld>
             <a:endParaRPr kumimoji="1" lang="ja-JP" altLang="en-US" sz="4000" dirty="0">
               <a:solidFill>
@@ -29989,7 +31950,661 @@
 </p:sld>
 </file>
 
-<file path=ppt/slides/slide38.xml><?xml version="1.0" encoding="utf-8"?>
+<file path=ppt/slides/slide4.xml><?xml version="1.0" encoding="utf-8"?>
+<p:sld xmlns:a="http://schemas.openxmlformats.org/drawingml/2006/main" xmlns:r="http://schemas.openxmlformats.org/officeDocument/2006/relationships" xmlns:p="http://schemas.openxmlformats.org/presentationml/2006/main">
+  <p:cSld>
+    <p:spTree>
+      <p:nvGrpSpPr>
+        <p:cNvPr id="1" name=""/>
+        <p:cNvGrpSpPr/>
+        <p:nvPr/>
+      </p:nvGrpSpPr>
+      <p:grpSpPr>
+        <a:xfrm>
+          <a:off x="0" y="0"/>
+          <a:ext cx="0" cy="0"/>
+          <a:chOff x="0" y="0"/>
+          <a:chExt cx="0" cy="0"/>
+        </a:xfrm>
+      </p:grpSpPr>
+      <p:sp>
+        <p:nvSpPr>
+          <p:cNvPr id="2" name="タイトル 1">
+            <a:extLst>
+              <a:ext uri="{FF2B5EF4-FFF2-40B4-BE49-F238E27FC236}">
+                <a16:creationId xmlns:a16="http://schemas.microsoft.com/office/drawing/2014/main" id="{AF626A66-1FD7-4EE6-A6C8-9B7BA0C9036A}"/>
+              </a:ext>
+            </a:extLst>
+          </p:cNvPr>
+          <p:cNvSpPr>
+            <a:spLocks noGrp="1"/>
+          </p:cNvSpPr>
+          <p:nvPr>
+            <p:ph type="title"/>
+          </p:nvPr>
+        </p:nvSpPr>
+        <p:spPr>
+          <a:xfrm>
+            <a:off x="488707" y="266610"/>
+            <a:ext cx="8079581" cy="863885"/>
+          </a:xfrm>
+        </p:spPr>
+        <p:txBody>
+          <a:bodyPr/>
+          <a:lstStyle/>
+          <a:p>
+            <a:r>
+              <a:rPr kumimoji="1" lang="ja-JP" altLang="en-US" dirty="0">
+                <a:solidFill>
+                  <a:schemeClr val="tx1">
+                    <a:lumMod val="85000"/>
+                    <a:lumOff val="15000"/>
+                  </a:schemeClr>
+                </a:solidFill>
+                <a:latin typeface="メイリオ" panose="020B0604030504040204" pitchFamily="50" charset="-128"/>
+                <a:ea typeface="メイリオ" panose="020B0604030504040204" pitchFamily="50" charset="-128"/>
+              </a:rPr>
+              <a:t>アジェンダ</a:t>
+            </a:r>
+          </a:p>
+        </p:txBody>
+      </p:sp>
+      <p:sp>
+        <p:nvSpPr>
+          <p:cNvPr id="9" name="四角形: 角を丸くする 8">
+            <a:extLst>
+              <a:ext uri="{FF2B5EF4-FFF2-40B4-BE49-F238E27FC236}">
+                <a16:creationId xmlns:a16="http://schemas.microsoft.com/office/drawing/2014/main" id="{95E61E18-E0FF-4789-B846-542D3BDD545C}"/>
+              </a:ext>
+            </a:extLst>
+          </p:cNvPr>
+          <p:cNvSpPr/>
+          <p:nvPr/>
+        </p:nvSpPr>
+        <p:spPr>
+          <a:xfrm>
+            <a:off x="615002" y="1327811"/>
+            <a:ext cx="7913995" cy="658000"/>
+          </a:xfrm>
+          <a:prstGeom prst="roundRect">
+            <a:avLst/>
+          </a:prstGeom>
+          <a:solidFill>
+            <a:schemeClr val="bg1"/>
+          </a:solidFill>
+          <a:ln w="6350">
+            <a:solidFill>
+              <a:schemeClr val="accent1"/>
+            </a:solidFill>
+          </a:ln>
+        </p:spPr>
+        <p:style>
+          <a:lnRef idx="2">
+            <a:schemeClr val="accent6"/>
+          </a:lnRef>
+          <a:fillRef idx="1">
+            <a:schemeClr val="lt1"/>
+          </a:fillRef>
+          <a:effectRef idx="0">
+            <a:schemeClr val="accent6"/>
+          </a:effectRef>
+          <a:fontRef idx="minor">
+            <a:schemeClr val="dk1"/>
+          </a:fontRef>
+        </p:style>
+        <p:txBody>
+          <a:bodyPr rtlCol="0" anchor="ctr"/>
+          <a:lstStyle/>
+          <a:p>
+            <a:pPr marL="342900" indent="-342900" algn="just">
+              <a:lnSpc>
+                <a:spcPct val="150000"/>
+              </a:lnSpc>
+              <a:buFont typeface="+mj-lt"/>
+              <a:buAutoNum type="arabicPeriod"/>
+            </a:pPr>
+            <a:r>
+              <a:rPr lang="ja-JP" altLang="en-US" sz="3600" kern="100" dirty="0">
+                <a:solidFill>
+                  <a:schemeClr val="tx1">
+                    <a:lumMod val="85000"/>
+                    <a:lumOff val="15000"/>
+                  </a:schemeClr>
+                </a:solidFill>
+                <a:latin typeface="メイリオ" panose="020B0604030504040204" pitchFamily="50" charset="-128"/>
+                <a:ea typeface="メイリオ" panose="020B0604030504040204" pitchFamily="50" charset="-128"/>
+                <a:cs typeface="Times New Roman" panose="02020603050405020304" pitchFamily="18" charset="0"/>
+              </a:rPr>
+              <a:t>　</a:t>
+            </a:r>
+            <a:r>
+              <a:rPr lang="ja-JP" altLang="ja-JP" sz="3600" kern="100" dirty="0">
+                <a:solidFill>
+                  <a:schemeClr val="tx1">
+                    <a:lumMod val="85000"/>
+                    <a:lumOff val="15000"/>
+                  </a:schemeClr>
+                </a:solidFill>
+                <a:latin typeface="メイリオ" panose="020B0604030504040204" pitchFamily="50" charset="-128"/>
+                <a:ea typeface="メイリオ" panose="020B0604030504040204" pitchFamily="50" charset="-128"/>
+                <a:cs typeface="Times New Roman" panose="02020603050405020304" pitchFamily="18" charset="0"/>
+              </a:rPr>
+              <a:t>チームの概要</a:t>
+            </a:r>
+          </a:p>
+        </p:txBody>
+      </p:sp>
+      <p:sp>
+        <p:nvSpPr>
+          <p:cNvPr id="15" name="スライド番号プレースホルダー 14">
+            <a:extLst>
+              <a:ext uri="{FF2B5EF4-FFF2-40B4-BE49-F238E27FC236}">
+                <a16:creationId xmlns:a16="http://schemas.microsoft.com/office/drawing/2014/main" id="{AF80DF13-54D4-4295-8DBD-60C26A1BCC62}"/>
+              </a:ext>
+            </a:extLst>
+          </p:cNvPr>
+          <p:cNvSpPr>
+            <a:spLocks noGrp="1"/>
+          </p:cNvSpPr>
+          <p:nvPr>
+            <p:ph type="sldNum" sz="quarter" idx="12"/>
+          </p:nvPr>
+        </p:nvSpPr>
+        <p:spPr>
+          <a:xfrm>
+            <a:off x="6784980" y="5359578"/>
+            <a:ext cx="2194560" cy="1397039"/>
+          </a:xfrm>
+        </p:spPr>
+        <p:txBody>
+          <a:bodyPr/>
+          <a:lstStyle/>
+          <a:p>
+            <a:fld id="{28B3E1AD-D654-41ED-B122-F068B9548232}" type="slidenum">
+              <a:rPr kumimoji="1" lang="ja-JP" altLang="en-US" sz="5400" smtClean="0">
+                <a:solidFill>
+                  <a:schemeClr val="tx1">
+                    <a:lumMod val="85000"/>
+                    <a:lumOff val="15000"/>
+                  </a:schemeClr>
+                </a:solidFill>
+              </a:rPr>
+              <a:t>4</a:t>
+            </a:fld>
+            <a:endParaRPr kumimoji="1" lang="ja-JP" altLang="en-US" sz="5400">
+              <a:solidFill>
+                <a:schemeClr val="tx1">
+                  <a:lumMod val="85000"/>
+                  <a:lumOff val="15000"/>
+                </a:schemeClr>
+              </a:solidFill>
+            </a:endParaRPr>
+          </a:p>
+        </p:txBody>
+      </p:sp>
+      <p:sp>
+        <p:nvSpPr>
+          <p:cNvPr id="17" name="四角形: 角を丸くする 16">
+            <a:extLst>
+              <a:ext uri="{FF2B5EF4-FFF2-40B4-BE49-F238E27FC236}">
+                <a16:creationId xmlns:a16="http://schemas.microsoft.com/office/drawing/2014/main" id="{5EF31FC2-2F52-4D5B-906E-753D3EF88EF6}"/>
+              </a:ext>
+            </a:extLst>
+          </p:cNvPr>
+          <p:cNvSpPr/>
+          <p:nvPr/>
+        </p:nvSpPr>
+        <p:spPr>
+          <a:xfrm>
+            <a:off x="615002" y="2225245"/>
+            <a:ext cx="7913995" cy="658000"/>
+          </a:xfrm>
+          <a:prstGeom prst="roundRect">
+            <a:avLst/>
+          </a:prstGeom>
+          <a:solidFill>
+            <a:schemeClr val="accent1"/>
+          </a:solidFill>
+          <a:ln w="38100">
+            <a:solidFill>
+              <a:schemeClr val="accent1"/>
+            </a:solidFill>
+          </a:ln>
+        </p:spPr>
+        <p:style>
+          <a:lnRef idx="2">
+            <a:schemeClr val="accent6"/>
+          </a:lnRef>
+          <a:fillRef idx="1">
+            <a:schemeClr val="lt1"/>
+          </a:fillRef>
+          <a:effectRef idx="0">
+            <a:schemeClr val="accent6"/>
+          </a:effectRef>
+          <a:fontRef idx="minor">
+            <a:schemeClr val="dk1"/>
+          </a:fontRef>
+        </p:style>
+        <p:txBody>
+          <a:bodyPr rtlCol="0" anchor="ctr"/>
+          <a:lstStyle/>
+          <a:p>
+            <a:pPr algn="just">
+              <a:lnSpc>
+                <a:spcPct val="150000"/>
+              </a:lnSpc>
+            </a:pPr>
+            <a:r>
+              <a:rPr lang="en-US" altLang="ja-JP" sz="3600" b="1" kern="100" dirty="0">
+                <a:solidFill>
+                  <a:schemeClr val="bg1"/>
+                </a:solidFill>
+                <a:latin typeface="メイリオ" panose="020B0604030504040204" pitchFamily="50" charset="-128"/>
+                <a:ea typeface="メイリオ" panose="020B0604030504040204" pitchFamily="50" charset="-128"/>
+                <a:cs typeface="Times New Roman" panose="02020603050405020304" pitchFamily="18" charset="0"/>
+              </a:rPr>
+              <a:t>2.</a:t>
+            </a:r>
+            <a:r>
+              <a:rPr lang="ja-JP" altLang="en-US" sz="3600" b="1" kern="100" dirty="0">
+                <a:solidFill>
+                  <a:schemeClr val="bg1"/>
+                </a:solidFill>
+                <a:latin typeface="メイリオ" panose="020B0604030504040204" pitchFamily="50" charset="-128"/>
+                <a:ea typeface="メイリオ" panose="020B0604030504040204" pitchFamily="50" charset="-128"/>
+                <a:cs typeface="Times New Roman" panose="02020603050405020304" pitchFamily="18" charset="0"/>
+              </a:rPr>
+              <a:t>　製作物について</a:t>
+            </a:r>
+            <a:endParaRPr lang="ja-JP" altLang="ja-JP" sz="3600" b="1" kern="100" dirty="0">
+              <a:solidFill>
+                <a:schemeClr val="bg1"/>
+              </a:solidFill>
+              <a:latin typeface="メイリオ" panose="020B0604030504040204" pitchFamily="50" charset="-128"/>
+              <a:ea typeface="メイリオ" panose="020B0604030504040204" pitchFamily="50" charset="-128"/>
+              <a:cs typeface="Times New Roman" panose="02020603050405020304" pitchFamily="18" charset="0"/>
+            </a:endParaRPr>
+          </a:p>
+        </p:txBody>
+      </p:sp>
+      <p:sp>
+        <p:nvSpPr>
+          <p:cNvPr id="18" name="四角形: 角を丸くする 17">
+            <a:extLst>
+              <a:ext uri="{FF2B5EF4-FFF2-40B4-BE49-F238E27FC236}">
+                <a16:creationId xmlns:a16="http://schemas.microsoft.com/office/drawing/2014/main" id="{AEA83588-56D7-4940-B360-E91119207452}"/>
+              </a:ext>
+            </a:extLst>
+          </p:cNvPr>
+          <p:cNvSpPr/>
+          <p:nvPr/>
+        </p:nvSpPr>
+        <p:spPr>
+          <a:xfrm>
+            <a:off x="615001" y="3112647"/>
+            <a:ext cx="7913995" cy="658000"/>
+          </a:xfrm>
+          <a:prstGeom prst="roundRect">
+            <a:avLst/>
+          </a:prstGeom>
+          <a:ln w="19050">
+            <a:solidFill>
+              <a:schemeClr val="accent1"/>
+            </a:solidFill>
+          </a:ln>
+        </p:spPr>
+        <p:style>
+          <a:lnRef idx="2">
+            <a:schemeClr val="accent6"/>
+          </a:lnRef>
+          <a:fillRef idx="1">
+            <a:schemeClr val="lt1"/>
+          </a:fillRef>
+          <a:effectRef idx="0">
+            <a:schemeClr val="accent6"/>
+          </a:effectRef>
+          <a:fontRef idx="minor">
+            <a:schemeClr val="dk1"/>
+          </a:fontRef>
+        </p:style>
+        <p:txBody>
+          <a:bodyPr rtlCol="0" anchor="ctr"/>
+          <a:lstStyle/>
+          <a:p>
+            <a:pPr algn="just">
+              <a:lnSpc>
+                <a:spcPct val="150000"/>
+              </a:lnSpc>
+            </a:pPr>
+            <a:r>
+              <a:rPr lang="en-US" altLang="ja-JP" sz="3600" kern="100" dirty="0">
+                <a:solidFill>
+                  <a:schemeClr val="tx1">
+                    <a:lumMod val="85000"/>
+                    <a:lumOff val="15000"/>
+                  </a:schemeClr>
+                </a:solidFill>
+                <a:latin typeface="メイリオ" panose="020B0604030504040204" pitchFamily="50" charset="-128"/>
+                <a:ea typeface="メイリオ" panose="020B0604030504040204" pitchFamily="50" charset="-128"/>
+                <a:cs typeface="Times New Roman" panose="02020603050405020304" pitchFamily="18" charset="0"/>
+              </a:rPr>
+              <a:t>3.</a:t>
+            </a:r>
+            <a:r>
+              <a:rPr lang="ja-JP" altLang="en-US" sz="3600" kern="100" dirty="0">
+                <a:solidFill>
+                  <a:schemeClr val="tx1">
+                    <a:lumMod val="85000"/>
+                    <a:lumOff val="15000"/>
+                  </a:schemeClr>
+                </a:solidFill>
+                <a:latin typeface="メイリオ" panose="020B0604030504040204" pitchFamily="50" charset="-128"/>
+                <a:ea typeface="メイリオ" panose="020B0604030504040204" pitchFamily="50" charset="-128"/>
+                <a:cs typeface="Times New Roman" panose="02020603050405020304" pitchFamily="18" charset="0"/>
+              </a:rPr>
+              <a:t>　期待できる効果</a:t>
+            </a:r>
+            <a:endParaRPr lang="ja-JP" altLang="ja-JP" sz="3600" kern="100" dirty="0">
+              <a:solidFill>
+                <a:schemeClr val="tx1">
+                  <a:lumMod val="85000"/>
+                  <a:lumOff val="15000"/>
+                </a:schemeClr>
+              </a:solidFill>
+              <a:latin typeface="メイリオ" panose="020B0604030504040204" pitchFamily="50" charset="-128"/>
+              <a:ea typeface="メイリオ" panose="020B0604030504040204" pitchFamily="50" charset="-128"/>
+              <a:cs typeface="Times New Roman" panose="02020603050405020304" pitchFamily="18" charset="0"/>
+            </a:endParaRPr>
+          </a:p>
+        </p:txBody>
+      </p:sp>
+      <p:sp>
+        <p:nvSpPr>
+          <p:cNvPr id="19" name="四角形: 角を丸くする 18">
+            <a:extLst>
+              <a:ext uri="{FF2B5EF4-FFF2-40B4-BE49-F238E27FC236}">
+                <a16:creationId xmlns:a16="http://schemas.microsoft.com/office/drawing/2014/main" id="{5A939795-3DDA-40FC-B854-56CC9E54B4F8}"/>
+              </a:ext>
+            </a:extLst>
+          </p:cNvPr>
+          <p:cNvSpPr/>
+          <p:nvPr/>
+        </p:nvSpPr>
+        <p:spPr>
+          <a:xfrm>
+            <a:off x="615001" y="4010081"/>
+            <a:ext cx="7913995" cy="658000"/>
+          </a:xfrm>
+          <a:prstGeom prst="roundRect">
+            <a:avLst/>
+          </a:prstGeom>
+          <a:ln w="19050">
+            <a:solidFill>
+              <a:schemeClr val="accent1"/>
+            </a:solidFill>
+          </a:ln>
+        </p:spPr>
+        <p:style>
+          <a:lnRef idx="2">
+            <a:schemeClr val="accent6"/>
+          </a:lnRef>
+          <a:fillRef idx="1">
+            <a:schemeClr val="lt1"/>
+          </a:fillRef>
+          <a:effectRef idx="0">
+            <a:schemeClr val="accent6"/>
+          </a:effectRef>
+          <a:fontRef idx="minor">
+            <a:schemeClr val="dk1"/>
+          </a:fontRef>
+        </p:style>
+        <p:txBody>
+          <a:bodyPr rtlCol="0" anchor="ctr"/>
+          <a:lstStyle/>
+          <a:p>
+            <a:pPr algn="just">
+              <a:lnSpc>
+                <a:spcPct val="150000"/>
+              </a:lnSpc>
+            </a:pPr>
+            <a:r>
+              <a:rPr lang="en-US" altLang="ja-JP" sz="3600" kern="100" dirty="0">
+                <a:solidFill>
+                  <a:schemeClr val="tx1">
+                    <a:lumMod val="85000"/>
+                    <a:lumOff val="15000"/>
+                  </a:schemeClr>
+                </a:solidFill>
+                <a:latin typeface="メイリオ" panose="020B0604030504040204" pitchFamily="50" charset="-128"/>
+                <a:ea typeface="メイリオ" panose="020B0604030504040204" pitchFamily="50" charset="-128"/>
+                <a:cs typeface="Times New Roman" panose="02020603050405020304" pitchFamily="18" charset="0"/>
+              </a:rPr>
+              <a:t>4.</a:t>
+            </a:r>
+            <a:r>
+              <a:rPr lang="ja-JP" altLang="en-US" sz="3600" kern="100" dirty="0">
+                <a:solidFill>
+                  <a:schemeClr val="tx1">
+                    <a:lumMod val="85000"/>
+                    <a:lumOff val="15000"/>
+                  </a:schemeClr>
+                </a:solidFill>
+                <a:latin typeface="メイリオ" panose="020B0604030504040204" pitchFamily="50" charset="-128"/>
+                <a:ea typeface="メイリオ" panose="020B0604030504040204" pitchFamily="50" charset="-128"/>
+                <a:cs typeface="Times New Roman" panose="02020603050405020304" pitchFamily="18" charset="0"/>
+              </a:rPr>
+              <a:t>　プロジェクトの振り返り</a:t>
+            </a:r>
+            <a:endParaRPr lang="ja-JP" altLang="ja-JP" sz="3600" kern="100" dirty="0">
+              <a:solidFill>
+                <a:schemeClr val="tx1">
+                  <a:lumMod val="85000"/>
+                  <a:lumOff val="15000"/>
+                </a:schemeClr>
+              </a:solidFill>
+              <a:latin typeface="メイリオ" panose="020B0604030504040204" pitchFamily="50" charset="-128"/>
+              <a:ea typeface="メイリオ" panose="020B0604030504040204" pitchFamily="50" charset="-128"/>
+              <a:cs typeface="Times New Roman" panose="02020603050405020304" pitchFamily="18" charset="0"/>
+            </a:endParaRPr>
+          </a:p>
+        </p:txBody>
+      </p:sp>
+      <p:sp>
+        <p:nvSpPr>
+          <p:cNvPr id="20" name="四角形: 角を丸くする 19">
+            <a:extLst>
+              <a:ext uri="{FF2B5EF4-FFF2-40B4-BE49-F238E27FC236}">
+                <a16:creationId xmlns:a16="http://schemas.microsoft.com/office/drawing/2014/main" id="{8B1C7689-CB01-47A0-BF74-E914F8F0EC3D}"/>
+              </a:ext>
+            </a:extLst>
+          </p:cNvPr>
+          <p:cNvSpPr/>
+          <p:nvPr/>
+        </p:nvSpPr>
+        <p:spPr>
+          <a:xfrm>
+            <a:off x="615001" y="4865397"/>
+            <a:ext cx="7913995" cy="658000"/>
+          </a:xfrm>
+          <a:prstGeom prst="roundRect">
+            <a:avLst/>
+          </a:prstGeom>
+          <a:ln w="19050">
+            <a:solidFill>
+              <a:schemeClr val="accent1"/>
+            </a:solidFill>
+          </a:ln>
+        </p:spPr>
+        <p:style>
+          <a:lnRef idx="2">
+            <a:schemeClr val="accent6"/>
+          </a:lnRef>
+          <a:fillRef idx="1">
+            <a:schemeClr val="lt1"/>
+          </a:fillRef>
+          <a:effectRef idx="0">
+            <a:schemeClr val="accent6"/>
+          </a:effectRef>
+          <a:fontRef idx="minor">
+            <a:schemeClr val="dk1"/>
+          </a:fontRef>
+        </p:style>
+        <p:txBody>
+          <a:bodyPr rtlCol="0" anchor="ctr"/>
+          <a:lstStyle/>
+          <a:p>
+            <a:pPr algn="just">
+              <a:lnSpc>
+                <a:spcPct val="150000"/>
+              </a:lnSpc>
+            </a:pPr>
+            <a:r>
+              <a:rPr lang="en-US" altLang="ja-JP" sz="3600" kern="100" dirty="0">
+                <a:solidFill>
+                  <a:schemeClr val="tx1">
+                    <a:lumMod val="85000"/>
+                    <a:lumOff val="15000"/>
+                  </a:schemeClr>
+                </a:solidFill>
+                <a:latin typeface="メイリオ" panose="020B0604030504040204" pitchFamily="50" charset="-128"/>
+                <a:ea typeface="メイリオ" panose="020B0604030504040204" pitchFamily="50" charset="-128"/>
+                <a:cs typeface="Times New Roman" panose="02020603050405020304" pitchFamily="18" charset="0"/>
+              </a:rPr>
+              <a:t>5.</a:t>
+            </a:r>
+            <a:r>
+              <a:rPr lang="ja-JP" altLang="en-US" sz="3600" kern="100" dirty="0">
+                <a:solidFill>
+                  <a:schemeClr val="tx1">
+                    <a:lumMod val="85000"/>
+                    <a:lumOff val="15000"/>
+                  </a:schemeClr>
+                </a:solidFill>
+                <a:latin typeface="メイリオ" panose="020B0604030504040204" pitchFamily="50" charset="-128"/>
+                <a:ea typeface="メイリオ" panose="020B0604030504040204" pitchFamily="50" charset="-128"/>
+                <a:cs typeface="Times New Roman" panose="02020603050405020304" pitchFamily="18" charset="0"/>
+              </a:rPr>
+              <a:t>　個々の成長・感想</a:t>
+            </a:r>
+            <a:endParaRPr lang="ja-JP" altLang="ja-JP" sz="3600" kern="100" dirty="0">
+              <a:solidFill>
+                <a:schemeClr val="tx1">
+                  <a:lumMod val="85000"/>
+                  <a:lumOff val="15000"/>
+                </a:schemeClr>
+              </a:solidFill>
+              <a:latin typeface="メイリオ" panose="020B0604030504040204" pitchFamily="50" charset="-128"/>
+              <a:ea typeface="メイリオ" panose="020B0604030504040204" pitchFamily="50" charset="-128"/>
+              <a:cs typeface="Times New Roman" panose="02020603050405020304" pitchFamily="18" charset="0"/>
+            </a:endParaRPr>
+          </a:p>
+        </p:txBody>
+      </p:sp>
+      <p:sp>
+        <p:nvSpPr>
+          <p:cNvPr id="21" name="四角形: 角を丸くする 20">
+            <a:extLst>
+              <a:ext uri="{FF2B5EF4-FFF2-40B4-BE49-F238E27FC236}">
+                <a16:creationId xmlns:a16="http://schemas.microsoft.com/office/drawing/2014/main" id="{460F04A2-8F78-4E7D-971A-AA72042386EE}"/>
+              </a:ext>
+            </a:extLst>
+          </p:cNvPr>
+          <p:cNvSpPr/>
+          <p:nvPr/>
+        </p:nvSpPr>
+        <p:spPr>
+          <a:xfrm>
+            <a:off x="615001" y="5729097"/>
+            <a:ext cx="7913995" cy="658000"/>
+          </a:xfrm>
+          <a:prstGeom prst="roundRect">
+            <a:avLst/>
+          </a:prstGeom>
+          <a:ln w="19050">
+            <a:solidFill>
+              <a:schemeClr val="accent1"/>
+            </a:solidFill>
+          </a:ln>
+        </p:spPr>
+        <p:style>
+          <a:lnRef idx="2">
+            <a:schemeClr val="accent6"/>
+          </a:lnRef>
+          <a:fillRef idx="1">
+            <a:schemeClr val="lt1"/>
+          </a:fillRef>
+          <a:effectRef idx="0">
+            <a:schemeClr val="accent6"/>
+          </a:effectRef>
+          <a:fontRef idx="minor">
+            <a:schemeClr val="dk1"/>
+          </a:fontRef>
+        </p:style>
+        <p:txBody>
+          <a:bodyPr rtlCol="0" anchor="ctr"/>
+          <a:lstStyle/>
+          <a:p>
+            <a:pPr algn="just">
+              <a:lnSpc>
+                <a:spcPct val="150000"/>
+              </a:lnSpc>
+            </a:pPr>
+            <a:r>
+              <a:rPr lang="en-US" altLang="ja-JP" sz="3600" kern="100" dirty="0">
+                <a:solidFill>
+                  <a:schemeClr val="tx1">
+                    <a:lumMod val="85000"/>
+                    <a:lumOff val="15000"/>
+                  </a:schemeClr>
+                </a:solidFill>
+                <a:latin typeface="メイリオ" panose="020B0604030504040204" pitchFamily="50" charset="-128"/>
+                <a:ea typeface="メイリオ" panose="020B0604030504040204" pitchFamily="50" charset="-128"/>
+                <a:cs typeface="Times New Roman" panose="02020603050405020304" pitchFamily="18" charset="0"/>
+              </a:rPr>
+              <a:t>6.</a:t>
+            </a:r>
+            <a:r>
+              <a:rPr lang="ja-JP" altLang="en-US" sz="3600" kern="100" dirty="0">
+                <a:solidFill>
+                  <a:schemeClr val="tx1">
+                    <a:lumMod val="85000"/>
+                    <a:lumOff val="15000"/>
+                  </a:schemeClr>
+                </a:solidFill>
+                <a:latin typeface="メイリオ" panose="020B0604030504040204" pitchFamily="50" charset="-128"/>
+                <a:ea typeface="メイリオ" panose="020B0604030504040204" pitchFamily="50" charset="-128"/>
+                <a:cs typeface="Times New Roman" panose="02020603050405020304" pitchFamily="18" charset="0"/>
+              </a:rPr>
+              <a:t>　まとめ</a:t>
+            </a:r>
+            <a:endParaRPr lang="ja-JP" altLang="ja-JP" sz="3600" kern="100" dirty="0">
+              <a:solidFill>
+                <a:schemeClr val="tx1">
+                  <a:lumMod val="85000"/>
+                  <a:lumOff val="15000"/>
+                </a:schemeClr>
+              </a:solidFill>
+              <a:latin typeface="メイリオ" panose="020B0604030504040204" pitchFamily="50" charset="-128"/>
+              <a:ea typeface="メイリオ" panose="020B0604030504040204" pitchFamily="50" charset="-128"/>
+              <a:cs typeface="Times New Roman" panose="02020603050405020304" pitchFamily="18" charset="0"/>
+            </a:endParaRPr>
+          </a:p>
+        </p:txBody>
+      </p:sp>
+    </p:spTree>
+    <p:extLst>
+      <p:ext uri="{BB962C8B-B14F-4D97-AF65-F5344CB8AC3E}">
+        <p14:creationId xmlns:p14="http://schemas.microsoft.com/office/powerpoint/2010/main" val="837526961"/>
+      </p:ext>
+    </p:extLst>
+  </p:cSld>
+  <p:clrMapOvr>
+    <a:masterClrMapping/>
+  </p:clrMapOvr>
+</p:sld>
+</file>
+
+<file path=ppt/slides/slide40.xml><?xml version="1.0" encoding="utf-8"?>
 <p:sld xmlns:a="http://schemas.openxmlformats.org/drawingml/2006/main" xmlns:r="http://schemas.openxmlformats.org/officeDocument/2006/relationships" xmlns:p="http://schemas.openxmlformats.org/presentationml/2006/main">
   <p:cSld>
     <p:spTree>
@@ -30216,7 +32831,7 @@
                   </a:schemeClr>
                 </a:solidFill>
               </a:rPr>
-              <a:t>38</a:t>
+              <a:t>40</a:t>
             </a:fld>
             <a:endParaRPr kumimoji="1" lang="ja-JP" altLang="en-US" sz="4000" dirty="0">
               <a:solidFill>
@@ -30613,7 +33228,7 @@
 </p:sld>
 </file>
 
-<file path=ppt/slides/slide39.xml><?xml version="1.0" encoding="utf-8"?>
+<file path=ppt/slides/slide41.xml><?xml version="1.0" encoding="utf-8"?>
 <p:sld xmlns:a="http://schemas.openxmlformats.org/drawingml/2006/main" xmlns:r="http://schemas.openxmlformats.org/officeDocument/2006/relationships" xmlns:p="http://schemas.openxmlformats.org/presentationml/2006/main">
   <p:cSld>
     <p:spTree>
@@ -30782,7 +33397,7 @@
                 <a:latin typeface="メイリオ" panose="020B0604030504040204" pitchFamily="50" charset="-128"/>
                 <a:ea typeface="メイリオ" panose="020B0604030504040204" pitchFamily="50" charset="-128"/>
               </a:rPr>
-              <a:t>39</a:t>
+              <a:t>41</a:t>
             </a:fld>
             <a:endParaRPr kumimoji="1" lang="ja-JP" altLang="en-US" sz="4000" dirty="0">
               <a:solidFill>
@@ -31453,661 +34068,7 @@
 </p:sld>
 </file>
 
-<file path=ppt/slides/slide4.xml><?xml version="1.0" encoding="utf-8"?>
-<p:sld xmlns:a="http://schemas.openxmlformats.org/drawingml/2006/main" xmlns:r="http://schemas.openxmlformats.org/officeDocument/2006/relationships" xmlns:p="http://schemas.openxmlformats.org/presentationml/2006/main">
-  <p:cSld>
-    <p:spTree>
-      <p:nvGrpSpPr>
-        <p:cNvPr id="1" name=""/>
-        <p:cNvGrpSpPr/>
-        <p:nvPr/>
-      </p:nvGrpSpPr>
-      <p:grpSpPr>
-        <a:xfrm>
-          <a:off x="0" y="0"/>
-          <a:ext cx="0" cy="0"/>
-          <a:chOff x="0" y="0"/>
-          <a:chExt cx="0" cy="0"/>
-        </a:xfrm>
-      </p:grpSpPr>
-      <p:sp>
-        <p:nvSpPr>
-          <p:cNvPr id="2" name="タイトル 1">
-            <a:extLst>
-              <a:ext uri="{FF2B5EF4-FFF2-40B4-BE49-F238E27FC236}">
-                <a16:creationId xmlns:a16="http://schemas.microsoft.com/office/drawing/2014/main" id="{AF626A66-1FD7-4EE6-A6C8-9B7BA0C9036A}"/>
-              </a:ext>
-            </a:extLst>
-          </p:cNvPr>
-          <p:cNvSpPr>
-            <a:spLocks noGrp="1"/>
-          </p:cNvSpPr>
-          <p:nvPr>
-            <p:ph type="title"/>
-          </p:nvPr>
-        </p:nvSpPr>
-        <p:spPr>
-          <a:xfrm>
-            <a:off x="488707" y="266610"/>
-            <a:ext cx="8079581" cy="863885"/>
-          </a:xfrm>
-        </p:spPr>
-        <p:txBody>
-          <a:bodyPr/>
-          <a:lstStyle/>
-          <a:p>
-            <a:r>
-              <a:rPr kumimoji="1" lang="ja-JP" altLang="en-US" dirty="0">
-                <a:solidFill>
-                  <a:schemeClr val="tx1">
-                    <a:lumMod val="85000"/>
-                    <a:lumOff val="15000"/>
-                  </a:schemeClr>
-                </a:solidFill>
-                <a:latin typeface="メイリオ" panose="020B0604030504040204" pitchFamily="50" charset="-128"/>
-                <a:ea typeface="メイリオ" panose="020B0604030504040204" pitchFamily="50" charset="-128"/>
-              </a:rPr>
-              <a:t>アジェンダ</a:t>
-            </a:r>
-          </a:p>
-        </p:txBody>
-      </p:sp>
-      <p:sp>
-        <p:nvSpPr>
-          <p:cNvPr id="9" name="四角形: 角を丸くする 8">
-            <a:extLst>
-              <a:ext uri="{FF2B5EF4-FFF2-40B4-BE49-F238E27FC236}">
-                <a16:creationId xmlns:a16="http://schemas.microsoft.com/office/drawing/2014/main" id="{95E61E18-E0FF-4789-B846-542D3BDD545C}"/>
-              </a:ext>
-            </a:extLst>
-          </p:cNvPr>
-          <p:cNvSpPr/>
-          <p:nvPr/>
-        </p:nvSpPr>
-        <p:spPr>
-          <a:xfrm>
-            <a:off x="615002" y="1327811"/>
-            <a:ext cx="7913995" cy="658000"/>
-          </a:xfrm>
-          <a:prstGeom prst="roundRect">
-            <a:avLst/>
-          </a:prstGeom>
-          <a:solidFill>
-            <a:schemeClr val="bg1"/>
-          </a:solidFill>
-          <a:ln w="6350">
-            <a:solidFill>
-              <a:schemeClr val="accent1"/>
-            </a:solidFill>
-          </a:ln>
-        </p:spPr>
-        <p:style>
-          <a:lnRef idx="2">
-            <a:schemeClr val="accent6"/>
-          </a:lnRef>
-          <a:fillRef idx="1">
-            <a:schemeClr val="lt1"/>
-          </a:fillRef>
-          <a:effectRef idx="0">
-            <a:schemeClr val="accent6"/>
-          </a:effectRef>
-          <a:fontRef idx="minor">
-            <a:schemeClr val="dk1"/>
-          </a:fontRef>
-        </p:style>
-        <p:txBody>
-          <a:bodyPr rtlCol="0" anchor="ctr"/>
-          <a:lstStyle/>
-          <a:p>
-            <a:pPr marL="342900" indent="-342900" algn="just">
-              <a:lnSpc>
-                <a:spcPct val="150000"/>
-              </a:lnSpc>
-              <a:buFont typeface="+mj-lt"/>
-              <a:buAutoNum type="arabicPeriod"/>
-            </a:pPr>
-            <a:r>
-              <a:rPr lang="ja-JP" altLang="en-US" sz="3600" kern="100" dirty="0">
-                <a:solidFill>
-                  <a:schemeClr val="tx1">
-                    <a:lumMod val="85000"/>
-                    <a:lumOff val="15000"/>
-                  </a:schemeClr>
-                </a:solidFill>
-                <a:latin typeface="メイリオ" panose="020B0604030504040204" pitchFamily="50" charset="-128"/>
-                <a:ea typeface="メイリオ" panose="020B0604030504040204" pitchFamily="50" charset="-128"/>
-                <a:cs typeface="Times New Roman" panose="02020603050405020304" pitchFamily="18" charset="0"/>
-              </a:rPr>
-              <a:t>　</a:t>
-            </a:r>
-            <a:r>
-              <a:rPr lang="ja-JP" altLang="ja-JP" sz="3600" kern="100" dirty="0">
-                <a:solidFill>
-                  <a:schemeClr val="tx1">
-                    <a:lumMod val="85000"/>
-                    <a:lumOff val="15000"/>
-                  </a:schemeClr>
-                </a:solidFill>
-                <a:latin typeface="メイリオ" panose="020B0604030504040204" pitchFamily="50" charset="-128"/>
-                <a:ea typeface="メイリオ" panose="020B0604030504040204" pitchFamily="50" charset="-128"/>
-                <a:cs typeface="Times New Roman" panose="02020603050405020304" pitchFamily="18" charset="0"/>
-              </a:rPr>
-              <a:t>チームの概要</a:t>
-            </a:r>
-          </a:p>
-        </p:txBody>
-      </p:sp>
-      <p:sp>
-        <p:nvSpPr>
-          <p:cNvPr id="15" name="スライド番号プレースホルダー 14">
-            <a:extLst>
-              <a:ext uri="{FF2B5EF4-FFF2-40B4-BE49-F238E27FC236}">
-                <a16:creationId xmlns:a16="http://schemas.microsoft.com/office/drawing/2014/main" id="{AF80DF13-54D4-4295-8DBD-60C26A1BCC62}"/>
-              </a:ext>
-            </a:extLst>
-          </p:cNvPr>
-          <p:cNvSpPr>
-            <a:spLocks noGrp="1"/>
-          </p:cNvSpPr>
-          <p:nvPr>
-            <p:ph type="sldNum" sz="quarter" idx="12"/>
-          </p:nvPr>
-        </p:nvSpPr>
-        <p:spPr>
-          <a:xfrm>
-            <a:off x="6784980" y="5359578"/>
-            <a:ext cx="2194560" cy="1397039"/>
-          </a:xfrm>
-        </p:spPr>
-        <p:txBody>
-          <a:bodyPr/>
-          <a:lstStyle/>
-          <a:p>
-            <a:fld id="{28B3E1AD-D654-41ED-B122-F068B9548232}" type="slidenum">
-              <a:rPr kumimoji="1" lang="ja-JP" altLang="en-US" sz="5400" smtClean="0">
-                <a:solidFill>
-                  <a:schemeClr val="tx1">
-                    <a:lumMod val="85000"/>
-                    <a:lumOff val="15000"/>
-                  </a:schemeClr>
-                </a:solidFill>
-              </a:rPr>
-              <a:t>4</a:t>
-            </a:fld>
-            <a:endParaRPr kumimoji="1" lang="ja-JP" altLang="en-US" sz="5400">
-              <a:solidFill>
-                <a:schemeClr val="tx1">
-                  <a:lumMod val="85000"/>
-                  <a:lumOff val="15000"/>
-                </a:schemeClr>
-              </a:solidFill>
-            </a:endParaRPr>
-          </a:p>
-        </p:txBody>
-      </p:sp>
-      <p:sp>
-        <p:nvSpPr>
-          <p:cNvPr id="17" name="四角形: 角を丸くする 16">
-            <a:extLst>
-              <a:ext uri="{FF2B5EF4-FFF2-40B4-BE49-F238E27FC236}">
-                <a16:creationId xmlns:a16="http://schemas.microsoft.com/office/drawing/2014/main" id="{5EF31FC2-2F52-4D5B-906E-753D3EF88EF6}"/>
-              </a:ext>
-            </a:extLst>
-          </p:cNvPr>
-          <p:cNvSpPr/>
-          <p:nvPr/>
-        </p:nvSpPr>
-        <p:spPr>
-          <a:xfrm>
-            <a:off x="615002" y="2225245"/>
-            <a:ext cx="7913995" cy="658000"/>
-          </a:xfrm>
-          <a:prstGeom prst="roundRect">
-            <a:avLst/>
-          </a:prstGeom>
-          <a:solidFill>
-            <a:schemeClr val="accent1"/>
-          </a:solidFill>
-          <a:ln w="38100">
-            <a:solidFill>
-              <a:schemeClr val="accent1"/>
-            </a:solidFill>
-          </a:ln>
-        </p:spPr>
-        <p:style>
-          <a:lnRef idx="2">
-            <a:schemeClr val="accent6"/>
-          </a:lnRef>
-          <a:fillRef idx="1">
-            <a:schemeClr val="lt1"/>
-          </a:fillRef>
-          <a:effectRef idx="0">
-            <a:schemeClr val="accent6"/>
-          </a:effectRef>
-          <a:fontRef idx="minor">
-            <a:schemeClr val="dk1"/>
-          </a:fontRef>
-        </p:style>
-        <p:txBody>
-          <a:bodyPr rtlCol="0" anchor="ctr"/>
-          <a:lstStyle/>
-          <a:p>
-            <a:pPr algn="just">
-              <a:lnSpc>
-                <a:spcPct val="150000"/>
-              </a:lnSpc>
-            </a:pPr>
-            <a:r>
-              <a:rPr lang="en-US" altLang="ja-JP" sz="3600" b="1" kern="100" dirty="0">
-                <a:solidFill>
-                  <a:schemeClr val="bg1"/>
-                </a:solidFill>
-                <a:latin typeface="メイリオ" panose="020B0604030504040204" pitchFamily="50" charset="-128"/>
-                <a:ea typeface="メイリオ" panose="020B0604030504040204" pitchFamily="50" charset="-128"/>
-                <a:cs typeface="Times New Roman" panose="02020603050405020304" pitchFamily="18" charset="0"/>
-              </a:rPr>
-              <a:t>2.</a:t>
-            </a:r>
-            <a:r>
-              <a:rPr lang="ja-JP" altLang="en-US" sz="3600" b="1" kern="100" dirty="0">
-                <a:solidFill>
-                  <a:schemeClr val="bg1"/>
-                </a:solidFill>
-                <a:latin typeface="メイリオ" panose="020B0604030504040204" pitchFamily="50" charset="-128"/>
-                <a:ea typeface="メイリオ" panose="020B0604030504040204" pitchFamily="50" charset="-128"/>
-                <a:cs typeface="Times New Roman" panose="02020603050405020304" pitchFamily="18" charset="0"/>
-              </a:rPr>
-              <a:t>　製作物について</a:t>
-            </a:r>
-            <a:endParaRPr lang="ja-JP" altLang="ja-JP" sz="3600" b="1" kern="100" dirty="0">
-              <a:solidFill>
-                <a:schemeClr val="bg1"/>
-              </a:solidFill>
-              <a:latin typeface="メイリオ" panose="020B0604030504040204" pitchFamily="50" charset="-128"/>
-              <a:ea typeface="メイリオ" panose="020B0604030504040204" pitchFamily="50" charset="-128"/>
-              <a:cs typeface="Times New Roman" panose="02020603050405020304" pitchFamily="18" charset="0"/>
-            </a:endParaRPr>
-          </a:p>
-        </p:txBody>
-      </p:sp>
-      <p:sp>
-        <p:nvSpPr>
-          <p:cNvPr id="18" name="四角形: 角を丸くする 17">
-            <a:extLst>
-              <a:ext uri="{FF2B5EF4-FFF2-40B4-BE49-F238E27FC236}">
-                <a16:creationId xmlns:a16="http://schemas.microsoft.com/office/drawing/2014/main" id="{AEA83588-56D7-4940-B360-E91119207452}"/>
-              </a:ext>
-            </a:extLst>
-          </p:cNvPr>
-          <p:cNvSpPr/>
-          <p:nvPr/>
-        </p:nvSpPr>
-        <p:spPr>
-          <a:xfrm>
-            <a:off x="615001" y="3112647"/>
-            <a:ext cx="7913995" cy="658000"/>
-          </a:xfrm>
-          <a:prstGeom prst="roundRect">
-            <a:avLst/>
-          </a:prstGeom>
-          <a:ln w="19050">
-            <a:solidFill>
-              <a:schemeClr val="accent1"/>
-            </a:solidFill>
-          </a:ln>
-        </p:spPr>
-        <p:style>
-          <a:lnRef idx="2">
-            <a:schemeClr val="accent6"/>
-          </a:lnRef>
-          <a:fillRef idx="1">
-            <a:schemeClr val="lt1"/>
-          </a:fillRef>
-          <a:effectRef idx="0">
-            <a:schemeClr val="accent6"/>
-          </a:effectRef>
-          <a:fontRef idx="minor">
-            <a:schemeClr val="dk1"/>
-          </a:fontRef>
-        </p:style>
-        <p:txBody>
-          <a:bodyPr rtlCol="0" anchor="ctr"/>
-          <a:lstStyle/>
-          <a:p>
-            <a:pPr algn="just">
-              <a:lnSpc>
-                <a:spcPct val="150000"/>
-              </a:lnSpc>
-            </a:pPr>
-            <a:r>
-              <a:rPr lang="en-US" altLang="ja-JP" sz="3600" kern="100" dirty="0">
-                <a:solidFill>
-                  <a:schemeClr val="tx1">
-                    <a:lumMod val="85000"/>
-                    <a:lumOff val="15000"/>
-                  </a:schemeClr>
-                </a:solidFill>
-                <a:latin typeface="メイリオ" panose="020B0604030504040204" pitchFamily="50" charset="-128"/>
-                <a:ea typeface="メイリオ" panose="020B0604030504040204" pitchFamily="50" charset="-128"/>
-                <a:cs typeface="Times New Roman" panose="02020603050405020304" pitchFamily="18" charset="0"/>
-              </a:rPr>
-              <a:t>3.</a:t>
-            </a:r>
-            <a:r>
-              <a:rPr lang="ja-JP" altLang="en-US" sz="3600" kern="100" dirty="0">
-                <a:solidFill>
-                  <a:schemeClr val="tx1">
-                    <a:lumMod val="85000"/>
-                    <a:lumOff val="15000"/>
-                  </a:schemeClr>
-                </a:solidFill>
-                <a:latin typeface="メイリオ" panose="020B0604030504040204" pitchFamily="50" charset="-128"/>
-                <a:ea typeface="メイリオ" panose="020B0604030504040204" pitchFamily="50" charset="-128"/>
-                <a:cs typeface="Times New Roman" panose="02020603050405020304" pitchFamily="18" charset="0"/>
-              </a:rPr>
-              <a:t>　期待できる効果</a:t>
-            </a:r>
-            <a:endParaRPr lang="ja-JP" altLang="ja-JP" sz="3600" kern="100" dirty="0">
-              <a:solidFill>
-                <a:schemeClr val="tx1">
-                  <a:lumMod val="85000"/>
-                  <a:lumOff val="15000"/>
-                </a:schemeClr>
-              </a:solidFill>
-              <a:latin typeface="メイリオ" panose="020B0604030504040204" pitchFamily="50" charset="-128"/>
-              <a:ea typeface="メイリオ" panose="020B0604030504040204" pitchFamily="50" charset="-128"/>
-              <a:cs typeface="Times New Roman" panose="02020603050405020304" pitchFamily="18" charset="0"/>
-            </a:endParaRPr>
-          </a:p>
-        </p:txBody>
-      </p:sp>
-      <p:sp>
-        <p:nvSpPr>
-          <p:cNvPr id="19" name="四角形: 角を丸くする 18">
-            <a:extLst>
-              <a:ext uri="{FF2B5EF4-FFF2-40B4-BE49-F238E27FC236}">
-                <a16:creationId xmlns:a16="http://schemas.microsoft.com/office/drawing/2014/main" id="{5A939795-3DDA-40FC-B854-56CC9E54B4F8}"/>
-              </a:ext>
-            </a:extLst>
-          </p:cNvPr>
-          <p:cNvSpPr/>
-          <p:nvPr/>
-        </p:nvSpPr>
-        <p:spPr>
-          <a:xfrm>
-            <a:off x="615001" y="4010081"/>
-            <a:ext cx="7913995" cy="658000"/>
-          </a:xfrm>
-          <a:prstGeom prst="roundRect">
-            <a:avLst/>
-          </a:prstGeom>
-          <a:ln w="19050">
-            <a:solidFill>
-              <a:schemeClr val="accent1"/>
-            </a:solidFill>
-          </a:ln>
-        </p:spPr>
-        <p:style>
-          <a:lnRef idx="2">
-            <a:schemeClr val="accent6"/>
-          </a:lnRef>
-          <a:fillRef idx="1">
-            <a:schemeClr val="lt1"/>
-          </a:fillRef>
-          <a:effectRef idx="0">
-            <a:schemeClr val="accent6"/>
-          </a:effectRef>
-          <a:fontRef idx="minor">
-            <a:schemeClr val="dk1"/>
-          </a:fontRef>
-        </p:style>
-        <p:txBody>
-          <a:bodyPr rtlCol="0" anchor="ctr"/>
-          <a:lstStyle/>
-          <a:p>
-            <a:pPr algn="just">
-              <a:lnSpc>
-                <a:spcPct val="150000"/>
-              </a:lnSpc>
-            </a:pPr>
-            <a:r>
-              <a:rPr lang="en-US" altLang="ja-JP" sz="3600" kern="100" dirty="0">
-                <a:solidFill>
-                  <a:schemeClr val="tx1">
-                    <a:lumMod val="85000"/>
-                    <a:lumOff val="15000"/>
-                  </a:schemeClr>
-                </a:solidFill>
-                <a:latin typeface="メイリオ" panose="020B0604030504040204" pitchFamily="50" charset="-128"/>
-                <a:ea typeface="メイリオ" panose="020B0604030504040204" pitchFamily="50" charset="-128"/>
-                <a:cs typeface="Times New Roman" panose="02020603050405020304" pitchFamily="18" charset="0"/>
-              </a:rPr>
-              <a:t>4.</a:t>
-            </a:r>
-            <a:r>
-              <a:rPr lang="ja-JP" altLang="en-US" sz="3600" kern="100" dirty="0">
-                <a:solidFill>
-                  <a:schemeClr val="tx1">
-                    <a:lumMod val="85000"/>
-                    <a:lumOff val="15000"/>
-                  </a:schemeClr>
-                </a:solidFill>
-                <a:latin typeface="メイリオ" panose="020B0604030504040204" pitchFamily="50" charset="-128"/>
-                <a:ea typeface="メイリオ" panose="020B0604030504040204" pitchFamily="50" charset="-128"/>
-                <a:cs typeface="Times New Roman" panose="02020603050405020304" pitchFamily="18" charset="0"/>
-              </a:rPr>
-              <a:t>　プロジェクトの振り返り</a:t>
-            </a:r>
-            <a:endParaRPr lang="ja-JP" altLang="ja-JP" sz="3600" kern="100" dirty="0">
-              <a:solidFill>
-                <a:schemeClr val="tx1">
-                  <a:lumMod val="85000"/>
-                  <a:lumOff val="15000"/>
-                </a:schemeClr>
-              </a:solidFill>
-              <a:latin typeface="メイリオ" panose="020B0604030504040204" pitchFamily="50" charset="-128"/>
-              <a:ea typeface="メイリオ" panose="020B0604030504040204" pitchFamily="50" charset="-128"/>
-              <a:cs typeface="Times New Roman" panose="02020603050405020304" pitchFamily="18" charset="0"/>
-            </a:endParaRPr>
-          </a:p>
-        </p:txBody>
-      </p:sp>
-      <p:sp>
-        <p:nvSpPr>
-          <p:cNvPr id="20" name="四角形: 角を丸くする 19">
-            <a:extLst>
-              <a:ext uri="{FF2B5EF4-FFF2-40B4-BE49-F238E27FC236}">
-                <a16:creationId xmlns:a16="http://schemas.microsoft.com/office/drawing/2014/main" id="{8B1C7689-CB01-47A0-BF74-E914F8F0EC3D}"/>
-              </a:ext>
-            </a:extLst>
-          </p:cNvPr>
-          <p:cNvSpPr/>
-          <p:nvPr/>
-        </p:nvSpPr>
-        <p:spPr>
-          <a:xfrm>
-            <a:off x="615001" y="4865397"/>
-            <a:ext cx="7913995" cy="658000"/>
-          </a:xfrm>
-          <a:prstGeom prst="roundRect">
-            <a:avLst/>
-          </a:prstGeom>
-          <a:ln w="19050">
-            <a:solidFill>
-              <a:schemeClr val="accent1"/>
-            </a:solidFill>
-          </a:ln>
-        </p:spPr>
-        <p:style>
-          <a:lnRef idx="2">
-            <a:schemeClr val="accent6"/>
-          </a:lnRef>
-          <a:fillRef idx="1">
-            <a:schemeClr val="lt1"/>
-          </a:fillRef>
-          <a:effectRef idx="0">
-            <a:schemeClr val="accent6"/>
-          </a:effectRef>
-          <a:fontRef idx="minor">
-            <a:schemeClr val="dk1"/>
-          </a:fontRef>
-        </p:style>
-        <p:txBody>
-          <a:bodyPr rtlCol="0" anchor="ctr"/>
-          <a:lstStyle/>
-          <a:p>
-            <a:pPr algn="just">
-              <a:lnSpc>
-                <a:spcPct val="150000"/>
-              </a:lnSpc>
-            </a:pPr>
-            <a:r>
-              <a:rPr lang="en-US" altLang="ja-JP" sz="3600" kern="100" dirty="0">
-                <a:solidFill>
-                  <a:schemeClr val="tx1">
-                    <a:lumMod val="85000"/>
-                    <a:lumOff val="15000"/>
-                  </a:schemeClr>
-                </a:solidFill>
-                <a:latin typeface="メイリオ" panose="020B0604030504040204" pitchFamily="50" charset="-128"/>
-                <a:ea typeface="メイリオ" panose="020B0604030504040204" pitchFamily="50" charset="-128"/>
-                <a:cs typeface="Times New Roman" panose="02020603050405020304" pitchFamily="18" charset="0"/>
-              </a:rPr>
-              <a:t>5.</a:t>
-            </a:r>
-            <a:r>
-              <a:rPr lang="ja-JP" altLang="en-US" sz="3600" kern="100" dirty="0">
-                <a:solidFill>
-                  <a:schemeClr val="tx1">
-                    <a:lumMod val="85000"/>
-                    <a:lumOff val="15000"/>
-                  </a:schemeClr>
-                </a:solidFill>
-                <a:latin typeface="メイリオ" panose="020B0604030504040204" pitchFamily="50" charset="-128"/>
-                <a:ea typeface="メイリオ" panose="020B0604030504040204" pitchFamily="50" charset="-128"/>
-                <a:cs typeface="Times New Roman" panose="02020603050405020304" pitchFamily="18" charset="0"/>
-              </a:rPr>
-              <a:t>　個々の成長・感想</a:t>
-            </a:r>
-            <a:endParaRPr lang="ja-JP" altLang="ja-JP" sz="3600" kern="100" dirty="0">
-              <a:solidFill>
-                <a:schemeClr val="tx1">
-                  <a:lumMod val="85000"/>
-                  <a:lumOff val="15000"/>
-                </a:schemeClr>
-              </a:solidFill>
-              <a:latin typeface="メイリオ" panose="020B0604030504040204" pitchFamily="50" charset="-128"/>
-              <a:ea typeface="メイリオ" panose="020B0604030504040204" pitchFamily="50" charset="-128"/>
-              <a:cs typeface="Times New Roman" panose="02020603050405020304" pitchFamily="18" charset="0"/>
-            </a:endParaRPr>
-          </a:p>
-        </p:txBody>
-      </p:sp>
-      <p:sp>
-        <p:nvSpPr>
-          <p:cNvPr id="21" name="四角形: 角を丸くする 20">
-            <a:extLst>
-              <a:ext uri="{FF2B5EF4-FFF2-40B4-BE49-F238E27FC236}">
-                <a16:creationId xmlns:a16="http://schemas.microsoft.com/office/drawing/2014/main" id="{460F04A2-8F78-4E7D-971A-AA72042386EE}"/>
-              </a:ext>
-            </a:extLst>
-          </p:cNvPr>
-          <p:cNvSpPr/>
-          <p:nvPr/>
-        </p:nvSpPr>
-        <p:spPr>
-          <a:xfrm>
-            <a:off x="615001" y="5729097"/>
-            <a:ext cx="7913995" cy="658000"/>
-          </a:xfrm>
-          <a:prstGeom prst="roundRect">
-            <a:avLst/>
-          </a:prstGeom>
-          <a:ln w="19050">
-            <a:solidFill>
-              <a:schemeClr val="accent1"/>
-            </a:solidFill>
-          </a:ln>
-        </p:spPr>
-        <p:style>
-          <a:lnRef idx="2">
-            <a:schemeClr val="accent6"/>
-          </a:lnRef>
-          <a:fillRef idx="1">
-            <a:schemeClr val="lt1"/>
-          </a:fillRef>
-          <a:effectRef idx="0">
-            <a:schemeClr val="accent6"/>
-          </a:effectRef>
-          <a:fontRef idx="minor">
-            <a:schemeClr val="dk1"/>
-          </a:fontRef>
-        </p:style>
-        <p:txBody>
-          <a:bodyPr rtlCol="0" anchor="ctr"/>
-          <a:lstStyle/>
-          <a:p>
-            <a:pPr algn="just">
-              <a:lnSpc>
-                <a:spcPct val="150000"/>
-              </a:lnSpc>
-            </a:pPr>
-            <a:r>
-              <a:rPr lang="en-US" altLang="ja-JP" sz="3600" kern="100" dirty="0">
-                <a:solidFill>
-                  <a:schemeClr val="tx1">
-                    <a:lumMod val="85000"/>
-                    <a:lumOff val="15000"/>
-                  </a:schemeClr>
-                </a:solidFill>
-                <a:latin typeface="メイリオ" panose="020B0604030504040204" pitchFamily="50" charset="-128"/>
-                <a:ea typeface="メイリオ" panose="020B0604030504040204" pitchFamily="50" charset="-128"/>
-                <a:cs typeface="Times New Roman" panose="02020603050405020304" pitchFamily="18" charset="0"/>
-              </a:rPr>
-              <a:t>6.</a:t>
-            </a:r>
-            <a:r>
-              <a:rPr lang="ja-JP" altLang="en-US" sz="3600" kern="100" dirty="0">
-                <a:solidFill>
-                  <a:schemeClr val="tx1">
-                    <a:lumMod val="85000"/>
-                    <a:lumOff val="15000"/>
-                  </a:schemeClr>
-                </a:solidFill>
-                <a:latin typeface="メイリオ" panose="020B0604030504040204" pitchFamily="50" charset="-128"/>
-                <a:ea typeface="メイリオ" panose="020B0604030504040204" pitchFamily="50" charset="-128"/>
-                <a:cs typeface="Times New Roman" panose="02020603050405020304" pitchFamily="18" charset="0"/>
-              </a:rPr>
-              <a:t>　まとめ</a:t>
-            </a:r>
-            <a:endParaRPr lang="ja-JP" altLang="ja-JP" sz="3600" kern="100" dirty="0">
-              <a:solidFill>
-                <a:schemeClr val="tx1">
-                  <a:lumMod val="85000"/>
-                  <a:lumOff val="15000"/>
-                </a:schemeClr>
-              </a:solidFill>
-              <a:latin typeface="メイリオ" panose="020B0604030504040204" pitchFamily="50" charset="-128"/>
-              <a:ea typeface="メイリオ" panose="020B0604030504040204" pitchFamily="50" charset="-128"/>
-              <a:cs typeface="Times New Roman" panose="02020603050405020304" pitchFamily="18" charset="0"/>
-            </a:endParaRPr>
-          </a:p>
-        </p:txBody>
-      </p:sp>
-    </p:spTree>
-    <p:extLst>
-      <p:ext uri="{BB962C8B-B14F-4D97-AF65-F5344CB8AC3E}">
-        <p14:creationId xmlns:p14="http://schemas.microsoft.com/office/powerpoint/2010/main" val="837526961"/>
-      </p:ext>
-    </p:extLst>
-  </p:cSld>
-  <p:clrMapOvr>
-    <a:masterClrMapping/>
-  </p:clrMapOvr>
-</p:sld>
-</file>
-
-<file path=ppt/slides/slide40.xml><?xml version="1.0" encoding="utf-8"?>
+<file path=ppt/slides/slide42.xml><?xml version="1.0" encoding="utf-8"?>
 <p:sld xmlns:a="http://schemas.openxmlformats.org/drawingml/2006/main" xmlns:r="http://schemas.openxmlformats.org/officeDocument/2006/relationships" xmlns:p="http://schemas.openxmlformats.org/presentationml/2006/main">
   <p:cSld>
     <p:spTree>
@@ -32334,7 +34295,7 @@
                   </a:schemeClr>
                 </a:solidFill>
               </a:rPr>
-              <a:t>40</a:t>
+              <a:t>42</a:t>
             </a:fld>
             <a:endParaRPr kumimoji="1" lang="ja-JP" altLang="en-US" sz="4000" dirty="0">
               <a:solidFill>
@@ -32771,7 +34732,7 @@
 </p:sld>
 </file>
 
-<file path=ppt/slides/slide41.xml><?xml version="1.0" encoding="utf-8"?>
+<file path=ppt/slides/slide43.xml><?xml version="1.0" encoding="utf-8"?>
 <p:sld xmlns:a="http://schemas.openxmlformats.org/drawingml/2006/main" xmlns:r="http://schemas.openxmlformats.org/officeDocument/2006/relationships" xmlns:p="http://schemas.openxmlformats.org/presentationml/2006/main">
   <p:cSld>
     <p:spTree>
@@ -32934,7 +34895,7 @@
           <a:p>
             <a:fld id="{28B3E1AD-D654-41ED-B122-F068B9548232}" type="slidenum">
               <a:rPr kumimoji="1" lang="ja-JP" altLang="en-US" sz="6600" smtClean="0"/>
-              <a:t>41</a:t>
+              <a:t>43</a:t>
             </a:fld>
             <a:endParaRPr kumimoji="1" lang="ja-JP" altLang="en-US" sz="6600"/>
           </a:p>
@@ -33402,7 +35363,7 @@
 </p:sld>
 </file>
 
-<file path=ppt/slides/slide42.xml><?xml version="1.0" encoding="utf-8"?>
+<file path=ppt/slides/slide44.xml><?xml version="1.0" encoding="utf-8"?>
 <p:sld xmlns:a="http://schemas.openxmlformats.org/drawingml/2006/main" xmlns:r="http://schemas.openxmlformats.org/officeDocument/2006/relationships" xmlns:p="http://schemas.openxmlformats.org/presentationml/2006/main">
   <p:cSld>
     <p:spTree>
@@ -33442,7 +35403,7 @@
           <a:p>
             <a:fld id="{28B3E1AD-D654-41ED-B122-F068B9548232}" type="slidenum">
               <a:rPr kumimoji="1" lang="ja-JP" altLang="en-US" smtClean="0"/>
-              <a:t>42</a:t>
+              <a:t>44</a:t>
             </a:fld>
             <a:endParaRPr kumimoji="1" lang="ja-JP" altLang="en-US"/>
           </a:p>
@@ -33580,7 +35541,7 @@
 </p:sld>
 </file>
 
-<file path=ppt/slides/slide43.xml><?xml version="1.0" encoding="utf-8"?>
+<file path=ppt/slides/slide45.xml><?xml version="1.0" encoding="utf-8"?>
 <p:sld xmlns:a="http://schemas.openxmlformats.org/drawingml/2006/main" xmlns:r="http://schemas.openxmlformats.org/officeDocument/2006/relationships" xmlns:p="http://schemas.openxmlformats.org/presentationml/2006/main">
   <p:cSld>
     <p:spTree>
@@ -33620,7 +35581,7 @@
           <a:p>
             <a:fld id="{28B3E1AD-D654-41ED-B122-F068B9548232}" type="slidenum">
               <a:rPr kumimoji="1" lang="ja-JP" altLang="en-US" smtClean="0"/>
-              <a:t>43</a:t>
+              <a:t>45</a:t>
             </a:fld>
             <a:endParaRPr kumimoji="1" lang="ja-JP" altLang="en-US"/>
           </a:p>
@@ -35576,14 +37537,14 @@
           <p:nvPr>
             <p:extLst>
               <p:ext uri="{D42A27DB-BD31-4B8C-83A1-F6EECF244321}">
-                <p14:modId xmlns:p14="http://schemas.microsoft.com/office/powerpoint/2010/main" val="76832949"/>
+                <p14:modId xmlns:p14="http://schemas.microsoft.com/office/powerpoint/2010/main" val="1803812244"/>
               </p:ext>
             </p:extLst>
           </p:nvPr>
         </p:nvGraphicFramePr>
         <p:xfrm>
           <a:off x="242887" y="863908"/>
-          <a:ext cx="8658225" cy="5777884"/>
+          <a:ext cx="8658225" cy="5906462"/>
         </p:xfrm>
         <a:graphic>
           <a:graphicData uri="http://schemas.openxmlformats.org/drawingml/2006/table">
@@ -35652,7 +37613,7 @@
                           <a:latin typeface="メイリオ" panose="020B0604030504040204" pitchFamily="50" charset="-128"/>
                           <a:ea typeface="メイリオ" panose="020B0604030504040204" pitchFamily="50" charset="-128"/>
                         </a:rPr>
-                        <a:t>・　</a:t>
+                        <a:t>・　すぐに答えが見つかる　</a:t>
                       </a:r>
                       <a:endParaRPr kumimoji="1" lang="en-US" altLang="ja-JP" sz="3600" dirty="0">
                         <a:latin typeface="メイリオ" panose="020B0604030504040204" pitchFamily="50" charset="-128"/>
@@ -35666,7 +37627,7 @@
                           <a:latin typeface="メイリオ" panose="020B0604030504040204" pitchFamily="50" charset="-128"/>
                           <a:ea typeface="メイリオ" panose="020B0604030504040204" pitchFamily="50" charset="-128"/>
                         </a:rPr>
-                        <a:t>・</a:t>
+                        <a:t>・　</a:t>
                       </a:r>
                     </a:p>
                   </a:txBody>
@@ -35753,7 +37714,27 @@
                           <a:effectLst/>
                           <a:latin typeface="Roboto" panose="02000000000000000000" pitchFamily="2" charset="0"/>
                         </a:rPr>
-                        <a:t>・　参考サイトを探すことが大変</a:t>
+                        <a:t>・　検索の仕方がわからない</a:t>
+                      </a:r>
+                      <a:endParaRPr lang="en-US" altLang="ja-JP" sz="3200" b="0" i="0" dirty="0">
+                        <a:solidFill>
+                          <a:srgbClr val="202124"/>
+                        </a:solidFill>
+                        <a:effectLst/>
+                        <a:latin typeface="Roboto" panose="02000000000000000000" pitchFamily="2" charset="0"/>
+                      </a:endParaRPr>
+                    </a:p>
+                    <a:p>
+                      <a:pPr algn="l"/>
+                      <a:r>
+                        <a:rPr lang="ja-JP" altLang="en-US" sz="3200" b="0" i="0" dirty="0">
+                          <a:solidFill>
+                            <a:srgbClr val="202124"/>
+                          </a:solidFill>
+                          <a:effectLst/>
+                          <a:latin typeface="Roboto" panose="02000000000000000000" pitchFamily="2" charset="0"/>
+                        </a:rPr>
+                        <a:t>　　参考サイトを探すことが大変</a:t>
                       </a:r>
                       <a:endParaRPr kumimoji="1" lang="ja-JP" altLang="en-US" sz="3200" dirty="0">
                         <a:latin typeface="メイリオ" panose="020B0604030504040204" pitchFamily="50" charset="-128"/>
@@ -35878,7 +37859,7 @@
           <p:nvPr>
             <p:extLst>
               <p:ext uri="{D42A27DB-BD31-4B8C-83A1-F6EECF244321}">
-                <p14:modId xmlns:p14="http://schemas.microsoft.com/office/powerpoint/2010/main" val="3039716921"/>
+                <p14:modId xmlns:p14="http://schemas.microsoft.com/office/powerpoint/2010/main" val="1985969098"/>
               </p:ext>
             </p:extLst>
           </p:nvPr>
@@ -35954,7 +37935,7 @@
                           <a:latin typeface="メイリオ" panose="020B0604030504040204" pitchFamily="50" charset="-128"/>
                           <a:ea typeface="メイリオ" panose="020B0604030504040204" pitchFamily="50" charset="-128"/>
                         </a:rPr>
-                        <a:t>・　</a:t>
+                        <a:t>・求めている正確が返ってくる　</a:t>
                       </a:r>
                       <a:endParaRPr kumimoji="1" lang="en-US" altLang="ja-JP" sz="3600" dirty="0">
                         <a:latin typeface="メイリオ" panose="020B0604030504040204" pitchFamily="50" charset="-128"/>
@@ -36018,46 +37999,13 @@
                     <a:p>
                       <a:pPr algn="l"/>
                       <a:r>
-                        <a:rPr lang="ja-JP" altLang="en-US" sz="3200" b="0" i="0" dirty="0">
-                          <a:solidFill>
-                            <a:srgbClr val="202124"/>
-                          </a:solidFill>
-                          <a:effectLst/>
-                          <a:latin typeface="Roboto" panose="02000000000000000000" pitchFamily="2" charset="0"/>
+                        <a:rPr kumimoji="1" lang="ja-JP" altLang="en-US" sz="3200" dirty="0">
+                          <a:latin typeface="メイリオ" panose="020B0604030504040204" pitchFamily="50" charset="-128"/>
+                          <a:ea typeface="メイリオ" panose="020B0604030504040204" pitchFamily="50" charset="-128"/>
                         </a:rPr>
-                        <a:t>自分の課題に対する答えが載っていないことが多々ある。</a:t>
+                        <a:t>回答の待ち時間が出来る</a:t>
                       </a:r>
-                      <a:endParaRPr lang="en-US" altLang="ja-JP" sz="3200" b="0" i="0" dirty="0">
-                        <a:solidFill>
-                          <a:srgbClr val="202124"/>
-                        </a:solidFill>
-                        <a:effectLst/>
-                        <a:latin typeface="Roboto" panose="02000000000000000000" pitchFamily="2" charset="0"/>
-                      </a:endParaRPr>
-                    </a:p>
-                    <a:p>
-                      <a:pPr algn="l"/>
-                      <a:endParaRPr lang="en-US" altLang="ja-JP" sz="3200" b="0" i="0" dirty="0">
-                        <a:solidFill>
-                          <a:srgbClr val="202124"/>
-                        </a:solidFill>
-                        <a:effectLst/>
-                        <a:latin typeface="Roboto" panose="02000000000000000000" pitchFamily="2" charset="0"/>
-                      </a:endParaRPr>
-                    </a:p>
-                    <a:p>
-                      <a:pPr algn="l"/>
-                      <a:r>
-                        <a:rPr lang="ja-JP" altLang="en-US" sz="3200" b="0" i="0" dirty="0">
-                          <a:solidFill>
-                            <a:srgbClr val="202124"/>
-                          </a:solidFill>
-                          <a:effectLst/>
-                          <a:latin typeface="Roboto" panose="02000000000000000000" pitchFamily="2" charset="0"/>
-                        </a:rPr>
-                        <a:t>・　参考サイトを探すことが大変</a:t>
-                      </a:r>
-                      <a:endParaRPr kumimoji="1" lang="ja-JP" altLang="en-US" sz="3200" dirty="0">
+                      <a:endParaRPr kumimoji="1" lang="en-US" altLang="ja-JP" sz="3200" dirty="0">
                         <a:latin typeface="メイリオ" panose="020B0604030504040204" pitchFamily="50" charset="-128"/>
                         <a:ea typeface="メイリオ" panose="020B0604030504040204" pitchFamily="50" charset="-128"/>
                       </a:endParaRPr>
